--- a/plan/road gen plan.pptx
+++ b/plan/road gen plan.pptx
@@ -9,6 +9,11 @@
     <p:sldId id="257" r:id="rId3"/>
     <p:sldId id="258" r:id="rId4"/>
     <p:sldId id="259" r:id="rId5"/>
+    <p:sldId id="260" r:id="rId6"/>
+    <p:sldId id="261" r:id="rId7"/>
+    <p:sldId id="262" r:id="rId8"/>
+    <p:sldId id="263" r:id="rId9"/>
+    <p:sldId id="264" r:id="rId10"/>
   </p:sldIdLst>
   <p:sldSz cx="12192000" cy="6858000"/>
   <p:notesSz cx="6858000" cy="9144000"/>
@@ -107,6 +112,11 @@
       </a:defRPr>
     </a:lvl9pPr>
   </p:defaultTextStyle>
+  <p:extLst>
+    <p:ext uri="{EFAFB233-063F-42B5-8137-9DF3F51BA10A}">
+      <p15:sldGuideLst xmlns:p15="http://schemas.microsoft.com/office/powerpoint/2012/main"/>
+    </p:ext>
+  </p:extLst>
 </p:presentation>
 </file>
 
@@ -257,7 +267,7 @@
           <a:p>
             <a:fld id="{D1B78991-D8FC-4616-A991-E51E17600797}" type="datetimeFigureOut">
               <a:rPr lang="en-US" smtClean="0"/>
-              <a:t>4/20/2021</a:t>
+              <a:t>4/21/2021</a:t>
             </a:fld>
             <a:endParaRPr lang="en-US"/>
           </a:p>
@@ -455,7 +465,7 @@
           <a:p>
             <a:fld id="{D1B78991-D8FC-4616-A991-E51E17600797}" type="datetimeFigureOut">
               <a:rPr lang="en-US" smtClean="0"/>
-              <a:t>4/20/2021</a:t>
+              <a:t>4/21/2021</a:t>
             </a:fld>
             <a:endParaRPr lang="en-US"/>
           </a:p>
@@ -663,7 +673,7 @@
           <a:p>
             <a:fld id="{D1B78991-D8FC-4616-A991-E51E17600797}" type="datetimeFigureOut">
               <a:rPr lang="en-US" smtClean="0"/>
-              <a:t>4/20/2021</a:t>
+              <a:t>4/21/2021</a:t>
             </a:fld>
             <a:endParaRPr lang="en-US"/>
           </a:p>
@@ -861,7 +871,7 @@
           <a:p>
             <a:fld id="{D1B78991-D8FC-4616-A991-E51E17600797}" type="datetimeFigureOut">
               <a:rPr lang="en-US" smtClean="0"/>
-              <a:t>4/20/2021</a:t>
+              <a:t>4/21/2021</a:t>
             </a:fld>
             <a:endParaRPr lang="en-US"/>
           </a:p>
@@ -1136,7 +1146,7 @@
           <a:p>
             <a:fld id="{D1B78991-D8FC-4616-A991-E51E17600797}" type="datetimeFigureOut">
               <a:rPr lang="en-US" smtClean="0"/>
-              <a:t>4/20/2021</a:t>
+              <a:t>4/21/2021</a:t>
             </a:fld>
             <a:endParaRPr lang="en-US"/>
           </a:p>
@@ -1401,7 +1411,7 @@
           <a:p>
             <a:fld id="{D1B78991-D8FC-4616-A991-E51E17600797}" type="datetimeFigureOut">
               <a:rPr lang="en-US" smtClean="0"/>
-              <a:t>4/20/2021</a:t>
+              <a:t>4/21/2021</a:t>
             </a:fld>
             <a:endParaRPr lang="en-US"/>
           </a:p>
@@ -1813,7 +1823,7 @@
           <a:p>
             <a:fld id="{D1B78991-D8FC-4616-A991-E51E17600797}" type="datetimeFigureOut">
               <a:rPr lang="en-US" smtClean="0"/>
-              <a:t>4/20/2021</a:t>
+              <a:t>4/21/2021</a:t>
             </a:fld>
             <a:endParaRPr lang="en-US"/>
           </a:p>
@@ -1954,7 +1964,7 @@
           <a:p>
             <a:fld id="{D1B78991-D8FC-4616-A991-E51E17600797}" type="datetimeFigureOut">
               <a:rPr lang="en-US" smtClean="0"/>
-              <a:t>4/20/2021</a:t>
+              <a:t>4/21/2021</a:t>
             </a:fld>
             <a:endParaRPr lang="en-US"/>
           </a:p>
@@ -2067,7 +2077,7 @@
           <a:p>
             <a:fld id="{D1B78991-D8FC-4616-A991-E51E17600797}" type="datetimeFigureOut">
               <a:rPr lang="en-US" smtClean="0"/>
-              <a:t>4/20/2021</a:t>
+              <a:t>4/21/2021</a:t>
             </a:fld>
             <a:endParaRPr lang="en-US"/>
           </a:p>
@@ -2378,7 +2388,7 @@
           <a:p>
             <a:fld id="{D1B78991-D8FC-4616-A991-E51E17600797}" type="datetimeFigureOut">
               <a:rPr lang="en-US" smtClean="0"/>
-              <a:t>4/20/2021</a:t>
+              <a:t>4/21/2021</a:t>
             </a:fld>
             <a:endParaRPr lang="en-US"/>
           </a:p>
@@ -2666,7 +2676,7 @@
           <a:p>
             <a:fld id="{D1B78991-D8FC-4616-A991-E51E17600797}" type="datetimeFigureOut">
               <a:rPr lang="en-US" smtClean="0"/>
-              <a:t>4/20/2021</a:t>
+              <a:t>4/21/2021</a:t>
             </a:fld>
             <a:endParaRPr lang="en-US"/>
           </a:p>
@@ -2907,7 +2917,7 @@
           <a:p>
             <a:fld id="{D1B78991-D8FC-4616-A991-E51E17600797}" type="datetimeFigureOut">
               <a:rPr lang="en-US" smtClean="0"/>
-              <a:t>4/20/2021</a:t>
+              <a:t>4/21/2021</a:t>
             </a:fld>
             <a:endParaRPr lang="en-US"/>
           </a:p>
@@ -3571,7 +3581,7 @@
         </p:nvGrpSpPr>
         <p:grpSpPr>
           <a:xfrm>
-            <a:off x="7303273" y="835871"/>
+            <a:off x="7303273" y="856878"/>
             <a:ext cx="2164080" cy="2027583"/>
             <a:chOff x="7303273" y="835871"/>
             <a:chExt cx="2164080" cy="2027583"/>
@@ -3945,7 +3955,7 @@
         </p:nvGrpSpPr>
         <p:grpSpPr>
           <a:xfrm>
-            <a:off x="623737" y="4599829"/>
+            <a:off x="669807" y="3752165"/>
             <a:ext cx="1241283" cy="1241283"/>
             <a:chOff x="480613" y="985962"/>
             <a:chExt cx="1241283" cy="1241283"/>
@@ -4211,7 +4221,7 @@
         <p:spPr>
           <a:xfrm>
             <a:off x="2778981" y="4435501"/>
-            <a:ext cx="2471754" cy="1477328"/>
+            <a:ext cx="4239372" cy="954107"/>
           </a:xfrm>
           <a:prstGeom prst="rect">
             <a:avLst/>
@@ -4225,14 +4235,20 @@
           <a:lstStyle/>
           <a:p>
             <a:r>
-              <a:rPr lang="en-US" dirty="0"/>
+              <a:rPr lang="en-US" sz="1400" dirty="0"/>
               <a:t>1 Minimum length of a edge = ½ (combined bounding box’s side)</a:t>
             </a:r>
           </a:p>
           <a:p>
             <a:r>
-              <a:rPr lang="en-US" dirty="0"/>
+              <a:rPr lang="en-US" sz="1400" dirty="0"/>
               <a:t>2. No overlap of bounding boxes</a:t>
+            </a:r>
+          </a:p>
+          <a:p>
+            <a:r>
+              <a:rPr lang="en-US" sz="1400" dirty="0"/>
+              <a:t>3. Number of incident roads</a:t>
             </a:r>
           </a:p>
         </p:txBody>
@@ -4576,6 +4592,123 @@
           </p:style>
         </p:cxnSp>
       </p:grpSp>
+      <p:cxnSp>
+        <p:nvCxnSpPr>
+          <p:cNvPr id="3" name="Straight Connector 2">
+            <a:extLst>
+              <a:ext uri="{FF2B5EF4-FFF2-40B4-BE49-F238E27FC236}">
+                <a16:creationId xmlns:a16="http://schemas.microsoft.com/office/drawing/2014/main" id="{E07C748D-971E-437D-B74A-4BD6D60D8A39}"/>
+              </a:ext>
+            </a:extLst>
+          </p:cNvPr>
+          <p:cNvCxnSpPr>
+            <a:cxnSpLocks/>
+          </p:cNvCxnSpPr>
+          <p:nvPr/>
+        </p:nvCxnSpPr>
+        <p:spPr>
+          <a:xfrm flipH="1">
+            <a:off x="6711563" y="1522675"/>
+            <a:ext cx="591710" cy="0"/>
+          </a:xfrm>
+          <a:prstGeom prst="line">
+            <a:avLst/>
+          </a:prstGeom>
+          <a:ln w="28575"/>
+        </p:spPr>
+        <p:style>
+          <a:lnRef idx="1">
+            <a:schemeClr val="accent1"/>
+          </a:lnRef>
+          <a:fillRef idx="0">
+            <a:schemeClr val="accent1"/>
+          </a:fillRef>
+          <a:effectRef idx="0">
+            <a:schemeClr val="accent1"/>
+          </a:effectRef>
+          <a:fontRef idx="minor">
+            <a:schemeClr val="tx1"/>
+          </a:fontRef>
+        </p:style>
+      </p:cxnSp>
+      <p:cxnSp>
+        <p:nvCxnSpPr>
+          <p:cNvPr id="39" name="Straight Connector 38">
+            <a:extLst>
+              <a:ext uri="{FF2B5EF4-FFF2-40B4-BE49-F238E27FC236}">
+                <a16:creationId xmlns:a16="http://schemas.microsoft.com/office/drawing/2014/main" id="{B79677F5-4500-4018-B6A6-9165F49CDD54}"/>
+              </a:ext>
+            </a:extLst>
+          </p:cNvPr>
+          <p:cNvCxnSpPr>
+            <a:cxnSpLocks/>
+          </p:cNvCxnSpPr>
+          <p:nvPr/>
+        </p:nvCxnSpPr>
+        <p:spPr>
+          <a:xfrm flipH="1">
+            <a:off x="7696863" y="2884461"/>
+            <a:ext cx="287575" cy="449744"/>
+          </a:xfrm>
+          <a:prstGeom prst="line">
+            <a:avLst/>
+          </a:prstGeom>
+          <a:ln w="28575"/>
+        </p:spPr>
+        <p:style>
+          <a:lnRef idx="1">
+            <a:schemeClr val="accent1"/>
+          </a:lnRef>
+          <a:fillRef idx="0">
+            <a:schemeClr val="accent1"/>
+          </a:fillRef>
+          <a:effectRef idx="0">
+            <a:schemeClr val="accent1"/>
+          </a:effectRef>
+          <a:fontRef idx="minor">
+            <a:schemeClr val="tx1"/>
+          </a:fontRef>
+        </p:style>
+      </p:cxnSp>
+      <p:cxnSp>
+        <p:nvCxnSpPr>
+          <p:cNvPr id="40" name="Straight Connector 39">
+            <a:extLst>
+              <a:ext uri="{FF2B5EF4-FFF2-40B4-BE49-F238E27FC236}">
+                <a16:creationId xmlns:a16="http://schemas.microsoft.com/office/drawing/2014/main" id="{7FAA8F99-B5AD-4F55-A669-E0A279A4A441}"/>
+              </a:ext>
+            </a:extLst>
+          </p:cNvPr>
+          <p:cNvCxnSpPr>
+            <a:cxnSpLocks/>
+          </p:cNvCxnSpPr>
+          <p:nvPr/>
+        </p:nvCxnSpPr>
+        <p:spPr>
+          <a:xfrm flipH="1" flipV="1">
+            <a:off x="9439523" y="1208599"/>
+            <a:ext cx="1260282" cy="318714"/>
+          </a:xfrm>
+          <a:prstGeom prst="line">
+            <a:avLst/>
+          </a:prstGeom>
+          <a:ln w="34925"/>
+        </p:spPr>
+        <p:style>
+          <a:lnRef idx="1">
+            <a:schemeClr val="accent1"/>
+          </a:lnRef>
+          <a:fillRef idx="0">
+            <a:schemeClr val="accent1"/>
+          </a:fillRef>
+          <a:effectRef idx="0">
+            <a:schemeClr val="accent1"/>
+          </a:effectRef>
+          <a:fontRef idx="minor">
+            <a:schemeClr val="tx1"/>
+          </a:fontRef>
+        </p:style>
+      </p:cxnSp>
     </p:spTree>
     <p:extLst>
       <p:ext uri="{BB962C8B-B14F-4D97-AF65-F5344CB8AC3E}">
@@ -8635,10 +8768,5051 @@
           <a:chExt cx="0" cy="0"/>
         </a:xfrm>
       </p:grpSpPr>
+      <p:sp>
+        <p:nvSpPr>
+          <p:cNvPr id="2" name="Title 1">
+            <a:extLst>
+              <a:ext uri="{FF2B5EF4-FFF2-40B4-BE49-F238E27FC236}">
+                <a16:creationId xmlns:a16="http://schemas.microsoft.com/office/drawing/2014/main" id="{4F1F38CE-33B7-41FB-8461-68BCABDD9F13}"/>
+              </a:ext>
+            </a:extLst>
+          </p:cNvPr>
+          <p:cNvSpPr>
+            <a:spLocks noGrp="1"/>
+          </p:cNvSpPr>
+          <p:nvPr>
+            <p:ph type="title"/>
+          </p:nvPr>
+        </p:nvSpPr>
+        <p:spPr/>
+        <p:txBody>
+          <a:bodyPr/>
+          <a:lstStyle/>
+          <a:p>
+            <a:r>
+              <a:rPr lang="en-US" dirty="0"/>
+              <a:t>User input plans</a:t>
+            </a:r>
+          </a:p>
+        </p:txBody>
+      </p:sp>
+      <p:sp>
+        <p:nvSpPr>
+          <p:cNvPr id="3" name="TextBox 2">
+            <a:extLst>
+              <a:ext uri="{FF2B5EF4-FFF2-40B4-BE49-F238E27FC236}">
+                <a16:creationId xmlns:a16="http://schemas.microsoft.com/office/drawing/2014/main" id="{761BB4D0-9757-4607-B763-0FDED275F668}"/>
+              </a:ext>
+            </a:extLst>
+          </p:cNvPr>
+          <p:cNvSpPr txBox="1"/>
+          <p:nvPr/>
+        </p:nvSpPr>
+        <p:spPr>
+          <a:xfrm>
+            <a:off x="923192" y="1784838"/>
+            <a:ext cx="9346223" cy="2031325"/>
+          </a:xfrm>
+          <a:prstGeom prst="rect">
+            <a:avLst/>
+          </a:prstGeom>
+          <a:noFill/>
+        </p:spPr>
+        <p:txBody>
+          <a:bodyPr wrap="square" rtlCol="0">
+            <a:spAutoFit/>
+          </a:bodyPr>
+          <a:lstStyle/>
+          <a:p>
+            <a:pPr marL="342900" indent="-342900">
+              <a:buAutoNum type="arabicPeriod"/>
+            </a:pPr>
+            <a:r>
+              <a:rPr lang="en-US" dirty="0"/>
+              <a:t>n-way intersections (n[3,5])</a:t>
+            </a:r>
+          </a:p>
+          <a:p>
+            <a:pPr marL="342900" indent="-342900">
+              <a:buAutoNum type="arabicPeriod"/>
+            </a:pPr>
+            <a:r>
+              <a:rPr lang="en-US" dirty="0"/>
+              <a:t>Number of intersections</a:t>
+            </a:r>
+          </a:p>
+          <a:p>
+            <a:pPr marL="342900" indent="-342900">
+              <a:buAutoNum type="arabicPeriod"/>
+            </a:pPr>
+            <a:r>
+              <a:rPr lang="en-US" dirty="0"/>
+              <a:t>Overall shape? (grid, random)</a:t>
+            </a:r>
+          </a:p>
+          <a:p>
+            <a:pPr marL="342900" indent="-342900">
+              <a:buAutoNum type="arabicPeriod"/>
+            </a:pPr>
+            <a:r>
+              <a:rPr lang="en-US" dirty="0"/>
+              <a:t>Distribution of intersection types (4 way 0.8, 3 way 0.13, others …)</a:t>
+            </a:r>
+          </a:p>
+          <a:p>
+            <a:pPr marL="342900" indent="-342900">
+              <a:buAutoNum type="arabicPeriod"/>
+            </a:pPr>
+            <a:r>
+              <a:rPr lang="en-US" dirty="0"/>
+              <a:t>Graph connectivity and node placement from models learning from OSM.</a:t>
+            </a:r>
+          </a:p>
+          <a:p>
+            <a:pPr marL="342900" indent="-342900">
+              <a:buAutoNum type="arabicPeriod"/>
+            </a:pPr>
+            <a:endParaRPr lang="en-US" dirty="0"/>
+          </a:p>
+          <a:p>
+            <a:pPr marL="342900" indent="-342900">
+              <a:buAutoNum type="arabicPeriod"/>
+            </a:pPr>
+            <a:endParaRPr lang="en-US" dirty="0"/>
+          </a:p>
+        </p:txBody>
+      </p:sp>
     </p:spTree>
     <p:extLst>
       <p:ext uri="{BB962C8B-B14F-4D97-AF65-F5344CB8AC3E}">
         <p14:creationId xmlns:p14="http://schemas.microsoft.com/office/powerpoint/2010/main" val="2343797506"/>
+      </p:ext>
+    </p:extLst>
+  </p:cSld>
+  <p:clrMapOvr>
+    <a:masterClrMapping/>
+  </p:clrMapOvr>
+</p:sld>
+</file>
+
+<file path=ppt/slides/slide5.xml><?xml version="1.0" encoding="utf-8"?>
+<p:sld xmlns:a="http://schemas.openxmlformats.org/drawingml/2006/main" xmlns:r="http://schemas.openxmlformats.org/officeDocument/2006/relationships" xmlns:p="http://schemas.openxmlformats.org/presentationml/2006/main">
+  <p:cSld>
+    <p:spTree>
+      <p:nvGrpSpPr>
+        <p:cNvPr id="1" name=""/>
+        <p:cNvGrpSpPr/>
+        <p:nvPr/>
+      </p:nvGrpSpPr>
+      <p:grpSpPr>
+        <a:xfrm>
+          <a:off x="0" y="0"/>
+          <a:ext cx="0" cy="0"/>
+          <a:chOff x="0" y="0"/>
+          <a:chExt cx="0" cy="0"/>
+        </a:xfrm>
+      </p:grpSpPr>
+      <p:grpSp>
+        <p:nvGrpSpPr>
+          <p:cNvPr id="2" name="Group 1">
+            <a:extLst>
+              <a:ext uri="{FF2B5EF4-FFF2-40B4-BE49-F238E27FC236}">
+                <a16:creationId xmlns:a16="http://schemas.microsoft.com/office/drawing/2014/main" id="{DACA2577-C81A-4847-87B2-FE57433D840B}"/>
+              </a:ext>
+            </a:extLst>
+          </p:cNvPr>
+          <p:cNvGrpSpPr/>
+          <p:nvPr/>
+        </p:nvGrpSpPr>
+        <p:grpSpPr>
+          <a:xfrm>
+            <a:off x="2669842" y="1333490"/>
+            <a:ext cx="508362" cy="508362"/>
+            <a:chOff x="480613" y="985962"/>
+            <a:chExt cx="1241283" cy="1241283"/>
+          </a:xfrm>
+        </p:grpSpPr>
+        <p:sp>
+          <p:nvSpPr>
+            <p:cNvPr id="3" name="Rectangle 2">
+              <a:extLst>
+                <a:ext uri="{FF2B5EF4-FFF2-40B4-BE49-F238E27FC236}">
+                  <a16:creationId xmlns:a16="http://schemas.microsoft.com/office/drawing/2014/main" id="{C1B29F15-0360-400F-ABFE-8FC8B63F59E8}"/>
+                </a:ext>
+              </a:extLst>
+            </p:cNvPr>
+            <p:cNvSpPr/>
+            <p:nvPr/>
+          </p:nvSpPr>
+          <p:spPr>
+            <a:xfrm>
+              <a:off x="989937" y="985962"/>
+              <a:ext cx="222637" cy="1241283"/>
+            </a:xfrm>
+            <a:prstGeom prst="rect">
+              <a:avLst/>
+            </a:prstGeom>
+          </p:spPr>
+          <p:style>
+            <a:lnRef idx="2">
+              <a:schemeClr val="accent1">
+                <a:shade val="50000"/>
+              </a:schemeClr>
+            </a:lnRef>
+            <a:fillRef idx="1">
+              <a:schemeClr val="accent1"/>
+            </a:fillRef>
+            <a:effectRef idx="0">
+              <a:schemeClr val="accent1"/>
+            </a:effectRef>
+            <a:fontRef idx="minor">
+              <a:schemeClr val="lt1"/>
+            </a:fontRef>
+          </p:style>
+          <p:txBody>
+            <a:bodyPr rtlCol="0" anchor="ctr"/>
+            <a:lstStyle/>
+            <a:p>
+              <a:pPr algn="ctr"/>
+              <a:endParaRPr lang="en-US"/>
+            </a:p>
+          </p:txBody>
+        </p:sp>
+        <p:sp>
+          <p:nvSpPr>
+            <p:cNvPr id="4" name="Rectangle 3">
+              <a:extLst>
+                <a:ext uri="{FF2B5EF4-FFF2-40B4-BE49-F238E27FC236}">
+                  <a16:creationId xmlns:a16="http://schemas.microsoft.com/office/drawing/2014/main" id="{1F5682AD-0EE1-4A64-857D-56BC8729F694}"/>
+                </a:ext>
+              </a:extLst>
+            </p:cNvPr>
+            <p:cNvSpPr/>
+            <p:nvPr/>
+          </p:nvSpPr>
+          <p:spPr>
+            <a:xfrm rot="5400000">
+              <a:off x="989936" y="950181"/>
+              <a:ext cx="222637" cy="1241283"/>
+            </a:xfrm>
+            <a:prstGeom prst="rect">
+              <a:avLst/>
+            </a:prstGeom>
+          </p:spPr>
+          <p:style>
+            <a:lnRef idx="2">
+              <a:schemeClr val="accent1">
+                <a:shade val="50000"/>
+              </a:schemeClr>
+            </a:lnRef>
+            <a:fillRef idx="1">
+              <a:schemeClr val="accent1"/>
+            </a:fillRef>
+            <a:effectRef idx="0">
+              <a:schemeClr val="accent1"/>
+            </a:effectRef>
+            <a:fontRef idx="minor">
+              <a:schemeClr val="lt1"/>
+            </a:fontRef>
+          </p:style>
+          <p:txBody>
+            <a:bodyPr rtlCol="0" anchor="ctr"/>
+            <a:lstStyle/>
+            <a:p>
+              <a:pPr algn="ctr"/>
+              <a:r>
+                <a:rPr lang="en-US" dirty="0"/>
+                <a:t>3</a:t>
+              </a:r>
+            </a:p>
+          </p:txBody>
+        </p:sp>
+      </p:grpSp>
+      <p:grpSp>
+        <p:nvGrpSpPr>
+          <p:cNvPr id="5" name="Group 4">
+            <a:extLst>
+              <a:ext uri="{FF2B5EF4-FFF2-40B4-BE49-F238E27FC236}">
+                <a16:creationId xmlns:a16="http://schemas.microsoft.com/office/drawing/2014/main" id="{BC49947C-FD5B-4BFE-AF48-953EE37C7EE4}"/>
+              </a:ext>
+            </a:extLst>
+          </p:cNvPr>
+          <p:cNvGrpSpPr/>
+          <p:nvPr/>
+        </p:nvGrpSpPr>
+        <p:grpSpPr>
+          <a:xfrm>
+            <a:off x="1052864" y="1557149"/>
+            <a:ext cx="508362" cy="508362"/>
+            <a:chOff x="480613" y="985962"/>
+            <a:chExt cx="1241283" cy="1241283"/>
+          </a:xfrm>
+        </p:grpSpPr>
+        <p:sp>
+          <p:nvSpPr>
+            <p:cNvPr id="6" name="Rectangle 5">
+              <a:extLst>
+                <a:ext uri="{FF2B5EF4-FFF2-40B4-BE49-F238E27FC236}">
+                  <a16:creationId xmlns:a16="http://schemas.microsoft.com/office/drawing/2014/main" id="{CB246677-B599-4FA6-A036-A0CDC82F3CD6}"/>
+                </a:ext>
+              </a:extLst>
+            </p:cNvPr>
+            <p:cNvSpPr/>
+            <p:nvPr/>
+          </p:nvSpPr>
+          <p:spPr>
+            <a:xfrm>
+              <a:off x="989937" y="985962"/>
+              <a:ext cx="222637" cy="1241283"/>
+            </a:xfrm>
+            <a:prstGeom prst="rect">
+              <a:avLst/>
+            </a:prstGeom>
+          </p:spPr>
+          <p:style>
+            <a:lnRef idx="2">
+              <a:schemeClr val="accent1">
+                <a:shade val="50000"/>
+              </a:schemeClr>
+            </a:lnRef>
+            <a:fillRef idx="1">
+              <a:schemeClr val="accent1"/>
+            </a:fillRef>
+            <a:effectRef idx="0">
+              <a:schemeClr val="accent1"/>
+            </a:effectRef>
+            <a:fontRef idx="minor">
+              <a:schemeClr val="lt1"/>
+            </a:fontRef>
+          </p:style>
+          <p:txBody>
+            <a:bodyPr rtlCol="0" anchor="ctr"/>
+            <a:lstStyle/>
+            <a:p>
+              <a:pPr algn="ctr"/>
+              <a:endParaRPr lang="en-US"/>
+            </a:p>
+          </p:txBody>
+        </p:sp>
+        <p:sp>
+          <p:nvSpPr>
+            <p:cNvPr id="7" name="Rectangle 6">
+              <a:extLst>
+                <a:ext uri="{FF2B5EF4-FFF2-40B4-BE49-F238E27FC236}">
+                  <a16:creationId xmlns:a16="http://schemas.microsoft.com/office/drawing/2014/main" id="{A0F37BC9-E21D-4C28-8118-104CCE8A2F14}"/>
+                </a:ext>
+              </a:extLst>
+            </p:cNvPr>
+            <p:cNvSpPr/>
+            <p:nvPr/>
+          </p:nvSpPr>
+          <p:spPr>
+            <a:xfrm rot="5400000">
+              <a:off x="989936" y="950181"/>
+              <a:ext cx="222637" cy="1241283"/>
+            </a:xfrm>
+            <a:prstGeom prst="rect">
+              <a:avLst/>
+            </a:prstGeom>
+          </p:spPr>
+          <p:style>
+            <a:lnRef idx="2">
+              <a:schemeClr val="accent1">
+                <a:shade val="50000"/>
+              </a:schemeClr>
+            </a:lnRef>
+            <a:fillRef idx="1">
+              <a:schemeClr val="accent1"/>
+            </a:fillRef>
+            <a:effectRef idx="0">
+              <a:schemeClr val="accent1"/>
+            </a:effectRef>
+            <a:fontRef idx="minor">
+              <a:schemeClr val="lt1"/>
+            </a:fontRef>
+          </p:style>
+          <p:txBody>
+            <a:bodyPr rtlCol="0" anchor="ctr"/>
+            <a:lstStyle/>
+            <a:p>
+              <a:pPr algn="ctr"/>
+              <a:r>
+                <a:rPr lang="en-US" dirty="0"/>
+                <a:t>1</a:t>
+              </a:r>
+            </a:p>
+          </p:txBody>
+        </p:sp>
+      </p:grpSp>
+      <p:grpSp>
+        <p:nvGrpSpPr>
+          <p:cNvPr id="8" name="Group 7">
+            <a:extLst>
+              <a:ext uri="{FF2B5EF4-FFF2-40B4-BE49-F238E27FC236}">
+                <a16:creationId xmlns:a16="http://schemas.microsoft.com/office/drawing/2014/main" id="{8D6D6915-2253-4B25-97AB-E09C9569C965}"/>
+              </a:ext>
+            </a:extLst>
+          </p:cNvPr>
+          <p:cNvGrpSpPr/>
+          <p:nvPr/>
+        </p:nvGrpSpPr>
+        <p:grpSpPr>
+          <a:xfrm>
+            <a:off x="1597062" y="3695890"/>
+            <a:ext cx="508362" cy="508362"/>
+            <a:chOff x="480613" y="985962"/>
+            <a:chExt cx="1241283" cy="1241283"/>
+          </a:xfrm>
+        </p:grpSpPr>
+        <p:sp>
+          <p:nvSpPr>
+            <p:cNvPr id="9" name="Rectangle 8">
+              <a:extLst>
+                <a:ext uri="{FF2B5EF4-FFF2-40B4-BE49-F238E27FC236}">
+                  <a16:creationId xmlns:a16="http://schemas.microsoft.com/office/drawing/2014/main" id="{AF30D221-BFEB-41B7-9264-DE380A156026}"/>
+                </a:ext>
+              </a:extLst>
+            </p:cNvPr>
+            <p:cNvSpPr/>
+            <p:nvPr/>
+          </p:nvSpPr>
+          <p:spPr>
+            <a:xfrm>
+              <a:off x="989937" y="985962"/>
+              <a:ext cx="222637" cy="1241283"/>
+            </a:xfrm>
+            <a:prstGeom prst="rect">
+              <a:avLst/>
+            </a:prstGeom>
+          </p:spPr>
+          <p:style>
+            <a:lnRef idx="2">
+              <a:schemeClr val="accent1">
+                <a:shade val="50000"/>
+              </a:schemeClr>
+            </a:lnRef>
+            <a:fillRef idx="1">
+              <a:schemeClr val="accent1"/>
+            </a:fillRef>
+            <a:effectRef idx="0">
+              <a:schemeClr val="accent1"/>
+            </a:effectRef>
+            <a:fontRef idx="minor">
+              <a:schemeClr val="lt1"/>
+            </a:fontRef>
+          </p:style>
+          <p:txBody>
+            <a:bodyPr rtlCol="0" anchor="ctr"/>
+            <a:lstStyle/>
+            <a:p>
+              <a:pPr algn="ctr"/>
+              <a:endParaRPr lang="en-US"/>
+            </a:p>
+          </p:txBody>
+        </p:sp>
+        <p:sp>
+          <p:nvSpPr>
+            <p:cNvPr id="10" name="Rectangle 9">
+              <a:extLst>
+                <a:ext uri="{FF2B5EF4-FFF2-40B4-BE49-F238E27FC236}">
+                  <a16:creationId xmlns:a16="http://schemas.microsoft.com/office/drawing/2014/main" id="{B1831D5E-09A8-43A8-9B60-11208D990D85}"/>
+                </a:ext>
+              </a:extLst>
+            </p:cNvPr>
+            <p:cNvSpPr/>
+            <p:nvPr/>
+          </p:nvSpPr>
+          <p:spPr>
+            <a:xfrm rot="5400000">
+              <a:off x="989936" y="950181"/>
+              <a:ext cx="222637" cy="1241283"/>
+            </a:xfrm>
+            <a:prstGeom prst="rect">
+              <a:avLst/>
+            </a:prstGeom>
+          </p:spPr>
+          <p:style>
+            <a:lnRef idx="2">
+              <a:schemeClr val="accent1">
+                <a:shade val="50000"/>
+              </a:schemeClr>
+            </a:lnRef>
+            <a:fillRef idx="1">
+              <a:schemeClr val="accent1"/>
+            </a:fillRef>
+            <a:effectRef idx="0">
+              <a:schemeClr val="accent1"/>
+            </a:effectRef>
+            <a:fontRef idx="minor">
+              <a:schemeClr val="lt1"/>
+            </a:fontRef>
+          </p:style>
+          <p:txBody>
+            <a:bodyPr rtlCol="0" anchor="ctr"/>
+            <a:lstStyle/>
+            <a:p>
+              <a:pPr algn="ctr"/>
+              <a:r>
+                <a:rPr lang="en-US" dirty="0"/>
+                <a:t>2</a:t>
+              </a:r>
+            </a:p>
+          </p:txBody>
+        </p:sp>
+      </p:grpSp>
+      <p:sp>
+        <p:nvSpPr>
+          <p:cNvPr id="11" name="Oval 10">
+            <a:extLst>
+              <a:ext uri="{FF2B5EF4-FFF2-40B4-BE49-F238E27FC236}">
+                <a16:creationId xmlns:a16="http://schemas.microsoft.com/office/drawing/2014/main" id="{DD2F9980-029B-40F9-AFC9-561A0DBB2D8F}"/>
+              </a:ext>
+            </a:extLst>
+          </p:cNvPr>
+          <p:cNvSpPr/>
+          <p:nvPr/>
+        </p:nvSpPr>
+        <p:spPr>
+          <a:xfrm>
+            <a:off x="4143592" y="3568673"/>
+            <a:ext cx="431939" cy="460053"/>
+          </a:xfrm>
+          <a:prstGeom prst="ellipse">
+            <a:avLst/>
+          </a:prstGeom>
+        </p:spPr>
+        <p:style>
+          <a:lnRef idx="2">
+            <a:schemeClr val="accent1">
+              <a:shade val="50000"/>
+            </a:schemeClr>
+          </a:lnRef>
+          <a:fillRef idx="1">
+            <a:schemeClr val="accent1"/>
+          </a:fillRef>
+          <a:effectRef idx="0">
+            <a:schemeClr val="accent1"/>
+          </a:effectRef>
+          <a:fontRef idx="minor">
+            <a:schemeClr val="lt1"/>
+          </a:fontRef>
+        </p:style>
+        <p:txBody>
+          <a:bodyPr rtlCol="0" anchor="ctr"/>
+          <a:lstStyle/>
+          <a:p>
+            <a:pPr algn="ctr"/>
+            <a:r>
+              <a:rPr lang="en-US" dirty="0"/>
+              <a:t>2</a:t>
+            </a:r>
+          </a:p>
+        </p:txBody>
+      </p:sp>
+      <p:sp>
+        <p:nvSpPr>
+          <p:cNvPr id="12" name="Oval 11">
+            <a:extLst>
+              <a:ext uri="{FF2B5EF4-FFF2-40B4-BE49-F238E27FC236}">
+                <a16:creationId xmlns:a16="http://schemas.microsoft.com/office/drawing/2014/main" id="{B7E3256B-18AA-4614-B1EB-0E731815C7FB}"/>
+              </a:ext>
+            </a:extLst>
+          </p:cNvPr>
+          <p:cNvSpPr/>
+          <p:nvPr/>
+        </p:nvSpPr>
+        <p:spPr>
+          <a:xfrm>
+            <a:off x="7801336" y="2122142"/>
+            <a:ext cx="431939" cy="460053"/>
+          </a:xfrm>
+          <a:prstGeom prst="ellipse">
+            <a:avLst/>
+          </a:prstGeom>
+        </p:spPr>
+        <p:style>
+          <a:lnRef idx="2">
+            <a:schemeClr val="accent1">
+              <a:shade val="50000"/>
+            </a:schemeClr>
+          </a:lnRef>
+          <a:fillRef idx="1">
+            <a:schemeClr val="accent1"/>
+          </a:fillRef>
+          <a:effectRef idx="0">
+            <a:schemeClr val="accent1"/>
+          </a:effectRef>
+          <a:fontRef idx="minor">
+            <a:schemeClr val="lt1"/>
+          </a:fontRef>
+        </p:style>
+        <p:txBody>
+          <a:bodyPr rtlCol="0" anchor="ctr"/>
+          <a:lstStyle/>
+          <a:p>
+            <a:pPr algn="ctr"/>
+            <a:r>
+              <a:rPr lang="en-US" dirty="0"/>
+              <a:t>3</a:t>
+            </a:r>
+          </a:p>
+        </p:txBody>
+      </p:sp>
+      <p:sp>
+        <p:nvSpPr>
+          <p:cNvPr id="13" name="Oval 12">
+            <a:extLst>
+              <a:ext uri="{FF2B5EF4-FFF2-40B4-BE49-F238E27FC236}">
+                <a16:creationId xmlns:a16="http://schemas.microsoft.com/office/drawing/2014/main" id="{BC1853D5-A86D-4EE0-B2F5-AC5C06673494}"/>
+              </a:ext>
+            </a:extLst>
+          </p:cNvPr>
+          <p:cNvSpPr/>
+          <p:nvPr/>
+        </p:nvSpPr>
+        <p:spPr>
+          <a:xfrm>
+            <a:off x="6459655" y="663041"/>
+            <a:ext cx="431939" cy="460053"/>
+          </a:xfrm>
+          <a:prstGeom prst="ellipse">
+            <a:avLst/>
+          </a:prstGeom>
+        </p:spPr>
+        <p:style>
+          <a:lnRef idx="2">
+            <a:schemeClr val="accent1">
+              <a:shade val="50000"/>
+            </a:schemeClr>
+          </a:lnRef>
+          <a:fillRef idx="1">
+            <a:schemeClr val="accent1"/>
+          </a:fillRef>
+          <a:effectRef idx="0">
+            <a:schemeClr val="accent1"/>
+          </a:effectRef>
+          <a:fontRef idx="minor">
+            <a:schemeClr val="lt1"/>
+          </a:fontRef>
+        </p:style>
+        <p:txBody>
+          <a:bodyPr rtlCol="0" anchor="ctr"/>
+          <a:lstStyle/>
+          <a:p>
+            <a:pPr algn="ctr"/>
+            <a:r>
+              <a:rPr lang="en-US" dirty="0"/>
+              <a:t>1</a:t>
+            </a:r>
+          </a:p>
+        </p:txBody>
+      </p:sp>
+      <p:cxnSp>
+        <p:nvCxnSpPr>
+          <p:cNvPr id="15" name="Straight Connector 14">
+            <a:extLst>
+              <a:ext uri="{FF2B5EF4-FFF2-40B4-BE49-F238E27FC236}">
+                <a16:creationId xmlns:a16="http://schemas.microsoft.com/office/drawing/2014/main" id="{EDA60C44-F817-44F6-879C-67BD6777A229}"/>
+              </a:ext>
+            </a:extLst>
+          </p:cNvPr>
+          <p:cNvCxnSpPr>
+            <a:cxnSpLocks/>
+            <a:stCxn id="13" idx="3"/>
+            <a:endCxn id="11" idx="0"/>
+          </p:cNvCxnSpPr>
+          <p:nvPr/>
+        </p:nvCxnSpPr>
+        <p:spPr>
+          <a:xfrm flipH="1">
+            <a:off x="4359562" y="1055721"/>
+            <a:ext cx="2163349" cy="2512952"/>
+          </a:xfrm>
+          <a:prstGeom prst="line">
+            <a:avLst/>
+          </a:prstGeom>
+        </p:spPr>
+        <p:style>
+          <a:lnRef idx="1">
+            <a:schemeClr val="accent1"/>
+          </a:lnRef>
+          <a:fillRef idx="0">
+            <a:schemeClr val="accent1"/>
+          </a:fillRef>
+          <a:effectRef idx="0">
+            <a:schemeClr val="accent1"/>
+          </a:effectRef>
+          <a:fontRef idx="minor">
+            <a:schemeClr val="tx1"/>
+          </a:fontRef>
+        </p:style>
+      </p:cxnSp>
+      <p:cxnSp>
+        <p:nvCxnSpPr>
+          <p:cNvPr id="17" name="Straight Connector 16">
+            <a:extLst>
+              <a:ext uri="{FF2B5EF4-FFF2-40B4-BE49-F238E27FC236}">
+                <a16:creationId xmlns:a16="http://schemas.microsoft.com/office/drawing/2014/main" id="{6D321E7B-9780-4C6E-A0E7-7D70D666E0D7}"/>
+              </a:ext>
+            </a:extLst>
+          </p:cNvPr>
+          <p:cNvCxnSpPr>
+            <a:cxnSpLocks/>
+            <a:stCxn id="13" idx="5"/>
+            <a:endCxn id="12" idx="0"/>
+          </p:cNvCxnSpPr>
+          <p:nvPr/>
+        </p:nvCxnSpPr>
+        <p:spPr>
+          <a:xfrm>
+            <a:off x="6828338" y="1055721"/>
+            <a:ext cx="1188968" cy="1066421"/>
+          </a:xfrm>
+          <a:prstGeom prst="line">
+            <a:avLst/>
+          </a:prstGeom>
+        </p:spPr>
+        <p:style>
+          <a:lnRef idx="1">
+            <a:schemeClr val="accent1"/>
+          </a:lnRef>
+          <a:fillRef idx="0">
+            <a:schemeClr val="accent1"/>
+          </a:fillRef>
+          <a:effectRef idx="0">
+            <a:schemeClr val="accent1"/>
+          </a:effectRef>
+          <a:fontRef idx="minor">
+            <a:schemeClr val="tx1"/>
+          </a:fontRef>
+        </p:style>
+      </p:cxnSp>
+      <p:cxnSp>
+        <p:nvCxnSpPr>
+          <p:cNvPr id="20" name="Straight Connector 19">
+            <a:extLst>
+              <a:ext uri="{FF2B5EF4-FFF2-40B4-BE49-F238E27FC236}">
+                <a16:creationId xmlns:a16="http://schemas.microsoft.com/office/drawing/2014/main" id="{2D380CE9-E3B1-4B53-A310-CBB14E818104}"/>
+              </a:ext>
+            </a:extLst>
+          </p:cNvPr>
+          <p:cNvCxnSpPr>
+            <a:cxnSpLocks/>
+            <a:endCxn id="11" idx="6"/>
+          </p:cNvCxnSpPr>
+          <p:nvPr/>
+        </p:nvCxnSpPr>
+        <p:spPr>
+          <a:xfrm flipH="1">
+            <a:off x="4575531" y="2375470"/>
+            <a:ext cx="3237986" cy="1423230"/>
+          </a:xfrm>
+          <a:prstGeom prst="line">
+            <a:avLst/>
+          </a:prstGeom>
+        </p:spPr>
+        <p:style>
+          <a:lnRef idx="1">
+            <a:schemeClr val="accent1"/>
+          </a:lnRef>
+          <a:fillRef idx="0">
+            <a:schemeClr val="accent1"/>
+          </a:fillRef>
+          <a:effectRef idx="0">
+            <a:schemeClr val="accent1"/>
+          </a:effectRef>
+          <a:fontRef idx="minor">
+            <a:schemeClr val="tx1"/>
+          </a:fontRef>
+        </p:style>
+      </p:cxnSp>
+      <p:cxnSp>
+        <p:nvCxnSpPr>
+          <p:cNvPr id="24" name="Straight Connector 23">
+            <a:extLst>
+              <a:ext uri="{FF2B5EF4-FFF2-40B4-BE49-F238E27FC236}">
+                <a16:creationId xmlns:a16="http://schemas.microsoft.com/office/drawing/2014/main" id="{E268B8ED-F381-43B4-B33E-F0D3968FEA03}"/>
+              </a:ext>
+            </a:extLst>
+          </p:cNvPr>
+          <p:cNvCxnSpPr>
+            <a:cxnSpLocks/>
+            <a:stCxn id="6" idx="0"/>
+            <a:endCxn id="4" idx="2"/>
+          </p:cNvCxnSpPr>
+          <p:nvPr/>
+        </p:nvCxnSpPr>
+        <p:spPr>
+          <a:xfrm>
+            <a:off x="1307045" y="1557149"/>
+            <a:ext cx="1362797" cy="15868"/>
+          </a:xfrm>
+          <a:prstGeom prst="line">
+            <a:avLst/>
+          </a:prstGeom>
+        </p:spPr>
+        <p:style>
+          <a:lnRef idx="1">
+            <a:schemeClr val="accent1"/>
+          </a:lnRef>
+          <a:fillRef idx="0">
+            <a:schemeClr val="accent1"/>
+          </a:fillRef>
+          <a:effectRef idx="0">
+            <a:schemeClr val="accent1"/>
+          </a:effectRef>
+          <a:fontRef idx="minor">
+            <a:schemeClr val="tx1"/>
+          </a:fontRef>
+        </p:style>
+      </p:cxnSp>
+      <p:cxnSp>
+        <p:nvCxnSpPr>
+          <p:cNvPr id="26" name="Straight Connector 25">
+            <a:extLst>
+              <a:ext uri="{FF2B5EF4-FFF2-40B4-BE49-F238E27FC236}">
+                <a16:creationId xmlns:a16="http://schemas.microsoft.com/office/drawing/2014/main" id="{08845111-84B5-4ED3-A867-399D7A101511}"/>
+              </a:ext>
+            </a:extLst>
+          </p:cNvPr>
+          <p:cNvCxnSpPr>
+            <a:cxnSpLocks/>
+            <a:stCxn id="6" idx="2"/>
+            <a:endCxn id="10" idx="2"/>
+          </p:cNvCxnSpPr>
+          <p:nvPr/>
+        </p:nvCxnSpPr>
+        <p:spPr>
+          <a:xfrm>
+            <a:off x="1307045" y="2065511"/>
+            <a:ext cx="290017" cy="1869906"/>
+          </a:xfrm>
+          <a:prstGeom prst="line">
+            <a:avLst/>
+          </a:prstGeom>
+        </p:spPr>
+        <p:style>
+          <a:lnRef idx="1">
+            <a:schemeClr val="accent1"/>
+          </a:lnRef>
+          <a:fillRef idx="0">
+            <a:schemeClr val="accent1"/>
+          </a:fillRef>
+          <a:effectRef idx="0">
+            <a:schemeClr val="accent1"/>
+          </a:effectRef>
+          <a:fontRef idx="minor">
+            <a:schemeClr val="tx1"/>
+          </a:fontRef>
+        </p:style>
+      </p:cxnSp>
+      <p:sp>
+        <p:nvSpPr>
+          <p:cNvPr id="29" name="TextBox 28">
+            <a:extLst>
+              <a:ext uri="{FF2B5EF4-FFF2-40B4-BE49-F238E27FC236}">
+                <a16:creationId xmlns:a16="http://schemas.microsoft.com/office/drawing/2014/main" id="{CCCF9EDB-2598-4149-B7B5-A46DA80F944E}"/>
+              </a:ext>
+            </a:extLst>
+          </p:cNvPr>
+          <p:cNvSpPr txBox="1"/>
+          <p:nvPr/>
+        </p:nvSpPr>
+        <p:spPr>
+          <a:xfrm>
+            <a:off x="6225700" y="3203829"/>
+            <a:ext cx="5407265" cy="923330"/>
+          </a:xfrm>
+          <a:prstGeom prst="rect">
+            <a:avLst/>
+          </a:prstGeom>
+          <a:noFill/>
+        </p:spPr>
+        <p:txBody>
+          <a:bodyPr wrap="square" rtlCol="0">
+            <a:spAutoFit/>
+          </a:bodyPr>
+          <a:lstStyle/>
+          <a:p>
+            <a:r>
+              <a:rPr lang="en-US" dirty="0"/>
+              <a:t>Can connectivity and placement problem be separated? No!</a:t>
+            </a:r>
+          </a:p>
+          <a:p>
+            <a:endParaRPr lang="en-US" dirty="0"/>
+          </a:p>
+        </p:txBody>
+      </p:sp>
+      <p:grpSp>
+        <p:nvGrpSpPr>
+          <p:cNvPr id="30" name="Group 29">
+            <a:extLst>
+              <a:ext uri="{FF2B5EF4-FFF2-40B4-BE49-F238E27FC236}">
+                <a16:creationId xmlns:a16="http://schemas.microsoft.com/office/drawing/2014/main" id="{739B338D-2036-4D51-AFF0-321A33BF9B19}"/>
+              </a:ext>
+            </a:extLst>
+          </p:cNvPr>
+          <p:cNvGrpSpPr/>
+          <p:nvPr/>
+        </p:nvGrpSpPr>
+        <p:grpSpPr>
+          <a:xfrm>
+            <a:off x="3431045" y="2491573"/>
+            <a:ext cx="508362" cy="508362"/>
+            <a:chOff x="480613" y="985962"/>
+            <a:chExt cx="1241283" cy="1241283"/>
+          </a:xfrm>
+        </p:grpSpPr>
+        <p:sp>
+          <p:nvSpPr>
+            <p:cNvPr id="31" name="Rectangle 30">
+              <a:extLst>
+                <a:ext uri="{FF2B5EF4-FFF2-40B4-BE49-F238E27FC236}">
+                  <a16:creationId xmlns:a16="http://schemas.microsoft.com/office/drawing/2014/main" id="{BABD2A6C-7314-4F75-BFD8-5298C868A59F}"/>
+                </a:ext>
+              </a:extLst>
+            </p:cNvPr>
+            <p:cNvSpPr/>
+            <p:nvPr/>
+          </p:nvSpPr>
+          <p:spPr>
+            <a:xfrm>
+              <a:off x="989937" y="985962"/>
+              <a:ext cx="222637" cy="1241283"/>
+            </a:xfrm>
+            <a:prstGeom prst="rect">
+              <a:avLst/>
+            </a:prstGeom>
+          </p:spPr>
+          <p:style>
+            <a:lnRef idx="2">
+              <a:schemeClr val="accent1">
+                <a:shade val="50000"/>
+              </a:schemeClr>
+            </a:lnRef>
+            <a:fillRef idx="1">
+              <a:schemeClr val="accent1"/>
+            </a:fillRef>
+            <a:effectRef idx="0">
+              <a:schemeClr val="accent1"/>
+            </a:effectRef>
+            <a:fontRef idx="minor">
+              <a:schemeClr val="lt1"/>
+            </a:fontRef>
+          </p:style>
+          <p:txBody>
+            <a:bodyPr rtlCol="0" anchor="ctr"/>
+            <a:lstStyle/>
+            <a:p>
+              <a:pPr algn="ctr"/>
+              <a:endParaRPr lang="en-US"/>
+            </a:p>
+          </p:txBody>
+        </p:sp>
+        <p:sp>
+          <p:nvSpPr>
+            <p:cNvPr id="32" name="Rectangle 31">
+              <a:extLst>
+                <a:ext uri="{FF2B5EF4-FFF2-40B4-BE49-F238E27FC236}">
+                  <a16:creationId xmlns:a16="http://schemas.microsoft.com/office/drawing/2014/main" id="{379E1025-FC24-4B30-9C83-F9B4214498C1}"/>
+                </a:ext>
+              </a:extLst>
+            </p:cNvPr>
+            <p:cNvSpPr/>
+            <p:nvPr/>
+          </p:nvSpPr>
+          <p:spPr>
+            <a:xfrm rot="5400000">
+              <a:off x="989936" y="950181"/>
+              <a:ext cx="222637" cy="1241283"/>
+            </a:xfrm>
+            <a:prstGeom prst="rect">
+              <a:avLst/>
+            </a:prstGeom>
+          </p:spPr>
+          <p:style>
+            <a:lnRef idx="2">
+              <a:schemeClr val="accent1">
+                <a:shade val="50000"/>
+              </a:schemeClr>
+            </a:lnRef>
+            <a:fillRef idx="1">
+              <a:schemeClr val="accent1"/>
+            </a:fillRef>
+            <a:effectRef idx="0">
+              <a:schemeClr val="accent1"/>
+            </a:effectRef>
+            <a:fontRef idx="minor">
+              <a:schemeClr val="lt1"/>
+            </a:fontRef>
+          </p:style>
+          <p:txBody>
+            <a:bodyPr rtlCol="0" anchor="ctr"/>
+            <a:lstStyle/>
+            <a:p>
+              <a:pPr algn="ctr"/>
+              <a:endParaRPr lang="en-US"/>
+            </a:p>
+          </p:txBody>
+        </p:sp>
+      </p:grpSp>
+      <p:grpSp>
+        <p:nvGrpSpPr>
+          <p:cNvPr id="33" name="Group 32">
+            <a:extLst>
+              <a:ext uri="{FF2B5EF4-FFF2-40B4-BE49-F238E27FC236}">
+                <a16:creationId xmlns:a16="http://schemas.microsoft.com/office/drawing/2014/main" id="{0E160681-8282-477C-8536-30164A8AB463}"/>
+              </a:ext>
+            </a:extLst>
+          </p:cNvPr>
+          <p:cNvGrpSpPr/>
+          <p:nvPr/>
+        </p:nvGrpSpPr>
+        <p:grpSpPr>
+          <a:xfrm>
+            <a:off x="2669842" y="3611363"/>
+            <a:ext cx="508362" cy="508362"/>
+            <a:chOff x="480613" y="985962"/>
+            <a:chExt cx="1241283" cy="1241283"/>
+          </a:xfrm>
+        </p:grpSpPr>
+        <p:sp>
+          <p:nvSpPr>
+            <p:cNvPr id="34" name="Rectangle 33">
+              <a:extLst>
+                <a:ext uri="{FF2B5EF4-FFF2-40B4-BE49-F238E27FC236}">
+                  <a16:creationId xmlns:a16="http://schemas.microsoft.com/office/drawing/2014/main" id="{D18296A5-2319-4BBA-8E59-3E5A2E8D6792}"/>
+                </a:ext>
+              </a:extLst>
+            </p:cNvPr>
+            <p:cNvSpPr/>
+            <p:nvPr/>
+          </p:nvSpPr>
+          <p:spPr>
+            <a:xfrm>
+              <a:off x="989937" y="985962"/>
+              <a:ext cx="222637" cy="1241283"/>
+            </a:xfrm>
+            <a:prstGeom prst="rect">
+              <a:avLst/>
+            </a:prstGeom>
+          </p:spPr>
+          <p:style>
+            <a:lnRef idx="2">
+              <a:schemeClr val="accent1">
+                <a:shade val="50000"/>
+              </a:schemeClr>
+            </a:lnRef>
+            <a:fillRef idx="1">
+              <a:schemeClr val="accent1"/>
+            </a:fillRef>
+            <a:effectRef idx="0">
+              <a:schemeClr val="accent1"/>
+            </a:effectRef>
+            <a:fontRef idx="minor">
+              <a:schemeClr val="lt1"/>
+            </a:fontRef>
+          </p:style>
+          <p:txBody>
+            <a:bodyPr rtlCol="0" anchor="ctr"/>
+            <a:lstStyle/>
+            <a:p>
+              <a:pPr algn="ctr"/>
+              <a:endParaRPr lang="en-US"/>
+            </a:p>
+          </p:txBody>
+        </p:sp>
+        <p:sp>
+          <p:nvSpPr>
+            <p:cNvPr id="35" name="Rectangle 34">
+              <a:extLst>
+                <a:ext uri="{FF2B5EF4-FFF2-40B4-BE49-F238E27FC236}">
+                  <a16:creationId xmlns:a16="http://schemas.microsoft.com/office/drawing/2014/main" id="{93C64867-FE7E-4975-BB13-A1B57783318F}"/>
+                </a:ext>
+              </a:extLst>
+            </p:cNvPr>
+            <p:cNvSpPr/>
+            <p:nvPr/>
+          </p:nvSpPr>
+          <p:spPr>
+            <a:xfrm rot="5400000">
+              <a:off x="989936" y="950181"/>
+              <a:ext cx="222637" cy="1241283"/>
+            </a:xfrm>
+            <a:prstGeom prst="rect">
+              <a:avLst/>
+            </a:prstGeom>
+          </p:spPr>
+          <p:style>
+            <a:lnRef idx="2">
+              <a:schemeClr val="accent1">
+                <a:shade val="50000"/>
+              </a:schemeClr>
+            </a:lnRef>
+            <a:fillRef idx="1">
+              <a:schemeClr val="accent1"/>
+            </a:fillRef>
+            <a:effectRef idx="0">
+              <a:schemeClr val="accent1"/>
+            </a:effectRef>
+            <a:fontRef idx="minor">
+              <a:schemeClr val="lt1"/>
+            </a:fontRef>
+          </p:style>
+          <p:txBody>
+            <a:bodyPr rtlCol="0" anchor="ctr"/>
+            <a:lstStyle/>
+            <a:p>
+              <a:pPr algn="ctr"/>
+              <a:endParaRPr lang="en-US"/>
+            </a:p>
+          </p:txBody>
+        </p:sp>
+      </p:grpSp>
+      <p:grpSp>
+        <p:nvGrpSpPr>
+          <p:cNvPr id="36" name="Group 35">
+            <a:extLst>
+              <a:ext uri="{FF2B5EF4-FFF2-40B4-BE49-F238E27FC236}">
+                <a16:creationId xmlns:a16="http://schemas.microsoft.com/office/drawing/2014/main" id="{E98ECA02-C779-40AD-B5D8-192CAE88146C}"/>
+              </a:ext>
+            </a:extLst>
+          </p:cNvPr>
+          <p:cNvGrpSpPr/>
+          <p:nvPr/>
+        </p:nvGrpSpPr>
+        <p:grpSpPr>
+          <a:xfrm>
+            <a:off x="2675034" y="4626773"/>
+            <a:ext cx="508362" cy="508362"/>
+            <a:chOff x="480613" y="985962"/>
+            <a:chExt cx="1241283" cy="1241283"/>
+          </a:xfrm>
+        </p:grpSpPr>
+        <p:sp>
+          <p:nvSpPr>
+            <p:cNvPr id="37" name="Rectangle 36">
+              <a:extLst>
+                <a:ext uri="{FF2B5EF4-FFF2-40B4-BE49-F238E27FC236}">
+                  <a16:creationId xmlns:a16="http://schemas.microsoft.com/office/drawing/2014/main" id="{482C4852-4201-4675-B83D-73C2491EE993}"/>
+                </a:ext>
+              </a:extLst>
+            </p:cNvPr>
+            <p:cNvSpPr/>
+            <p:nvPr/>
+          </p:nvSpPr>
+          <p:spPr>
+            <a:xfrm>
+              <a:off x="989937" y="985962"/>
+              <a:ext cx="222637" cy="1241283"/>
+            </a:xfrm>
+            <a:prstGeom prst="rect">
+              <a:avLst/>
+            </a:prstGeom>
+          </p:spPr>
+          <p:style>
+            <a:lnRef idx="2">
+              <a:schemeClr val="accent1">
+                <a:shade val="50000"/>
+              </a:schemeClr>
+            </a:lnRef>
+            <a:fillRef idx="1">
+              <a:schemeClr val="accent1"/>
+            </a:fillRef>
+            <a:effectRef idx="0">
+              <a:schemeClr val="accent1"/>
+            </a:effectRef>
+            <a:fontRef idx="minor">
+              <a:schemeClr val="lt1"/>
+            </a:fontRef>
+          </p:style>
+          <p:txBody>
+            <a:bodyPr rtlCol="0" anchor="ctr"/>
+            <a:lstStyle/>
+            <a:p>
+              <a:pPr algn="ctr"/>
+              <a:endParaRPr lang="en-US"/>
+            </a:p>
+          </p:txBody>
+        </p:sp>
+        <p:sp>
+          <p:nvSpPr>
+            <p:cNvPr id="38" name="Rectangle 37">
+              <a:extLst>
+                <a:ext uri="{FF2B5EF4-FFF2-40B4-BE49-F238E27FC236}">
+                  <a16:creationId xmlns:a16="http://schemas.microsoft.com/office/drawing/2014/main" id="{13D9D178-DEC7-4157-9A85-D0620CC62497}"/>
+                </a:ext>
+              </a:extLst>
+            </p:cNvPr>
+            <p:cNvSpPr/>
+            <p:nvPr/>
+          </p:nvSpPr>
+          <p:spPr>
+            <a:xfrm rot="5400000">
+              <a:off x="989936" y="950181"/>
+              <a:ext cx="222637" cy="1241283"/>
+            </a:xfrm>
+            <a:prstGeom prst="rect">
+              <a:avLst/>
+            </a:prstGeom>
+          </p:spPr>
+          <p:style>
+            <a:lnRef idx="2">
+              <a:schemeClr val="accent1">
+                <a:shade val="50000"/>
+              </a:schemeClr>
+            </a:lnRef>
+            <a:fillRef idx="1">
+              <a:schemeClr val="accent1"/>
+            </a:fillRef>
+            <a:effectRef idx="0">
+              <a:schemeClr val="accent1"/>
+            </a:effectRef>
+            <a:fontRef idx="minor">
+              <a:schemeClr val="lt1"/>
+            </a:fontRef>
+          </p:style>
+          <p:txBody>
+            <a:bodyPr rtlCol="0" anchor="ctr"/>
+            <a:lstStyle/>
+            <a:p>
+              <a:pPr algn="ctr"/>
+              <a:endParaRPr lang="en-US"/>
+            </a:p>
+          </p:txBody>
+        </p:sp>
+      </p:grpSp>
+      <p:cxnSp>
+        <p:nvCxnSpPr>
+          <p:cNvPr id="39" name="Straight Connector 38">
+            <a:extLst>
+              <a:ext uri="{FF2B5EF4-FFF2-40B4-BE49-F238E27FC236}">
+                <a16:creationId xmlns:a16="http://schemas.microsoft.com/office/drawing/2014/main" id="{92CDD890-DEE6-479A-B8DA-7EC83B16735B}"/>
+              </a:ext>
+            </a:extLst>
+          </p:cNvPr>
+          <p:cNvCxnSpPr>
+            <a:stCxn id="34" idx="0"/>
+            <a:endCxn id="31" idx="2"/>
+          </p:cNvCxnSpPr>
+          <p:nvPr/>
+        </p:nvCxnSpPr>
+        <p:spPr>
+          <a:xfrm flipV="1">
+            <a:off x="2924023" y="2999935"/>
+            <a:ext cx="761203" cy="611428"/>
+          </a:xfrm>
+          <a:prstGeom prst="line">
+            <a:avLst/>
+          </a:prstGeom>
+        </p:spPr>
+        <p:style>
+          <a:lnRef idx="1">
+            <a:schemeClr val="accent1"/>
+          </a:lnRef>
+          <a:fillRef idx="0">
+            <a:schemeClr val="accent1"/>
+          </a:fillRef>
+          <a:effectRef idx="0">
+            <a:schemeClr val="accent1"/>
+          </a:effectRef>
+          <a:fontRef idx="minor">
+            <a:schemeClr val="tx1"/>
+          </a:fontRef>
+        </p:style>
+      </p:cxnSp>
+      <p:cxnSp>
+        <p:nvCxnSpPr>
+          <p:cNvPr id="40" name="Straight Connector 39">
+            <a:extLst>
+              <a:ext uri="{FF2B5EF4-FFF2-40B4-BE49-F238E27FC236}">
+                <a16:creationId xmlns:a16="http://schemas.microsoft.com/office/drawing/2014/main" id="{6A0B2453-D013-425C-9B9A-79D98F904F7B}"/>
+              </a:ext>
+            </a:extLst>
+          </p:cNvPr>
+          <p:cNvCxnSpPr>
+            <a:stCxn id="34" idx="2"/>
+            <a:endCxn id="37" idx="0"/>
+          </p:cNvCxnSpPr>
+          <p:nvPr/>
+        </p:nvCxnSpPr>
+        <p:spPr>
+          <a:xfrm>
+            <a:off x="2924023" y="4119725"/>
+            <a:ext cx="5192" cy="507048"/>
+          </a:xfrm>
+          <a:prstGeom prst="line">
+            <a:avLst/>
+          </a:prstGeom>
+        </p:spPr>
+        <p:style>
+          <a:lnRef idx="1">
+            <a:schemeClr val="accent1"/>
+          </a:lnRef>
+          <a:fillRef idx="0">
+            <a:schemeClr val="accent1"/>
+          </a:fillRef>
+          <a:effectRef idx="0">
+            <a:schemeClr val="accent1"/>
+          </a:effectRef>
+          <a:fontRef idx="minor">
+            <a:schemeClr val="tx1"/>
+          </a:fontRef>
+        </p:style>
+      </p:cxnSp>
+      <p:cxnSp>
+        <p:nvCxnSpPr>
+          <p:cNvPr id="41" name="Straight Connector 40">
+            <a:extLst>
+              <a:ext uri="{FF2B5EF4-FFF2-40B4-BE49-F238E27FC236}">
+                <a16:creationId xmlns:a16="http://schemas.microsoft.com/office/drawing/2014/main" id="{F5554D6C-F49C-4915-8D96-F9E8D4BAA1A2}"/>
+              </a:ext>
+            </a:extLst>
+          </p:cNvPr>
+          <p:cNvCxnSpPr>
+            <a:cxnSpLocks/>
+            <a:stCxn id="32" idx="2"/>
+            <a:endCxn id="38" idx="2"/>
+          </p:cNvCxnSpPr>
+          <p:nvPr/>
+        </p:nvCxnSpPr>
+        <p:spPr>
+          <a:xfrm flipH="1">
+            <a:off x="2675034" y="2731100"/>
+            <a:ext cx="756011" cy="2135200"/>
+          </a:xfrm>
+          <a:prstGeom prst="line">
+            <a:avLst/>
+          </a:prstGeom>
+        </p:spPr>
+        <p:style>
+          <a:lnRef idx="1">
+            <a:schemeClr val="accent1"/>
+          </a:lnRef>
+          <a:fillRef idx="0">
+            <a:schemeClr val="accent1"/>
+          </a:fillRef>
+          <a:effectRef idx="0">
+            <a:schemeClr val="accent1"/>
+          </a:effectRef>
+          <a:fontRef idx="minor">
+            <a:schemeClr val="tx1"/>
+          </a:fontRef>
+        </p:style>
+      </p:cxnSp>
+      <p:sp>
+        <p:nvSpPr>
+          <p:cNvPr id="45" name="Oval 44">
+            <a:extLst>
+              <a:ext uri="{FF2B5EF4-FFF2-40B4-BE49-F238E27FC236}">
+                <a16:creationId xmlns:a16="http://schemas.microsoft.com/office/drawing/2014/main" id="{24CFBC09-C76D-441E-9A95-D0E63EF9DEBD}"/>
+              </a:ext>
+            </a:extLst>
+          </p:cNvPr>
+          <p:cNvSpPr/>
+          <p:nvPr/>
+        </p:nvSpPr>
+        <p:spPr>
+          <a:xfrm>
+            <a:off x="3786897" y="29618"/>
+            <a:ext cx="431939" cy="460053"/>
+          </a:xfrm>
+          <a:prstGeom prst="ellipse">
+            <a:avLst/>
+          </a:prstGeom>
+        </p:spPr>
+        <p:style>
+          <a:lnRef idx="2">
+            <a:schemeClr val="accent1">
+              <a:shade val="50000"/>
+            </a:schemeClr>
+          </a:lnRef>
+          <a:fillRef idx="1">
+            <a:schemeClr val="accent1"/>
+          </a:fillRef>
+          <a:effectRef idx="0">
+            <a:schemeClr val="accent1"/>
+          </a:effectRef>
+          <a:fontRef idx="minor">
+            <a:schemeClr val="lt1"/>
+          </a:fontRef>
+        </p:style>
+        <p:txBody>
+          <a:bodyPr rtlCol="0" anchor="ctr"/>
+          <a:lstStyle/>
+          <a:p>
+            <a:pPr algn="ctr"/>
+            <a:r>
+              <a:rPr lang="en-US" dirty="0"/>
+              <a:t>4</a:t>
+            </a:r>
+          </a:p>
+        </p:txBody>
+      </p:sp>
+      <p:cxnSp>
+        <p:nvCxnSpPr>
+          <p:cNvPr id="46" name="Straight Connector 45">
+            <a:extLst>
+              <a:ext uri="{FF2B5EF4-FFF2-40B4-BE49-F238E27FC236}">
+                <a16:creationId xmlns:a16="http://schemas.microsoft.com/office/drawing/2014/main" id="{9CCE0050-0CE7-4823-810F-D85040034FD3}"/>
+              </a:ext>
+            </a:extLst>
+          </p:cNvPr>
+          <p:cNvCxnSpPr>
+            <a:cxnSpLocks/>
+            <a:stCxn id="10" idx="0"/>
+            <a:endCxn id="3" idx="2"/>
+          </p:cNvCxnSpPr>
+          <p:nvPr/>
+        </p:nvCxnSpPr>
+        <p:spPr>
+          <a:xfrm flipV="1">
+            <a:off x="2105424" y="1841852"/>
+            <a:ext cx="818599" cy="2093565"/>
+          </a:xfrm>
+          <a:prstGeom prst="line">
+            <a:avLst/>
+          </a:prstGeom>
+        </p:spPr>
+        <p:style>
+          <a:lnRef idx="1">
+            <a:schemeClr val="accent1"/>
+          </a:lnRef>
+          <a:fillRef idx="0">
+            <a:schemeClr val="accent1"/>
+          </a:fillRef>
+          <a:effectRef idx="0">
+            <a:schemeClr val="accent1"/>
+          </a:effectRef>
+          <a:fontRef idx="minor">
+            <a:schemeClr val="tx1"/>
+          </a:fontRef>
+        </p:style>
+      </p:cxnSp>
+      <p:grpSp>
+        <p:nvGrpSpPr>
+          <p:cNvPr id="72" name="Group 71">
+            <a:extLst>
+              <a:ext uri="{FF2B5EF4-FFF2-40B4-BE49-F238E27FC236}">
+                <a16:creationId xmlns:a16="http://schemas.microsoft.com/office/drawing/2014/main" id="{8D92B7EE-5E55-4B61-BBE0-3646BA18904D}"/>
+              </a:ext>
+            </a:extLst>
+          </p:cNvPr>
+          <p:cNvGrpSpPr/>
+          <p:nvPr/>
+        </p:nvGrpSpPr>
+        <p:grpSpPr>
+          <a:xfrm rot="16200000">
+            <a:off x="7018755" y="517546"/>
+            <a:ext cx="299771" cy="508362"/>
+            <a:chOff x="3307089" y="1707912"/>
+            <a:chExt cx="299771" cy="508362"/>
+          </a:xfrm>
+        </p:grpSpPr>
+        <p:sp>
+          <p:nvSpPr>
+            <p:cNvPr id="50" name="Rectangle 49">
+              <a:extLst>
+                <a:ext uri="{FF2B5EF4-FFF2-40B4-BE49-F238E27FC236}">
+                  <a16:creationId xmlns:a16="http://schemas.microsoft.com/office/drawing/2014/main" id="{1298209B-CD4A-43F3-BABA-B92362405A47}"/>
+                </a:ext>
+              </a:extLst>
+            </p:cNvPr>
+            <p:cNvSpPr/>
+            <p:nvPr/>
+          </p:nvSpPr>
+          <p:spPr>
+            <a:xfrm>
+              <a:off x="3515680" y="1707912"/>
+              <a:ext cx="91180" cy="508362"/>
+            </a:xfrm>
+            <a:prstGeom prst="rect">
+              <a:avLst/>
+            </a:prstGeom>
+          </p:spPr>
+          <p:style>
+            <a:lnRef idx="2">
+              <a:schemeClr val="accent1">
+                <a:shade val="50000"/>
+              </a:schemeClr>
+            </a:lnRef>
+            <a:fillRef idx="1">
+              <a:schemeClr val="accent1"/>
+            </a:fillRef>
+            <a:effectRef idx="0">
+              <a:schemeClr val="accent1"/>
+            </a:effectRef>
+            <a:fontRef idx="minor">
+              <a:schemeClr val="lt1"/>
+            </a:fontRef>
+          </p:style>
+          <p:txBody>
+            <a:bodyPr rtlCol="0" anchor="ctr"/>
+            <a:lstStyle/>
+            <a:p>
+              <a:pPr algn="ctr"/>
+              <a:endParaRPr lang="en-US"/>
+            </a:p>
+          </p:txBody>
+        </p:sp>
+        <p:sp>
+          <p:nvSpPr>
+            <p:cNvPr id="51" name="Rectangle 50">
+              <a:extLst>
+                <a:ext uri="{FF2B5EF4-FFF2-40B4-BE49-F238E27FC236}">
+                  <a16:creationId xmlns:a16="http://schemas.microsoft.com/office/drawing/2014/main" id="{DA3D9005-F062-4706-842E-32C73632CBE3}"/>
+                </a:ext>
+              </a:extLst>
+            </p:cNvPr>
+            <p:cNvSpPr/>
+            <p:nvPr/>
+          </p:nvSpPr>
+          <p:spPr>
+            <a:xfrm rot="5400000">
+              <a:off x="3411385" y="1797553"/>
+              <a:ext cx="91180" cy="299771"/>
+            </a:xfrm>
+            <a:prstGeom prst="rect">
+              <a:avLst/>
+            </a:prstGeom>
+          </p:spPr>
+          <p:style>
+            <a:lnRef idx="2">
+              <a:schemeClr val="accent1">
+                <a:shade val="50000"/>
+              </a:schemeClr>
+            </a:lnRef>
+            <a:fillRef idx="1">
+              <a:schemeClr val="accent1"/>
+            </a:fillRef>
+            <a:effectRef idx="0">
+              <a:schemeClr val="accent1"/>
+            </a:effectRef>
+            <a:fontRef idx="minor">
+              <a:schemeClr val="lt1"/>
+            </a:fontRef>
+          </p:style>
+          <p:txBody>
+            <a:bodyPr rtlCol="0" anchor="ctr"/>
+            <a:lstStyle/>
+            <a:p>
+              <a:pPr algn="ctr"/>
+              <a:endParaRPr lang="en-US" dirty="0"/>
+            </a:p>
+          </p:txBody>
+        </p:sp>
+      </p:grpSp>
+      <p:sp>
+        <p:nvSpPr>
+          <p:cNvPr id="55" name="Oval 54">
+            <a:extLst>
+              <a:ext uri="{FF2B5EF4-FFF2-40B4-BE49-F238E27FC236}">
+                <a16:creationId xmlns:a16="http://schemas.microsoft.com/office/drawing/2014/main" id="{BE98D5BA-1D2E-47BE-B05F-BA1FBB427E8C}"/>
+              </a:ext>
+            </a:extLst>
+          </p:cNvPr>
+          <p:cNvSpPr/>
+          <p:nvPr/>
+        </p:nvSpPr>
+        <p:spPr>
+          <a:xfrm>
+            <a:off x="4481083" y="5719346"/>
+            <a:ext cx="431939" cy="460053"/>
+          </a:xfrm>
+          <a:prstGeom prst="ellipse">
+            <a:avLst/>
+          </a:prstGeom>
+        </p:spPr>
+        <p:style>
+          <a:lnRef idx="2">
+            <a:schemeClr val="accent1">
+              <a:shade val="50000"/>
+            </a:schemeClr>
+          </a:lnRef>
+          <a:fillRef idx="1">
+            <a:schemeClr val="accent1"/>
+          </a:fillRef>
+          <a:effectRef idx="0">
+            <a:schemeClr val="accent1"/>
+          </a:effectRef>
+          <a:fontRef idx="minor">
+            <a:schemeClr val="lt1"/>
+          </a:fontRef>
+        </p:style>
+        <p:txBody>
+          <a:bodyPr rtlCol="0" anchor="ctr"/>
+          <a:lstStyle/>
+          <a:p>
+            <a:pPr algn="ctr"/>
+            <a:endParaRPr lang="en-US"/>
+          </a:p>
+        </p:txBody>
+      </p:sp>
+      <p:sp>
+        <p:nvSpPr>
+          <p:cNvPr id="56" name="Oval 55">
+            <a:extLst>
+              <a:ext uri="{FF2B5EF4-FFF2-40B4-BE49-F238E27FC236}">
+                <a16:creationId xmlns:a16="http://schemas.microsoft.com/office/drawing/2014/main" id="{07AF2CC4-C42E-466B-A4C9-031F0244C48A}"/>
+              </a:ext>
+            </a:extLst>
+          </p:cNvPr>
+          <p:cNvSpPr/>
+          <p:nvPr/>
+        </p:nvSpPr>
+        <p:spPr>
+          <a:xfrm>
+            <a:off x="7188806" y="5660486"/>
+            <a:ext cx="431939" cy="460053"/>
+          </a:xfrm>
+          <a:prstGeom prst="ellipse">
+            <a:avLst/>
+          </a:prstGeom>
+        </p:spPr>
+        <p:style>
+          <a:lnRef idx="2">
+            <a:schemeClr val="accent1">
+              <a:shade val="50000"/>
+            </a:schemeClr>
+          </a:lnRef>
+          <a:fillRef idx="1">
+            <a:schemeClr val="accent1"/>
+          </a:fillRef>
+          <a:effectRef idx="0">
+            <a:schemeClr val="accent1"/>
+          </a:effectRef>
+          <a:fontRef idx="minor">
+            <a:schemeClr val="lt1"/>
+          </a:fontRef>
+        </p:style>
+        <p:txBody>
+          <a:bodyPr rtlCol="0" anchor="ctr"/>
+          <a:lstStyle/>
+          <a:p>
+            <a:pPr algn="ctr"/>
+            <a:endParaRPr lang="en-US"/>
+          </a:p>
+        </p:txBody>
+      </p:sp>
+      <p:sp>
+        <p:nvSpPr>
+          <p:cNvPr id="57" name="Oval 56">
+            <a:extLst>
+              <a:ext uri="{FF2B5EF4-FFF2-40B4-BE49-F238E27FC236}">
+                <a16:creationId xmlns:a16="http://schemas.microsoft.com/office/drawing/2014/main" id="{7FD37142-BBFB-4A70-9CAD-55C0AB79AC84}"/>
+              </a:ext>
+            </a:extLst>
+          </p:cNvPr>
+          <p:cNvSpPr/>
+          <p:nvPr/>
+        </p:nvSpPr>
+        <p:spPr>
+          <a:xfrm>
+            <a:off x="5793761" y="4439347"/>
+            <a:ext cx="431939" cy="460053"/>
+          </a:xfrm>
+          <a:prstGeom prst="ellipse">
+            <a:avLst/>
+          </a:prstGeom>
+        </p:spPr>
+        <p:style>
+          <a:lnRef idx="2">
+            <a:schemeClr val="accent1">
+              <a:shade val="50000"/>
+            </a:schemeClr>
+          </a:lnRef>
+          <a:fillRef idx="1">
+            <a:schemeClr val="accent1"/>
+          </a:fillRef>
+          <a:effectRef idx="0">
+            <a:schemeClr val="accent1"/>
+          </a:effectRef>
+          <a:fontRef idx="minor">
+            <a:schemeClr val="lt1"/>
+          </a:fontRef>
+        </p:style>
+        <p:txBody>
+          <a:bodyPr rtlCol="0" anchor="ctr"/>
+          <a:lstStyle/>
+          <a:p>
+            <a:pPr algn="ctr"/>
+            <a:endParaRPr lang="en-US"/>
+          </a:p>
+        </p:txBody>
+      </p:sp>
+      <p:cxnSp>
+        <p:nvCxnSpPr>
+          <p:cNvPr id="58" name="Straight Connector 57">
+            <a:extLst>
+              <a:ext uri="{FF2B5EF4-FFF2-40B4-BE49-F238E27FC236}">
+                <a16:creationId xmlns:a16="http://schemas.microsoft.com/office/drawing/2014/main" id="{41415344-F3F3-42D2-9407-D3A11B745687}"/>
+              </a:ext>
+            </a:extLst>
+          </p:cNvPr>
+          <p:cNvCxnSpPr>
+            <a:cxnSpLocks/>
+            <a:stCxn id="57" idx="3"/>
+            <a:endCxn id="55" idx="6"/>
+          </p:cNvCxnSpPr>
+          <p:nvPr/>
+        </p:nvCxnSpPr>
+        <p:spPr>
+          <a:xfrm flipH="1">
+            <a:off x="4913022" y="4832027"/>
+            <a:ext cx="943995" cy="1117346"/>
+          </a:xfrm>
+          <a:prstGeom prst="line">
+            <a:avLst/>
+          </a:prstGeom>
+        </p:spPr>
+        <p:style>
+          <a:lnRef idx="1">
+            <a:schemeClr val="accent1"/>
+          </a:lnRef>
+          <a:fillRef idx="0">
+            <a:schemeClr val="accent1"/>
+          </a:fillRef>
+          <a:effectRef idx="0">
+            <a:schemeClr val="accent1"/>
+          </a:effectRef>
+          <a:fontRef idx="minor">
+            <a:schemeClr val="tx1"/>
+          </a:fontRef>
+        </p:style>
+      </p:cxnSp>
+      <p:cxnSp>
+        <p:nvCxnSpPr>
+          <p:cNvPr id="59" name="Straight Connector 58">
+            <a:extLst>
+              <a:ext uri="{FF2B5EF4-FFF2-40B4-BE49-F238E27FC236}">
+                <a16:creationId xmlns:a16="http://schemas.microsoft.com/office/drawing/2014/main" id="{E80F614A-514E-4F82-8E98-4ACA43743254}"/>
+              </a:ext>
+            </a:extLst>
+          </p:cNvPr>
+          <p:cNvCxnSpPr>
+            <a:cxnSpLocks/>
+            <a:stCxn id="57" idx="5"/>
+            <a:endCxn id="56" idx="2"/>
+          </p:cNvCxnSpPr>
+          <p:nvPr/>
+        </p:nvCxnSpPr>
+        <p:spPr>
+          <a:xfrm>
+            <a:off x="6162444" y="4832027"/>
+            <a:ext cx="1026362" cy="1058486"/>
+          </a:xfrm>
+          <a:prstGeom prst="line">
+            <a:avLst/>
+          </a:prstGeom>
+        </p:spPr>
+        <p:style>
+          <a:lnRef idx="1">
+            <a:schemeClr val="accent1"/>
+          </a:lnRef>
+          <a:fillRef idx="0">
+            <a:schemeClr val="accent1"/>
+          </a:fillRef>
+          <a:effectRef idx="0">
+            <a:schemeClr val="accent1"/>
+          </a:effectRef>
+          <a:fontRef idx="minor">
+            <a:schemeClr val="tx1"/>
+          </a:fontRef>
+        </p:style>
+      </p:cxnSp>
+      <p:cxnSp>
+        <p:nvCxnSpPr>
+          <p:cNvPr id="60" name="Straight Connector 59">
+            <a:extLst>
+              <a:ext uri="{FF2B5EF4-FFF2-40B4-BE49-F238E27FC236}">
+                <a16:creationId xmlns:a16="http://schemas.microsoft.com/office/drawing/2014/main" id="{BC45065B-7075-401E-9B4A-E08A996C76A7}"/>
+              </a:ext>
+            </a:extLst>
+          </p:cNvPr>
+          <p:cNvCxnSpPr>
+            <a:cxnSpLocks/>
+          </p:cNvCxnSpPr>
+          <p:nvPr/>
+        </p:nvCxnSpPr>
+        <p:spPr>
+          <a:xfrm flipH="1">
+            <a:off x="4808582" y="5689916"/>
+            <a:ext cx="2707723" cy="58860"/>
+          </a:xfrm>
+          <a:prstGeom prst="line">
+            <a:avLst/>
+          </a:prstGeom>
+        </p:spPr>
+        <p:style>
+          <a:lnRef idx="1">
+            <a:schemeClr val="accent1"/>
+          </a:lnRef>
+          <a:fillRef idx="0">
+            <a:schemeClr val="accent1"/>
+          </a:fillRef>
+          <a:effectRef idx="0">
+            <a:schemeClr val="accent1"/>
+          </a:effectRef>
+          <a:fontRef idx="minor">
+            <a:schemeClr val="tx1"/>
+          </a:fontRef>
+        </p:style>
+      </p:cxnSp>
+    </p:spTree>
+    <p:extLst>
+      <p:ext uri="{BB962C8B-B14F-4D97-AF65-F5344CB8AC3E}">
+        <p14:creationId xmlns:p14="http://schemas.microsoft.com/office/powerpoint/2010/main" val="1668475903"/>
+      </p:ext>
+    </p:extLst>
+  </p:cSld>
+  <p:clrMapOvr>
+    <a:masterClrMapping/>
+  </p:clrMapOvr>
+</p:sld>
+</file>
+
+<file path=ppt/slides/slide6.xml><?xml version="1.0" encoding="utf-8"?>
+<p:sld xmlns:a="http://schemas.openxmlformats.org/drawingml/2006/main" xmlns:r="http://schemas.openxmlformats.org/officeDocument/2006/relationships" xmlns:p="http://schemas.openxmlformats.org/presentationml/2006/main">
+  <p:cSld>
+    <p:spTree>
+      <p:nvGrpSpPr>
+        <p:cNvPr id="1" name=""/>
+        <p:cNvGrpSpPr/>
+        <p:nvPr/>
+      </p:nvGrpSpPr>
+      <p:grpSpPr>
+        <a:xfrm>
+          <a:off x="0" y="0"/>
+          <a:ext cx="0" cy="0"/>
+          <a:chOff x="0" y="0"/>
+          <a:chExt cx="0" cy="0"/>
+        </a:xfrm>
+      </p:grpSpPr>
+      <p:sp>
+        <p:nvSpPr>
+          <p:cNvPr id="2" name="Oval 1">
+            <a:extLst>
+              <a:ext uri="{FF2B5EF4-FFF2-40B4-BE49-F238E27FC236}">
+                <a16:creationId xmlns:a16="http://schemas.microsoft.com/office/drawing/2014/main" id="{36E922A5-D7E3-4532-9931-27BD46608320}"/>
+              </a:ext>
+            </a:extLst>
+          </p:cNvPr>
+          <p:cNvSpPr/>
+          <p:nvPr/>
+        </p:nvSpPr>
+        <p:spPr>
+          <a:xfrm>
+            <a:off x="1928382" y="4339513"/>
+            <a:ext cx="431939" cy="460053"/>
+          </a:xfrm>
+          <a:prstGeom prst="ellipse">
+            <a:avLst/>
+          </a:prstGeom>
+        </p:spPr>
+        <p:style>
+          <a:lnRef idx="2">
+            <a:schemeClr val="accent1">
+              <a:shade val="50000"/>
+            </a:schemeClr>
+          </a:lnRef>
+          <a:fillRef idx="1">
+            <a:schemeClr val="accent1"/>
+          </a:fillRef>
+          <a:effectRef idx="0">
+            <a:schemeClr val="accent1"/>
+          </a:effectRef>
+          <a:fontRef idx="minor">
+            <a:schemeClr val="lt1"/>
+          </a:fontRef>
+        </p:style>
+        <p:txBody>
+          <a:bodyPr rtlCol="0" anchor="ctr"/>
+          <a:lstStyle/>
+          <a:p>
+            <a:pPr algn="ctr"/>
+            <a:endParaRPr lang="en-US"/>
+          </a:p>
+        </p:txBody>
+      </p:sp>
+      <p:sp>
+        <p:nvSpPr>
+          <p:cNvPr id="3" name="Oval 2">
+            <a:extLst>
+              <a:ext uri="{FF2B5EF4-FFF2-40B4-BE49-F238E27FC236}">
+                <a16:creationId xmlns:a16="http://schemas.microsoft.com/office/drawing/2014/main" id="{11A5EAAF-6000-459A-834C-9C97E09DC16D}"/>
+              </a:ext>
+            </a:extLst>
+          </p:cNvPr>
+          <p:cNvSpPr/>
+          <p:nvPr/>
+        </p:nvSpPr>
+        <p:spPr>
+          <a:xfrm>
+            <a:off x="4636105" y="4280653"/>
+            <a:ext cx="431939" cy="460053"/>
+          </a:xfrm>
+          <a:prstGeom prst="ellipse">
+            <a:avLst/>
+          </a:prstGeom>
+        </p:spPr>
+        <p:style>
+          <a:lnRef idx="2">
+            <a:schemeClr val="accent1">
+              <a:shade val="50000"/>
+            </a:schemeClr>
+          </a:lnRef>
+          <a:fillRef idx="1">
+            <a:schemeClr val="accent1"/>
+          </a:fillRef>
+          <a:effectRef idx="0">
+            <a:schemeClr val="accent1"/>
+          </a:effectRef>
+          <a:fontRef idx="minor">
+            <a:schemeClr val="lt1"/>
+          </a:fontRef>
+        </p:style>
+        <p:txBody>
+          <a:bodyPr rtlCol="0" anchor="ctr"/>
+          <a:lstStyle/>
+          <a:p>
+            <a:pPr algn="ctr"/>
+            <a:endParaRPr lang="en-US"/>
+          </a:p>
+        </p:txBody>
+      </p:sp>
+      <p:sp>
+        <p:nvSpPr>
+          <p:cNvPr id="4" name="Oval 3">
+            <a:extLst>
+              <a:ext uri="{FF2B5EF4-FFF2-40B4-BE49-F238E27FC236}">
+                <a16:creationId xmlns:a16="http://schemas.microsoft.com/office/drawing/2014/main" id="{1EB92C10-DA7D-43E1-A773-DF3C000F61E5}"/>
+              </a:ext>
+            </a:extLst>
+          </p:cNvPr>
+          <p:cNvSpPr/>
+          <p:nvPr/>
+        </p:nvSpPr>
+        <p:spPr>
+          <a:xfrm>
+            <a:off x="3241060" y="3059514"/>
+            <a:ext cx="431939" cy="460053"/>
+          </a:xfrm>
+          <a:prstGeom prst="ellipse">
+            <a:avLst/>
+          </a:prstGeom>
+        </p:spPr>
+        <p:style>
+          <a:lnRef idx="2">
+            <a:schemeClr val="accent1">
+              <a:shade val="50000"/>
+            </a:schemeClr>
+          </a:lnRef>
+          <a:fillRef idx="1">
+            <a:schemeClr val="accent1"/>
+          </a:fillRef>
+          <a:effectRef idx="0">
+            <a:schemeClr val="accent1"/>
+          </a:effectRef>
+          <a:fontRef idx="minor">
+            <a:schemeClr val="lt1"/>
+          </a:fontRef>
+        </p:style>
+        <p:txBody>
+          <a:bodyPr rtlCol="0" anchor="ctr"/>
+          <a:lstStyle/>
+          <a:p>
+            <a:pPr algn="ctr"/>
+            <a:endParaRPr lang="en-US"/>
+          </a:p>
+        </p:txBody>
+      </p:sp>
+      <p:cxnSp>
+        <p:nvCxnSpPr>
+          <p:cNvPr id="5" name="Straight Connector 4">
+            <a:extLst>
+              <a:ext uri="{FF2B5EF4-FFF2-40B4-BE49-F238E27FC236}">
+                <a16:creationId xmlns:a16="http://schemas.microsoft.com/office/drawing/2014/main" id="{9D8311F5-EB20-45DA-BB3B-AE9EE5B3AEF9}"/>
+              </a:ext>
+            </a:extLst>
+          </p:cNvPr>
+          <p:cNvCxnSpPr>
+            <a:cxnSpLocks/>
+            <a:stCxn id="4" idx="3"/>
+            <a:endCxn id="2" idx="0"/>
+          </p:cNvCxnSpPr>
+          <p:nvPr/>
+        </p:nvCxnSpPr>
+        <p:spPr>
+          <a:xfrm flipH="1">
+            <a:off x="2144352" y="3452194"/>
+            <a:ext cx="1159964" cy="887319"/>
+          </a:xfrm>
+          <a:prstGeom prst="line">
+            <a:avLst/>
+          </a:prstGeom>
+        </p:spPr>
+        <p:style>
+          <a:lnRef idx="1">
+            <a:schemeClr val="accent1"/>
+          </a:lnRef>
+          <a:fillRef idx="0">
+            <a:schemeClr val="accent1"/>
+          </a:fillRef>
+          <a:effectRef idx="0">
+            <a:schemeClr val="accent1"/>
+          </a:effectRef>
+          <a:fontRef idx="minor">
+            <a:schemeClr val="tx1"/>
+          </a:fontRef>
+        </p:style>
+      </p:cxnSp>
+      <p:cxnSp>
+        <p:nvCxnSpPr>
+          <p:cNvPr id="6" name="Straight Connector 5">
+            <a:extLst>
+              <a:ext uri="{FF2B5EF4-FFF2-40B4-BE49-F238E27FC236}">
+                <a16:creationId xmlns:a16="http://schemas.microsoft.com/office/drawing/2014/main" id="{2C6E8C11-EDB1-4493-8900-78E466C8D422}"/>
+              </a:ext>
+            </a:extLst>
+          </p:cNvPr>
+          <p:cNvCxnSpPr>
+            <a:cxnSpLocks/>
+            <a:stCxn id="4" idx="5"/>
+            <a:endCxn id="3" idx="0"/>
+          </p:cNvCxnSpPr>
+          <p:nvPr/>
+        </p:nvCxnSpPr>
+        <p:spPr>
+          <a:xfrm>
+            <a:off x="3609743" y="3452194"/>
+            <a:ext cx="1242332" cy="828459"/>
+          </a:xfrm>
+          <a:prstGeom prst="line">
+            <a:avLst/>
+          </a:prstGeom>
+        </p:spPr>
+        <p:style>
+          <a:lnRef idx="1">
+            <a:schemeClr val="accent1"/>
+          </a:lnRef>
+          <a:fillRef idx="0">
+            <a:schemeClr val="accent1"/>
+          </a:fillRef>
+          <a:effectRef idx="0">
+            <a:schemeClr val="accent1"/>
+          </a:effectRef>
+          <a:fontRef idx="minor">
+            <a:schemeClr val="tx1"/>
+          </a:fontRef>
+        </p:style>
+      </p:cxnSp>
+      <p:cxnSp>
+        <p:nvCxnSpPr>
+          <p:cNvPr id="7" name="Straight Connector 6">
+            <a:extLst>
+              <a:ext uri="{FF2B5EF4-FFF2-40B4-BE49-F238E27FC236}">
+                <a16:creationId xmlns:a16="http://schemas.microsoft.com/office/drawing/2014/main" id="{E6FE8448-8376-48F9-8E04-66BD90CE4C33}"/>
+              </a:ext>
+            </a:extLst>
+          </p:cNvPr>
+          <p:cNvCxnSpPr>
+            <a:cxnSpLocks/>
+            <a:stCxn id="3" idx="3"/>
+            <a:endCxn id="2" idx="6"/>
+          </p:cNvCxnSpPr>
+          <p:nvPr/>
+        </p:nvCxnSpPr>
+        <p:spPr>
+          <a:xfrm flipH="1" flipV="1">
+            <a:off x="2360321" y="4569540"/>
+            <a:ext cx="2339040" cy="103793"/>
+          </a:xfrm>
+          <a:prstGeom prst="line">
+            <a:avLst/>
+          </a:prstGeom>
+        </p:spPr>
+        <p:style>
+          <a:lnRef idx="1">
+            <a:schemeClr val="accent1"/>
+          </a:lnRef>
+          <a:fillRef idx="0">
+            <a:schemeClr val="accent1"/>
+          </a:fillRef>
+          <a:effectRef idx="0">
+            <a:schemeClr val="accent1"/>
+          </a:effectRef>
+          <a:fontRef idx="minor">
+            <a:schemeClr val="tx1"/>
+          </a:fontRef>
+        </p:style>
+      </p:cxnSp>
+      <p:sp>
+        <p:nvSpPr>
+          <p:cNvPr id="8" name="Oval 7">
+            <a:extLst>
+              <a:ext uri="{FF2B5EF4-FFF2-40B4-BE49-F238E27FC236}">
+                <a16:creationId xmlns:a16="http://schemas.microsoft.com/office/drawing/2014/main" id="{5ED89A72-A878-458C-BC26-30FA80545B9D}"/>
+              </a:ext>
+            </a:extLst>
+          </p:cNvPr>
+          <p:cNvSpPr/>
+          <p:nvPr/>
+        </p:nvSpPr>
+        <p:spPr>
+          <a:xfrm>
+            <a:off x="2180122" y="2291496"/>
+            <a:ext cx="431939" cy="460053"/>
+          </a:xfrm>
+          <a:prstGeom prst="ellipse">
+            <a:avLst/>
+          </a:prstGeom>
+        </p:spPr>
+        <p:style>
+          <a:lnRef idx="2">
+            <a:schemeClr val="accent1">
+              <a:shade val="50000"/>
+            </a:schemeClr>
+          </a:lnRef>
+          <a:fillRef idx="1">
+            <a:schemeClr val="accent1"/>
+          </a:fillRef>
+          <a:effectRef idx="0">
+            <a:schemeClr val="accent1"/>
+          </a:effectRef>
+          <a:fontRef idx="minor">
+            <a:schemeClr val="lt1"/>
+          </a:fontRef>
+        </p:style>
+        <p:txBody>
+          <a:bodyPr rtlCol="0" anchor="ctr"/>
+          <a:lstStyle/>
+          <a:p>
+            <a:pPr algn="ctr"/>
+            <a:endParaRPr lang="en-US"/>
+          </a:p>
+        </p:txBody>
+      </p:sp>
+      <p:cxnSp>
+        <p:nvCxnSpPr>
+          <p:cNvPr id="9" name="Straight Connector 8">
+            <a:extLst>
+              <a:ext uri="{FF2B5EF4-FFF2-40B4-BE49-F238E27FC236}">
+                <a16:creationId xmlns:a16="http://schemas.microsoft.com/office/drawing/2014/main" id="{389B24CC-B812-42D7-858E-C9DDCA7D7169}"/>
+              </a:ext>
+            </a:extLst>
+          </p:cNvPr>
+          <p:cNvCxnSpPr>
+            <a:cxnSpLocks/>
+            <a:stCxn id="4" idx="1"/>
+            <a:endCxn id="8" idx="5"/>
+          </p:cNvCxnSpPr>
+          <p:nvPr/>
+        </p:nvCxnSpPr>
+        <p:spPr>
+          <a:xfrm flipH="1" flipV="1">
+            <a:off x="2548805" y="2684176"/>
+            <a:ext cx="755511" cy="442711"/>
+          </a:xfrm>
+          <a:prstGeom prst="line">
+            <a:avLst/>
+          </a:prstGeom>
+        </p:spPr>
+        <p:style>
+          <a:lnRef idx="1">
+            <a:schemeClr val="accent1"/>
+          </a:lnRef>
+          <a:fillRef idx="0">
+            <a:schemeClr val="accent1"/>
+          </a:fillRef>
+          <a:effectRef idx="0">
+            <a:schemeClr val="accent1"/>
+          </a:effectRef>
+          <a:fontRef idx="minor">
+            <a:schemeClr val="tx1"/>
+          </a:fontRef>
+        </p:style>
+      </p:cxnSp>
+      <p:sp>
+        <p:nvSpPr>
+          <p:cNvPr id="10" name="Oval 9">
+            <a:extLst>
+              <a:ext uri="{FF2B5EF4-FFF2-40B4-BE49-F238E27FC236}">
+                <a16:creationId xmlns:a16="http://schemas.microsoft.com/office/drawing/2014/main" id="{748B2294-3E85-4E78-94DF-B0FB72B41C05}"/>
+              </a:ext>
+            </a:extLst>
+          </p:cNvPr>
+          <p:cNvSpPr/>
+          <p:nvPr/>
+        </p:nvSpPr>
+        <p:spPr>
+          <a:xfrm>
+            <a:off x="3282244" y="3854286"/>
+            <a:ext cx="431939" cy="460053"/>
+          </a:xfrm>
+          <a:prstGeom prst="ellipse">
+            <a:avLst/>
+          </a:prstGeom>
+        </p:spPr>
+        <p:style>
+          <a:lnRef idx="2">
+            <a:schemeClr val="accent1">
+              <a:shade val="50000"/>
+            </a:schemeClr>
+          </a:lnRef>
+          <a:fillRef idx="1">
+            <a:schemeClr val="accent1"/>
+          </a:fillRef>
+          <a:effectRef idx="0">
+            <a:schemeClr val="accent1"/>
+          </a:effectRef>
+          <a:fontRef idx="minor">
+            <a:schemeClr val="lt1"/>
+          </a:fontRef>
+        </p:style>
+        <p:txBody>
+          <a:bodyPr rtlCol="0" anchor="ctr"/>
+          <a:lstStyle/>
+          <a:p>
+            <a:pPr algn="ctr"/>
+            <a:endParaRPr lang="en-US"/>
+          </a:p>
+        </p:txBody>
+      </p:sp>
+      <p:cxnSp>
+        <p:nvCxnSpPr>
+          <p:cNvPr id="12" name="Straight Connector 11">
+            <a:extLst>
+              <a:ext uri="{FF2B5EF4-FFF2-40B4-BE49-F238E27FC236}">
+                <a16:creationId xmlns:a16="http://schemas.microsoft.com/office/drawing/2014/main" id="{55C04B53-A751-4489-BE25-7112A301C622}"/>
+              </a:ext>
+            </a:extLst>
+          </p:cNvPr>
+          <p:cNvCxnSpPr>
+            <a:stCxn id="4" idx="4"/>
+            <a:endCxn id="10" idx="0"/>
+          </p:cNvCxnSpPr>
+          <p:nvPr/>
+        </p:nvCxnSpPr>
+        <p:spPr>
+          <a:xfrm>
+            <a:off x="3457030" y="3519567"/>
+            <a:ext cx="41184" cy="334719"/>
+          </a:xfrm>
+          <a:prstGeom prst="line">
+            <a:avLst/>
+          </a:prstGeom>
+        </p:spPr>
+        <p:style>
+          <a:lnRef idx="1">
+            <a:schemeClr val="accent1"/>
+          </a:lnRef>
+          <a:fillRef idx="0">
+            <a:schemeClr val="accent1"/>
+          </a:fillRef>
+          <a:effectRef idx="0">
+            <a:schemeClr val="accent1"/>
+          </a:effectRef>
+          <a:fontRef idx="minor">
+            <a:schemeClr val="tx1"/>
+          </a:fontRef>
+        </p:style>
+      </p:cxnSp>
+      <p:cxnSp>
+        <p:nvCxnSpPr>
+          <p:cNvPr id="13" name="Straight Connector 12">
+            <a:extLst>
+              <a:ext uri="{FF2B5EF4-FFF2-40B4-BE49-F238E27FC236}">
+                <a16:creationId xmlns:a16="http://schemas.microsoft.com/office/drawing/2014/main" id="{937E98D0-46F8-41BE-B2B2-09AA0286FE40}"/>
+              </a:ext>
+            </a:extLst>
+          </p:cNvPr>
+          <p:cNvCxnSpPr>
+            <a:cxnSpLocks/>
+            <a:stCxn id="10" idx="2"/>
+            <a:endCxn id="8" idx="4"/>
+          </p:cNvCxnSpPr>
+          <p:nvPr/>
+        </p:nvCxnSpPr>
+        <p:spPr>
+          <a:xfrm flipH="1" flipV="1">
+            <a:off x="2396092" y="2751549"/>
+            <a:ext cx="886152" cy="1332764"/>
+          </a:xfrm>
+          <a:prstGeom prst="line">
+            <a:avLst/>
+          </a:prstGeom>
+        </p:spPr>
+        <p:style>
+          <a:lnRef idx="1">
+            <a:schemeClr val="accent1"/>
+          </a:lnRef>
+          <a:fillRef idx="0">
+            <a:schemeClr val="accent1"/>
+          </a:fillRef>
+          <a:effectRef idx="0">
+            <a:schemeClr val="accent1"/>
+          </a:effectRef>
+          <a:fontRef idx="minor">
+            <a:schemeClr val="tx1"/>
+          </a:fontRef>
+        </p:style>
+      </p:cxnSp>
+      <p:sp>
+        <p:nvSpPr>
+          <p:cNvPr id="16" name="TextBox 15">
+            <a:extLst>
+              <a:ext uri="{FF2B5EF4-FFF2-40B4-BE49-F238E27FC236}">
+                <a16:creationId xmlns:a16="http://schemas.microsoft.com/office/drawing/2014/main" id="{40216A4D-1147-4779-9A68-1A2759A414F4}"/>
+              </a:ext>
+            </a:extLst>
+          </p:cNvPr>
+          <p:cNvSpPr txBox="1"/>
+          <p:nvPr/>
+        </p:nvSpPr>
+        <p:spPr>
+          <a:xfrm>
+            <a:off x="5227773" y="1533290"/>
+            <a:ext cx="5407265" cy="1200329"/>
+          </a:xfrm>
+          <a:prstGeom prst="rect">
+            <a:avLst/>
+          </a:prstGeom>
+          <a:noFill/>
+        </p:spPr>
+        <p:txBody>
+          <a:bodyPr wrap="square" rtlCol="0">
+            <a:spAutoFit/>
+          </a:bodyPr>
+          <a:lstStyle/>
+          <a:p>
+            <a:r>
+              <a:rPr lang="en-US" dirty="0"/>
+              <a:t>Connectivity first cannot ensure edge crossings because the positions and slots of the nodes are not considered</a:t>
+            </a:r>
+          </a:p>
+          <a:p>
+            <a:endParaRPr lang="en-US" dirty="0"/>
+          </a:p>
+          <a:p>
+            <a:endParaRPr lang="en-US" dirty="0"/>
+          </a:p>
+        </p:txBody>
+      </p:sp>
+    </p:spTree>
+    <p:extLst>
+      <p:ext uri="{BB962C8B-B14F-4D97-AF65-F5344CB8AC3E}">
+        <p14:creationId xmlns:p14="http://schemas.microsoft.com/office/powerpoint/2010/main" val="1923637189"/>
+      </p:ext>
+    </p:extLst>
+  </p:cSld>
+  <p:clrMapOvr>
+    <a:masterClrMapping/>
+  </p:clrMapOvr>
+</p:sld>
+</file>
+
+<file path=ppt/slides/slide7.xml><?xml version="1.0" encoding="utf-8"?>
+<p:sld xmlns:a="http://schemas.openxmlformats.org/drawingml/2006/main" xmlns:r="http://schemas.openxmlformats.org/officeDocument/2006/relationships" xmlns:p="http://schemas.openxmlformats.org/presentationml/2006/main">
+  <p:cSld>
+    <p:spTree>
+      <p:nvGrpSpPr>
+        <p:cNvPr id="1" name=""/>
+        <p:cNvGrpSpPr/>
+        <p:nvPr/>
+      </p:nvGrpSpPr>
+      <p:grpSpPr>
+        <a:xfrm>
+          <a:off x="0" y="0"/>
+          <a:ext cx="0" cy="0"/>
+          <a:chOff x="0" y="0"/>
+          <a:chExt cx="0" cy="0"/>
+        </a:xfrm>
+      </p:grpSpPr>
+      <p:grpSp>
+        <p:nvGrpSpPr>
+          <p:cNvPr id="2" name="Group 1">
+            <a:extLst>
+              <a:ext uri="{FF2B5EF4-FFF2-40B4-BE49-F238E27FC236}">
+                <a16:creationId xmlns:a16="http://schemas.microsoft.com/office/drawing/2014/main" id="{2BC8A0B7-7B82-4B10-A517-8B30FBD2DE0F}"/>
+              </a:ext>
+            </a:extLst>
+          </p:cNvPr>
+          <p:cNvGrpSpPr/>
+          <p:nvPr/>
+        </p:nvGrpSpPr>
+        <p:grpSpPr>
+          <a:xfrm>
+            <a:off x="1852158" y="953510"/>
+            <a:ext cx="508362" cy="508362"/>
+            <a:chOff x="480613" y="985962"/>
+            <a:chExt cx="1241283" cy="1241283"/>
+          </a:xfrm>
+        </p:grpSpPr>
+        <p:sp>
+          <p:nvSpPr>
+            <p:cNvPr id="3" name="Rectangle 2">
+              <a:extLst>
+                <a:ext uri="{FF2B5EF4-FFF2-40B4-BE49-F238E27FC236}">
+                  <a16:creationId xmlns:a16="http://schemas.microsoft.com/office/drawing/2014/main" id="{564B61AC-0570-4E00-910B-2488AEF8ADED}"/>
+                </a:ext>
+              </a:extLst>
+            </p:cNvPr>
+            <p:cNvSpPr/>
+            <p:nvPr/>
+          </p:nvSpPr>
+          <p:spPr>
+            <a:xfrm>
+              <a:off x="989937" y="985962"/>
+              <a:ext cx="222637" cy="1241283"/>
+            </a:xfrm>
+            <a:prstGeom prst="rect">
+              <a:avLst/>
+            </a:prstGeom>
+          </p:spPr>
+          <p:style>
+            <a:lnRef idx="2">
+              <a:schemeClr val="accent1">
+                <a:shade val="50000"/>
+              </a:schemeClr>
+            </a:lnRef>
+            <a:fillRef idx="1">
+              <a:schemeClr val="accent1"/>
+            </a:fillRef>
+            <a:effectRef idx="0">
+              <a:schemeClr val="accent1"/>
+            </a:effectRef>
+            <a:fontRef idx="minor">
+              <a:schemeClr val="lt1"/>
+            </a:fontRef>
+          </p:style>
+          <p:txBody>
+            <a:bodyPr rtlCol="0" anchor="ctr"/>
+            <a:lstStyle/>
+            <a:p>
+              <a:pPr algn="ctr"/>
+              <a:endParaRPr lang="en-US"/>
+            </a:p>
+          </p:txBody>
+        </p:sp>
+        <p:sp>
+          <p:nvSpPr>
+            <p:cNvPr id="4" name="Rectangle 3">
+              <a:extLst>
+                <a:ext uri="{FF2B5EF4-FFF2-40B4-BE49-F238E27FC236}">
+                  <a16:creationId xmlns:a16="http://schemas.microsoft.com/office/drawing/2014/main" id="{9D5F4269-FC8B-4E0D-B45B-ABEBFB36BE60}"/>
+                </a:ext>
+              </a:extLst>
+            </p:cNvPr>
+            <p:cNvSpPr/>
+            <p:nvPr/>
+          </p:nvSpPr>
+          <p:spPr>
+            <a:xfrm rot="5400000">
+              <a:off x="989936" y="950181"/>
+              <a:ext cx="222637" cy="1241283"/>
+            </a:xfrm>
+            <a:prstGeom prst="rect">
+              <a:avLst/>
+            </a:prstGeom>
+          </p:spPr>
+          <p:style>
+            <a:lnRef idx="2">
+              <a:schemeClr val="accent1">
+                <a:shade val="50000"/>
+              </a:schemeClr>
+            </a:lnRef>
+            <a:fillRef idx="1">
+              <a:schemeClr val="accent1"/>
+            </a:fillRef>
+            <a:effectRef idx="0">
+              <a:schemeClr val="accent1"/>
+            </a:effectRef>
+            <a:fontRef idx="minor">
+              <a:schemeClr val="lt1"/>
+            </a:fontRef>
+          </p:style>
+          <p:txBody>
+            <a:bodyPr rtlCol="0" anchor="ctr"/>
+            <a:lstStyle/>
+            <a:p>
+              <a:pPr algn="ctr"/>
+              <a:endParaRPr lang="en-US"/>
+            </a:p>
+          </p:txBody>
+        </p:sp>
+      </p:grpSp>
+      <p:grpSp>
+        <p:nvGrpSpPr>
+          <p:cNvPr id="5" name="Group 4">
+            <a:extLst>
+              <a:ext uri="{FF2B5EF4-FFF2-40B4-BE49-F238E27FC236}">
+                <a16:creationId xmlns:a16="http://schemas.microsoft.com/office/drawing/2014/main" id="{B3189C26-E2D2-44CC-A345-70474354CD8E}"/>
+              </a:ext>
+            </a:extLst>
+          </p:cNvPr>
+          <p:cNvGrpSpPr/>
+          <p:nvPr/>
+        </p:nvGrpSpPr>
+        <p:grpSpPr>
+          <a:xfrm>
+            <a:off x="1852157" y="2138652"/>
+            <a:ext cx="508362" cy="508362"/>
+            <a:chOff x="480613" y="985962"/>
+            <a:chExt cx="1241283" cy="1241283"/>
+          </a:xfrm>
+        </p:grpSpPr>
+        <p:sp>
+          <p:nvSpPr>
+            <p:cNvPr id="6" name="Rectangle 5">
+              <a:extLst>
+                <a:ext uri="{FF2B5EF4-FFF2-40B4-BE49-F238E27FC236}">
+                  <a16:creationId xmlns:a16="http://schemas.microsoft.com/office/drawing/2014/main" id="{FAB2F7EA-61F8-4D18-AA5C-FEABBECBB5F1}"/>
+                </a:ext>
+              </a:extLst>
+            </p:cNvPr>
+            <p:cNvSpPr/>
+            <p:nvPr/>
+          </p:nvSpPr>
+          <p:spPr>
+            <a:xfrm>
+              <a:off x="989937" y="985962"/>
+              <a:ext cx="222637" cy="1241283"/>
+            </a:xfrm>
+            <a:prstGeom prst="rect">
+              <a:avLst/>
+            </a:prstGeom>
+          </p:spPr>
+          <p:style>
+            <a:lnRef idx="2">
+              <a:schemeClr val="accent1">
+                <a:shade val="50000"/>
+              </a:schemeClr>
+            </a:lnRef>
+            <a:fillRef idx="1">
+              <a:schemeClr val="accent1"/>
+            </a:fillRef>
+            <a:effectRef idx="0">
+              <a:schemeClr val="accent1"/>
+            </a:effectRef>
+            <a:fontRef idx="minor">
+              <a:schemeClr val="lt1"/>
+            </a:fontRef>
+          </p:style>
+          <p:txBody>
+            <a:bodyPr rtlCol="0" anchor="ctr"/>
+            <a:lstStyle/>
+            <a:p>
+              <a:pPr algn="ctr"/>
+              <a:endParaRPr lang="en-US"/>
+            </a:p>
+          </p:txBody>
+        </p:sp>
+        <p:sp>
+          <p:nvSpPr>
+            <p:cNvPr id="7" name="Rectangle 6">
+              <a:extLst>
+                <a:ext uri="{FF2B5EF4-FFF2-40B4-BE49-F238E27FC236}">
+                  <a16:creationId xmlns:a16="http://schemas.microsoft.com/office/drawing/2014/main" id="{8490A411-9F85-4585-99CA-A3C1EE511B7B}"/>
+                </a:ext>
+              </a:extLst>
+            </p:cNvPr>
+            <p:cNvSpPr/>
+            <p:nvPr/>
+          </p:nvSpPr>
+          <p:spPr>
+            <a:xfrm rot="5400000">
+              <a:off x="989936" y="950181"/>
+              <a:ext cx="222637" cy="1241283"/>
+            </a:xfrm>
+            <a:prstGeom prst="rect">
+              <a:avLst/>
+            </a:prstGeom>
+          </p:spPr>
+          <p:style>
+            <a:lnRef idx="2">
+              <a:schemeClr val="accent1">
+                <a:shade val="50000"/>
+              </a:schemeClr>
+            </a:lnRef>
+            <a:fillRef idx="1">
+              <a:schemeClr val="accent1"/>
+            </a:fillRef>
+            <a:effectRef idx="0">
+              <a:schemeClr val="accent1"/>
+            </a:effectRef>
+            <a:fontRef idx="minor">
+              <a:schemeClr val="lt1"/>
+            </a:fontRef>
+          </p:style>
+          <p:txBody>
+            <a:bodyPr rtlCol="0" anchor="ctr"/>
+            <a:lstStyle/>
+            <a:p>
+              <a:pPr algn="ctr"/>
+              <a:endParaRPr lang="en-US"/>
+            </a:p>
+          </p:txBody>
+        </p:sp>
+      </p:grpSp>
+      <p:grpSp>
+        <p:nvGrpSpPr>
+          <p:cNvPr id="8" name="Group 7">
+            <a:extLst>
+              <a:ext uri="{FF2B5EF4-FFF2-40B4-BE49-F238E27FC236}">
+                <a16:creationId xmlns:a16="http://schemas.microsoft.com/office/drawing/2014/main" id="{076B786D-A29B-44CE-AFFA-B7A4955E46CA}"/>
+              </a:ext>
+            </a:extLst>
+          </p:cNvPr>
+          <p:cNvGrpSpPr/>
+          <p:nvPr/>
+        </p:nvGrpSpPr>
+        <p:grpSpPr>
+          <a:xfrm>
+            <a:off x="1857349" y="3154062"/>
+            <a:ext cx="508362" cy="508362"/>
+            <a:chOff x="480613" y="985962"/>
+            <a:chExt cx="1241283" cy="1241283"/>
+          </a:xfrm>
+        </p:grpSpPr>
+        <p:sp>
+          <p:nvSpPr>
+            <p:cNvPr id="9" name="Rectangle 8">
+              <a:extLst>
+                <a:ext uri="{FF2B5EF4-FFF2-40B4-BE49-F238E27FC236}">
+                  <a16:creationId xmlns:a16="http://schemas.microsoft.com/office/drawing/2014/main" id="{1C48A8A6-E106-4E52-829F-C48F8B761F85}"/>
+                </a:ext>
+              </a:extLst>
+            </p:cNvPr>
+            <p:cNvSpPr/>
+            <p:nvPr/>
+          </p:nvSpPr>
+          <p:spPr>
+            <a:xfrm>
+              <a:off x="989937" y="985962"/>
+              <a:ext cx="222637" cy="1241283"/>
+            </a:xfrm>
+            <a:prstGeom prst="rect">
+              <a:avLst/>
+            </a:prstGeom>
+          </p:spPr>
+          <p:style>
+            <a:lnRef idx="2">
+              <a:schemeClr val="accent1">
+                <a:shade val="50000"/>
+              </a:schemeClr>
+            </a:lnRef>
+            <a:fillRef idx="1">
+              <a:schemeClr val="accent1"/>
+            </a:fillRef>
+            <a:effectRef idx="0">
+              <a:schemeClr val="accent1"/>
+            </a:effectRef>
+            <a:fontRef idx="minor">
+              <a:schemeClr val="lt1"/>
+            </a:fontRef>
+          </p:style>
+          <p:txBody>
+            <a:bodyPr rtlCol="0" anchor="ctr"/>
+            <a:lstStyle/>
+            <a:p>
+              <a:pPr algn="ctr"/>
+              <a:endParaRPr lang="en-US"/>
+            </a:p>
+          </p:txBody>
+        </p:sp>
+        <p:sp>
+          <p:nvSpPr>
+            <p:cNvPr id="10" name="Rectangle 9">
+              <a:extLst>
+                <a:ext uri="{FF2B5EF4-FFF2-40B4-BE49-F238E27FC236}">
+                  <a16:creationId xmlns:a16="http://schemas.microsoft.com/office/drawing/2014/main" id="{2D3988BB-CF85-478A-9BBB-964AC226E158}"/>
+                </a:ext>
+              </a:extLst>
+            </p:cNvPr>
+            <p:cNvSpPr/>
+            <p:nvPr/>
+          </p:nvSpPr>
+          <p:spPr>
+            <a:xfrm rot="5400000">
+              <a:off x="989936" y="950181"/>
+              <a:ext cx="222637" cy="1241283"/>
+            </a:xfrm>
+            <a:prstGeom prst="rect">
+              <a:avLst/>
+            </a:prstGeom>
+          </p:spPr>
+          <p:style>
+            <a:lnRef idx="2">
+              <a:schemeClr val="accent1">
+                <a:shade val="50000"/>
+              </a:schemeClr>
+            </a:lnRef>
+            <a:fillRef idx="1">
+              <a:schemeClr val="accent1"/>
+            </a:fillRef>
+            <a:effectRef idx="0">
+              <a:schemeClr val="accent1"/>
+            </a:effectRef>
+            <a:fontRef idx="minor">
+              <a:schemeClr val="lt1"/>
+            </a:fontRef>
+          </p:style>
+          <p:txBody>
+            <a:bodyPr rtlCol="0" anchor="ctr"/>
+            <a:lstStyle/>
+            <a:p>
+              <a:pPr algn="ctr"/>
+              <a:endParaRPr lang="en-US"/>
+            </a:p>
+          </p:txBody>
+        </p:sp>
+      </p:grpSp>
+      <p:cxnSp>
+        <p:nvCxnSpPr>
+          <p:cNvPr id="11" name="Straight Connector 10">
+            <a:extLst>
+              <a:ext uri="{FF2B5EF4-FFF2-40B4-BE49-F238E27FC236}">
+                <a16:creationId xmlns:a16="http://schemas.microsoft.com/office/drawing/2014/main" id="{73A0C891-0647-43C2-AEA4-5FD19C5F1345}"/>
+              </a:ext>
+            </a:extLst>
+          </p:cNvPr>
+          <p:cNvCxnSpPr>
+            <a:stCxn id="6" idx="0"/>
+            <a:endCxn id="3" idx="2"/>
+          </p:cNvCxnSpPr>
+          <p:nvPr/>
+        </p:nvCxnSpPr>
+        <p:spPr>
+          <a:xfrm flipV="1">
+            <a:off x="2106338" y="1461872"/>
+            <a:ext cx="1" cy="676780"/>
+          </a:xfrm>
+          <a:prstGeom prst="line">
+            <a:avLst/>
+          </a:prstGeom>
+        </p:spPr>
+        <p:style>
+          <a:lnRef idx="1">
+            <a:schemeClr val="accent1"/>
+          </a:lnRef>
+          <a:fillRef idx="0">
+            <a:schemeClr val="accent1"/>
+          </a:fillRef>
+          <a:effectRef idx="0">
+            <a:schemeClr val="accent1"/>
+          </a:effectRef>
+          <a:fontRef idx="minor">
+            <a:schemeClr val="tx1"/>
+          </a:fontRef>
+        </p:style>
+      </p:cxnSp>
+      <p:cxnSp>
+        <p:nvCxnSpPr>
+          <p:cNvPr id="12" name="Straight Connector 11">
+            <a:extLst>
+              <a:ext uri="{FF2B5EF4-FFF2-40B4-BE49-F238E27FC236}">
+                <a16:creationId xmlns:a16="http://schemas.microsoft.com/office/drawing/2014/main" id="{6742497B-5191-496F-93F0-F15F420910D2}"/>
+              </a:ext>
+            </a:extLst>
+          </p:cNvPr>
+          <p:cNvCxnSpPr>
+            <a:stCxn id="6" idx="2"/>
+            <a:endCxn id="9" idx="0"/>
+          </p:cNvCxnSpPr>
+          <p:nvPr/>
+        </p:nvCxnSpPr>
+        <p:spPr>
+          <a:xfrm>
+            <a:off x="2106338" y="2647014"/>
+            <a:ext cx="5192" cy="507048"/>
+          </a:xfrm>
+          <a:prstGeom prst="line">
+            <a:avLst/>
+          </a:prstGeom>
+        </p:spPr>
+        <p:style>
+          <a:lnRef idx="1">
+            <a:schemeClr val="accent1"/>
+          </a:lnRef>
+          <a:fillRef idx="0">
+            <a:schemeClr val="accent1"/>
+          </a:fillRef>
+          <a:effectRef idx="0">
+            <a:schemeClr val="accent1"/>
+          </a:effectRef>
+          <a:fontRef idx="minor">
+            <a:schemeClr val="tx1"/>
+          </a:fontRef>
+        </p:style>
+      </p:cxnSp>
+      <p:cxnSp>
+        <p:nvCxnSpPr>
+          <p:cNvPr id="13" name="Straight Connector 12">
+            <a:extLst>
+              <a:ext uri="{FF2B5EF4-FFF2-40B4-BE49-F238E27FC236}">
+                <a16:creationId xmlns:a16="http://schemas.microsoft.com/office/drawing/2014/main" id="{DF2EDA11-34D7-4977-8E0E-712E0F9B0BEC}"/>
+              </a:ext>
+            </a:extLst>
+          </p:cNvPr>
+          <p:cNvCxnSpPr>
+            <a:cxnSpLocks/>
+            <a:stCxn id="4" idx="0"/>
+            <a:endCxn id="10" idx="0"/>
+          </p:cNvCxnSpPr>
+          <p:nvPr/>
+        </p:nvCxnSpPr>
+        <p:spPr>
+          <a:xfrm>
+            <a:off x="2360520" y="1193037"/>
+            <a:ext cx="5191" cy="2200552"/>
+          </a:xfrm>
+          <a:prstGeom prst="line">
+            <a:avLst/>
+          </a:prstGeom>
+        </p:spPr>
+        <p:style>
+          <a:lnRef idx="1">
+            <a:schemeClr val="accent1"/>
+          </a:lnRef>
+          <a:fillRef idx="0">
+            <a:schemeClr val="accent1"/>
+          </a:fillRef>
+          <a:effectRef idx="0">
+            <a:schemeClr val="accent1"/>
+          </a:effectRef>
+          <a:fontRef idx="minor">
+            <a:schemeClr val="tx1"/>
+          </a:fontRef>
+        </p:style>
+      </p:cxnSp>
+      <p:grpSp>
+        <p:nvGrpSpPr>
+          <p:cNvPr id="14" name="Group 13">
+            <a:extLst>
+              <a:ext uri="{FF2B5EF4-FFF2-40B4-BE49-F238E27FC236}">
+                <a16:creationId xmlns:a16="http://schemas.microsoft.com/office/drawing/2014/main" id="{ED64624A-B353-47E4-8673-837BF723719B}"/>
+              </a:ext>
+            </a:extLst>
+          </p:cNvPr>
+          <p:cNvGrpSpPr/>
+          <p:nvPr/>
+        </p:nvGrpSpPr>
+        <p:grpSpPr>
+          <a:xfrm>
+            <a:off x="779736" y="2123997"/>
+            <a:ext cx="508362" cy="508362"/>
+            <a:chOff x="480613" y="985962"/>
+            <a:chExt cx="1241283" cy="1241283"/>
+          </a:xfrm>
+        </p:grpSpPr>
+        <p:sp>
+          <p:nvSpPr>
+            <p:cNvPr id="15" name="Rectangle 14">
+              <a:extLst>
+                <a:ext uri="{FF2B5EF4-FFF2-40B4-BE49-F238E27FC236}">
+                  <a16:creationId xmlns:a16="http://schemas.microsoft.com/office/drawing/2014/main" id="{D7A3FF97-19D4-480D-8088-BF7BEE742216}"/>
+                </a:ext>
+              </a:extLst>
+            </p:cNvPr>
+            <p:cNvSpPr/>
+            <p:nvPr/>
+          </p:nvSpPr>
+          <p:spPr>
+            <a:xfrm>
+              <a:off x="989937" y="985962"/>
+              <a:ext cx="222637" cy="1241283"/>
+            </a:xfrm>
+            <a:prstGeom prst="rect">
+              <a:avLst/>
+            </a:prstGeom>
+          </p:spPr>
+          <p:style>
+            <a:lnRef idx="2">
+              <a:schemeClr val="accent1">
+                <a:shade val="50000"/>
+              </a:schemeClr>
+            </a:lnRef>
+            <a:fillRef idx="1">
+              <a:schemeClr val="accent1"/>
+            </a:fillRef>
+            <a:effectRef idx="0">
+              <a:schemeClr val="accent1"/>
+            </a:effectRef>
+            <a:fontRef idx="minor">
+              <a:schemeClr val="lt1"/>
+            </a:fontRef>
+          </p:style>
+          <p:txBody>
+            <a:bodyPr rtlCol="0" anchor="ctr"/>
+            <a:lstStyle/>
+            <a:p>
+              <a:pPr algn="ctr"/>
+              <a:endParaRPr lang="en-US"/>
+            </a:p>
+          </p:txBody>
+        </p:sp>
+        <p:sp>
+          <p:nvSpPr>
+            <p:cNvPr id="16" name="Rectangle 15">
+              <a:extLst>
+                <a:ext uri="{FF2B5EF4-FFF2-40B4-BE49-F238E27FC236}">
+                  <a16:creationId xmlns:a16="http://schemas.microsoft.com/office/drawing/2014/main" id="{85D34DCA-F3C6-4162-9159-9B25BE21E9FD}"/>
+                </a:ext>
+              </a:extLst>
+            </p:cNvPr>
+            <p:cNvSpPr/>
+            <p:nvPr/>
+          </p:nvSpPr>
+          <p:spPr>
+            <a:xfrm rot="5400000">
+              <a:off x="989936" y="950181"/>
+              <a:ext cx="222637" cy="1241283"/>
+            </a:xfrm>
+            <a:prstGeom prst="rect">
+              <a:avLst/>
+            </a:prstGeom>
+          </p:spPr>
+          <p:style>
+            <a:lnRef idx="2">
+              <a:schemeClr val="accent1">
+                <a:shade val="50000"/>
+              </a:schemeClr>
+            </a:lnRef>
+            <a:fillRef idx="1">
+              <a:schemeClr val="accent1"/>
+            </a:fillRef>
+            <a:effectRef idx="0">
+              <a:schemeClr val="accent1"/>
+            </a:effectRef>
+            <a:fontRef idx="minor">
+              <a:schemeClr val="lt1"/>
+            </a:fontRef>
+          </p:style>
+          <p:txBody>
+            <a:bodyPr rtlCol="0" anchor="ctr"/>
+            <a:lstStyle/>
+            <a:p>
+              <a:pPr algn="ctr"/>
+              <a:endParaRPr lang="en-US"/>
+            </a:p>
+          </p:txBody>
+        </p:sp>
+      </p:grpSp>
+      <p:cxnSp>
+        <p:nvCxnSpPr>
+          <p:cNvPr id="17" name="Straight Connector 16">
+            <a:extLst>
+              <a:ext uri="{FF2B5EF4-FFF2-40B4-BE49-F238E27FC236}">
+                <a16:creationId xmlns:a16="http://schemas.microsoft.com/office/drawing/2014/main" id="{6FD17F16-F140-4EEF-BFAA-DD463752F10B}"/>
+              </a:ext>
+            </a:extLst>
+          </p:cNvPr>
+          <p:cNvCxnSpPr>
+            <a:cxnSpLocks/>
+            <a:stCxn id="7" idx="2"/>
+            <a:endCxn id="16" idx="0"/>
+          </p:cNvCxnSpPr>
+          <p:nvPr/>
+        </p:nvCxnSpPr>
+        <p:spPr>
+          <a:xfrm flipH="1" flipV="1">
+            <a:off x="1288098" y="2363524"/>
+            <a:ext cx="564059" cy="14655"/>
+          </a:xfrm>
+          <a:prstGeom prst="line">
+            <a:avLst/>
+          </a:prstGeom>
+        </p:spPr>
+        <p:style>
+          <a:lnRef idx="1">
+            <a:schemeClr val="accent1"/>
+          </a:lnRef>
+          <a:fillRef idx="0">
+            <a:schemeClr val="accent1"/>
+          </a:fillRef>
+          <a:effectRef idx="0">
+            <a:schemeClr val="accent1"/>
+          </a:effectRef>
+          <a:fontRef idx="minor">
+            <a:schemeClr val="tx1"/>
+          </a:fontRef>
+        </p:style>
+      </p:cxnSp>
+      <p:sp>
+        <p:nvSpPr>
+          <p:cNvPr id="18" name="TextBox 17">
+            <a:extLst>
+              <a:ext uri="{FF2B5EF4-FFF2-40B4-BE49-F238E27FC236}">
+                <a16:creationId xmlns:a16="http://schemas.microsoft.com/office/drawing/2014/main" id="{57764E1A-4956-48ED-8246-4BCC150B6BEB}"/>
+              </a:ext>
+            </a:extLst>
+          </p:cNvPr>
+          <p:cNvSpPr txBox="1"/>
+          <p:nvPr/>
+        </p:nvSpPr>
+        <p:spPr>
+          <a:xfrm>
+            <a:off x="4880477" y="746378"/>
+            <a:ext cx="5407265" cy="923330"/>
+          </a:xfrm>
+          <a:prstGeom prst="rect">
+            <a:avLst/>
+          </a:prstGeom>
+          <a:noFill/>
+        </p:spPr>
+        <p:txBody>
+          <a:bodyPr wrap="square" rtlCol="0">
+            <a:spAutoFit/>
+          </a:bodyPr>
+          <a:lstStyle/>
+          <a:p>
+            <a:r>
+              <a:rPr lang="en-US" dirty="0"/>
+              <a:t>Placement first approach may be enough</a:t>
+            </a:r>
+          </a:p>
+          <a:p>
+            <a:endParaRPr lang="en-US" dirty="0"/>
+          </a:p>
+          <a:p>
+            <a:endParaRPr lang="en-US" dirty="0"/>
+          </a:p>
+        </p:txBody>
+      </p:sp>
+    </p:spTree>
+    <p:extLst>
+      <p:ext uri="{BB962C8B-B14F-4D97-AF65-F5344CB8AC3E}">
+        <p14:creationId xmlns:p14="http://schemas.microsoft.com/office/powerpoint/2010/main" val="3811769073"/>
+      </p:ext>
+    </p:extLst>
+  </p:cSld>
+  <p:clrMapOvr>
+    <a:masterClrMapping/>
+  </p:clrMapOvr>
+</p:sld>
+</file>
+
+<file path=ppt/slides/slide8.xml><?xml version="1.0" encoding="utf-8"?>
+<p:sld xmlns:a="http://schemas.openxmlformats.org/drawingml/2006/main" xmlns:r="http://schemas.openxmlformats.org/officeDocument/2006/relationships" xmlns:p="http://schemas.openxmlformats.org/presentationml/2006/main">
+  <p:cSld>
+    <p:spTree>
+      <p:nvGrpSpPr>
+        <p:cNvPr id="1" name=""/>
+        <p:cNvGrpSpPr/>
+        <p:nvPr/>
+      </p:nvGrpSpPr>
+      <p:grpSpPr>
+        <a:xfrm>
+          <a:off x="0" y="0"/>
+          <a:ext cx="0" cy="0"/>
+          <a:chOff x="0" y="0"/>
+          <a:chExt cx="0" cy="0"/>
+        </a:xfrm>
+      </p:grpSpPr>
+      <p:sp>
+        <p:nvSpPr>
+          <p:cNvPr id="61" name="Rectangle 60">
+            <a:extLst>
+              <a:ext uri="{FF2B5EF4-FFF2-40B4-BE49-F238E27FC236}">
+                <a16:creationId xmlns:a16="http://schemas.microsoft.com/office/drawing/2014/main" id="{9D589920-308F-4DC8-9848-3431A793E224}"/>
+              </a:ext>
+            </a:extLst>
+          </p:cNvPr>
+          <p:cNvSpPr/>
+          <p:nvPr/>
+        </p:nvSpPr>
+        <p:spPr>
+          <a:xfrm>
+            <a:off x="1526652" y="4431605"/>
+            <a:ext cx="1302284" cy="705223"/>
+          </a:xfrm>
+          <a:prstGeom prst="rect">
+            <a:avLst/>
+          </a:prstGeom>
+          <a:solidFill>
+            <a:schemeClr val="accent2"/>
+          </a:solidFill>
+        </p:spPr>
+        <p:style>
+          <a:lnRef idx="2">
+            <a:schemeClr val="accent1">
+              <a:shade val="50000"/>
+            </a:schemeClr>
+          </a:lnRef>
+          <a:fillRef idx="1">
+            <a:schemeClr val="accent1"/>
+          </a:fillRef>
+          <a:effectRef idx="0">
+            <a:schemeClr val="accent1"/>
+          </a:effectRef>
+          <a:fontRef idx="minor">
+            <a:schemeClr val="lt1"/>
+          </a:fontRef>
+        </p:style>
+        <p:txBody>
+          <a:bodyPr rtlCol="0" anchor="ctr"/>
+          <a:lstStyle/>
+          <a:p>
+            <a:pPr algn="ctr"/>
+            <a:endParaRPr lang="en-US"/>
+          </a:p>
+        </p:txBody>
+      </p:sp>
+      <p:sp>
+        <p:nvSpPr>
+          <p:cNvPr id="57" name="Rectangle 56">
+            <a:extLst>
+              <a:ext uri="{FF2B5EF4-FFF2-40B4-BE49-F238E27FC236}">
+                <a16:creationId xmlns:a16="http://schemas.microsoft.com/office/drawing/2014/main" id="{34043D5D-1984-4216-B7FE-6D4294FF0DC7}"/>
+              </a:ext>
+            </a:extLst>
+          </p:cNvPr>
+          <p:cNvSpPr/>
+          <p:nvPr/>
+        </p:nvSpPr>
+        <p:spPr>
+          <a:xfrm>
+            <a:off x="588397" y="3545594"/>
+            <a:ext cx="902153" cy="1306117"/>
+          </a:xfrm>
+          <a:prstGeom prst="rect">
+            <a:avLst/>
+          </a:prstGeom>
+          <a:solidFill>
+            <a:schemeClr val="accent2"/>
+          </a:solidFill>
+        </p:spPr>
+        <p:style>
+          <a:lnRef idx="2">
+            <a:schemeClr val="accent1">
+              <a:shade val="50000"/>
+            </a:schemeClr>
+          </a:lnRef>
+          <a:fillRef idx="1">
+            <a:schemeClr val="accent1"/>
+          </a:fillRef>
+          <a:effectRef idx="0">
+            <a:schemeClr val="accent1"/>
+          </a:effectRef>
+          <a:fontRef idx="minor">
+            <a:schemeClr val="lt1"/>
+          </a:fontRef>
+        </p:style>
+        <p:txBody>
+          <a:bodyPr rtlCol="0" anchor="ctr"/>
+          <a:lstStyle/>
+          <a:p>
+            <a:pPr algn="ctr"/>
+            <a:endParaRPr lang="en-US"/>
+          </a:p>
+        </p:txBody>
+      </p:sp>
+      <p:sp>
+        <p:nvSpPr>
+          <p:cNvPr id="56" name="Rectangle 55">
+            <a:extLst>
+              <a:ext uri="{FF2B5EF4-FFF2-40B4-BE49-F238E27FC236}">
+                <a16:creationId xmlns:a16="http://schemas.microsoft.com/office/drawing/2014/main" id="{FC0C232F-8397-4208-85DC-52DEC2837571}"/>
+              </a:ext>
+            </a:extLst>
+          </p:cNvPr>
+          <p:cNvSpPr/>
+          <p:nvPr/>
+        </p:nvSpPr>
+        <p:spPr>
+          <a:xfrm>
+            <a:off x="4415977" y="1737076"/>
+            <a:ext cx="2011680" cy="1133061"/>
+          </a:xfrm>
+          <a:prstGeom prst="rect">
+            <a:avLst/>
+          </a:prstGeom>
+          <a:solidFill>
+            <a:schemeClr val="accent2"/>
+          </a:solidFill>
+        </p:spPr>
+        <p:style>
+          <a:lnRef idx="2">
+            <a:schemeClr val="accent1">
+              <a:shade val="50000"/>
+            </a:schemeClr>
+          </a:lnRef>
+          <a:fillRef idx="1">
+            <a:schemeClr val="accent1"/>
+          </a:fillRef>
+          <a:effectRef idx="0">
+            <a:schemeClr val="accent1"/>
+          </a:effectRef>
+          <a:fontRef idx="minor">
+            <a:schemeClr val="lt1"/>
+          </a:fontRef>
+        </p:style>
+        <p:txBody>
+          <a:bodyPr rtlCol="0" anchor="ctr"/>
+          <a:lstStyle/>
+          <a:p>
+            <a:pPr algn="ctr"/>
+            <a:endParaRPr lang="en-US"/>
+          </a:p>
+        </p:txBody>
+      </p:sp>
+      <p:sp>
+        <p:nvSpPr>
+          <p:cNvPr id="2" name="TextBox 1">
+            <a:extLst>
+              <a:ext uri="{FF2B5EF4-FFF2-40B4-BE49-F238E27FC236}">
+                <a16:creationId xmlns:a16="http://schemas.microsoft.com/office/drawing/2014/main" id="{A00BC57C-6E98-4ED9-A9E4-7B35A05D508A}"/>
+              </a:ext>
+            </a:extLst>
+          </p:cNvPr>
+          <p:cNvSpPr txBox="1"/>
+          <p:nvPr/>
+        </p:nvSpPr>
+        <p:spPr>
+          <a:xfrm>
+            <a:off x="688735" y="460627"/>
+            <a:ext cx="5407265" cy="646331"/>
+          </a:xfrm>
+          <a:prstGeom prst="rect">
+            <a:avLst/>
+          </a:prstGeom>
+          <a:noFill/>
+        </p:spPr>
+        <p:txBody>
+          <a:bodyPr wrap="square" rtlCol="0">
+            <a:spAutoFit/>
+          </a:bodyPr>
+          <a:lstStyle/>
+          <a:p>
+            <a:r>
+              <a:rPr lang="en-US" dirty="0"/>
+              <a:t>Sequential placement</a:t>
+            </a:r>
+          </a:p>
+          <a:p>
+            <a:endParaRPr lang="en-US" dirty="0"/>
+          </a:p>
+        </p:txBody>
+      </p:sp>
+      <p:sp>
+        <p:nvSpPr>
+          <p:cNvPr id="4" name="Rectangle 3">
+            <a:extLst>
+              <a:ext uri="{FF2B5EF4-FFF2-40B4-BE49-F238E27FC236}">
+                <a16:creationId xmlns:a16="http://schemas.microsoft.com/office/drawing/2014/main" id="{F32FA8A3-CC41-4974-9022-ECE63686C7CF}"/>
+              </a:ext>
+            </a:extLst>
+          </p:cNvPr>
+          <p:cNvSpPr/>
+          <p:nvPr/>
+        </p:nvSpPr>
+        <p:spPr>
+          <a:xfrm rot="1817702">
+            <a:off x="2971611" y="2011633"/>
+            <a:ext cx="91180" cy="508362"/>
+          </a:xfrm>
+          <a:prstGeom prst="rect">
+            <a:avLst/>
+          </a:prstGeom>
+        </p:spPr>
+        <p:style>
+          <a:lnRef idx="2">
+            <a:schemeClr val="accent1">
+              <a:shade val="50000"/>
+            </a:schemeClr>
+          </a:lnRef>
+          <a:fillRef idx="1">
+            <a:schemeClr val="accent1"/>
+          </a:fillRef>
+          <a:effectRef idx="0">
+            <a:schemeClr val="accent1"/>
+          </a:effectRef>
+          <a:fontRef idx="minor">
+            <a:schemeClr val="lt1"/>
+          </a:fontRef>
+        </p:style>
+        <p:txBody>
+          <a:bodyPr rtlCol="0" anchor="ctr"/>
+          <a:lstStyle/>
+          <a:p>
+            <a:pPr algn="ctr"/>
+            <a:endParaRPr lang="en-US"/>
+          </a:p>
+        </p:txBody>
+      </p:sp>
+      <p:sp>
+        <p:nvSpPr>
+          <p:cNvPr id="5" name="Rectangle 4">
+            <a:extLst>
+              <a:ext uri="{FF2B5EF4-FFF2-40B4-BE49-F238E27FC236}">
+                <a16:creationId xmlns:a16="http://schemas.microsoft.com/office/drawing/2014/main" id="{7E82412D-F52E-48AD-A7FC-3CB761DD8394}"/>
+              </a:ext>
+            </a:extLst>
+          </p:cNvPr>
+          <p:cNvSpPr/>
+          <p:nvPr/>
+        </p:nvSpPr>
+        <p:spPr>
+          <a:xfrm rot="5400000">
+            <a:off x="2971611" y="1996979"/>
+            <a:ext cx="91180" cy="508362"/>
+          </a:xfrm>
+          <a:prstGeom prst="rect">
+            <a:avLst/>
+          </a:prstGeom>
+        </p:spPr>
+        <p:style>
+          <a:lnRef idx="2">
+            <a:schemeClr val="accent1">
+              <a:shade val="50000"/>
+            </a:schemeClr>
+          </a:lnRef>
+          <a:fillRef idx="1">
+            <a:schemeClr val="accent1"/>
+          </a:fillRef>
+          <a:effectRef idx="0">
+            <a:schemeClr val="accent1"/>
+          </a:effectRef>
+          <a:fontRef idx="minor">
+            <a:schemeClr val="lt1"/>
+          </a:fontRef>
+        </p:style>
+        <p:txBody>
+          <a:bodyPr rtlCol="0" anchor="ctr"/>
+          <a:lstStyle/>
+          <a:p>
+            <a:pPr algn="ctr"/>
+            <a:endParaRPr lang="en-US"/>
+          </a:p>
+        </p:txBody>
+      </p:sp>
+      <p:grpSp>
+        <p:nvGrpSpPr>
+          <p:cNvPr id="6" name="Group 5">
+            <a:extLst>
+              <a:ext uri="{FF2B5EF4-FFF2-40B4-BE49-F238E27FC236}">
+                <a16:creationId xmlns:a16="http://schemas.microsoft.com/office/drawing/2014/main" id="{9E449CE1-93FF-4CEA-A833-DC7A838F769D}"/>
+              </a:ext>
+            </a:extLst>
+          </p:cNvPr>
+          <p:cNvGrpSpPr/>
+          <p:nvPr/>
+        </p:nvGrpSpPr>
+        <p:grpSpPr>
+          <a:xfrm>
+            <a:off x="1456744" y="2018490"/>
+            <a:ext cx="508362" cy="508362"/>
+            <a:chOff x="480613" y="985962"/>
+            <a:chExt cx="1241283" cy="1241283"/>
+          </a:xfrm>
+        </p:grpSpPr>
+        <p:sp>
+          <p:nvSpPr>
+            <p:cNvPr id="7" name="Rectangle 6">
+              <a:extLst>
+                <a:ext uri="{FF2B5EF4-FFF2-40B4-BE49-F238E27FC236}">
+                  <a16:creationId xmlns:a16="http://schemas.microsoft.com/office/drawing/2014/main" id="{F049E2BD-E56F-415C-BB9C-C424CECBAE14}"/>
+                </a:ext>
+              </a:extLst>
+            </p:cNvPr>
+            <p:cNvSpPr/>
+            <p:nvPr/>
+          </p:nvSpPr>
+          <p:spPr>
+            <a:xfrm>
+              <a:off x="989937" y="985962"/>
+              <a:ext cx="222637" cy="1241283"/>
+            </a:xfrm>
+            <a:prstGeom prst="rect">
+              <a:avLst/>
+            </a:prstGeom>
+          </p:spPr>
+          <p:style>
+            <a:lnRef idx="2">
+              <a:schemeClr val="accent1">
+                <a:shade val="50000"/>
+              </a:schemeClr>
+            </a:lnRef>
+            <a:fillRef idx="1">
+              <a:schemeClr val="accent1"/>
+            </a:fillRef>
+            <a:effectRef idx="0">
+              <a:schemeClr val="accent1"/>
+            </a:effectRef>
+            <a:fontRef idx="minor">
+              <a:schemeClr val="lt1"/>
+            </a:fontRef>
+          </p:style>
+          <p:txBody>
+            <a:bodyPr rtlCol="0" anchor="ctr"/>
+            <a:lstStyle/>
+            <a:p>
+              <a:pPr algn="ctr"/>
+              <a:endParaRPr lang="en-US"/>
+            </a:p>
+          </p:txBody>
+        </p:sp>
+        <p:sp>
+          <p:nvSpPr>
+            <p:cNvPr id="8" name="Rectangle 7">
+              <a:extLst>
+                <a:ext uri="{FF2B5EF4-FFF2-40B4-BE49-F238E27FC236}">
+                  <a16:creationId xmlns:a16="http://schemas.microsoft.com/office/drawing/2014/main" id="{371AC5D3-2180-466F-9210-15C58934F8C9}"/>
+                </a:ext>
+              </a:extLst>
+            </p:cNvPr>
+            <p:cNvSpPr/>
+            <p:nvPr/>
+          </p:nvSpPr>
+          <p:spPr>
+            <a:xfrm rot="5400000">
+              <a:off x="989936" y="950181"/>
+              <a:ext cx="222637" cy="1241283"/>
+            </a:xfrm>
+            <a:prstGeom prst="rect">
+              <a:avLst/>
+            </a:prstGeom>
+          </p:spPr>
+          <p:style>
+            <a:lnRef idx="2">
+              <a:schemeClr val="accent1">
+                <a:shade val="50000"/>
+              </a:schemeClr>
+            </a:lnRef>
+            <a:fillRef idx="1">
+              <a:schemeClr val="accent1"/>
+            </a:fillRef>
+            <a:effectRef idx="0">
+              <a:schemeClr val="accent1"/>
+            </a:effectRef>
+            <a:fontRef idx="minor">
+              <a:schemeClr val="lt1"/>
+            </a:fontRef>
+          </p:style>
+          <p:txBody>
+            <a:bodyPr rtlCol="0" anchor="ctr"/>
+            <a:lstStyle/>
+            <a:p>
+              <a:pPr algn="ctr"/>
+              <a:endParaRPr lang="en-US"/>
+            </a:p>
+          </p:txBody>
+        </p:sp>
+      </p:grpSp>
+      <p:cxnSp>
+        <p:nvCxnSpPr>
+          <p:cNvPr id="9" name="Straight Connector 8">
+            <a:extLst>
+              <a:ext uri="{FF2B5EF4-FFF2-40B4-BE49-F238E27FC236}">
+                <a16:creationId xmlns:a16="http://schemas.microsoft.com/office/drawing/2014/main" id="{BAB9E3A6-9BF0-4969-942F-CE196C8DA068}"/>
+              </a:ext>
+            </a:extLst>
+          </p:cNvPr>
+          <p:cNvCxnSpPr>
+            <a:cxnSpLocks/>
+            <a:stCxn id="5" idx="2"/>
+            <a:endCxn id="8" idx="0"/>
+          </p:cNvCxnSpPr>
+          <p:nvPr/>
+        </p:nvCxnSpPr>
+        <p:spPr>
+          <a:xfrm flipH="1">
+            <a:off x="1965106" y="2251160"/>
+            <a:ext cx="797914" cy="6857"/>
+          </a:xfrm>
+          <a:prstGeom prst="line">
+            <a:avLst/>
+          </a:prstGeom>
+        </p:spPr>
+        <p:style>
+          <a:lnRef idx="1">
+            <a:schemeClr val="accent1"/>
+          </a:lnRef>
+          <a:fillRef idx="0">
+            <a:schemeClr val="accent1"/>
+          </a:fillRef>
+          <a:effectRef idx="0">
+            <a:schemeClr val="accent1"/>
+          </a:effectRef>
+          <a:fontRef idx="minor">
+            <a:schemeClr val="tx1"/>
+          </a:fontRef>
+        </p:style>
+      </p:cxnSp>
+      <p:grpSp>
+        <p:nvGrpSpPr>
+          <p:cNvPr id="17" name="Group 16">
+            <a:extLst>
+              <a:ext uri="{FF2B5EF4-FFF2-40B4-BE49-F238E27FC236}">
+                <a16:creationId xmlns:a16="http://schemas.microsoft.com/office/drawing/2014/main" id="{15E3E783-8658-4B65-BBE9-36ADE760005B}"/>
+              </a:ext>
+            </a:extLst>
+          </p:cNvPr>
+          <p:cNvGrpSpPr/>
+          <p:nvPr/>
+        </p:nvGrpSpPr>
+        <p:grpSpPr>
+          <a:xfrm>
+            <a:off x="4941354" y="2049426"/>
+            <a:ext cx="1364943" cy="508362"/>
+            <a:chOff x="4985238" y="2064081"/>
+            <a:chExt cx="1364943" cy="508362"/>
+          </a:xfrm>
+        </p:grpSpPr>
+        <p:sp>
+          <p:nvSpPr>
+            <p:cNvPr id="11" name="Rectangle 10">
+              <a:extLst>
+                <a:ext uri="{FF2B5EF4-FFF2-40B4-BE49-F238E27FC236}">
+                  <a16:creationId xmlns:a16="http://schemas.microsoft.com/office/drawing/2014/main" id="{6F8C82A4-E18A-4C57-AF3B-D48E4CFB52F8}"/>
+                </a:ext>
+              </a:extLst>
+            </p:cNvPr>
+            <p:cNvSpPr/>
+            <p:nvPr/>
+          </p:nvSpPr>
+          <p:spPr>
+            <a:xfrm>
+              <a:off x="6050410" y="2064081"/>
+              <a:ext cx="91180" cy="508362"/>
+            </a:xfrm>
+            <a:prstGeom prst="rect">
+              <a:avLst/>
+            </a:prstGeom>
+          </p:spPr>
+          <p:style>
+            <a:lnRef idx="2">
+              <a:schemeClr val="accent1">
+                <a:shade val="50000"/>
+              </a:schemeClr>
+            </a:lnRef>
+            <a:fillRef idx="1">
+              <a:schemeClr val="accent1"/>
+            </a:fillRef>
+            <a:effectRef idx="0">
+              <a:schemeClr val="accent1"/>
+            </a:effectRef>
+            <a:fontRef idx="minor">
+              <a:schemeClr val="lt1"/>
+            </a:fontRef>
+          </p:style>
+          <p:txBody>
+            <a:bodyPr rtlCol="0" anchor="ctr"/>
+            <a:lstStyle/>
+            <a:p>
+              <a:pPr algn="ctr"/>
+              <a:endParaRPr lang="en-US"/>
+            </a:p>
+          </p:txBody>
+        </p:sp>
+        <p:sp>
+          <p:nvSpPr>
+            <p:cNvPr id="12" name="Rectangle 11">
+              <a:extLst>
+                <a:ext uri="{FF2B5EF4-FFF2-40B4-BE49-F238E27FC236}">
+                  <a16:creationId xmlns:a16="http://schemas.microsoft.com/office/drawing/2014/main" id="{2C8722CD-EAA2-4DD8-B772-49153ECC4D38}"/>
+                </a:ext>
+              </a:extLst>
+            </p:cNvPr>
+            <p:cNvSpPr/>
+            <p:nvPr/>
+          </p:nvSpPr>
+          <p:spPr>
+            <a:xfrm rot="5400000">
+              <a:off x="5622120" y="1621136"/>
+              <a:ext cx="91180" cy="1364943"/>
+            </a:xfrm>
+            <a:prstGeom prst="rect">
+              <a:avLst/>
+            </a:prstGeom>
+          </p:spPr>
+          <p:style>
+            <a:lnRef idx="2">
+              <a:schemeClr val="accent1">
+                <a:shade val="50000"/>
+              </a:schemeClr>
+            </a:lnRef>
+            <a:fillRef idx="1">
+              <a:schemeClr val="accent1"/>
+            </a:fillRef>
+            <a:effectRef idx="0">
+              <a:schemeClr val="accent1"/>
+            </a:effectRef>
+            <a:fontRef idx="minor">
+              <a:schemeClr val="lt1"/>
+            </a:fontRef>
+          </p:style>
+          <p:txBody>
+            <a:bodyPr rtlCol="0" anchor="ctr"/>
+            <a:lstStyle/>
+            <a:p>
+              <a:pPr algn="ctr"/>
+              <a:endParaRPr lang="en-US"/>
+            </a:p>
+          </p:txBody>
+        </p:sp>
+      </p:grpSp>
+      <p:grpSp>
+        <p:nvGrpSpPr>
+          <p:cNvPr id="13" name="Group 12">
+            <a:extLst>
+              <a:ext uri="{FF2B5EF4-FFF2-40B4-BE49-F238E27FC236}">
+                <a16:creationId xmlns:a16="http://schemas.microsoft.com/office/drawing/2014/main" id="{72937D83-9229-4A23-8296-E93757789F85}"/>
+              </a:ext>
+            </a:extLst>
+          </p:cNvPr>
+          <p:cNvGrpSpPr/>
+          <p:nvPr/>
+        </p:nvGrpSpPr>
+        <p:grpSpPr>
+          <a:xfrm>
+            <a:off x="4515217" y="2049426"/>
+            <a:ext cx="508362" cy="508362"/>
+            <a:chOff x="480613" y="985962"/>
+            <a:chExt cx="1241283" cy="1241283"/>
+          </a:xfrm>
+        </p:grpSpPr>
+        <p:sp>
+          <p:nvSpPr>
+            <p:cNvPr id="14" name="Rectangle 13">
+              <a:extLst>
+                <a:ext uri="{FF2B5EF4-FFF2-40B4-BE49-F238E27FC236}">
+                  <a16:creationId xmlns:a16="http://schemas.microsoft.com/office/drawing/2014/main" id="{39451655-39B2-4C6C-81EE-E859D1085BE9}"/>
+                </a:ext>
+              </a:extLst>
+            </p:cNvPr>
+            <p:cNvSpPr/>
+            <p:nvPr/>
+          </p:nvSpPr>
+          <p:spPr>
+            <a:xfrm>
+              <a:off x="989937" y="985962"/>
+              <a:ext cx="222637" cy="1241283"/>
+            </a:xfrm>
+            <a:prstGeom prst="rect">
+              <a:avLst/>
+            </a:prstGeom>
+          </p:spPr>
+          <p:style>
+            <a:lnRef idx="2">
+              <a:schemeClr val="accent1">
+                <a:shade val="50000"/>
+              </a:schemeClr>
+            </a:lnRef>
+            <a:fillRef idx="1">
+              <a:schemeClr val="accent1"/>
+            </a:fillRef>
+            <a:effectRef idx="0">
+              <a:schemeClr val="accent1"/>
+            </a:effectRef>
+            <a:fontRef idx="minor">
+              <a:schemeClr val="lt1"/>
+            </a:fontRef>
+          </p:style>
+          <p:txBody>
+            <a:bodyPr rtlCol="0" anchor="ctr"/>
+            <a:lstStyle/>
+            <a:p>
+              <a:pPr algn="ctr"/>
+              <a:endParaRPr lang="en-US"/>
+            </a:p>
+          </p:txBody>
+        </p:sp>
+        <p:sp>
+          <p:nvSpPr>
+            <p:cNvPr id="15" name="Rectangle 14">
+              <a:extLst>
+                <a:ext uri="{FF2B5EF4-FFF2-40B4-BE49-F238E27FC236}">
+                  <a16:creationId xmlns:a16="http://schemas.microsoft.com/office/drawing/2014/main" id="{9471E49A-B84A-470B-84C7-A1914B349356}"/>
+                </a:ext>
+              </a:extLst>
+            </p:cNvPr>
+            <p:cNvSpPr/>
+            <p:nvPr/>
+          </p:nvSpPr>
+          <p:spPr>
+            <a:xfrm rot="5400000">
+              <a:off x="989936" y="950181"/>
+              <a:ext cx="222637" cy="1241283"/>
+            </a:xfrm>
+            <a:prstGeom prst="rect">
+              <a:avLst/>
+            </a:prstGeom>
+          </p:spPr>
+          <p:style>
+            <a:lnRef idx="2">
+              <a:schemeClr val="accent1">
+                <a:shade val="50000"/>
+              </a:schemeClr>
+            </a:lnRef>
+            <a:fillRef idx="1">
+              <a:schemeClr val="accent1"/>
+            </a:fillRef>
+            <a:effectRef idx="0">
+              <a:schemeClr val="accent1"/>
+            </a:effectRef>
+            <a:fontRef idx="minor">
+              <a:schemeClr val="lt1"/>
+            </a:fontRef>
+          </p:style>
+          <p:txBody>
+            <a:bodyPr rtlCol="0" anchor="ctr"/>
+            <a:lstStyle/>
+            <a:p>
+              <a:pPr algn="ctr"/>
+              <a:endParaRPr lang="en-US"/>
+            </a:p>
+          </p:txBody>
+        </p:sp>
+      </p:grpSp>
+      <p:grpSp>
+        <p:nvGrpSpPr>
+          <p:cNvPr id="16" name="Group 15">
+            <a:extLst>
+              <a:ext uri="{FF2B5EF4-FFF2-40B4-BE49-F238E27FC236}">
+                <a16:creationId xmlns:a16="http://schemas.microsoft.com/office/drawing/2014/main" id="{3B9F0121-541B-4780-96DC-32CE2449BB12}"/>
+              </a:ext>
+            </a:extLst>
+          </p:cNvPr>
+          <p:cNvGrpSpPr/>
+          <p:nvPr/>
+        </p:nvGrpSpPr>
+        <p:grpSpPr>
+          <a:xfrm>
+            <a:off x="9150566" y="2920638"/>
+            <a:ext cx="508362" cy="508362"/>
+            <a:chOff x="480613" y="985962"/>
+            <a:chExt cx="1241283" cy="1241283"/>
+          </a:xfrm>
+        </p:grpSpPr>
+        <p:sp>
+          <p:nvSpPr>
+            <p:cNvPr id="18" name="Rectangle 17">
+              <a:extLst>
+                <a:ext uri="{FF2B5EF4-FFF2-40B4-BE49-F238E27FC236}">
+                  <a16:creationId xmlns:a16="http://schemas.microsoft.com/office/drawing/2014/main" id="{933782EE-D964-4972-AF92-ABD736F4EE79}"/>
+                </a:ext>
+              </a:extLst>
+            </p:cNvPr>
+            <p:cNvSpPr/>
+            <p:nvPr/>
+          </p:nvSpPr>
+          <p:spPr>
+            <a:xfrm>
+              <a:off x="989937" y="985962"/>
+              <a:ext cx="222637" cy="1241283"/>
+            </a:xfrm>
+            <a:prstGeom prst="rect">
+              <a:avLst/>
+            </a:prstGeom>
+          </p:spPr>
+          <p:style>
+            <a:lnRef idx="2">
+              <a:schemeClr val="accent1">
+                <a:shade val="50000"/>
+              </a:schemeClr>
+            </a:lnRef>
+            <a:fillRef idx="1">
+              <a:schemeClr val="accent1"/>
+            </a:fillRef>
+            <a:effectRef idx="0">
+              <a:schemeClr val="accent1"/>
+            </a:effectRef>
+            <a:fontRef idx="minor">
+              <a:schemeClr val="lt1"/>
+            </a:fontRef>
+          </p:style>
+          <p:txBody>
+            <a:bodyPr rtlCol="0" anchor="ctr"/>
+            <a:lstStyle/>
+            <a:p>
+              <a:pPr algn="ctr"/>
+              <a:endParaRPr lang="en-US"/>
+            </a:p>
+          </p:txBody>
+        </p:sp>
+        <p:sp>
+          <p:nvSpPr>
+            <p:cNvPr id="19" name="Rectangle 18">
+              <a:extLst>
+                <a:ext uri="{FF2B5EF4-FFF2-40B4-BE49-F238E27FC236}">
+                  <a16:creationId xmlns:a16="http://schemas.microsoft.com/office/drawing/2014/main" id="{2838A8D9-62C6-47A7-9685-6E71670143B8}"/>
+                </a:ext>
+              </a:extLst>
+            </p:cNvPr>
+            <p:cNvSpPr/>
+            <p:nvPr/>
+          </p:nvSpPr>
+          <p:spPr>
+            <a:xfrm rot="5400000">
+              <a:off x="989936" y="950181"/>
+              <a:ext cx="222637" cy="1241283"/>
+            </a:xfrm>
+            <a:prstGeom prst="rect">
+              <a:avLst/>
+            </a:prstGeom>
+          </p:spPr>
+          <p:style>
+            <a:lnRef idx="2">
+              <a:schemeClr val="accent1">
+                <a:shade val="50000"/>
+              </a:schemeClr>
+            </a:lnRef>
+            <a:fillRef idx="1">
+              <a:schemeClr val="accent1"/>
+            </a:fillRef>
+            <a:effectRef idx="0">
+              <a:schemeClr val="accent1"/>
+            </a:effectRef>
+            <a:fontRef idx="minor">
+              <a:schemeClr val="lt1"/>
+            </a:fontRef>
+          </p:style>
+          <p:txBody>
+            <a:bodyPr rtlCol="0" anchor="ctr"/>
+            <a:lstStyle/>
+            <a:p>
+              <a:pPr algn="ctr"/>
+              <a:endParaRPr lang="en-US"/>
+            </a:p>
+          </p:txBody>
+        </p:sp>
+      </p:grpSp>
+      <p:sp>
+        <p:nvSpPr>
+          <p:cNvPr id="22" name="Rectangle 21">
+            <a:extLst>
+              <a:ext uri="{FF2B5EF4-FFF2-40B4-BE49-F238E27FC236}">
+                <a16:creationId xmlns:a16="http://schemas.microsoft.com/office/drawing/2014/main" id="{F6AC6A38-BBC2-453D-86D6-521EBFCB5562}"/>
+              </a:ext>
+            </a:extLst>
+          </p:cNvPr>
+          <p:cNvSpPr/>
+          <p:nvPr/>
+        </p:nvSpPr>
+        <p:spPr>
+          <a:xfrm>
+            <a:off x="4723808" y="2136306"/>
+            <a:ext cx="1372192" cy="296793"/>
+          </a:xfrm>
+          <a:prstGeom prst="rect">
+            <a:avLst/>
+          </a:prstGeom>
+          <a:ln>
+            <a:noFill/>
+          </a:ln>
+        </p:spPr>
+        <p:style>
+          <a:lnRef idx="2">
+            <a:schemeClr val="accent1">
+              <a:shade val="50000"/>
+            </a:schemeClr>
+          </a:lnRef>
+          <a:fillRef idx="1">
+            <a:schemeClr val="accent1"/>
+          </a:fillRef>
+          <a:effectRef idx="0">
+            <a:schemeClr val="accent1"/>
+          </a:effectRef>
+          <a:fontRef idx="minor">
+            <a:schemeClr val="lt1"/>
+          </a:fontRef>
+        </p:style>
+        <p:txBody>
+          <a:bodyPr rtlCol="0" anchor="ctr"/>
+          <a:lstStyle/>
+          <a:p>
+            <a:pPr algn="ctr"/>
+            <a:endParaRPr lang="en-US"/>
+          </a:p>
+        </p:txBody>
+      </p:sp>
+      <p:grpSp>
+        <p:nvGrpSpPr>
+          <p:cNvPr id="25" name="Group 24">
+            <a:extLst>
+              <a:ext uri="{FF2B5EF4-FFF2-40B4-BE49-F238E27FC236}">
+                <a16:creationId xmlns:a16="http://schemas.microsoft.com/office/drawing/2014/main" id="{FA1EF4B2-B8EE-4150-A8AF-EACCC1C6744E}"/>
+              </a:ext>
+            </a:extLst>
+          </p:cNvPr>
+          <p:cNvGrpSpPr/>
+          <p:nvPr/>
+        </p:nvGrpSpPr>
+        <p:grpSpPr>
+          <a:xfrm>
+            <a:off x="617400" y="3545594"/>
+            <a:ext cx="508362" cy="508362"/>
+            <a:chOff x="480613" y="985962"/>
+            <a:chExt cx="1241283" cy="1241283"/>
+          </a:xfrm>
+        </p:grpSpPr>
+        <p:sp>
+          <p:nvSpPr>
+            <p:cNvPr id="26" name="Rectangle 25">
+              <a:extLst>
+                <a:ext uri="{FF2B5EF4-FFF2-40B4-BE49-F238E27FC236}">
+                  <a16:creationId xmlns:a16="http://schemas.microsoft.com/office/drawing/2014/main" id="{C1514FB1-DDA0-419F-A619-122D5F1D5152}"/>
+                </a:ext>
+              </a:extLst>
+            </p:cNvPr>
+            <p:cNvSpPr/>
+            <p:nvPr/>
+          </p:nvSpPr>
+          <p:spPr>
+            <a:xfrm>
+              <a:off x="989937" y="985962"/>
+              <a:ext cx="222637" cy="1241283"/>
+            </a:xfrm>
+            <a:prstGeom prst="rect">
+              <a:avLst/>
+            </a:prstGeom>
+          </p:spPr>
+          <p:style>
+            <a:lnRef idx="2">
+              <a:schemeClr val="accent1">
+                <a:shade val="50000"/>
+              </a:schemeClr>
+            </a:lnRef>
+            <a:fillRef idx="1">
+              <a:schemeClr val="accent1"/>
+            </a:fillRef>
+            <a:effectRef idx="0">
+              <a:schemeClr val="accent1"/>
+            </a:effectRef>
+            <a:fontRef idx="minor">
+              <a:schemeClr val="lt1"/>
+            </a:fontRef>
+          </p:style>
+          <p:txBody>
+            <a:bodyPr rtlCol="0" anchor="ctr"/>
+            <a:lstStyle/>
+            <a:p>
+              <a:pPr algn="ctr"/>
+              <a:endParaRPr lang="en-US"/>
+            </a:p>
+          </p:txBody>
+        </p:sp>
+        <p:sp>
+          <p:nvSpPr>
+            <p:cNvPr id="27" name="Rectangle 26">
+              <a:extLst>
+                <a:ext uri="{FF2B5EF4-FFF2-40B4-BE49-F238E27FC236}">
+                  <a16:creationId xmlns:a16="http://schemas.microsoft.com/office/drawing/2014/main" id="{CA98D9C9-3377-41B8-9DE8-5B49BB590B1B}"/>
+                </a:ext>
+              </a:extLst>
+            </p:cNvPr>
+            <p:cNvSpPr/>
+            <p:nvPr/>
+          </p:nvSpPr>
+          <p:spPr>
+            <a:xfrm rot="5400000">
+              <a:off x="989936" y="950181"/>
+              <a:ext cx="222637" cy="1241283"/>
+            </a:xfrm>
+            <a:prstGeom prst="rect">
+              <a:avLst/>
+            </a:prstGeom>
+          </p:spPr>
+          <p:style>
+            <a:lnRef idx="2">
+              <a:schemeClr val="accent1">
+                <a:shade val="50000"/>
+              </a:schemeClr>
+            </a:lnRef>
+            <a:fillRef idx="1">
+              <a:schemeClr val="accent1"/>
+            </a:fillRef>
+            <a:effectRef idx="0">
+              <a:schemeClr val="accent1"/>
+            </a:effectRef>
+            <a:fontRef idx="minor">
+              <a:schemeClr val="lt1"/>
+            </a:fontRef>
+          </p:style>
+          <p:txBody>
+            <a:bodyPr rtlCol="0" anchor="ctr"/>
+            <a:lstStyle/>
+            <a:p>
+              <a:pPr algn="ctr"/>
+              <a:endParaRPr lang="en-US"/>
+            </a:p>
+          </p:txBody>
+        </p:sp>
+      </p:grpSp>
+      <p:grpSp>
+        <p:nvGrpSpPr>
+          <p:cNvPr id="28" name="Group 27">
+            <a:extLst>
+              <a:ext uri="{FF2B5EF4-FFF2-40B4-BE49-F238E27FC236}">
+                <a16:creationId xmlns:a16="http://schemas.microsoft.com/office/drawing/2014/main" id="{3657231A-94D5-419B-9183-839682581AF2}"/>
+              </a:ext>
+            </a:extLst>
+          </p:cNvPr>
+          <p:cNvGrpSpPr/>
+          <p:nvPr/>
+        </p:nvGrpSpPr>
+        <p:grpSpPr>
+          <a:xfrm>
+            <a:off x="1408325" y="4547106"/>
+            <a:ext cx="1364943" cy="508362"/>
+            <a:chOff x="4985238" y="2064081"/>
+            <a:chExt cx="1364943" cy="508362"/>
+          </a:xfrm>
+        </p:grpSpPr>
+        <p:sp>
+          <p:nvSpPr>
+            <p:cNvPr id="29" name="Rectangle 28">
+              <a:extLst>
+                <a:ext uri="{FF2B5EF4-FFF2-40B4-BE49-F238E27FC236}">
+                  <a16:creationId xmlns:a16="http://schemas.microsoft.com/office/drawing/2014/main" id="{684CAAE2-D2FA-4D6E-BE72-7F97B8136146}"/>
+                </a:ext>
+              </a:extLst>
+            </p:cNvPr>
+            <p:cNvSpPr/>
+            <p:nvPr/>
+          </p:nvSpPr>
+          <p:spPr>
+            <a:xfrm>
+              <a:off x="6050410" y="2064081"/>
+              <a:ext cx="91180" cy="508362"/>
+            </a:xfrm>
+            <a:prstGeom prst="rect">
+              <a:avLst/>
+            </a:prstGeom>
+          </p:spPr>
+          <p:style>
+            <a:lnRef idx="2">
+              <a:schemeClr val="accent1">
+                <a:shade val="50000"/>
+              </a:schemeClr>
+            </a:lnRef>
+            <a:fillRef idx="1">
+              <a:schemeClr val="accent1"/>
+            </a:fillRef>
+            <a:effectRef idx="0">
+              <a:schemeClr val="accent1"/>
+            </a:effectRef>
+            <a:fontRef idx="minor">
+              <a:schemeClr val="lt1"/>
+            </a:fontRef>
+          </p:style>
+          <p:txBody>
+            <a:bodyPr rtlCol="0" anchor="ctr"/>
+            <a:lstStyle/>
+            <a:p>
+              <a:pPr algn="ctr"/>
+              <a:endParaRPr lang="en-US"/>
+            </a:p>
+          </p:txBody>
+        </p:sp>
+        <p:sp>
+          <p:nvSpPr>
+            <p:cNvPr id="30" name="Rectangle 29">
+              <a:extLst>
+                <a:ext uri="{FF2B5EF4-FFF2-40B4-BE49-F238E27FC236}">
+                  <a16:creationId xmlns:a16="http://schemas.microsoft.com/office/drawing/2014/main" id="{D6F259CD-0629-4741-A0CC-1F8A7B0C6C63}"/>
+                </a:ext>
+              </a:extLst>
+            </p:cNvPr>
+            <p:cNvSpPr/>
+            <p:nvPr/>
+          </p:nvSpPr>
+          <p:spPr>
+            <a:xfrm rot="5400000">
+              <a:off x="5622120" y="1621136"/>
+              <a:ext cx="91180" cy="1364943"/>
+            </a:xfrm>
+            <a:prstGeom prst="rect">
+              <a:avLst/>
+            </a:prstGeom>
+          </p:spPr>
+          <p:style>
+            <a:lnRef idx="2">
+              <a:schemeClr val="accent1">
+                <a:shade val="50000"/>
+              </a:schemeClr>
+            </a:lnRef>
+            <a:fillRef idx="1">
+              <a:schemeClr val="accent1"/>
+            </a:fillRef>
+            <a:effectRef idx="0">
+              <a:schemeClr val="accent1"/>
+            </a:effectRef>
+            <a:fontRef idx="minor">
+              <a:schemeClr val="lt1"/>
+            </a:fontRef>
+          </p:style>
+          <p:txBody>
+            <a:bodyPr rtlCol="0" anchor="ctr"/>
+            <a:lstStyle/>
+            <a:p>
+              <a:pPr algn="ctr"/>
+              <a:endParaRPr lang="en-US"/>
+            </a:p>
+          </p:txBody>
+        </p:sp>
+      </p:grpSp>
+      <p:grpSp>
+        <p:nvGrpSpPr>
+          <p:cNvPr id="31" name="Group 30">
+            <a:extLst>
+              <a:ext uri="{FF2B5EF4-FFF2-40B4-BE49-F238E27FC236}">
+                <a16:creationId xmlns:a16="http://schemas.microsoft.com/office/drawing/2014/main" id="{2BA69EB3-ABA1-4E81-9840-91CA5811446D}"/>
+              </a:ext>
+            </a:extLst>
+          </p:cNvPr>
+          <p:cNvGrpSpPr/>
+          <p:nvPr/>
+        </p:nvGrpSpPr>
+        <p:grpSpPr>
+          <a:xfrm>
+            <a:off x="982188" y="4547106"/>
+            <a:ext cx="508362" cy="508362"/>
+            <a:chOff x="480613" y="985962"/>
+            <a:chExt cx="1241283" cy="1241283"/>
+          </a:xfrm>
+        </p:grpSpPr>
+        <p:sp>
+          <p:nvSpPr>
+            <p:cNvPr id="32" name="Rectangle 31">
+              <a:extLst>
+                <a:ext uri="{FF2B5EF4-FFF2-40B4-BE49-F238E27FC236}">
+                  <a16:creationId xmlns:a16="http://schemas.microsoft.com/office/drawing/2014/main" id="{AA486B8C-04D6-49D2-BFA3-B724EDE319A7}"/>
+                </a:ext>
+              </a:extLst>
+            </p:cNvPr>
+            <p:cNvSpPr/>
+            <p:nvPr/>
+          </p:nvSpPr>
+          <p:spPr>
+            <a:xfrm>
+              <a:off x="989937" y="985962"/>
+              <a:ext cx="222637" cy="1241283"/>
+            </a:xfrm>
+            <a:prstGeom prst="rect">
+              <a:avLst/>
+            </a:prstGeom>
+          </p:spPr>
+          <p:style>
+            <a:lnRef idx="2">
+              <a:schemeClr val="accent1">
+                <a:shade val="50000"/>
+              </a:schemeClr>
+            </a:lnRef>
+            <a:fillRef idx="1">
+              <a:schemeClr val="accent1"/>
+            </a:fillRef>
+            <a:effectRef idx="0">
+              <a:schemeClr val="accent1"/>
+            </a:effectRef>
+            <a:fontRef idx="minor">
+              <a:schemeClr val="lt1"/>
+            </a:fontRef>
+          </p:style>
+          <p:txBody>
+            <a:bodyPr rtlCol="0" anchor="ctr"/>
+            <a:lstStyle/>
+            <a:p>
+              <a:pPr algn="ctr"/>
+              <a:endParaRPr lang="en-US"/>
+            </a:p>
+          </p:txBody>
+        </p:sp>
+        <p:sp>
+          <p:nvSpPr>
+            <p:cNvPr id="33" name="Rectangle 32">
+              <a:extLst>
+                <a:ext uri="{FF2B5EF4-FFF2-40B4-BE49-F238E27FC236}">
+                  <a16:creationId xmlns:a16="http://schemas.microsoft.com/office/drawing/2014/main" id="{B0992917-C491-40C4-9C73-FFD0B7D26C96}"/>
+                </a:ext>
+              </a:extLst>
+            </p:cNvPr>
+            <p:cNvSpPr/>
+            <p:nvPr/>
+          </p:nvSpPr>
+          <p:spPr>
+            <a:xfrm rot="5400000">
+              <a:off x="989936" y="950181"/>
+              <a:ext cx="222637" cy="1241283"/>
+            </a:xfrm>
+            <a:prstGeom prst="rect">
+              <a:avLst/>
+            </a:prstGeom>
+          </p:spPr>
+          <p:style>
+            <a:lnRef idx="2">
+              <a:schemeClr val="accent1">
+                <a:shade val="50000"/>
+              </a:schemeClr>
+            </a:lnRef>
+            <a:fillRef idx="1">
+              <a:schemeClr val="accent1"/>
+            </a:fillRef>
+            <a:effectRef idx="0">
+              <a:schemeClr val="accent1"/>
+            </a:effectRef>
+            <a:fontRef idx="minor">
+              <a:schemeClr val="lt1"/>
+            </a:fontRef>
+          </p:style>
+          <p:txBody>
+            <a:bodyPr rtlCol="0" anchor="ctr"/>
+            <a:lstStyle/>
+            <a:p>
+              <a:pPr algn="ctr"/>
+              <a:endParaRPr lang="en-US"/>
+            </a:p>
+          </p:txBody>
+        </p:sp>
+      </p:grpSp>
+      <p:grpSp>
+        <p:nvGrpSpPr>
+          <p:cNvPr id="34" name="Group 33">
+            <a:extLst>
+              <a:ext uri="{FF2B5EF4-FFF2-40B4-BE49-F238E27FC236}">
+                <a16:creationId xmlns:a16="http://schemas.microsoft.com/office/drawing/2014/main" id="{9027C4C7-9C4C-4854-9007-A989C1799BDA}"/>
+              </a:ext>
+            </a:extLst>
+          </p:cNvPr>
+          <p:cNvGrpSpPr/>
+          <p:nvPr/>
+        </p:nvGrpSpPr>
+        <p:grpSpPr>
+          <a:xfrm>
+            <a:off x="982188" y="5705946"/>
+            <a:ext cx="508362" cy="508362"/>
+            <a:chOff x="480613" y="985962"/>
+            <a:chExt cx="1241283" cy="1241283"/>
+          </a:xfrm>
+        </p:grpSpPr>
+        <p:sp>
+          <p:nvSpPr>
+            <p:cNvPr id="35" name="Rectangle 34">
+              <a:extLst>
+                <a:ext uri="{FF2B5EF4-FFF2-40B4-BE49-F238E27FC236}">
+                  <a16:creationId xmlns:a16="http://schemas.microsoft.com/office/drawing/2014/main" id="{3934289D-D451-430A-974F-8FA028398BD1}"/>
+                </a:ext>
+              </a:extLst>
+            </p:cNvPr>
+            <p:cNvSpPr/>
+            <p:nvPr/>
+          </p:nvSpPr>
+          <p:spPr>
+            <a:xfrm>
+              <a:off x="989937" y="985962"/>
+              <a:ext cx="222637" cy="1241283"/>
+            </a:xfrm>
+            <a:prstGeom prst="rect">
+              <a:avLst/>
+            </a:prstGeom>
+          </p:spPr>
+          <p:style>
+            <a:lnRef idx="2">
+              <a:schemeClr val="accent1">
+                <a:shade val="50000"/>
+              </a:schemeClr>
+            </a:lnRef>
+            <a:fillRef idx="1">
+              <a:schemeClr val="accent1"/>
+            </a:fillRef>
+            <a:effectRef idx="0">
+              <a:schemeClr val="accent1"/>
+            </a:effectRef>
+            <a:fontRef idx="minor">
+              <a:schemeClr val="lt1"/>
+            </a:fontRef>
+          </p:style>
+          <p:txBody>
+            <a:bodyPr rtlCol="0" anchor="ctr"/>
+            <a:lstStyle/>
+            <a:p>
+              <a:pPr algn="ctr"/>
+              <a:endParaRPr lang="en-US"/>
+            </a:p>
+          </p:txBody>
+        </p:sp>
+        <p:sp>
+          <p:nvSpPr>
+            <p:cNvPr id="36" name="Rectangle 35">
+              <a:extLst>
+                <a:ext uri="{FF2B5EF4-FFF2-40B4-BE49-F238E27FC236}">
+                  <a16:creationId xmlns:a16="http://schemas.microsoft.com/office/drawing/2014/main" id="{C905A305-AEF6-4055-B22D-918C7CF801EB}"/>
+                </a:ext>
+              </a:extLst>
+            </p:cNvPr>
+            <p:cNvSpPr/>
+            <p:nvPr/>
+          </p:nvSpPr>
+          <p:spPr>
+            <a:xfrm rot="5400000">
+              <a:off x="989936" y="950181"/>
+              <a:ext cx="222637" cy="1241283"/>
+            </a:xfrm>
+            <a:prstGeom prst="rect">
+              <a:avLst/>
+            </a:prstGeom>
+          </p:spPr>
+          <p:style>
+            <a:lnRef idx="2">
+              <a:schemeClr val="accent1">
+                <a:shade val="50000"/>
+              </a:schemeClr>
+            </a:lnRef>
+            <a:fillRef idx="1">
+              <a:schemeClr val="accent1"/>
+            </a:fillRef>
+            <a:effectRef idx="0">
+              <a:schemeClr val="accent1"/>
+            </a:effectRef>
+            <a:fontRef idx="minor">
+              <a:schemeClr val="lt1"/>
+            </a:fontRef>
+          </p:style>
+          <p:txBody>
+            <a:bodyPr rtlCol="0" anchor="ctr"/>
+            <a:lstStyle/>
+            <a:p>
+              <a:pPr algn="ctr"/>
+              <a:endParaRPr lang="en-US"/>
+            </a:p>
+          </p:txBody>
+        </p:sp>
+      </p:grpSp>
+      <p:sp>
+        <p:nvSpPr>
+          <p:cNvPr id="37" name="Rectangle 36">
+            <a:extLst>
+              <a:ext uri="{FF2B5EF4-FFF2-40B4-BE49-F238E27FC236}">
+                <a16:creationId xmlns:a16="http://schemas.microsoft.com/office/drawing/2014/main" id="{A2D706B4-61A3-4A40-87A3-095C86A1486A}"/>
+              </a:ext>
+            </a:extLst>
+          </p:cNvPr>
+          <p:cNvSpPr/>
+          <p:nvPr/>
+        </p:nvSpPr>
+        <p:spPr>
+          <a:xfrm>
+            <a:off x="1190779" y="4633986"/>
+            <a:ext cx="1372192" cy="296793"/>
+          </a:xfrm>
+          <a:prstGeom prst="rect">
+            <a:avLst/>
+          </a:prstGeom>
+          <a:ln>
+            <a:noFill/>
+          </a:ln>
+        </p:spPr>
+        <p:style>
+          <a:lnRef idx="2">
+            <a:schemeClr val="accent1">
+              <a:shade val="50000"/>
+            </a:schemeClr>
+          </a:lnRef>
+          <a:fillRef idx="1">
+            <a:schemeClr val="accent1"/>
+          </a:fillRef>
+          <a:effectRef idx="0">
+            <a:schemeClr val="accent1"/>
+          </a:effectRef>
+          <a:fontRef idx="minor">
+            <a:schemeClr val="lt1"/>
+          </a:fontRef>
+        </p:style>
+        <p:txBody>
+          <a:bodyPr rtlCol="0" anchor="ctr"/>
+          <a:lstStyle/>
+          <a:p>
+            <a:pPr algn="ctr"/>
+            <a:endParaRPr lang="en-US"/>
+          </a:p>
+        </p:txBody>
+      </p:sp>
+      <p:sp>
+        <p:nvSpPr>
+          <p:cNvPr id="38" name="Rectangle 37">
+            <a:extLst>
+              <a:ext uri="{FF2B5EF4-FFF2-40B4-BE49-F238E27FC236}">
+                <a16:creationId xmlns:a16="http://schemas.microsoft.com/office/drawing/2014/main" id="{901F3637-0A82-4DCF-BB60-8609135EA1C9}"/>
+              </a:ext>
+            </a:extLst>
+          </p:cNvPr>
+          <p:cNvSpPr/>
+          <p:nvPr/>
+        </p:nvSpPr>
+        <p:spPr>
+          <a:xfrm>
+            <a:off x="1079521" y="4832223"/>
+            <a:ext cx="313695" cy="1094973"/>
+          </a:xfrm>
+          <a:prstGeom prst="rect">
+            <a:avLst/>
+          </a:prstGeom>
+          <a:ln>
+            <a:noFill/>
+          </a:ln>
+        </p:spPr>
+        <p:style>
+          <a:lnRef idx="2">
+            <a:schemeClr val="accent1">
+              <a:shade val="50000"/>
+            </a:schemeClr>
+          </a:lnRef>
+          <a:fillRef idx="1">
+            <a:schemeClr val="accent1"/>
+          </a:fillRef>
+          <a:effectRef idx="0">
+            <a:schemeClr val="accent1"/>
+          </a:effectRef>
+          <a:fontRef idx="minor">
+            <a:schemeClr val="lt1"/>
+          </a:fontRef>
+        </p:style>
+        <p:txBody>
+          <a:bodyPr rtlCol="0" anchor="ctr"/>
+          <a:lstStyle/>
+          <a:p>
+            <a:pPr algn="ctr"/>
+            <a:endParaRPr lang="en-US"/>
+          </a:p>
+        </p:txBody>
+      </p:sp>
+      <p:grpSp>
+        <p:nvGrpSpPr>
+          <p:cNvPr id="39" name="Group 38">
+            <a:extLst>
+              <a:ext uri="{FF2B5EF4-FFF2-40B4-BE49-F238E27FC236}">
+                <a16:creationId xmlns:a16="http://schemas.microsoft.com/office/drawing/2014/main" id="{10EB10D1-0E82-4E74-8D8F-37D7A0E184A7}"/>
+              </a:ext>
+            </a:extLst>
+          </p:cNvPr>
+          <p:cNvGrpSpPr/>
+          <p:nvPr/>
+        </p:nvGrpSpPr>
+        <p:grpSpPr>
+          <a:xfrm>
+            <a:off x="8392220" y="1828754"/>
+            <a:ext cx="1364943" cy="508362"/>
+            <a:chOff x="4985238" y="2064081"/>
+            <a:chExt cx="1364943" cy="508362"/>
+          </a:xfrm>
+        </p:grpSpPr>
+        <p:sp>
+          <p:nvSpPr>
+            <p:cNvPr id="40" name="Rectangle 39">
+              <a:extLst>
+                <a:ext uri="{FF2B5EF4-FFF2-40B4-BE49-F238E27FC236}">
+                  <a16:creationId xmlns:a16="http://schemas.microsoft.com/office/drawing/2014/main" id="{8FF14EF1-98D6-4684-BD4F-6B0E14E999C5}"/>
+                </a:ext>
+              </a:extLst>
+            </p:cNvPr>
+            <p:cNvSpPr/>
+            <p:nvPr/>
+          </p:nvSpPr>
+          <p:spPr>
+            <a:xfrm>
+              <a:off x="6050410" y="2064081"/>
+              <a:ext cx="91180" cy="508362"/>
+            </a:xfrm>
+            <a:prstGeom prst="rect">
+              <a:avLst/>
+            </a:prstGeom>
+          </p:spPr>
+          <p:style>
+            <a:lnRef idx="2">
+              <a:schemeClr val="accent1">
+                <a:shade val="50000"/>
+              </a:schemeClr>
+            </a:lnRef>
+            <a:fillRef idx="1">
+              <a:schemeClr val="accent1"/>
+            </a:fillRef>
+            <a:effectRef idx="0">
+              <a:schemeClr val="accent1"/>
+            </a:effectRef>
+            <a:fontRef idx="minor">
+              <a:schemeClr val="lt1"/>
+            </a:fontRef>
+          </p:style>
+          <p:txBody>
+            <a:bodyPr rtlCol="0" anchor="ctr"/>
+            <a:lstStyle/>
+            <a:p>
+              <a:pPr algn="ctr"/>
+              <a:endParaRPr lang="en-US"/>
+            </a:p>
+          </p:txBody>
+        </p:sp>
+        <p:sp>
+          <p:nvSpPr>
+            <p:cNvPr id="41" name="Rectangle 40">
+              <a:extLst>
+                <a:ext uri="{FF2B5EF4-FFF2-40B4-BE49-F238E27FC236}">
+                  <a16:creationId xmlns:a16="http://schemas.microsoft.com/office/drawing/2014/main" id="{C4510F19-A35E-4196-ADCB-943EB4C611BC}"/>
+                </a:ext>
+              </a:extLst>
+            </p:cNvPr>
+            <p:cNvSpPr/>
+            <p:nvPr/>
+          </p:nvSpPr>
+          <p:spPr>
+            <a:xfrm rot="5400000">
+              <a:off x="5622120" y="1621136"/>
+              <a:ext cx="91180" cy="1364943"/>
+            </a:xfrm>
+            <a:prstGeom prst="rect">
+              <a:avLst/>
+            </a:prstGeom>
+          </p:spPr>
+          <p:style>
+            <a:lnRef idx="2">
+              <a:schemeClr val="accent1">
+                <a:shade val="50000"/>
+              </a:schemeClr>
+            </a:lnRef>
+            <a:fillRef idx="1">
+              <a:schemeClr val="accent1"/>
+            </a:fillRef>
+            <a:effectRef idx="0">
+              <a:schemeClr val="accent1"/>
+            </a:effectRef>
+            <a:fontRef idx="minor">
+              <a:schemeClr val="lt1"/>
+            </a:fontRef>
+          </p:style>
+          <p:txBody>
+            <a:bodyPr rtlCol="0" anchor="ctr"/>
+            <a:lstStyle/>
+            <a:p>
+              <a:pPr algn="ctr"/>
+              <a:endParaRPr lang="en-US"/>
+            </a:p>
+          </p:txBody>
+        </p:sp>
+      </p:grpSp>
+      <p:grpSp>
+        <p:nvGrpSpPr>
+          <p:cNvPr id="42" name="Group 41">
+            <a:extLst>
+              <a:ext uri="{FF2B5EF4-FFF2-40B4-BE49-F238E27FC236}">
+                <a16:creationId xmlns:a16="http://schemas.microsoft.com/office/drawing/2014/main" id="{1B98876E-5BE8-4E68-9EE8-0021F8020AA1}"/>
+              </a:ext>
+            </a:extLst>
+          </p:cNvPr>
+          <p:cNvGrpSpPr/>
+          <p:nvPr/>
+        </p:nvGrpSpPr>
+        <p:grpSpPr>
+          <a:xfrm>
+            <a:off x="7966083" y="1828754"/>
+            <a:ext cx="508362" cy="508362"/>
+            <a:chOff x="480613" y="985962"/>
+            <a:chExt cx="1241283" cy="1241283"/>
+          </a:xfrm>
+        </p:grpSpPr>
+        <p:sp>
+          <p:nvSpPr>
+            <p:cNvPr id="43" name="Rectangle 42">
+              <a:extLst>
+                <a:ext uri="{FF2B5EF4-FFF2-40B4-BE49-F238E27FC236}">
+                  <a16:creationId xmlns:a16="http://schemas.microsoft.com/office/drawing/2014/main" id="{0B135045-9E12-4CD3-8812-43834FB74A52}"/>
+                </a:ext>
+              </a:extLst>
+            </p:cNvPr>
+            <p:cNvSpPr/>
+            <p:nvPr/>
+          </p:nvSpPr>
+          <p:spPr>
+            <a:xfrm>
+              <a:off x="989937" y="985962"/>
+              <a:ext cx="222637" cy="1241283"/>
+            </a:xfrm>
+            <a:prstGeom prst="rect">
+              <a:avLst/>
+            </a:prstGeom>
+          </p:spPr>
+          <p:style>
+            <a:lnRef idx="2">
+              <a:schemeClr val="accent1">
+                <a:shade val="50000"/>
+              </a:schemeClr>
+            </a:lnRef>
+            <a:fillRef idx="1">
+              <a:schemeClr val="accent1"/>
+            </a:fillRef>
+            <a:effectRef idx="0">
+              <a:schemeClr val="accent1"/>
+            </a:effectRef>
+            <a:fontRef idx="minor">
+              <a:schemeClr val="lt1"/>
+            </a:fontRef>
+          </p:style>
+          <p:txBody>
+            <a:bodyPr rtlCol="0" anchor="ctr"/>
+            <a:lstStyle/>
+            <a:p>
+              <a:pPr algn="ctr"/>
+              <a:endParaRPr lang="en-US"/>
+            </a:p>
+          </p:txBody>
+        </p:sp>
+        <p:sp>
+          <p:nvSpPr>
+            <p:cNvPr id="44" name="Rectangle 43">
+              <a:extLst>
+                <a:ext uri="{FF2B5EF4-FFF2-40B4-BE49-F238E27FC236}">
+                  <a16:creationId xmlns:a16="http://schemas.microsoft.com/office/drawing/2014/main" id="{2772A722-BF3C-480F-A5C8-100C569BEACF}"/>
+                </a:ext>
+              </a:extLst>
+            </p:cNvPr>
+            <p:cNvSpPr/>
+            <p:nvPr/>
+          </p:nvSpPr>
+          <p:spPr>
+            <a:xfrm rot="5400000">
+              <a:off x="989936" y="950181"/>
+              <a:ext cx="222637" cy="1241283"/>
+            </a:xfrm>
+            <a:prstGeom prst="rect">
+              <a:avLst/>
+            </a:prstGeom>
+          </p:spPr>
+          <p:style>
+            <a:lnRef idx="2">
+              <a:schemeClr val="accent1">
+                <a:shade val="50000"/>
+              </a:schemeClr>
+            </a:lnRef>
+            <a:fillRef idx="1">
+              <a:schemeClr val="accent1"/>
+            </a:fillRef>
+            <a:effectRef idx="0">
+              <a:schemeClr val="accent1"/>
+            </a:effectRef>
+            <a:fontRef idx="minor">
+              <a:schemeClr val="lt1"/>
+            </a:fontRef>
+          </p:style>
+          <p:txBody>
+            <a:bodyPr rtlCol="0" anchor="ctr"/>
+            <a:lstStyle/>
+            <a:p>
+              <a:pPr algn="ctr"/>
+              <a:endParaRPr lang="en-US"/>
+            </a:p>
+          </p:txBody>
+        </p:sp>
+      </p:grpSp>
+      <p:sp>
+        <p:nvSpPr>
+          <p:cNvPr id="45" name="Rectangle 44">
+            <a:extLst>
+              <a:ext uri="{FF2B5EF4-FFF2-40B4-BE49-F238E27FC236}">
+                <a16:creationId xmlns:a16="http://schemas.microsoft.com/office/drawing/2014/main" id="{B3C9A428-374E-4F73-91B7-0C4351E899AF}"/>
+              </a:ext>
+            </a:extLst>
+          </p:cNvPr>
+          <p:cNvSpPr/>
+          <p:nvPr/>
+        </p:nvSpPr>
+        <p:spPr>
+          <a:xfrm>
+            <a:off x="8174674" y="1915634"/>
+            <a:ext cx="1372192" cy="296793"/>
+          </a:xfrm>
+          <a:prstGeom prst="rect">
+            <a:avLst/>
+          </a:prstGeom>
+          <a:ln>
+            <a:noFill/>
+          </a:ln>
+        </p:spPr>
+        <p:style>
+          <a:lnRef idx="2">
+            <a:schemeClr val="accent1">
+              <a:shade val="50000"/>
+            </a:schemeClr>
+          </a:lnRef>
+          <a:fillRef idx="1">
+            <a:schemeClr val="accent1"/>
+          </a:fillRef>
+          <a:effectRef idx="0">
+            <a:schemeClr val="accent1"/>
+          </a:effectRef>
+          <a:fontRef idx="minor">
+            <a:schemeClr val="lt1"/>
+          </a:fontRef>
+        </p:style>
+        <p:txBody>
+          <a:bodyPr rtlCol="0" anchor="ctr"/>
+          <a:lstStyle/>
+          <a:p>
+            <a:pPr algn="ctr"/>
+            <a:endParaRPr lang="en-US"/>
+          </a:p>
+        </p:txBody>
+      </p:sp>
+      <p:cxnSp>
+        <p:nvCxnSpPr>
+          <p:cNvPr id="46" name="Straight Connector 45">
+            <a:extLst>
+              <a:ext uri="{FF2B5EF4-FFF2-40B4-BE49-F238E27FC236}">
+                <a16:creationId xmlns:a16="http://schemas.microsoft.com/office/drawing/2014/main" id="{0B2AEF3B-4A3C-41A4-8732-A83DD5E08F18}"/>
+              </a:ext>
+            </a:extLst>
+          </p:cNvPr>
+          <p:cNvCxnSpPr>
+            <a:cxnSpLocks/>
+            <a:stCxn id="18" idx="0"/>
+            <a:endCxn id="40" idx="2"/>
+          </p:cNvCxnSpPr>
+          <p:nvPr/>
+        </p:nvCxnSpPr>
+        <p:spPr>
+          <a:xfrm flipV="1">
+            <a:off x="9404747" y="2337116"/>
+            <a:ext cx="98235" cy="583522"/>
+          </a:xfrm>
+          <a:prstGeom prst="line">
+            <a:avLst/>
+          </a:prstGeom>
+        </p:spPr>
+        <p:style>
+          <a:lnRef idx="1">
+            <a:schemeClr val="accent1"/>
+          </a:lnRef>
+          <a:fillRef idx="0">
+            <a:schemeClr val="accent1"/>
+          </a:fillRef>
+          <a:effectRef idx="0">
+            <a:schemeClr val="accent1"/>
+          </a:effectRef>
+          <a:fontRef idx="minor">
+            <a:schemeClr val="tx1"/>
+          </a:fontRef>
+        </p:style>
+      </p:cxnSp>
+      <p:cxnSp>
+        <p:nvCxnSpPr>
+          <p:cNvPr id="49" name="Straight Connector 48">
+            <a:extLst>
+              <a:ext uri="{FF2B5EF4-FFF2-40B4-BE49-F238E27FC236}">
+                <a16:creationId xmlns:a16="http://schemas.microsoft.com/office/drawing/2014/main" id="{5B42F145-78B7-4357-9479-FDDDFC4E280E}"/>
+              </a:ext>
+            </a:extLst>
+          </p:cNvPr>
+          <p:cNvCxnSpPr>
+            <a:cxnSpLocks/>
+            <a:stCxn id="32" idx="0"/>
+            <a:endCxn id="26" idx="2"/>
+          </p:cNvCxnSpPr>
+          <p:nvPr/>
+        </p:nvCxnSpPr>
+        <p:spPr>
+          <a:xfrm flipH="1" flipV="1">
+            <a:off x="871581" y="4053956"/>
+            <a:ext cx="364788" cy="493150"/>
+          </a:xfrm>
+          <a:prstGeom prst="line">
+            <a:avLst/>
+          </a:prstGeom>
+        </p:spPr>
+        <p:style>
+          <a:lnRef idx="1">
+            <a:schemeClr val="accent1"/>
+          </a:lnRef>
+          <a:fillRef idx="0">
+            <a:schemeClr val="accent1"/>
+          </a:fillRef>
+          <a:effectRef idx="0">
+            <a:schemeClr val="accent1"/>
+          </a:effectRef>
+          <a:fontRef idx="minor">
+            <a:schemeClr val="tx1"/>
+          </a:fontRef>
+        </p:style>
+      </p:cxnSp>
+      <p:sp>
+        <p:nvSpPr>
+          <p:cNvPr id="52" name="TextBox 51">
+            <a:extLst>
+              <a:ext uri="{FF2B5EF4-FFF2-40B4-BE49-F238E27FC236}">
+                <a16:creationId xmlns:a16="http://schemas.microsoft.com/office/drawing/2014/main" id="{E1AC4A04-E19E-42EE-8D7A-B44EDE4D6E9D}"/>
+              </a:ext>
+            </a:extLst>
+          </p:cNvPr>
+          <p:cNvSpPr txBox="1"/>
+          <p:nvPr/>
+        </p:nvSpPr>
+        <p:spPr>
+          <a:xfrm>
+            <a:off x="4277802" y="4832223"/>
+            <a:ext cx="4256539" cy="923330"/>
+          </a:xfrm>
+          <a:prstGeom prst="rect">
+            <a:avLst/>
+          </a:prstGeom>
+          <a:noFill/>
+        </p:spPr>
+        <p:txBody>
+          <a:bodyPr wrap="square" rtlCol="0">
+            <a:spAutoFit/>
+          </a:bodyPr>
+          <a:lstStyle/>
+          <a:p>
+            <a:r>
+              <a:rPr lang="en-US" dirty="0"/>
+              <a:t>Randomly choose a compatible incident pair. Then place the new item outside the bounding boxes and near the slot??</a:t>
+            </a:r>
+          </a:p>
+        </p:txBody>
+      </p:sp>
+      <p:sp>
+        <p:nvSpPr>
+          <p:cNvPr id="53" name="Rectangle 52">
+            <a:extLst>
+              <a:ext uri="{FF2B5EF4-FFF2-40B4-BE49-F238E27FC236}">
+                <a16:creationId xmlns:a16="http://schemas.microsoft.com/office/drawing/2014/main" id="{766925AA-4226-4C7D-BB07-0037838D919B}"/>
+              </a:ext>
+            </a:extLst>
+          </p:cNvPr>
+          <p:cNvSpPr/>
+          <p:nvPr/>
+        </p:nvSpPr>
+        <p:spPr>
+          <a:xfrm rot="4283840">
+            <a:off x="571637" y="4185772"/>
+            <a:ext cx="992247" cy="296793"/>
+          </a:xfrm>
+          <a:prstGeom prst="rect">
+            <a:avLst/>
+          </a:prstGeom>
+          <a:ln>
+            <a:noFill/>
+          </a:ln>
+        </p:spPr>
+        <p:style>
+          <a:lnRef idx="2">
+            <a:schemeClr val="accent1">
+              <a:shade val="50000"/>
+            </a:schemeClr>
+          </a:lnRef>
+          <a:fillRef idx="1">
+            <a:schemeClr val="accent1"/>
+          </a:fillRef>
+          <a:effectRef idx="0">
+            <a:schemeClr val="accent1"/>
+          </a:effectRef>
+          <a:fontRef idx="minor">
+            <a:schemeClr val="lt1"/>
+          </a:fontRef>
+        </p:style>
+        <p:txBody>
+          <a:bodyPr rtlCol="0" anchor="ctr"/>
+          <a:lstStyle/>
+          <a:p>
+            <a:pPr algn="ctr"/>
+            <a:endParaRPr lang="en-US"/>
+          </a:p>
+        </p:txBody>
+      </p:sp>
+      <p:grpSp>
+        <p:nvGrpSpPr>
+          <p:cNvPr id="58" name="Group 57">
+            <a:extLst>
+              <a:ext uri="{FF2B5EF4-FFF2-40B4-BE49-F238E27FC236}">
+                <a16:creationId xmlns:a16="http://schemas.microsoft.com/office/drawing/2014/main" id="{6A6E9BB0-5E1C-4E4F-9303-BB6E9E63D6C2}"/>
+              </a:ext>
+            </a:extLst>
+          </p:cNvPr>
+          <p:cNvGrpSpPr/>
+          <p:nvPr/>
+        </p:nvGrpSpPr>
+        <p:grpSpPr>
+          <a:xfrm>
+            <a:off x="2763020" y="3141181"/>
+            <a:ext cx="508362" cy="508362"/>
+            <a:chOff x="480613" y="985962"/>
+            <a:chExt cx="1241283" cy="1241283"/>
+          </a:xfrm>
+        </p:grpSpPr>
+        <p:sp>
+          <p:nvSpPr>
+            <p:cNvPr id="59" name="Rectangle 58">
+              <a:extLst>
+                <a:ext uri="{FF2B5EF4-FFF2-40B4-BE49-F238E27FC236}">
+                  <a16:creationId xmlns:a16="http://schemas.microsoft.com/office/drawing/2014/main" id="{839FA0A4-42A4-4829-AB3E-46F426695453}"/>
+                </a:ext>
+              </a:extLst>
+            </p:cNvPr>
+            <p:cNvSpPr/>
+            <p:nvPr/>
+          </p:nvSpPr>
+          <p:spPr>
+            <a:xfrm>
+              <a:off x="989937" y="985962"/>
+              <a:ext cx="222637" cy="1241283"/>
+            </a:xfrm>
+            <a:prstGeom prst="rect">
+              <a:avLst/>
+            </a:prstGeom>
+          </p:spPr>
+          <p:style>
+            <a:lnRef idx="2">
+              <a:schemeClr val="accent1">
+                <a:shade val="50000"/>
+              </a:schemeClr>
+            </a:lnRef>
+            <a:fillRef idx="1">
+              <a:schemeClr val="accent1"/>
+            </a:fillRef>
+            <a:effectRef idx="0">
+              <a:schemeClr val="accent1"/>
+            </a:effectRef>
+            <a:fontRef idx="minor">
+              <a:schemeClr val="lt1"/>
+            </a:fontRef>
+          </p:style>
+          <p:txBody>
+            <a:bodyPr rtlCol="0" anchor="ctr"/>
+            <a:lstStyle/>
+            <a:p>
+              <a:pPr algn="ctr"/>
+              <a:endParaRPr lang="en-US"/>
+            </a:p>
+          </p:txBody>
+        </p:sp>
+        <p:sp>
+          <p:nvSpPr>
+            <p:cNvPr id="60" name="Rectangle 59">
+              <a:extLst>
+                <a:ext uri="{FF2B5EF4-FFF2-40B4-BE49-F238E27FC236}">
+                  <a16:creationId xmlns:a16="http://schemas.microsoft.com/office/drawing/2014/main" id="{FA70192A-5528-48BB-8D89-12A0BFC96691}"/>
+                </a:ext>
+              </a:extLst>
+            </p:cNvPr>
+            <p:cNvSpPr/>
+            <p:nvPr/>
+          </p:nvSpPr>
+          <p:spPr>
+            <a:xfrm rot="5400000">
+              <a:off x="989936" y="950181"/>
+              <a:ext cx="222637" cy="1241283"/>
+            </a:xfrm>
+            <a:prstGeom prst="rect">
+              <a:avLst/>
+            </a:prstGeom>
+          </p:spPr>
+          <p:style>
+            <a:lnRef idx="2">
+              <a:schemeClr val="accent1">
+                <a:shade val="50000"/>
+              </a:schemeClr>
+            </a:lnRef>
+            <a:fillRef idx="1">
+              <a:schemeClr val="accent1"/>
+            </a:fillRef>
+            <a:effectRef idx="0">
+              <a:schemeClr val="accent1"/>
+            </a:effectRef>
+            <a:fontRef idx="minor">
+              <a:schemeClr val="lt1"/>
+            </a:fontRef>
+          </p:style>
+          <p:txBody>
+            <a:bodyPr rtlCol="0" anchor="ctr"/>
+            <a:lstStyle/>
+            <a:p>
+              <a:pPr algn="ctr"/>
+              <a:endParaRPr lang="en-US"/>
+            </a:p>
+          </p:txBody>
+        </p:sp>
+      </p:grpSp>
+    </p:spTree>
+    <p:extLst>
+      <p:ext uri="{BB962C8B-B14F-4D97-AF65-F5344CB8AC3E}">
+        <p14:creationId xmlns:p14="http://schemas.microsoft.com/office/powerpoint/2010/main" val="93762355"/>
+      </p:ext>
+    </p:extLst>
+  </p:cSld>
+  <p:clrMapOvr>
+    <a:masterClrMapping/>
+  </p:clrMapOvr>
+</p:sld>
+</file>
+
+<file path=ppt/slides/slide9.xml><?xml version="1.0" encoding="utf-8"?>
+<p:sld xmlns:a="http://schemas.openxmlformats.org/drawingml/2006/main" xmlns:r="http://schemas.openxmlformats.org/officeDocument/2006/relationships" xmlns:p="http://schemas.openxmlformats.org/presentationml/2006/main">
+  <p:cSld>
+    <p:spTree>
+      <p:nvGrpSpPr>
+        <p:cNvPr id="1" name=""/>
+        <p:cNvGrpSpPr/>
+        <p:nvPr/>
+      </p:nvGrpSpPr>
+      <p:grpSpPr>
+        <a:xfrm>
+          <a:off x="0" y="0"/>
+          <a:ext cx="0" cy="0"/>
+          <a:chOff x="0" y="0"/>
+          <a:chExt cx="0" cy="0"/>
+        </a:xfrm>
+      </p:grpSpPr>
+      <p:sp>
+        <p:nvSpPr>
+          <p:cNvPr id="2" name="TextBox 1">
+            <a:extLst>
+              <a:ext uri="{FF2B5EF4-FFF2-40B4-BE49-F238E27FC236}">
+                <a16:creationId xmlns:a16="http://schemas.microsoft.com/office/drawing/2014/main" id="{3B3889C8-017F-49A6-AC31-ED6BE7E23A89}"/>
+              </a:ext>
+            </a:extLst>
+          </p:cNvPr>
+          <p:cNvSpPr txBox="1"/>
+          <p:nvPr/>
+        </p:nvSpPr>
+        <p:spPr>
+          <a:xfrm>
+            <a:off x="588397" y="596348"/>
+            <a:ext cx="10893286" cy="1200329"/>
+          </a:xfrm>
+          <a:prstGeom prst="rect">
+            <a:avLst/>
+          </a:prstGeom>
+          <a:noFill/>
+        </p:spPr>
+        <p:txBody>
+          <a:bodyPr wrap="square" rtlCol="0">
+            <a:spAutoFit/>
+          </a:bodyPr>
+          <a:lstStyle/>
+          <a:p>
+            <a:r>
+              <a:rPr lang="en-US" dirty="0"/>
+              <a:t>Constraints:</a:t>
+            </a:r>
+          </a:p>
+          <a:p>
+            <a:endParaRPr lang="en-US" dirty="0"/>
+          </a:p>
+          <a:p>
+            <a:r>
+              <a:rPr lang="en-US" dirty="0"/>
+              <a:t>1. An intersections - &gt; a set of contact points with relative position constraint. (We can get that from generated intersections). </a:t>
+            </a:r>
+            <a:r>
+              <a:rPr lang="en-US"/>
+              <a:t>We</a:t>
+            </a:r>
+            <a:endParaRPr lang="en-US" dirty="0"/>
+          </a:p>
+        </p:txBody>
+      </p:sp>
+    </p:spTree>
+    <p:extLst>
+      <p:ext uri="{BB962C8B-B14F-4D97-AF65-F5344CB8AC3E}">
+        <p14:creationId xmlns:p14="http://schemas.microsoft.com/office/powerpoint/2010/main" val="2166661060"/>
       </p:ext>
     </p:extLst>
   </p:cSld>

--- a/plan/road gen plan.pptx
+++ b/plan/road gen plan.pptx
@@ -267,7 +267,7 @@
           <a:p>
             <a:fld id="{D1B78991-D8FC-4616-A991-E51E17600797}" type="datetimeFigureOut">
               <a:rPr lang="en-US" smtClean="0"/>
-              <a:t>4/21/2021</a:t>
+              <a:t>4/22/2021</a:t>
             </a:fld>
             <a:endParaRPr lang="en-US"/>
           </a:p>
@@ -465,7 +465,7 @@
           <a:p>
             <a:fld id="{D1B78991-D8FC-4616-A991-E51E17600797}" type="datetimeFigureOut">
               <a:rPr lang="en-US" smtClean="0"/>
-              <a:t>4/21/2021</a:t>
+              <a:t>4/22/2021</a:t>
             </a:fld>
             <a:endParaRPr lang="en-US"/>
           </a:p>
@@ -673,7 +673,7 @@
           <a:p>
             <a:fld id="{D1B78991-D8FC-4616-A991-E51E17600797}" type="datetimeFigureOut">
               <a:rPr lang="en-US" smtClean="0"/>
-              <a:t>4/21/2021</a:t>
+              <a:t>4/22/2021</a:t>
             </a:fld>
             <a:endParaRPr lang="en-US"/>
           </a:p>
@@ -871,7 +871,7 @@
           <a:p>
             <a:fld id="{D1B78991-D8FC-4616-A991-E51E17600797}" type="datetimeFigureOut">
               <a:rPr lang="en-US" smtClean="0"/>
-              <a:t>4/21/2021</a:t>
+              <a:t>4/22/2021</a:t>
             </a:fld>
             <a:endParaRPr lang="en-US"/>
           </a:p>
@@ -1146,7 +1146,7 @@
           <a:p>
             <a:fld id="{D1B78991-D8FC-4616-A991-E51E17600797}" type="datetimeFigureOut">
               <a:rPr lang="en-US" smtClean="0"/>
-              <a:t>4/21/2021</a:t>
+              <a:t>4/22/2021</a:t>
             </a:fld>
             <a:endParaRPr lang="en-US"/>
           </a:p>
@@ -1411,7 +1411,7 @@
           <a:p>
             <a:fld id="{D1B78991-D8FC-4616-A991-E51E17600797}" type="datetimeFigureOut">
               <a:rPr lang="en-US" smtClean="0"/>
-              <a:t>4/21/2021</a:t>
+              <a:t>4/22/2021</a:t>
             </a:fld>
             <a:endParaRPr lang="en-US"/>
           </a:p>
@@ -1823,7 +1823,7 @@
           <a:p>
             <a:fld id="{D1B78991-D8FC-4616-A991-E51E17600797}" type="datetimeFigureOut">
               <a:rPr lang="en-US" smtClean="0"/>
-              <a:t>4/21/2021</a:t>
+              <a:t>4/22/2021</a:t>
             </a:fld>
             <a:endParaRPr lang="en-US"/>
           </a:p>
@@ -1964,7 +1964,7 @@
           <a:p>
             <a:fld id="{D1B78991-D8FC-4616-A991-E51E17600797}" type="datetimeFigureOut">
               <a:rPr lang="en-US" smtClean="0"/>
-              <a:t>4/21/2021</a:t>
+              <a:t>4/22/2021</a:t>
             </a:fld>
             <a:endParaRPr lang="en-US"/>
           </a:p>
@@ -2077,7 +2077,7 @@
           <a:p>
             <a:fld id="{D1B78991-D8FC-4616-A991-E51E17600797}" type="datetimeFigureOut">
               <a:rPr lang="en-US" smtClean="0"/>
-              <a:t>4/21/2021</a:t>
+              <a:t>4/22/2021</a:t>
             </a:fld>
             <a:endParaRPr lang="en-US"/>
           </a:p>
@@ -2388,7 +2388,7 @@
           <a:p>
             <a:fld id="{D1B78991-D8FC-4616-A991-E51E17600797}" type="datetimeFigureOut">
               <a:rPr lang="en-US" smtClean="0"/>
-              <a:t>4/21/2021</a:t>
+              <a:t>4/22/2021</a:t>
             </a:fld>
             <a:endParaRPr lang="en-US"/>
           </a:p>
@@ -2676,7 +2676,7 @@
           <a:p>
             <a:fld id="{D1B78991-D8FC-4616-A991-E51E17600797}" type="datetimeFigureOut">
               <a:rPr lang="en-US" smtClean="0"/>
-              <a:t>4/21/2021</a:t>
+              <a:t>4/22/2021</a:t>
             </a:fld>
             <a:endParaRPr lang="en-US"/>
           </a:p>
@@ -2917,7 +2917,7 @@
           <a:p>
             <a:fld id="{D1B78991-D8FC-4616-A991-E51E17600797}" type="datetimeFigureOut">
               <a:rPr lang="en-US" smtClean="0"/>
-              <a:t>4/21/2021</a:t>
+              <a:t>4/22/2021</a:t>
             </a:fld>
             <a:endParaRPr lang="en-US"/>
           </a:p>
@@ -13775,7 +13775,7 @@
         <p:spPr>
           <a:xfrm>
             <a:off x="588397" y="596348"/>
-            <a:ext cx="10893286" cy="1200329"/>
+            <a:ext cx="10893286" cy="1754326"/>
           </a:xfrm>
           <a:prstGeom prst="rect">
             <a:avLst/>
@@ -13797,13 +13797,25 @@
             <a:endParaRPr lang="en-US" dirty="0"/>
           </a:p>
           <a:p>
+            <a:pPr marL="342900" indent="-342900">
+              <a:buAutoNum type="arabicPeriod"/>
+            </a:pPr>
             <a:r>
               <a:rPr lang="en-US" dirty="0"/>
-              <a:t>1. An intersections - &gt; a set of contact points with relative position constraint. (We can get that from generated intersections). </a:t>
+              <a:t>An intersections - &gt; a set of contact points with relative position constraint. (We can get that from generated intersections). We can generate a set of polygons and connections. Then solve for a solution without overlaps</a:t>
+            </a:r>
+          </a:p>
+          <a:p>
+            <a:pPr marL="342900" indent="-342900">
+              <a:buAutoNum type="arabicPeriod"/>
+            </a:pPr>
+            <a:r>
+              <a:rPr lang="en-US" dirty="0"/>
+              <a:t>Or just boxes for a layout. Then place intersections, rotate and try to connect to closest intersection without overlaps. But that’s </a:t>
             </a:r>
             <a:r>
               <a:rPr lang="en-US"/>
-              <a:t>We</a:t>
+              <a:t>another constraint</a:t>
             </a:r>
             <a:endParaRPr lang="en-US" dirty="0"/>
           </a:p>

--- a/plan/road gen plan.pptx
+++ b/plan/road gen plan.pptx
@@ -14,6 +14,7 @@
     <p:sldId id="262" r:id="rId8"/>
     <p:sldId id="263" r:id="rId9"/>
     <p:sldId id="264" r:id="rId10"/>
+    <p:sldId id="265" r:id="rId11"/>
   </p:sldIdLst>
   <p:sldSz cx="12192000" cy="6858000"/>
   <p:notesSz cx="6858000" cy="9144000"/>
@@ -267,7 +268,7 @@
           <a:p>
             <a:fld id="{D1B78991-D8FC-4616-A991-E51E17600797}" type="datetimeFigureOut">
               <a:rPr lang="en-US" smtClean="0"/>
-              <a:t>4/22/2021</a:t>
+              <a:t>4/30/2021</a:t>
             </a:fld>
             <a:endParaRPr lang="en-US"/>
           </a:p>
@@ -465,7 +466,7 @@
           <a:p>
             <a:fld id="{D1B78991-D8FC-4616-A991-E51E17600797}" type="datetimeFigureOut">
               <a:rPr lang="en-US" smtClean="0"/>
-              <a:t>4/22/2021</a:t>
+              <a:t>4/30/2021</a:t>
             </a:fld>
             <a:endParaRPr lang="en-US"/>
           </a:p>
@@ -673,7 +674,7 @@
           <a:p>
             <a:fld id="{D1B78991-D8FC-4616-A991-E51E17600797}" type="datetimeFigureOut">
               <a:rPr lang="en-US" smtClean="0"/>
-              <a:t>4/22/2021</a:t>
+              <a:t>4/30/2021</a:t>
             </a:fld>
             <a:endParaRPr lang="en-US"/>
           </a:p>
@@ -871,7 +872,7 @@
           <a:p>
             <a:fld id="{D1B78991-D8FC-4616-A991-E51E17600797}" type="datetimeFigureOut">
               <a:rPr lang="en-US" smtClean="0"/>
-              <a:t>4/22/2021</a:t>
+              <a:t>4/30/2021</a:t>
             </a:fld>
             <a:endParaRPr lang="en-US"/>
           </a:p>
@@ -1146,7 +1147,7 @@
           <a:p>
             <a:fld id="{D1B78991-D8FC-4616-A991-E51E17600797}" type="datetimeFigureOut">
               <a:rPr lang="en-US" smtClean="0"/>
-              <a:t>4/22/2021</a:t>
+              <a:t>4/30/2021</a:t>
             </a:fld>
             <a:endParaRPr lang="en-US"/>
           </a:p>
@@ -1411,7 +1412,7 @@
           <a:p>
             <a:fld id="{D1B78991-D8FC-4616-A991-E51E17600797}" type="datetimeFigureOut">
               <a:rPr lang="en-US" smtClean="0"/>
-              <a:t>4/22/2021</a:t>
+              <a:t>4/30/2021</a:t>
             </a:fld>
             <a:endParaRPr lang="en-US"/>
           </a:p>
@@ -1823,7 +1824,7 @@
           <a:p>
             <a:fld id="{D1B78991-D8FC-4616-A991-E51E17600797}" type="datetimeFigureOut">
               <a:rPr lang="en-US" smtClean="0"/>
-              <a:t>4/22/2021</a:t>
+              <a:t>4/30/2021</a:t>
             </a:fld>
             <a:endParaRPr lang="en-US"/>
           </a:p>
@@ -1964,7 +1965,7 @@
           <a:p>
             <a:fld id="{D1B78991-D8FC-4616-A991-E51E17600797}" type="datetimeFigureOut">
               <a:rPr lang="en-US" smtClean="0"/>
-              <a:t>4/22/2021</a:t>
+              <a:t>4/30/2021</a:t>
             </a:fld>
             <a:endParaRPr lang="en-US"/>
           </a:p>
@@ -2077,7 +2078,7 @@
           <a:p>
             <a:fld id="{D1B78991-D8FC-4616-A991-E51E17600797}" type="datetimeFigureOut">
               <a:rPr lang="en-US" smtClean="0"/>
-              <a:t>4/22/2021</a:t>
+              <a:t>4/30/2021</a:t>
             </a:fld>
             <a:endParaRPr lang="en-US"/>
           </a:p>
@@ -2388,7 +2389,7 @@
           <a:p>
             <a:fld id="{D1B78991-D8FC-4616-A991-E51E17600797}" type="datetimeFigureOut">
               <a:rPr lang="en-US" smtClean="0"/>
-              <a:t>4/22/2021</a:t>
+              <a:t>4/30/2021</a:t>
             </a:fld>
             <a:endParaRPr lang="en-US"/>
           </a:p>
@@ -2676,7 +2677,7 @@
           <a:p>
             <a:fld id="{D1B78991-D8FC-4616-A991-E51E17600797}" type="datetimeFigureOut">
               <a:rPr lang="en-US" smtClean="0"/>
-              <a:t>4/22/2021</a:t>
+              <a:t>4/30/2021</a:t>
             </a:fld>
             <a:endParaRPr lang="en-US"/>
           </a:p>
@@ -2917,7 +2918,7 @@
           <a:p>
             <a:fld id="{D1B78991-D8FC-4616-A991-E51E17600797}" type="datetimeFigureOut">
               <a:rPr lang="en-US" smtClean="0"/>
-              <a:t>4/22/2021</a:t>
+              <a:t>4/30/2021</a:t>
             </a:fld>
             <a:endParaRPr lang="en-US"/>
           </a:p>
@@ -4713,6 +4714,1821 @@
     <p:extLst>
       <p:ext uri="{BB962C8B-B14F-4D97-AF65-F5344CB8AC3E}">
         <p14:creationId xmlns:p14="http://schemas.microsoft.com/office/powerpoint/2010/main" val="3136754612"/>
+      </p:ext>
+    </p:extLst>
+  </p:cSld>
+  <p:clrMapOvr>
+    <a:masterClrMapping/>
+  </p:clrMapOvr>
+</p:sld>
+</file>
+
+<file path=ppt/slides/slide10.xml><?xml version="1.0" encoding="utf-8"?>
+<p:sld xmlns:a="http://schemas.openxmlformats.org/drawingml/2006/main" xmlns:r="http://schemas.openxmlformats.org/officeDocument/2006/relationships" xmlns:p="http://schemas.openxmlformats.org/presentationml/2006/main">
+  <p:cSld>
+    <p:spTree>
+      <p:nvGrpSpPr>
+        <p:cNvPr id="1" name=""/>
+        <p:cNvGrpSpPr/>
+        <p:nvPr/>
+      </p:nvGrpSpPr>
+      <p:grpSpPr>
+        <a:xfrm>
+          <a:off x="0" y="0"/>
+          <a:ext cx="0" cy="0"/>
+          <a:chOff x="0" y="0"/>
+          <a:chExt cx="0" cy="0"/>
+        </a:xfrm>
+      </p:grpSpPr>
+      <p:sp>
+        <p:nvSpPr>
+          <p:cNvPr id="2" name="TextBox 1">
+            <a:extLst>
+              <a:ext uri="{FF2B5EF4-FFF2-40B4-BE49-F238E27FC236}">
+                <a16:creationId xmlns:a16="http://schemas.microsoft.com/office/drawing/2014/main" id="{4B4B0B2B-274D-4C77-9CC5-3A5F1FA65434}"/>
+              </a:ext>
+            </a:extLst>
+          </p:cNvPr>
+          <p:cNvSpPr txBox="1"/>
+          <p:nvPr/>
+        </p:nvSpPr>
+        <p:spPr>
+          <a:xfrm>
+            <a:off x="759350" y="413468"/>
+            <a:ext cx="10149840" cy="369332"/>
+          </a:xfrm>
+          <a:prstGeom prst="rect">
+            <a:avLst/>
+          </a:prstGeom>
+          <a:noFill/>
+        </p:spPr>
+        <p:txBody>
+          <a:bodyPr wrap="square" rtlCol="0">
+            <a:spAutoFit/>
+          </a:bodyPr>
+          <a:lstStyle/>
+          <a:p>
+            <a:r>
+              <a:rPr lang="en-US" dirty="0"/>
+              <a:t>With WFC</a:t>
+            </a:r>
+          </a:p>
+        </p:txBody>
+      </p:sp>
+      <p:sp>
+        <p:nvSpPr>
+          <p:cNvPr id="3" name="TextBox 2">
+            <a:extLst>
+              <a:ext uri="{FF2B5EF4-FFF2-40B4-BE49-F238E27FC236}">
+                <a16:creationId xmlns:a16="http://schemas.microsoft.com/office/drawing/2014/main" id="{C879F9AD-4A6D-410A-BC13-50A597E2419E}"/>
+              </a:ext>
+            </a:extLst>
+          </p:cNvPr>
+          <p:cNvSpPr txBox="1"/>
+          <p:nvPr/>
+        </p:nvSpPr>
+        <p:spPr>
+          <a:xfrm>
+            <a:off x="910424" y="1109207"/>
+            <a:ext cx="9151952" cy="646331"/>
+          </a:xfrm>
+          <a:prstGeom prst="rect">
+            <a:avLst/>
+          </a:prstGeom>
+          <a:noFill/>
+        </p:spPr>
+        <p:txBody>
+          <a:bodyPr wrap="square" rtlCol="0">
+            <a:spAutoFit/>
+          </a:bodyPr>
+          <a:lstStyle/>
+          <a:p>
+            <a:r>
+              <a:rPr lang="en-US" dirty="0"/>
+              <a:t>Patterns:</a:t>
+            </a:r>
+          </a:p>
+          <a:p>
+            <a:r>
+              <a:rPr lang="en-US" dirty="0"/>
+              <a:t>1. Incoming lane, outgoing lane with different colors</a:t>
+            </a:r>
+          </a:p>
+        </p:txBody>
+      </p:sp>
+      <p:sp>
+        <p:nvSpPr>
+          <p:cNvPr id="6" name="Isosceles Triangle 5">
+            <a:extLst>
+              <a:ext uri="{FF2B5EF4-FFF2-40B4-BE49-F238E27FC236}">
+                <a16:creationId xmlns:a16="http://schemas.microsoft.com/office/drawing/2014/main" id="{A326AFF4-3D0E-4B3F-B0A4-99F403BD84B4}"/>
+              </a:ext>
+            </a:extLst>
+          </p:cNvPr>
+          <p:cNvSpPr/>
+          <p:nvPr/>
+        </p:nvSpPr>
+        <p:spPr>
+          <a:xfrm rot="5975101">
+            <a:off x="3783921" y="2290202"/>
+            <a:ext cx="351870" cy="971733"/>
+          </a:xfrm>
+          <a:prstGeom prst="triangle">
+            <a:avLst/>
+          </a:prstGeom>
+        </p:spPr>
+        <p:style>
+          <a:lnRef idx="2">
+            <a:schemeClr val="accent1">
+              <a:shade val="50000"/>
+            </a:schemeClr>
+          </a:lnRef>
+          <a:fillRef idx="1">
+            <a:schemeClr val="accent1"/>
+          </a:fillRef>
+          <a:effectRef idx="0">
+            <a:schemeClr val="accent1"/>
+          </a:effectRef>
+          <a:fontRef idx="minor">
+            <a:schemeClr val="lt1"/>
+          </a:fontRef>
+        </p:style>
+        <p:txBody>
+          <a:bodyPr rtlCol="0" anchor="ctr"/>
+          <a:lstStyle/>
+          <a:p>
+            <a:pPr algn="ctr"/>
+            <a:endParaRPr lang="en-US"/>
+          </a:p>
+        </p:txBody>
+      </p:sp>
+      <p:sp>
+        <p:nvSpPr>
+          <p:cNvPr id="4" name="Rectangle 3">
+            <a:extLst>
+              <a:ext uri="{FF2B5EF4-FFF2-40B4-BE49-F238E27FC236}">
+                <a16:creationId xmlns:a16="http://schemas.microsoft.com/office/drawing/2014/main" id="{B0B0BE89-F6AA-4757-870C-34207812FDE2}"/>
+              </a:ext>
+            </a:extLst>
+          </p:cNvPr>
+          <p:cNvSpPr/>
+          <p:nvPr/>
+        </p:nvSpPr>
+        <p:spPr>
+          <a:xfrm>
+            <a:off x="1753263" y="2855237"/>
+            <a:ext cx="5164372" cy="351870"/>
+          </a:xfrm>
+          <a:prstGeom prst="rect">
+            <a:avLst/>
+          </a:prstGeom>
+        </p:spPr>
+        <p:style>
+          <a:lnRef idx="2">
+            <a:schemeClr val="accent1">
+              <a:shade val="50000"/>
+            </a:schemeClr>
+          </a:lnRef>
+          <a:fillRef idx="1">
+            <a:schemeClr val="accent1"/>
+          </a:fillRef>
+          <a:effectRef idx="0">
+            <a:schemeClr val="accent1"/>
+          </a:effectRef>
+          <a:fontRef idx="minor">
+            <a:schemeClr val="lt1"/>
+          </a:fontRef>
+        </p:style>
+        <p:txBody>
+          <a:bodyPr rtlCol="0" anchor="ctr"/>
+          <a:lstStyle/>
+          <a:p>
+            <a:pPr algn="ctr"/>
+            <a:endParaRPr lang="en-US"/>
+          </a:p>
+        </p:txBody>
+      </p:sp>
+      <p:sp>
+        <p:nvSpPr>
+          <p:cNvPr id="7" name="Rectangle 6">
+            <a:extLst>
+              <a:ext uri="{FF2B5EF4-FFF2-40B4-BE49-F238E27FC236}">
+                <a16:creationId xmlns:a16="http://schemas.microsoft.com/office/drawing/2014/main" id="{B34E1C6F-FD47-42D4-A581-625CCD05BB17}"/>
+              </a:ext>
+            </a:extLst>
+          </p:cNvPr>
+          <p:cNvSpPr/>
+          <p:nvPr/>
+        </p:nvSpPr>
+        <p:spPr>
+          <a:xfrm>
+            <a:off x="1753264" y="2502667"/>
+            <a:ext cx="1760518" cy="351870"/>
+          </a:xfrm>
+          <a:prstGeom prst="rect">
+            <a:avLst/>
+          </a:prstGeom>
+        </p:spPr>
+        <p:style>
+          <a:lnRef idx="2">
+            <a:schemeClr val="accent1">
+              <a:shade val="50000"/>
+            </a:schemeClr>
+          </a:lnRef>
+          <a:fillRef idx="1">
+            <a:schemeClr val="accent1"/>
+          </a:fillRef>
+          <a:effectRef idx="0">
+            <a:schemeClr val="accent1"/>
+          </a:effectRef>
+          <a:fontRef idx="minor">
+            <a:schemeClr val="lt1"/>
+          </a:fontRef>
+        </p:style>
+        <p:txBody>
+          <a:bodyPr rtlCol="0" anchor="ctr"/>
+          <a:lstStyle/>
+          <a:p>
+            <a:pPr algn="ctr"/>
+            <a:endParaRPr lang="en-US"/>
+          </a:p>
+        </p:txBody>
+      </p:sp>
+      <p:sp>
+        <p:nvSpPr>
+          <p:cNvPr id="8" name="Isosceles Triangle 7">
+            <a:extLst>
+              <a:ext uri="{FF2B5EF4-FFF2-40B4-BE49-F238E27FC236}">
+                <a16:creationId xmlns:a16="http://schemas.microsoft.com/office/drawing/2014/main" id="{92267EA0-CB7F-495B-98FD-714D58FE095D}"/>
+              </a:ext>
+            </a:extLst>
+          </p:cNvPr>
+          <p:cNvSpPr/>
+          <p:nvPr/>
+        </p:nvSpPr>
+        <p:spPr>
+          <a:xfrm rot="15594070">
+            <a:off x="4750205" y="2275966"/>
+            <a:ext cx="351870" cy="971733"/>
+          </a:xfrm>
+          <a:prstGeom prst="triangle">
+            <a:avLst/>
+          </a:prstGeom>
+        </p:spPr>
+        <p:style>
+          <a:lnRef idx="2">
+            <a:schemeClr val="accent1">
+              <a:shade val="50000"/>
+            </a:schemeClr>
+          </a:lnRef>
+          <a:fillRef idx="1">
+            <a:schemeClr val="accent1"/>
+          </a:fillRef>
+          <a:effectRef idx="0">
+            <a:schemeClr val="accent1"/>
+          </a:effectRef>
+          <a:fontRef idx="minor">
+            <a:schemeClr val="lt1"/>
+          </a:fontRef>
+        </p:style>
+        <p:txBody>
+          <a:bodyPr rtlCol="0" anchor="ctr"/>
+          <a:lstStyle/>
+          <a:p>
+            <a:pPr algn="ctr"/>
+            <a:endParaRPr lang="en-US"/>
+          </a:p>
+        </p:txBody>
+      </p:sp>
+      <p:sp>
+        <p:nvSpPr>
+          <p:cNvPr id="9" name="Rectangle 8">
+            <a:extLst>
+              <a:ext uri="{FF2B5EF4-FFF2-40B4-BE49-F238E27FC236}">
+                <a16:creationId xmlns:a16="http://schemas.microsoft.com/office/drawing/2014/main" id="{0A9F9602-34CD-42F8-999E-6A63EC0E49CD}"/>
+              </a:ext>
+            </a:extLst>
+          </p:cNvPr>
+          <p:cNvSpPr/>
+          <p:nvPr/>
+        </p:nvSpPr>
+        <p:spPr>
+          <a:xfrm>
+            <a:off x="5371419" y="2500230"/>
+            <a:ext cx="1546216" cy="351870"/>
+          </a:xfrm>
+          <a:prstGeom prst="rect">
+            <a:avLst/>
+          </a:prstGeom>
+        </p:spPr>
+        <p:style>
+          <a:lnRef idx="2">
+            <a:schemeClr val="accent1">
+              <a:shade val="50000"/>
+            </a:schemeClr>
+          </a:lnRef>
+          <a:fillRef idx="1">
+            <a:schemeClr val="accent1"/>
+          </a:fillRef>
+          <a:effectRef idx="0">
+            <a:schemeClr val="accent1"/>
+          </a:effectRef>
+          <a:fontRef idx="minor">
+            <a:schemeClr val="lt1"/>
+          </a:fontRef>
+        </p:style>
+        <p:txBody>
+          <a:bodyPr rtlCol="0" anchor="ctr"/>
+          <a:lstStyle/>
+          <a:p>
+            <a:pPr algn="ctr"/>
+            <a:endParaRPr lang="en-US"/>
+          </a:p>
+        </p:txBody>
+      </p:sp>
+      <p:grpSp>
+        <p:nvGrpSpPr>
+          <p:cNvPr id="11" name="Group 10">
+            <a:extLst>
+              <a:ext uri="{FF2B5EF4-FFF2-40B4-BE49-F238E27FC236}">
+                <a16:creationId xmlns:a16="http://schemas.microsoft.com/office/drawing/2014/main" id="{3A5EA638-5932-474F-A082-A93CE9E2A412}"/>
+              </a:ext>
+            </a:extLst>
+          </p:cNvPr>
+          <p:cNvGrpSpPr/>
+          <p:nvPr/>
+        </p:nvGrpSpPr>
+        <p:grpSpPr>
+          <a:xfrm rot="10800000">
+            <a:off x="1753263" y="3527193"/>
+            <a:ext cx="5164372" cy="706877"/>
+            <a:chOff x="1753263" y="2500230"/>
+            <a:chExt cx="7358932" cy="998344"/>
+          </a:xfrm>
+          <a:solidFill>
+            <a:schemeClr val="accent2"/>
+          </a:solidFill>
+        </p:grpSpPr>
+        <p:sp>
+          <p:nvSpPr>
+            <p:cNvPr id="12" name="Isosceles Triangle 11">
+              <a:extLst>
+                <a:ext uri="{FF2B5EF4-FFF2-40B4-BE49-F238E27FC236}">
+                  <a16:creationId xmlns:a16="http://schemas.microsoft.com/office/drawing/2014/main" id="{61683CF5-5D48-4462-A56B-CAB8EE2E3D24}"/>
+                </a:ext>
+              </a:extLst>
+            </p:cNvPr>
+            <p:cNvSpPr/>
+            <p:nvPr/>
+          </p:nvSpPr>
+          <p:spPr>
+            <a:xfrm rot="5975101">
+              <a:off x="4649052" y="2197473"/>
+              <a:ext cx="496957" cy="1384663"/>
+            </a:xfrm>
+            <a:prstGeom prst="triangle">
+              <a:avLst/>
+            </a:prstGeom>
+            <a:grpFill/>
+          </p:spPr>
+          <p:style>
+            <a:lnRef idx="2">
+              <a:schemeClr val="accent1">
+                <a:shade val="50000"/>
+              </a:schemeClr>
+            </a:lnRef>
+            <a:fillRef idx="1">
+              <a:schemeClr val="accent1"/>
+            </a:fillRef>
+            <a:effectRef idx="0">
+              <a:schemeClr val="accent1"/>
+            </a:effectRef>
+            <a:fontRef idx="minor">
+              <a:schemeClr val="lt1"/>
+            </a:fontRef>
+          </p:style>
+          <p:txBody>
+            <a:bodyPr rtlCol="0" anchor="ctr"/>
+            <a:lstStyle/>
+            <a:p>
+              <a:pPr algn="ctr"/>
+              <a:endParaRPr lang="en-US"/>
+            </a:p>
+          </p:txBody>
+        </p:sp>
+        <p:sp>
+          <p:nvSpPr>
+            <p:cNvPr id="13" name="Rectangle 12">
+              <a:extLst>
+                <a:ext uri="{FF2B5EF4-FFF2-40B4-BE49-F238E27FC236}">
+                  <a16:creationId xmlns:a16="http://schemas.microsoft.com/office/drawing/2014/main" id="{21C95197-2B25-4693-9248-4AF79C4E7B86}"/>
+                </a:ext>
+              </a:extLst>
+            </p:cNvPr>
+            <p:cNvSpPr/>
+            <p:nvPr/>
+          </p:nvSpPr>
+          <p:spPr>
+            <a:xfrm>
+              <a:off x="1753263" y="3001617"/>
+              <a:ext cx="7358932" cy="496957"/>
+            </a:xfrm>
+            <a:prstGeom prst="rect">
+              <a:avLst/>
+            </a:prstGeom>
+            <a:grpFill/>
+          </p:spPr>
+          <p:style>
+            <a:lnRef idx="2">
+              <a:schemeClr val="accent1">
+                <a:shade val="50000"/>
+              </a:schemeClr>
+            </a:lnRef>
+            <a:fillRef idx="1">
+              <a:schemeClr val="accent1"/>
+            </a:fillRef>
+            <a:effectRef idx="0">
+              <a:schemeClr val="accent1"/>
+            </a:effectRef>
+            <a:fontRef idx="minor">
+              <a:schemeClr val="lt1"/>
+            </a:fontRef>
+          </p:style>
+          <p:txBody>
+            <a:bodyPr rtlCol="0" anchor="ctr"/>
+            <a:lstStyle/>
+            <a:p>
+              <a:pPr algn="ctr"/>
+              <a:endParaRPr lang="en-US"/>
+            </a:p>
+          </p:txBody>
+        </p:sp>
+        <p:sp>
+          <p:nvSpPr>
+            <p:cNvPr id="14" name="Rectangle 13">
+              <a:extLst>
+                <a:ext uri="{FF2B5EF4-FFF2-40B4-BE49-F238E27FC236}">
+                  <a16:creationId xmlns:a16="http://schemas.microsoft.com/office/drawing/2014/main" id="{51F6B7F5-D423-4AFD-9511-E77DAA999107}"/>
+                </a:ext>
+              </a:extLst>
+            </p:cNvPr>
+            <p:cNvSpPr/>
+            <p:nvPr/>
+          </p:nvSpPr>
+          <p:spPr>
+            <a:xfrm>
+              <a:off x="1753264" y="2503672"/>
+              <a:ext cx="2508636" cy="496957"/>
+            </a:xfrm>
+            <a:prstGeom prst="rect">
+              <a:avLst/>
+            </a:prstGeom>
+            <a:grpFill/>
+          </p:spPr>
+          <p:style>
+            <a:lnRef idx="2">
+              <a:schemeClr val="accent1">
+                <a:shade val="50000"/>
+              </a:schemeClr>
+            </a:lnRef>
+            <a:fillRef idx="1">
+              <a:schemeClr val="accent1"/>
+            </a:fillRef>
+            <a:effectRef idx="0">
+              <a:schemeClr val="accent1"/>
+            </a:effectRef>
+            <a:fontRef idx="minor">
+              <a:schemeClr val="lt1"/>
+            </a:fontRef>
+          </p:style>
+          <p:txBody>
+            <a:bodyPr rtlCol="0" anchor="ctr"/>
+            <a:lstStyle/>
+            <a:p>
+              <a:pPr algn="ctr"/>
+              <a:endParaRPr lang="en-US"/>
+            </a:p>
+          </p:txBody>
+        </p:sp>
+        <p:sp>
+          <p:nvSpPr>
+            <p:cNvPr id="15" name="Isosceles Triangle 14">
+              <a:extLst>
+                <a:ext uri="{FF2B5EF4-FFF2-40B4-BE49-F238E27FC236}">
+                  <a16:creationId xmlns:a16="http://schemas.microsoft.com/office/drawing/2014/main" id="{ADD12CB5-1F8E-4C9F-913E-A4399AD45F4F}"/>
+                </a:ext>
+              </a:extLst>
+            </p:cNvPr>
+            <p:cNvSpPr/>
+            <p:nvPr/>
+          </p:nvSpPr>
+          <p:spPr>
+            <a:xfrm rot="15594070">
+              <a:off x="6025951" y="2177367"/>
+              <a:ext cx="496957" cy="1384663"/>
+            </a:xfrm>
+            <a:prstGeom prst="triangle">
+              <a:avLst/>
+            </a:prstGeom>
+            <a:grpFill/>
+          </p:spPr>
+          <p:style>
+            <a:lnRef idx="2">
+              <a:schemeClr val="accent1">
+                <a:shade val="50000"/>
+              </a:schemeClr>
+            </a:lnRef>
+            <a:fillRef idx="1">
+              <a:schemeClr val="accent1"/>
+            </a:fillRef>
+            <a:effectRef idx="0">
+              <a:schemeClr val="accent1"/>
+            </a:effectRef>
+            <a:fontRef idx="minor">
+              <a:schemeClr val="lt1"/>
+            </a:fontRef>
+          </p:style>
+          <p:txBody>
+            <a:bodyPr rtlCol="0" anchor="ctr"/>
+            <a:lstStyle/>
+            <a:p>
+              <a:pPr algn="ctr"/>
+              <a:endParaRPr lang="en-US"/>
+            </a:p>
+          </p:txBody>
+        </p:sp>
+        <p:sp>
+          <p:nvSpPr>
+            <p:cNvPr id="16" name="Rectangle 15">
+              <a:extLst>
+                <a:ext uri="{FF2B5EF4-FFF2-40B4-BE49-F238E27FC236}">
+                  <a16:creationId xmlns:a16="http://schemas.microsoft.com/office/drawing/2014/main" id="{BA72E5A8-1710-4731-A7B1-A44DD046A49A}"/>
+                </a:ext>
+              </a:extLst>
+            </p:cNvPr>
+            <p:cNvSpPr/>
+            <p:nvPr/>
+          </p:nvSpPr>
+          <p:spPr>
+            <a:xfrm>
+              <a:off x="6908926" y="2500230"/>
+              <a:ext cx="2203269" cy="496957"/>
+            </a:xfrm>
+            <a:prstGeom prst="rect">
+              <a:avLst/>
+            </a:prstGeom>
+            <a:grpFill/>
+          </p:spPr>
+          <p:style>
+            <a:lnRef idx="2">
+              <a:schemeClr val="accent1">
+                <a:shade val="50000"/>
+              </a:schemeClr>
+            </a:lnRef>
+            <a:fillRef idx="1">
+              <a:schemeClr val="accent1"/>
+            </a:fillRef>
+            <a:effectRef idx="0">
+              <a:schemeClr val="accent1"/>
+            </a:effectRef>
+            <a:fontRef idx="minor">
+              <a:schemeClr val="lt1"/>
+            </a:fontRef>
+          </p:style>
+          <p:txBody>
+            <a:bodyPr rtlCol="0" anchor="ctr"/>
+            <a:lstStyle/>
+            <a:p>
+              <a:pPr algn="ctr"/>
+              <a:endParaRPr lang="en-US"/>
+            </a:p>
+          </p:txBody>
+        </p:sp>
+      </p:grpSp>
+      <p:sp>
+        <p:nvSpPr>
+          <p:cNvPr id="17" name="Rectangle 16">
+            <a:extLst>
+              <a:ext uri="{FF2B5EF4-FFF2-40B4-BE49-F238E27FC236}">
+                <a16:creationId xmlns:a16="http://schemas.microsoft.com/office/drawing/2014/main" id="{76F63086-D9C9-46A8-95AD-F070729CDC0C}"/>
+              </a:ext>
+            </a:extLst>
+          </p:cNvPr>
+          <p:cNvSpPr/>
+          <p:nvPr/>
+        </p:nvSpPr>
+        <p:spPr>
+          <a:xfrm rot="20404405">
+            <a:off x="6770349" y="2248843"/>
+            <a:ext cx="1546216" cy="351870"/>
+          </a:xfrm>
+          <a:prstGeom prst="rect">
+            <a:avLst/>
+          </a:prstGeom>
+        </p:spPr>
+        <p:style>
+          <a:lnRef idx="2">
+            <a:schemeClr val="accent1">
+              <a:shade val="50000"/>
+            </a:schemeClr>
+          </a:lnRef>
+          <a:fillRef idx="1">
+            <a:schemeClr val="accent1"/>
+          </a:fillRef>
+          <a:effectRef idx="0">
+            <a:schemeClr val="accent1"/>
+          </a:effectRef>
+          <a:fontRef idx="minor">
+            <a:schemeClr val="lt1"/>
+          </a:fontRef>
+        </p:style>
+        <p:txBody>
+          <a:bodyPr rtlCol="0" anchor="ctr"/>
+          <a:lstStyle/>
+          <a:p>
+            <a:pPr algn="ctr"/>
+            <a:endParaRPr lang="en-US"/>
+          </a:p>
+        </p:txBody>
+      </p:sp>
+      <p:sp>
+        <p:nvSpPr>
+          <p:cNvPr id="18" name="Rectangle 17">
+            <a:extLst>
+              <a:ext uri="{FF2B5EF4-FFF2-40B4-BE49-F238E27FC236}">
+                <a16:creationId xmlns:a16="http://schemas.microsoft.com/office/drawing/2014/main" id="{20B5D46B-EF11-46E3-9328-A21DA1DE38D2}"/>
+              </a:ext>
+            </a:extLst>
+          </p:cNvPr>
+          <p:cNvSpPr/>
+          <p:nvPr/>
+        </p:nvSpPr>
+        <p:spPr>
+          <a:xfrm rot="20404405">
+            <a:off x="6805200" y="2600653"/>
+            <a:ext cx="1546216" cy="351870"/>
+          </a:xfrm>
+          <a:prstGeom prst="rect">
+            <a:avLst/>
+          </a:prstGeom>
+        </p:spPr>
+        <p:style>
+          <a:lnRef idx="2">
+            <a:schemeClr val="accent1">
+              <a:shade val="50000"/>
+            </a:schemeClr>
+          </a:lnRef>
+          <a:fillRef idx="1">
+            <a:schemeClr val="accent1"/>
+          </a:fillRef>
+          <a:effectRef idx="0">
+            <a:schemeClr val="accent1"/>
+          </a:effectRef>
+          <a:fontRef idx="minor">
+            <a:schemeClr val="lt1"/>
+          </a:fontRef>
+        </p:style>
+        <p:txBody>
+          <a:bodyPr rtlCol="0" anchor="ctr"/>
+          <a:lstStyle/>
+          <a:p>
+            <a:pPr algn="ctr"/>
+            <a:endParaRPr lang="en-US"/>
+          </a:p>
+        </p:txBody>
+      </p:sp>
+      <p:sp>
+        <p:nvSpPr>
+          <p:cNvPr id="19" name="Rectangle 18">
+            <a:extLst>
+              <a:ext uri="{FF2B5EF4-FFF2-40B4-BE49-F238E27FC236}">
+                <a16:creationId xmlns:a16="http://schemas.microsoft.com/office/drawing/2014/main" id="{0FB11FA7-B246-4946-8A74-C3A922CC65C4}"/>
+              </a:ext>
+            </a:extLst>
+          </p:cNvPr>
+          <p:cNvSpPr/>
+          <p:nvPr/>
+        </p:nvSpPr>
+        <p:spPr>
+          <a:xfrm rot="19290196">
+            <a:off x="8078733" y="1881299"/>
+            <a:ext cx="1546216" cy="351870"/>
+          </a:xfrm>
+          <a:prstGeom prst="rect">
+            <a:avLst/>
+          </a:prstGeom>
+        </p:spPr>
+        <p:style>
+          <a:lnRef idx="2">
+            <a:schemeClr val="accent1">
+              <a:shade val="50000"/>
+            </a:schemeClr>
+          </a:lnRef>
+          <a:fillRef idx="1">
+            <a:schemeClr val="accent1"/>
+          </a:fillRef>
+          <a:effectRef idx="0">
+            <a:schemeClr val="accent1"/>
+          </a:effectRef>
+          <a:fontRef idx="minor">
+            <a:schemeClr val="lt1"/>
+          </a:fontRef>
+        </p:style>
+        <p:txBody>
+          <a:bodyPr rtlCol="0" anchor="ctr"/>
+          <a:lstStyle/>
+          <a:p>
+            <a:pPr algn="ctr"/>
+            <a:endParaRPr lang="en-US"/>
+          </a:p>
+        </p:txBody>
+      </p:sp>
+      <p:sp>
+        <p:nvSpPr>
+          <p:cNvPr id="20" name="Rectangle 19">
+            <a:extLst>
+              <a:ext uri="{FF2B5EF4-FFF2-40B4-BE49-F238E27FC236}">
+                <a16:creationId xmlns:a16="http://schemas.microsoft.com/office/drawing/2014/main" id="{4C2B5A74-F8B9-4D42-A573-F442A026CD95}"/>
+              </a:ext>
+            </a:extLst>
+          </p:cNvPr>
+          <p:cNvSpPr/>
+          <p:nvPr/>
+        </p:nvSpPr>
+        <p:spPr>
+          <a:xfrm rot="19290196">
+            <a:off x="7877529" y="1623305"/>
+            <a:ext cx="1546216" cy="351870"/>
+          </a:xfrm>
+          <a:prstGeom prst="rect">
+            <a:avLst/>
+          </a:prstGeom>
+        </p:spPr>
+        <p:style>
+          <a:lnRef idx="2">
+            <a:schemeClr val="accent1">
+              <a:shade val="50000"/>
+            </a:schemeClr>
+          </a:lnRef>
+          <a:fillRef idx="1">
+            <a:schemeClr val="accent1"/>
+          </a:fillRef>
+          <a:effectRef idx="0">
+            <a:schemeClr val="accent1"/>
+          </a:effectRef>
+          <a:fontRef idx="minor">
+            <a:schemeClr val="lt1"/>
+          </a:fontRef>
+        </p:style>
+        <p:txBody>
+          <a:bodyPr rtlCol="0" anchor="ctr"/>
+          <a:lstStyle/>
+          <a:p>
+            <a:pPr algn="ctr"/>
+            <a:endParaRPr lang="en-US"/>
+          </a:p>
+        </p:txBody>
+      </p:sp>
+      <p:sp>
+        <p:nvSpPr>
+          <p:cNvPr id="21" name="Rectangle 20">
+            <a:extLst>
+              <a:ext uri="{FF2B5EF4-FFF2-40B4-BE49-F238E27FC236}">
+                <a16:creationId xmlns:a16="http://schemas.microsoft.com/office/drawing/2014/main" id="{46FC4F18-1DB8-4205-8680-B5D5BF875F19}"/>
+              </a:ext>
+            </a:extLst>
+          </p:cNvPr>
+          <p:cNvSpPr/>
+          <p:nvPr/>
+        </p:nvSpPr>
+        <p:spPr>
+          <a:xfrm rot="20404405">
+            <a:off x="6770350" y="3286742"/>
+            <a:ext cx="1546216" cy="351870"/>
+          </a:xfrm>
+          <a:prstGeom prst="rect">
+            <a:avLst/>
+          </a:prstGeom>
+          <a:solidFill>
+            <a:schemeClr val="accent2"/>
+          </a:solidFill>
+        </p:spPr>
+        <p:style>
+          <a:lnRef idx="2">
+            <a:schemeClr val="accent1">
+              <a:shade val="50000"/>
+            </a:schemeClr>
+          </a:lnRef>
+          <a:fillRef idx="1">
+            <a:schemeClr val="accent1"/>
+          </a:fillRef>
+          <a:effectRef idx="0">
+            <a:schemeClr val="accent1"/>
+          </a:effectRef>
+          <a:fontRef idx="minor">
+            <a:schemeClr val="lt1"/>
+          </a:fontRef>
+        </p:style>
+        <p:txBody>
+          <a:bodyPr rtlCol="0" anchor="ctr"/>
+          <a:lstStyle/>
+          <a:p>
+            <a:pPr algn="ctr"/>
+            <a:endParaRPr lang="en-US"/>
+          </a:p>
+        </p:txBody>
+      </p:sp>
+      <p:sp>
+        <p:nvSpPr>
+          <p:cNvPr id="22" name="Rectangle 21">
+            <a:extLst>
+              <a:ext uri="{FF2B5EF4-FFF2-40B4-BE49-F238E27FC236}">
+                <a16:creationId xmlns:a16="http://schemas.microsoft.com/office/drawing/2014/main" id="{AD388DAB-3DB3-444D-A184-568C86B26192}"/>
+              </a:ext>
+            </a:extLst>
+          </p:cNvPr>
+          <p:cNvSpPr/>
+          <p:nvPr/>
+        </p:nvSpPr>
+        <p:spPr>
+          <a:xfrm rot="20404405">
+            <a:off x="6805201" y="3638552"/>
+            <a:ext cx="1546216" cy="351870"/>
+          </a:xfrm>
+          <a:prstGeom prst="rect">
+            <a:avLst/>
+          </a:prstGeom>
+          <a:solidFill>
+            <a:schemeClr val="accent2"/>
+          </a:solidFill>
+        </p:spPr>
+        <p:style>
+          <a:lnRef idx="2">
+            <a:schemeClr val="accent1">
+              <a:shade val="50000"/>
+            </a:schemeClr>
+          </a:lnRef>
+          <a:fillRef idx="1">
+            <a:schemeClr val="accent1"/>
+          </a:fillRef>
+          <a:effectRef idx="0">
+            <a:schemeClr val="accent1"/>
+          </a:effectRef>
+          <a:fontRef idx="minor">
+            <a:schemeClr val="lt1"/>
+          </a:fontRef>
+        </p:style>
+        <p:txBody>
+          <a:bodyPr rtlCol="0" anchor="ctr"/>
+          <a:lstStyle/>
+          <a:p>
+            <a:pPr algn="ctr"/>
+            <a:endParaRPr lang="en-US"/>
+          </a:p>
+        </p:txBody>
+      </p:sp>
+      <p:sp>
+        <p:nvSpPr>
+          <p:cNvPr id="23" name="Rectangle 22">
+            <a:extLst>
+              <a:ext uri="{FF2B5EF4-FFF2-40B4-BE49-F238E27FC236}">
+                <a16:creationId xmlns:a16="http://schemas.microsoft.com/office/drawing/2014/main" id="{A2C02AAA-05AF-4D1B-B435-D32198E884E1}"/>
+              </a:ext>
+            </a:extLst>
+          </p:cNvPr>
+          <p:cNvSpPr/>
+          <p:nvPr/>
+        </p:nvSpPr>
+        <p:spPr>
+          <a:xfrm rot="19290196">
+            <a:off x="8078734" y="2919198"/>
+            <a:ext cx="1546216" cy="351870"/>
+          </a:xfrm>
+          <a:prstGeom prst="rect">
+            <a:avLst/>
+          </a:prstGeom>
+          <a:solidFill>
+            <a:schemeClr val="accent2"/>
+          </a:solidFill>
+        </p:spPr>
+        <p:style>
+          <a:lnRef idx="2">
+            <a:schemeClr val="accent1">
+              <a:shade val="50000"/>
+            </a:schemeClr>
+          </a:lnRef>
+          <a:fillRef idx="1">
+            <a:schemeClr val="accent1"/>
+          </a:fillRef>
+          <a:effectRef idx="0">
+            <a:schemeClr val="accent1"/>
+          </a:effectRef>
+          <a:fontRef idx="minor">
+            <a:schemeClr val="lt1"/>
+          </a:fontRef>
+        </p:style>
+        <p:txBody>
+          <a:bodyPr rtlCol="0" anchor="ctr"/>
+          <a:lstStyle/>
+          <a:p>
+            <a:pPr algn="ctr"/>
+            <a:endParaRPr lang="en-US"/>
+          </a:p>
+        </p:txBody>
+      </p:sp>
+      <p:sp>
+        <p:nvSpPr>
+          <p:cNvPr id="24" name="Rectangle 23">
+            <a:extLst>
+              <a:ext uri="{FF2B5EF4-FFF2-40B4-BE49-F238E27FC236}">
+                <a16:creationId xmlns:a16="http://schemas.microsoft.com/office/drawing/2014/main" id="{98967BA9-9104-42B5-B677-479A9309DB4B}"/>
+              </a:ext>
+            </a:extLst>
+          </p:cNvPr>
+          <p:cNvSpPr/>
+          <p:nvPr/>
+        </p:nvSpPr>
+        <p:spPr>
+          <a:xfrm rot="19290196">
+            <a:off x="7877530" y="2661204"/>
+            <a:ext cx="1546216" cy="351870"/>
+          </a:xfrm>
+          <a:prstGeom prst="rect">
+            <a:avLst/>
+          </a:prstGeom>
+          <a:solidFill>
+            <a:schemeClr val="accent2"/>
+          </a:solidFill>
+        </p:spPr>
+        <p:style>
+          <a:lnRef idx="2">
+            <a:schemeClr val="accent1">
+              <a:shade val="50000"/>
+            </a:schemeClr>
+          </a:lnRef>
+          <a:fillRef idx="1">
+            <a:schemeClr val="accent1"/>
+          </a:fillRef>
+          <a:effectRef idx="0">
+            <a:schemeClr val="accent1"/>
+          </a:effectRef>
+          <a:fontRef idx="minor">
+            <a:schemeClr val="lt1"/>
+          </a:fontRef>
+        </p:style>
+        <p:txBody>
+          <a:bodyPr rtlCol="0" anchor="ctr"/>
+          <a:lstStyle/>
+          <a:p>
+            <a:pPr algn="ctr"/>
+            <a:endParaRPr lang="en-US"/>
+          </a:p>
+        </p:txBody>
+      </p:sp>
+      <p:sp>
+        <p:nvSpPr>
+          <p:cNvPr id="25" name="Rectangle 24">
+            <a:extLst>
+              <a:ext uri="{FF2B5EF4-FFF2-40B4-BE49-F238E27FC236}">
+                <a16:creationId xmlns:a16="http://schemas.microsoft.com/office/drawing/2014/main" id="{81800D9C-7729-432C-B53A-40F92F66228F}"/>
+              </a:ext>
+            </a:extLst>
+          </p:cNvPr>
+          <p:cNvSpPr/>
+          <p:nvPr/>
+        </p:nvSpPr>
+        <p:spPr>
+          <a:xfrm>
+            <a:off x="2154803" y="2499531"/>
+            <a:ext cx="393490" cy="352569"/>
+          </a:xfrm>
+          <a:prstGeom prst="rect">
+            <a:avLst/>
+          </a:prstGeom>
+          <a:solidFill>
+            <a:schemeClr val="bg1">
+              <a:alpha val="48000"/>
+            </a:schemeClr>
+          </a:solidFill>
+          <a:ln w="31750">
+            <a:solidFill>
+              <a:schemeClr val="bg1">
+                <a:lumMod val="50000"/>
+              </a:schemeClr>
+            </a:solidFill>
+          </a:ln>
+        </p:spPr>
+        <p:style>
+          <a:lnRef idx="2">
+            <a:schemeClr val="accent2"/>
+          </a:lnRef>
+          <a:fillRef idx="1">
+            <a:schemeClr val="lt1"/>
+          </a:fillRef>
+          <a:effectRef idx="0">
+            <a:schemeClr val="accent2"/>
+          </a:effectRef>
+          <a:fontRef idx="minor">
+            <a:schemeClr val="dk1"/>
+          </a:fontRef>
+        </p:style>
+        <p:txBody>
+          <a:bodyPr rtlCol="0" anchor="ctr"/>
+          <a:lstStyle/>
+          <a:p>
+            <a:pPr algn="ctr"/>
+            <a:endParaRPr lang="en-US"/>
+          </a:p>
+        </p:txBody>
+      </p:sp>
+      <p:sp>
+        <p:nvSpPr>
+          <p:cNvPr id="26" name="Rectangle 25">
+            <a:extLst>
+              <a:ext uri="{FF2B5EF4-FFF2-40B4-BE49-F238E27FC236}">
+                <a16:creationId xmlns:a16="http://schemas.microsoft.com/office/drawing/2014/main" id="{20157C16-B896-4B31-8844-4911319820D5}"/>
+              </a:ext>
+            </a:extLst>
+          </p:cNvPr>
+          <p:cNvSpPr/>
+          <p:nvPr/>
+        </p:nvSpPr>
+        <p:spPr>
+          <a:xfrm>
+            <a:off x="3299479" y="2489196"/>
+            <a:ext cx="393490" cy="352569"/>
+          </a:xfrm>
+          <a:prstGeom prst="rect">
+            <a:avLst/>
+          </a:prstGeom>
+          <a:solidFill>
+            <a:schemeClr val="bg1">
+              <a:alpha val="48000"/>
+            </a:schemeClr>
+          </a:solidFill>
+          <a:ln w="31750">
+            <a:solidFill>
+              <a:schemeClr val="bg1">
+                <a:lumMod val="50000"/>
+              </a:schemeClr>
+            </a:solidFill>
+          </a:ln>
+        </p:spPr>
+        <p:style>
+          <a:lnRef idx="2">
+            <a:schemeClr val="accent2"/>
+          </a:lnRef>
+          <a:fillRef idx="1">
+            <a:schemeClr val="lt1"/>
+          </a:fillRef>
+          <a:effectRef idx="0">
+            <a:schemeClr val="accent2"/>
+          </a:effectRef>
+          <a:fontRef idx="minor">
+            <a:schemeClr val="dk1"/>
+          </a:fontRef>
+        </p:style>
+        <p:txBody>
+          <a:bodyPr rtlCol="0" anchor="ctr"/>
+          <a:lstStyle/>
+          <a:p>
+            <a:pPr algn="ctr"/>
+            <a:endParaRPr lang="en-US"/>
+          </a:p>
+        </p:txBody>
+      </p:sp>
+      <p:sp>
+        <p:nvSpPr>
+          <p:cNvPr id="27" name="Rectangle 26">
+            <a:extLst>
+              <a:ext uri="{FF2B5EF4-FFF2-40B4-BE49-F238E27FC236}">
+                <a16:creationId xmlns:a16="http://schemas.microsoft.com/office/drawing/2014/main" id="{05F9205B-1FD0-4429-9805-4B47BF03988D}"/>
+              </a:ext>
+            </a:extLst>
+          </p:cNvPr>
+          <p:cNvSpPr/>
+          <p:nvPr/>
+        </p:nvSpPr>
+        <p:spPr>
+          <a:xfrm>
+            <a:off x="3710996" y="2484570"/>
+            <a:ext cx="393490" cy="352569"/>
+          </a:xfrm>
+          <a:prstGeom prst="rect">
+            <a:avLst/>
+          </a:prstGeom>
+          <a:solidFill>
+            <a:schemeClr val="bg1">
+              <a:alpha val="48000"/>
+            </a:schemeClr>
+          </a:solidFill>
+          <a:ln w="31750">
+            <a:solidFill>
+              <a:schemeClr val="bg1">
+                <a:lumMod val="50000"/>
+              </a:schemeClr>
+            </a:solidFill>
+          </a:ln>
+        </p:spPr>
+        <p:style>
+          <a:lnRef idx="2">
+            <a:schemeClr val="accent2"/>
+          </a:lnRef>
+          <a:fillRef idx="1">
+            <a:schemeClr val="lt1"/>
+          </a:fillRef>
+          <a:effectRef idx="0">
+            <a:schemeClr val="accent2"/>
+          </a:effectRef>
+          <a:fontRef idx="minor">
+            <a:schemeClr val="dk1"/>
+          </a:fontRef>
+        </p:style>
+        <p:txBody>
+          <a:bodyPr rtlCol="0" anchor="ctr"/>
+          <a:lstStyle/>
+          <a:p>
+            <a:pPr algn="ctr"/>
+            <a:endParaRPr lang="en-US"/>
+          </a:p>
+        </p:txBody>
+      </p:sp>
+      <p:sp>
+        <p:nvSpPr>
+          <p:cNvPr id="28" name="Rectangle 27">
+            <a:extLst>
+              <a:ext uri="{FF2B5EF4-FFF2-40B4-BE49-F238E27FC236}">
+                <a16:creationId xmlns:a16="http://schemas.microsoft.com/office/drawing/2014/main" id="{C541802C-A417-4D2D-B241-25AD9021A966}"/>
+              </a:ext>
+            </a:extLst>
+          </p:cNvPr>
+          <p:cNvSpPr/>
+          <p:nvPr/>
+        </p:nvSpPr>
+        <p:spPr>
+          <a:xfrm>
+            <a:off x="4119604" y="2483649"/>
+            <a:ext cx="393490" cy="352569"/>
+          </a:xfrm>
+          <a:prstGeom prst="rect">
+            <a:avLst/>
+          </a:prstGeom>
+          <a:solidFill>
+            <a:schemeClr val="bg1">
+              <a:alpha val="48000"/>
+            </a:schemeClr>
+          </a:solidFill>
+          <a:ln w="31750">
+            <a:solidFill>
+              <a:schemeClr val="bg1">
+                <a:lumMod val="50000"/>
+              </a:schemeClr>
+            </a:solidFill>
+          </a:ln>
+        </p:spPr>
+        <p:style>
+          <a:lnRef idx="2">
+            <a:schemeClr val="accent2"/>
+          </a:lnRef>
+          <a:fillRef idx="1">
+            <a:schemeClr val="lt1"/>
+          </a:fillRef>
+          <a:effectRef idx="0">
+            <a:schemeClr val="accent2"/>
+          </a:effectRef>
+          <a:fontRef idx="minor">
+            <a:schemeClr val="dk1"/>
+          </a:fontRef>
+        </p:style>
+        <p:txBody>
+          <a:bodyPr rtlCol="0" anchor="ctr"/>
+          <a:lstStyle/>
+          <a:p>
+            <a:pPr algn="ctr"/>
+            <a:endParaRPr lang="en-US"/>
+          </a:p>
+        </p:txBody>
+      </p:sp>
+      <p:sp>
+        <p:nvSpPr>
+          <p:cNvPr id="29" name="Rectangle 28">
+            <a:extLst>
+              <a:ext uri="{FF2B5EF4-FFF2-40B4-BE49-F238E27FC236}">
+                <a16:creationId xmlns:a16="http://schemas.microsoft.com/office/drawing/2014/main" id="{A1203883-347F-458C-9CD3-F8BEDEAE5A0A}"/>
+              </a:ext>
+            </a:extLst>
+          </p:cNvPr>
+          <p:cNvSpPr/>
+          <p:nvPr/>
+        </p:nvSpPr>
+        <p:spPr>
+          <a:xfrm>
+            <a:off x="4530411" y="2483631"/>
+            <a:ext cx="393490" cy="352569"/>
+          </a:xfrm>
+          <a:prstGeom prst="rect">
+            <a:avLst/>
+          </a:prstGeom>
+          <a:solidFill>
+            <a:schemeClr val="bg1">
+              <a:alpha val="48000"/>
+            </a:schemeClr>
+          </a:solidFill>
+          <a:ln w="31750">
+            <a:solidFill>
+              <a:schemeClr val="bg1">
+                <a:lumMod val="50000"/>
+              </a:schemeClr>
+            </a:solidFill>
+          </a:ln>
+        </p:spPr>
+        <p:style>
+          <a:lnRef idx="2">
+            <a:schemeClr val="accent2"/>
+          </a:lnRef>
+          <a:fillRef idx="1">
+            <a:schemeClr val="lt1"/>
+          </a:fillRef>
+          <a:effectRef idx="0">
+            <a:schemeClr val="accent2"/>
+          </a:effectRef>
+          <a:fontRef idx="minor">
+            <a:schemeClr val="dk1"/>
+          </a:fontRef>
+        </p:style>
+        <p:txBody>
+          <a:bodyPr rtlCol="0" anchor="ctr"/>
+          <a:lstStyle/>
+          <a:p>
+            <a:pPr algn="ctr"/>
+            <a:endParaRPr lang="en-US"/>
+          </a:p>
+        </p:txBody>
+      </p:sp>
+      <p:sp>
+        <p:nvSpPr>
+          <p:cNvPr id="30" name="Rectangle 29">
+            <a:extLst>
+              <a:ext uri="{FF2B5EF4-FFF2-40B4-BE49-F238E27FC236}">
+                <a16:creationId xmlns:a16="http://schemas.microsoft.com/office/drawing/2014/main" id="{72AE085B-8775-46C0-9E25-2FE0839FC199}"/>
+              </a:ext>
+            </a:extLst>
+          </p:cNvPr>
+          <p:cNvSpPr/>
+          <p:nvPr/>
+        </p:nvSpPr>
+        <p:spPr>
+          <a:xfrm>
+            <a:off x="4932162" y="2483631"/>
+            <a:ext cx="393490" cy="352569"/>
+          </a:xfrm>
+          <a:prstGeom prst="rect">
+            <a:avLst/>
+          </a:prstGeom>
+          <a:solidFill>
+            <a:schemeClr val="bg1">
+              <a:alpha val="48000"/>
+            </a:schemeClr>
+          </a:solidFill>
+          <a:ln w="31750">
+            <a:solidFill>
+              <a:schemeClr val="bg1">
+                <a:lumMod val="50000"/>
+              </a:schemeClr>
+            </a:solidFill>
+          </a:ln>
+        </p:spPr>
+        <p:style>
+          <a:lnRef idx="2">
+            <a:schemeClr val="accent2"/>
+          </a:lnRef>
+          <a:fillRef idx="1">
+            <a:schemeClr val="lt1"/>
+          </a:fillRef>
+          <a:effectRef idx="0">
+            <a:schemeClr val="accent2"/>
+          </a:effectRef>
+          <a:fontRef idx="minor">
+            <a:schemeClr val="dk1"/>
+          </a:fontRef>
+        </p:style>
+        <p:txBody>
+          <a:bodyPr rtlCol="0" anchor="ctr"/>
+          <a:lstStyle/>
+          <a:p>
+            <a:pPr algn="ctr"/>
+            <a:endParaRPr lang="en-US"/>
+          </a:p>
+        </p:txBody>
+      </p:sp>
+      <p:sp>
+        <p:nvSpPr>
+          <p:cNvPr id="31" name="Rectangle 30">
+            <a:extLst>
+              <a:ext uri="{FF2B5EF4-FFF2-40B4-BE49-F238E27FC236}">
+                <a16:creationId xmlns:a16="http://schemas.microsoft.com/office/drawing/2014/main" id="{F7A4BA51-408B-46EE-A07B-CC3205B7643D}"/>
+              </a:ext>
+            </a:extLst>
+          </p:cNvPr>
+          <p:cNvSpPr/>
+          <p:nvPr/>
+        </p:nvSpPr>
+        <p:spPr>
+          <a:xfrm>
+            <a:off x="5331107" y="2482589"/>
+            <a:ext cx="393490" cy="352569"/>
+          </a:xfrm>
+          <a:prstGeom prst="rect">
+            <a:avLst/>
+          </a:prstGeom>
+          <a:solidFill>
+            <a:schemeClr val="bg1">
+              <a:alpha val="48000"/>
+            </a:schemeClr>
+          </a:solidFill>
+          <a:ln w="31750">
+            <a:solidFill>
+              <a:schemeClr val="bg1">
+                <a:lumMod val="50000"/>
+              </a:schemeClr>
+            </a:solidFill>
+          </a:ln>
+        </p:spPr>
+        <p:style>
+          <a:lnRef idx="2">
+            <a:schemeClr val="accent2"/>
+          </a:lnRef>
+          <a:fillRef idx="1">
+            <a:schemeClr val="lt1"/>
+          </a:fillRef>
+          <a:effectRef idx="0">
+            <a:schemeClr val="accent2"/>
+          </a:effectRef>
+          <a:fontRef idx="minor">
+            <a:schemeClr val="dk1"/>
+          </a:fontRef>
+        </p:style>
+        <p:txBody>
+          <a:bodyPr rtlCol="0" anchor="ctr"/>
+          <a:lstStyle/>
+          <a:p>
+            <a:pPr algn="ctr"/>
+            <a:endParaRPr lang="en-US"/>
+          </a:p>
+        </p:txBody>
+      </p:sp>
+      <p:sp>
+        <p:nvSpPr>
+          <p:cNvPr id="32" name="Rectangle 31">
+            <a:extLst>
+              <a:ext uri="{FF2B5EF4-FFF2-40B4-BE49-F238E27FC236}">
+                <a16:creationId xmlns:a16="http://schemas.microsoft.com/office/drawing/2014/main" id="{28277CA3-572E-42AA-9668-338C10C5BDA4}"/>
+              </a:ext>
+            </a:extLst>
+          </p:cNvPr>
+          <p:cNvSpPr/>
+          <p:nvPr/>
+        </p:nvSpPr>
+        <p:spPr>
+          <a:xfrm>
+            <a:off x="5721694" y="2484059"/>
+            <a:ext cx="393490" cy="352569"/>
+          </a:xfrm>
+          <a:prstGeom prst="rect">
+            <a:avLst/>
+          </a:prstGeom>
+          <a:solidFill>
+            <a:schemeClr val="bg1">
+              <a:alpha val="48000"/>
+            </a:schemeClr>
+          </a:solidFill>
+          <a:ln w="31750">
+            <a:solidFill>
+              <a:schemeClr val="bg1">
+                <a:lumMod val="50000"/>
+              </a:schemeClr>
+            </a:solidFill>
+          </a:ln>
+        </p:spPr>
+        <p:style>
+          <a:lnRef idx="2">
+            <a:schemeClr val="accent2"/>
+          </a:lnRef>
+          <a:fillRef idx="1">
+            <a:schemeClr val="lt1"/>
+          </a:fillRef>
+          <a:effectRef idx="0">
+            <a:schemeClr val="accent2"/>
+          </a:effectRef>
+          <a:fontRef idx="minor">
+            <a:schemeClr val="dk1"/>
+          </a:fontRef>
+        </p:style>
+        <p:txBody>
+          <a:bodyPr rtlCol="0" anchor="ctr"/>
+          <a:lstStyle/>
+          <a:p>
+            <a:pPr algn="ctr"/>
+            <a:endParaRPr lang="en-US"/>
+          </a:p>
+        </p:txBody>
+      </p:sp>
+      <p:sp>
+        <p:nvSpPr>
+          <p:cNvPr id="33" name="Rectangle 32">
+            <a:extLst>
+              <a:ext uri="{FF2B5EF4-FFF2-40B4-BE49-F238E27FC236}">
+                <a16:creationId xmlns:a16="http://schemas.microsoft.com/office/drawing/2014/main" id="{8A3A663F-FC77-45BD-A680-43959CF2FED1}"/>
+              </a:ext>
+            </a:extLst>
+          </p:cNvPr>
+          <p:cNvSpPr/>
+          <p:nvPr/>
+        </p:nvSpPr>
+        <p:spPr>
+          <a:xfrm>
+            <a:off x="6111543" y="2482589"/>
+            <a:ext cx="393490" cy="352569"/>
+          </a:xfrm>
+          <a:prstGeom prst="rect">
+            <a:avLst/>
+          </a:prstGeom>
+          <a:solidFill>
+            <a:schemeClr val="bg1">
+              <a:alpha val="48000"/>
+            </a:schemeClr>
+          </a:solidFill>
+          <a:ln w="31750">
+            <a:solidFill>
+              <a:schemeClr val="bg1">
+                <a:lumMod val="50000"/>
+              </a:schemeClr>
+            </a:solidFill>
+          </a:ln>
+        </p:spPr>
+        <p:style>
+          <a:lnRef idx="2">
+            <a:schemeClr val="accent2"/>
+          </a:lnRef>
+          <a:fillRef idx="1">
+            <a:schemeClr val="lt1"/>
+          </a:fillRef>
+          <a:effectRef idx="0">
+            <a:schemeClr val="accent2"/>
+          </a:effectRef>
+          <a:fontRef idx="minor">
+            <a:schemeClr val="dk1"/>
+          </a:fontRef>
+        </p:style>
+        <p:txBody>
+          <a:bodyPr rtlCol="0" anchor="ctr"/>
+          <a:lstStyle/>
+          <a:p>
+            <a:pPr algn="ctr"/>
+            <a:endParaRPr lang="en-US"/>
+          </a:p>
+        </p:txBody>
+      </p:sp>
+      <p:sp>
+        <p:nvSpPr>
+          <p:cNvPr id="34" name="Rectangle 33">
+            <a:extLst>
+              <a:ext uri="{FF2B5EF4-FFF2-40B4-BE49-F238E27FC236}">
+                <a16:creationId xmlns:a16="http://schemas.microsoft.com/office/drawing/2014/main" id="{BC5CBBC8-9188-4267-A142-F1ADFE156CF8}"/>
+              </a:ext>
+            </a:extLst>
+          </p:cNvPr>
+          <p:cNvSpPr/>
+          <p:nvPr/>
+        </p:nvSpPr>
+        <p:spPr>
+          <a:xfrm>
+            <a:off x="6498489" y="2483112"/>
+            <a:ext cx="393490" cy="352569"/>
+          </a:xfrm>
+          <a:prstGeom prst="rect">
+            <a:avLst/>
+          </a:prstGeom>
+          <a:solidFill>
+            <a:schemeClr val="bg1">
+              <a:alpha val="48000"/>
+            </a:schemeClr>
+          </a:solidFill>
+          <a:ln w="31750">
+            <a:solidFill>
+              <a:schemeClr val="bg1">
+                <a:lumMod val="50000"/>
+              </a:schemeClr>
+            </a:solidFill>
+          </a:ln>
+        </p:spPr>
+        <p:style>
+          <a:lnRef idx="2">
+            <a:schemeClr val="accent2"/>
+          </a:lnRef>
+          <a:fillRef idx="1">
+            <a:schemeClr val="lt1"/>
+          </a:fillRef>
+          <a:effectRef idx="0">
+            <a:schemeClr val="accent2"/>
+          </a:effectRef>
+          <a:fontRef idx="minor">
+            <a:schemeClr val="dk1"/>
+          </a:fontRef>
+        </p:style>
+        <p:txBody>
+          <a:bodyPr rtlCol="0" anchor="ctr"/>
+          <a:lstStyle/>
+          <a:p>
+            <a:pPr algn="ctr"/>
+            <a:endParaRPr lang="en-US"/>
+          </a:p>
+        </p:txBody>
+      </p:sp>
+      <p:sp>
+        <p:nvSpPr>
+          <p:cNvPr id="35" name="Rectangle 34">
+            <a:extLst>
+              <a:ext uri="{FF2B5EF4-FFF2-40B4-BE49-F238E27FC236}">
+                <a16:creationId xmlns:a16="http://schemas.microsoft.com/office/drawing/2014/main" id="{DCB1E6E7-0C92-4605-8B5E-5EEB1551CB08}"/>
+              </a:ext>
+            </a:extLst>
+          </p:cNvPr>
+          <p:cNvSpPr/>
+          <p:nvPr/>
+        </p:nvSpPr>
+        <p:spPr>
+          <a:xfrm>
+            <a:off x="6888338" y="2475551"/>
+            <a:ext cx="393490" cy="352569"/>
+          </a:xfrm>
+          <a:prstGeom prst="rect">
+            <a:avLst/>
+          </a:prstGeom>
+          <a:solidFill>
+            <a:schemeClr val="bg1">
+              <a:alpha val="48000"/>
+            </a:schemeClr>
+          </a:solidFill>
+          <a:ln w="31750">
+            <a:solidFill>
+              <a:schemeClr val="bg1">
+                <a:lumMod val="50000"/>
+              </a:schemeClr>
+            </a:solidFill>
+          </a:ln>
+        </p:spPr>
+        <p:style>
+          <a:lnRef idx="2">
+            <a:schemeClr val="accent2"/>
+          </a:lnRef>
+          <a:fillRef idx="1">
+            <a:schemeClr val="lt1"/>
+          </a:fillRef>
+          <a:effectRef idx="0">
+            <a:schemeClr val="accent2"/>
+          </a:effectRef>
+          <a:fontRef idx="minor">
+            <a:schemeClr val="dk1"/>
+          </a:fontRef>
+        </p:style>
+        <p:txBody>
+          <a:bodyPr rtlCol="0" anchor="ctr"/>
+          <a:lstStyle/>
+          <a:p>
+            <a:pPr algn="ctr"/>
+            <a:endParaRPr lang="en-US"/>
+          </a:p>
+        </p:txBody>
+      </p:sp>
+      <p:sp>
+        <p:nvSpPr>
+          <p:cNvPr id="36" name="Rectangle 35">
+            <a:extLst>
+              <a:ext uri="{FF2B5EF4-FFF2-40B4-BE49-F238E27FC236}">
+                <a16:creationId xmlns:a16="http://schemas.microsoft.com/office/drawing/2014/main" id="{1C6BCB38-C915-41DD-80DA-30EB119C694D}"/>
+              </a:ext>
+            </a:extLst>
+          </p:cNvPr>
+          <p:cNvSpPr/>
+          <p:nvPr/>
+        </p:nvSpPr>
+        <p:spPr>
+          <a:xfrm>
+            <a:off x="6886972" y="2114124"/>
+            <a:ext cx="393490" cy="352569"/>
+          </a:xfrm>
+          <a:prstGeom prst="rect">
+            <a:avLst/>
+          </a:prstGeom>
+          <a:solidFill>
+            <a:schemeClr val="bg1">
+              <a:alpha val="48000"/>
+            </a:schemeClr>
+          </a:solidFill>
+          <a:ln w="31750">
+            <a:solidFill>
+              <a:schemeClr val="bg1">
+                <a:lumMod val="50000"/>
+              </a:schemeClr>
+            </a:solidFill>
+          </a:ln>
+        </p:spPr>
+        <p:style>
+          <a:lnRef idx="2">
+            <a:schemeClr val="accent2"/>
+          </a:lnRef>
+          <a:fillRef idx="1">
+            <a:schemeClr val="lt1"/>
+          </a:fillRef>
+          <a:effectRef idx="0">
+            <a:schemeClr val="accent2"/>
+          </a:effectRef>
+          <a:fontRef idx="minor">
+            <a:schemeClr val="dk1"/>
+          </a:fontRef>
+        </p:style>
+        <p:txBody>
+          <a:bodyPr rtlCol="0" anchor="ctr"/>
+          <a:lstStyle/>
+          <a:p>
+            <a:pPr algn="ctr"/>
+            <a:endParaRPr lang="en-US"/>
+          </a:p>
+        </p:txBody>
+      </p:sp>
+      <p:sp>
+        <p:nvSpPr>
+          <p:cNvPr id="37" name="Rectangle 36">
+            <a:extLst>
+              <a:ext uri="{FF2B5EF4-FFF2-40B4-BE49-F238E27FC236}">
+                <a16:creationId xmlns:a16="http://schemas.microsoft.com/office/drawing/2014/main" id="{EE0499B4-D724-4291-8F21-E0B1EC3A3045}"/>
+              </a:ext>
+            </a:extLst>
+          </p:cNvPr>
+          <p:cNvSpPr/>
+          <p:nvPr/>
+        </p:nvSpPr>
+        <p:spPr>
+          <a:xfrm>
+            <a:off x="7279841" y="2116687"/>
+            <a:ext cx="393490" cy="352569"/>
+          </a:xfrm>
+          <a:prstGeom prst="rect">
+            <a:avLst/>
+          </a:prstGeom>
+          <a:solidFill>
+            <a:schemeClr val="bg1">
+              <a:alpha val="48000"/>
+            </a:schemeClr>
+          </a:solidFill>
+          <a:ln w="31750">
+            <a:solidFill>
+              <a:schemeClr val="bg1">
+                <a:lumMod val="50000"/>
+              </a:schemeClr>
+            </a:solidFill>
+          </a:ln>
+        </p:spPr>
+        <p:style>
+          <a:lnRef idx="2">
+            <a:schemeClr val="accent2"/>
+          </a:lnRef>
+          <a:fillRef idx="1">
+            <a:schemeClr val="lt1"/>
+          </a:fillRef>
+          <a:effectRef idx="0">
+            <a:schemeClr val="accent2"/>
+          </a:effectRef>
+          <a:fontRef idx="minor">
+            <a:schemeClr val="dk1"/>
+          </a:fontRef>
+        </p:style>
+        <p:txBody>
+          <a:bodyPr rtlCol="0" anchor="ctr"/>
+          <a:lstStyle/>
+          <a:p>
+            <a:pPr algn="ctr"/>
+            <a:endParaRPr lang="en-US"/>
+          </a:p>
+        </p:txBody>
+      </p:sp>
+      <p:sp>
+        <p:nvSpPr>
+          <p:cNvPr id="38" name="Rectangle 37">
+            <a:extLst>
+              <a:ext uri="{FF2B5EF4-FFF2-40B4-BE49-F238E27FC236}">
+                <a16:creationId xmlns:a16="http://schemas.microsoft.com/office/drawing/2014/main" id="{3DD556D6-F1EE-4991-B525-7E9ABE83F155}"/>
+              </a:ext>
+            </a:extLst>
+          </p:cNvPr>
+          <p:cNvSpPr/>
+          <p:nvPr/>
+        </p:nvSpPr>
+        <p:spPr>
+          <a:xfrm>
+            <a:off x="7671344" y="2114124"/>
+            <a:ext cx="393490" cy="352569"/>
+          </a:xfrm>
+          <a:prstGeom prst="rect">
+            <a:avLst/>
+          </a:prstGeom>
+          <a:solidFill>
+            <a:schemeClr val="bg1">
+              <a:alpha val="48000"/>
+            </a:schemeClr>
+          </a:solidFill>
+          <a:ln w="31750">
+            <a:solidFill>
+              <a:schemeClr val="bg1">
+                <a:lumMod val="50000"/>
+              </a:schemeClr>
+            </a:solidFill>
+          </a:ln>
+        </p:spPr>
+        <p:style>
+          <a:lnRef idx="2">
+            <a:schemeClr val="accent2"/>
+          </a:lnRef>
+          <a:fillRef idx="1">
+            <a:schemeClr val="lt1"/>
+          </a:fillRef>
+          <a:effectRef idx="0">
+            <a:schemeClr val="accent2"/>
+          </a:effectRef>
+          <a:fontRef idx="minor">
+            <a:schemeClr val="dk1"/>
+          </a:fontRef>
+        </p:style>
+        <p:txBody>
+          <a:bodyPr rtlCol="0" anchor="ctr"/>
+          <a:lstStyle/>
+          <a:p>
+            <a:pPr algn="ctr"/>
+            <a:endParaRPr lang="en-US"/>
+          </a:p>
+        </p:txBody>
+      </p:sp>
+      <p:sp>
+        <p:nvSpPr>
+          <p:cNvPr id="39" name="Rectangle 38">
+            <a:extLst>
+              <a:ext uri="{FF2B5EF4-FFF2-40B4-BE49-F238E27FC236}">
+                <a16:creationId xmlns:a16="http://schemas.microsoft.com/office/drawing/2014/main" id="{C7B884F5-AF59-4B1F-8617-4C33613D2723}"/>
+              </a:ext>
+            </a:extLst>
+          </p:cNvPr>
+          <p:cNvSpPr/>
+          <p:nvPr/>
+        </p:nvSpPr>
+        <p:spPr>
+          <a:xfrm>
+            <a:off x="2155359" y="2876010"/>
+            <a:ext cx="393490" cy="352569"/>
+          </a:xfrm>
+          <a:prstGeom prst="rect">
+            <a:avLst/>
+          </a:prstGeom>
+          <a:solidFill>
+            <a:schemeClr val="bg1">
+              <a:alpha val="48000"/>
+            </a:schemeClr>
+          </a:solidFill>
+          <a:ln w="31750">
+            <a:solidFill>
+              <a:schemeClr val="bg1">
+                <a:lumMod val="50000"/>
+              </a:schemeClr>
+            </a:solidFill>
+          </a:ln>
+        </p:spPr>
+        <p:style>
+          <a:lnRef idx="2">
+            <a:schemeClr val="accent2"/>
+          </a:lnRef>
+          <a:fillRef idx="1">
+            <a:schemeClr val="lt1"/>
+          </a:fillRef>
+          <a:effectRef idx="0">
+            <a:schemeClr val="accent2"/>
+          </a:effectRef>
+          <a:fontRef idx="minor">
+            <a:schemeClr val="dk1"/>
+          </a:fontRef>
+        </p:style>
+        <p:txBody>
+          <a:bodyPr rtlCol="0" anchor="ctr"/>
+          <a:lstStyle/>
+          <a:p>
+            <a:pPr algn="ctr"/>
+            <a:endParaRPr lang="en-US"/>
+          </a:p>
+        </p:txBody>
+      </p:sp>
+    </p:spTree>
+    <p:extLst>
+      <p:ext uri="{BB962C8B-B14F-4D97-AF65-F5344CB8AC3E}">
+        <p14:creationId xmlns:p14="http://schemas.microsoft.com/office/powerpoint/2010/main" val="3886587767"/>
       </p:ext>
     </p:extLst>
   </p:cSld>

--- a/plan/road gen plan.pptx
+++ b/plan/road gen plan.pptx
@@ -15,6 +15,7 @@
     <p:sldId id="263" r:id="rId9"/>
     <p:sldId id="264" r:id="rId10"/>
     <p:sldId id="265" r:id="rId11"/>
+    <p:sldId id="266" r:id="rId12"/>
   </p:sldIdLst>
   <p:sldSz cx="12192000" cy="6858000"/>
   <p:notesSz cx="6858000" cy="9144000"/>
@@ -268,7 +269,7 @@
           <a:p>
             <a:fld id="{D1B78991-D8FC-4616-A991-E51E17600797}" type="datetimeFigureOut">
               <a:rPr lang="en-US" smtClean="0"/>
-              <a:t>4/30/2021</a:t>
+              <a:t>5/4/2021</a:t>
             </a:fld>
             <a:endParaRPr lang="en-US"/>
           </a:p>
@@ -466,7 +467,7 @@
           <a:p>
             <a:fld id="{D1B78991-D8FC-4616-A991-E51E17600797}" type="datetimeFigureOut">
               <a:rPr lang="en-US" smtClean="0"/>
-              <a:t>4/30/2021</a:t>
+              <a:t>5/4/2021</a:t>
             </a:fld>
             <a:endParaRPr lang="en-US"/>
           </a:p>
@@ -674,7 +675,7 @@
           <a:p>
             <a:fld id="{D1B78991-D8FC-4616-A991-E51E17600797}" type="datetimeFigureOut">
               <a:rPr lang="en-US" smtClean="0"/>
-              <a:t>4/30/2021</a:t>
+              <a:t>5/4/2021</a:t>
             </a:fld>
             <a:endParaRPr lang="en-US"/>
           </a:p>
@@ -872,7 +873,7 @@
           <a:p>
             <a:fld id="{D1B78991-D8FC-4616-A991-E51E17600797}" type="datetimeFigureOut">
               <a:rPr lang="en-US" smtClean="0"/>
-              <a:t>4/30/2021</a:t>
+              <a:t>5/4/2021</a:t>
             </a:fld>
             <a:endParaRPr lang="en-US"/>
           </a:p>
@@ -1147,7 +1148,7 @@
           <a:p>
             <a:fld id="{D1B78991-D8FC-4616-A991-E51E17600797}" type="datetimeFigureOut">
               <a:rPr lang="en-US" smtClean="0"/>
-              <a:t>4/30/2021</a:t>
+              <a:t>5/4/2021</a:t>
             </a:fld>
             <a:endParaRPr lang="en-US"/>
           </a:p>
@@ -1412,7 +1413,7 @@
           <a:p>
             <a:fld id="{D1B78991-D8FC-4616-A991-E51E17600797}" type="datetimeFigureOut">
               <a:rPr lang="en-US" smtClean="0"/>
-              <a:t>4/30/2021</a:t>
+              <a:t>5/4/2021</a:t>
             </a:fld>
             <a:endParaRPr lang="en-US"/>
           </a:p>
@@ -1824,7 +1825,7 @@
           <a:p>
             <a:fld id="{D1B78991-D8FC-4616-A991-E51E17600797}" type="datetimeFigureOut">
               <a:rPr lang="en-US" smtClean="0"/>
-              <a:t>4/30/2021</a:t>
+              <a:t>5/4/2021</a:t>
             </a:fld>
             <a:endParaRPr lang="en-US"/>
           </a:p>
@@ -1965,7 +1966,7 @@
           <a:p>
             <a:fld id="{D1B78991-D8FC-4616-A991-E51E17600797}" type="datetimeFigureOut">
               <a:rPr lang="en-US" smtClean="0"/>
-              <a:t>4/30/2021</a:t>
+              <a:t>5/4/2021</a:t>
             </a:fld>
             <a:endParaRPr lang="en-US"/>
           </a:p>
@@ -2078,7 +2079,7 @@
           <a:p>
             <a:fld id="{D1B78991-D8FC-4616-A991-E51E17600797}" type="datetimeFigureOut">
               <a:rPr lang="en-US" smtClean="0"/>
-              <a:t>4/30/2021</a:t>
+              <a:t>5/4/2021</a:t>
             </a:fld>
             <a:endParaRPr lang="en-US"/>
           </a:p>
@@ -2389,7 +2390,7 @@
           <a:p>
             <a:fld id="{D1B78991-D8FC-4616-A991-E51E17600797}" type="datetimeFigureOut">
               <a:rPr lang="en-US" smtClean="0"/>
-              <a:t>4/30/2021</a:t>
+              <a:t>5/4/2021</a:t>
             </a:fld>
             <a:endParaRPr lang="en-US"/>
           </a:p>
@@ -2677,7 +2678,7 @@
           <a:p>
             <a:fld id="{D1B78991-D8FC-4616-A991-E51E17600797}" type="datetimeFigureOut">
               <a:rPr lang="en-US" smtClean="0"/>
-              <a:t>4/30/2021</a:t>
+              <a:t>5/4/2021</a:t>
             </a:fld>
             <a:endParaRPr lang="en-US"/>
           </a:p>
@@ -2918,7 +2919,7 @@
           <a:p>
             <a:fld id="{D1B78991-D8FC-4616-A991-E51E17600797}" type="datetimeFigureOut">
               <a:rPr lang="en-US" smtClean="0"/>
-              <a:t>4/30/2021</a:t>
+              <a:t>5/4/2021</a:t>
             </a:fld>
             <a:endParaRPr lang="en-US"/>
           </a:p>
@@ -6529,6 +6530,1020 @@
     <p:extLst>
       <p:ext uri="{BB962C8B-B14F-4D97-AF65-F5344CB8AC3E}">
         <p14:creationId xmlns:p14="http://schemas.microsoft.com/office/powerpoint/2010/main" val="3886587767"/>
+      </p:ext>
+    </p:extLst>
+  </p:cSld>
+  <p:clrMapOvr>
+    <a:masterClrMapping/>
+  </p:clrMapOvr>
+</p:sld>
+</file>
+
+<file path=ppt/slides/slide11.xml><?xml version="1.0" encoding="utf-8"?>
+<p:sld xmlns:a="http://schemas.openxmlformats.org/drawingml/2006/main" xmlns:r="http://schemas.openxmlformats.org/officeDocument/2006/relationships" xmlns:p="http://schemas.openxmlformats.org/presentationml/2006/main">
+  <p:cSld>
+    <p:spTree>
+      <p:nvGrpSpPr>
+        <p:cNvPr id="1" name=""/>
+        <p:cNvGrpSpPr/>
+        <p:nvPr/>
+      </p:nvGrpSpPr>
+      <p:grpSpPr>
+        <a:xfrm>
+          <a:off x="0" y="0"/>
+          <a:ext cx="0" cy="0"/>
+          <a:chOff x="0" y="0"/>
+          <a:chExt cx="0" cy="0"/>
+        </a:xfrm>
+      </p:grpSpPr>
+      <p:graphicFrame>
+        <p:nvGraphicFramePr>
+          <p:cNvPr id="8" name="Table 7">
+            <a:extLst>
+              <a:ext uri="{FF2B5EF4-FFF2-40B4-BE49-F238E27FC236}">
+                <a16:creationId xmlns:a16="http://schemas.microsoft.com/office/drawing/2014/main" id="{D8AE17EF-41F9-4FCA-A3E4-EBC9333B2E7D}"/>
+              </a:ext>
+            </a:extLst>
+          </p:cNvPr>
+          <p:cNvGraphicFramePr>
+            <a:graphicFrameLocks noGrp="1"/>
+          </p:cNvGraphicFramePr>
+          <p:nvPr>
+            <p:extLst>
+              <p:ext uri="{D42A27DB-BD31-4B8C-83A1-F6EECF244321}">
+                <p14:modId xmlns:p14="http://schemas.microsoft.com/office/powerpoint/2010/main" val="3910252228"/>
+              </p:ext>
+            </p:extLst>
+          </p:nvPr>
+        </p:nvGraphicFramePr>
+        <p:xfrm>
+          <a:off x="2032000" y="719665"/>
+          <a:ext cx="2897808" cy="4639516"/>
+        </p:xfrm>
+        <a:graphic>
+          <a:graphicData uri="http://schemas.openxmlformats.org/drawingml/2006/table">
+            <a:tbl>
+              <a:tblPr firstRow="1" bandRow="1">
+                <a:tableStyleId>{5C22544A-7EE6-4342-B048-85BDC9FD1C3A}</a:tableStyleId>
+              </a:tblPr>
+              <a:tblGrid>
+                <a:gridCol w="724452">
+                  <a:extLst>
+                    <a:ext uri="{9D8B030D-6E8A-4147-A177-3AD203B41FA5}">
+                      <a16:colId xmlns:a16="http://schemas.microsoft.com/office/drawing/2014/main" val="4247390610"/>
+                    </a:ext>
+                  </a:extLst>
+                </a:gridCol>
+                <a:gridCol w="724452">
+                  <a:extLst>
+                    <a:ext uri="{9D8B030D-6E8A-4147-A177-3AD203B41FA5}">
+                      <a16:colId xmlns:a16="http://schemas.microsoft.com/office/drawing/2014/main" val="2226899967"/>
+                    </a:ext>
+                  </a:extLst>
+                </a:gridCol>
+                <a:gridCol w="724452">
+                  <a:extLst>
+                    <a:ext uri="{9D8B030D-6E8A-4147-A177-3AD203B41FA5}">
+                      <a16:colId xmlns:a16="http://schemas.microsoft.com/office/drawing/2014/main" val="4292240374"/>
+                    </a:ext>
+                  </a:extLst>
+                </a:gridCol>
+                <a:gridCol w="724452">
+                  <a:extLst>
+                    <a:ext uri="{9D8B030D-6E8A-4147-A177-3AD203B41FA5}">
+                      <a16:colId xmlns:a16="http://schemas.microsoft.com/office/drawing/2014/main" val="3427784203"/>
+                    </a:ext>
+                  </a:extLst>
+                </a:gridCol>
+              </a:tblGrid>
+              <a:tr h="662788">
+                <a:tc>
+                  <a:txBody>
+                    <a:bodyPr/>
+                    <a:lstStyle/>
+                    <a:p>
+                      <a:endParaRPr lang="en-US" dirty="0"/>
+                    </a:p>
+                  </a:txBody>
+                  <a:tcPr/>
+                </a:tc>
+                <a:tc>
+                  <a:txBody>
+                    <a:bodyPr/>
+                    <a:lstStyle/>
+                    <a:p>
+                      <a:endParaRPr lang="en-US"/>
+                    </a:p>
+                  </a:txBody>
+                  <a:tcPr/>
+                </a:tc>
+                <a:tc>
+                  <a:txBody>
+                    <a:bodyPr/>
+                    <a:lstStyle/>
+                    <a:p>
+                      <a:endParaRPr lang="en-US"/>
+                    </a:p>
+                  </a:txBody>
+                  <a:tcPr/>
+                </a:tc>
+                <a:tc>
+                  <a:txBody>
+                    <a:bodyPr/>
+                    <a:lstStyle/>
+                    <a:p>
+                      <a:endParaRPr lang="en-US" dirty="0"/>
+                    </a:p>
+                  </a:txBody>
+                  <a:tcPr/>
+                </a:tc>
+                <a:extLst>
+                  <a:ext uri="{0D108BD9-81ED-4DB2-BD59-A6C34878D82A}">
+                    <a16:rowId xmlns:a16="http://schemas.microsoft.com/office/drawing/2014/main" val="3730544541"/>
+                  </a:ext>
+                </a:extLst>
+              </a:tr>
+              <a:tr h="662788">
+                <a:tc>
+                  <a:txBody>
+                    <a:bodyPr/>
+                    <a:lstStyle/>
+                    <a:p>
+                      <a:endParaRPr lang="en-US"/>
+                    </a:p>
+                  </a:txBody>
+                  <a:tcPr/>
+                </a:tc>
+                <a:tc>
+                  <a:txBody>
+                    <a:bodyPr/>
+                    <a:lstStyle/>
+                    <a:p>
+                      <a:endParaRPr lang="en-US" dirty="0"/>
+                    </a:p>
+                  </a:txBody>
+                  <a:tcPr/>
+                </a:tc>
+                <a:tc>
+                  <a:txBody>
+                    <a:bodyPr/>
+                    <a:lstStyle/>
+                    <a:p>
+                      <a:endParaRPr lang="en-US" dirty="0"/>
+                    </a:p>
+                  </a:txBody>
+                  <a:tcPr/>
+                </a:tc>
+                <a:tc>
+                  <a:txBody>
+                    <a:bodyPr/>
+                    <a:lstStyle/>
+                    <a:p>
+                      <a:endParaRPr lang="en-US" dirty="0"/>
+                    </a:p>
+                  </a:txBody>
+                  <a:tcPr/>
+                </a:tc>
+                <a:extLst>
+                  <a:ext uri="{0D108BD9-81ED-4DB2-BD59-A6C34878D82A}">
+                    <a16:rowId xmlns:a16="http://schemas.microsoft.com/office/drawing/2014/main" val="3575531507"/>
+                  </a:ext>
+                </a:extLst>
+              </a:tr>
+              <a:tr h="662788">
+                <a:tc>
+                  <a:txBody>
+                    <a:bodyPr/>
+                    <a:lstStyle/>
+                    <a:p>
+                      <a:endParaRPr lang="en-US"/>
+                    </a:p>
+                  </a:txBody>
+                  <a:tcPr/>
+                </a:tc>
+                <a:tc>
+                  <a:txBody>
+                    <a:bodyPr/>
+                    <a:lstStyle/>
+                    <a:p>
+                      <a:endParaRPr lang="en-US" dirty="0"/>
+                    </a:p>
+                  </a:txBody>
+                  <a:tcPr/>
+                </a:tc>
+                <a:tc>
+                  <a:txBody>
+                    <a:bodyPr/>
+                    <a:lstStyle/>
+                    <a:p>
+                      <a:endParaRPr lang="en-US" dirty="0"/>
+                    </a:p>
+                  </a:txBody>
+                  <a:tcPr/>
+                </a:tc>
+                <a:tc>
+                  <a:txBody>
+                    <a:bodyPr/>
+                    <a:lstStyle/>
+                    <a:p>
+                      <a:endParaRPr lang="en-US" dirty="0"/>
+                    </a:p>
+                  </a:txBody>
+                  <a:tcPr/>
+                </a:tc>
+                <a:extLst>
+                  <a:ext uri="{0D108BD9-81ED-4DB2-BD59-A6C34878D82A}">
+                    <a16:rowId xmlns:a16="http://schemas.microsoft.com/office/drawing/2014/main" val="496976955"/>
+                  </a:ext>
+                </a:extLst>
+              </a:tr>
+              <a:tr h="662788">
+                <a:tc>
+                  <a:txBody>
+                    <a:bodyPr/>
+                    <a:lstStyle/>
+                    <a:p>
+                      <a:endParaRPr lang="en-US"/>
+                    </a:p>
+                  </a:txBody>
+                  <a:tcPr/>
+                </a:tc>
+                <a:tc>
+                  <a:txBody>
+                    <a:bodyPr/>
+                    <a:lstStyle/>
+                    <a:p>
+                      <a:endParaRPr lang="en-US" dirty="0"/>
+                    </a:p>
+                  </a:txBody>
+                  <a:tcPr/>
+                </a:tc>
+                <a:tc>
+                  <a:txBody>
+                    <a:bodyPr/>
+                    <a:lstStyle/>
+                    <a:p>
+                      <a:endParaRPr lang="en-US" dirty="0"/>
+                    </a:p>
+                  </a:txBody>
+                  <a:tcPr/>
+                </a:tc>
+                <a:tc>
+                  <a:txBody>
+                    <a:bodyPr/>
+                    <a:lstStyle/>
+                    <a:p>
+                      <a:endParaRPr lang="en-US" dirty="0"/>
+                    </a:p>
+                  </a:txBody>
+                  <a:tcPr/>
+                </a:tc>
+                <a:extLst>
+                  <a:ext uri="{0D108BD9-81ED-4DB2-BD59-A6C34878D82A}">
+                    <a16:rowId xmlns:a16="http://schemas.microsoft.com/office/drawing/2014/main" val="2032670056"/>
+                  </a:ext>
+                </a:extLst>
+              </a:tr>
+              <a:tr h="662788">
+                <a:tc>
+                  <a:txBody>
+                    <a:bodyPr/>
+                    <a:lstStyle/>
+                    <a:p>
+                      <a:endParaRPr lang="en-US"/>
+                    </a:p>
+                  </a:txBody>
+                  <a:tcPr/>
+                </a:tc>
+                <a:tc>
+                  <a:txBody>
+                    <a:bodyPr/>
+                    <a:lstStyle/>
+                    <a:p>
+                      <a:endParaRPr lang="en-US" dirty="0"/>
+                    </a:p>
+                  </a:txBody>
+                  <a:tcPr/>
+                </a:tc>
+                <a:tc>
+                  <a:txBody>
+                    <a:bodyPr/>
+                    <a:lstStyle/>
+                    <a:p>
+                      <a:endParaRPr lang="en-US" dirty="0"/>
+                    </a:p>
+                  </a:txBody>
+                  <a:tcPr/>
+                </a:tc>
+                <a:tc>
+                  <a:txBody>
+                    <a:bodyPr/>
+                    <a:lstStyle/>
+                    <a:p>
+                      <a:endParaRPr lang="en-US" dirty="0"/>
+                    </a:p>
+                  </a:txBody>
+                  <a:tcPr/>
+                </a:tc>
+                <a:extLst>
+                  <a:ext uri="{0D108BD9-81ED-4DB2-BD59-A6C34878D82A}">
+                    <a16:rowId xmlns:a16="http://schemas.microsoft.com/office/drawing/2014/main" val="79082920"/>
+                  </a:ext>
+                </a:extLst>
+              </a:tr>
+              <a:tr h="662788">
+                <a:tc>
+                  <a:txBody>
+                    <a:bodyPr/>
+                    <a:lstStyle/>
+                    <a:p>
+                      <a:endParaRPr lang="en-US"/>
+                    </a:p>
+                  </a:txBody>
+                  <a:tcPr/>
+                </a:tc>
+                <a:tc>
+                  <a:txBody>
+                    <a:bodyPr/>
+                    <a:lstStyle/>
+                    <a:p>
+                      <a:endParaRPr lang="en-US" dirty="0"/>
+                    </a:p>
+                  </a:txBody>
+                  <a:tcPr/>
+                </a:tc>
+                <a:tc>
+                  <a:txBody>
+                    <a:bodyPr/>
+                    <a:lstStyle/>
+                    <a:p>
+                      <a:endParaRPr lang="en-US"/>
+                    </a:p>
+                  </a:txBody>
+                  <a:tcPr/>
+                </a:tc>
+                <a:tc>
+                  <a:txBody>
+                    <a:bodyPr/>
+                    <a:lstStyle/>
+                    <a:p>
+                      <a:endParaRPr lang="en-US"/>
+                    </a:p>
+                  </a:txBody>
+                  <a:tcPr/>
+                </a:tc>
+                <a:extLst>
+                  <a:ext uri="{0D108BD9-81ED-4DB2-BD59-A6C34878D82A}">
+                    <a16:rowId xmlns:a16="http://schemas.microsoft.com/office/drawing/2014/main" val="98530200"/>
+                  </a:ext>
+                </a:extLst>
+              </a:tr>
+              <a:tr h="662788">
+                <a:tc>
+                  <a:txBody>
+                    <a:bodyPr/>
+                    <a:lstStyle/>
+                    <a:p>
+                      <a:endParaRPr lang="en-US" dirty="0"/>
+                    </a:p>
+                  </a:txBody>
+                  <a:tcPr/>
+                </a:tc>
+                <a:tc>
+                  <a:txBody>
+                    <a:bodyPr/>
+                    <a:lstStyle/>
+                    <a:p>
+                      <a:endParaRPr lang="en-US"/>
+                    </a:p>
+                  </a:txBody>
+                  <a:tcPr/>
+                </a:tc>
+                <a:tc>
+                  <a:txBody>
+                    <a:bodyPr/>
+                    <a:lstStyle/>
+                    <a:p>
+                      <a:endParaRPr lang="en-US"/>
+                    </a:p>
+                  </a:txBody>
+                  <a:tcPr/>
+                </a:tc>
+                <a:tc>
+                  <a:txBody>
+                    <a:bodyPr/>
+                    <a:lstStyle/>
+                    <a:p>
+                      <a:endParaRPr lang="en-US" dirty="0"/>
+                    </a:p>
+                  </a:txBody>
+                  <a:tcPr/>
+                </a:tc>
+                <a:extLst>
+                  <a:ext uri="{0D108BD9-81ED-4DB2-BD59-A6C34878D82A}">
+                    <a16:rowId xmlns:a16="http://schemas.microsoft.com/office/drawing/2014/main" val="1439673941"/>
+                  </a:ext>
+                </a:extLst>
+              </a:tr>
+            </a:tbl>
+          </a:graphicData>
+        </a:graphic>
+      </p:graphicFrame>
+      <p:grpSp>
+        <p:nvGrpSpPr>
+          <p:cNvPr id="9" name="Group 8">
+            <a:extLst>
+              <a:ext uri="{FF2B5EF4-FFF2-40B4-BE49-F238E27FC236}">
+                <a16:creationId xmlns:a16="http://schemas.microsoft.com/office/drawing/2014/main" id="{24AD59A8-0584-4B1F-8E05-70535FC15141}"/>
+              </a:ext>
+            </a:extLst>
+          </p:cNvPr>
+          <p:cNvGrpSpPr/>
+          <p:nvPr/>
+        </p:nvGrpSpPr>
+        <p:grpSpPr>
+          <a:xfrm>
+            <a:off x="3647459" y="2811029"/>
+            <a:ext cx="449249" cy="449249"/>
+            <a:chOff x="480613" y="985962"/>
+            <a:chExt cx="1241283" cy="1241283"/>
+          </a:xfrm>
+        </p:grpSpPr>
+        <p:sp>
+          <p:nvSpPr>
+            <p:cNvPr id="10" name="Rectangle 9">
+              <a:extLst>
+                <a:ext uri="{FF2B5EF4-FFF2-40B4-BE49-F238E27FC236}">
+                  <a16:creationId xmlns:a16="http://schemas.microsoft.com/office/drawing/2014/main" id="{FBB28F1E-A125-444C-BC2E-AC3D458C454E}"/>
+                </a:ext>
+              </a:extLst>
+            </p:cNvPr>
+            <p:cNvSpPr/>
+            <p:nvPr/>
+          </p:nvSpPr>
+          <p:spPr>
+            <a:xfrm>
+              <a:off x="989937" y="985962"/>
+              <a:ext cx="222637" cy="1241283"/>
+            </a:xfrm>
+            <a:prstGeom prst="rect">
+              <a:avLst/>
+            </a:prstGeom>
+          </p:spPr>
+          <p:style>
+            <a:lnRef idx="2">
+              <a:schemeClr val="accent1">
+                <a:shade val="50000"/>
+              </a:schemeClr>
+            </a:lnRef>
+            <a:fillRef idx="1">
+              <a:schemeClr val="accent1"/>
+            </a:fillRef>
+            <a:effectRef idx="0">
+              <a:schemeClr val="accent1"/>
+            </a:effectRef>
+            <a:fontRef idx="minor">
+              <a:schemeClr val="lt1"/>
+            </a:fontRef>
+          </p:style>
+          <p:txBody>
+            <a:bodyPr rtlCol="0" anchor="ctr"/>
+            <a:lstStyle/>
+            <a:p>
+              <a:pPr algn="ctr"/>
+              <a:endParaRPr lang="en-US"/>
+            </a:p>
+          </p:txBody>
+        </p:sp>
+        <p:sp>
+          <p:nvSpPr>
+            <p:cNvPr id="11" name="Rectangle 10">
+              <a:extLst>
+                <a:ext uri="{FF2B5EF4-FFF2-40B4-BE49-F238E27FC236}">
+                  <a16:creationId xmlns:a16="http://schemas.microsoft.com/office/drawing/2014/main" id="{6CE62AA6-4D25-4DC9-914C-53A245CB01C4}"/>
+                </a:ext>
+              </a:extLst>
+            </p:cNvPr>
+            <p:cNvSpPr/>
+            <p:nvPr/>
+          </p:nvSpPr>
+          <p:spPr>
+            <a:xfrm rot="5400000">
+              <a:off x="989936" y="950181"/>
+              <a:ext cx="222637" cy="1241283"/>
+            </a:xfrm>
+            <a:prstGeom prst="rect">
+              <a:avLst/>
+            </a:prstGeom>
+          </p:spPr>
+          <p:style>
+            <a:lnRef idx="2">
+              <a:schemeClr val="accent1">
+                <a:shade val="50000"/>
+              </a:schemeClr>
+            </a:lnRef>
+            <a:fillRef idx="1">
+              <a:schemeClr val="accent1"/>
+            </a:fillRef>
+            <a:effectRef idx="0">
+              <a:schemeClr val="accent1"/>
+            </a:effectRef>
+            <a:fontRef idx="minor">
+              <a:schemeClr val="lt1"/>
+            </a:fontRef>
+          </p:style>
+          <p:txBody>
+            <a:bodyPr rtlCol="0" anchor="ctr"/>
+            <a:lstStyle/>
+            <a:p>
+              <a:pPr algn="ctr"/>
+              <a:endParaRPr lang="en-US"/>
+            </a:p>
+          </p:txBody>
+        </p:sp>
+      </p:grpSp>
+      <p:grpSp>
+        <p:nvGrpSpPr>
+          <p:cNvPr id="12" name="Group 11">
+            <a:extLst>
+              <a:ext uri="{FF2B5EF4-FFF2-40B4-BE49-F238E27FC236}">
+                <a16:creationId xmlns:a16="http://schemas.microsoft.com/office/drawing/2014/main" id="{702113C8-45F6-45B3-9F3A-5BDC6B3F3EEC}"/>
+              </a:ext>
+            </a:extLst>
+          </p:cNvPr>
+          <p:cNvGrpSpPr/>
+          <p:nvPr/>
+        </p:nvGrpSpPr>
+        <p:grpSpPr>
+          <a:xfrm>
+            <a:off x="2180774" y="2827005"/>
+            <a:ext cx="449249" cy="449249"/>
+            <a:chOff x="480613" y="985962"/>
+            <a:chExt cx="1241283" cy="1241283"/>
+          </a:xfrm>
+        </p:grpSpPr>
+        <p:sp>
+          <p:nvSpPr>
+            <p:cNvPr id="13" name="Rectangle 12">
+              <a:extLst>
+                <a:ext uri="{FF2B5EF4-FFF2-40B4-BE49-F238E27FC236}">
+                  <a16:creationId xmlns:a16="http://schemas.microsoft.com/office/drawing/2014/main" id="{16716914-008D-4E4D-A677-403E43F56DF8}"/>
+                </a:ext>
+              </a:extLst>
+            </p:cNvPr>
+            <p:cNvSpPr/>
+            <p:nvPr/>
+          </p:nvSpPr>
+          <p:spPr>
+            <a:xfrm>
+              <a:off x="989937" y="985962"/>
+              <a:ext cx="222637" cy="1241283"/>
+            </a:xfrm>
+            <a:prstGeom prst="rect">
+              <a:avLst/>
+            </a:prstGeom>
+          </p:spPr>
+          <p:style>
+            <a:lnRef idx="2">
+              <a:schemeClr val="accent1">
+                <a:shade val="50000"/>
+              </a:schemeClr>
+            </a:lnRef>
+            <a:fillRef idx="1">
+              <a:schemeClr val="accent1"/>
+            </a:fillRef>
+            <a:effectRef idx="0">
+              <a:schemeClr val="accent1"/>
+            </a:effectRef>
+            <a:fontRef idx="minor">
+              <a:schemeClr val="lt1"/>
+            </a:fontRef>
+          </p:style>
+          <p:txBody>
+            <a:bodyPr rtlCol="0" anchor="ctr"/>
+            <a:lstStyle/>
+            <a:p>
+              <a:pPr algn="ctr"/>
+              <a:endParaRPr lang="en-US"/>
+            </a:p>
+          </p:txBody>
+        </p:sp>
+        <p:sp>
+          <p:nvSpPr>
+            <p:cNvPr id="14" name="Rectangle 13">
+              <a:extLst>
+                <a:ext uri="{FF2B5EF4-FFF2-40B4-BE49-F238E27FC236}">
+                  <a16:creationId xmlns:a16="http://schemas.microsoft.com/office/drawing/2014/main" id="{B2B7DE7F-DCD3-44A0-8AAD-86DFBB338D40}"/>
+                </a:ext>
+              </a:extLst>
+            </p:cNvPr>
+            <p:cNvSpPr/>
+            <p:nvPr/>
+          </p:nvSpPr>
+          <p:spPr>
+            <a:xfrm rot="5400000">
+              <a:off x="989936" y="950181"/>
+              <a:ext cx="222637" cy="1241283"/>
+            </a:xfrm>
+            <a:prstGeom prst="rect">
+              <a:avLst/>
+            </a:prstGeom>
+          </p:spPr>
+          <p:style>
+            <a:lnRef idx="2">
+              <a:schemeClr val="accent1">
+                <a:shade val="50000"/>
+              </a:schemeClr>
+            </a:lnRef>
+            <a:fillRef idx="1">
+              <a:schemeClr val="accent1"/>
+            </a:fillRef>
+            <a:effectRef idx="0">
+              <a:schemeClr val="accent1"/>
+            </a:effectRef>
+            <a:fontRef idx="minor">
+              <a:schemeClr val="lt1"/>
+            </a:fontRef>
+          </p:style>
+          <p:txBody>
+            <a:bodyPr rtlCol="0" anchor="ctr"/>
+            <a:lstStyle/>
+            <a:p>
+              <a:pPr algn="ctr"/>
+              <a:endParaRPr lang="en-US"/>
+            </a:p>
+          </p:txBody>
+        </p:sp>
+      </p:grpSp>
+      <p:grpSp>
+        <p:nvGrpSpPr>
+          <p:cNvPr id="15" name="Group 14">
+            <a:extLst>
+              <a:ext uri="{FF2B5EF4-FFF2-40B4-BE49-F238E27FC236}">
+                <a16:creationId xmlns:a16="http://schemas.microsoft.com/office/drawing/2014/main" id="{ED36C3C0-E09C-4436-8273-A3F00EECE88B}"/>
+              </a:ext>
+            </a:extLst>
+          </p:cNvPr>
+          <p:cNvGrpSpPr/>
+          <p:nvPr/>
+        </p:nvGrpSpPr>
+        <p:grpSpPr>
+          <a:xfrm>
+            <a:off x="2875189" y="2823980"/>
+            <a:ext cx="449249" cy="449249"/>
+            <a:chOff x="480613" y="985962"/>
+            <a:chExt cx="1241283" cy="1241283"/>
+          </a:xfrm>
+        </p:grpSpPr>
+        <p:sp>
+          <p:nvSpPr>
+            <p:cNvPr id="16" name="Rectangle 15">
+              <a:extLst>
+                <a:ext uri="{FF2B5EF4-FFF2-40B4-BE49-F238E27FC236}">
+                  <a16:creationId xmlns:a16="http://schemas.microsoft.com/office/drawing/2014/main" id="{EE47EA28-8459-4698-BC39-8CED9CF3B255}"/>
+                </a:ext>
+              </a:extLst>
+            </p:cNvPr>
+            <p:cNvSpPr/>
+            <p:nvPr/>
+          </p:nvSpPr>
+          <p:spPr>
+            <a:xfrm>
+              <a:off x="989937" y="985962"/>
+              <a:ext cx="222637" cy="1241283"/>
+            </a:xfrm>
+            <a:prstGeom prst="rect">
+              <a:avLst/>
+            </a:prstGeom>
+          </p:spPr>
+          <p:style>
+            <a:lnRef idx="2">
+              <a:schemeClr val="accent1">
+                <a:shade val="50000"/>
+              </a:schemeClr>
+            </a:lnRef>
+            <a:fillRef idx="1">
+              <a:schemeClr val="accent1"/>
+            </a:fillRef>
+            <a:effectRef idx="0">
+              <a:schemeClr val="accent1"/>
+            </a:effectRef>
+            <a:fontRef idx="minor">
+              <a:schemeClr val="lt1"/>
+            </a:fontRef>
+          </p:style>
+          <p:txBody>
+            <a:bodyPr rtlCol="0" anchor="ctr"/>
+            <a:lstStyle/>
+            <a:p>
+              <a:pPr algn="ctr"/>
+              <a:endParaRPr lang="en-US"/>
+            </a:p>
+          </p:txBody>
+        </p:sp>
+        <p:sp>
+          <p:nvSpPr>
+            <p:cNvPr id="17" name="Rectangle 16">
+              <a:extLst>
+                <a:ext uri="{FF2B5EF4-FFF2-40B4-BE49-F238E27FC236}">
+                  <a16:creationId xmlns:a16="http://schemas.microsoft.com/office/drawing/2014/main" id="{9EA24543-0B57-4D7D-BFD7-325EE6516E85}"/>
+                </a:ext>
+              </a:extLst>
+            </p:cNvPr>
+            <p:cNvSpPr/>
+            <p:nvPr/>
+          </p:nvSpPr>
+          <p:spPr>
+            <a:xfrm rot="5400000">
+              <a:off x="989936" y="950181"/>
+              <a:ext cx="222637" cy="1241283"/>
+            </a:xfrm>
+            <a:prstGeom prst="rect">
+              <a:avLst/>
+            </a:prstGeom>
+          </p:spPr>
+          <p:style>
+            <a:lnRef idx="2">
+              <a:schemeClr val="accent1">
+                <a:shade val="50000"/>
+              </a:schemeClr>
+            </a:lnRef>
+            <a:fillRef idx="1">
+              <a:schemeClr val="accent1"/>
+            </a:fillRef>
+            <a:effectRef idx="0">
+              <a:schemeClr val="accent1"/>
+            </a:effectRef>
+            <a:fontRef idx="minor">
+              <a:schemeClr val="lt1"/>
+            </a:fontRef>
+          </p:style>
+          <p:txBody>
+            <a:bodyPr rtlCol="0" anchor="ctr"/>
+            <a:lstStyle/>
+            <a:p>
+              <a:pPr algn="ctr"/>
+              <a:endParaRPr lang="en-US"/>
+            </a:p>
+          </p:txBody>
+        </p:sp>
+      </p:grpSp>
+      <p:grpSp>
+        <p:nvGrpSpPr>
+          <p:cNvPr id="18" name="Group 17">
+            <a:extLst>
+              <a:ext uri="{FF2B5EF4-FFF2-40B4-BE49-F238E27FC236}">
+                <a16:creationId xmlns:a16="http://schemas.microsoft.com/office/drawing/2014/main" id="{D5F6BAB4-9CD3-4B0B-93B7-FE87E4E334F9}"/>
+              </a:ext>
+            </a:extLst>
+          </p:cNvPr>
+          <p:cNvGrpSpPr/>
+          <p:nvPr/>
+        </p:nvGrpSpPr>
+        <p:grpSpPr>
+          <a:xfrm>
+            <a:off x="2875188" y="2132591"/>
+            <a:ext cx="449249" cy="449249"/>
+            <a:chOff x="480613" y="985962"/>
+            <a:chExt cx="1241283" cy="1241283"/>
+          </a:xfrm>
+        </p:grpSpPr>
+        <p:sp>
+          <p:nvSpPr>
+            <p:cNvPr id="19" name="Rectangle 18">
+              <a:extLst>
+                <a:ext uri="{FF2B5EF4-FFF2-40B4-BE49-F238E27FC236}">
+                  <a16:creationId xmlns:a16="http://schemas.microsoft.com/office/drawing/2014/main" id="{D635F2DA-A80F-4D7A-8FD7-65D79D9B6229}"/>
+                </a:ext>
+              </a:extLst>
+            </p:cNvPr>
+            <p:cNvSpPr/>
+            <p:nvPr/>
+          </p:nvSpPr>
+          <p:spPr>
+            <a:xfrm>
+              <a:off x="989937" y="985962"/>
+              <a:ext cx="222637" cy="1241283"/>
+            </a:xfrm>
+            <a:prstGeom prst="rect">
+              <a:avLst/>
+            </a:prstGeom>
+          </p:spPr>
+          <p:style>
+            <a:lnRef idx="2">
+              <a:schemeClr val="accent1">
+                <a:shade val="50000"/>
+              </a:schemeClr>
+            </a:lnRef>
+            <a:fillRef idx="1">
+              <a:schemeClr val="accent1"/>
+            </a:fillRef>
+            <a:effectRef idx="0">
+              <a:schemeClr val="accent1"/>
+            </a:effectRef>
+            <a:fontRef idx="minor">
+              <a:schemeClr val="lt1"/>
+            </a:fontRef>
+          </p:style>
+          <p:txBody>
+            <a:bodyPr rtlCol="0" anchor="ctr"/>
+            <a:lstStyle/>
+            <a:p>
+              <a:pPr algn="ctr"/>
+              <a:endParaRPr lang="en-US"/>
+            </a:p>
+          </p:txBody>
+        </p:sp>
+        <p:sp>
+          <p:nvSpPr>
+            <p:cNvPr id="20" name="Rectangle 19">
+              <a:extLst>
+                <a:ext uri="{FF2B5EF4-FFF2-40B4-BE49-F238E27FC236}">
+                  <a16:creationId xmlns:a16="http://schemas.microsoft.com/office/drawing/2014/main" id="{9D25F5D7-E4F2-4F77-AC66-5F5DBAF9458F}"/>
+                </a:ext>
+              </a:extLst>
+            </p:cNvPr>
+            <p:cNvSpPr/>
+            <p:nvPr/>
+          </p:nvSpPr>
+          <p:spPr>
+            <a:xfrm rot="5400000">
+              <a:off x="989936" y="950181"/>
+              <a:ext cx="222637" cy="1241283"/>
+            </a:xfrm>
+            <a:prstGeom prst="rect">
+              <a:avLst/>
+            </a:prstGeom>
+          </p:spPr>
+          <p:style>
+            <a:lnRef idx="2">
+              <a:schemeClr val="accent1">
+                <a:shade val="50000"/>
+              </a:schemeClr>
+            </a:lnRef>
+            <a:fillRef idx="1">
+              <a:schemeClr val="accent1"/>
+            </a:fillRef>
+            <a:effectRef idx="0">
+              <a:schemeClr val="accent1"/>
+            </a:effectRef>
+            <a:fontRef idx="minor">
+              <a:schemeClr val="lt1"/>
+            </a:fontRef>
+          </p:style>
+          <p:txBody>
+            <a:bodyPr rtlCol="0" anchor="ctr"/>
+            <a:lstStyle/>
+            <a:p>
+              <a:pPr algn="ctr"/>
+              <a:endParaRPr lang="en-US"/>
+            </a:p>
+          </p:txBody>
+        </p:sp>
+      </p:grpSp>
+      <p:cxnSp>
+        <p:nvCxnSpPr>
+          <p:cNvPr id="26" name="Straight Connector 25">
+            <a:extLst>
+              <a:ext uri="{FF2B5EF4-FFF2-40B4-BE49-F238E27FC236}">
+                <a16:creationId xmlns:a16="http://schemas.microsoft.com/office/drawing/2014/main" id="{BA421ED8-895A-4204-B97C-E1DB845D8A48}"/>
+              </a:ext>
+            </a:extLst>
+          </p:cNvPr>
+          <p:cNvCxnSpPr/>
+          <p:nvPr/>
+        </p:nvCxnSpPr>
+        <p:spPr>
+          <a:xfrm flipV="1">
+            <a:off x="5957332" y="1057524"/>
+            <a:ext cx="2389367" cy="2407257"/>
+          </a:xfrm>
+          <a:prstGeom prst="line">
+            <a:avLst/>
+          </a:prstGeom>
+        </p:spPr>
+        <p:style>
+          <a:lnRef idx="1">
+            <a:schemeClr val="accent1"/>
+          </a:lnRef>
+          <a:fillRef idx="0">
+            <a:schemeClr val="accent1"/>
+          </a:fillRef>
+          <a:effectRef idx="0">
+            <a:schemeClr val="accent1"/>
+          </a:effectRef>
+          <a:fontRef idx="minor">
+            <a:schemeClr val="tx1"/>
+          </a:fontRef>
+        </p:style>
+      </p:cxnSp>
+      <p:sp>
+        <p:nvSpPr>
+          <p:cNvPr id="27" name="Rectangle 26">
+            <a:extLst>
+              <a:ext uri="{FF2B5EF4-FFF2-40B4-BE49-F238E27FC236}">
+                <a16:creationId xmlns:a16="http://schemas.microsoft.com/office/drawing/2014/main" id="{227C1E72-9D72-4297-AFCB-9DA9DF30C8E4}"/>
+              </a:ext>
+            </a:extLst>
+          </p:cNvPr>
+          <p:cNvSpPr/>
+          <p:nvPr/>
+        </p:nvSpPr>
+        <p:spPr>
+          <a:xfrm>
+            <a:off x="6315916" y="2445268"/>
+            <a:ext cx="4870174" cy="1180769"/>
+          </a:xfrm>
+          <a:prstGeom prst="rect">
+            <a:avLst/>
+          </a:prstGeom>
+        </p:spPr>
+        <p:style>
+          <a:lnRef idx="2">
+            <a:schemeClr val="accent1">
+              <a:shade val="50000"/>
+            </a:schemeClr>
+          </a:lnRef>
+          <a:fillRef idx="1">
+            <a:schemeClr val="accent1"/>
+          </a:fillRef>
+          <a:effectRef idx="0">
+            <a:schemeClr val="accent1"/>
+          </a:effectRef>
+          <a:fontRef idx="minor">
+            <a:schemeClr val="lt1"/>
+          </a:fontRef>
+        </p:style>
+        <p:txBody>
+          <a:bodyPr rtlCol="0" anchor="ctr"/>
+          <a:lstStyle/>
+          <a:p>
+            <a:pPr algn="ctr"/>
+            <a:r>
+              <a:rPr lang="en-US" dirty="0"/>
+              <a:t>Logical quadrants for incident roads. </a:t>
+            </a:r>
+          </a:p>
+        </p:txBody>
+      </p:sp>
+      <p:sp>
+        <p:nvSpPr>
+          <p:cNvPr id="28" name="Rectangle 27">
+            <a:extLst>
+              <a:ext uri="{FF2B5EF4-FFF2-40B4-BE49-F238E27FC236}">
+                <a16:creationId xmlns:a16="http://schemas.microsoft.com/office/drawing/2014/main" id="{249A8294-F098-491C-A9FA-045AB69712CE}"/>
+              </a:ext>
+            </a:extLst>
+          </p:cNvPr>
+          <p:cNvSpPr/>
+          <p:nvPr/>
+        </p:nvSpPr>
+        <p:spPr>
+          <a:xfrm>
+            <a:off x="6315916" y="4178412"/>
+            <a:ext cx="4870174" cy="1180769"/>
+          </a:xfrm>
+          <a:prstGeom prst="rect">
+            <a:avLst/>
+          </a:prstGeom>
+        </p:spPr>
+        <p:style>
+          <a:lnRef idx="2">
+            <a:schemeClr val="accent1">
+              <a:shade val="50000"/>
+            </a:schemeClr>
+          </a:lnRef>
+          <a:fillRef idx="1">
+            <a:schemeClr val="accent1"/>
+          </a:fillRef>
+          <a:effectRef idx="0">
+            <a:schemeClr val="accent1"/>
+          </a:effectRef>
+          <a:fontRef idx="minor">
+            <a:schemeClr val="lt1"/>
+          </a:fontRef>
+        </p:style>
+        <p:txBody>
+          <a:bodyPr rtlCol="0" anchor="ctr"/>
+          <a:lstStyle/>
+          <a:p>
+            <a:pPr algn="ctr"/>
+            <a:r>
+              <a:rPr lang="en-US" dirty="0"/>
+              <a:t>Should we keep the rotation as a constraint problem? We can allow an intersection to be rotated to fit into </a:t>
+            </a:r>
+            <a:r>
+              <a:rPr lang="en-US"/>
+              <a:t>a cell.</a:t>
+            </a:r>
+            <a:endParaRPr lang="en-US" dirty="0"/>
+          </a:p>
+        </p:txBody>
+      </p:sp>
+    </p:spTree>
+    <p:extLst>
+      <p:ext uri="{BB962C8B-B14F-4D97-AF65-F5344CB8AC3E}">
+        <p14:creationId xmlns:p14="http://schemas.microsoft.com/office/powerpoint/2010/main" val="3246010809"/>
       </p:ext>
     </p:extLst>
   </p:cSld>
@@ -13917,7 +14932,7 @@
         </p:nvGrpSpPr>
         <p:grpSpPr>
           <a:xfrm>
-            <a:off x="1456744" y="2018490"/>
+            <a:off x="802826" y="1958246"/>
             <a:ext cx="508362" cy="508362"/>
             <a:chOff x="480613" y="985962"/>
             <a:chExt cx="1241283" cy="1241283"/>
@@ -14033,9 +15048,9 @@
           <p:nvPr/>
         </p:nvCxnSpPr>
         <p:spPr>
-          <a:xfrm flipH="1">
-            <a:off x="1965106" y="2251160"/>
-            <a:ext cx="797914" cy="6857"/>
+          <a:xfrm flipH="1" flipV="1">
+            <a:off x="1311188" y="2197773"/>
+            <a:ext cx="1451832" cy="53387"/>
           </a:xfrm>
           <a:prstGeom prst="line">
             <a:avLst/>
@@ -15627,13 +16642,8 @@
             </a:pPr>
             <a:r>
               <a:rPr lang="en-US" dirty="0"/>
-              <a:t>Or just boxes for a layout. Then place intersections, rotate and try to connect to closest intersection without overlaps. But that’s </a:t>
+              <a:t>Or just boxes for a layout. Then place intersections, rotate and try to connect to closest intersection without overlaps. But that’s another constraint</a:t>
             </a:r>
-            <a:r>
-              <a:rPr lang="en-US"/>
-              <a:t>another constraint</a:t>
-            </a:r>
-            <a:endParaRPr lang="en-US" dirty="0"/>
           </a:p>
         </p:txBody>
       </p:sp>

--- a/plan/road gen plan.pptx
+++ b/plan/road gen plan.pptx
@@ -16,6 +16,12 @@
     <p:sldId id="264" r:id="rId10"/>
     <p:sldId id="265" r:id="rId11"/>
     <p:sldId id="266" r:id="rId12"/>
+    <p:sldId id="267" r:id="rId13"/>
+    <p:sldId id="271" r:id="rId14"/>
+    <p:sldId id="272" r:id="rId15"/>
+    <p:sldId id="269" r:id="rId16"/>
+    <p:sldId id="268" r:id="rId17"/>
+    <p:sldId id="270" r:id="rId18"/>
   </p:sldIdLst>
   <p:sldSz cx="12192000" cy="6858000"/>
   <p:notesSz cx="6858000" cy="9144000"/>
@@ -269,7 +275,7 @@
           <a:p>
             <a:fld id="{D1B78991-D8FC-4616-A991-E51E17600797}" type="datetimeFigureOut">
               <a:rPr lang="en-US" smtClean="0"/>
-              <a:t>5/4/2021</a:t>
+              <a:t>5/12/2021</a:t>
             </a:fld>
             <a:endParaRPr lang="en-US"/>
           </a:p>
@@ -467,7 +473,7 @@
           <a:p>
             <a:fld id="{D1B78991-D8FC-4616-A991-E51E17600797}" type="datetimeFigureOut">
               <a:rPr lang="en-US" smtClean="0"/>
-              <a:t>5/4/2021</a:t>
+              <a:t>5/12/2021</a:t>
             </a:fld>
             <a:endParaRPr lang="en-US"/>
           </a:p>
@@ -675,7 +681,7 @@
           <a:p>
             <a:fld id="{D1B78991-D8FC-4616-A991-E51E17600797}" type="datetimeFigureOut">
               <a:rPr lang="en-US" smtClean="0"/>
-              <a:t>5/4/2021</a:t>
+              <a:t>5/12/2021</a:t>
             </a:fld>
             <a:endParaRPr lang="en-US"/>
           </a:p>
@@ -873,7 +879,7 @@
           <a:p>
             <a:fld id="{D1B78991-D8FC-4616-A991-E51E17600797}" type="datetimeFigureOut">
               <a:rPr lang="en-US" smtClean="0"/>
-              <a:t>5/4/2021</a:t>
+              <a:t>5/12/2021</a:t>
             </a:fld>
             <a:endParaRPr lang="en-US"/>
           </a:p>
@@ -1148,7 +1154,7 @@
           <a:p>
             <a:fld id="{D1B78991-D8FC-4616-A991-E51E17600797}" type="datetimeFigureOut">
               <a:rPr lang="en-US" smtClean="0"/>
-              <a:t>5/4/2021</a:t>
+              <a:t>5/12/2021</a:t>
             </a:fld>
             <a:endParaRPr lang="en-US"/>
           </a:p>
@@ -1413,7 +1419,7 @@
           <a:p>
             <a:fld id="{D1B78991-D8FC-4616-A991-E51E17600797}" type="datetimeFigureOut">
               <a:rPr lang="en-US" smtClean="0"/>
-              <a:t>5/4/2021</a:t>
+              <a:t>5/12/2021</a:t>
             </a:fld>
             <a:endParaRPr lang="en-US"/>
           </a:p>
@@ -1825,7 +1831,7 @@
           <a:p>
             <a:fld id="{D1B78991-D8FC-4616-A991-E51E17600797}" type="datetimeFigureOut">
               <a:rPr lang="en-US" smtClean="0"/>
-              <a:t>5/4/2021</a:t>
+              <a:t>5/12/2021</a:t>
             </a:fld>
             <a:endParaRPr lang="en-US"/>
           </a:p>
@@ -1966,7 +1972,7 @@
           <a:p>
             <a:fld id="{D1B78991-D8FC-4616-A991-E51E17600797}" type="datetimeFigureOut">
               <a:rPr lang="en-US" smtClean="0"/>
-              <a:t>5/4/2021</a:t>
+              <a:t>5/12/2021</a:t>
             </a:fld>
             <a:endParaRPr lang="en-US"/>
           </a:p>
@@ -2079,7 +2085,7 @@
           <a:p>
             <a:fld id="{D1B78991-D8FC-4616-A991-E51E17600797}" type="datetimeFigureOut">
               <a:rPr lang="en-US" smtClean="0"/>
-              <a:t>5/4/2021</a:t>
+              <a:t>5/12/2021</a:t>
             </a:fld>
             <a:endParaRPr lang="en-US"/>
           </a:p>
@@ -2390,7 +2396,7 @@
           <a:p>
             <a:fld id="{D1B78991-D8FC-4616-A991-E51E17600797}" type="datetimeFigureOut">
               <a:rPr lang="en-US" smtClean="0"/>
-              <a:t>5/4/2021</a:t>
+              <a:t>5/12/2021</a:t>
             </a:fld>
             <a:endParaRPr lang="en-US"/>
           </a:p>
@@ -2678,7 +2684,7 @@
           <a:p>
             <a:fld id="{D1B78991-D8FC-4616-A991-E51E17600797}" type="datetimeFigureOut">
               <a:rPr lang="en-US" smtClean="0"/>
-              <a:t>5/4/2021</a:t>
+              <a:t>5/12/2021</a:t>
             </a:fld>
             <a:endParaRPr lang="en-US"/>
           </a:p>
@@ -2919,7 +2925,7 @@
           <a:p>
             <a:fld id="{D1B78991-D8FC-4616-A991-E51E17600797}" type="datetimeFigureOut">
               <a:rPr lang="en-US" smtClean="0"/>
-              <a:t>5/4/2021</a:t>
+              <a:t>5/12/2021</a:t>
             </a:fld>
             <a:endParaRPr lang="en-US"/>
           </a:p>
@@ -7544,6 +7550,7124 @@
     <p:extLst>
       <p:ext uri="{BB962C8B-B14F-4D97-AF65-F5344CB8AC3E}">
         <p14:creationId xmlns:p14="http://schemas.microsoft.com/office/powerpoint/2010/main" val="3246010809"/>
+      </p:ext>
+    </p:extLst>
+  </p:cSld>
+  <p:clrMapOvr>
+    <a:masterClrMapping/>
+  </p:clrMapOvr>
+</p:sld>
+</file>
+
+<file path=ppt/slides/slide12.xml><?xml version="1.0" encoding="utf-8"?>
+<p:sld xmlns:a="http://schemas.openxmlformats.org/drawingml/2006/main" xmlns:r="http://schemas.openxmlformats.org/officeDocument/2006/relationships" xmlns:p="http://schemas.openxmlformats.org/presentationml/2006/main">
+  <p:cSld>
+    <p:spTree>
+      <p:nvGrpSpPr>
+        <p:cNvPr id="1" name=""/>
+        <p:cNvGrpSpPr/>
+        <p:nvPr/>
+      </p:nvGrpSpPr>
+      <p:grpSpPr>
+        <a:xfrm>
+          <a:off x="0" y="0"/>
+          <a:ext cx="0" cy="0"/>
+          <a:chOff x="0" y="0"/>
+          <a:chExt cx="0" cy="0"/>
+        </a:xfrm>
+      </p:grpSpPr>
+      <p:grpSp>
+        <p:nvGrpSpPr>
+          <p:cNvPr id="30" name="Group 29">
+            <a:extLst>
+              <a:ext uri="{FF2B5EF4-FFF2-40B4-BE49-F238E27FC236}">
+                <a16:creationId xmlns:a16="http://schemas.microsoft.com/office/drawing/2014/main" id="{376A1AF5-7DE3-49AD-80A0-19DA0FA6B419}"/>
+              </a:ext>
+            </a:extLst>
+          </p:cNvPr>
+          <p:cNvGrpSpPr/>
+          <p:nvPr/>
+        </p:nvGrpSpPr>
+        <p:grpSpPr>
+          <a:xfrm>
+            <a:off x="591831" y="735044"/>
+            <a:ext cx="4373794" cy="3177073"/>
+            <a:chOff x="1156995" y="1973424"/>
+            <a:chExt cx="4373794" cy="3177073"/>
+          </a:xfrm>
+        </p:grpSpPr>
+        <p:pic>
+          <p:nvPicPr>
+            <p:cNvPr id="10" name="Picture 9">
+              <a:extLst>
+                <a:ext uri="{FF2B5EF4-FFF2-40B4-BE49-F238E27FC236}">
+                  <a16:creationId xmlns:a16="http://schemas.microsoft.com/office/drawing/2014/main" id="{F9CB58EA-1C2F-454A-9CB5-F5B2EB896E07}"/>
+                </a:ext>
+              </a:extLst>
+            </p:cNvPr>
+            <p:cNvPicPr>
+              <a:picLocks noChangeAspect="1"/>
+            </p:cNvPicPr>
+            <p:nvPr/>
+          </p:nvPicPr>
+          <p:blipFill rotWithShape="1">
+            <a:blip r:embed="rId2">
+              <a:extLst>
+                <a:ext uri="{28A0092B-C50C-407E-A947-70E740481C1C}">
+                  <a14:useLocalDpi xmlns:a14="http://schemas.microsoft.com/office/drawing/2010/main" val="0"/>
+                </a:ext>
+              </a:extLst>
+            </a:blip>
+            <a:srcRect l="26097" t="13036" r="23775" b="12271"/>
+            <a:stretch/>
+          </p:blipFill>
+          <p:spPr>
+            <a:xfrm>
+              <a:off x="1399592" y="1980422"/>
+              <a:ext cx="3888600" cy="2897156"/>
+            </a:xfrm>
+            <a:prstGeom prst="rect">
+              <a:avLst/>
+            </a:prstGeom>
+          </p:spPr>
+        </p:pic>
+        <p:cxnSp>
+          <p:nvCxnSpPr>
+            <p:cNvPr id="6" name="Straight Arrow Connector 5">
+              <a:extLst>
+                <a:ext uri="{FF2B5EF4-FFF2-40B4-BE49-F238E27FC236}">
+                  <a16:creationId xmlns:a16="http://schemas.microsoft.com/office/drawing/2014/main" id="{563D0496-09B6-44A2-80BA-A9DF13717CDD}"/>
+                </a:ext>
+              </a:extLst>
+            </p:cNvPr>
+            <p:cNvCxnSpPr>
+              <a:cxnSpLocks/>
+            </p:cNvCxnSpPr>
+            <p:nvPr/>
+          </p:nvCxnSpPr>
+          <p:spPr>
+            <a:xfrm flipV="1">
+              <a:off x="4666761" y="1973424"/>
+              <a:ext cx="241141" cy="287044"/>
+            </a:xfrm>
+            <a:prstGeom prst="straightConnector1">
+              <a:avLst/>
+            </a:prstGeom>
+            <a:ln w="44450">
+              <a:solidFill>
+                <a:schemeClr val="accent6"/>
+              </a:solidFill>
+              <a:tailEnd type="triangle"/>
+            </a:ln>
+          </p:spPr>
+          <p:style>
+            <a:lnRef idx="1">
+              <a:schemeClr val="accent1"/>
+            </a:lnRef>
+            <a:fillRef idx="0">
+              <a:schemeClr val="accent1"/>
+            </a:fillRef>
+            <a:effectRef idx="0">
+              <a:schemeClr val="accent1"/>
+            </a:effectRef>
+            <a:fontRef idx="minor">
+              <a:schemeClr val="tx1"/>
+            </a:fontRef>
+          </p:style>
+        </p:cxnSp>
+        <p:cxnSp>
+          <p:nvCxnSpPr>
+            <p:cNvPr id="11" name="Straight Arrow Connector 10">
+              <a:extLst>
+                <a:ext uri="{FF2B5EF4-FFF2-40B4-BE49-F238E27FC236}">
+                  <a16:creationId xmlns:a16="http://schemas.microsoft.com/office/drawing/2014/main" id="{595F3C82-C368-4100-A0E6-A846555CA6EF}"/>
+                </a:ext>
+              </a:extLst>
+            </p:cNvPr>
+            <p:cNvCxnSpPr>
+              <a:cxnSpLocks/>
+            </p:cNvCxnSpPr>
+            <p:nvPr/>
+          </p:nvCxnSpPr>
+          <p:spPr>
+            <a:xfrm flipH="1">
+              <a:off x="3676261" y="4793858"/>
+              <a:ext cx="88540" cy="356639"/>
+            </a:xfrm>
+            <a:prstGeom prst="straightConnector1">
+              <a:avLst/>
+            </a:prstGeom>
+            <a:ln w="44450">
+              <a:solidFill>
+                <a:schemeClr val="accent6"/>
+              </a:solidFill>
+              <a:tailEnd type="triangle"/>
+            </a:ln>
+          </p:spPr>
+          <p:style>
+            <a:lnRef idx="1">
+              <a:schemeClr val="accent1"/>
+            </a:lnRef>
+            <a:fillRef idx="0">
+              <a:schemeClr val="accent1"/>
+            </a:fillRef>
+            <a:effectRef idx="0">
+              <a:schemeClr val="accent1"/>
+            </a:effectRef>
+            <a:fontRef idx="minor">
+              <a:schemeClr val="tx1"/>
+            </a:fontRef>
+          </p:style>
+        </p:cxnSp>
+        <p:cxnSp>
+          <p:nvCxnSpPr>
+            <p:cNvPr id="12" name="Straight Arrow Connector 11">
+              <a:extLst>
+                <a:ext uri="{FF2B5EF4-FFF2-40B4-BE49-F238E27FC236}">
+                  <a16:creationId xmlns:a16="http://schemas.microsoft.com/office/drawing/2014/main" id="{56E8BE74-A57F-4383-A401-D9335D29794C}"/>
+                </a:ext>
+              </a:extLst>
+            </p:cNvPr>
+            <p:cNvCxnSpPr>
+              <a:cxnSpLocks/>
+            </p:cNvCxnSpPr>
+            <p:nvPr/>
+          </p:nvCxnSpPr>
+          <p:spPr>
+            <a:xfrm flipV="1">
+              <a:off x="5183219" y="3512196"/>
+              <a:ext cx="347570" cy="1"/>
+            </a:xfrm>
+            <a:prstGeom prst="straightConnector1">
+              <a:avLst/>
+            </a:prstGeom>
+            <a:ln w="44450">
+              <a:solidFill>
+                <a:schemeClr val="accent6"/>
+              </a:solidFill>
+              <a:tailEnd type="triangle"/>
+            </a:ln>
+          </p:spPr>
+          <p:style>
+            <a:lnRef idx="1">
+              <a:schemeClr val="accent1"/>
+            </a:lnRef>
+            <a:fillRef idx="0">
+              <a:schemeClr val="accent1"/>
+            </a:fillRef>
+            <a:effectRef idx="0">
+              <a:schemeClr val="accent1"/>
+            </a:effectRef>
+            <a:fontRef idx="minor">
+              <a:schemeClr val="tx1"/>
+            </a:fontRef>
+          </p:style>
+        </p:cxnSp>
+        <p:cxnSp>
+          <p:nvCxnSpPr>
+            <p:cNvPr id="13" name="Straight Arrow Connector 12">
+              <a:extLst>
+                <a:ext uri="{FF2B5EF4-FFF2-40B4-BE49-F238E27FC236}">
+                  <a16:creationId xmlns:a16="http://schemas.microsoft.com/office/drawing/2014/main" id="{9821B7ED-0615-45B6-94E4-38972169DFA9}"/>
+                </a:ext>
+              </a:extLst>
+            </p:cNvPr>
+            <p:cNvCxnSpPr>
+              <a:cxnSpLocks/>
+            </p:cNvCxnSpPr>
+            <p:nvPr/>
+          </p:nvCxnSpPr>
+          <p:spPr>
+            <a:xfrm flipH="1" flipV="1">
+              <a:off x="1156995" y="3639065"/>
+              <a:ext cx="342066" cy="1"/>
+            </a:xfrm>
+            <a:prstGeom prst="straightConnector1">
+              <a:avLst/>
+            </a:prstGeom>
+            <a:ln w="44450">
+              <a:solidFill>
+                <a:schemeClr val="accent6"/>
+              </a:solidFill>
+              <a:tailEnd type="triangle"/>
+            </a:ln>
+          </p:spPr>
+          <p:style>
+            <a:lnRef idx="1">
+              <a:schemeClr val="accent1"/>
+            </a:lnRef>
+            <a:fillRef idx="0">
+              <a:schemeClr val="accent1"/>
+            </a:fillRef>
+            <a:effectRef idx="0">
+              <a:schemeClr val="accent1"/>
+            </a:effectRef>
+            <a:fontRef idx="minor">
+              <a:schemeClr val="tx1"/>
+            </a:fontRef>
+          </p:style>
+        </p:cxnSp>
+      </p:grpSp>
+      <p:grpSp>
+        <p:nvGrpSpPr>
+          <p:cNvPr id="85" name="Group 84">
+            <a:extLst>
+              <a:ext uri="{FF2B5EF4-FFF2-40B4-BE49-F238E27FC236}">
+                <a16:creationId xmlns:a16="http://schemas.microsoft.com/office/drawing/2014/main" id="{FF2E6B9D-A9D4-4FBD-923B-C384264C694D}"/>
+              </a:ext>
+            </a:extLst>
+          </p:cNvPr>
+          <p:cNvGrpSpPr/>
+          <p:nvPr/>
+        </p:nvGrpSpPr>
+        <p:grpSpPr>
+          <a:xfrm>
+            <a:off x="6071846" y="612773"/>
+            <a:ext cx="4283028" cy="3015078"/>
+            <a:chOff x="6071846" y="612773"/>
+            <a:chExt cx="4283028" cy="3015078"/>
+          </a:xfrm>
+        </p:grpSpPr>
+        <p:grpSp>
+          <p:nvGrpSpPr>
+            <p:cNvPr id="31" name="Group 30">
+              <a:extLst>
+                <a:ext uri="{FF2B5EF4-FFF2-40B4-BE49-F238E27FC236}">
+                  <a16:creationId xmlns:a16="http://schemas.microsoft.com/office/drawing/2014/main" id="{FE461B9D-A877-41D7-8BA8-75F6B44A2732}"/>
+                </a:ext>
+              </a:extLst>
+            </p:cNvPr>
+            <p:cNvGrpSpPr/>
+            <p:nvPr/>
+          </p:nvGrpSpPr>
+          <p:grpSpPr>
+            <a:xfrm>
+              <a:off x="6500494" y="878566"/>
+              <a:ext cx="3251742" cy="2441508"/>
+              <a:chOff x="6732777" y="2180059"/>
+              <a:chExt cx="3251742" cy="2441508"/>
+            </a:xfrm>
+          </p:grpSpPr>
+          <p:cxnSp>
+            <p:nvCxnSpPr>
+              <p:cNvPr id="22" name="Straight Arrow Connector 21">
+                <a:extLst>
+                  <a:ext uri="{FF2B5EF4-FFF2-40B4-BE49-F238E27FC236}">
+                    <a16:creationId xmlns:a16="http://schemas.microsoft.com/office/drawing/2014/main" id="{B3A81015-B5D4-42FA-88C6-806DBB03BAF2}"/>
+                  </a:ext>
+                </a:extLst>
+              </p:cNvPr>
+              <p:cNvCxnSpPr>
+                <a:cxnSpLocks/>
+              </p:cNvCxnSpPr>
+              <p:nvPr/>
+            </p:nvCxnSpPr>
+            <p:spPr>
+              <a:xfrm flipV="1">
+                <a:off x="9301774" y="2180059"/>
+                <a:ext cx="241141" cy="287044"/>
+              </a:xfrm>
+              <a:prstGeom prst="straightConnector1">
+                <a:avLst/>
+              </a:prstGeom>
+              <a:ln w="44450">
+                <a:solidFill>
+                  <a:schemeClr val="accent6"/>
+                </a:solidFill>
+                <a:tailEnd type="triangle"/>
+              </a:ln>
+            </p:spPr>
+            <p:style>
+              <a:lnRef idx="1">
+                <a:schemeClr val="accent1"/>
+              </a:lnRef>
+              <a:fillRef idx="0">
+                <a:schemeClr val="accent1"/>
+              </a:fillRef>
+              <a:effectRef idx="0">
+                <a:schemeClr val="accent1"/>
+              </a:effectRef>
+              <a:fontRef idx="minor">
+                <a:schemeClr val="tx1"/>
+              </a:fontRef>
+            </p:style>
+          </p:cxnSp>
+          <p:cxnSp>
+            <p:nvCxnSpPr>
+              <p:cNvPr id="23" name="Straight Arrow Connector 22">
+                <a:extLst>
+                  <a:ext uri="{FF2B5EF4-FFF2-40B4-BE49-F238E27FC236}">
+                    <a16:creationId xmlns:a16="http://schemas.microsoft.com/office/drawing/2014/main" id="{DEA81287-C4CE-4734-8B97-F24834374238}"/>
+                  </a:ext>
+                </a:extLst>
+              </p:cNvPr>
+              <p:cNvCxnSpPr>
+                <a:cxnSpLocks/>
+              </p:cNvCxnSpPr>
+              <p:nvPr/>
+            </p:nvCxnSpPr>
+            <p:spPr>
+              <a:xfrm flipH="1">
+                <a:off x="8650932" y="4264928"/>
+                <a:ext cx="88540" cy="356639"/>
+              </a:xfrm>
+              <a:prstGeom prst="straightConnector1">
+                <a:avLst/>
+              </a:prstGeom>
+              <a:ln w="44450">
+                <a:solidFill>
+                  <a:schemeClr val="accent6"/>
+                </a:solidFill>
+                <a:tailEnd type="triangle"/>
+              </a:ln>
+            </p:spPr>
+            <p:style>
+              <a:lnRef idx="1">
+                <a:schemeClr val="accent1"/>
+              </a:lnRef>
+              <a:fillRef idx="0">
+                <a:schemeClr val="accent1"/>
+              </a:fillRef>
+              <a:effectRef idx="0">
+                <a:schemeClr val="accent1"/>
+              </a:effectRef>
+              <a:fontRef idx="minor">
+                <a:schemeClr val="tx1"/>
+              </a:fontRef>
+            </p:style>
+          </p:cxnSp>
+          <p:cxnSp>
+            <p:nvCxnSpPr>
+              <p:cNvPr id="24" name="Straight Arrow Connector 23">
+                <a:extLst>
+                  <a:ext uri="{FF2B5EF4-FFF2-40B4-BE49-F238E27FC236}">
+                    <a16:creationId xmlns:a16="http://schemas.microsoft.com/office/drawing/2014/main" id="{6F898565-E3CC-4171-8895-1871C00E4A9A}"/>
+                  </a:ext>
+                </a:extLst>
+              </p:cNvPr>
+              <p:cNvCxnSpPr>
+                <a:cxnSpLocks/>
+              </p:cNvCxnSpPr>
+              <p:nvPr/>
+            </p:nvCxnSpPr>
+            <p:spPr>
+              <a:xfrm flipV="1">
+                <a:off x="9636949" y="3507593"/>
+                <a:ext cx="347570" cy="1"/>
+              </a:xfrm>
+              <a:prstGeom prst="straightConnector1">
+                <a:avLst/>
+              </a:prstGeom>
+              <a:ln w="44450">
+                <a:solidFill>
+                  <a:schemeClr val="accent6"/>
+                </a:solidFill>
+                <a:tailEnd type="triangle"/>
+              </a:ln>
+            </p:spPr>
+            <p:style>
+              <a:lnRef idx="1">
+                <a:schemeClr val="accent1"/>
+              </a:lnRef>
+              <a:fillRef idx="0">
+                <a:schemeClr val="accent1"/>
+              </a:fillRef>
+              <a:effectRef idx="0">
+                <a:schemeClr val="accent1"/>
+              </a:effectRef>
+              <a:fontRef idx="minor">
+                <a:schemeClr val="tx1"/>
+              </a:fontRef>
+            </p:style>
+          </p:cxnSp>
+          <p:cxnSp>
+            <p:nvCxnSpPr>
+              <p:cNvPr id="25" name="Straight Arrow Connector 24">
+                <a:extLst>
+                  <a:ext uri="{FF2B5EF4-FFF2-40B4-BE49-F238E27FC236}">
+                    <a16:creationId xmlns:a16="http://schemas.microsoft.com/office/drawing/2014/main" id="{C596F9CC-E874-42FD-B740-C099BA9191A8}"/>
+                  </a:ext>
+                </a:extLst>
+              </p:cNvPr>
+              <p:cNvCxnSpPr>
+                <a:cxnSpLocks/>
+              </p:cNvCxnSpPr>
+              <p:nvPr/>
+            </p:nvCxnSpPr>
+            <p:spPr>
+              <a:xfrm flipH="1" flipV="1">
+                <a:off x="6732777" y="3619497"/>
+                <a:ext cx="342066" cy="1"/>
+              </a:xfrm>
+              <a:prstGeom prst="straightConnector1">
+                <a:avLst/>
+              </a:prstGeom>
+              <a:ln w="44450">
+                <a:solidFill>
+                  <a:schemeClr val="accent6"/>
+                </a:solidFill>
+                <a:tailEnd type="triangle"/>
+              </a:ln>
+            </p:spPr>
+            <p:style>
+              <a:lnRef idx="1">
+                <a:schemeClr val="accent1"/>
+              </a:lnRef>
+              <a:fillRef idx="0">
+                <a:schemeClr val="accent1"/>
+              </a:fillRef>
+              <a:effectRef idx="0">
+                <a:schemeClr val="accent1"/>
+              </a:effectRef>
+              <a:fontRef idx="minor">
+                <a:schemeClr val="tx1"/>
+              </a:fontRef>
+            </p:style>
+          </p:cxnSp>
+          <p:sp>
+            <p:nvSpPr>
+              <p:cNvPr id="26" name="Oval 25">
+                <a:extLst>
+                  <a:ext uri="{FF2B5EF4-FFF2-40B4-BE49-F238E27FC236}">
+                    <a16:creationId xmlns:a16="http://schemas.microsoft.com/office/drawing/2014/main" id="{CF87C1C8-052A-472B-AFD5-04AF8D06A222}"/>
+                  </a:ext>
+                </a:extLst>
+              </p:cNvPr>
+              <p:cNvSpPr/>
+              <p:nvPr/>
+            </p:nvSpPr>
+            <p:spPr>
+              <a:xfrm>
+                <a:off x="9147838" y="2467103"/>
+                <a:ext cx="214604" cy="214604"/>
+              </a:xfrm>
+              <a:prstGeom prst="ellipse">
+                <a:avLst/>
+              </a:prstGeom>
+              <a:solidFill>
+                <a:schemeClr val="tx1">
+                  <a:lumMod val="85000"/>
+                  <a:lumOff val="15000"/>
+                </a:schemeClr>
+              </a:solidFill>
+              <a:ln>
+                <a:noFill/>
+              </a:ln>
+            </p:spPr>
+            <p:style>
+              <a:lnRef idx="2">
+                <a:schemeClr val="accent1">
+                  <a:shade val="50000"/>
+                </a:schemeClr>
+              </a:lnRef>
+              <a:fillRef idx="1">
+                <a:schemeClr val="accent1"/>
+              </a:fillRef>
+              <a:effectRef idx="0">
+                <a:schemeClr val="accent1"/>
+              </a:effectRef>
+              <a:fontRef idx="minor">
+                <a:schemeClr val="lt1"/>
+              </a:fontRef>
+            </p:style>
+            <p:txBody>
+              <a:bodyPr rtlCol="0" anchor="ctr"/>
+              <a:lstStyle/>
+              <a:p>
+                <a:pPr algn="ctr"/>
+                <a:endParaRPr lang="en-US" i="1"/>
+              </a:p>
+            </p:txBody>
+          </p:sp>
+          <p:sp>
+            <p:nvSpPr>
+              <p:cNvPr id="27" name="Oval 26">
+                <a:extLst>
+                  <a:ext uri="{FF2B5EF4-FFF2-40B4-BE49-F238E27FC236}">
+                    <a16:creationId xmlns:a16="http://schemas.microsoft.com/office/drawing/2014/main" id="{2504654D-397B-470B-9ED4-EB2E93AB4C35}"/>
+                  </a:ext>
+                </a:extLst>
+              </p:cNvPr>
+              <p:cNvSpPr/>
+              <p:nvPr/>
+            </p:nvSpPr>
+            <p:spPr>
+              <a:xfrm>
+                <a:off x="9422345" y="3404894"/>
+                <a:ext cx="214604" cy="214604"/>
+              </a:xfrm>
+              <a:prstGeom prst="ellipse">
+                <a:avLst/>
+              </a:prstGeom>
+              <a:solidFill>
+                <a:schemeClr val="tx1">
+                  <a:lumMod val="85000"/>
+                  <a:lumOff val="15000"/>
+                </a:schemeClr>
+              </a:solidFill>
+              <a:ln>
+                <a:noFill/>
+              </a:ln>
+            </p:spPr>
+            <p:style>
+              <a:lnRef idx="2">
+                <a:schemeClr val="accent1">
+                  <a:shade val="50000"/>
+                </a:schemeClr>
+              </a:lnRef>
+              <a:fillRef idx="1">
+                <a:schemeClr val="accent1"/>
+              </a:fillRef>
+              <a:effectRef idx="0">
+                <a:schemeClr val="accent1"/>
+              </a:effectRef>
+              <a:fontRef idx="minor">
+                <a:schemeClr val="lt1"/>
+              </a:fontRef>
+            </p:style>
+            <p:txBody>
+              <a:bodyPr rtlCol="0" anchor="ctr"/>
+              <a:lstStyle/>
+              <a:p>
+                <a:pPr algn="ctr"/>
+                <a:endParaRPr lang="en-US" i="1"/>
+              </a:p>
+            </p:txBody>
+          </p:sp>
+          <p:sp>
+            <p:nvSpPr>
+              <p:cNvPr id="28" name="Oval 27">
+                <a:extLst>
+                  <a:ext uri="{FF2B5EF4-FFF2-40B4-BE49-F238E27FC236}">
+                    <a16:creationId xmlns:a16="http://schemas.microsoft.com/office/drawing/2014/main" id="{C997468C-4FAE-4B75-A103-E6E090A6DAE5}"/>
+                  </a:ext>
+                </a:extLst>
+              </p:cNvPr>
+              <p:cNvSpPr/>
+              <p:nvPr/>
+            </p:nvSpPr>
+            <p:spPr>
+              <a:xfrm>
+                <a:off x="7086683" y="3495928"/>
+                <a:ext cx="214604" cy="214604"/>
+              </a:xfrm>
+              <a:prstGeom prst="ellipse">
+                <a:avLst/>
+              </a:prstGeom>
+              <a:solidFill>
+                <a:schemeClr val="tx1">
+                  <a:lumMod val="85000"/>
+                  <a:lumOff val="15000"/>
+                </a:schemeClr>
+              </a:solidFill>
+              <a:ln>
+                <a:noFill/>
+              </a:ln>
+            </p:spPr>
+            <p:style>
+              <a:lnRef idx="2">
+                <a:schemeClr val="accent1">
+                  <a:shade val="50000"/>
+                </a:schemeClr>
+              </a:lnRef>
+              <a:fillRef idx="1">
+                <a:schemeClr val="accent1"/>
+              </a:fillRef>
+              <a:effectRef idx="0">
+                <a:schemeClr val="accent1"/>
+              </a:effectRef>
+              <a:fontRef idx="minor">
+                <a:schemeClr val="lt1"/>
+              </a:fontRef>
+            </p:style>
+            <p:txBody>
+              <a:bodyPr rtlCol="0" anchor="ctr"/>
+              <a:lstStyle/>
+              <a:p>
+                <a:pPr algn="ctr"/>
+                <a:endParaRPr lang="en-US" i="1"/>
+              </a:p>
+            </p:txBody>
+          </p:sp>
+          <p:sp>
+            <p:nvSpPr>
+              <p:cNvPr id="29" name="Oval 28">
+                <a:extLst>
+                  <a:ext uri="{FF2B5EF4-FFF2-40B4-BE49-F238E27FC236}">
+                    <a16:creationId xmlns:a16="http://schemas.microsoft.com/office/drawing/2014/main" id="{79586FAB-E0A9-4EB3-89A6-BBAD94628D8F}"/>
+                  </a:ext>
+                </a:extLst>
+              </p:cNvPr>
+              <p:cNvSpPr/>
+              <p:nvPr/>
+            </p:nvSpPr>
+            <p:spPr>
+              <a:xfrm>
+                <a:off x="8650932" y="4050324"/>
+                <a:ext cx="214604" cy="214604"/>
+              </a:xfrm>
+              <a:prstGeom prst="ellipse">
+                <a:avLst/>
+              </a:prstGeom>
+              <a:solidFill>
+                <a:schemeClr val="tx1">
+                  <a:lumMod val="85000"/>
+                  <a:lumOff val="15000"/>
+                </a:schemeClr>
+              </a:solidFill>
+              <a:ln>
+                <a:noFill/>
+              </a:ln>
+            </p:spPr>
+            <p:style>
+              <a:lnRef idx="2">
+                <a:schemeClr val="accent1">
+                  <a:shade val="50000"/>
+                </a:schemeClr>
+              </a:lnRef>
+              <a:fillRef idx="1">
+                <a:schemeClr val="accent1"/>
+              </a:fillRef>
+              <a:effectRef idx="0">
+                <a:schemeClr val="accent1"/>
+              </a:effectRef>
+              <a:fontRef idx="minor">
+                <a:schemeClr val="lt1"/>
+              </a:fontRef>
+            </p:style>
+            <p:txBody>
+              <a:bodyPr rtlCol="0" anchor="ctr"/>
+              <a:lstStyle/>
+              <a:p>
+                <a:pPr algn="ctr"/>
+                <a:endParaRPr lang="en-US" i="1"/>
+              </a:p>
+            </p:txBody>
+          </p:sp>
+        </p:grpSp>
+        <p:sp>
+          <p:nvSpPr>
+            <p:cNvPr id="32" name="TextBox 31">
+              <a:extLst>
+                <a:ext uri="{FF2B5EF4-FFF2-40B4-BE49-F238E27FC236}">
+                  <a16:creationId xmlns:a16="http://schemas.microsoft.com/office/drawing/2014/main" id="{5C8147D9-0606-4CA1-BD82-3A8CE8B06210}"/>
+                </a:ext>
+              </a:extLst>
+            </p:cNvPr>
+            <p:cNvSpPr txBox="1"/>
+            <p:nvPr/>
+          </p:nvSpPr>
+          <p:spPr>
+            <a:xfrm>
+              <a:off x="9827229" y="2036731"/>
+              <a:ext cx="527645" cy="307777"/>
+            </a:xfrm>
+            <a:prstGeom prst="rect">
+              <a:avLst/>
+            </a:prstGeom>
+            <a:noFill/>
+          </p:spPr>
+          <p:txBody>
+            <a:bodyPr wrap="none" rtlCol="0">
+              <a:spAutoFit/>
+            </a:bodyPr>
+            <a:lstStyle/>
+            <a:p>
+              <a:r>
+                <a:rPr lang="en-US" sz="1400" i="1" dirty="0"/>
+                <a:t>right</a:t>
+              </a:r>
+            </a:p>
+          </p:txBody>
+        </p:sp>
+        <p:sp>
+          <p:nvSpPr>
+            <p:cNvPr id="33" name="TextBox 32">
+              <a:extLst>
+                <a:ext uri="{FF2B5EF4-FFF2-40B4-BE49-F238E27FC236}">
+                  <a16:creationId xmlns:a16="http://schemas.microsoft.com/office/drawing/2014/main" id="{506152EF-292B-4E98-B822-7D30CA500634}"/>
+                </a:ext>
+              </a:extLst>
+            </p:cNvPr>
+            <p:cNvSpPr txBox="1"/>
+            <p:nvPr/>
+          </p:nvSpPr>
+          <p:spPr>
+            <a:xfrm>
+              <a:off x="8205621" y="3320074"/>
+              <a:ext cx="434734" cy="307777"/>
+            </a:xfrm>
+            <a:prstGeom prst="rect">
+              <a:avLst/>
+            </a:prstGeom>
+            <a:noFill/>
+          </p:spPr>
+          <p:txBody>
+            <a:bodyPr wrap="none" rtlCol="0">
+              <a:spAutoFit/>
+            </a:bodyPr>
+            <a:lstStyle/>
+            <a:p>
+              <a:r>
+                <a:rPr lang="en-US" sz="1400" i="1" dirty="0"/>
+                <a:t>bot</a:t>
+              </a:r>
+            </a:p>
+          </p:txBody>
+        </p:sp>
+        <p:sp>
+          <p:nvSpPr>
+            <p:cNvPr id="34" name="TextBox 33">
+              <a:extLst>
+                <a:ext uri="{FF2B5EF4-FFF2-40B4-BE49-F238E27FC236}">
+                  <a16:creationId xmlns:a16="http://schemas.microsoft.com/office/drawing/2014/main" id="{88CD1958-699F-4B8B-B3FD-F4EC3E88C18B}"/>
+                </a:ext>
+              </a:extLst>
+            </p:cNvPr>
+            <p:cNvSpPr txBox="1"/>
+            <p:nvPr/>
+          </p:nvSpPr>
+          <p:spPr>
+            <a:xfrm>
+              <a:off x="6071846" y="2147848"/>
+              <a:ext cx="429926" cy="307777"/>
+            </a:xfrm>
+            <a:prstGeom prst="rect">
+              <a:avLst/>
+            </a:prstGeom>
+            <a:noFill/>
+          </p:spPr>
+          <p:txBody>
+            <a:bodyPr wrap="none" rtlCol="0">
+              <a:spAutoFit/>
+            </a:bodyPr>
+            <a:lstStyle/>
+            <a:p>
+              <a:r>
+                <a:rPr lang="en-US" sz="1400" i="1" dirty="0"/>
+                <a:t>left</a:t>
+              </a:r>
+            </a:p>
+          </p:txBody>
+        </p:sp>
+        <p:sp>
+          <p:nvSpPr>
+            <p:cNvPr id="35" name="TextBox 34">
+              <a:extLst>
+                <a:ext uri="{FF2B5EF4-FFF2-40B4-BE49-F238E27FC236}">
+                  <a16:creationId xmlns:a16="http://schemas.microsoft.com/office/drawing/2014/main" id="{AE56B2D5-370F-4B07-9B34-47D735795F52}"/>
+                </a:ext>
+              </a:extLst>
+            </p:cNvPr>
+            <p:cNvSpPr txBox="1"/>
+            <p:nvPr/>
+          </p:nvSpPr>
+          <p:spPr>
+            <a:xfrm>
+              <a:off x="9190061" y="612773"/>
+              <a:ext cx="527645" cy="307777"/>
+            </a:xfrm>
+            <a:prstGeom prst="rect">
+              <a:avLst/>
+            </a:prstGeom>
+            <a:noFill/>
+          </p:spPr>
+          <p:txBody>
+            <a:bodyPr wrap="none" rtlCol="0">
+              <a:spAutoFit/>
+            </a:bodyPr>
+            <a:lstStyle/>
+            <a:p>
+              <a:r>
+                <a:rPr lang="en-US" sz="1400" i="1" dirty="0"/>
+                <a:t>right</a:t>
+              </a:r>
+            </a:p>
+          </p:txBody>
+        </p:sp>
+      </p:grpSp>
+      <p:grpSp>
+        <p:nvGrpSpPr>
+          <p:cNvPr id="57" name="Group 56">
+            <a:extLst>
+              <a:ext uri="{FF2B5EF4-FFF2-40B4-BE49-F238E27FC236}">
+                <a16:creationId xmlns:a16="http://schemas.microsoft.com/office/drawing/2014/main" id="{82A38385-4F76-48BC-82DE-684E8784F7F0}"/>
+              </a:ext>
+            </a:extLst>
+          </p:cNvPr>
+          <p:cNvGrpSpPr/>
+          <p:nvPr/>
+        </p:nvGrpSpPr>
+        <p:grpSpPr>
+          <a:xfrm>
+            <a:off x="4353134" y="3912117"/>
+            <a:ext cx="2917374" cy="2811619"/>
+            <a:chOff x="4788158" y="3934414"/>
+            <a:chExt cx="2917374" cy="2811619"/>
+          </a:xfrm>
+        </p:grpSpPr>
+        <p:sp>
+          <p:nvSpPr>
+            <p:cNvPr id="36" name="Rectangle 35">
+              <a:extLst>
+                <a:ext uri="{FF2B5EF4-FFF2-40B4-BE49-F238E27FC236}">
+                  <a16:creationId xmlns:a16="http://schemas.microsoft.com/office/drawing/2014/main" id="{846C108E-E0C7-46B3-819C-049D00F07C87}"/>
+                </a:ext>
+              </a:extLst>
+            </p:cNvPr>
+            <p:cNvSpPr/>
+            <p:nvPr/>
+          </p:nvSpPr>
+          <p:spPr>
+            <a:xfrm>
+              <a:off x="5047861" y="4236098"/>
+              <a:ext cx="2397968" cy="2285991"/>
+            </a:xfrm>
+            <a:prstGeom prst="rect">
+              <a:avLst/>
+            </a:prstGeom>
+            <a:solidFill>
+              <a:schemeClr val="bg2">
+                <a:lumMod val="75000"/>
+              </a:schemeClr>
+            </a:solidFill>
+            <a:ln>
+              <a:noFill/>
+            </a:ln>
+          </p:spPr>
+          <p:style>
+            <a:lnRef idx="2">
+              <a:schemeClr val="accent1">
+                <a:shade val="50000"/>
+              </a:schemeClr>
+            </a:lnRef>
+            <a:fillRef idx="1">
+              <a:schemeClr val="accent1"/>
+            </a:fillRef>
+            <a:effectRef idx="0">
+              <a:schemeClr val="accent1"/>
+            </a:effectRef>
+            <a:fontRef idx="minor">
+              <a:schemeClr val="lt1"/>
+            </a:fontRef>
+          </p:style>
+          <p:txBody>
+            <a:bodyPr rtlCol="0" anchor="ctr"/>
+            <a:lstStyle/>
+            <a:p>
+              <a:pPr algn="ctr"/>
+              <a:endParaRPr lang="en-US"/>
+            </a:p>
+          </p:txBody>
+        </p:sp>
+        <p:sp>
+          <p:nvSpPr>
+            <p:cNvPr id="37" name="Rectangle 36">
+              <a:extLst>
+                <a:ext uri="{FF2B5EF4-FFF2-40B4-BE49-F238E27FC236}">
+                  <a16:creationId xmlns:a16="http://schemas.microsoft.com/office/drawing/2014/main" id="{D5CF735E-2A26-4413-9D8A-A9DA17577330}"/>
+                </a:ext>
+              </a:extLst>
+            </p:cNvPr>
+            <p:cNvSpPr/>
+            <p:nvPr/>
+          </p:nvSpPr>
+          <p:spPr>
+            <a:xfrm>
+              <a:off x="5402424" y="4584442"/>
+              <a:ext cx="1666580" cy="1620416"/>
+            </a:xfrm>
+            <a:prstGeom prst="rect">
+              <a:avLst/>
+            </a:prstGeom>
+            <a:solidFill>
+              <a:schemeClr val="bg1"/>
+            </a:solidFill>
+            <a:ln>
+              <a:noFill/>
+            </a:ln>
+          </p:spPr>
+          <p:style>
+            <a:lnRef idx="2">
+              <a:schemeClr val="accent1">
+                <a:shade val="50000"/>
+              </a:schemeClr>
+            </a:lnRef>
+            <a:fillRef idx="1">
+              <a:schemeClr val="accent1"/>
+            </a:fillRef>
+            <a:effectRef idx="0">
+              <a:schemeClr val="accent1"/>
+            </a:effectRef>
+            <a:fontRef idx="minor">
+              <a:schemeClr val="lt1"/>
+            </a:fontRef>
+          </p:style>
+          <p:txBody>
+            <a:bodyPr rtlCol="0" anchor="ctr"/>
+            <a:lstStyle/>
+            <a:p>
+              <a:pPr algn="ctr"/>
+              <a:endParaRPr lang="en-US" i="1"/>
+            </a:p>
+          </p:txBody>
+        </p:sp>
+        <p:cxnSp>
+          <p:nvCxnSpPr>
+            <p:cNvPr id="39" name="Straight Connector 38">
+              <a:extLst>
+                <a:ext uri="{FF2B5EF4-FFF2-40B4-BE49-F238E27FC236}">
+                  <a16:creationId xmlns:a16="http://schemas.microsoft.com/office/drawing/2014/main" id="{3DA93F11-38C4-4F50-AAD1-7AEC399AA7AD}"/>
+                </a:ext>
+              </a:extLst>
+            </p:cNvPr>
+            <p:cNvCxnSpPr>
+              <a:cxnSpLocks/>
+            </p:cNvCxnSpPr>
+            <p:nvPr/>
+          </p:nvCxnSpPr>
+          <p:spPr>
+            <a:xfrm flipV="1">
+              <a:off x="6961702" y="4236098"/>
+              <a:ext cx="484127" cy="499054"/>
+            </a:xfrm>
+            <a:prstGeom prst="line">
+              <a:avLst/>
+            </a:prstGeom>
+            <a:ln w="15875">
+              <a:solidFill>
+                <a:schemeClr val="bg1"/>
+              </a:solidFill>
+            </a:ln>
+          </p:spPr>
+          <p:style>
+            <a:lnRef idx="1">
+              <a:schemeClr val="accent1"/>
+            </a:lnRef>
+            <a:fillRef idx="0">
+              <a:schemeClr val="accent1"/>
+            </a:fillRef>
+            <a:effectRef idx="0">
+              <a:schemeClr val="accent1"/>
+            </a:effectRef>
+            <a:fontRef idx="minor">
+              <a:schemeClr val="tx1"/>
+            </a:fontRef>
+          </p:style>
+        </p:cxnSp>
+        <p:cxnSp>
+          <p:nvCxnSpPr>
+            <p:cNvPr id="40" name="Straight Connector 39">
+              <a:extLst>
+                <a:ext uri="{FF2B5EF4-FFF2-40B4-BE49-F238E27FC236}">
+                  <a16:creationId xmlns:a16="http://schemas.microsoft.com/office/drawing/2014/main" id="{4A4EF4B5-1996-4AD5-91C6-22129CFECEF0}"/>
+                </a:ext>
+              </a:extLst>
+            </p:cNvPr>
+            <p:cNvCxnSpPr>
+              <a:cxnSpLocks/>
+            </p:cNvCxnSpPr>
+            <p:nvPr/>
+          </p:nvCxnSpPr>
+          <p:spPr>
+            <a:xfrm flipV="1">
+              <a:off x="5047861" y="6173744"/>
+              <a:ext cx="376825" cy="348345"/>
+            </a:xfrm>
+            <a:prstGeom prst="line">
+              <a:avLst/>
+            </a:prstGeom>
+            <a:ln w="15875">
+              <a:solidFill>
+                <a:schemeClr val="bg1"/>
+              </a:solidFill>
+            </a:ln>
+          </p:spPr>
+          <p:style>
+            <a:lnRef idx="1">
+              <a:schemeClr val="accent1"/>
+            </a:lnRef>
+            <a:fillRef idx="0">
+              <a:schemeClr val="accent1"/>
+            </a:fillRef>
+            <a:effectRef idx="0">
+              <a:schemeClr val="accent1"/>
+            </a:effectRef>
+            <a:fontRef idx="minor">
+              <a:schemeClr val="tx1"/>
+            </a:fontRef>
+          </p:style>
+        </p:cxnSp>
+        <p:cxnSp>
+          <p:nvCxnSpPr>
+            <p:cNvPr id="43" name="Straight Connector 42">
+              <a:extLst>
+                <a:ext uri="{FF2B5EF4-FFF2-40B4-BE49-F238E27FC236}">
+                  <a16:creationId xmlns:a16="http://schemas.microsoft.com/office/drawing/2014/main" id="{3BC91AAB-764C-48CC-9BE6-C7AE6A780DBC}"/>
+                </a:ext>
+              </a:extLst>
+            </p:cNvPr>
+            <p:cNvCxnSpPr>
+              <a:cxnSpLocks/>
+            </p:cNvCxnSpPr>
+            <p:nvPr/>
+          </p:nvCxnSpPr>
+          <p:spPr>
+            <a:xfrm>
+              <a:off x="4788158" y="3934414"/>
+              <a:ext cx="877652" cy="936166"/>
+            </a:xfrm>
+            <a:prstGeom prst="line">
+              <a:avLst/>
+            </a:prstGeom>
+            <a:ln w="15875">
+              <a:solidFill>
+                <a:schemeClr val="bg1"/>
+              </a:solidFill>
+            </a:ln>
+          </p:spPr>
+          <p:style>
+            <a:lnRef idx="1">
+              <a:schemeClr val="accent1"/>
+            </a:lnRef>
+            <a:fillRef idx="0">
+              <a:schemeClr val="accent1"/>
+            </a:fillRef>
+            <a:effectRef idx="0">
+              <a:schemeClr val="accent1"/>
+            </a:effectRef>
+            <a:fontRef idx="minor">
+              <a:schemeClr val="tx1"/>
+            </a:fontRef>
+          </p:style>
+        </p:cxnSp>
+        <p:cxnSp>
+          <p:nvCxnSpPr>
+            <p:cNvPr id="47" name="Straight Connector 46">
+              <a:extLst>
+                <a:ext uri="{FF2B5EF4-FFF2-40B4-BE49-F238E27FC236}">
+                  <a16:creationId xmlns:a16="http://schemas.microsoft.com/office/drawing/2014/main" id="{A18594F8-5086-4880-8FD0-5354417E5863}"/>
+                </a:ext>
+              </a:extLst>
+            </p:cNvPr>
+            <p:cNvCxnSpPr>
+              <a:cxnSpLocks/>
+            </p:cNvCxnSpPr>
+            <p:nvPr/>
+          </p:nvCxnSpPr>
+          <p:spPr>
+            <a:xfrm>
+              <a:off x="6818591" y="5962261"/>
+              <a:ext cx="886941" cy="783772"/>
+            </a:xfrm>
+            <a:prstGeom prst="line">
+              <a:avLst/>
+            </a:prstGeom>
+            <a:ln w="15875">
+              <a:solidFill>
+                <a:schemeClr val="bg1"/>
+              </a:solidFill>
+            </a:ln>
+          </p:spPr>
+          <p:style>
+            <a:lnRef idx="1">
+              <a:schemeClr val="accent1"/>
+            </a:lnRef>
+            <a:fillRef idx="0">
+              <a:schemeClr val="accent1"/>
+            </a:fillRef>
+            <a:effectRef idx="0">
+              <a:schemeClr val="accent1"/>
+            </a:effectRef>
+            <a:fontRef idx="minor">
+              <a:schemeClr val="tx1"/>
+            </a:fontRef>
+          </p:style>
+        </p:cxnSp>
+        <p:sp>
+          <p:nvSpPr>
+            <p:cNvPr id="50" name="TextBox 49">
+              <a:extLst>
+                <a:ext uri="{FF2B5EF4-FFF2-40B4-BE49-F238E27FC236}">
+                  <a16:creationId xmlns:a16="http://schemas.microsoft.com/office/drawing/2014/main" id="{EAC4CE21-3DEC-4849-A568-D7F02AC460E6}"/>
+                </a:ext>
+              </a:extLst>
+            </p:cNvPr>
+            <p:cNvSpPr txBox="1"/>
+            <p:nvPr/>
+          </p:nvSpPr>
+          <p:spPr>
+            <a:xfrm>
+              <a:off x="6554768" y="5240761"/>
+              <a:ext cx="527645" cy="307777"/>
+            </a:xfrm>
+            <a:prstGeom prst="rect">
+              <a:avLst/>
+            </a:prstGeom>
+            <a:noFill/>
+          </p:spPr>
+          <p:txBody>
+            <a:bodyPr wrap="none" rtlCol="0">
+              <a:spAutoFit/>
+            </a:bodyPr>
+            <a:lstStyle/>
+            <a:p>
+              <a:r>
+                <a:rPr lang="en-US" sz="1400" i="1" dirty="0"/>
+                <a:t>right</a:t>
+              </a:r>
+            </a:p>
+          </p:txBody>
+        </p:sp>
+        <p:sp>
+          <p:nvSpPr>
+            <p:cNvPr id="51" name="TextBox 50">
+              <a:extLst>
+                <a:ext uri="{FF2B5EF4-FFF2-40B4-BE49-F238E27FC236}">
+                  <a16:creationId xmlns:a16="http://schemas.microsoft.com/office/drawing/2014/main" id="{97CD567F-315F-488C-B2C1-D5E107800E57}"/>
+                </a:ext>
+              </a:extLst>
+            </p:cNvPr>
+            <p:cNvSpPr txBox="1"/>
+            <p:nvPr/>
+          </p:nvSpPr>
+          <p:spPr>
+            <a:xfrm>
+              <a:off x="5389015" y="5240761"/>
+              <a:ext cx="429926" cy="307777"/>
+            </a:xfrm>
+            <a:prstGeom prst="rect">
+              <a:avLst/>
+            </a:prstGeom>
+            <a:noFill/>
+          </p:spPr>
+          <p:txBody>
+            <a:bodyPr wrap="none" rtlCol="0">
+              <a:spAutoFit/>
+            </a:bodyPr>
+            <a:lstStyle/>
+            <a:p>
+              <a:r>
+                <a:rPr lang="en-US" sz="1400" i="1" dirty="0"/>
+                <a:t>left</a:t>
+              </a:r>
+            </a:p>
+          </p:txBody>
+        </p:sp>
+        <p:sp>
+          <p:nvSpPr>
+            <p:cNvPr id="52" name="TextBox 51">
+              <a:extLst>
+                <a:ext uri="{FF2B5EF4-FFF2-40B4-BE49-F238E27FC236}">
+                  <a16:creationId xmlns:a16="http://schemas.microsoft.com/office/drawing/2014/main" id="{35A27067-C81E-4ECF-88EA-C8841EC010DD}"/>
+                </a:ext>
+              </a:extLst>
+            </p:cNvPr>
+            <p:cNvSpPr txBox="1"/>
+            <p:nvPr/>
+          </p:nvSpPr>
+          <p:spPr>
+            <a:xfrm>
+              <a:off x="6029478" y="5937243"/>
+              <a:ext cx="434734" cy="307777"/>
+            </a:xfrm>
+            <a:prstGeom prst="rect">
+              <a:avLst/>
+            </a:prstGeom>
+            <a:noFill/>
+          </p:spPr>
+          <p:txBody>
+            <a:bodyPr wrap="none" rtlCol="0">
+              <a:spAutoFit/>
+            </a:bodyPr>
+            <a:lstStyle/>
+            <a:p>
+              <a:r>
+                <a:rPr lang="en-US" sz="1400" i="1" dirty="0"/>
+                <a:t>bot</a:t>
+              </a:r>
+            </a:p>
+          </p:txBody>
+        </p:sp>
+        <p:sp>
+          <p:nvSpPr>
+            <p:cNvPr id="53" name="TextBox 52">
+              <a:extLst>
+                <a:ext uri="{FF2B5EF4-FFF2-40B4-BE49-F238E27FC236}">
+                  <a16:creationId xmlns:a16="http://schemas.microsoft.com/office/drawing/2014/main" id="{C0DA0EE4-FF54-49FD-97B6-623366A89AAB}"/>
+                </a:ext>
+              </a:extLst>
+            </p:cNvPr>
+            <p:cNvSpPr txBox="1"/>
+            <p:nvPr/>
+          </p:nvSpPr>
+          <p:spPr>
+            <a:xfrm>
+              <a:off x="6029478" y="4581264"/>
+              <a:ext cx="433004" cy="307777"/>
+            </a:xfrm>
+            <a:prstGeom prst="rect">
+              <a:avLst/>
+            </a:prstGeom>
+            <a:noFill/>
+          </p:spPr>
+          <p:txBody>
+            <a:bodyPr wrap="none" rtlCol="0">
+              <a:spAutoFit/>
+            </a:bodyPr>
+            <a:lstStyle/>
+            <a:p>
+              <a:r>
+                <a:rPr lang="en-US" sz="1400" i="1" dirty="0"/>
+                <a:t>top</a:t>
+              </a:r>
+            </a:p>
+          </p:txBody>
+        </p:sp>
+      </p:grpSp>
+      <p:cxnSp>
+        <p:nvCxnSpPr>
+          <p:cNvPr id="59" name="Straight Arrow Connector 58">
+            <a:extLst>
+              <a:ext uri="{FF2B5EF4-FFF2-40B4-BE49-F238E27FC236}">
+                <a16:creationId xmlns:a16="http://schemas.microsoft.com/office/drawing/2014/main" id="{535D5EF8-9553-4E89-9264-56B6109A1736}"/>
+              </a:ext>
+            </a:extLst>
+          </p:cNvPr>
+          <p:cNvCxnSpPr>
+            <a:cxnSpLocks/>
+          </p:cNvCxnSpPr>
+          <p:nvPr/>
+        </p:nvCxnSpPr>
+        <p:spPr>
+          <a:xfrm>
+            <a:off x="6842560" y="4945225"/>
+            <a:ext cx="360673" cy="0"/>
+          </a:xfrm>
+          <a:prstGeom prst="straightConnector1">
+            <a:avLst/>
+          </a:prstGeom>
+          <a:ln w="25400">
+            <a:solidFill>
+              <a:schemeClr val="accent2">
+                <a:lumMod val="75000"/>
+              </a:schemeClr>
+            </a:solidFill>
+            <a:tailEnd type="triangle"/>
+          </a:ln>
+        </p:spPr>
+        <p:style>
+          <a:lnRef idx="1">
+            <a:schemeClr val="accent1"/>
+          </a:lnRef>
+          <a:fillRef idx="0">
+            <a:schemeClr val="accent1"/>
+          </a:fillRef>
+          <a:effectRef idx="0">
+            <a:schemeClr val="accent1"/>
+          </a:effectRef>
+          <a:fontRef idx="minor">
+            <a:schemeClr val="tx1"/>
+          </a:fontRef>
+        </p:style>
+      </p:cxnSp>
+      <p:cxnSp>
+        <p:nvCxnSpPr>
+          <p:cNvPr id="61" name="Straight Arrow Connector 60">
+            <a:extLst>
+              <a:ext uri="{FF2B5EF4-FFF2-40B4-BE49-F238E27FC236}">
+                <a16:creationId xmlns:a16="http://schemas.microsoft.com/office/drawing/2014/main" id="{5762B817-1850-4CC2-869A-B6BCA825AB64}"/>
+              </a:ext>
+            </a:extLst>
+          </p:cNvPr>
+          <p:cNvCxnSpPr>
+            <a:cxnSpLocks/>
+          </p:cNvCxnSpPr>
+          <p:nvPr/>
+        </p:nvCxnSpPr>
+        <p:spPr>
+          <a:xfrm>
+            <a:off x="6842560" y="5088294"/>
+            <a:ext cx="360673" cy="0"/>
+          </a:xfrm>
+          <a:prstGeom prst="straightConnector1">
+            <a:avLst/>
+          </a:prstGeom>
+          <a:ln w="25400">
+            <a:solidFill>
+              <a:schemeClr val="accent2">
+                <a:lumMod val="75000"/>
+              </a:schemeClr>
+            </a:solidFill>
+            <a:tailEnd type="triangle"/>
+          </a:ln>
+        </p:spPr>
+        <p:style>
+          <a:lnRef idx="1">
+            <a:schemeClr val="accent1"/>
+          </a:lnRef>
+          <a:fillRef idx="0">
+            <a:schemeClr val="accent1"/>
+          </a:fillRef>
+          <a:effectRef idx="0">
+            <a:schemeClr val="accent1"/>
+          </a:effectRef>
+          <a:fontRef idx="minor">
+            <a:schemeClr val="tx1"/>
+          </a:fontRef>
+        </p:style>
+      </p:cxnSp>
+      <p:cxnSp>
+        <p:nvCxnSpPr>
+          <p:cNvPr id="62" name="Straight Arrow Connector 61">
+            <a:extLst>
+              <a:ext uri="{FF2B5EF4-FFF2-40B4-BE49-F238E27FC236}">
+                <a16:creationId xmlns:a16="http://schemas.microsoft.com/office/drawing/2014/main" id="{92B061D4-201E-402C-8016-9B5A83319EA0}"/>
+              </a:ext>
+            </a:extLst>
+          </p:cNvPr>
+          <p:cNvCxnSpPr>
+            <a:cxnSpLocks/>
+          </p:cNvCxnSpPr>
+          <p:nvPr/>
+        </p:nvCxnSpPr>
+        <p:spPr>
+          <a:xfrm flipH="1">
+            <a:off x="6827037" y="5600889"/>
+            <a:ext cx="351369" cy="0"/>
+          </a:xfrm>
+          <a:prstGeom prst="straightConnector1">
+            <a:avLst/>
+          </a:prstGeom>
+          <a:ln w="25400">
+            <a:solidFill>
+              <a:schemeClr val="accent5">
+                <a:lumMod val="75000"/>
+              </a:schemeClr>
+            </a:solidFill>
+            <a:tailEnd type="triangle"/>
+          </a:ln>
+        </p:spPr>
+        <p:style>
+          <a:lnRef idx="1">
+            <a:schemeClr val="accent1"/>
+          </a:lnRef>
+          <a:fillRef idx="0">
+            <a:schemeClr val="accent1"/>
+          </a:fillRef>
+          <a:effectRef idx="0">
+            <a:schemeClr val="accent1"/>
+          </a:effectRef>
+          <a:fontRef idx="minor">
+            <a:schemeClr val="tx1"/>
+          </a:fontRef>
+        </p:style>
+      </p:cxnSp>
+      <p:cxnSp>
+        <p:nvCxnSpPr>
+          <p:cNvPr id="64" name="Straight Arrow Connector 63">
+            <a:extLst>
+              <a:ext uri="{FF2B5EF4-FFF2-40B4-BE49-F238E27FC236}">
+                <a16:creationId xmlns:a16="http://schemas.microsoft.com/office/drawing/2014/main" id="{C5D05934-EB92-4F57-B22D-4644F544C041}"/>
+              </a:ext>
+            </a:extLst>
+          </p:cNvPr>
+          <p:cNvCxnSpPr>
+            <a:cxnSpLocks/>
+          </p:cNvCxnSpPr>
+          <p:nvPr/>
+        </p:nvCxnSpPr>
+        <p:spPr>
+          <a:xfrm flipH="1">
+            <a:off x="6827036" y="5743958"/>
+            <a:ext cx="351369" cy="0"/>
+          </a:xfrm>
+          <a:prstGeom prst="straightConnector1">
+            <a:avLst/>
+          </a:prstGeom>
+          <a:ln w="25400">
+            <a:solidFill>
+              <a:schemeClr val="accent5">
+                <a:lumMod val="75000"/>
+              </a:schemeClr>
+            </a:solidFill>
+            <a:tailEnd type="triangle"/>
+          </a:ln>
+        </p:spPr>
+        <p:style>
+          <a:lnRef idx="1">
+            <a:schemeClr val="accent1"/>
+          </a:lnRef>
+          <a:fillRef idx="0">
+            <a:schemeClr val="accent1"/>
+          </a:fillRef>
+          <a:effectRef idx="0">
+            <a:schemeClr val="accent1"/>
+          </a:effectRef>
+          <a:fontRef idx="minor">
+            <a:schemeClr val="tx1"/>
+          </a:fontRef>
+        </p:style>
+      </p:cxnSp>
+      <p:cxnSp>
+        <p:nvCxnSpPr>
+          <p:cNvPr id="65" name="Straight Arrow Connector 64">
+            <a:extLst>
+              <a:ext uri="{FF2B5EF4-FFF2-40B4-BE49-F238E27FC236}">
+                <a16:creationId xmlns:a16="http://schemas.microsoft.com/office/drawing/2014/main" id="{19480124-09DC-45D9-9FF1-6BC1D021D460}"/>
+              </a:ext>
+            </a:extLst>
+          </p:cNvPr>
+          <p:cNvCxnSpPr>
+            <a:cxnSpLocks/>
+          </p:cNvCxnSpPr>
+          <p:nvPr/>
+        </p:nvCxnSpPr>
+        <p:spPr>
+          <a:xfrm flipH="1">
+            <a:off x="6027458" y="6359558"/>
+            <a:ext cx="966" cy="274507"/>
+          </a:xfrm>
+          <a:prstGeom prst="straightConnector1">
+            <a:avLst/>
+          </a:prstGeom>
+          <a:ln w="25400">
+            <a:solidFill>
+              <a:schemeClr val="accent2">
+                <a:lumMod val="75000"/>
+              </a:schemeClr>
+            </a:solidFill>
+            <a:tailEnd type="triangle"/>
+          </a:ln>
+        </p:spPr>
+        <p:style>
+          <a:lnRef idx="1">
+            <a:schemeClr val="accent1"/>
+          </a:lnRef>
+          <a:fillRef idx="0">
+            <a:schemeClr val="accent1"/>
+          </a:fillRef>
+          <a:effectRef idx="0">
+            <a:schemeClr val="accent1"/>
+          </a:effectRef>
+          <a:fontRef idx="minor">
+            <a:schemeClr val="tx1"/>
+          </a:fontRef>
+        </p:style>
+      </p:cxnSp>
+      <p:cxnSp>
+        <p:nvCxnSpPr>
+          <p:cNvPr id="66" name="Straight Arrow Connector 65">
+            <a:extLst>
+              <a:ext uri="{FF2B5EF4-FFF2-40B4-BE49-F238E27FC236}">
+                <a16:creationId xmlns:a16="http://schemas.microsoft.com/office/drawing/2014/main" id="{0CFD3564-6DA3-4F9F-A165-604946B97D8E}"/>
+              </a:ext>
+            </a:extLst>
+          </p:cNvPr>
+          <p:cNvCxnSpPr>
+            <a:cxnSpLocks/>
+          </p:cNvCxnSpPr>
+          <p:nvPr/>
+        </p:nvCxnSpPr>
+        <p:spPr>
+          <a:xfrm flipV="1">
+            <a:off x="5587591" y="6359558"/>
+            <a:ext cx="0" cy="274507"/>
+          </a:xfrm>
+          <a:prstGeom prst="straightConnector1">
+            <a:avLst/>
+          </a:prstGeom>
+          <a:ln w="25400">
+            <a:solidFill>
+              <a:schemeClr val="accent5">
+                <a:lumMod val="75000"/>
+              </a:schemeClr>
+            </a:solidFill>
+            <a:tailEnd type="triangle"/>
+          </a:ln>
+        </p:spPr>
+        <p:style>
+          <a:lnRef idx="1">
+            <a:schemeClr val="accent1"/>
+          </a:lnRef>
+          <a:fillRef idx="0">
+            <a:schemeClr val="accent1"/>
+          </a:fillRef>
+          <a:effectRef idx="0">
+            <a:schemeClr val="accent1"/>
+          </a:effectRef>
+          <a:fontRef idx="minor">
+            <a:schemeClr val="tx1"/>
+          </a:fontRef>
+        </p:style>
+      </p:cxnSp>
+      <p:cxnSp>
+        <p:nvCxnSpPr>
+          <p:cNvPr id="71" name="Straight Arrow Connector 70">
+            <a:extLst>
+              <a:ext uri="{FF2B5EF4-FFF2-40B4-BE49-F238E27FC236}">
+                <a16:creationId xmlns:a16="http://schemas.microsoft.com/office/drawing/2014/main" id="{BFF3E727-F141-4A6B-9773-3EFE5671FFAB}"/>
+              </a:ext>
+            </a:extLst>
+          </p:cNvPr>
+          <p:cNvCxnSpPr>
+            <a:cxnSpLocks/>
+          </p:cNvCxnSpPr>
+          <p:nvPr/>
+        </p:nvCxnSpPr>
+        <p:spPr>
+          <a:xfrm flipH="1">
+            <a:off x="4390458" y="4945226"/>
+            <a:ext cx="380127" cy="0"/>
+          </a:xfrm>
+          <a:prstGeom prst="straightConnector1">
+            <a:avLst/>
+          </a:prstGeom>
+          <a:ln w="25400">
+            <a:solidFill>
+              <a:schemeClr val="accent2">
+                <a:lumMod val="75000"/>
+              </a:schemeClr>
+            </a:solidFill>
+            <a:tailEnd type="triangle"/>
+          </a:ln>
+        </p:spPr>
+        <p:style>
+          <a:lnRef idx="1">
+            <a:schemeClr val="accent1"/>
+          </a:lnRef>
+          <a:fillRef idx="0">
+            <a:schemeClr val="accent1"/>
+          </a:fillRef>
+          <a:effectRef idx="0">
+            <a:schemeClr val="accent1"/>
+          </a:effectRef>
+          <a:fontRef idx="minor">
+            <a:schemeClr val="tx1"/>
+          </a:fontRef>
+        </p:style>
+      </p:cxnSp>
+      <p:cxnSp>
+        <p:nvCxnSpPr>
+          <p:cNvPr id="73" name="Straight Arrow Connector 72">
+            <a:extLst>
+              <a:ext uri="{FF2B5EF4-FFF2-40B4-BE49-F238E27FC236}">
+                <a16:creationId xmlns:a16="http://schemas.microsoft.com/office/drawing/2014/main" id="{31738951-E733-4EBA-A47A-9D719336E6B6}"/>
+              </a:ext>
+            </a:extLst>
+          </p:cNvPr>
+          <p:cNvCxnSpPr>
+            <a:cxnSpLocks/>
+          </p:cNvCxnSpPr>
+          <p:nvPr/>
+        </p:nvCxnSpPr>
+        <p:spPr>
+          <a:xfrm>
+            <a:off x="4422773" y="5600889"/>
+            <a:ext cx="380127" cy="0"/>
+          </a:xfrm>
+          <a:prstGeom prst="straightConnector1">
+            <a:avLst/>
+          </a:prstGeom>
+          <a:ln w="25400">
+            <a:solidFill>
+              <a:schemeClr val="accent5">
+                <a:lumMod val="75000"/>
+              </a:schemeClr>
+            </a:solidFill>
+            <a:tailEnd type="triangle"/>
+          </a:ln>
+        </p:spPr>
+        <p:style>
+          <a:lnRef idx="1">
+            <a:schemeClr val="accent1"/>
+          </a:lnRef>
+          <a:fillRef idx="0">
+            <a:schemeClr val="accent1"/>
+          </a:fillRef>
+          <a:effectRef idx="0">
+            <a:schemeClr val="accent1"/>
+          </a:effectRef>
+          <a:fontRef idx="minor">
+            <a:schemeClr val="tx1"/>
+          </a:fontRef>
+        </p:style>
+      </p:cxnSp>
+      <p:cxnSp>
+        <p:nvCxnSpPr>
+          <p:cNvPr id="77" name="Straight Arrow Connector 76">
+            <a:extLst>
+              <a:ext uri="{FF2B5EF4-FFF2-40B4-BE49-F238E27FC236}">
+                <a16:creationId xmlns:a16="http://schemas.microsoft.com/office/drawing/2014/main" id="{7884A1DC-43BB-41EF-8A03-C67B0359B5CB}"/>
+              </a:ext>
+            </a:extLst>
+          </p:cNvPr>
+          <p:cNvCxnSpPr>
+            <a:cxnSpLocks/>
+          </p:cNvCxnSpPr>
+          <p:nvPr/>
+        </p:nvCxnSpPr>
+        <p:spPr>
+          <a:xfrm flipH="1">
+            <a:off x="4390458" y="5088294"/>
+            <a:ext cx="377699" cy="0"/>
+          </a:xfrm>
+          <a:prstGeom prst="straightConnector1">
+            <a:avLst/>
+          </a:prstGeom>
+          <a:ln w="25400">
+            <a:solidFill>
+              <a:schemeClr val="accent2">
+                <a:lumMod val="75000"/>
+              </a:schemeClr>
+            </a:solidFill>
+            <a:tailEnd type="triangle"/>
+          </a:ln>
+        </p:spPr>
+        <p:style>
+          <a:lnRef idx="1">
+            <a:schemeClr val="accent1"/>
+          </a:lnRef>
+          <a:fillRef idx="0">
+            <a:schemeClr val="accent1"/>
+          </a:fillRef>
+          <a:effectRef idx="0">
+            <a:schemeClr val="accent1"/>
+          </a:effectRef>
+          <a:fontRef idx="minor">
+            <a:schemeClr val="tx1"/>
+          </a:fontRef>
+        </p:style>
+      </p:cxnSp>
+      <p:cxnSp>
+        <p:nvCxnSpPr>
+          <p:cNvPr id="80" name="Straight Arrow Connector 79">
+            <a:extLst>
+              <a:ext uri="{FF2B5EF4-FFF2-40B4-BE49-F238E27FC236}">
+                <a16:creationId xmlns:a16="http://schemas.microsoft.com/office/drawing/2014/main" id="{45ADEFCC-62EA-4ABB-BD16-5C3A7641B1D4}"/>
+              </a:ext>
+            </a:extLst>
+          </p:cNvPr>
+          <p:cNvCxnSpPr>
+            <a:cxnSpLocks/>
+          </p:cNvCxnSpPr>
+          <p:nvPr/>
+        </p:nvCxnSpPr>
+        <p:spPr>
+          <a:xfrm>
+            <a:off x="4422773" y="5740258"/>
+            <a:ext cx="380127" cy="0"/>
+          </a:xfrm>
+          <a:prstGeom prst="straightConnector1">
+            <a:avLst/>
+          </a:prstGeom>
+          <a:ln w="25400">
+            <a:solidFill>
+              <a:schemeClr val="accent5">
+                <a:lumMod val="75000"/>
+              </a:schemeClr>
+            </a:solidFill>
+            <a:tailEnd type="triangle"/>
+          </a:ln>
+        </p:spPr>
+        <p:style>
+          <a:lnRef idx="1">
+            <a:schemeClr val="accent1"/>
+          </a:lnRef>
+          <a:fillRef idx="0">
+            <a:schemeClr val="accent1"/>
+          </a:fillRef>
+          <a:effectRef idx="0">
+            <a:schemeClr val="accent1"/>
+          </a:effectRef>
+          <a:fontRef idx="minor">
+            <a:schemeClr val="tx1"/>
+          </a:fontRef>
+        </p:style>
+      </p:cxnSp>
+    </p:spTree>
+    <p:extLst>
+      <p:ext uri="{BB962C8B-B14F-4D97-AF65-F5344CB8AC3E}">
+        <p14:creationId xmlns:p14="http://schemas.microsoft.com/office/powerpoint/2010/main" val="668112335"/>
+      </p:ext>
+    </p:extLst>
+  </p:cSld>
+  <p:clrMapOvr>
+    <a:masterClrMapping/>
+  </p:clrMapOvr>
+</p:sld>
+</file>
+
+<file path=ppt/slides/slide13.xml><?xml version="1.0" encoding="utf-8"?>
+<p:sld xmlns:a="http://schemas.openxmlformats.org/drawingml/2006/main" xmlns:r="http://schemas.openxmlformats.org/officeDocument/2006/relationships" xmlns:p="http://schemas.openxmlformats.org/presentationml/2006/main">
+  <p:cSld>
+    <p:spTree>
+      <p:nvGrpSpPr>
+        <p:cNvPr id="1" name=""/>
+        <p:cNvGrpSpPr/>
+        <p:nvPr/>
+      </p:nvGrpSpPr>
+      <p:grpSpPr>
+        <a:xfrm>
+          <a:off x="0" y="0"/>
+          <a:ext cx="0" cy="0"/>
+          <a:chOff x="0" y="0"/>
+          <a:chExt cx="0" cy="0"/>
+        </a:xfrm>
+      </p:grpSpPr>
+      <p:grpSp>
+        <p:nvGrpSpPr>
+          <p:cNvPr id="30" name="Group 29">
+            <a:extLst>
+              <a:ext uri="{FF2B5EF4-FFF2-40B4-BE49-F238E27FC236}">
+                <a16:creationId xmlns:a16="http://schemas.microsoft.com/office/drawing/2014/main" id="{376A1AF5-7DE3-49AD-80A0-19DA0FA6B419}"/>
+              </a:ext>
+            </a:extLst>
+          </p:cNvPr>
+          <p:cNvGrpSpPr/>
+          <p:nvPr/>
+        </p:nvGrpSpPr>
+        <p:grpSpPr>
+          <a:xfrm>
+            <a:off x="625126" y="1885425"/>
+            <a:ext cx="4373794" cy="3177073"/>
+            <a:chOff x="1156995" y="1973424"/>
+            <a:chExt cx="4373794" cy="3177073"/>
+          </a:xfrm>
+        </p:grpSpPr>
+        <p:pic>
+          <p:nvPicPr>
+            <p:cNvPr id="10" name="Picture 9">
+              <a:extLst>
+                <a:ext uri="{FF2B5EF4-FFF2-40B4-BE49-F238E27FC236}">
+                  <a16:creationId xmlns:a16="http://schemas.microsoft.com/office/drawing/2014/main" id="{F9CB58EA-1C2F-454A-9CB5-F5B2EB896E07}"/>
+                </a:ext>
+              </a:extLst>
+            </p:cNvPr>
+            <p:cNvPicPr>
+              <a:picLocks noChangeAspect="1"/>
+            </p:cNvPicPr>
+            <p:nvPr/>
+          </p:nvPicPr>
+          <p:blipFill rotWithShape="1">
+            <a:blip r:embed="rId2">
+              <a:extLst>
+                <a:ext uri="{28A0092B-C50C-407E-A947-70E740481C1C}">
+                  <a14:useLocalDpi xmlns:a14="http://schemas.microsoft.com/office/drawing/2010/main" val="0"/>
+                </a:ext>
+              </a:extLst>
+            </a:blip>
+            <a:srcRect l="26097" t="13036" r="23775" b="12271"/>
+            <a:stretch/>
+          </p:blipFill>
+          <p:spPr>
+            <a:xfrm>
+              <a:off x="1399592" y="1980422"/>
+              <a:ext cx="3888600" cy="2897156"/>
+            </a:xfrm>
+            <a:prstGeom prst="rect">
+              <a:avLst/>
+            </a:prstGeom>
+          </p:spPr>
+        </p:pic>
+        <p:cxnSp>
+          <p:nvCxnSpPr>
+            <p:cNvPr id="6" name="Straight Arrow Connector 5">
+              <a:extLst>
+                <a:ext uri="{FF2B5EF4-FFF2-40B4-BE49-F238E27FC236}">
+                  <a16:creationId xmlns:a16="http://schemas.microsoft.com/office/drawing/2014/main" id="{563D0496-09B6-44A2-80BA-A9DF13717CDD}"/>
+                </a:ext>
+              </a:extLst>
+            </p:cNvPr>
+            <p:cNvCxnSpPr>
+              <a:cxnSpLocks/>
+            </p:cNvCxnSpPr>
+            <p:nvPr/>
+          </p:nvCxnSpPr>
+          <p:spPr>
+            <a:xfrm flipV="1">
+              <a:off x="4666761" y="1973424"/>
+              <a:ext cx="241141" cy="287044"/>
+            </a:xfrm>
+            <a:prstGeom prst="straightConnector1">
+              <a:avLst/>
+            </a:prstGeom>
+            <a:ln w="44450">
+              <a:solidFill>
+                <a:schemeClr val="accent6"/>
+              </a:solidFill>
+              <a:tailEnd type="triangle"/>
+            </a:ln>
+          </p:spPr>
+          <p:style>
+            <a:lnRef idx="1">
+              <a:schemeClr val="accent1"/>
+            </a:lnRef>
+            <a:fillRef idx="0">
+              <a:schemeClr val="accent1"/>
+            </a:fillRef>
+            <a:effectRef idx="0">
+              <a:schemeClr val="accent1"/>
+            </a:effectRef>
+            <a:fontRef idx="minor">
+              <a:schemeClr val="tx1"/>
+            </a:fontRef>
+          </p:style>
+        </p:cxnSp>
+        <p:cxnSp>
+          <p:nvCxnSpPr>
+            <p:cNvPr id="11" name="Straight Arrow Connector 10">
+              <a:extLst>
+                <a:ext uri="{FF2B5EF4-FFF2-40B4-BE49-F238E27FC236}">
+                  <a16:creationId xmlns:a16="http://schemas.microsoft.com/office/drawing/2014/main" id="{595F3C82-C368-4100-A0E6-A846555CA6EF}"/>
+                </a:ext>
+              </a:extLst>
+            </p:cNvPr>
+            <p:cNvCxnSpPr>
+              <a:cxnSpLocks/>
+            </p:cNvCxnSpPr>
+            <p:nvPr/>
+          </p:nvCxnSpPr>
+          <p:spPr>
+            <a:xfrm flipH="1">
+              <a:off x="3676261" y="4793858"/>
+              <a:ext cx="88540" cy="356639"/>
+            </a:xfrm>
+            <a:prstGeom prst="straightConnector1">
+              <a:avLst/>
+            </a:prstGeom>
+            <a:ln w="44450">
+              <a:solidFill>
+                <a:schemeClr val="accent6"/>
+              </a:solidFill>
+              <a:tailEnd type="triangle"/>
+            </a:ln>
+          </p:spPr>
+          <p:style>
+            <a:lnRef idx="1">
+              <a:schemeClr val="accent1"/>
+            </a:lnRef>
+            <a:fillRef idx="0">
+              <a:schemeClr val="accent1"/>
+            </a:fillRef>
+            <a:effectRef idx="0">
+              <a:schemeClr val="accent1"/>
+            </a:effectRef>
+            <a:fontRef idx="minor">
+              <a:schemeClr val="tx1"/>
+            </a:fontRef>
+          </p:style>
+        </p:cxnSp>
+        <p:cxnSp>
+          <p:nvCxnSpPr>
+            <p:cNvPr id="12" name="Straight Arrow Connector 11">
+              <a:extLst>
+                <a:ext uri="{FF2B5EF4-FFF2-40B4-BE49-F238E27FC236}">
+                  <a16:creationId xmlns:a16="http://schemas.microsoft.com/office/drawing/2014/main" id="{56E8BE74-A57F-4383-A401-D9335D29794C}"/>
+                </a:ext>
+              </a:extLst>
+            </p:cNvPr>
+            <p:cNvCxnSpPr>
+              <a:cxnSpLocks/>
+            </p:cNvCxnSpPr>
+            <p:nvPr/>
+          </p:nvCxnSpPr>
+          <p:spPr>
+            <a:xfrm flipV="1">
+              <a:off x="5183219" y="3512196"/>
+              <a:ext cx="347570" cy="1"/>
+            </a:xfrm>
+            <a:prstGeom prst="straightConnector1">
+              <a:avLst/>
+            </a:prstGeom>
+            <a:ln w="44450">
+              <a:solidFill>
+                <a:schemeClr val="accent6"/>
+              </a:solidFill>
+              <a:tailEnd type="triangle"/>
+            </a:ln>
+          </p:spPr>
+          <p:style>
+            <a:lnRef idx="1">
+              <a:schemeClr val="accent1"/>
+            </a:lnRef>
+            <a:fillRef idx="0">
+              <a:schemeClr val="accent1"/>
+            </a:fillRef>
+            <a:effectRef idx="0">
+              <a:schemeClr val="accent1"/>
+            </a:effectRef>
+            <a:fontRef idx="minor">
+              <a:schemeClr val="tx1"/>
+            </a:fontRef>
+          </p:style>
+        </p:cxnSp>
+        <p:cxnSp>
+          <p:nvCxnSpPr>
+            <p:cNvPr id="13" name="Straight Arrow Connector 12">
+              <a:extLst>
+                <a:ext uri="{FF2B5EF4-FFF2-40B4-BE49-F238E27FC236}">
+                  <a16:creationId xmlns:a16="http://schemas.microsoft.com/office/drawing/2014/main" id="{9821B7ED-0615-45B6-94E4-38972169DFA9}"/>
+                </a:ext>
+              </a:extLst>
+            </p:cNvPr>
+            <p:cNvCxnSpPr>
+              <a:cxnSpLocks/>
+            </p:cNvCxnSpPr>
+            <p:nvPr/>
+          </p:nvCxnSpPr>
+          <p:spPr>
+            <a:xfrm flipH="1" flipV="1">
+              <a:off x="1156995" y="3639065"/>
+              <a:ext cx="342066" cy="1"/>
+            </a:xfrm>
+            <a:prstGeom prst="straightConnector1">
+              <a:avLst/>
+            </a:prstGeom>
+            <a:ln w="44450">
+              <a:solidFill>
+                <a:schemeClr val="accent6"/>
+              </a:solidFill>
+              <a:tailEnd type="triangle"/>
+            </a:ln>
+          </p:spPr>
+          <p:style>
+            <a:lnRef idx="1">
+              <a:schemeClr val="accent1"/>
+            </a:lnRef>
+            <a:fillRef idx="0">
+              <a:schemeClr val="accent1"/>
+            </a:fillRef>
+            <a:effectRef idx="0">
+              <a:schemeClr val="accent1"/>
+            </a:effectRef>
+            <a:fontRef idx="minor">
+              <a:schemeClr val="tx1"/>
+            </a:fontRef>
+          </p:style>
+        </p:cxnSp>
+      </p:grpSp>
+      <p:grpSp>
+        <p:nvGrpSpPr>
+          <p:cNvPr id="85" name="Group 84">
+            <a:extLst>
+              <a:ext uri="{FF2B5EF4-FFF2-40B4-BE49-F238E27FC236}">
+                <a16:creationId xmlns:a16="http://schemas.microsoft.com/office/drawing/2014/main" id="{FF2E6B9D-A9D4-4FBD-923B-C384264C694D}"/>
+              </a:ext>
+            </a:extLst>
+          </p:cNvPr>
+          <p:cNvGrpSpPr/>
+          <p:nvPr/>
+        </p:nvGrpSpPr>
+        <p:grpSpPr>
+          <a:xfrm>
+            <a:off x="6071846" y="612773"/>
+            <a:ext cx="4283028" cy="3015078"/>
+            <a:chOff x="6071846" y="612773"/>
+            <a:chExt cx="4283028" cy="3015078"/>
+          </a:xfrm>
+        </p:grpSpPr>
+        <p:grpSp>
+          <p:nvGrpSpPr>
+            <p:cNvPr id="31" name="Group 30">
+              <a:extLst>
+                <a:ext uri="{FF2B5EF4-FFF2-40B4-BE49-F238E27FC236}">
+                  <a16:creationId xmlns:a16="http://schemas.microsoft.com/office/drawing/2014/main" id="{FE461B9D-A877-41D7-8BA8-75F6B44A2732}"/>
+                </a:ext>
+              </a:extLst>
+            </p:cNvPr>
+            <p:cNvGrpSpPr/>
+            <p:nvPr/>
+          </p:nvGrpSpPr>
+          <p:grpSpPr>
+            <a:xfrm>
+              <a:off x="6500494" y="878566"/>
+              <a:ext cx="3251742" cy="2441508"/>
+              <a:chOff x="6732777" y="2180059"/>
+              <a:chExt cx="3251742" cy="2441508"/>
+            </a:xfrm>
+          </p:grpSpPr>
+          <p:cxnSp>
+            <p:nvCxnSpPr>
+              <p:cNvPr id="22" name="Straight Arrow Connector 21">
+                <a:extLst>
+                  <a:ext uri="{FF2B5EF4-FFF2-40B4-BE49-F238E27FC236}">
+                    <a16:creationId xmlns:a16="http://schemas.microsoft.com/office/drawing/2014/main" id="{B3A81015-B5D4-42FA-88C6-806DBB03BAF2}"/>
+                  </a:ext>
+                </a:extLst>
+              </p:cNvPr>
+              <p:cNvCxnSpPr>
+                <a:cxnSpLocks/>
+              </p:cNvCxnSpPr>
+              <p:nvPr/>
+            </p:nvCxnSpPr>
+            <p:spPr>
+              <a:xfrm flipV="1">
+                <a:off x="9301774" y="2180059"/>
+                <a:ext cx="241141" cy="287044"/>
+              </a:xfrm>
+              <a:prstGeom prst="straightConnector1">
+                <a:avLst/>
+              </a:prstGeom>
+              <a:ln w="44450">
+                <a:solidFill>
+                  <a:schemeClr val="accent6"/>
+                </a:solidFill>
+                <a:tailEnd type="triangle"/>
+              </a:ln>
+            </p:spPr>
+            <p:style>
+              <a:lnRef idx="1">
+                <a:schemeClr val="accent1"/>
+              </a:lnRef>
+              <a:fillRef idx="0">
+                <a:schemeClr val="accent1"/>
+              </a:fillRef>
+              <a:effectRef idx="0">
+                <a:schemeClr val="accent1"/>
+              </a:effectRef>
+              <a:fontRef idx="minor">
+                <a:schemeClr val="tx1"/>
+              </a:fontRef>
+            </p:style>
+          </p:cxnSp>
+          <p:cxnSp>
+            <p:nvCxnSpPr>
+              <p:cNvPr id="23" name="Straight Arrow Connector 22">
+                <a:extLst>
+                  <a:ext uri="{FF2B5EF4-FFF2-40B4-BE49-F238E27FC236}">
+                    <a16:creationId xmlns:a16="http://schemas.microsoft.com/office/drawing/2014/main" id="{DEA81287-C4CE-4734-8B97-F24834374238}"/>
+                  </a:ext>
+                </a:extLst>
+              </p:cNvPr>
+              <p:cNvCxnSpPr>
+                <a:cxnSpLocks/>
+              </p:cNvCxnSpPr>
+              <p:nvPr/>
+            </p:nvCxnSpPr>
+            <p:spPr>
+              <a:xfrm flipH="1">
+                <a:off x="8650932" y="4264928"/>
+                <a:ext cx="88540" cy="356639"/>
+              </a:xfrm>
+              <a:prstGeom prst="straightConnector1">
+                <a:avLst/>
+              </a:prstGeom>
+              <a:ln w="44450">
+                <a:solidFill>
+                  <a:schemeClr val="accent6"/>
+                </a:solidFill>
+                <a:tailEnd type="triangle"/>
+              </a:ln>
+            </p:spPr>
+            <p:style>
+              <a:lnRef idx="1">
+                <a:schemeClr val="accent1"/>
+              </a:lnRef>
+              <a:fillRef idx="0">
+                <a:schemeClr val="accent1"/>
+              </a:fillRef>
+              <a:effectRef idx="0">
+                <a:schemeClr val="accent1"/>
+              </a:effectRef>
+              <a:fontRef idx="minor">
+                <a:schemeClr val="tx1"/>
+              </a:fontRef>
+            </p:style>
+          </p:cxnSp>
+          <p:cxnSp>
+            <p:nvCxnSpPr>
+              <p:cNvPr id="24" name="Straight Arrow Connector 23">
+                <a:extLst>
+                  <a:ext uri="{FF2B5EF4-FFF2-40B4-BE49-F238E27FC236}">
+                    <a16:creationId xmlns:a16="http://schemas.microsoft.com/office/drawing/2014/main" id="{6F898565-E3CC-4171-8895-1871C00E4A9A}"/>
+                  </a:ext>
+                </a:extLst>
+              </p:cNvPr>
+              <p:cNvCxnSpPr>
+                <a:cxnSpLocks/>
+              </p:cNvCxnSpPr>
+              <p:nvPr/>
+            </p:nvCxnSpPr>
+            <p:spPr>
+              <a:xfrm flipV="1">
+                <a:off x="9636949" y="3507593"/>
+                <a:ext cx="347570" cy="1"/>
+              </a:xfrm>
+              <a:prstGeom prst="straightConnector1">
+                <a:avLst/>
+              </a:prstGeom>
+              <a:ln w="44450">
+                <a:solidFill>
+                  <a:schemeClr val="accent6"/>
+                </a:solidFill>
+                <a:tailEnd type="triangle"/>
+              </a:ln>
+            </p:spPr>
+            <p:style>
+              <a:lnRef idx="1">
+                <a:schemeClr val="accent1"/>
+              </a:lnRef>
+              <a:fillRef idx="0">
+                <a:schemeClr val="accent1"/>
+              </a:fillRef>
+              <a:effectRef idx="0">
+                <a:schemeClr val="accent1"/>
+              </a:effectRef>
+              <a:fontRef idx="minor">
+                <a:schemeClr val="tx1"/>
+              </a:fontRef>
+            </p:style>
+          </p:cxnSp>
+          <p:cxnSp>
+            <p:nvCxnSpPr>
+              <p:cNvPr id="25" name="Straight Arrow Connector 24">
+                <a:extLst>
+                  <a:ext uri="{FF2B5EF4-FFF2-40B4-BE49-F238E27FC236}">
+                    <a16:creationId xmlns:a16="http://schemas.microsoft.com/office/drawing/2014/main" id="{C596F9CC-E874-42FD-B740-C099BA9191A8}"/>
+                  </a:ext>
+                </a:extLst>
+              </p:cNvPr>
+              <p:cNvCxnSpPr>
+                <a:cxnSpLocks/>
+              </p:cNvCxnSpPr>
+              <p:nvPr/>
+            </p:nvCxnSpPr>
+            <p:spPr>
+              <a:xfrm flipH="1" flipV="1">
+                <a:off x="6732777" y="3619497"/>
+                <a:ext cx="342066" cy="1"/>
+              </a:xfrm>
+              <a:prstGeom prst="straightConnector1">
+                <a:avLst/>
+              </a:prstGeom>
+              <a:ln w="44450">
+                <a:solidFill>
+                  <a:schemeClr val="accent6"/>
+                </a:solidFill>
+                <a:tailEnd type="triangle"/>
+              </a:ln>
+            </p:spPr>
+            <p:style>
+              <a:lnRef idx="1">
+                <a:schemeClr val="accent1"/>
+              </a:lnRef>
+              <a:fillRef idx="0">
+                <a:schemeClr val="accent1"/>
+              </a:fillRef>
+              <a:effectRef idx="0">
+                <a:schemeClr val="accent1"/>
+              </a:effectRef>
+              <a:fontRef idx="minor">
+                <a:schemeClr val="tx1"/>
+              </a:fontRef>
+            </p:style>
+          </p:cxnSp>
+          <p:sp>
+            <p:nvSpPr>
+              <p:cNvPr id="26" name="Oval 25">
+                <a:extLst>
+                  <a:ext uri="{FF2B5EF4-FFF2-40B4-BE49-F238E27FC236}">
+                    <a16:creationId xmlns:a16="http://schemas.microsoft.com/office/drawing/2014/main" id="{CF87C1C8-052A-472B-AFD5-04AF8D06A222}"/>
+                  </a:ext>
+                </a:extLst>
+              </p:cNvPr>
+              <p:cNvSpPr/>
+              <p:nvPr/>
+            </p:nvSpPr>
+            <p:spPr>
+              <a:xfrm>
+                <a:off x="9147838" y="2467103"/>
+                <a:ext cx="214604" cy="214604"/>
+              </a:xfrm>
+              <a:prstGeom prst="ellipse">
+                <a:avLst/>
+              </a:prstGeom>
+              <a:solidFill>
+                <a:schemeClr val="tx1">
+                  <a:lumMod val="85000"/>
+                  <a:lumOff val="15000"/>
+                </a:schemeClr>
+              </a:solidFill>
+              <a:ln>
+                <a:noFill/>
+              </a:ln>
+            </p:spPr>
+            <p:style>
+              <a:lnRef idx="2">
+                <a:schemeClr val="accent1">
+                  <a:shade val="50000"/>
+                </a:schemeClr>
+              </a:lnRef>
+              <a:fillRef idx="1">
+                <a:schemeClr val="accent1"/>
+              </a:fillRef>
+              <a:effectRef idx="0">
+                <a:schemeClr val="accent1"/>
+              </a:effectRef>
+              <a:fontRef idx="minor">
+                <a:schemeClr val="lt1"/>
+              </a:fontRef>
+            </p:style>
+            <p:txBody>
+              <a:bodyPr rtlCol="0" anchor="ctr"/>
+              <a:lstStyle/>
+              <a:p>
+                <a:pPr algn="ctr"/>
+                <a:endParaRPr lang="en-US" i="1"/>
+              </a:p>
+            </p:txBody>
+          </p:sp>
+          <p:sp>
+            <p:nvSpPr>
+              <p:cNvPr id="27" name="Oval 26">
+                <a:extLst>
+                  <a:ext uri="{FF2B5EF4-FFF2-40B4-BE49-F238E27FC236}">
+                    <a16:creationId xmlns:a16="http://schemas.microsoft.com/office/drawing/2014/main" id="{2504654D-397B-470B-9ED4-EB2E93AB4C35}"/>
+                  </a:ext>
+                </a:extLst>
+              </p:cNvPr>
+              <p:cNvSpPr/>
+              <p:nvPr/>
+            </p:nvSpPr>
+            <p:spPr>
+              <a:xfrm>
+                <a:off x="9422345" y="3404894"/>
+                <a:ext cx="214604" cy="214604"/>
+              </a:xfrm>
+              <a:prstGeom prst="ellipse">
+                <a:avLst/>
+              </a:prstGeom>
+              <a:solidFill>
+                <a:schemeClr val="tx1">
+                  <a:lumMod val="85000"/>
+                  <a:lumOff val="15000"/>
+                </a:schemeClr>
+              </a:solidFill>
+              <a:ln>
+                <a:noFill/>
+              </a:ln>
+            </p:spPr>
+            <p:style>
+              <a:lnRef idx="2">
+                <a:schemeClr val="accent1">
+                  <a:shade val="50000"/>
+                </a:schemeClr>
+              </a:lnRef>
+              <a:fillRef idx="1">
+                <a:schemeClr val="accent1"/>
+              </a:fillRef>
+              <a:effectRef idx="0">
+                <a:schemeClr val="accent1"/>
+              </a:effectRef>
+              <a:fontRef idx="minor">
+                <a:schemeClr val="lt1"/>
+              </a:fontRef>
+            </p:style>
+            <p:txBody>
+              <a:bodyPr rtlCol="0" anchor="ctr"/>
+              <a:lstStyle/>
+              <a:p>
+                <a:pPr algn="ctr"/>
+                <a:endParaRPr lang="en-US" i="1"/>
+              </a:p>
+            </p:txBody>
+          </p:sp>
+          <p:sp>
+            <p:nvSpPr>
+              <p:cNvPr id="28" name="Oval 27">
+                <a:extLst>
+                  <a:ext uri="{FF2B5EF4-FFF2-40B4-BE49-F238E27FC236}">
+                    <a16:creationId xmlns:a16="http://schemas.microsoft.com/office/drawing/2014/main" id="{C997468C-4FAE-4B75-A103-E6E090A6DAE5}"/>
+                  </a:ext>
+                </a:extLst>
+              </p:cNvPr>
+              <p:cNvSpPr/>
+              <p:nvPr/>
+            </p:nvSpPr>
+            <p:spPr>
+              <a:xfrm>
+                <a:off x="7086683" y="3495928"/>
+                <a:ext cx="214604" cy="214604"/>
+              </a:xfrm>
+              <a:prstGeom prst="ellipse">
+                <a:avLst/>
+              </a:prstGeom>
+              <a:solidFill>
+                <a:schemeClr val="tx1">
+                  <a:lumMod val="85000"/>
+                  <a:lumOff val="15000"/>
+                </a:schemeClr>
+              </a:solidFill>
+              <a:ln>
+                <a:noFill/>
+              </a:ln>
+            </p:spPr>
+            <p:style>
+              <a:lnRef idx="2">
+                <a:schemeClr val="accent1">
+                  <a:shade val="50000"/>
+                </a:schemeClr>
+              </a:lnRef>
+              <a:fillRef idx="1">
+                <a:schemeClr val="accent1"/>
+              </a:fillRef>
+              <a:effectRef idx="0">
+                <a:schemeClr val="accent1"/>
+              </a:effectRef>
+              <a:fontRef idx="minor">
+                <a:schemeClr val="lt1"/>
+              </a:fontRef>
+            </p:style>
+            <p:txBody>
+              <a:bodyPr rtlCol="0" anchor="ctr"/>
+              <a:lstStyle/>
+              <a:p>
+                <a:pPr algn="ctr"/>
+                <a:endParaRPr lang="en-US" i="1"/>
+              </a:p>
+            </p:txBody>
+          </p:sp>
+          <p:sp>
+            <p:nvSpPr>
+              <p:cNvPr id="29" name="Oval 28">
+                <a:extLst>
+                  <a:ext uri="{FF2B5EF4-FFF2-40B4-BE49-F238E27FC236}">
+                    <a16:creationId xmlns:a16="http://schemas.microsoft.com/office/drawing/2014/main" id="{79586FAB-E0A9-4EB3-89A6-BBAD94628D8F}"/>
+                  </a:ext>
+                </a:extLst>
+              </p:cNvPr>
+              <p:cNvSpPr/>
+              <p:nvPr/>
+            </p:nvSpPr>
+            <p:spPr>
+              <a:xfrm>
+                <a:off x="8650932" y="4050324"/>
+                <a:ext cx="214604" cy="214604"/>
+              </a:xfrm>
+              <a:prstGeom prst="ellipse">
+                <a:avLst/>
+              </a:prstGeom>
+              <a:solidFill>
+                <a:schemeClr val="tx1">
+                  <a:lumMod val="85000"/>
+                  <a:lumOff val="15000"/>
+                </a:schemeClr>
+              </a:solidFill>
+              <a:ln>
+                <a:noFill/>
+              </a:ln>
+            </p:spPr>
+            <p:style>
+              <a:lnRef idx="2">
+                <a:schemeClr val="accent1">
+                  <a:shade val="50000"/>
+                </a:schemeClr>
+              </a:lnRef>
+              <a:fillRef idx="1">
+                <a:schemeClr val="accent1"/>
+              </a:fillRef>
+              <a:effectRef idx="0">
+                <a:schemeClr val="accent1"/>
+              </a:effectRef>
+              <a:fontRef idx="minor">
+                <a:schemeClr val="lt1"/>
+              </a:fontRef>
+            </p:style>
+            <p:txBody>
+              <a:bodyPr rtlCol="0" anchor="ctr"/>
+              <a:lstStyle/>
+              <a:p>
+                <a:pPr algn="ctr"/>
+                <a:endParaRPr lang="en-US" i="1"/>
+              </a:p>
+            </p:txBody>
+          </p:sp>
+        </p:grpSp>
+        <p:sp>
+          <p:nvSpPr>
+            <p:cNvPr id="32" name="TextBox 31">
+              <a:extLst>
+                <a:ext uri="{FF2B5EF4-FFF2-40B4-BE49-F238E27FC236}">
+                  <a16:creationId xmlns:a16="http://schemas.microsoft.com/office/drawing/2014/main" id="{5C8147D9-0606-4CA1-BD82-3A8CE8B06210}"/>
+                </a:ext>
+              </a:extLst>
+            </p:cNvPr>
+            <p:cNvSpPr txBox="1"/>
+            <p:nvPr/>
+          </p:nvSpPr>
+          <p:spPr>
+            <a:xfrm>
+              <a:off x="9827229" y="2036731"/>
+              <a:ext cx="527645" cy="307777"/>
+            </a:xfrm>
+            <a:prstGeom prst="rect">
+              <a:avLst/>
+            </a:prstGeom>
+            <a:noFill/>
+          </p:spPr>
+          <p:txBody>
+            <a:bodyPr wrap="none" rtlCol="0">
+              <a:spAutoFit/>
+            </a:bodyPr>
+            <a:lstStyle/>
+            <a:p>
+              <a:r>
+                <a:rPr lang="en-US" sz="1400" i="1" dirty="0"/>
+                <a:t>right</a:t>
+              </a:r>
+            </a:p>
+          </p:txBody>
+        </p:sp>
+        <p:sp>
+          <p:nvSpPr>
+            <p:cNvPr id="33" name="TextBox 32">
+              <a:extLst>
+                <a:ext uri="{FF2B5EF4-FFF2-40B4-BE49-F238E27FC236}">
+                  <a16:creationId xmlns:a16="http://schemas.microsoft.com/office/drawing/2014/main" id="{506152EF-292B-4E98-B822-7D30CA500634}"/>
+                </a:ext>
+              </a:extLst>
+            </p:cNvPr>
+            <p:cNvSpPr txBox="1"/>
+            <p:nvPr/>
+          </p:nvSpPr>
+          <p:spPr>
+            <a:xfrm>
+              <a:off x="8205621" y="3320074"/>
+              <a:ext cx="434734" cy="307777"/>
+            </a:xfrm>
+            <a:prstGeom prst="rect">
+              <a:avLst/>
+            </a:prstGeom>
+            <a:noFill/>
+          </p:spPr>
+          <p:txBody>
+            <a:bodyPr wrap="none" rtlCol="0">
+              <a:spAutoFit/>
+            </a:bodyPr>
+            <a:lstStyle/>
+            <a:p>
+              <a:r>
+                <a:rPr lang="en-US" sz="1400" i="1" dirty="0"/>
+                <a:t>bot</a:t>
+              </a:r>
+            </a:p>
+          </p:txBody>
+        </p:sp>
+        <p:sp>
+          <p:nvSpPr>
+            <p:cNvPr id="34" name="TextBox 33">
+              <a:extLst>
+                <a:ext uri="{FF2B5EF4-FFF2-40B4-BE49-F238E27FC236}">
+                  <a16:creationId xmlns:a16="http://schemas.microsoft.com/office/drawing/2014/main" id="{88CD1958-699F-4B8B-B3FD-F4EC3E88C18B}"/>
+                </a:ext>
+              </a:extLst>
+            </p:cNvPr>
+            <p:cNvSpPr txBox="1"/>
+            <p:nvPr/>
+          </p:nvSpPr>
+          <p:spPr>
+            <a:xfrm>
+              <a:off x="6071846" y="2147848"/>
+              <a:ext cx="429926" cy="307777"/>
+            </a:xfrm>
+            <a:prstGeom prst="rect">
+              <a:avLst/>
+            </a:prstGeom>
+            <a:noFill/>
+          </p:spPr>
+          <p:txBody>
+            <a:bodyPr wrap="none" rtlCol="0">
+              <a:spAutoFit/>
+            </a:bodyPr>
+            <a:lstStyle/>
+            <a:p>
+              <a:r>
+                <a:rPr lang="en-US" sz="1400" i="1" dirty="0"/>
+                <a:t>left</a:t>
+              </a:r>
+            </a:p>
+          </p:txBody>
+        </p:sp>
+        <p:sp>
+          <p:nvSpPr>
+            <p:cNvPr id="35" name="TextBox 34">
+              <a:extLst>
+                <a:ext uri="{FF2B5EF4-FFF2-40B4-BE49-F238E27FC236}">
+                  <a16:creationId xmlns:a16="http://schemas.microsoft.com/office/drawing/2014/main" id="{AE56B2D5-370F-4B07-9B34-47D735795F52}"/>
+                </a:ext>
+              </a:extLst>
+            </p:cNvPr>
+            <p:cNvSpPr txBox="1"/>
+            <p:nvPr/>
+          </p:nvSpPr>
+          <p:spPr>
+            <a:xfrm>
+              <a:off x="9190061" y="612773"/>
+              <a:ext cx="527645" cy="307777"/>
+            </a:xfrm>
+            <a:prstGeom prst="rect">
+              <a:avLst/>
+            </a:prstGeom>
+            <a:noFill/>
+          </p:spPr>
+          <p:txBody>
+            <a:bodyPr wrap="none" rtlCol="0">
+              <a:spAutoFit/>
+            </a:bodyPr>
+            <a:lstStyle/>
+            <a:p>
+              <a:r>
+                <a:rPr lang="en-US" sz="1400" i="1" dirty="0"/>
+                <a:t>right</a:t>
+              </a:r>
+            </a:p>
+          </p:txBody>
+        </p:sp>
+      </p:grpSp>
+      <p:grpSp>
+        <p:nvGrpSpPr>
+          <p:cNvPr id="2" name="Group 1">
+            <a:extLst>
+              <a:ext uri="{FF2B5EF4-FFF2-40B4-BE49-F238E27FC236}">
+                <a16:creationId xmlns:a16="http://schemas.microsoft.com/office/drawing/2014/main" id="{3296B5C3-0F60-47BD-9E31-532731ACB652}"/>
+              </a:ext>
+            </a:extLst>
+          </p:cNvPr>
+          <p:cNvGrpSpPr/>
+          <p:nvPr/>
+        </p:nvGrpSpPr>
+        <p:grpSpPr>
+          <a:xfrm>
+            <a:off x="7310938" y="3912117"/>
+            <a:ext cx="2917374" cy="2811619"/>
+            <a:chOff x="4353134" y="3912117"/>
+            <a:chExt cx="2917374" cy="2811619"/>
+          </a:xfrm>
+        </p:grpSpPr>
+        <p:grpSp>
+          <p:nvGrpSpPr>
+            <p:cNvPr id="57" name="Group 56">
+              <a:extLst>
+                <a:ext uri="{FF2B5EF4-FFF2-40B4-BE49-F238E27FC236}">
+                  <a16:creationId xmlns:a16="http://schemas.microsoft.com/office/drawing/2014/main" id="{82A38385-4F76-48BC-82DE-684E8784F7F0}"/>
+                </a:ext>
+              </a:extLst>
+            </p:cNvPr>
+            <p:cNvGrpSpPr/>
+            <p:nvPr/>
+          </p:nvGrpSpPr>
+          <p:grpSpPr>
+            <a:xfrm>
+              <a:off x="4353134" y="3912117"/>
+              <a:ext cx="2917374" cy="2811619"/>
+              <a:chOff x="4788158" y="3934414"/>
+              <a:chExt cx="2917374" cy="2811619"/>
+            </a:xfrm>
+          </p:grpSpPr>
+          <p:sp>
+            <p:nvSpPr>
+              <p:cNvPr id="36" name="Rectangle 35">
+                <a:extLst>
+                  <a:ext uri="{FF2B5EF4-FFF2-40B4-BE49-F238E27FC236}">
+                    <a16:creationId xmlns:a16="http://schemas.microsoft.com/office/drawing/2014/main" id="{846C108E-E0C7-46B3-819C-049D00F07C87}"/>
+                  </a:ext>
+                </a:extLst>
+              </p:cNvPr>
+              <p:cNvSpPr/>
+              <p:nvPr/>
+            </p:nvSpPr>
+            <p:spPr>
+              <a:xfrm>
+                <a:off x="5047861" y="4236098"/>
+                <a:ext cx="2397968" cy="2285991"/>
+              </a:xfrm>
+              <a:prstGeom prst="rect">
+                <a:avLst/>
+              </a:prstGeom>
+              <a:solidFill>
+                <a:schemeClr val="bg2">
+                  <a:lumMod val="75000"/>
+                </a:schemeClr>
+              </a:solidFill>
+              <a:ln>
+                <a:noFill/>
+              </a:ln>
+            </p:spPr>
+            <p:style>
+              <a:lnRef idx="2">
+                <a:schemeClr val="accent1">
+                  <a:shade val="50000"/>
+                </a:schemeClr>
+              </a:lnRef>
+              <a:fillRef idx="1">
+                <a:schemeClr val="accent1"/>
+              </a:fillRef>
+              <a:effectRef idx="0">
+                <a:schemeClr val="accent1"/>
+              </a:effectRef>
+              <a:fontRef idx="minor">
+                <a:schemeClr val="lt1"/>
+              </a:fontRef>
+            </p:style>
+            <p:txBody>
+              <a:bodyPr rtlCol="0" anchor="ctr"/>
+              <a:lstStyle/>
+              <a:p>
+                <a:pPr algn="ctr"/>
+                <a:endParaRPr lang="en-US"/>
+              </a:p>
+            </p:txBody>
+          </p:sp>
+          <p:sp>
+            <p:nvSpPr>
+              <p:cNvPr id="37" name="Rectangle 36">
+                <a:extLst>
+                  <a:ext uri="{FF2B5EF4-FFF2-40B4-BE49-F238E27FC236}">
+                    <a16:creationId xmlns:a16="http://schemas.microsoft.com/office/drawing/2014/main" id="{D5CF735E-2A26-4413-9D8A-A9DA17577330}"/>
+                  </a:ext>
+                </a:extLst>
+              </p:cNvPr>
+              <p:cNvSpPr/>
+              <p:nvPr/>
+            </p:nvSpPr>
+            <p:spPr>
+              <a:xfrm>
+                <a:off x="5402424" y="4584442"/>
+                <a:ext cx="1666580" cy="1620416"/>
+              </a:xfrm>
+              <a:prstGeom prst="rect">
+                <a:avLst/>
+              </a:prstGeom>
+              <a:solidFill>
+                <a:schemeClr val="bg1"/>
+              </a:solidFill>
+              <a:ln>
+                <a:noFill/>
+              </a:ln>
+            </p:spPr>
+            <p:style>
+              <a:lnRef idx="2">
+                <a:schemeClr val="accent1">
+                  <a:shade val="50000"/>
+                </a:schemeClr>
+              </a:lnRef>
+              <a:fillRef idx="1">
+                <a:schemeClr val="accent1"/>
+              </a:fillRef>
+              <a:effectRef idx="0">
+                <a:schemeClr val="accent1"/>
+              </a:effectRef>
+              <a:fontRef idx="minor">
+                <a:schemeClr val="lt1"/>
+              </a:fontRef>
+            </p:style>
+            <p:txBody>
+              <a:bodyPr rtlCol="0" anchor="ctr"/>
+              <a:lstStyle/>
+              <a:p>
+                <a:pPr algn="ctr"/>
+                <a:endParaRPr lang="en-US" i="1"/>
+              </a:p>
+            </p:txBody>
+          </p:sp>
+          <p:cxnSp>
+            <p:nvCxnSpPr>
+              <p:cNvPr id="39" name="Straight Connector 38">
+                <a:extLst>
+                  <a:ext uri="{FF2B5EF4-FFF2-40B4-BE49-F238E27FC236}">
+                    <a16:creationId xmlns:a16="http://schemas.microsoft.com/office/drawing/2014/main" id="{3DA93F11-38C4-4F50-AAD1-7AEC399AA7AD}"/>
+                  </a:ext>
+                </a:extLst>
+              </p:cNvPr>
+              <p:cNvCxnSpPr>
+                <a:cxnSpLocks/>
+              </p:cNvCxnSpPr>
+              <p:nvPr/>
+            </p:nvCxnSpPr>
+            <p:spPr>
+              <a:xfrm flipV="1">
+                <a:off x="6961702" y="4236098"/>
+                <a:ext cx="484127" cy="499054"/>
+              </a:xfrm>
+              <a:prstGeom prst="line">
+                <a:avLst/>
+              </a:prstGeom>
+              <a:ln w="15875">
+                <a:solidFill>
+                  <a:schemeClr val="bg1"/>
+                </a:solidFill>
+              </a:ln>
+            </p:spPr>
+            <p:style>
+              <a:lnRef idx="1">
+                <a:schemeClr val="accent1"/>
+              </a:lnRef>
+              <a:fillRef idx="0">
+                <a:schemeClr val="accent1"/>
+              </a:fillRef>
+              <a:effectRef idx="0">
+                <a:schemeClr val="accent1"/>
+              </a:effectRef>
+              <a:fontRef idx="minor">
+                <a:schemeClr val="tx1"/>
+              </a:fontRef>
+            </p:style>
+          </p:cxnSp>
+          <p:cxnSp>
+            <p:nvCxnSpPr>
+              <p:cNvPr id="40" name="Straight Connector 39">
+                <a:extLst>
+                  <a:ext uri="{FF2B5EF4-FFF2-40B4-BE49-F238E27FC236}">
+                    <a16:creationId xmlns:a16="http://schemas.microsoft.com/office/drawing/2014/main" id="{4A4EF4B5-1996-4AD5-91C6-22129CFECEF0}"/>
+                  </a:ext>
+                </a:extLst>
+              </p:cNvPr>
+              <p:cNvCxnSpPr>
+                <a:cxnSpLocks/>
+              </p:cNvCxnSpPr>
+              <p:nvPr/>
+            </p:nvCxnSpPr>
+            <p:spPr>
+              <a:xfrm flipV="1">
+                <a:off x="5047861" y="6173744"/>
+                <a:ext cx="376825" cy="348345"/>
+              </a:xfrm>
+              <a:prstGeom prst="line">
+                <a:avLst/>
+              </a:prstGeom>
+              <a:ln w="15875">
+                <a:solidFill>
+                  <a:schemeClr val="bg1"/>
+                </a:solidFill>
+              </a:ln>
+            </p:spPr>
+            <p:style>
+              <a:lnRef idx="1">
+                <a:schemeClr val="accent1"/>
+              </a:lnRef>
+              <a:fillRef idx="0">
+                <a:schemeClr val="accent1"/>
+              </a:fillRef>
+              <a:effectRef idx="0">
+                <a:schemeClr val="accent1"/>
+              </a:effectRef>
+              <a:fontRef idx="minor">
+                <a:schemeClr val="tx1"/>
+              </a:fontRef>
+            </p:style>
+          </p:cxnSp>
+          <p:cxnSp>
+            <p:nvCxnSpPr>
+              <p:cNvPr id="43" name="Straight Connector 42">
+                <a:extLst>
+                  <a:ext uri="{FF2B5EF4-FFF2-40B4-BE49-F238E27FC236}">
+                    <a16:creationId xmlns:a16="http://schemas.microsoft.com/office/drawing/2014/main" id="{3BC91AAB-764C-48CC-9BE6-C7AE6A780DBC}"/>
+                  </a:ext>
+                </a:extLst>
+              </p:cNvPr>
+              <p:cNvCxnSpPr>
+                <a:cxnSpLocks/>
+              </p:cNvCxnSpPr>
+              <p:nvPr/>
+            </p:nvCxnSpPr>
+            <p:spPr>
+              <a:xfrm>
+                <a:off x="4788158" y="3934414"/>
+                <a:ext cx="877652" cy="936166"/>
+              </a:xfrm>
+              <a:prstGeom prst="line">
+                <a:avLst/>
+              </a:prstGeom>
+              <a:ln w="15875">
+                <a:solidFill>
+                  <a:schemeClr val="bg1"/>
+                </a:solidFill>
+              </a:ln>
+            </p:spPr>
+            <p:style>
+              <a:lnRef idx="1">
+                <a:schemeClr val="accent1"/>
+              </a:lnRef>
+              <a:fillRef idx="0">
+                <a:schemeClr val="accent1"/>
+              </a:fillRef>
+              <a:effectRef idx="0">
+                <a:schemeClr val="accent1"/>
+              </a:effectRef>
+              <a:fontRef idx="minor">
+                <a:schemeClr val="tx1"/>
+              </a:fontRef>
+            </p:style>
+          </p:cxnSp>
+          <p:cxnSp>
+            <p:nvCxnSpPr>
+              <p:cNvPr id="47" name="Straight Connector 46">
+                <a:extLst>
+                  <a:ext uri="{FF2B5EF4-FFF2-40B4-BE49-F238E27FC236}">
+                    <a16:creationId xmlns:a16="http://schemas.microsoft.com/office/drawing/2014/main" id="{A18594F8-5086-4880-8FD0-5354417E5863}"/>
+                  </a:ext>
+                </a:extLst>
+              </p:cNvPr>
+              <p:cNvCxnSpPr>
+                <a:cxnSpLocks/>
+              </p:cNvCxnSpPr>
+              <p:nvPr/>
+            </p:nvCxnSpPr>
+            <p:spPr>
+              <a:xfrm>
+                <a:off x="6818591" y="5962261"/>
+                <a:ext cx="886941" cy="783772"/>
+              </a:xfrm>
+              <a:prstGeom prst="line">
+                <a:avLst/>
+              </a:prstGeom>
+              <a:ln w="15875">
+                <a:solidFill>
+                  <a:schemeClr val="bg1"/>
+                </a:solidFill>
+              </a:ln>
+            </p:spPr>
+            <p:style>
+              <a:lnRef idx="1">
+                <a:schemeClr val="accent1"/>
+              </a:lnRef>
+              <a:fillRef idx="0">
+                <a:schemeClr val="accent1"/>
+              </a:fillRef>
+              <a:effectRef idx="0">
+                <a:schemeClr val="accent1"/>
+              </a:effectRef>
+              <a:fontRef idx="minor">
+                <a:schemeClr val="tx1"/>
+              </a:fontRef>
+            </p:style>
+          </p:cxnSp>
+          <p:sp>
+            <p:nvSpPr>
+              <p:cNvPr id="50" name="TextBox 49">
+                <a:extLst>
+                  <a:ext uri="{FF2B5EF4-FFF2-40B4-BE49-F238E27FC236}">
+                    <a16:creationId xmlns:a16="http://schemas.microsoft.com/office/drawing/2014/main" id="{EAC4CE21-3DEC-4849-A568-D7F02AC460E6}"/>
+                  </a:ext>
+                </a:extLst>
+              </p:cNvPr>
+              <p:cNvSpPr txBox="1"/>
+              <p:nvPr/>
+            </p:nvSpPr>
+            <p:spPr>
+              <a:xfrm>
+                <a:off x="6554768" y="5240761"/>
+                <a:ext cx="527645" cy="307777"/>
+              </a:xfrm>
+              <a:prstGeom prst="rect">
+                <a:avLst/>
+              </a:prstGeom>
+              <a:noFill/>
+            </p:spPr>
+            <p:txBody>
+              <a:bodyPr wrap="none" rtlCol="0">
+                <a:spAutoFit/>
+              </a:bodyPr>
+              <a:lstStyle/>
+              <a:p>
+                <a:r>
+                  <a:rPr lang="en-US" sz="1400" i="1" dirty="0"/>
+                  <a:t>right</a:t>
+                </a:r>
+              </a:p>
+            </p:txBody>
+          </p:sp>
+          <p:sp>
+            <p:nvSpPr>
+              <p:cNvPr id="51" name="TextBox 50">
+                <a:extLst>
+                  <a:ext uri="{FF2B5EF4-FFF2-40B4-BE49-F238E27FC236}">
+                    <a16:creationId xmlns:a16="http://schemas.microsoft.com/office/drawing/2014/main" id="{97CD567F-315F-488C-B2C1-D5E107800E57}"/>
+                  </a:ext>
+                </a:extLst>
+              </p:cNvPr>
+              <p:cNvSpPr txBox="1"/>
+              <p:nvPr/>
+            </p:nvSpPr>
+            <p:spPr>
+              <a:xfrm>
+                <a:off x="5389015" y="5240761"/>
+                <a:ext cx="429926" cy="307777"/>
+              </a:xfrm>
+              <a:prstGeom prst="rect">
+                <a:avLst/>
+              </a:prstGeom>
+              <a:noFill/>
+            </p:spPr>
+            <p:txBody>
+              <a:bodyPr wrap="none" rtlCol="0">
+                <a:spAutoFit/>
+              </a:bodyPr>
+              <a:lstStyle/>
+              <a:p>
+                <a:r>
+                  <a:rPr lang="en-US" sz="1400" i="1" dirty="0"/>
+                  <a:t>left</a:t>
+                </a:r>
+              </a:p>
+            </p:txBody>
+          </p:sp>
+          <p:sp>
+            <p:nvSpPr>
+              <p:cNvPr id="52" name="TextBox 51">
+                <a:extLst>
+                  <a:ext uri="{FF2B5EF4-FFF2-40B4-BE49-F238E27FC236}">
+                    <a16:creationId xmlns:a16="http://schemas.microsoft.com/office/drawing/2014/main" id="{35A27067-C81E-4ECF-88EA-C8841EC010DD}"/>
+                  </a:ext>
+                </a:extLst>
+              </p:cNvPr>
+              <p:cNvSpPr txBox="1"/>
+              <p:nvPr/>
+            </p:nvSpPr>
+            <p:spPr>
+              <a:xfrm>
+                <a:off x="6029478" y="5937243"/>
+                <a:ext cx="434734" cy="307777"/>
+              </a:xfrm>
+              <a:prstGeom prst="rect">
+                <a:avLst/>
+              </a:prstGeom>
+              <a:noFill/>
+            </p:spPr>
+            <p:txBody>
+              <a:bodyPr wrap="none" rtlCol="0">
+                <a:spAutoFit/>
+              </a:bodyPr>
+              <a:lstStyle/>
+              <a:p>
+                <a:r>
+                  <a:rPr lang="en-US" sz="1400" i="1" dirty="0"/>
+                  <a:t>bot</a:t>
+                </a:r>
+              </a:p>
+            </p:txBody>
+          </p:sp>
+          <p:sp>
+            <p:nvSpPr>
+              <p:cNvPr id="53" name="TextBox 52">
+                <a:extLst>
+                  <a:ext uri="{FF2B5EF4-FFF2-40B4-BE49-F238E27FC236}">
+                    <a16:creationId xmlns:a16="http://schemas.microsoft.com/office/drawing/2014/main" id="{C0DA0EE4-FF54-49FD-97B6-623366A89AAB}"/>
+                  </a:ext>
+                </a:extLst>
+              </p:cNvPr>
+              <p:cNvSpPr txBox="1"/>
+              <p:nvPr/>
+            </p:nvSpPr>
+            <p:spPr>
+              <a:xfrm>
+                <a:off x="6029478" y="4581264"/>
+                <a:ext cx="433004" cy="307777"/>
+              </a:xfrm>
+              <a:prstGeom prst="rect">
+                <a:avLst/>
+              </a:prstGeom>
+              <a:noFill/>
+            </p:spPr>
+            <p:txBody>
+              <a:bodyPr wrap="none" rtlCol="0">
+                <a:spAutoFit/>
+              </a:bodyPr>
+              <a:lstStyle/>
+              <a:p>
+                <a:r>
+                  <a:rPr lang="en-US" sz="1400" i="1" dirty="0"/>
+                  <a:t>top</a:t>
+                </a:r>
+              </a:p>
+            </p:txBody>
+          </p:sp>
+        </p:grpSp>
+        <p:cxnSp>
+          <p:nvCxnSpPr>
+            <p:cNvPr id="59" name="Straight Arrow Connector 58">
+              <a:extLst>
+                <a:ext uri="{FF2B5EF4-FFF2-40B4-BE49-F238E27FC236}">
+                  <a16:creationId xmlns:a16="http://schemas.microsoft.com/office/drawing/2014/main" id="{535D5EF8-9553-4E89-9264-56B6109A1736}"/>
+                </a:ext>
+              </a:extLst>
+            </p:cNvPr>
+            <p:cNvCxnSpPr>
+              <a:cxnSpLocks/>
+            </p:cNvCxnSpPr>
+            <p:nvPr/>
+          </p:nvCxnSpPr>
+          <p:spPr>
+            <a:xfrm>
+              <a:off x="6842560" y="4945225"/>
+              <a:ext cx="360673" cy="0"/>
+            </a:xfrm>
+            <a:prstGeom prst="straightConnector1">
+              <a:avLst/>
+            </a:prstGeom>
+            <a:ln w="25400">
+              <a:solidFill>
+                <a:schemeClr val="accent2">
+                  <a:lumMod val="75000"/>
+                </a:schemeClr>
+              </a:solidFill>
+              <a:tailEnd type="triangle"/>
+            </a:ln>
+          </p:spPr>
+          <p:style>
+            <a:lnRef idx="1">
+              <a:schemeClr val="accent1"/>
+            </a:lnRef>
+            <a:fillRef idx="0">
+              <a:schemeClr val="accent1"/>
+            </a:fillRef>
+            <a:effectRef idx="0">
+              <a:schemeClr val="accent1"/>
+            </a:effectRef>
+            <a:fontRef idx="minor">
+              <a:schemeClr val="tx1"/>
+            </a:fontRef>
+          </p:style>
+        </p:cxnSp>
+        <p:cxnSp>
+          <p:nvCxnSpPr>
+            <p:cNvPr id="61" name="Straight Arrow Connector 60">
+              <a:extLst>
+                <a:ext uri="{FF2B5EF4-FFF2-40B4-BE49-F238E27FC236}">
+                  <a16:creationId xmlns:a16="http://schemas.microsoft.com/office/drawing/2014/main" id="{5762B817-1850-4CC2-869A-B6BCA825AB64}"/>
+                </a:ext>
+              </a:extLst>
+            </p:cNvPr>
+            <p:cNvCxnSpPr>
+              <a:cxnSpLocks/>
+            </p:cNvCxnSpPr>
+            <p:nvPr/>
+          </p:nvCxnSpPr>
+          <p:spPr>
+            <a:xfrm>
+              <a:off x="6842560" y="5088294"/>
+              <a:ext cx="360673" cy="0"/>
+            </a:xfrm>
+            <a:prstGeom prst="straightConnector1">
+              <a:avLst/>
+            </a:prstGeom>
+            <a:ln w="25400">
+              <a:solidFill>
+                <a:schemeClr val="accent2">
+                  <a:lumMod val="75000"/>
+                </a:schemeClr>
+              </a:solidFill>
+              <a:tailEnd type="triangle"/>
+            </a:ln>
+          </p:spPr>
+          <p:style>
+            <a:lnRef idx="1">
+              <a:schemeClr val="accent1"/>
+            </a:lnRef>
+            <a:fillRef idx="0">
+              <a:schemeClr val="accent1"/>
+            </a:fillRef>
+            <a:effectRef idx="0">
+              <a:schemeClr val="accent1"/>
+            </a:effectRef>
+            <a:fontRef idx="minor">
+              <a:schemeClr val="tx1"/>
+            </a:fontRef>
+          </p:style>
+        </p:cxnSp>
+        <p:cxnSp>
+          <p:nvCxnSpPr>
+            <p:cNvPr id="62" name="Straight Arrow Connector 61">
+              <a:extLst>
+                <a:ext uri="{FF2B5EF4-FFF2-40B4-BE49-F238E27FC236}">
+                  <a16:creationId xmlns:a16="http://schemas.microsoft.com/office/drawing/2014/main" id="{92B061D4-201E-402C-8016-9B5A83319EA0}"/>
+                </a:ext>
+              </a:extLst>
+            </p:cNvPr>
+            <p:cNvCxnSpPr>
+              <a:cxnSpLocks/>
+            </p:cNvCxnSpPr>
+            <p:nvPr/>
+          </p:nvCxnSpPr>
+          <p:spPr>
+            <a:xfrm flipH="1">
+              <a:off x="6827037" y="5600889"/>
+              <a:ext cx="351369" cy="0"/>
+            </a:xfrm>
+            <a:prstGeom prst="straightConnector1">
+              <a:avLst/>
+            </a:prstGeom>
+            <a:ln w="25400">
+              <a:solidFill>
+                <a:schemeClr val="accent5">
+                  <a:lumMod val="75000"/>
+                </a:schemeClr>
+              </a:solidFill>
+              <a:tailEnd type="triangle"/>
+            </a:ln>
+          </p:spPr>
+          <p:style>
+            <a:lnRef idx="1">
+              <a:schemeClr val="accent1"/>
+            </a:lnRef>
+            <a:fillRef idx="0">
+              <a:schemeClr val="accent1"/>
+            </a:fillRef>
+            <a:effectRef idx="0">
+              <a:schemeClr val="accent1"/>
+            </a:effectRef>
+            <a:fontRef idx="minor">
+              <a:schemeClr val="tx1"/>
+            </a:fontRef>
+          </p:style>
+        </p:cxnSp>
+        <p:cxnSp>
+          <p:nvCxnSpPr>
+            <p:cNvPr id="64" name="Straight Arrow Connector 63">
+              <a:extLst>
+                <a:ext uri="{FF2B5EF4-FFF2-40B4-BE49-F238E27FC236}">
+                  <a16:creationId xmlns:a16="http://schemas.microsoft.com/office/drawing/2014/main" id="{C5D05934-EB92-4F57-B22D-4644F544C041}"/>
+                </a:ext>
+              </a:extLst>
+            </p:cNvPr>
+            <p:cNvCxnSpPr>
+              <a:cxnSpLocks/>
+            </p:cNvCxnSpPr>
+            <p:nvPr/>
+          </p:nvCxnSpPr>
+          <p:spPr>
+            <a:xfrm flipH="1">
+              <a:off x="6827036" y="5743958"/>
+              <a:ext cx="351369" cy="0"/>
+            </a:xfrm>
+            <a:prstGeom prst="straightConnector1">
+              <a:avLst/>
+            </a:prstGeom>
+            <a:ln w="25400">
+              <a:solidFill>
+                <a:schemeClr val="accent5">
+                  <a:lumMod val="75000"/>
+                </a:schemeClr>
+              </a:solidFill>
+              <a:tailEnd type="triangle"/>
+            </a:ln>
+          </p:spPr>
+          <p:style>
+            <a:lnRef idx="1">
+              <a:schemeClr val="accent1"/>
+            </a:lnRef>
+            <a:fillRef idx="0">
+              <a:schemeClr val="accent1"/>
+            </a:fillRef>
+            <a:effectRef idx="0">
+              <a:schemeClr val="accent1"/>
+            </a:effectRef>
+            <a:fontRef idx="minor">
+              <a:schemeClr val="tx1"/>
+            </a:fontRef>
+          </p:style>
+        </p:cxnSp>
+        <p:cxnSp>
+          <p:nvCxnSpPr>
+            <p:cNvPr id="65" name="Straight Arrow Connector 64">
+              <a:extLst>
+                <a:ext uri="{FF2B5EF4-FFF2-40B4-BE49-F238E27FC236}">
+                  <a16:creationId xmlns:a16="http://schemas.microsoft.com/office/drawing/2014/main" id="{19480124-09DC-45D9-9FF1-6BC1D021D460}"/>
+                </a:ext>
+              </a:extLst>
+            </p:cNvPr>
+            <p:cNvCxnSpPr>
+              <a:cxnSpLocks/>
+            </p:cNvCxnSpPr>
+            <p:nvPr/>
+          </p:nvCxnSpPr>
+          <p:spPr>
+            <a:xfrm flipH="1">
+              <a:off x="6027458" y="6359558"/>
+              <a:ext cx="966" cy="274507"/>
+            </a:xfrm>
+            <a:prstGeom prst="straightConnector1">
+              <a:avLst/>
+            </a:prstGeom>
+            <a:ln w="25400">
+              <a:solidFill>
+                <a:schemeClr val="accent2">
+                  <a:lumMod val="75000"/>
+                </a:schemeClr>
+              </a:solidFill>
+              <a:tailEnd type="triangle"/>
+            </a:ln>
+          </p:spPr>
+          <p:style>
+            <a:lnRef idx="1">
+              <a:schemeClr val="accent1"/>
+            </a:lnRef>
+            <a:fillRef idx="0">
+              <a:schemeClr val="accent1"/>
+            </a:fillRef>
+            <a:effectRef idx="0">
+              <a:schemeClr val="accent1"/>
+            </a:effectRef>
+            <a:fontRef idx="minor">
+              <a:schemeClr val="tx1"/>
+            </a:fontRef>
+          </p:style>
+        </p:cxnSp>
+        <p:cxnSp>
+          <p:nvCxnSpPr>
+            <p:cNvPr id="66" name="Straight Arrow Connector 65">
+              <a:extLst>
+                <a:ext uri="{FF2B5EF4-FFF2-40B4-BE49-F238E27FC236}">
+                  <a16:creationId xmlns:a16="http://schemas.microsoft.com/office/drawing/2014/main" id="{0CFD3564-6DA3-4F9F-A165-604946B97D8E}"/>
+                </a:ext>
+              </a:extLst>
+            </p:cNvPr>
+            <p:cNvCxnSpPr>
+              <a:cxnSpLocks/>
+            </p:cNvCxnSpPr>
+            <p:nvPr/>
+          </p:nvCxnSpPr>
+          <p:spPr>
+            <a:xfrm flipV="1">
+              <a:off x="5587591" y="6359558"/>
+              <a:ext cx="0" cy="274507"/>
+            </a:xfrm>
+            <a:prstGeom prst="straightConnector1">
+              <a:avLst/>
+            </a:prstGeom>
+            <a:ln w="25400">
+              <a:solidFill>
+                <a:schemeClr val="accent5">
+                  <a:lumMod val="75000"/>
+                </a:schemeClr>
+              </a:solidFill>
+              <a:tailEnd type="triangle"/>
+            </a:ln>
+          </p:spPr>
+          <p:style>
+            <a:lnRef idx="1">
+              <a:schemeClr val="accent1"/>
+            </a:lnRef>
+            <a:fillRef idx="0">
+              <a:schemeClr val="accent1"/>
+            </a:fillRef>
+            <a:effectRef idx="0">
+              <a:schemeClr val="accent1"/>
+            </a:effectRef>
+            <a:fontRef idx="minor">
+              <a:schemeClr val="tx1"/>
+            </a:fontRef>
+          </p:style>
+        </p:cxnSp>
+        <p:cxnSp>
+          <p:nvCxnSpPr>
+            <p:cNvPr id="71" name="Straight Arrow Connector 70">
+              <a:extLst>
+                <a:ext uri="{FF2B5EF4-FFF2-40B4-BE49-F238E27FC236}">
+                  <a16:creationId xmlns:a16="http://schemas.microsoft.com/office/drawing/2014/main" id="{BFF3E727-F141-4A6B-9773-3EFE5671FFAB}"/>
+                </a:ext>
+              </a:extLst>
+            </p:cNvPr>
+            <p:cNvCxnSpPr>
+              <a:cxnSpLocks/>
+            </p:cNvCxnSpPr>
+            <p:nvPr/>
+          </p:nvCxnSpPr>
+          <p:spPr>
+            <a:xfrm flipH="1">
+              <a:off x="4390458" y="4945226"/>
+              <a:ext cx="380127" cy="0"/>
+            </a:xfrm>
+            <a:prstGeom prst="straightConnector1">
+              <a:avLst/>
+            </a:prstGeom>
+            <a:ln w="25400">
+              <a:solidFill>
+                <a:schemeClr val="accent2">
+                  <a:lumMod val="75000"/>
+                </a:schemeClr>
+              </a:solidFill>
+              <a:tailEnd type="triangle"/>
+            </a:ln>
+          </p:spPr>
+          <p:style>
+            <a:lnRef idx="1">
+              <a:schemeClr val="accent1"/>
+            </a:lnRef>
+            <a:fillRef idx="0">
+              <a:schemeClr val="accent1"/>
+            </a:fillRef>
+            <a:effectRef idx="0">
+              <a:schemeClr val="accent1"/>
+            </a:effectRef>
+            <a:fontRef idx="minor">
+              <a:schemeClr val="tx1"/>
+            </a:fontRef>
+          </p:style>
+        </p:cxnSp>
+        <p:cxnSp>
+          <p:nvCxnSpPr>
+            <p:cNvPr id="73" name="Straight Arrow Connector 72">
+              <a:extLst>
+                <a:ext uri="{FF2B5EF4-FFF2-40B4-BE49-F238E27FC236}">
+                  <a16:creationId xmlns:a16="http://schemas.microsoft.com/office/drawing/2014/main" id="{31738951-E733-4EBA-A47A-9D719336E6B6}"/>
+                </a:ext>
+              </a:extLst>
+            </p:cNvPr>
+            <p:cNvCxnSpPr>
+              <a:cxnSpLocks/>
+            </p:cNvCxnSpPr>
+            <p:nvPr/>
+          </p:nvCxnSpPr>
+          <p:spPr>
+            <a:xfrm>
+              <a:off x="4422773" y="5600889"/>
+              <a:ext cx="380127" cy="0"/>
+            </a:xfrm>
+            <a:prstGeom prst="straightConnector1">
+              <a:avLst/>
+            </a:prstGeom>
+            <a:ln w="25400">
+              <a:solidFill>
+                <a:schemeClr val="accent5">
+                  <a:lumMod val="75000"/>
+                </a:schemeClr>
+              </a:solidFill>
+              <a:tailEnd type="triangle"/>
+            </a:ln>
+          </p:spPr>
+          <p:style>
+            <a:lnRef idx="1">
+              <a:schemeClr val="accent1"/>
+            </a:lnRef>
+            <a:fillRef idx="0">
+              <a:schemeClr val="accent1"/>
+            </a:fillRef>
+            <a:effectRef idx="0">
+              <a:schemeClr val="accent1"/>
+            </a:effectRef>
+            <a:fontRef idx="minor">
+              <a:schemeClr val="tx1"/>
+            </a:fontRef>
+          </p:style>
+        </p:cxnSp>
+        <p:cxnSp>
+          <p:nvCxnSpPr>
+            <p:cNvPr id="77" name="Straight Arrow Connector 76">
+              <a:extLst>
+                <a:ext uri="{FF2B5EF4-FFF2-40B4-BE49-F238E27FC236}">
+                  <a16:creationId xmlns:a16="http://schemas.microsoft.com/office/drawing/2014/main" id="{7884A1DC-43BB-41EF-8A03-C67B0359B5CB}"/>
+                </a:ext>
+              </a:extLst>
+            </p:cNvPr>
+            <p:cNvCxnSpPr>
+              <a:cxnSpLocks/>
+            </p:cNvCxnSpPr>
+            <p:nvPr/>
+          </p:nvCxnSpPr>
+          <p:spPr>
+            <a:xfrm flipH="1">
+              <a:off x="4390458" y="5088294"/>
+              <a:ext cx="377699" cy="0"/>
+            </a:xfrm>
+            <a:prstGeom prst="straightConnector1">
+              <a:avLst/>
+            </a:prstGeom>
+            <a:ln w="25400">
+              <a:solidFill>
+                <a:schemeClr val="accent2">
+                  <a:lumMod val="75000"/>
+                </a:schemeClr>
+              </a:solidFill>
+              <a:tailEnd type="triangle"/>
+            </a:ln>
+          </p:spPr>
+          <p:style>
+            <a:lnRef idx="1">
+              <a:schemeClr val="accent1"/>
+            </a:lnRef>
+            <a:fillRef idx="0">
+              <a:schemeClr val="accent1"/>
+            </a:fillRef>
+            <a:effectRef idx="0">
+              <a:schemeClr val="accent1"/>
+            </a:effectRef>
+            <a:fontRef idx="minor">
+              <a:schemeClr val="tx1"/>
+            </a:fontRef>
+          </p:style>
+        </p:cxnSp>
+        <p:cxnSp>
+          <p:nvCxnSpPr>
+            <p:cNvPr id="80" name="Straight Arrow Connector 79">
+              <a:extLst>
+                <a:ext uri="{FF2B5EF4-FFF2-40B4-BE49-F238E27FC236}">
+                  <a16:creationId xmlns:a16="http://schemas.microsoft.com/office/drawing/2014/main" id="{45ADEFCC-62EA-4ABB-BD16-5C3A7641B1D4}"/>
+                </a:ext>
+              </a:extLst>
+            </p:cNvPr>
+            <p:cNvCxnSpPr>
+              <a:cxnSpLocks/>
+            </p:cNvCxnSpPr>
+            <p:nvPr/>
+          </p:nvCxnSpPr>
+          <p:spPr>
+            <a:xfrm>
+              <a:off x="4422773" y="5740258"/>
+              <a:ext cx="380127" cy="0"/>
+            </a:xfrm>
+            <a:prstGeom prst="straightConnector1">
+              <a:avLst/>
+            </a:prstGeom>
+            <a:ln w="25400">
+              <a:solidFill>
+                <a:schemeClr val="accent5">
+                  <a:lumMod val="75000"/>
+                </a:schemeClr>
+              </a:solidFill>
+              <a:tailEnd type="triangle"/>
+            </a:ln>
+          </p:spPr>
+          <p:style>
+            <a:lnRef idx="1">
+              <a:schemeClr val="accent1"/>
+            </a:lnRef>
+            <a:fillRef idx="0">
+              <a:schemeClr val="accent1"/>
+            </a:fillRef>
+            <a:effectRef idx="0">
+              <a:schemeClr val="accent1"/>
+            </a:effectRef>
+            <a:fontRef idx="minor">
+              <a:schemeClr val="tx1"/>
+            </a:fontRef>
+          </p:style>
+        </p:cxnSp>
+      </p:grpSp>
+    </p:spTree>
+    <p:extLst>
+      <p:ext uri="{BB962C8B-B14F-4D97-AF65-F5344CB8AC3E}">
+        <p14:creationId xmlns:p14="http://schemas.microsoft.com/office/powerpoint/2010/main" val="3472072714"/>
+      </p:ext>
+    </p:extLst>
+  </p:cSld>
+  <p:clrMapOvr>
+    <a:masterClrMapping/>
+  </p:clrMapOvr>
+</p:sld>
+</file>
+
+<file path=ppt/slides/slide14.xml><?xml version="1.0" encoding="utf-8"?>
+<p:sld xmlns:a="http://schemas.openxmlformats.org/drawingml/2006/main" xmlns:r="http://schemas.openxmlformats.org/officeDocument/2006/relationships" xmlns:p="http://schemas.openxmlformats.org/presentationml/2006/main">
+  <p:cSld>
+    <p:spTree>
+      <p:nvGrpSpPr>
+        <p:cNvPr id="1" name=""/>
+        <p:cNvGrpSpPr/>
+        <p:nvPr/>
+      </p:nvGrpSpPr>
+      <p:grpSpPr>
+        <a:xfrm>
+          <a:off x="0" y="0"/>
+          <a:ext cx="0" cy="0"/>
+          <a:chOff x="0" y="0"/>
+          <a:chExt cx="0" cy="0"/>
+        </a:xfrm>
+      </p:grpSpPr>
+      <p:pic>
+        <p:nvPicPr>
+          <p:cNvPr id="5" name="Picture 4">
+            <a:extLst>
+              <a:ext uri="{FF2B5EF4-FFF2-40B4-BE49-F238E27FC236}">
+                <a16:creationId xmlns:a16="http://schemas.microsoft.com/office/drawing/2014/main" id="{F7202C65-97A0-4A0F-8971-5B064930CA78}"/>
+              </a:ext>
+            </a:extLst>
+          </p:cNvPr>
+          <p:cNvPicPr>
+            <a:picLocks noChangeAspect="1"/>
+          </p:cNvPicPr>
+          <p:nvPr/>
+        </p:nvPicPr>
+        <p:blipFill>
+          <a:blip r:embed="rId2">
+            <a:extLst>
+              <a:ext uri="{28A0092B-C50C-407E-A947-70E740481C1C}">
+                <a14:useLocalDpi xmlns:a14="http://schemas.microsoft.com/office/drawing/2010/main" val="0"/>
+              </a:ext>
+            </a:extLst>
+          </a:blip>
+          <a:stretch>
+            <a:fillRect/>
+          </a:stretch>
+        </p:blipFill>
+        <p:spPr>
+          <a:xfrm>
+            <a:off x="4574828" y="2122850"/>
+            <a:ext cx="2921150" cy="2140060"/>
+          </a:xfrm>
+          <a:prstGeom prst="rect">
+            <a:avLst/>
+          </a:prstGeom>
+        </p:spPr>
+      </p:pic>
+      <p:pic>
+        <p:nvPicPr>
+          <p:cNvPr id="7" name="Picture 6">
+            <a:extLst>
+              <a:ext uri="{FF2B5EF4-FFF2-40B4-BE49-F238E27FC236}">
+                <a16:creationId xmlns:a16="http://schemas.microsoft.com/office/drawing/2014/main" id="{4D036385-6F75-4001-8EFE-74E428F7EC03}"/>
+              </a:ext>
+            </a:extLst>
+          </p:cNvPr>
+          <p:cNvPicPr>
+            <a:picLocks noChangeAspect="1"/>
+          </p:cNvPicPr>
+          <p:nvPr/>
+        </p:nvPicPr>
+        <p:blipFill>
+          <a:blip r:embed="rId3">
+            <a:extLst>
+              <a:ext uri="{28A0092B-C50C-407E-A947-70E740481C1C}">
+                <a14:useLocalDpi xmlns:a14="http://schemas.microsoft.com/office/drawing/2010/main" val="0"/>
+              </a:ext>
+            </a:extLst>
+          </a:blip>
+          <a:stretch>
+            <a:fillRect/>
+          </a:stretch>
+        </p:blipFill>
+        <p:spPr>
+          <a:xfrm>
+            <a:off x="8888550" y="2230805"/>
+            <a:ext cx="2032104" cy="1924149"/>
+          </a:xfrm>
+          <a:prstGeom prst="rect">
+            <a:avLst/>
+          </a:prstGeom>
+        </p:spPr>
+      </p:pic>
+      <p:pic>
+        <p:nvPicPr>
+          <p:cNvPr id="9" name="Picture 8">
+            <a:extLst>
+              <a:ext uri="{FF2B5EF4-FFF2-40B4-BE49-F238E27FC236}">
+                <a16:creationId xmlns:a16="http://schemas.microsoft.com/office/drawing/2014/main" id="{243156EC-E59D-4295-8141-45168981DBEC}"/>
+              </a:ext>
+            </a:extLst>
+          </p:cNvPr>
+          <p:cNvPicPr>
+            <a:picLocks noChangeAspect="1"/>
+          </p:cNvPicPr>
+          <p:nvPr/>
+        </p:nvPicPr>
+        <p:blipFill>
+          <a:blip r:embed="rId4">
+            <a:extLst>
+              <a:ext uri="{28A0092B-C50C-407E-A947-70E740481C1C}">
+                <a14:useLocalDpi xmlns:a14="http://schemas.microsoft.com/office/drawing/2010/main" val="0"/>
+              </a:ext>
+            </a:extLst>
+          </a:blip>
+          <a:stretch>
+            <a:fillRect/>
+          </a:stretch>
+        </p:blipFill>
+        <p:spPr>
+          <a:xfrm>
+            <a:off x="752892" y="2083001"/>
+            <a:ext cx="3035456" cy="2406774"/>
+          </a:xfrm>
+          <a:prstGeom prst="rect">
+            <a:avLst/>
+          </a:prstGeom>
+        </p:spPr>
+      </p:pic>
+      <p:sp>
+        <p:nvSpPr>
+          <p:cNvPr id="10" name="TextBox 9">
+            <a:extLst>
+              <a:ext uri="{FF2B5EF4-FFF2-40B4-BE49-F238E27FC236}">
+                <a16:creationId xmlns:a16="http://schemas.microsoft.com/office/drawing/2014/main" id="{62A3DDCF-BD13-4546-8870-1F5341FD518D}"/>
+              </a:ext>
+            </a:extLst>
+          </p:cNvPr>
+          <p:cNvSpPr txBox="1"/>
+          <p:nvPr/>
+        </p:nvSpPr>
+        <p:spPr>
+          <a:xfrm>
+            <a:off x="752892" y="4508218"/>
+            <a:ext cx="3147989" cy="461665"/>
+          </a:xfrm>
+          <a:prstGeom prst="rect">
+            <a:avLst/>
+          </a:prstGeom>
+          <a:solidFill>
+            <a:schemeClr val="bg1">
+              <a:lumMod val="95000"/>
+            </a:schemeClr>
+          </a:solidFill>
+        </p:spPr>
+        <p:txBody>
+          <a:bodyPr wrap="square" rtlCol="0">
+            <a:spAutoFit/>
+          </a:bodyPr>
+          <a:lstStyle/>
+          <a:p>
+            <a:r>
+              <a:rPr lang="en-US" sz="1200" dirty="0"/>
+              <a:t>1. Calculate outward heading at each incident point</a:t>
+            </a:r>
+          </a:p>
+        </p:txBody>
+      </p:sp>
+      <p:sp>
+        <p:nvSpPr>
+          <p:cNvPr id="11" name="TextBox 10">
+            <a:extLst>
+              <a:ext uri="{FF2B5EF4-FFF2-40B4-BE49-F238E27FC236}">
+                <a16:creationId xmlns:a16="http://schemas.microsoft.com/office/drawing/2014/main" id="{B6E5596D-4694-431E-8693-09FC50EECCE7}"/>
+              </a:ext>
+            </a:extLst>
+          </p:cNvPr>
+          <p:cNvSpPr txBox="1"/>
+          <p:nvPr/>
+        </p:nvSpPr>
+        <p:spPr>
+          <a:xfrm>
+            <a:off x="4574828" y="4489775"/>
+            <a:ext cx="3035456" cy="461665"/>
+          </a:xfrm>
+          <a:prstGeom prst="rect">
+            <a:avLst/>
+          </a:prstGeom>
+          <a:solidFill>
+            <a:schemeClr val="bg1">
+              <a:lumMod val="95000"/>
+            </a:schemeClr>
+          </a:solidFill>
+        </p:spPr>
+        <p:txBody>
+          <a:bodyPr wrap="square" rtlCol="0">
+            <a:spAutoFit/>
+          </a:bodyPr>
+          <a:lstStyle/>
+          <a:p>
+            <a:r>
+              <a:rPr lang="en-US" sz="1200" dirty="0"/>
+              <a:t>2. Assign incident roads to one of four direction quadrants</a:t>
+            </a:r>
+          </a:p>
+        </p:txBody>
+      </p:sp>
+      <p:sp>
+        <p:nvSpPr>
+          <p:cNvPr id="12" name="TextBox 11">
+            <a:extLst>
+              <a:ext uri="{FF2B5EF4-FFF2-40B4-BE49-F238E27FC236}">
+                <a16:creationId xmlns:a16="http://schemas.microsoft.com/office/drawing/2014/main" id="{194A73D9-498F-432C-82E6-40AA70D8601A}"/>
+              </a:ext>
+            </a:extLst>
+          </p:cNvPr>
+          <p:cNvSpPr txBox="1"/>
+          <p:nvPr/>
+        </p:nvSpPr>
+        <p:spPr>
+          <a:xfrm>
+            <a:off x="8500220" y="4489775"/>
+            <a:ext cx="3035456" cy="646331"/>
+          </a:xfrm>
+          <a:prstGeom prst="rect">
+            <a:avLst/>
+          </a:prstGeom>
+          <a:solidFill>
+            <a:schemeClr val="bg1">
+              <a:lumMod val="95000"/>
+            </a:schemeClr>
+          </a:solidFill>
+        </p:spPr>
+        <p:txBody>
+          <a:bodyPr wrap="square" rtlCol="0">
+            <a:spAutoFit/>
+          </a:bodyPr>
+          <a:lstStyle/>
+          <a:p>
+            <a:r>
+              <a:rPr lang="en-US" sz="1200" dirty="0"/>
+              <a:t>2. Create a Direction Intersection which have number of incoming and outgoing lanes in each direction quadrants</a:t>
+            </a:r>
+          </a:p>
+        </p:txBody>
+      </p:sp>
+    </p:spTree>
+    <p:extLst>
+      <p:ext uri="{BB962C8B-B14F-4D97-AF65-F5344CB8AC3E}">
+        <p14:creationId xmlns:p14="http://schemas.microsoft.com/office/powerpoint/2010/main" val="3323118176"/>
+      </p:ext>
+    </p:extLst>
+  </p:cSld>
+  <p:clrMapOvr>
+    <a:masterClrMapping/>
+  </p:clrMapOvr>
+</p:sld>
+</file>
+
+<file path=ppt/slides/slide15.xml><?xml version="1.0" encoding="utf-8"?>
+<p:sld xmlns:a="http://schemas.openxmlformats.org/drawingml/2006/main" xmlns:r="http://schemas.openxmlformats.org/officeDocument/2006/relationships" xmlns:p="http://schemas.openxmlformats.org/presentationml/2006/main">
+  <p:cSld>
+    <p:spTree>
+      <p:nvGrpSpPr>
+        <p:cNvPr id="1" name=""/>
+        <p:cNvGrpSpPr/>
+        <p:nvPr/>
+      </p:nvGrpSpPr>
+      <p:grpSpPr>
+        <a:xfrm>
+          <a:off x="0" y="0"/>
+          <a:ext cx="0" cy="0"/>
+          <a:chOff x="0" y="0"/>
+          <a:chExt cx="0" cy="0"/>
+        </a:xfrm>
+      </p:grpSpPr>
+      <p:pic>
+        <p:nvPicPr>
+          <p:cNvPr id="3" name="Picture 2">
+            <a:extLst>
+              <a:ext uri="{FF2B5EF4-FFF2-40B4-BE49-F238E27FC236}">
+                <a16:creationId xmlns:a16="http://schemas.microsoft.com/office/drawing/2014/main" id="{678C5600-F308-4477-A0D7-54BD5B66D93A}"/>
+              </a:ext>
+            </a:extLst>
+          </p:cNvPr>
+          <p:cNvPicPr>
+            <a:picLocks noChangeAspect="1"/>
+          </p:cNvPicPr>
+          <p:nvPr/>
+        </p:nvPicPr>
+        <p:blipFill rotWithShape="1">
+          <a:blip r:embed="rId2">
+            <a:extLst>
+              <a:ext uri="{28A0092B-C50C-407E-A947-70E740481C1C}">
+                <a14:useLocalDpi xmlns:a14="http://schemas.microsoft.com/office/drawing/2010/main" val="0"/>
+              </a:ext>
+            </a:extLst>
+          </a:blip>
+          <a:srcRect l="30995" t="13189" r="27985" b="11505"/>
+          <a:stretch/>
+        </p:blipFill>
+        <p:spPr>
+          <a:xfrm>
+            <a:off x="793243" y="712283"/>
+            <a:ext cx="3256244" cy="2988941"/>
+          </a:xfrm>
+          <a:prstGeom prst="rect">
+            <a:avLst/>
+          </a:prstGeom>
+        </p:spPr>
+      </p:pic>
+      <p:grpSp>
+        <p:nvGrpSpPr>
+          <p:cNvPr id="4" name="Group 3">
+            <a:extLst>
+              <a:ext uri="{FF2B5EF4-FFF2-40B4-BE49-F238E27FC236}">
+                <a16:creationId xmlns:a16="http://schemas.microsoft.com/office/drawing/2014/main" id="{9A249FD4-39C1-4963-9D9D-130F456A950D}"/>
+              </a:ext>
+            </a:extLst>
+          </p:cNvPr>
+          <p:cNvGrpSpPr/>
+          <p:nvPr/>
+        </p:nvGrpSpPr>
+        <p:grpSpPr>
+          <a:xfrm>
+            <a:off x="4353134" y="3912117"/>
+            <a:ext cx="2917374" cy="2811619"/>
+            <a:chOff x="4788158" y="3934414"/>
+            <a:chExt cx="2917374" cy="2811619"/>
+          </a:xfrm>
+        </p:grpSpPr>
+        <p:sp>
+          <p:nvSpPr>
+            <p:cNvPr id="5" name="Rectangle 4">
+              <a:extLst>
+                <a:ext uri="{FF2B5EF4-FFF2-40B4-BE49-F238E27FC236}">
+                  <a16:creationId xmlns:a16="http://schemas.microsoft.com/office/drawing/2014/main" id="{DBBA3480-DED0-4211-B4DA-F862A4F9B013}"/>
+                </a:ext>
+              </a:extLst>
+            </p:cNvPr>
+            <p:cNvSpPr/>
+            <p:nvPr/>
+          </p:nvSpPr>
+          <p:spPr>
+            <a:xfrm>
+              <a:off x="5047861" y="4236098"/>
+              <a:ext cx="2397968" cy="2285991"/>
+            </a:xfrm>
+            <a:prstGeom prst="rect">
+              <a:avLst/>
+            </a:prstGeom>
+            <a:solidFill>
+              <a:schemeClr val="bg2">
+                <a:lumMod val="75000"/>
+              </a:schemeClr>
+            </a:solidFill>
+            <a:ln>
+              <a:noFill/>
+            </a:ln>
+          </p:spPr>
+          <p:style>
+            <a:lnRef idx="2">
+              <a:schemeClr val="accent1">
+                <a:shade val="50000"/>
+              </a:schemeClr>
+            </a:lnRef>
+            <a:fillRef idx="1">
+              <a:schemeClr val="accent1"/>
+            </a:fillRef>
+            <a:effectRef idx="0">
+              <a:schemeClr val="accent1"/>
+            </a:effectRef>
+            <a:fontRef idx="minor">
+              <a:schemeClr val="lt1"/>
+            </a:fontRef>
+          </p:style>
+          <p:txBody>
+            <a:bodyPr rtlCol="0" anchor="ctr"/>
+            <a:lstStyle/>
+            <a:p>
+              <a:pPr algn="ctr"/>
+              <a:endParaRPr lang="en-US"/>
+            </a:p>
+          </p:txBody>
+        </p:sp>
+        <p:sp>
+          <p:nvSpPr>
+            <p:cNvPr id="6" name="Rectangle 5">
+              <a:extLst>
+                <a:ext uri="{FF2B5EF4-FFF2-40B4-BE49-F238E27FC236}">
+                  <a16:creationId xmlns:a16="http://schemas.microsoft.com/office/drawing/2014/main" id="{F43A9BF3-7F84-4047-8796-561E8CA72D10}"/>
+                </a:ext>
+              </a:extLst>
+            </p:cNvPr>
+            <p:cNvSpPr/>
+            <p:nvPr/>
+          </p:nvSpPr>
+          <p:spPr>
+            <a:xfrm>
+              <a:off x="5402424" y="4584442"/>
+              <a:ext cx="1666580" cy="1620416"/>
+            </a:xfrm>
+            <a:prstGeom prst="rect">
+              <a:avLst/>
+            </a:prstGeom>
+            <a:solidFill>
+              <a:schemeClr val="bg1"/>
+            </a:solidFill>
+            <a:ln>
+              <a:noFill/>
+            </a:ln>
+          </p:spPr>
+          <p:style>
+            <a:lnRef idx="2">
+              <a:schemeClr val="accent1">
+                <a:shade val="50000"/>
+              </a:schemeClr>
+            </a:lnRef>
+            <a:fillRef idx="1">
+              <a:schemeClr val="accent1"/>
+            </a:fillRef>
+            <a:effectRef idx="0">
+              <a:schemeClr val="accent1"/>
+            </a:effectRef>
+            <a:fontRef idx="minor">
+              <a:schemeClr val="lt1"/>
+            </a:fontRef>
+          </p:style>
+          <p:txBody>
+            <a:bodyPr rtlCol="0" anchor="ctr"/>
+            <a:lstStyle/>
+            <a:p>
+              <a:pPr algn="ctr"/>
+              <a:endParaRPr lang="en-US" i="1"/>
+            </a:p>
+          </p:txBody>
+        </p:sp>
+        <p:cxnSp>
+          <p:nvCxnSpPr>
+            <p:cNvPr id="7" name="Straight Connector 6">
+              <a:extLst>
+                <a:ext uri="{FF2B5EF4-FFF2-40B4-BE49-F238E27FC236}">
+                  <a16:creationId xmlns:a16="http://schemas.microsoft.com/office/drawing/2014/main" id="{170460BA-98E5-4986-9292-894C4B0511AF}"/>
+                </a:ext>
+              </a:extLst>
+            </p:cNvPr>
+            <p:cNvCxnSpPr>
+              <a:cxnSpLocks/>
+            </p:cNvCxnSpPr>
+            <p:nvPr/>
+          </p:nvCxnSpPr>
+          <p:spPr>
+            <a:xfrm flipV="1">
+              <a:off x="6961702" y="4236098"/>
+              <a:ext cx="484127" cy="499054"/>
+            </a:xfrm>
+            <a:prstGeom prst="line">
+              <a:avLst/>
+            </a:prstGeom>
+            <a:ln w="15875">
+              <a:solidFill>
+                <a:schemeClr val="bg1"/>
+              </a:solidFill>
+            </a:ln>
+          </p:spPr>
+          <p:style>
+            <a:lnRef idx="1">
+              <a:schemeClr val="accent1"/>
+            </a:lnRef>
+            <a:fillRef idx="0">
+              <a:schemeClr val="accent1"/>
+            </a:fillRef>
+            <a:effectRef idx="0">
+              <a:schemeClr val="accent1"/>
+            </a:effectRef>
+            <a:fontRef idx="minor">
+              <a:schemeClr val="tx1"/>
+            </a:fontRef>
+          </p:style>
+        </p:cxnSp>
+        <p:cxnSp>
+          <p:nvCxnSpPr>
+            <p:cNvPr id="8" name="Straight Connector 7">
+              <a:extLst>
+                <a:ext uri="{FF2B5EF4-FFF2-40B4-BE49-F238E27FC236}">
+                  <a16:creationId xmlns:a16="http://schemas.microsoft.com/office/drawing/2014/main" id="{3DD4B6BB-5DC0-479C-AB0D-16CD881C7889}"/>
+                </a:ext>
+              </a:extLst>
+            </p:cNvPr>
+            <p:cNvCxnSpPr>
+              <a:cxnSpLocks/>
+            </p:cNvCxnSpPr>
+            <p:nvPr/>
+          </p:nvCxnSpPr>
+          <p:spPr>
+            <a:xfrm flipV="1">
+              <a:off x="5047861" y="6173744"/>
+              <a:ext cx="376825" cy="348345"/>
+            </a:xfrm>
+            <a:prstGeom prst="line">
+              <a:avLst/>
+            </a:prstGeom>
+            <a:ln w="15875">
+              <a:solidFill>
+                <a:schemeClr val="bg1"/>
+              </a:solidFill>
+            </a:ln>
+          </p:spPr>
+          <p:style>
+            <a:lnRef idx="1">
+              <a:schemeClr val="accent1"/>
+            </a:lnRef>
+            <a:fillRef idx="0">
+              <a:schemeClr val="accent1"/>
+            </a:fillRef>
+            <a:effectRef idx="0">
+              <a:schemeClr val="accent1"/>
+            </a:effectRef>
+            <a:fontRef idx="minor">
+              <a:schemeClr val="tx1"/>
+            </a:fontRef>
+          </p:style>
+        </p:cxnSp>
+        <p:cxnSp>
+          <p:nvCxnSpPr>
+            <p:cNvPr id="9" name="Straight Connector 8">
+              <a:extLst>
+                <a:ext uri="{FF2B5EF4-FFF2-40B4-BE49-F238E27FC236}">
+                  <a16:creationId xmlns:a16="http://schemas.microsoft.com/office/drawing/2014/main" id="{83AD1937-4174-4408-9683-7520194C0CF6}"/>
+                </a:ext>
+              </a:extLst>
+            </p:cNvPr>
+            <p:cNvCxnSpPr>
+              <a:cxnSpLocks/>
+            </p:cNvCxnSpPr>
+            <p:nvPr/>
+          </p:nvCxnSpPr>
+          <p:spPr>
+            <a:xfrm>
+              <a:off x="4788158" y="3934414"/>
+              <a:ext cx="877652" cy="936166"/>
+            </a:xfrm>
+            <a:prstGeom prst="line">
+              <a:avLst/>
+            </a:prstGeom>
+            <a:ln w="15875">
+              <a:solidFill>
+                <a:schemeClr val="bg1"/>
+              </a:solidFill>
+            </a:ln>
+          </p:spPr>
+          <p:style>
+            <a:lnRef idx="1">
+              <a:schemeClr val="accent1"/>
+            </a:lnRef>
+            <a:fillRef idx="0">
+              <a:schemeClr val="accent1"/>
+            </a:fillRef>
+            <a:effectRef idx="0">
+              <a:schemeClr val="accent1"/>
+            </a:effectRef>
+            <a:fontRef idx="minor">
+              <a:schemeClr val="tx1"/>
+            </a:fontRef>
+          </p:style>
+        </p:cxnSp>
+        <p:cxnSp>
+          <p:nvCxnSpPr>
+            <p:cNvPr id="10" name="Straight Connector 9">
+              <a:extLst>
+                <a:ext uri="{FF2B5EF4-FFF2-40B4-BE49-F238E27FC236}">
+                  <a16:creationId xmlns:a16="http://schemas.microsoft.com/office/drawing/2014/main" id="{F7EC8AD3-A5AB-4EE4-9AC1-440A7AD44341}"/>
+                </a:ext>
+              </a:extLst>
+            </p:cNvPr>
+            <p:cNvCxnSpPr>
+              <a:cxnSpLocks/>
+            </p:cNvCxnSpPr>
+            <p:nvPr/>
+          </p:nvCxnSpPr>
+          <p:spPr>
+            <a:xfrm>
+              <a:off x="6818591" y="5962261"/>
+              <a:ext cx="886941" cy="783772"/>
+            </a:xfrm>
+            <a:prstGeom prst="line">
+              <a:avLst/>
+            </a:prstGeom>
+            <a:ln w="15875">
+              <a:solidFill>
+                <a:schemeClr val="bg1"/>
+              </a:solidFill>
+            </a:ln>
+          </p:spPr>
+          <p:style>
+            <a:lnRef idx="1">
+              <a:schemeClr val="accent1"/>
+            </a:lnRef>
+            <a:fillRef idx="0">
+              <a:schemeClr val="accent1"/>
+            </a:fillRef>
+            <a:effectRef idx="0">
+              <a:schemeClr val="accent1"/>
+            </a:effectRef>
+            <a:fontRef idx="minor">
+              <a:schemeClr val="tx1"/>
+            </a:fontRef>
+          </p:style>
+        </p:cxnSp>
+        <p:sp>
+          <p:nvSpPr>
+            <p:cNvPr id="11" name="TextBox 10">
+              <a:extLst>
+                <a:ext uri="{FF2B5EF4-FFF2-40B4-BE49-F238E27FC236}">
+                  <a16:creationId xmlns:a16="http://schemas.microsoft.com/office/drawing/2014/main" id="{1EDAE8FE-2230-4AAE-B22F-1F2450676491}"/>
+                </a:ext>
+              </a:extLst>
+            </p:cNvPr>
+            <p:cNvSpPr txBox="1"/>
+            <p:nvPr/>
+          </p:nvSpPr>
+          <p:spPr>
+            <a:xfrm>
+              <a:off x="6554768" y="5240761"/>
+              <a:ext cx="527645" cy="307777"/>
+            </a:xfrm>
+            <a:prstGeom prst="rect">
+              <a:avLst/>
+            </a:prstGeom>
+            <a:noFill/>
+          </p:spPr>
+          <p:txBody>
+            <a:bodyPr wrap="none" rtlCol="0">
+              <a:spAutoFit/>
+            </a:bodyPr>
+            <a:lstStyle/>
+            <a:p>
+              <a:r>
+                <a:rPr lang="en-US" sz="1400" i="1" dirty="0"/>
+                <a:t>right</a:t>
+              </a:r>
+            </a:p>
+          </p:txBody>
+        </p:sp>
+        <p:sp>
+          <p:nvSpPr>
+            <p:cNvPr id="12" name="TextBox 11">
+              <a:extLst>
+                <a:ext uri="{FF2B5EF4-FFF2-40B4-BE49-F238E27FC236}">
+                  <a16:creationId xmlns:a16="http://schemas.microsoft.com/office/drawing/2014/main" id="{8F3397B8-5BB0-46C8-BA52-8EE36ADCC45D}"/>
+                </a:ext>
+              </a:extLst>
+            </p:cNvPr>
+            <p:cNvSpPr txBox="1"/>
+            <p:nvPr/>
+          </p:nvSpPr>
+          <p:spPr>
+            <a:xfrm>
+              <a:off x="5389015" y="5240761"/>
+              <a:ext cx="429926" cy="307777"/>
+            </a:xfrm>
+            <a:prstGeom prst="rect">
+              <a:avLst/>
+            </a:prstGeom>
+            <a:noFill/>
+          </p:spPr>
+          <p:txBody>
+            <a:bodyPr wrap="none" rtlCol="0">
+              <a:spAutoFit/>
+            </a:bodyPr>
+            <a:lstStyle/>
+            <a:p>
+              <a:r>
+                <a:rPr lang="en-US" sz="1400" i="1" dirty="0"/>
+                <a:t>left</a:t>
+              </a:r>
+            </a:p>
+          </p:txBody>
+        </p:sp>
+        <p:sp>
+          <p:nvSpPr>
+            <p:cNvPr id="13" name="TextBox 12">
+              <a:extLst>
+                <a:ext uri="{FF2B5EF4-FFF2-40B4-BE49-F238E27FC236}">
+                  <a16:creationId xmlns:a16="http://schemas.microsoft.com/office/drawing/2014/main" id="{422B3F68-203D-4443-9EDD-82F2907C0887}"/>
+                </a:ext>
+              </a:extLst>
+            </p:cNvPr>
+            <p:cNvSpPr txBox="1"/>
+            <p:nvPr/>
+          </p:nvSpPr>
+          <p:spPr>
+            <a:xfrm>
+              <a:off x="6029478" y="5937243"/>
+              <a:ext cx="434734" cy="307777"/>
+            </a:xfrm>
+            <a:prstGeom prst="rect">
+              <a:avLst/>
+            </a:prstGeom>
+            <a:noFill/>
+          </p:spPr>
+          <p:txBody>
+            <a:bodyPr wrap="none" rtlCol="0">
+              <a:spAutoFit/>
+            </a:bodyPr>
+            <a:lstStyle/>
+            <a:p>
+              <a:r>
+                <a:rPr lang="en-US" sz="1400" i="1" dirty="0"/>
+                <a:t>bot</a:t>
+              </a:r>
+            </a:p>
+          </p:txBody>
+        </p:sp>
+        <p:sp>
+          <p:nvSpPr>
+            <p:cNvPr id="14" name="TextBox 13">
+              <a:extLst>
+                <a:ext uri="{FF2B5EF4-FFF2-40B4-BE49-F238E27FC236}">
+                  <a16:creationId xmlns:a16="http://schemas.microsoft.com/office/drawing/2014/main" id="{97C56DDB-2BA8-4343-A0E7-0FA8F93A86E4}"/>
+                </a:ext>
+              </a:extLst>
+            </p:cNvPr>
+            <p:cNvSpPr txBox="1"/>
+            <p:nvPr/>
+          </p:nvSpPr>
+          <p:spPr>
+            <a:xfrm>
+              <a:off x="6029478" y="4581264"/>
+              <a:ext cx="433004" cy="307777"/>
+            </a:xfrm>
+            <a:prstGeom prst="rect">
+              <a:avLst/>
+            </a:prstGeom>
+            <a:noFill/>
+          </p:spPr>
+          <p:txBody>
+            <a:bodyPr wrap="none" rtlCol="0">
+              <a:spAutoFit/>
+            </a:bodyPr>
+            <a:lstStyle/>
+            <a:p>
+              <a:r>
+                <a:rPr lang="en-US" sz="1400" i="1" dirty="0"/>
+                <a:t>top</a:t>
+              </a:r>
+            </a:p>
+          </p:txBody>
+        </p:sp>
+      </p:grpSp>
+      <p:cxnSp>
+        <p:nvCxnSpPr>
+          <p:cNvPr id="16" name="Straight Arrow Connector 15">
+            <a:extLst>
+              <a:ext uri="{FF2B5EF4-FFF2-40B4-BE49-F238E27FC236}">
+                <a16:creationId xmlns:a16="http://schemas.microsoft.com/office/drawing/2014/main" id="{978F4C3E-70A3-4B63-A732-464A41304AE2}"/>
+              </a:ext>
+            </a:extLst>
+          </p:cNvPr>
+          <p:cNvCxnSpPr>
+            <a:cxnSpLocks/>
+          </p:cNvCxnSpPr>
+          <p:nvPr/>
+        </p:nvCxnSpPr>
+        <p:spPr>
+          <a:xfrm>
+            <a:off x="6842560" y="5088294"/>
+            <a:ext cx="360673" cy="0"/>
+          </a:xfrm>
+          <a:prstGeom prst="straightConnector1">
+            <a:avLst/>
+          </a:prstGeom>
+          <a:ln w="25400">
+            <a:solidFill>
+              <a:schemeClr val="accent2">
+                <a:lumMod val="75000"/>
+              </a:schemeClr>
+            </a:solidFill>
+            <a:tailEnd type="triangle"/>
+          </a:ln>
+        </p:spPr>
+        <p:style>
+          <a:lnRef idx="1">
+            <a:schemeClr val="accent1"/>
+          </a:lnRef>
+          <a:fillRef idx="0">
+            <a:schemeClr val="accent1"/>
+          </a:fillRef>
+          <a:effectRef idx="0">
+            <a:schemeClr val="accent1"/>
+          </a:effectRef>
+          <a:fontRef idx="minor">
+            <a:schemeClr val="tx1"/>
+          </a:fontRef>
+        </p:style>
+      </p:cxnSp>
+      <p:cxnSp>
+        <p:nvCxnSpPr>
+          <p:cNvPr id="17" name="Straight Arrow Connector 16">
+            <a:extLst>
+              <a:ext uri="{FF2B5EF4-FFF2-40B4-BE49-F238E27FC236}">
+                <a16:creationId xmlns:a16="http://schemas.microsoft.com/office/drawing/2014/main" id="{909D8155-FD97-44D1-9763-0FB812B5F577}"/>
+              </a:ext>
+            </a:extLst>
+          </p:cNvPr>
+          <p:cNvCxnSpPr>
+            <a:cxnSpLocks/>
+          </p:cNvCxnSpPr>
+          <p:nvPr/>
+        </p:nvCxnSpPr>
+        <p:spPr>
+          <a:xfrm flipH="1">
+            <a:off x="6827037" y="5600889"/>
+            <a:ext cx="351369" cy="0"/>
+          </a:xfrm>
+          <a:prstGeom prst="straightConnector1">
+            <a:avLst/>
+          </a:prstGeom>
+          <a:ln w="25400">
+            <a:solidFill>
+              <a:schemeClr val="accent5">
+                <a:lumMod val="75000"/>
+              </a:schemeClr>
+            </a:solidFill>
+            <a:tailEnd type="triangle"/>
+          </a:ln>
+        </p:spPr>
+        <p:style>
+          <a:lnRef idx="1">
+            <a:schemeClr val="accent1"/>
+          </a:lnRef>
+          <a:fillRef idx="0">
+            <a:schemeClr val="accent1"/>
+          </a:fillRef>
+          <a:effectRef idx="0">
+            <a:schemeClr val="accent1"/>
+          </a:effectRef>
+          <a:fontRef idx="minor">
+            <a:schemeClr val="tx1"/>
+          </a:fontRef>
+        </p:style>
+      </p:cxnSp>
+      <p:cxnSp>
+        <p:nvCxnSpPr>
+          <p:cNvPr id="19" name="Straight Arrow Connector 18">
+            <a:extLst>
+              <a:ext uri="{FF2B5EF4-FFF2-40B4-BE49-F238E27FC236}">
+                <a16:creationId xmlns:a16="http://schemas.microsoft.com/office/drawing/2014/main" id="{E208DFF5-4335-4CF2-A3AE-8988727B9200}"/>
+              </a:ext>
+            </a:extLst>
+          </p:cNvPr>
+          <p:cNvCxnSpPr>
+            <a:cxnSpLocks/>
+          </p:cNvCxnSpPr>
+          <p:nvPr/>
+        </p:nvCxnSpPr>
+        <p:spPr>
+          <a:xfrm flipH="1">
+            <a:off x="6027458" y="6359558"/>
+            <a:ext cx="966" cy="274507"/>
+          </a:xfrm>
+          <a:prstGeom prst="straightConnector1">
+            <a:avLst/>
+          </a:prstGeom>
+          <a:ln w="25400">
+            <a:solidFill>
+              <a:schemeClr val="accent2">
+                <a:lumMod val="75000"/>
+              </a:schemeClr>
+            </a:solidFill>
+            <a:tailEnd type="triangle"/>
+          </a:ln>
+        </p:spPr>
+        <p:style>
+          <a:lnRef idx="1">
+            <a:schemeClr val="accent1"/>
+          </a:lnRef>
+          <a:fillRef idx="0">
+            <a:schemeClr val="accent1"/>
+          </a:fillRef>
+          <a:effectRef idx="0">
+            <a:schemeClr val="accent1"/>
+          </a:effectRef>
+          <a:fontRef idx="minor">
+            <a:schemeClr val="tx1"/>
+          </a:fontRef>
+        </p:style>
+      </p:cxnSp>
+      <p:cxnSp>
+        <p:nvCxnSpPr>
+          <p:cNvPr id="20" name="Straight Arrow Connector 19">
+            <a:extLst>
+              <a:ext uri="{FF2B5EF4-FFF2-40B4-BE49-F238E27FC236}">
+                <a16:creationId xmlns:a16="http://schemas.microsoft.com/office/drawing/2014/main" id="{16511465-A872-431F-9769-217C586681BB}"/>
+              </a:ext>
+            </a:extLst>
+          </p:cNvPr>
+          <p:cNvCxnSpPr>
+            <a:cxnSpLocks/>
+          </p:cNvCxnSpPr>
+          <p:nvPr/>
+        </p:nvCxnSpPr>
+        <p:spPr>
+          <a:xfrm flipV="1">
+            <a:off x="5587591" y="6359558"/>
+            <a:ext cx="0" cy="274507"/>
+          </a:xfrm>
+          <a:prstGeom prst="straightConnector1">
+            <a:avLst/>
+          </a:prstGeom>
+          <a:ln w="25400">
+            <a:solidFill>
+              <a:schemeClr val="accent5">
+                <a:lumMod val="75000"/>
+              </a:schemeClr>
+            </a:solidFill>
+            <a:tailEnd type="triangle"/>
+          </a:ln>
+        </p:spPr>
+        <p:style>
+          <a:lnRef idx="1">
+            <a:schemeClr val="accent1"/>
+          </a:lnRef>
+          <a:fillRef idx="0">
+            <a:schemeClr val="accent1"/>
+          </a:fillRef>
+          <a:effectRef idx="0">
+            <a:schemeClr val="accent1"/>
+          </a:effectRef>
+          <a:fontRef idx="minor">
+            <a:schemeClr val="tx1"/>
+          </a:fontRef>
+        </p:style>
+      </p:cxnSp>
+      <p:cxnSp>
+        <p:nvCxnSpPr>
+          <p:cNvPr id="21" name="Straight Arrow Connector 20">
+            <a:extLst>
+              <a:ext uri="{FF2B5EF4-FFF2-40B4-BE49-F238E27FC236}">
+                <a16:creationId xmlns:a16="http://schemas.microsoft.com/office/drawing/2014/main" id="{D76C5BA3-4958-440A-9F19-158F9532779E}"/>
+              </a:ext>
+            </a:extLst>
+          </p:cNvPr>
+          <p:cNvCxnSpPr>
+            <a:cxnSpLocks/>
+          </p:cNvCxnSpPr>
+          <p:nvPr/>
+        </p:nvCxnSpPr>
+        <p:spPr>
+          <a:xfrm flipH="1" flipV="1">
+            <a:off x="6004942" y="4011255"/>
+            <a:ext cx="2525" cy="349913"/>
+          </a:xfrm>
+          <a:prstGeom prst="straightConnector1">
+            <a:avLst/>
+          </a:prstGeom>
+          <a:ln w="25400">
+            <a:solidFill>
+              <a:schemeClr val="accent2">
+                <a:lumMod val="75000"/>
+              </a:schemeClr>
+            </a:solidFill>
+            <a:tailEnd type="triangle"/>
+          </a:ln>
+        </p:spPr>
+        <p:style>
+          <a:lnRef idx="1">
+            <a:schemeClr val="accent1"/>
+          </a:lnRef>
+          <a:fillRef idx="0">
+            <a:schemeClr val="accent1"/>
+          </a:fillRef>
+          <a:effectRef idx="0">
+            <a:schemeClr val="accent1"/>
+          </a:effectRef>
+          <a:fontRef idx="minor">
+            <a:schemeClr val="tx1"/>
+          </a:fontRef>
+        </p:style>
+      </p:cxnSp>
+      <p:cxnSp>
+        <p:nvCxnSpPr>
+          <p:cNvPr id="22" name="Straight Arrow Connector 21">
+            <a:extLst>
+              <a:ext uri="{FF2B5EF4-FFF2-40B4-BE49-F238E27FC236}">
+                <a16:creationId xmlns:a16="http://schemas.microsoft.com/office/drawing/2014/main" id="{6E38EEB6-A7BB-4CA3-84D0-6417F54E23FE}"/>
+              </a:ext>
+            </a:extLst>
+          </p:cNvPr>
+          <p:cNvCxnSpPr>
+            <a:cxnSpLocks/>
+          </p:cNvCxnSpPr>
+          <p:nvPr/>
+        </p:nvCxnSpPr>
+        <p:spPr>
+          <a:xfrm>
+            <a:off x="4422773" y="5600889"/>
+            <a:ext cx="380127" cy="0"/>
+          </a:xfrm>
+          <a:prstGeom prst="straightConnector1">
+            <a:avLst/>
+          </a:prstGeom>
+          <a:ln w="25400">
+            <a:solidFill>
+              <a:schemeClr val="accent5">
+                <a:lumMod val="75000"/>
+              </a:schemeClr>
+            </a:solidFill>
+            <a:tailEnd type="triangle"/>
+          </a:ln>
+        </p:spPr>
+        <p:style>
+          <a:lnRef idx="1">
+            <a:schemeClr val="accent1"/>
+          </a:lnRef>
+          <a:fillRef idx="0">
+            <a:schemeClr val="accent1"/>
+          </a:fillRef>
+          <a:effectRef idx="0">
+            <a:schemeClr val="accent1"/>
+          </a:effectRef>
+          <a:fontRef idx="minor">
+            <a:schemeClr val="tx1"/>
+          </a:fontRef>
+        </p:style>
+      </p:cxnSp>
+      <p:cxnSp>
+        <p:nvCxnSpPr>
+          <p:cNvPr id="23" name="Straight Arrow Connector 22">
+            <a:extLst>
+              <a:ext uri="{FF2B5EF4-FFF2-40B4-BE49-F238E27FC236}">
+                <a16:creationId xmlns:a16="http://schemas.microsoft.com/office/drawing/2014/main" id="{45C91774-B1B1-4774-8439-C9BAADBBEA43}"/>
+              </a:ext>
+            </a:extLst>
+          </p:cNvPr>
+          <p:cNvCxnSpPr>
+            <a:cxnSpLocks/>
+          </p:cNvCxnSpPr>
+          <p:nvPr/>
+        </p:nvCxnSpPr>
+        <p:spPr>
+          <a:xfrm flipH="1">
+            <a:off x="4390458" y="5088294"/>
+            <a:ext cx="377699" cy="0"/>
+          </a:xfrm>
+          <a:prstGeom prst="straightConnector1">
+            <a:avLst/>
+          </a:prstGeom>
+          <a:ln w="25400">
+            <a:solidFill>
+              <a:schemeClr val="accent2">
+                <a:lumMod val="75000"/>
+              </a:schemeClr>
+            </a:solidFill>
+            <a:tailEnd type="triangle"/>
+          </a:ln>
+        </p:spPr>
+        <p:style>
+          <a:lnRef idx="1">
+            <a:schemeClr val="accent1"/>
+          </a:lnRef>
+          <a:fillRef idx="0">
+            <a:schemeClr val="accent1"/>
+          </a:fillRef>
+          <a:effectRef idx="0">
+            <a:schemeClr val="accent1"/>
+          </a:effectRef>
+          <a:fontRef idx="minor">
+            <a:schemeClr val="tx1"/>
+          </a:fontRef>
+        </p:style>
+      </p:cxnSp>
+      <p:sp>
+        <p:nvSpPr>
+          <p:cNvPr id="27" name="TextBox 26">
+            <a:extLst>
+              <a:ext uri="{FF2B5EF4-FFF2-40B4-BE49-F238E27FC236}">
+                <a16:creationId xmlns:a16="http://schemas.microsoft.com/office/drawing/2014/main" id="{FDDC5330-0DA2-49FC-AB6E-56D213895DBA}"/>
+              </a:ext>
+            </a:extLst>
+          </p:cNvPr>
+          <p:cNvSpPr txBox="1"/>
+          <p:nvPr/>
+        </p:nvSpPr>
+        <p:spPr>
+          <a:xfrm>
+            <a:off x="9287545" y="1882841"/>
+            <a:ext cx="527645" cy="307777"/>
+          </a:xfrm>
+          <a:prstGeom prst="rect">
+            <a:avLst/>
+          </a:prstGeom>
+          <a:noFill/>
+        </p:spPr>
+        <p:txBody>
+          <a:bodyPr wrap="none" rtlCol="0">
+            <a:spAutoFit/>
+          </a:bodyPr>
+          <a:lstStyle/>
+          <a:p>
+            <a:r>
+              <a:rPr lang="en-US" sz="1400" i="1" dirty="0"/>
+              <a:t>right</a:t>
+            </a:r>
+          </a:p>
+        </p:txBody>
+      </p:sp>
+      <p:sp>
+        <p:nvSpPr>
+          <p:cNvPr id="28" name="TextBox 27">
+            <a:extLst>
+              <a:ext uri="{FF2B5EF4-FFF2-40B4-BE49-F238E27FC236}">
+                <a16:creationId xmlns:a16="http://schemas.microsoft.com/office/drawing/2014/main" id="{A66FC02C-FF6E-4F40-9F16-3141FD3BF6E0}"/>
+              </a:ext>
+            </a:extLst>
+          </p:cNvPr>
+          <p:cNvSpPr txBox="1"/>
+          <p:nvPr/>
+        </p:nvSpPr>
+        <p:spPr>
+          <a:xfrm>
+            <a:off x="7789429" y="3393447"/>
+            <a:ext cx="434734" cy="307777"/>
+          </a:xfrm>
+          <a:prstGeom prst="rect">
+            <a:avLst/>
+          </a:prstGeom>
+          <a:noFill/>
+        </p:spPr>
+        <p:txBody>
+          <a:bodyPr wrap="none" rtlCol="0">
+            <a:spAutoFit/>
+          </a:bodyPr>
+          <a:lstStyle/>
+          <a:p>
+            <a:r>
+              <a:rPr lang="en-US" sz="1400" i="1" dirty="0"/>
+              <a:t>bot</a:t>
+            </a:r>
+          </a:p>
+        </p:txBody>
+      </p:sp>
+      <p:sp>
+        <p:nvSpPr>
+          <p:cNvPr id="29" name="TextBox 28">
+            <a:extLst>
+              <a:ext uri="{FF2B5EF4-FFF2-40B4-BE49-F238E27FC236}">
+                <a16:creationId xmlns:a16="http://schemas.microsoft.com/office/drawing/2014/main" id="{72A7CF3A-4C46-4E35-A76A-7F022D602759}"/>
+              </a:ext>
+            </a:extLst>
+          </p:cNvPr>
+          <p:cNvSpPr txBox="1"/>
+          <p:nvPr/>
+        </p:nvSpPr>
+        <p:spPr>
+          <a:xfrm>
+            <a:off x="5996749" y="2203956"/>
+            <a:ext cx="429926" cy="307777"/>
+          </a:xfrm>
+          <a:prstGeom prst="rect">
+            <a:avLst/>
+          </a:prstGeom>
+          <a:noFill/>
+        </p:spPr>
+        <p:txBody>
+          <a:bodyPr wrap="none" rtlCol="0">
+            <a:spAutoFit/>
+          </a:bodyPr>
+          <a:lstStyle/>
+          <a:p>
+            <a:r>
+              <a:rPr lang="en-US" sz="1400" i="1" dirty="0"/>
+              <a:t>left</a:t>
+            </a:r>
+          </a:p>
+        </p:txBody>
+      </p:sp>
+      <p:sp>
+        <p:nvSpPr>
+          <p:cNvPr id="30" name="TextBox 29">
+            <a:extLst>
+              <a:ext uri="{FF2B5EF4-FFF2-40B4-BE49-F238E27FC236}">
+                <a16:creationId xmlns:a16="http://schemas.microsoft.com/office/drawing/2014/main" id="{E8FD7600-7BCC-4A52-A6D3-3DC667FBA041}"/>
+              </a:ext>
+            </a:extLst>
+          </p:cNvPr>
+          <p:cNvSpPr txBox="1"/>
+          <p:nvPr/>
+        </p:nvSpPr>
+        <p:spPr>
+          <a:xfrm>
+            <a:off x="7777875" y="458884"/>
+            <a:ext cx="427746" cy="307777"/>
+          </a:xfrm>
+          <a:prstGeom prst="rect">
+            <a:avLst/>
+          </a:prstGeom>
+          <a:noFill/>
+        </p:spPr>
+        <p:txBody>
+          <a:bodyPr wrap="none" rtlCol="0">
+            <a:spAutoFit/>
+          </a:bodyPr>
+          <a:lstStyle/>
+          <a:p>
+            <a:r>
+              <a:rPr lang="en-US" sz="1400" i="1" dirty="0"/>
+              <a:t>top</a:t>
+            </a:r>
+          </a:p>
+        </p:txBody>
+      </p:sp>
+      <p:cxnSp>
+        <p:nvCxnSpPr>
+          <p:cNvPr id="39" name="Straight Arrow Connector 38">
+            <a:extLst>
+              <a:ext uri="{FF2B5EF4-FFF2-40B4-BE49-F238E27FC236}">
+                <a16:creationId xmlns:a16="http://schemas.microsoft.com/office/drawing/2014/main" id="{78071ED7-AED9-4CB2-9B75-14B2B10505A6}"/>
+              </a:ext>
+            </a:extLst>
+          </p:cNvPr>
+          <p:cNvCxnSpPr>
+            <a:cxnSpLocks/>
+          </p:cNvCxnSpPr>
+          <p:nvPr/>
+        </p:nvCxnSpPr>
+        <p:spPr>
+          <a:xfrm flipV="1">
+            <a:off x="2557679" y="402252"/>
+            <a:ext cx="0" cy="364409"/>
+          </a:xfrm>
+          <a:prstGeom prst="straightConnector1">
+            <a:avLst/>
+          </a:prstGeom>
+          <a:ln w="44450">
+            <a:solidFill>
+              <a:schemeClr val="accent6"/>
+            </a:solidFill>
+            <a:tailEnd type="triangle"/>
+          </a:ln>
+        </p:spPr>
+        <p:style>
+          <a:lnRef idx="1">
+            <a:schemeClr val="accent1"/>
+          </a:lnRef>
+          <a:fillRef idx="0">
+            <a:schemeClr val="accent1"/>
+          </a:fillRef>
+          <a:effectRef idx="0">
+            <a:schemeClr val="accent1"/>
+          </a:effectRef>
+          <a:fontRef idx="minor">
+            <a:schemeClr val="tx1"/>
+          </a:fontRef>
+        </p:style>
+      </p:cxnSp>
+      <p:cxnSp>
+        <p:nvCxnSpPr>
+          <p:cNvPr id="41" name="Straight Arrow Connector 40">
+            <a:extLst>
+              <a:ext uri="{FF2B5EF4-FFF2-40B4-BE49-F238E27FC236}">
+                <a16:creationId xmlns:a16="http://schemas.microsoft.com/office/drawing/2014/main" id="{5A207712-D441-4A0D-BE84-3C6870124B82}"/>
+              </a:ext>
+            </a:extLst>
+          </p:cNvPr>
+          <p:cNvCxnSpPr>
+            <a:cxnSpLocks/>
+          </p:cNvCxnSpPr>
+          <p:nvPr/>
+        </p:nvCxnSpPr>
+        <p:spPr>
+          <a:xfrm flipH="1" flipV="1">
+            <a:off x="451177" y="2535718"/>
+            <a:ext cx="342066" cy="1"/>
+          </a:xfrm>
+          <a:prstGeom prst="straightConnector1">
+            <a:avLst/>
+          </a:prstGeom>
+          <a:ln w="44450">
+            <a:solidFill>
+              <a:schemeClr val="accent6"/>
+            </a:solidFill>
+            <a:tailEnd type="triangle"/>
+          </a:ln>
+        </p:spPr>
+        <p:style>
+          <a:lnRef idx="1">
+            <a:schemeClr val="accent1"/>
+          </a:lnRef>
+          <a:fillRef idx="0">
+            <a:schemeClr val="accent1"/>
+          </a:fillRef>
+          <a:effectRef idx="0">
+            <a:schemeClr val="accent1"/>
+          </a:effectRef>
+          <a:fontRef idx="minor">
+            <a:schemeClr val="tx1"/>
+          </a:fontRef>
+        </p:style>
+      </p:cxnSp>
+      <p:cxnSp>
+        <p:nvCxnSpPr>
+          <p:cNvPr id="42" name="Straight Arrow Connector 41">
+            <a:extLst>
+              <a:ext uri="{FF2B5EF4-FFF2-40B4-BE49-F238E27FC236}">
+                <a16:creationId xmlns:a16="http://schemas.microsoft.com/office/drawing/2014/main" id="{01D03618-8B64-462B-8D42-8467A550E77A}"/>
+              </a:ext>
+            </a:extLst>
+          </p:cNvPr>
+          <p:cNvCxnSpPr>
+            <a:cxnSpLocks/>
+          </p:cNvCxnSpPr>
+          <p:nvPr/>
+        </p:nvCxnSpPr>
+        <p:spPr>
+          <a:xfrm flipV="1">
+            <a:off x="3997980" y="2190618"/>
+            <a:ext cx="347570" cy="1"/>
+          </a:xfrm>
+          <a:prstGeom prst="straightConnector1">
+            <a:avLst/>
+          </a:prstGeom>
+          <a:ln w="44450">
+            <a:solidFill>
+              <a:schemeClr val="accent6"/>
+            </a:solidFill>
+            <a:tailEnd type="triangle"/>
+          </a:ln>
+        </p:spPr>
+        <p:style>
+          <a:lnRef idx="1">
+            <a:schemeClr val="accent1"/>
+          </a:lnRef>
+          <a:fillRef idx="0">
+            <a:schemeClr val="accent1"/>
+          </a:fillRef>
+          <a:effectRef idx="0">
+            <a:schemeClr val="accent1"/>
+          </a:effectRef>
+          <a:fontRef idx="minor">
+            <a:schemeClr val="tx1"/>
+          </a:fontRef>
+        </p:style>
+      </p:cxnSp>
+      <p:cxnSp>
+        <p:nvCxnSpPr>
+          <p:cNvPr id="43" name="Straight Arrow Connector 42">
+            <a:extLst>
+              <a:ext uri="{FF2B5EF4-FFF2-40B4-BE49-F238E27FC236}">
+                <a16:creationId xmlns:a16="http://schemas.microsoft.com/office/drawing/2014/main" id="{6D982E2D-8E34-4A00-B1C6-419AD650F7D8}"/>
+              </a:ext>
+            </a:extLst>
+          </p:cNvPr>
+          <p:cNvCxnSpPr>
+            <a:cxnSpLocks/>
+          </p:cNvCxnSpPr>
+          <p:nvPr/>
+        </p:nvCxnSpPr>
+        <p:spPr>
+          <a:xfrm>
+            <a:off x="2557679" y="3616896"/>
+            <a:ext cx="0" cy="394359"/>
+          </a:xfrm>
+          <a:prstGeom prst="straightConnector1">
+            <a:avLst/>
+          </a:prstGeom>
+          <a:ln w="44450">
+            <a:solidFill>
+              <a:schemeClr val="accent6"/>
+            </a:solidFill>
+            <a:tailEnd type="triangle"/>
+          </a:ln>
+        </p:spPr>
+        <p:style>
+          <a:lnRef idx="1">
+            <a:schemeClr val="accent1"/>
+          </a:lnRef>
+          <a:fillRef idx="0">
+            <a:schemeClr val="accent1"/>
+          </a:fillRef>
+          <a:effectRef idx="0">
+            <a:schemeClr val="accent1"/>
+          </a:effectRef>
+          <a:fontRef idx="minor">
+            <a:schemeClr val="tx1"/>
+          </a:fontRef>
+        </p:style>
+      </p:cxnSp>
+      <p:cxnSp>
+        <p:nvCxnSpPr>
+          <p:cNvPr id="50" name="Straight Arrow Connector 49">
+            <a:extLst>
+              <a:ext uri="{FF2B5EF4-FFF2-40B4-BE49-F238E27FC236}">
+                <a16:creationId xmlns:a16="http://schemas.microsoft.com/office/drawing/2014/main" id="{C14FB529-9584-4BA8-88D0-74C0C2489A05}"/>
+              </a:ext>
+            </a:extLst>
+          </p:cNvPr>
+          <p:cNvCxnSpPr>
+            <a:cxnSpLocks/>
+          </p:cNvCxnSpPr>
+          <p:nvPr/>
+        </p:nvCxnSpPr>
+        <p:spPr>
+          <a:xfrm flipV="1">
+            <a:off x="8006796" y="766661"/>
+            <a:ext cx="0" cy="364409"/>
+          </a:xfrm>
+          <a:prstGeom prst="straightConnector1">
+            <a:avLst/>
+          </a:prstGeom>
+          <a:ln w="44450">
+            <a:solidFill>
+              <a:schemeClr val="accent6"/>
+            </a:solidFill>
+            <a:tailEnd type="triangle"/>
+          </a:ln>
+        </p:spPr>
+        <p:style>
+          <a:lnRef idx="1">
+            <a:schemeClr val="accent1"/>
+          </a:lnRef>
+          <a:fillRef idx="0">
+            <a:schemeClr val="accent1"/>
+          </a:fillRef>
+          <a:effectRef idx="0">
+            <a:schemeClr val="accent1"/>
+          </a:effectRef>
+          <a:fontRef idx="minor">
+            <a:schemeClr val="tx1"/>
+          </a:fontRef>
+        </p:style>
+      </p:cxnSp>
+      <p:cxnSp>
+        <p:nvCxnSpPr>
+          <p:cNvPr id="51" name="Straight Arrow Connector 50">
+            <a:extLst>
+              <a:ext uri="{FF2B5EF4-FFF2-40B4-BE49-F238E27FC236}">
+                <a16:creationId xmlns:a16="http://schemas.microsoft.com/office/drawing/2014/main" id="{66B1EDD7-2D03-4376-A5F1-3D5B320D17CB}"/>
+              </a:ext>
+            </a:extLst>
+          </p:cNvPr>
+          <p:cNvCxnSpPr>
+            <a:cxnSpLocks/>
+          </p:cNvCxnSpPr>
+          <p:nvPr/>
+        </p:nvCxnSpPr>
+        <p:spPr>
+          <a:xfrm flipH="1" flipV="1">
+            <a:off x="6426675" y="2359191"/>
+            <a:ext cx="342066" cy="1"/>
+          </a:xfrm>
+          <a:prstGeom prst="straightConnector1">
+            <a:avLst/>
+          </a:prstGeom>
+          <a:ln w="44450">
+            <a:solidFill>
+              <a:schemeClr val="accent6"/>
+            </a:solidFill>
+            <a:tailEnd type="triangle"/>
+          </a:ln>
+        </p:spPr>
+        <p:style>
+          <a:lnRef idx="1">
+            <a:schemeClr val="accent1"/>
+          </a:lnRef>
+          <a:fillRef idx="0">
+            <a:schemeClr val="accent1"/>
+          </a:fillRef>
+          <a:effectRef idx="0">
+            <a:schemeClr val="accent1"/>
+          </a:effectRef>
+          <a:fontRef idx="minor">
+            <a:schemeClr val="tx1"/>
+          </a:fontRef>
+        </p:style>
+      </p:cxnSp>
+      <p:cxnSp>
+        <p:nvCxnSpPr>
+          <p:cNvPr id="52" name="Straight Arrow Connector 51">
+            <a:extLst>
+              <a:ext uri="{FF2B5EF4-FFF2-40B4-BE49-F238E27FC236}">
+                <a16:creationId xmlns:a16="http://schemas.microsoft.com/office/drawing/2014/main" id="{62C1B974-CA7C-4D6F-A1D0-B1A56114872F}"/>
+              </a:ext>
+            </a:extLst>
+          </p:cNvPr>
+          <p:cNvCxnSpPr>
+            <a:cxnSpLocks/>
+          </p:cNvCxnSpPr>
+          <p:nvPr/>
+        </p:nvCxnSpPr>
+        <p:spPr>
+          <a:xfrm flipV="1">
+            <a:off x="8939975" y="2047411"/>
+            <a:ext cx="347570" cy="1"/>
+          </a:xfrm>
+          <a:prstGeom prst="straightConnector1">
+            <a:avLst/>
+          </a:prstGeom>
+          <a:ln w="44450">
+            <a:solidFill>
+              <a:schemeClr val="accent6"/>
+            </a:solidFill>
+            <a:tailEnd type="triangle"/>
+          </a:ln>
+        </p:spPr>
+        <p:style>
+          <a:lnRef idx="1">
+            <a:schemeClr val="accent1"/>
+          </a:lnRef>
+          <a:fillRef idx="0">
+            <a:schemeClr val="accent1"/>
+          </a:fillRef>
+          <a:effectRef idx="0">
+            <a:schemeClr val="accent1"/>
+          </a:effectRef>
+          <a:fontRef idx="minor">
+            <a:schemeClr val="tx1"/>
+          </a:fontRef>
+        </p:style>
+      </p:cxnSp>
+      <p:cxnSp>
+        <p:nvCxnSpPr>
+          <p:cNvPr id="53" name="Straight Arrow Connector 52">
+            <a:extLst>
+              <a:ext uri="{FF2B5EF4-FFF2-40B4-BE49-F238E27FC236}">
+                <a16:creationId xmlns:a16="http://schemas.microsoft.com/office/drawing/2014/main" id="{AC5AD76D-2FDA-41BB-BD94-9BB7364425A5}"/>
+              </a:ext>
+            </a:extLst>
+          </p:cNvPr>
+          <p:cNvCxnSpPr>
+            <a:cxnSpLocks/>
+          </p:cNvCxnSpPr>
+          <p:nvPr/>
+        </p:nvCxnSpPr>
+        <p:spPr>
+          <a:xfrm>
+            <a:off x="8006796" y="3023413"/>
+            <a:ext cx="0" cy="394359"/>
+          </a:xfrm>
+          <a:prstGeom prst="straightConnector1">
+            <a:avLst/>
+          </a:prstGeom>
+          <a:ln w="44450">
+            <a:solidFill>
+              <a:schemeClr val="accent6"/>
+            </a:solidFill>
+            <a:tailEnd type="triangle"/>
+          </a:ln>
+        </p:spPr>
+        <p:style>
+          <a:lnRef idx="1">
+            <a:schemeClr val="accent1"/>
+          </a:lnRef>
+          <a:fillRef idx="0">
+            <a:schemeClr val="accent1"/>
+          </a:fillRef>
+          <a:effectRef idx="0">
+            <a:schemeClr val="accent1"/>
+          </a:effectRef>
+          <a:fontRef idx="minor">
+            <a:schemeClr val="tx1"/>
+          </a:fontRef>
+        </p:style>
+      </p:cxnSp>
+      <p:sp>
+        <p:nvSpPr>
+          <p:cNvPr id="54" name="Oval 53">
+            <a:extLst>
+              <a:ext uri="{FF2B5EF4-FFF2-40B4-BE49-F238E27FC236}">
+                <a16:creationId xmlns:a16="http://schemas.microsoft.com/office/drawing/2014/main" id="{05CDDC28-BDCD-44C3-A3B7-C01D6999D299}"/>
+              </a:ext>
+            </a:extLst>
+          </p:cNvPr>
+          <p:cNvSpPr/>
+          <p:nvPr/>
+        </p:nvSpPr>
+        <p:spPr>
+          <a:xfrm>
+            <a:off x="7899494" y="1095283"/>
+            <a:ext cx="214604" cy="214604"/>
+          </a:xfrm>
+          <a:prstGeom prst="ellipse">
+            <a:avLst/>
+          </a:prstGeom>
+          <a:solidFill>
+            <a:schemeClr val="tx1">
+              <a:lumMod val="85000"/>
+              <a:lumOff val="15000"/>
+            </a:schemeClr>
+          </a:solidFill>
+          <a:ln>
+            <a:noFill/>
+          </a:ln>
+        </p:spPr>
+        <p:style>
+          <a:lnRef idx="2">
+            <a:schemeClr val="accent1">
+              <a:shade val="50000"/>
+            </a:schemeClr>
+          </a:lnRef>
+          <a:fillRef idx="1">
+            <a:schemeClr val="accent1"/>
+          </a:fillRef>
+          <a:effectRef idx="0">
+            <a:schemeClr val="accent1"/>
+          </a:effectRef>
+          <a:fontRef idx="minor">
+            <a:schemeClr val="lt1"/>
+          </a:fontRef>
+        </p:style>
+        <p:txBody>
+          <a:bodyPr rtlCol="0" anchor="ctr"/>
+          <a:lstStyle/>
+          <a:p>
+            <a:pPr algn="ctr"/>
+            <a:endParaRPr lang="en-US" i="1"/>
+          </a:p>
+        </p:txBody>
+      </p:sp>
+      <p:sp>
+        <p:nvSpPr>
+          <p:cNvPr id="55" name="Oval 54">
+            <a:extLst>
+              <a:ext uri="{FF2B5EF4-FFF2-40B4-BE49-F238E27FC236}">
+                <a16:creationId xmlns:a16="http://schemas.microsoft.com/office/drawing/2014/main" id="{8AD37E37-A3E7-4441-80FC-5D1FFBE6BB4E}"/>
+              </a:ext>
+            </a:extLst>
+          </p:cNvPr>
+          <p:cNvSpPr/>
+          <p:nvPr/>
+        </p:nvSpPr>
+        <p:spPr>
+          <a:xfrm>
+            <a:off x="8725371" y="1940110"/>
+            <a:ext cx="214604" cy="214604"/>
+          </a:xfrm>
+          <a:prstGeom prst="ellipse">
+            <a:avLst/>
+          </a:prstGeom>
+          <a:solidFill>
+            <a:schemeClr val="tx1">
+              <a:lumMod val="85000"/>
+              <a:lumOff val="15000"/>
+            </a:schemeClr>
+          </a:solidFill>
+          <a:ln>
+            <a:noFill/>
+          </a:ln>
+        </p:spPr>
+        <p:style>
+          <a:lnRef idx="2">
+            <a:schemeClr val="accent1">
+              <a:shade val="50000"/>
+            </a:schemeClr>
+          </a:lnRef>
+          <a:fillRef idx="1">
+            <a:schemeClr val="accent1"/>
+          </a:fillRef>
+          <a:effectRef idx="0">
+            <a:schemeClr val="accent1"/>
+          </a:effectRef>
+          <a:fontRef idx="minor">
+            <a:schemeClr val="lt1"/>
+          </a:fontRef>
+        </p:style>
+        <p:txBody>
+          <a:bodyPr rtlCol="0" anchor="ctr"/>
+          <a:lstStyle/>
+          <a:p>
+            <a:pPr algn="ctr"/>
+            <a:endParaRPr lang="en-US" i="1"/>
+          </a:p>
+        </p:txBody>
+      </p:sp>
+      <p:sp>
+        <p:nvSpPr>
+          <p:cNvPr id="56" name="Oval 55">
+            <a:extLst>
+              <a:ext uri="{FF2B5EF4-FFF2-40B4-BE49-F238E27FC236}">
+                <a16:creationId xmlns:a16="http://schemas.microsoft.com/office/drawing/2014/main" id="{25A442BA-D8D2-4EE8-BD5A-9EF22A5C23BE}"/>
+              </a:ext>
+            </a:extLst>
+          </p:cNvPr>
+          <p:cNvSpPr/>
+          <p:nvPr/>
+        </p:nvSpPr>
+        <p:spPr>
+          <a:xfrm>
+            <a:off x="7899494" y="2808809"/>
+            <a:ext cx="214604" cy="214604"/>
+          </a:xfrm>
+          <a:prstGeom prst="ellipse">
+            <a:avLst/>
+          </a:prstGeom>
+          <a:solidFill>
+            <a:schemeClr val="tx1">
+              <a:lumMod val="85000"/>
+              <a:lumOff val="15000"/>
+            </a:schemeClr>
+          </a:solidFill>
+          <a:ln>
+            <a:noFill/>
+          </a:ln>
+        </p:spPr>
+        <p:style>
+          <a:lnRef idx="2">
+            <a:schemeClr val="accent1">
+              <a:shade val="50000"/>
+            </a:schemeClr>
+          </a:lnRef>
+          <a:fillRef idx="1">
+            <a:schemeClr val="accent1"/>
+          </a:fillRef>
+          <a:effectRef idx="0">
+            <a:schemeClr val="accent1"/>
+          </a:effectRef>
+          <a:fontRef idx="minor">
+            <a:schemeClr val="lt1"/>
+          </a:fontRef>
+        </p:style>
+        <p:txBody>
+          <a:bodyPr rtlCol="0" anchor="ctr"/>
+          <a:lstStyle/>
+          <a:p>
+            <a:pPr algn="ctr"/>
+            <a:endParaRPr lang="en-US" i="1"/>
+          </a:p>
+        </p:txBody>
+      </p:sp>
+      <p:sp>
+        <p:nvSpPr>
+          <p:cNvPr id="57" name="Oval 56">
+            <a:extLst>
+              <a:ext uri="{FF2B5EF4-FFF2-40B4-BE49-F238E27FC236}">
+                <a16:creationId xmlns:a16="http://schemas.microsoft.com/office/drawing/2014/main" id="{96A1D21B-2FCE-4119-9F4F-021B957AC379}"/>
+              </a:ext>
+            </a:extLst>
+          </p:cNvPr>
+          <p:cNvSpPr/>
+          <p:nvPr/>
+        </p:nvSpPr>
+        <p:spPr>
+          <a:xfrm>
+            <a:off x="6782931" y="2251889"/>
+            <a:ext cx="214604" cy="214604"/>
+          </a:xfrm>
+          <a:prstGeom prst="ellipse">
+            <a:avLst/>
+          </a:prstGeom>
+          <a:solidFill>
+            <a:schemeClr val="tx1">
+              <a:lumMod val="85000"/>
+              <a:lumOff val="15000"/>
+            </a:schemeClr>
+          </a:solidFill>
+          <a:ln>
+            <a:noFill/>
+          </a:ln>
+        </p:spPr>
+        <p:style>
+          <a:lnRef idx="2">
+            <a:schemeClr val="accent1">
+              <a:shade val="50000"/>
+            </a:schemeClr>
+          </a:lnRef>
+          <a:fillRef idx="1">
+            <a:schemeClr val="accent1"/>
+          </a:fillRef>
+          <a:effectRef idx="0">
+            <a:schemeClr val="accent1"/>
+          </a:effectRef>
+          <a:fontRef idx="minor">
+            <a:schemeClr val="lt1"/>
+          </a:fontRef>
+        </p:style>
+        <p:txBody>
+          <a:bodyPr rtlCol="0" anchor="ctr"/>
+          <a:lstStyle/>
+          <a:p>
+            <a:pPr algn="ctr"/>
+            <a:endParaRPr lang="en-US" i="1"/>
+          </a:p>
+        </p:txBody>
+      </p:sp>
+      <p:cxnSp>
+        <p:nvCxnSpPr>
+          <p:cNvPr id="61" name="Straight Arrow Connector 60">
+            <a:extLst>
+              <a:ext uri="{FF2B5EF4-FFF2-40B4-BE49-F238E27FC236}">
+                <a16:creationId xmlns:a16="http://schemas.microsoft.com/office/drawing/2014/main" id="{EC89CEFF-97F9-40F3-AB68-106997B07A82}"/>
+              </a:ext>
+            </a:extLst>
+          </p:cNvPr>
+          <p:cNvCxnSpPr>
+            <a:cxnSpLocks/>
+          </p:cNvCxnSpPr>
+          <p:nvPr/>
+        </p:nvCxnSpPr>
+        <p:spPr>
+          <a:xfrm>
+            <a:off x="5598585" y="4011256"/>
+            <a:ext cx="0" cy="349912"/>
+          </a:xfrm>
+          <a:prstGeom prst="straightConnector1">
+            <a:avLst/>
+          </a:prstGeom>
+          <a:ln w="25400">
+            <a:solidFill>
+              <a:schemeClr val="accent5">
+                <a:lumMod val="75000"/>
+              </a:schemeClr>
+            </a:solidFill>
+            <a:tailEnd type="triangle"/>
+          </a:ln>
+        </p:spPr>
+        <p:style>
+          <a:lnRef idx="1">
+            <a:schemeClr val="accent1"/>
+          </a:lnRef>
+          <a:fillRef idx="0">
+            <a:schemeClr val="accent1"/>
+          </a:fillRef>
+          <a:effectRef idx="0">
+            <a:schemeClr val="accent1"/>
+          </a:effectRef>
+          <a:fontRef idx="minor">
+            <a:schemeClr val="tx1"/>
+          </a:fontRef>
+        </p:style>
+      </p:cxnSp>
+    </p:spTree>
+    <p:extLst>
+      <p:ext uri="{BB962C8B-B14F-4D97-AF65-F5344CB8AC3E}">
+        <p14:creationId xmlns:p14="http://schemas.microsoft.com/office/powerpoint/2010/main" val="2238147439"/>
+      </p:ext>
+    </p:extLst>
+  </p:cSld>
+  <p:clrMapOvr>
+    <a:masterClrMapping/>
+  </p:clrMapOvr>
+</p:sld>
+</file>
+
+<file path=ppt/slides/slide16.xml><?xml version="1.0" encoding="utf-8"?>
+<p:sld xmlns:a="http://schemas.openxmlformats.org/drawingml/2006/main" xmlns:r="http://schemas.openxmlformats.org/officeDocument/2006/relationships" xmlns:p="http://schemas.openxmlformats.org/presentationml/2006/main">
+  <p:cSld>
+    <p:spTree>
+      <p:nvGrpSpPr>
+        <p:cNvPr id="1" name=""/>
+        <p:cNvGrpSpPr/>
+        <p:nvPr/>
+      </p:nvGrpSpPr>
+      <p:grpSpPr>
+        <a:xfrm>
+          <a:off x="0" y="0"/>
+          <a:ext cx="0" cy="0"/>
+          <a:chOff x="0" y="0"/>
+          <a:chExt cx="0" cy="0"/>
+        </a:xfrm>
+      </p:grpSpPr>
+      <p:cxnSp>
+        <p:nvCxnSpPr>
+          <p:cNvPr id="31" name="Straight Arrow Connector 30">
+            <a:extLst>
+              <a:ext uri="{FF2B5EF4-FFF2-40B4-BE49-F238E27FC236}">
+                <a16:creationId xmlns:a16="http://schemas.microsoft.com/office/drawing/2014/main" id="{26152113-024C-46F7-8E7F-F268386950D7}"/>
+              </a:ext>
+            </a:extLst>
+          </p:cNvPr>
+          <p:cNvCxnSpPr>
+            <a:cxnSpLocks/>
+          </p:cNvCxnSpPr>
+          <p:nvPr/>
+        </p:nvCxnSpPr>
+        <p:spPr>
+          <a:xfrm flipV="1">
+            <a:off x="9762146" y="773214"/>
+            <a:ext cx="110837" cy="362667"/>
+          </a:xfrm>
+          <a:prstGeom prst="straightConnector1">
+            <a:avLst/>
+          </a:prstGeom>
+          <a:ln w="44450">
+            <a:solidFill>
+              <a:schemeClr val="accent6"/>
+            </a:solidFill>
+            <a:tailEnd type="triangle"/>
+          </a:ln>
+        </p:spPr>
+        <p:style>
+          <a:lnRef idx="1">
+            <a:schemeClr val="accent1"/>
+          </a:lnRef>
+          <a:fillRef idx="0">
+            <a:schemeClr val="accent1"/>
+          </a:fillRef>
+          <a:effectRef idx="0">
+            <a:schemeClr val="accent1"/>
+          </a:effectRef>
+          <a:fontRef idx="minor">
+            <a:schemeClr val="tx1"/>
+          </a:fontRef>
+        </p:style>
+      </p:cxnSp>
+      <p:cxnSp>
+        <p:nvCxnSpPr>
+          <p:cNvPr id="32" name="Straight Arrow Connector 31">
+            <a:extLst>
+              <a:ext uri="{FF2B5EF4-FFF2-40B4-BE49-F238E27FC236}">
+                <a16:creationId xmlns:a16="http://schemas.microsoft.com/office/drawing/2014/main" id="{A77C1A5C-202F-455F-A2BE-54699C46708F}"/>
+              </a:ext>
+            </a:extLst>
+          </p:cNvPr>
+          <p:cNvCxnSpPr>
+            <a:cxnSpLocks/>
+          </p:cNvCxnSpPr>
+          <p:nvPr/>
+        </p:nvCxnSpPr>
+        <p:spPr>
+          <a:xfrm flipV="1">
+            <a:off x="10267266" y="1494792"/>
+            <a:ext cx="352857" cy="197827"/>
+          </a:xfrm>
+          <a:prstGeom prst="straightConnector1">
+            <a:avLst/>
+          </a:prstGeom>
+          <a:ln w="44450">
+            <a:solidFill>
+              <a:schemeClr val="accent6"/>
+            </a:solidFill>
+            <a:tailEnd type="triangle"/>
+          </a:ln>
+        </p:spPr>
+        <p:style>
+          <a:lnRef idx="1">
+            <a:schemeClr val="accent1"/>
+          </a:lnRef>
+          <a:fillRef idx="0">
+            <a:schemeClr val="accent1"/>
+          </a:fillRef>
+          <a:effectRef idx="0">
+            <a:schemeClr val="accent1"/>
+          </a:effectRef>
+          <a:fontRef idx="minor">
+            <a:schemeClr val="tx1"/>
+          </a:fontRef>
+        </p:style>
+      </p:cxnSp>
+      <p:cxnSp>
+        <p:nvCxnSpPr>
+          <p:cNvPr id="33" name="Straight Arrow Connector 32">
+            <a:extLst>
+              <a:ext uri="{FF2B5EF4-FFF2-40B4-BE49-F238E27FC236}">
+                <a16:creationId xmlns:a16="http://schemas.microsoft.com/office/drawing/2014/main" id="{876971AE-5BB3-4BD1-A47B-A1546F12C1BB}"/>
+              </a:ext>
+            </a:extLst>
+          </p:cNvPr>
+          <p:cNvCxnSpPr>
+            <a:cxnSpLocks/>
+          </p:cNvCxnSpPr>
+          <p:nvPr/>
+        </p:nvCxnSpPr>
+        <p:spPr>
+          <a:xfrm>
+            <a:off x="10221011" y="3297310"/>
+            <a:ext cx="322822" cy="120967"/>
+          </a:xfrm>
+          <a:prstGeom prst="straightConnector1">
+            <a:avLst/>
+          </a:prstGeom>
+          <a:ln w="44450">
+            <a:solidFill>
+              <a:schemeClr val="accent6"/>
+            </a:solidFill>
+            <a:tailEnd type="triangle"/>
+          </a:ln>
+        </p:spPr>
+        <p:style>
+          <a:lnRef idx="1">
+            <a:schemeClr val="accent1"/>
+          </a:lnRef>
+          <a:fillRef idx="0">
+            <a:schemeClr val="accent1"/>
+          </a:fillRef>
+          <a:effectRef idx="0">
+            <a:schemeClr val="accent1"/>
+          </a:effectRef>
+          <a:fontRef idx="minor">
+            <a:schemeClr val="tx1"/>
+          </a:fontRef>
+        </p:style>
+      </p:cxnSp>
+      <p:cxnSp>
+        <p:nvCxnSpPr>
+          <p:cNvPr id="34" name="Straight Arrow Connector 33">
+            <a:extLst>
+              <a:ext uri="{FF2B5EF4-FFF2-40B4-BE49-F238E27FC236}">
+                <a16:creationId xmlns:a16="http://schemas.microsoft.com/office/drawing/2014/main" id="{BEF727C3-D652-439B-ACDB-8C50DE92A916}"/>
+              </a:ext>
+            </a:extLst>
+          </p:cNvPr>
+          <p:cNvCxnSpPr>
+            <a:cxnSpLocks/>
+          </p:cNvCxnSpPr>
+          <p:nvPr/>
+        </p:nvCxnSpPr>
+        <p:spPr>
+          <a:xfrm>
+            <a:off x="9546002" y="3803972"/>
+            <a:ext cx="95789" cy="370494"/>
+          </a:xfrm>
+          <a:prstGeom prst="straightConnector1">
+            <a:avLst/>
+          </a:prstGeom>
+          <a:ln w="44450">
+            <a:solidFill>
+              <a:schemeClr val="accent6"/>
+            </a:solidFill>
+            <a:tailEnd type="triangle"/>
+          </a:ln>
+        </p:spPr>
+        <p:style>
+          <a:lnRef idx="1">
+            <a:schemeClr val="accent1"/>
+          </a:lnRef>
+          <a:fillRef idx="0">
+            <a:schemeClr val="accent1"/>
+          </a:fillRef>
+          <a:effectRef idx="0">
+            <a:schemeClr val="accent1"/>
+          </a:effectRef>
+          <a:fontRef idx="minor">
+            <a:schemeClr val="tx1"/>
+          </a:fontRef>
+        </p:style>
+      </p:cxnSp>
+      <p:cxnSp>
+        <p:nvCxnSpPr>
+          <p:cNvPr id="35" name="Straight Arrow Connector 34">
+            <a:extLst>
+              <a:ext uri="{FF2B5EF4-FFF2-40B4-BE49-F238E27FC236}">
+                <a16:creationId xmlns:a16="http://schemas.microsoft.com/office/drawing/2014/main" id="{F22E3451-D0BF-437F-A85E-520792412D76}"/>
+              </a:ext>
+            </a:extLst>
+          </p:cNvPr>
+          <p:cNvCxnSpPr>
+            <a:cxnSpLocks/>
+          </p:cNvCxnSpPr>
+          <p:nvPr/>
+        </p:nvCxnSpPr>
+        <p:spPr>
+          <a:xfrm flipH="1">
+            <a:off x="8450074" y="3679149"/>
+            <a:ext cx="276749" cy="287366"/>
+          </a:xfrm>
+          <a:prstGeom prst="straightConnector1">
+            <a:avLst/>
+          </a:prstGeom>
+          <a:ln w="44450">
+            <a:solidFill>
+              <a:schemeClr val="accent6"/>
+            </a:solidFill>
+            <a:tailEnd type="triangle"/>
+          </a:ln>
+        </p:spPr>
+        <p:style>
+          <a:lnRef idx="1">
+            <a:schemeClr val="accent1"/>
+          </a:lnRef>
+          <a:fillRef idx="0">
+            <a:schemeClr val="accent1"/>
+          </a:fillRef>
+          <a:effectRef idx="0">
+            <a:schemeClr val="accent1"/>
+          </a:effectRef>
+          <a:fontRef idx="minor">
+            <a:schemeClr val="tx1"/>
+          </a:fontRef>
+        </p:style>
+      </p:cxnSp>
+      <p:cxnSp>
+        <p:nvCxnSpPr>
+          <p:cNvPr id="36" name="Straight Arrow Connector 35">
+            <a:extLst>
+              <a:ext uri="{FF2B5EF4-FFF2-40B4-BE49-F238E27FC236}">
+                <a16:creationId xmlns:a16="http://schemas.microsoft.com/office/drawing/2014/main" id="{E4705D4F-1DDE-46CA-8583-24DA842D3B02}"/>
+              </a:ext>
+            </a:extLst>
+          </p:cNvPr>
+          <p:cNvCxnSpPr>
+            <a:cxnSpLocks/>
+          </p:cNvCxnSpPr>
+          <p:nvPr/>
+        </p:nvCxnSpPr>
+        <p:spPr>
+          <a:xfrm flipH="1">
+            <a:off x="7515725" y="2761086"/>
+            <a:ext cx="384148" cy="0"/>
+          </a:xfrm>
+          <a:prstGeom prst="straightConnector1">
+            <a:avLst/>
+          </a:prstGeom>
+          <a:ln w="44450">
+            <a:solidFill>
+              <a:schemeClr val="accent6"/>
+            </a:solidFill>
+            <a:tailEnd type="triangle"/>
+          </a:ln>
+        </p:spPr>
+        <p:style>
+          <a:lnRef idx="1">
+            <a:schemeClr val="accent1"/>
+          </a:lnRef>
+          <a:fillRef idx="0">
+            <a:schemeClr val="accent1"/>
+          </a:fillRef>
+          <a:effectRef idx="0">
+            <a:schemeClr val="accent1"/>
+          </a:effectRef>
+          <a:fontRef idx="minor">
+            <a:schemeClr val="tx1"/>
+          </a:fontRef>
+        </p:style>
+      </p:cxnSp>
+      <p:cxnSp>
+        <p:nvCxnSpPr>
+          <p:cNvPr id="37" name="Straight Arrow Connector 36">
+            <a:extLst>
+              <a:ext uri="{FF2B5EF4-FFF2-40B4-BE49-F238E27FC236}">
+                <a16:creationId xmlns:a16="http://schemas.microsoft.com/office/drawing/2014/main" id="{A7A0AB61-14FE-440D-A94B-14930AF2F780}"/>
+              </a:ext>
+            </a:extLst>
+          </p:cNvPr>
+          <p:cNvCxnSpPr>
+            <a:cxnSpLocks/>
+          </p:cNvCxnSpPr>
+          <p:nvPr/>
+        </p:nvCxnSpPr>
+        <p:spPr>
+          <a:xfrm flipH="1" flipV="1">
+            <a:off x="8349285" y="1042250"/>
+            <a:ext cx="272013" cy="269036"/>
+          </a:xfrm>
+          <a:prstGeom prst="straightConnector1">
+            <a:avLst/>
+          </a:prstGeom>
+          <a:ln w="44450">
+            <a:solidFill>
+              <a:schemeClr val="accent6"/>
+            </a:solidFill>
+            <a:tailEnd type="triangle"/>
+          </a:ln>
+        </p:spPr>
+        <p:style>
+          <a:lnRef idx="1">
+            <a:schemeClr val="accent1"/>
+          </a:lnRef>
+          <a:fillRef idx="0">
+            <a:schemeClr val="accent1"/>
+          </a:fillRef>
+          <a:effectRef idx="0">
+            <a:schemeClr val="accent1"/>
+          </a:effectRef>
+          <a:fontRef idx="minor">
+            <a:schemeClr val="tx1"/>
+          </a:fontRef>
+        </p:style>
+      </p:cxnSp>
+      <p:pic>
+        <p:nvPicPr>
+          <p:cNvPr id="3" name="Picture 2">
+            <a:extLst>
+              <a:ext uri="{FF2B5EF4-FFF2-40B4-BE49-F238E27FC236}">
+                <a16:creationId xmlns:a16="http://schemas.microsoft.com/office/drawing/2014/main" id="{FCB44C61-F7F3-4A9F-84D0-1481BC92F5FD}"/>
+              </a:ext>
+            </a:extLst>
+          </p:cNvPr>
+          <p:cNvPicPr>
+            <a:picLocks noChangeAspect="1"/>
+          </p:cNvPicPr>
+          <p:nvPr/>
+        </p:nvPicPr>
+        <p:blipFill rotWithShape="1">
+          <a:blip r:embed="rId2">
+            <a:extLst>
+              <a:ext uri="{28A0092B-C50C-407E-A947-70E740481C1C}">
+                <a14:useLocalDpi xmlns:a14="http://schemas.microsoft.com/office/drawing/2010/main" val="0"/>
+              </a:ext>
+            </a:extLst>
+          </a:blip>
+          <a:srcRect l="34362" t="12883" r="31429" b="11658"/>
+          <a:stretch/>
+        </p:blipFill>
+        <p:spPr>
+          <a:xfrm>
+            <a:off x="937911" y="621857"/>
+            <a:ext cx="3589970" cy="3959407"/>
+          </a:xfrm>
+          <a:prstGeom prst="rect">
+            <a:avLst/>
+          </a:prstGeom>
+        </p:spPr>
+      </p:pic>
+      <p:grpSp>
+        <p:nvGrpSpPr>
+          <p:cNvPr id="4" name="Group 3">
+            <a:extLst>
+              <a:ext uri="{FF2B5EF4-FFF2-40B4-BE49-F238E27FC236}">
+                <a16:creationId xmlns:a16="http://schemas.microsoft.com/office/drawing/2014/main" id="{C91B0D1D-50FA-42AA-89B5-17B74E16B4F4}"/>
+              </a:ext>
+            </a:extLst>
+          </p:cNvPr>
+          <p:cNvGrpSpPr/>
+          <p:nvPr/>
+        </p:nvGrpSpPr>
+        <p:grpSpPr>
+          <a:xfrm>
+            <a:off x="4788158" y="3934414"/>
+            <a:ext cx="2917374" cy="2811619"/>
+            <a:chOff x="4788158" y="3934414"/>
+            <a:chExt cx="2917374" cy="2811619"/>
+          </a:xfrm>
+        </p:grpSpPr>
+        <p:sp>
+          <p:nvSpPr>
+            <p:cNvPr id="5" name="Rectangle 4">
+              <a:extLst>
+                <a:ext uri="{FF2B5EF4-FFF2-40B4-BE49-F238E27FC236}">
+                  <a16:creationId xmlns:a16="http://schemas.microsoft.com/office/drawing/2014/main" id="{F47A8565-ADD2-4269-BD4C-B3E6258BD56D}"/>
+                </a:ext>
+              </a:extLst>
+            </p:cNvPr>
+            <p:cNvSpPr/>
+            <p:nvPr/>
+          </p:nvSpPr>
+          <p:spPr>
+            <a:xfrm>
+              <a:off x="5047861" y="4236098"/>
+              <a:ext cx="2397968" cy="2285991"/>
+            </a:xfrm>
+            <a:prstGeom prst="rect">
+              <a:avLst/>
+            </a:prstGeom>
+            <a:solidFill>
+              <a:schemeClr val="bg2">
+                <a:lumMod val="75000"/>
+              </a:schemeClr>
+            </a:solidFill>
+            <a:ln>
+              <a:noFill/>
+            </a:ln>
+          </p:spPr>
+          <p:style>
+            <a:lnRef idx="2">
+              <a:schemeClr val="accent1">
+                <a:shade val="50000"/>
+              </a:schemeClr>
+            </a:lnRef>
+            <a:fillRef idx="1">
+              <a:schemeClr val="accent1"/>
+            </a:fillRef>
+            <a:effectRef idx="0">
+              <a:schemeClr val="accent1"/>
+            </a:effectRef>
+            <a:fontRef idx="minor">
+              <a:schemeClr val="lt1"/>
+            </a:fontRef>
+          </p:style>
+          <p:txBody>
+            <a:bodyPr rtlCol="0" anchor="ctr"/>
+            <a:lstStyle/>
+            <a:p>
+              <a:pPr algn="ctr"/>
+              <a:endParaRPr lang="en-US"/>
+            </a:p>
+          </p:txBody>
+        </p:sp>
+        <p:sp>
+          <p:nvSpPr>
+            <p:cNvPr id="6" name="Rectangle 5">
+              <a:extLst>
+                <a:ext uri="{FF2B5EF4-FFF2-40B4-BE49-F238E27FC236}">
+                  <a16:creationId xmlns:a16="http://schemas.microsoft.com/office/drawing/2014/main" id="{55E8D2DC-C897-45E4-9E67-0ADDB52D4BDB}"/>
+                </a:ext>
+              </a:extLst>
+            </p:cNvPr>
+            <p:cNvSpPr/>
+            <p:nvPr/>
+          </p:nvSpPr>
+          <p:spPr>
+            <a:xfrm>
+              <a:off x="5402424" y="4584442"/>
+              <a:ext cx="1666580" cy="1620416"/>
+            </a:xfrm>
+            <a:prstGeom prst="rect">
+              <a:avLst/>
+            </a:prstGeom>
+            <a:solidFill>
+              <a:schemeClr val="bg1"/>
+            </a:solidFill>
+            <a:ln>
+              <a:noFill/>
+            </a:ln>
+          </p:spPr>
+          <p:style>
+            <a:lnRef idx="2">
+              <a:schemeClr val="accent1">
+                <a:shade val="50000"/>
+              </a:schemeClr>
+            </a:lnRef>
+            <a:fillRef idx="1">
+              <a:schemeClr val="accent1"/>
+            </a:fillRef>
+            <a:effectRef idx="0">
+              <a:schemeClr val="accent1"/>
+            </a:effectRef>
+            <a:fontRef idx="minor">
+              <a:schemeClr val="lt1"/>
+            </a:fontRef>
+          </p:style>
+          <p:txBody>
+            <a:bodyPr rtlCol="0" anchor="ctr"/>
+            <a:lstStyle/>
+            <a:p>
+              <a:pPr algn="ctr"/>
+              <a:endParaRPr lang="en-US" i="1"/>
+            </a:p>
+          </p:txBody>
+        </p:sp>
+        <p:cxnSp>
+          <p:nvCxnSpPr>
+            <p:cNvPr id="7" name="Straight Connector 6">
+              <a:extLst>
+                <a:ext uri="{FF2B5EF4-FFF2-40B4-BE49-F238E27FC236}">
+                  <a16:creationId xmlns:a16="http://schemas.microsoft.com/office/drawing/2014/main" id="{57C5917F-13C7-4730-8421-52440FCE204E}"/>
+                </a:ext>
+              </a:extLst>
+            </p:cNvPr>
+            <p:cNvCxnSpPr>
+              <a:cxnSpLocks/>
+            </p:cNvCxnSpPr>
+            <p:nvPr/>
+          </p:nvCxnSpPr>
+          <p:spPr>
+            <a:xfrm flipV="1">
+              <a:off x="6961702" y="4236098"/>
+              <a:ext cx="484127" cy="499054"/>
+            </a:xfrm>
+            <a:prstGeom prst="line">
+              <a:avLst/>
+            </a:prstGeom>
+            <a:ln w="15875">
+              <a:solidFill>
+                <a:schemeClr val="bg1"/>
+              </a:solidFill>
+            </a:ln>
+          </p:spPr>
+          <p:style>
+            <a:lnRef idx="1">
+              <a:schemeClr val="accent1"/>
+            </a:lnRef>
+            <a:fillRef idx="0">
+              <a:schemeClr val="accent1"/>
+            </a:fillRef>
+            <a:effectRef idx="0">
+              <a:schemeClr val="accent1"/>
+            </a:effectRef>
+            <a:fontRef idx="minor">
+              <a:schemeClr val="tx1"/>
+            </a:fontRef>
+          </p:style>
+        </p:cxnSp>
+        <p:cxnSp>
+          <p:nvCxnSpPr>
+            <p:cNvPr id="8" name="Straight Connector 7">
+              <a:extLst>
+                <a:ext uri="{FF2B5EF4-FFF2-40B4-BE49-F238E27FC236}">
+                  <a16:creationId xmlns:a16="http://schemas.microsoft.com/office/drawing/2014/main" id="{16115D7B-AA9E-4D48-BD60-AD3449D4F8AA}"/>
+                </a:ext>
+              </a:extLst>
+            </p:cNvPr>
+            <p:cNvCxnSpPr>
+              <a:cxnSpLocks/>
+            </p:cNvCxnSpPr>
+            <p:nvPr/>
+          </p:nvCxnSpPr>
+          <p:spPr>
+            <a:xfrm flipV="1">
+              <a:off x="5047861" y="6173744"/>
+              <a:ext cx="376825" cy="348345"/>
+            </a:xfrm>
+            <a:prstGeom prst="line">
+              <a:avLst/>
+            </a:prstGeom>
+            <a:ln w="15875">
+              <a:solidFill>
+                <a:schemeClr val="bg1"/>
+              </a:solidFill>
+            </a:ln>
+          </p:spPr>
+          <p:style>
+            <a:lnRef idx="1">
+              <a:schemeClr val="accent1"/>
+            </a:lnRef>
+            <a:fillRef idx="0">
+              <a:schemeClr val="accent1"/>
+            </a:fillRef>
+            <a:effectRef idx="0">
+              <a:schemeClr val="accent1"/>
+            </a:effectRef>
+            <a:fontRef idx="minor">
+              <a:schemeClr val="tx1"/>
+            </a:fontRef>
+          </p:style>
+        </p:cxnSp>
+        <p:cxnSp>
+          <p:nvCxnSpPr>
+            <p:cNvPr id="9" name="Straight Connector 8">
+              <a:extLst>
+                <a:ext uri="{FF2B5EF4-FFF2-40B4-BE49-F238E27FC236}">
+                  <a16:creationId xmlns:a16="http://schemas.microsoft.com/office/drawing/2014/main" id="{CD705D18-AFE0-4DCE-9F3A-AA8B0F0AD7D6}"/>
+                </a:ext>
+              </a:extLst>
+            </p:cNvPr>
+            <p:cNvCxnSpPr>
+              <a:cxnSpLocks/>
+            </p:cNvCxnSpPr>
+            <p:nvPr/>
+          </p:nvCxnSpPr>
+          <p:spPr>
+            <a:xfrm>
+              <a:off x="4788158" y="3934414"/>
+              <a:ext cx="877652" cy="936166"/>
+            </a:xfrm>
+            <a:prstGeom prst="line">
+              <a:avLst/>
+            </a:prstGeom>
+            <a:ln w="15875">
+              <a:solidFill>
+                <a:schemeClr val="bg1"/>
+              </a:solidFill>
+            </a:ln>
+          </p:spPr>
+          <p:style>
+            <a:lnRef idx="1">
+              <a:schemeClr val="accent1"/>
+            </a:lnRef>
+            <a:fillRef idx="0">
+              <a:schemeClr val="accent1"/>
+            </a:fillRef>
+            <a:effectRef idx="0">
+              <a:schemeClr val="accent1"/>
+            </a:effectRef>
+            <a:fontRef idx="minor">
+              <a:schemeClr val="tx1"/>
+            </a:fontRef>
+          </p:style>
+        </p:cxnSp>
+        <p:cxnSp>
+          <p:nvCxnSpPr>
+            <p:cNvPr id="10" name="Straight Connector 9">
+              <a:extLst>
+                <a:ext uri="{FF2B5EF4-FFF2-40B4-BE49-F238E27FC236}">
+                  <a16:creationId xmlns:a16="http://schemas.microsoft.com/office/drawing/2014/main" id="{A35E7864-2145-45B7-BB30-B0A13A3B30D0}"/>
+                </a:ext>
+              </a:extLst>
+            </p:cNvPr>
+            <p:cNvCxnSpPr>
+              <a:cxnSpLocks/>
+            </p:cNvCxnSpPr>
+            <p:nvPr/>
+          </p:nvCxnSpPr>
+          <p:spPr>
+            <a:xfrm>
+              <a:off x="6818591" y="5962261"/>
+              <a:ext cx="886941" cy="783772"/>
+            </a:xfrm>
+            <a:prstGeom prst="line">
+              <a:avLst/>
+            </a:prstGeom>
+            <a:ln w="15875">
+              <a:solidFill>
+                <a:schemeClr val="bg1"/>
+              </a:solidFill>
+            </a:ln>
+          </p:spPr>
+          <p:style>
+            <a:lnRef idx="1">
+              <a:schemeClr val="accent1"/>
+            </a:lnRef>
+            <a:fillRef idx="0">
+              <a:schemeClr val="accent1"/>
+            </a:fillRef>
+            <a:effectRef idx="0">
+              <a:schemeClr val="accent1"/>
+            </a:effectRef>
+            <a:fontRef idx="minor">
+              <a:schemeClr val="tx1"/>
+            </a:fontRef>
+          </p:style>
+        </p:cxnSp>
+        <p:sp>
+          <p:nvSpPr>
+            <p:cNvPr id="11" name="TextBox 10">
+              <a:extLst>
+                <a:ext uri="{FF2B5EF4-FFF2-40B4-BE49-F238E27FC236}">
+                  <a16:creationId xmlns:a16="http://schemas.microsoft.com/office/drawing/2014/main" id="{892E8123-8598-496C-B093-028C4B5A772E}"/>
+                </a:ext>
+              </a:extLst>
+            </p:cNvPr>
+            <p:cNvSpPr txBox="1"/>
+            <p:nvPr/>
+          </p:nvSpPr>
+          <p:spPr>
+            <a:xfrm>
+              <a:off x="6554768" y="5240761"/>
+              <a:ext cx="527645" cy="307777"/>
+            </a:xfrm>
+            <a:prstGeom prst="rect">
+              <a:avLst/>
+            </a:prstGeom>
+            <a:noFill/>
+          </p:spPr>
+          <p:txBody>
+            <a:bodyPr wrap="none" rtlCol="0">
+              <a:spAutoFit/>
+            </a:bodyPr>
+            <a:lstStyle/>
+            <a:p>
+              <a:r>
+                <a:rPr lang="en-US" sz="1400" i="1" dirty="0"/>
+                <a:t>right</a:t>
+              </a:r>
+            </a:p>
+          </p:txBody>
+        </p:sp>
+        <p:sp>
+          <p:nvSpPr>
+            <p:cNvPr id="12" name="TextBox 11">
+              <a:extLst>
+                <a:ext uri="{FF2B5EF4-FFF2-40B4-BE49-F238E27FC236}">
+                  <a16:creationId xmlns:a16="http://schemas.microsoft.com/office/drawing/2014/main" id="{86C5A912-F014-4429-A167-95CC0EE616CD}"/>
+                </a:ext>
+              </a:extLst>
+            </p:cNvPr>
+            <p:cNvSpPr txBox="1"/>
+            <p:nvPr/>
+          </p:nvSpPr>
+          <p:spPr>
+            <a:xfrm>
+              <a:off x="5389015" y="5240761"/>
+              <a:ext cx="429926" cy="307777"/>
+            </a:xfrm>
+            <a:prstGeom prst="rect">
+              <a:avLst/>
+            </a:prstGeom>
+            <a:noFill/>
+          </p:spPr>
+          <p:txBody>
+            <a:bodyPr wrap="none" rtlCol="0">
+              <a:spAutoFit/>
+            </a:bodyPr>
+            <a:lstStyle/>
+            <a:p>
+              <a:r>
+                <a:rPr lang="en-US" sz="1400" i="1" dirty="0"/>
+                <a:t>left</a:t>
+              </a:r>
+            </a:p>
+          </p:txBody>
+        </p:sp>
+        <p:sp>
+          <p:nvSpPr>
+            <p:cNvPr id="13" name="TextBox 12">
+              <a:extLst>
+                <a:ext uri="{FF2B5EF4-FFF2-40B4-BE49-F238E27FC236}">
+                  <a16:creationId xmlns:a16="http://schemas.microsoft.com/office/drawing/2014/main" id="{0D981378-E2E1-4D50-82C4-0C3EC1EE7E72}"/>
+                </a:ext>
+              </a:extLst>
+            </p:cNvPr>
+            <p:cNvSpPr txBox="1"/>
+            <p:nvPr/>
+          </p:nvSpPr>
+          <p:spPr>
+            <a:xfrm>
+              <a:off x="6029478" y="5937243"/>
+              <a:ext cx="434734" cy="307777"/>
+            </a:xfrm>
+            <a:prstGeom prst="rect">
+              <a:avLst/>
+            </a:prstGeom>
+            <a:noFill/>
+          </p:spPr>
+          <p:txBody>
+            <a:bodyPr wrap="none" rtlCol="0">
+              <a:spAutoFit/>
+            </a:bodyPr>
+            <a:lstStyle/>
+            <a:p>
+              <a:r>
+                <a:rPr lang="en-US" sz="1400" i="1" dirty="0"/>
+                <a:t>bot</a:t>
+              </a:r>
+            </a:p>
+          </p:txBody>
+        </p:sp>
+        <p:sp>
+          <p:nvSpPr>
+            <p:cNvPr id="14" name="TextBox 13">
+              <a:extLst>
+                <a:ext uri="{FF2B5EF4-FFF2-40B4-BE49-F238E27FC236}">
+                  <a16:creationId xmlns:a16="http://schemas.microsoft.com/office/drawing/2014/main" id="{4A59CDF4-F348-45F6-8216-E7584C5A8863}"/>
+                </a:ext>
+              </a:extLst>
+            </p:cNvPr>
+            <p:cNvSpPr txBox="1"/>
+            <p:nvPr/>
+          </p:nvSpPr>
+          <p:spPr>
+            <a:xfrm>
+              <a:off x="6029478" y="4581264"/>
+              <a:ext cx="433004" cy="307777"/>
+            </a:xfrm>
+            <a:prstGeom prst="rect">
+              <a:avLst/>
+            </a:prstGeom>
+            <a:noFill/>
+          </p:spPr>
+          <p:txBody>
+            <a:bodyPr wrap="none" rtlCol="0">
+              <a:spAutoFit/>
+            </a:bodyPr>
+            <a:lstStyle/>
+            <a:p>
+              <a:r>
+                <a:rPr lang="en-US" sz="1400" i="1" dirty="0"/>
+                <a:t>top</a:t>
+              </a:r>
+            </a:p>
+          </p:txBody>
+        </p:sp>
+      </p:grpSp>
+      <p:cxnSp>
+        <p:nvCxnSpPr>
+          <p:cNvPr id="15" name="Straight Arrow Connector 14">
+            <a:extLst>
+              <a:ext uri="{FF2B5EF4-FFF2-40B4-BE49-F238E27FC236}">
+                <a16:creationId xmlns:a16="http://schemas.microsoft.com/office/drawing/2014/main" id="{2D5B1B56-93DC-46A5-AF45-FBD24878DEB1}"/>
+              </a:ext>
+            </a:extLst>
+          </p:cNvPr>
+          <p:cNvCxnSpPr>
+            <a:cxnSpLocks/>
+          </p:cNvCxnSpPr>
+          <p:nvPr/>
+        </p:nvCxnSpPr>
+        <p:spPr>
+          <a:xfrm flipV="1">
+            <a:off x="3425465" y="410547"/>
+            <a:ext cx="110837" cy="362667"/>
+          </a:xfrm>
+          <a:prstGeom prst="straightConnector1">
+            <a:avLst/>
+          </a:prstGeom>
+          <a:ln w="44450">
+            <a:solidFill>
+              <a:schemeClr val="accent6"/>
+            </a:solidFill>
+            <a:tailEnd type="triangle"/>
+          </a:ln>
+        </p:spPr>
+        <p:style>
+          <a:lnRef idx="1">
+            <a:schemeClr val="accent1"/>
+          </a:lnRef>
+          <a:fillRef idx="0">
+            <a:schemeClr val="accent1"/>
+          </a:fillRef>
+          <a:effectRef idx="0">
+            <a:schemeClr val="accent1"/>
+          </a:effectRef>
+          <a:fontRef idx="minor">
+            <a:schemeClr val="tx1"/>
+          </a:fontRef>
+        </p:style>
+      </p:cxnSp>
+      <p:cxnSp>
+        <p:nvCxnSpPr>
+          <p:cNvPr id="17" name="Straight Arrow Connector 16">
+            <a:extLst>
+              <a:ext uri="{FF2B5EF4-FFF2-40B4-BE49-F238E27FC236}">
+                <a16:creationId xmlns:a16="http://schemas.microsoft.com/office/drawing/2014/main" id="{5EEE6E16-1BAF-4B6F-AAFF-10A61537F020}"/>
+              </a:ext>
+            </a:extLst>
+          </p:cNvPr>
+          <p:cNvCxnSpPr>
+            <a:cxnSpLocks/>
+          </p:cNvCxnSpPr>
+          <p:nvPr/>
+        </p:nvCxnSpPr>
+        <p:spPr>
+          <a:xfrm flipV="1">
+            <a:off x="4175024" y="1352939"/>
+            <a:ext cx="352857" cy="197827"/>
+          </a:xfrm>
+          <a:prstGeom prst="straightConnector1">
+            <a:avLst/>
+          </a:prstGeom>
+          <a:ln w="44450">
+            <a:solidFill>
+              <a:schemeClr val="accent6"/>
+            </a:solidFill>
+            <a:tailEnd type="triangle"/>
+          </a:ln>
+        </p:spPr>
+        <p:style>
+          <a:lnRef idx="1">
+            <a:schemeClr val="accent1"/>
+          </a:lnRef>
+          <a:fillRef idx="0">
+            <a:schemeClr val="accent1"/>
+          </a:fillRef>
+          <a:effectRef idx="0">
+            <a:schemeClr val="accent1"/>
+          </a:effectRef>
+          <a:fontRef idx="minor">
+            <a:schemeClr val="tx1"/>
+          </a:fontRef>
+        </p:style>
+      </p:cxnSp>
+      <p:cxnSp>
+        <p:nvCxnSpPr>
+          <p:cNvPr id="19" name="Straight Arrow Connector 18">
+            <a:extLst>
+              <a:ext uri="{FF2B5EF4-FFF2-40B4-BE49-F238E27FC236}">
+                <a16:creationId xmlns:a16="http://schemas.microsoft.com/office/drawing/2014/main" id="{09FFD4AE-34E1-4201-A4A5-E709A3AB950D}"/>
+              </a:ext>
+            </a:extLst>
+          </p:cNvPr>
+          <p:cNvCxnSpPr>
+            <a:cxnSpLocks/>
+          </p:cNvCxnSpPr>
+          <p:nvPr/>
+        </p:nvCxnSpPr>
+        <p:spPr>
+          <a:xfrm>
+            <a:off x="4173787" y="3578620"/>
+            <a:ext cx="322822" cy="120967"/>
+          </a:xfrm>
+          <a:prstGeom prst="straightConnector1">
+            <a:avLst/>
+          </a:prstGeom>
+          <a:ln w="44450">
+            <a:solidFill>
+              <a:schemeClr val="accent6"/>
+            </a:solidFill>
+            <a:tailEnd type="triangle"/>
+          </a:ln>
+        </p:spPr>
+        <p:style>
+          <a:lnRef idx="1">
+            <a:schemeClr val="accent1"/>
+          </a:lnRef>
+          <a:fillRef idx="0">
+            <a:schemeClr val="accent1"/>
+          </a:fillRef>
+          <a:effectRef idx="0">
+            <a:schemeClr val="accent1"/>
+          </a:effectRef>
+          <a:fontRef idx="minor">
+            <a:schemeClr val="tx1"/>
+          </a:fontRef>
+        </p:style>
+      </p:cxnSp>
+      <p:cxnSp>
+        <p:nvCxnSpPr>
+          <p:cNvPr id="21" name="Straight Arrow Connector 20">
+            <a:extLst>
+              <a:ext uri="{FF2B5EF4-FFF2-40B4-BE49-F238E27FC236}">
+                <a16:creationId xmlns:a16="http://schemas.microsoft.com/office/drawing/2014/main" id="{B271711B-3D82-46EA-9D6C-F953723FD0B3}"/>
+              </a:ext>
+            </a:extLst>
+          </p:cNvPr>
+          <p:cNvCxnSpPr>
+            <a:cxnSpLocks/>
+          </p:cNvCxnSpPr>
+          <p:nvPr/>
+        </p:nvCxnSpPr>
+        <p:spPr>
+          <a:xfrm>
+            <a:off x="3160595" y="4402497"/>
+            <a:ext cx="95789" cy="370494"/>
+          </a:xfrm>
+          <a:prstGeom prst="straightConnector1">
+            <a:avLst/>
+          </a:prstGeom>
+          <a:ln w="44450">
+            <a:solidFill>
+              <a:schemeClr val="accent6"/>
+            </a:solidFill>
+            <a:tailEnd type="triangle"/>
+          </a:ln>
+        </p:spPr>
+        <p:style>
+          <a:lnRef idx="1">
+            <a:schemeClr val="accent1"/>
+          </a:lnRef>
+          <a:fillRef idx="0">
+            <a:schemeClr val="accent1"/>
+          </a:fillRef>
+          <a:effectRef idx="0">
+            <a:schemeClr val="accent1"/>
+          </a:effectRef>
+          <a:fontRef idx="minor">
+            <a:schemeClr val="tx1"/>
+          </a:fontRef>
+        </p:style>
+      </p:cxnSp>
+      <p:cxnSp>
+        <p:nvCxnSpPr>
+          <p:cNvPr id="23" name="Straight Arrow Connector 22">
+            <a:extLst>
+              <a:ext uri="{FF2B5EF4-FFF2-40B4-BE49-F238E27FC236}">
+                <a16:creationId xmlns:a16="http://schemas.microsoft.com/office/drawing/2014/main" id="{4DCF76D8-22F5-4973-B447-7B11F03D470F}"/>
+              </a:ext>
+            </a:extLst>
+          </p:cNvPr>
+          <p:cNvCxnSpPr>
+            <a:cxnSpLocks/>
+          </p:cNvCxnSpPr>
+          <p:nvPr/>
+        </p:nvCxnSpPr>
+        <p:spPr>
+          <a:xfrm flipH="1">
+            <a:off x="1628821" y="4115131"/>
+            <a:ext cx="276749" cy="287366"/>
+          </a:xfrm>
+          <a:prstGeom prst="straightConnector1">
+            <a:avLst/>
+          </a:prstGeom>
+          <a:ln w="44450">
+            <a:solidFill>
+              <a:schemeClr val="accent6"/>
+            </a:solidFill>
+            <a:tailEnd type="triangle"/>
+          </a:ln>
+        </p:spPr>
+        <p:style>
+          <a:lnRef idx="1">
+            <a:schemeClr val="accent1"/>
+          </a:lnRef>
+          <a:fillRef idx="0">
+            <a:schemeClr val="accent1"/>
+          </a:fillRef>
+          <a:effectRef idx="0">
+            <a:schemeClr val="accent1"/>
+          </a:effectRef>
+          <a:fontRef idx="minor">
+            <a:schemeClr val="tx1"/>
+          </a:fontRef>
+        </p:style>
+      </p:cxnSp>
+      <p:cxnSp>
+        <p:nvCxnSpPr>
+          <p:cNvPr id="25" name="Straight Arrow Connector 24">
+            <a:extLst>
+              <a:ext uri="{FF2B5EF4-FFF2-40B4-BE49-F238E27FC236}">
+                <a16:creationId xmlns:a16="http://schemas.microsoft.com/office/drawing/2014/main" id="{83EABDCA-08B5-4672-B7CF-B79E4CC1738B}"/>
+              </a:ext>
+            </a:extLst>
+          </p:cNvPr>
+          <p:cNvCxnSpPr>
+            <a:cxnSpLocks/>
+          </p:cNvCxnSpPr>
+          <p:nvPr/>
+        </p:nvCxnSpPr>
+        <p:spPr>
+          <a:xfrm flipH="1">
+            <a:off x="634482" y="2858608"/>
+            <a:ext cx="384148" cy="0"/>
+          </a:xfrm>
+          <a:prstGeom prst="straightConnector1">
+            <a:avLst/>
+          </a:prstGeom>
+          <a:ln w="44450">
+            <a:solidFill>
+              <a:schemeClr val="accent6"/>
+            </a:solidFill>
+            <a:tailEnd type="triangle"/>
+          </a:ln>
+        </p:spPr>
+        <p:style>
+          <a:lnRef idx="1">
+            <a:schemeClr val="accent1"/>
+          </a:lnRef>
+          <a:fillRef idx="0">
+            <a:schemeClr val="accent1"/>
+          </a:fillRef>
+          <a:effectRef idx="0">
+            <a:schemeClr val="accent1"/>
+          </a:effectRef>
+          <a:fontRef idx="minor">
+            <a:schemeClr val="tx1"/>
+          </a:fontRef>
+        </p:style>
+      </p:cxnSp>
+      <p:cxnSp>
+        <p:nvCxnSpPr>
+          <p:cNvPr id="27" name="Straight Arrow Connector 26">
+            <a:extLst>
+              <a:ext uri="{FF2B5EF4-FFF2-40B4-BE49-F238E27FC236}">
+                <a16:creationId xmlns:a16="http://schemas.microsoft.com/office/drawing/2014/main" id="{FF20F3D1-1EE1-40D5-B2D1-BAE76CC14516}"/>
+              </a:ext>
+            </a:extLst>
+          </p:cNvPr>
+          <p:cNvCxnSpPr>
+            <a:cxnSpLocks/>
+          </p:cNvCxnSpPr>
+          <p:nvPr/>
+        </p:nvCxnSpPr>
+        <p:spPr>
+          <a:xfrm flipH="1" flipV="1">
+            <a:off x="1698171" y="773214"/>
+            <a:ext cx="202664" cy="269036"/>
+          </a:xfrm>
+          <a:prstGeom prst="straightConnector1">
+            <a:avLst/>
+          </a:prstGeom>
+          <a:ln w="44450">
+            <a:solidFill>
+              <a:schemeClr val="accent6"/>
+            </a:solidFill>
+            <a:tailEnd type="triangle"/>
+          </a:ln>
+        </p:spPr>
+        <p:style>
+          <a:lnRef idx="1">
+            <a:schemeClr val="accent1"/>
+          </a:lnRef>
+          <a:fillRef idx="0">
+            <a:schemeClr val="accent1"/>
+          </a:fillRef>
+          <a:effectRef idx="0">
+            <a:schemeClr val="accent1"/>
+          </a:effectRef>
+          <a:fontRef idx="minor">
+            <a:schemeClr val="tx1"/>
+          </a:fontRef>
+        </p:style>
+      </p:cxnSp>
+      <p:sp>
+        <p:nvSpPr>
+          <p:cNvPr id="29" name="Oval 28">
+            <a:extLst>
+              <a:ext uri="{FF2B5EF4-FFF2-40B4-BE49-F238E27FC236}">
+                <a16:creationId xmlns:a16="http://schemas.microsoft.com/office/drawing/2014/main" id="{65EC1828-A464-4B42-9C88-6DEC4E9DD44C}"/>
+              </a:ext>
+            </a:extLst>
+          </p:cNvPr>
+          <p:cNvSpPr/>
+          <p:nvPr/>
+        </p:nvSpPr>
+        <p:spPr>
+          <a:xfrm>
+            <a:off x="8609746" y="1289518"/>
+            <a:ext cx="214604" cy="214604"/>
+          </a:xfrm>
+          <a:prstGeom prst="ellipse">
+            <a:avLst/>
+          </a:prstGeom>
+          <a:solidFill>
+            <a:schemeClr val="tx1">
+              <a:lumMod val="85000"/>
+              <a:lumOff val="15000"/>
+            </a:schemeClr>
+          </a:solidFill>
+          <a:ln>
+            <a:noFill/>
+          </a:ln>
+        </p:spPr>
+        <p:style>
+          <a:lnRef idx="2">
+            <a:schemeClr val="accent1">
+              <a:shade val="50000"/>
+            </a:schemeClr>
+          </a:lnRef>
+          <a:fillRef idx="1">
+            <a:schemeClr val="accent1"/>
+          </a:fillRef>
+          <a:effectRef idx="0">
+            <a:schemeClr val="accent1"/>
+          </a:effectRef>
+          <a:fontRef idx="minor">
+            <a:schemeClr val="lt1"/>
+          </a:fontRef>
+        </p:style>
+        <p:txBody>
+          <a:bodyPr rtlCol="0" anchor="ctr"/>
+          <a:lstStyle/>
+          <a:p>
+            <a:pPr algn="ctr"/>
+            <a:endParaRPr lang="en-US" i="1"/>
+          </a:p>
+        </p:txBody>
+      </p:sp>
+      <p:sp>
+        <p:nvSpPr>
+          <p:cNvPr id="38" name="Oval 37">
+            <a:extLst>
+              <a:ext uri="{FF2B5EF4-FFF2-40B4-BE49-F238E27FC236}">
+                <a16:creationId xmlns:a16="http://schemas.microsoft.com/office/drawing/2014/main" id="{16A056FA-369C-43AF-966D-205C0860C897}"/>
+              </a:ext>
+            </a:extLst>
+          </p:cNvPr>
+          <p:cNvSpPr/>
+          <p:nvPr/>
+        </p:nvSpPr>
+        <p:spPr>
+          <a:xfrm>
+            <a:off x="9634738" y="1130889"/>
+            <a:ext cx="214604" cy="214604"/>
+          </a:xfrm>
+          <a:prstGeom prst="ellipse">
+            <a:avLst/>
+          </a:prstGeom>
+          <a:solidFill>
+            <a:schemeClr val="tx1">
+              <a:lumMod val="85000"/>
+              <a:lumOff val="15000"/>
+            </a:schemeClr>
+          </a:solidFill>
+          <a:ln>
+            <a:noFill/>
+          </a:ln>
+        </p:spPr>
+        <p:style>
+          <a:lnRef idx="2">
+            <a:schemeClr val="accent1">
+              <a:shade val="50000"/>
+            </a:schemeClr>
+          </a:lnRef>
+          <a:fillRef idx="1">
+            <a:schemeClr val="accent1"/>
+          </a:fillRef>
+          <a:effectRef idx="0">
+            <a:schemeClr val="accent1"/>
+          </a:effectRef>
+          <a:fontRef idx="minor">
+            <a:schemeClr val="lt1"/>
+          </a:fontRef>
+        </p:style>
+        <p:txBody>
+          <a:bodyPr rtlCol="0" anchor="ctr"/>
+          <a:lstStyle/>
+          <a:p>
+            <a:pPr algn="ctr"/>
+            <a:endParaRPr lang="en-US" i="1"/>
+          </a:p>
+        </p:txBody>
+      </p:sp>
+      <p:sp>
+        <p:nvSpPr>
+          <p:cNvPr id="39" name="Oval 38">
+            <a:extLst>
+              <a:ext uri="{FF2B5EF4-FFF2-40B4-BE49-F238E27FC236}">
+                <a16:creationId xmlns:a16="http://schemas.microsoft.com/office/drawing/2014/main" id="{4B616011-2A9C-4996-803A-EBBCF8ABF807}"/>
+              </a:ext>
+            </a:extLst>
+          </p:cNvPr>
+          <p:cNvSpPr/>
+          <p:nvPr/>
+        </p:nvSpPr>
+        <p:spPr>
+          <a:xfrm>
+            <a:off x="10113709" y="1619191"/>
+            <a:ext cx="214604" cy="214604"/>
+          </a:xfrm>
+          <a:prstGeom prst="ellipse">
+            <a:avLst/>
+          </a:prstGeom>
+          <a:solidFill>
+            <a:schemeClr val="tx1">
+              <a:lumMod val="85000"/>
+              <a:lumOff val="15000"/>
+            </a:schemeClr>
+          </a:solidFill>
+          <a:ln>
+            <a:noFill/>
+          </a:ln>
+        </p:spPr>
+        <p:style>
+          <a:lnRef idx="2">
+            <a:schemeClr val="accent1">
+              <a:shade val="50000"/>
+            </a:schemeClr>
+          </a:lnRef>
+          <a:fillRef idx="1">
+            <a:schemeClr val="accent1"/>
+          </a:fillRef>
+          <a:effectRef idx="0">
+            <a:schemeClr val="accent1"/>
+          </a:effectRef>
+          <a:fontRef idx="minor">
+            <a:schemeClr val="lt1"/>
+          </a:fontRef>
+        </p:style>
+        <p:txBody>
+          <a:bodyPr rtlCol="0" anchor="ctr"/>
+          <a:lstStyle/>
+          <a:p>
+            <a:pPr algn="ctr"/>
+            <a:endParaRPr lang="en-US" i="1"/>
+          </a:p>
+        </p:txBody>
+      </p:sp>
+      <p:sp>
+        <p:nvSpPr>
+          <p:cNvPr id="40" name="Oval 39">
+            <a:extLst>
+              <a:ext uri="{FF2B5EF4-FFF2-40B4-BE49-F238E27FC236}">
+                <a16:creationId xmlns:a16="http://schemas.microsoft.com/office/drawing/2014/main" id="{C5BBFEED-46F3-455C-8E3E-A94450E07881}"/>
+              </a:ext>
+            </a:extLst>
+          </p:cNvPr>
+          <p:cNvSpPr/>
+          <p:nvPr/>
+        </p:nvSpPr>
+        <p:spPr>
+          <a:xfrm>
+            <a:off x="10006407" y="3143190"/>
+            <a:ext cx="214604" cy="214604"/>
+          </a:xfrm>
+          <a:prstGeom prst="ellipse">
+            <a:avLst/>
+          </a:prstGeom>
+          <a:solidFill>
+            <a:schemeClr val="tx1">
+              <a:lumMod val="85000"/>
+              <a:lumOff val="15000"/>
+            </a:schemeClr>
+          </a:solidFill>
+          <a:ln>
+            <a:noFill/>
+          </a:ln>
+        </p:spPr>
+        <p:style>
+          <a:lnRef idx="2">
+            <a:schemeClr val="accent1">
+              <a:shade val="50000"/>
+            </a:schemeClr>
+          </a:lnRef>
+          <a:fillRef idx="1">
+            <a:schemeClr val="accent1"/>
+          </a:fillRef>
+          <a:effectRef idx="0">
+            <a:schemeClr val="accent1"/>
+          </a:effectRef>
+          <a:fontRef idx="minor">
+            <a:schemeClr val="lt1"/>
+          </a:fontRef>
+        </p:style>
+        <p:txBody>
+          <a:bodyPr rtlCol="0" anchor="ctr"/>
+          <a:lstStyle/>
+          <a:p>
+            <a:pPr algn="ctr"/>
+            <a:endParaRPr lang="en-US" i="1"/>
+          </a:p>
+        </p:txBody>
+      </p:sp>
+      <p:sp>
+        <p:nvSpPr>
+          <p:cNvPr id="41" name="Oval 40">
+            <a:extLst>
+              <a:ext uri="{FF2B5EF4-FFF2-40B4-BE49-F238E27FC236}">
+                <a16:creationId xmlns:a16="http://schemas.microsoft.com/office/drawing/2014/main" id="{E88D07DA-ED6A-4386-AE3A-25E6ECE14B77}"/>
+              </a:ext>
+            </a:extLst>
+          </p:cNvPr>
+          <p:cNvSpPr/>
+          <p:nvPr/>
+        </p:nvSpPr>
+        <p:spPr>
+          <a:xfrm>
+            <a:off x="9416976" y="3592285"/>
+            <a:ext cx="214604" cy="214604"/>
+          </a:xfrm>
+          <a:prstGeom prst="ellipse">
+            <a:avLst/>
+          </a:prstGeom>
+          <a:solidFill>
+            <a:schemeClr val="tx1">
+              <a:lumMod val="85000"/>
+              <a:lumOff val="15000"/>
+            </a:schemeClr>
+          </a:solidFill>
+          <a:ln>
+            <a:noFill/>
+          </a:ln>
+        </p:spPr>
+        <p:style>
+          <a:lnRef idx="2">
+            <a:schemeClr val="accent1">
+              <a:shade val="50000"/>
+            </a:schemeClr>
+          </a:lnRef>
+          <a:fillRef idx="1">
+            <a:schemeClr val="accent1"/>
+          </a:fillRef>
+          <a:effectRef idx="0">
+            <a:schemeClr val="accent1"/>
+          </a:effectRef>
+          <a:fontRef idx="minor">
+            <a:schemeClr val="lt1"/>
+          </a:fontRef>
+        </p:style>
+        <p:txBody>
+          <a:bodyPr rtlCol="0" anchor="ctr"/>
+          <a:lstStyle/>
+          <a:p>
+            <a:pPr algn="ctr"/>
+            <a:endParaRPr lang="en-US" i="1"/>
+          </a:p>
+        </p:txBody>
+      </p:sp>
+      <p:sp>
+        <p:nvSpPr>
+          <p:cNvPr id="42" name="Oval 41">
+            <a:extLst>
+              <a:ext uri="{FF2B5EF4-FFF2-40B4-BE49-F238E27FC236}">
+                <a16:creationId xmlns:a16="http://schemas.microsoft.com/office/drawing/2014/main" id="{4429CC81-1834-4078-AF05-EA1CEB29670F}"/>
+              </a:ext>
+            </a:extLst>
+          </p:cNvPr>
+          <p:cNvSpPr/>
+          <p:nvPr/>
+        </p:nvSpPr>
+        <p:spPr>
+          <a:xfrm>
+            <a:off x="8688441" y="3482875"/>
+            <a:ext cx="214604" cy="214604"/>
+          </a:xfrm>
+          <a:prstGeom prst="ellipse">
+            <a:avLst/>
+          </a:prstGeom>
+          <a:solidFill>
+            <a:schemeClr val="tx1">
+              <a:lumMod val="85000"/>
+              <a:lumOff val="15000"/>
+            </a:schemeClr>
+          </a:solidFill>
+          <a:ln>
+            <a:noFill/>
+          </a:ln>
+        </p:spPr>
+        <p:style>
+          <a:lnRef idx="2">
+            <a:schemeClr val="accent1">
+              <a:shade val="50000"/>
+            </a:schemeClr>
+          </a:lnRef>
+          <a:fillRef idx="1">
+            <a:schemeClr val="accent1"/>
+          </a:fillRef>
+          <a:effectRef idx="0">
+            <a:schemeClr val="accent1"/>
+          </a:effectRef>
+          <a:fontRef idx="minor">
+            <a:schemeClr val="lt1"/>
+          </a:fontRef>
+        </p:style>
+        <p:txBody>
+          <a:bodyPr rtlCol="0" anchor="ctr"/>
+          <a:lstStyle/>
+          <a:p>
+            <a:pPr algn="ctr"/>
+            <a:endParaRPr lang="en-US" i="1"/>
+          </a:p>
+        </p:txBody>
+      </p:sp>
+      <p:sp>
+        <p:nvSpPr>
+          <p:cNvPr id="43" name="Oval 42">
+            <a:extLst>
+              <a:ext uri="{FF2B5EF4-FFF2-40B4-BE49-F238E27FC236}">
+                <a16:creationId xmlns:a16="http://schemas.microsoft.com/office/drawing/2014/main" id="{591F1CA3-73FF-4062-9A2D-1F981DE019AE}"/>
+              </a:ext>
+            </a:extLst>
+          </p:cNvPr>
+          <p:cNvSpPr/>
+          <p:nvPr/>
+        </p:nvSpPr>
+        <p:spPr>
+          <a:xfrm>
+            <a:off x="7899873" y="2653784"/>
+            <a:ext cx="214604" cy="214604"/>
+          </a:xfrm>
+          <a:prstGeom prst="ellipse">
+            <a:avLst/>
+          </a:prstGeom>
+          <a:solidFill>
+            <a:schemeClr val="tx1">
+              <a:lumMod val="85000"/>
+              <a:lumOff val="15000"/>
+            </a:schemeClr>
+          </a:solidFill>
+          <a:ln>
+            <a:noFill/>
+          </a:ln>
+        </p:spPr>
+        <p:style>
+          <a:lnRef idx="2">
+            <a:schemeClr val="accent1">
+              <a:shade val="50000"/>
+            </a:schemeClr>
+          </a:lnRef>
+          <a:fillRef idx="1">
+            <a:schemeClr val="accent1"/>
+          </a:fillRef>
+          <a:effectRef idx="0">
+            <a:schemeClr val="accent1"/>
+          </a:effectRef>
+          <a:fontRef idx="minor">
+            <a:schemeClr val="lt1"/>
+          </a:fontRef>
+        </p:style>
+        <p:txBody>
+          <a:bodyPr rtlCol="0" anchor="ctr"/>
+          <a:lstStyle/>
+          <a:p>
+            <a:pPr algn="ctr"/>
+            <a:endParaRPr lang="en-US" i="1"/>
+          </a:p>
+        </p:txBody>
+      </p:sp>
+      <p:sp>
+        <p:nvSpPr>
+          <p:cNvPr id="45" name="TextBox 44">
+            <a:extLst>
+              <a:ext uri="{FF2B5EF4-FFF2-40B4-BE49-F238E27FC236}">
+                <a16:creationId xmlns:a16="http://schemas.microsoft.com/office/drawing/2014/main" id="{243BBB8F-B2FF-4F39-B9E4-C3E76EE3F6C1}"/>
+              </a:ext>
+            </a:extLst>
+          </p:cNvPr>
+          <p:cNvSpPr txBox="1"/>
+          <p:nvPr/>
+        </p:nvSpPr>
+        <p:spPr>
+          <a:xfrm>
+            <a:off x="9414213" y="4273487"/>
+            <a:ext cx="434734" cy="307777"/>
+          </a:xfrm>
+          <a:prstGeom prst="rect">
+            <a:avLst/>
+          </a:prstGeom>
+          <a:noFill/>
+        </p:spPr>
+        <p:txBody>
+          <a:bodyPr wrap="none" rtlCol="0">
+            <a:spAutoFit/>
+          </a:bodyPr>
+          <a:lstStyle/>
+          <a:p>
+            <a:r>
+              <a:rPr lang="en-US" sz="1400" i="1" dirty="0"/>
+              <a:t>bot</a:t>
+            </a:r>
+          </a:p>
+        </p:txBody>
+      </p:sp>
+      <p:sp>
+        <p:nvSpPr>
+          <p:cNvPr id="46" name="TextBox 45">
+            <a:extLst>
+              <a:ext uri="{FF2B5EF4-FFF2-40B4-BE49-F238E27FC236}">
+                <a16:creationId xmlns:a16="http://schemas.microsoft.com/office/drawing/2014/main" id="{D6966F38-445E-43AC-8081-A2EDD3D27A56}"/>
+              </a:ext>
+            </a:extLst>
+          </p:cNvPr>
+          <p:cNvSpPr txBox="1"/>
+          <p:nvPr/>
+        </p:nvSpPr>
+        <p:spPr>
+          <a:xfrm>
+            <a:off x="8175012" y="3987667"/>
+            <a:ext cx="434734" cy="307777"/>
+          </a:xfrm>
+          <a:prstGeom prst="rect">
+            <a:avLst/>
+          </a:prstGeom>
+          <a:noFill/>
+        </p:spPr>
+        <p:txBody>
+          <a:bodyPr wrap="none" rtlCol="0">
+            <a:spAutoFit/>
+          </a:bodyPr>
+          <a:lstStyle/>
+          <a:p>
+            <a:r>
+              <a:rPr lang="en-US" sz="1400" i="1" dirty="0"/>
+              <a:t>bot</a:t>
+            </a:r>
+          </a:p>
+        </p:txBody>
+      </p:sp>
+      <p:sp>
+        <p:nvSpPr>
+          <p:cNvPr id="48" name="TextBox 47">
+            <a:extLst>
+              <a:ext uri="{FF2B5EF4-FFF2-40B4-BE49-F238E27FC236}">
+                <a16:creationId xmlns:a16="http://schemas.microsoft.com/office/drawing/2014/main" id="{229D5839-0AF9-4297-B548-67B26A1807EA}"/>
+              </a:ext>
+            </a:extLst>
+          </p:cNvPr>
+          <p:cNvSpPr txBox="1"/>
+          <p:nvPr/>
+        </p:nvSpPr>
+        <p:spPr>
+          <a:xfrm>
+            <a:off x="10506989" y="3300286"/>
+            <a:ext cx="527645" cy="307777"/>
+          </a:xfrm>
+          <a:prstGeom prst="rect">
+            <a:avLst/>
+          </a:prstGeom>
+          <a:noFill/>
+        </p:spPr>
+        <p:txBody>
+          <a:bodyPr wrap="none" rtlCol="0">
+            <a:spAutoFit/>
+          </a:bodyPr>
+          <a:lstStyle/>
+          <a:p>
+            <a:r>
+              <a:rPr lang="en-US" sz="1400" i="1" dirty="0"/>
+              <a:t>right</a:t>
+            </a:r>
+          </a:p>
+        </p:txBody>
+      </p:sp>
+      <p:sp>
+        <p:nvSpPr>
+          <p:cNvPr id="49" name="TextBox 48">
+            <a:extLst>
+              <a:ext uri="{FF2B5EF4-FFF2-40B4-BE49-F238E27FC236}">
+                <a16:creationId xmlns:a16="http://schemas.microsoft.com/office/drawing/2014/main" id="{8BE06EC8-1169-466E-B8F7-AFAA236B7E4C}"/>
+              </a:ext>
+            </a:extLst>
+          </p:cNvPr>
+          <p:cNvSpPr txBox="1"/>
+          <p:nvPr/>
+        </p:nvSpPr>
+        <p:spPr>
+          <a:xfrm>
+            <a:off x="10543833" y="1289518"/>
+            <a:ext cx="527645" cy="307777"/>
+          </a:xfrm>
+          <a:prstGeom prst="rect">
+            <a:avLst/>
+          </a:prstGeom>
+          <a:noFill/>
+        </p:spPr>
+        <p:txBody>
+          <a:bodyPr wrap="none" rtlCol="0">
+            <a:spAutoFit/>
+          </a:bodyPr>
+          <a:lstStyle/>
+          <a:p>
+            <a:r>
+              <a:rPr lang="en-US" sz="1400" i="1" dirty="0"/>
+              <a:t>right</a:t>
+            </a:r>
+          </a:p>
+        </p:txBody>
+      </p:sp>
+      <p:sp>
+        <p:nvSpPr>
+          <p:cNvPr id="50" name="TextBox 49">
+            <a:extLst>
+              <a:ext uri="{FF2B5EF4-FFF2-40B4-BE49-F238E27FC236}">
+                <a16:creationId xmlns:a16="http://schemas.microsoft.com/office/drawing/2014/main" id="{9C4EAB12-7C6E-4577-B3EA-293C4ECE400F}"/>
+              </a:ext>
+            </a:extLst>
+          </p:cNvPr>
+          <p:cNvSpPr txBox="1"/>
+          <p:nvPr/>
+        </p:nvSpPr>
+        <p:spPr>
+          <a:xfrm>
+            <a:off x="7173997" y="2614127"/>
+            <a:ext cx="429926" cy="307777"/>
+          </a:xfrm>
+          <a:prstGeom prst="rect">
+            <a:avLst/>
+          </a:prstGeom>
+          <a:noFill/>
+        </p:spPr>
+        <p:txBody>
+          <a:bodyPr wrap="none" rtlCol="0">
+            <a:spAutoFit/>
+          </a:bodyPr>
+          <a:lstStyle/>
+          <a:p>
+            <a:r>
+              <a:rPr lang="en-US" sz="1400" i="1" dirty="0"/>
+              <a:t>left</a:t>
+            </a:r>
+          </a:p>
+        </p:txBody>
+      </p:sp>
+      <p:sp>
+        <p:nvSpPr>
+          <p:cNvPr id="51" name="TextBox 50">
+            <a:extLst>
+              <a:ext uri="{FF2B5EF4-FFF2-40B4-BE49-F238E27FC236}">
+                <a16:creationId xmlns:a16="http://schemas.microsoft.com/office/drawing/2014/main" id="{22A26B94-55A6-43BD-8986-050209718765}"/>
+              </a:ext>
+            </a:extLst>
+          </p:cNvPr>
+          <p:cNvSpPr txBox="1"/>
+          <p:nvPr/>
+        </p:nvSpPr>
+        <p:spPr>
+          <a:xfrm>
+            <a:off x="7977187" y="800658"/>
+            <a:ext cx="433004" cy="307777"/>
+          </a:xfrm>
+          <a:prstGeom prst="rect">
+            <a:avLst/>
+          </a:prstGeom>
+          <a:noFill/>
+        </p:spPr>
+        <p:txBody>
+          <a:bodyPr wrap="none" rtlCol="0">
+            <a:spAutoFit/>
+          </a:bodyPr>
+          <a:lstStyle/>
+          <a:p>
+            <a:r>
+              <a:rPr lang="en-US" sz="1400" i="1" dirty="0"/>
+              <a:t>top</a:t>
+            </a:r>
+          </a:p>
+        </p:txBody>
+      </p:sp>
+      <p:sp>
+        <p:nvSpPr>
+          <p:cNvPr id="52" name="TextBox 51">
+            <a:extLst>
+              <a:ext uri="{FF2B5EF4-FFF2-40B4-BE49-F238E27FC236}">
+                <a16:creationId xmlns:a16="http://schemas.microsoft.com/office/drawing/2014/main" id="{504E0361-40F6-4764-8E11-B74E0EA4E178}"/>
+              </a:ext>
+            </a:extLst>
+          </p:cNvPr>
+          <p:cNvSpPr txBox="1"/>
+          <p:nvPr/>
+        </p:nvSpPr>
+        <p:spPr>
+          <a:xfrm>
+            <a:off x="9742040" y="490386"/>
+            <a:ext cx="433004" cy="307777"/>
+          </a:xfrm>
+          <a:prstGeom prst="rect">
+            <a:avLst/>
+          </a:prstGeom>
+          <a:noFill/>
+        </p:spPr>
+        <p:txBody>
+          <a:bodyPr wrap="none" rtlCol="0">
+            <a:spAutoFit/>
+          </a:bodyPr>
+          <a:lstStyle/>
+          <a:p>
+            <a:r>
+              <a:rPr lang="en-US" sz="1400" i="1" dirty="0"/>
+              <a:t>top</a:t>
+            </a:r>
+          </a:p>
+        </p:txBody>
+      </p:sp>
+    </p:spTree>
+    <p:extLst>
+      <p:ext uri="{BB962C8B-B14F-4D97-AF65-F5344CB8AC3E}">
+        <p14:creationId xmlns:p14="http://schemas.microsoft.com/office/powerpoint/2010/main" val="4076924941"/>
+      </p:ext>
+    </p:extLst>
+  </p:cSld>
+  <p:clrMapOvr>
+    <a:masterClrMapping/>
+  </p:clrMapOvr>
+</p:sld>
+</file>
+
+<file path=ppt/slides/slide17.xml><?xml version="1.0" encoding="utf-8"?>
+<p:sld xmlns:a="http://schemas.openxmlformats.org/drawingml/2006/main" xmlns:r="http://schemas.openxmlformats.org/officeDocument/2006/relationships" xmlns:p="http://schemas.openxmlformats.org/presentationml/2006/main">
+  <p:cSld>
+    <p:spTree>
+      <p:nvGrpSpPr>
+        <p:cNvPr id="1" name=""/>
+        <p:cNvGrpSpPr/>
+        <p:nvPr/>
+      </p:nvGrpSpPr>
+      <p:grpSpPr>
+        <a:xfrm>
+          <a:off x="0" y="0"/>
+          <a:ext cx="0" cy="0"/>
+          <a:chOff x="0" y="0"/>
+          <a:chExt cx="0" cy="0"/>
+        </a:xfrm>
+      </p:grpSpPr>
+    </p:spTree>
+    <p:extLst>
+      <p:ext uri="{BB962C8B-B14F-4D97-AF65-F5344CB8AC3E}">
+        <p14:creationId xmlns:p14="http://schemas.microsoft.com/office/powerpoint/2010/main" val="2373147461"/>
       </p:ext>
     </p:extLst>
   </p:cSld>

--- a/plan/road gen plan.pptx
+++ b/plan/road gen plan.pptx
@@ -21,7 +21,8 @@
     <p:sldId id="272" r:id="rId15"/>
     <p:sldId id="269" r:id="rId16"/>
     <p:sldId id="268" r:id="rId17"/>
-    <p:sldId id="270" r:id="rId18"/>
+    <p:sldId id="273" r:id="rId18"/>
+    <p:sldId id="270" r:id="rId19"/>
   </p:sldIdLst>
   <p:sldSz cx="12192000" cy="6858000"/>
   <p:notesSz cx="6858000" cy="9144000"/>
@@ -11365,767 +11366,6 @@
           </a:prstGeom>
         </p:spPr>
       </p:pic>
-      <p:grpSp>
-        <p:nvGrpSpPr>
-          <p:cNvPr id="4" name="Group 3">
-            <a:extLst>
-              <a:ext uri="{FF2B5EF4-FFF2-40B4-BE49-F238E27FC236}">
-                <a16:creationId xmlns:a16="http://schemas.microsoft.com/office/drawing/2014/main" id="{9A249FD4-39C1-4963-9D9D-130F456A950D}"/>
-              </a:ext>
-            </a:extLst>
-          </p:cNvPr>
-          <p:cNvGrpSpPr/>
-          <p:nvPr/>
-        </p:nvGrpSpPr>
-        <p:grpSpPr>
-          <a:xfrm>
-            <a:off x="4353134" y="3912117"/>
-            <a:ext cx="2917374" cy="2811619"/>
-            <a:chOff x="4788158" y="3934414"/>
-            <a:chExt cx="2917374" cy="2811619"/>
-          </a:xfrm>
-        </p:grpSpPr>
-        <p:sp>
-          <p:nvSpPr>
-            <p:cNvPr id="5" name="Rectangle 4">
-              <a:extLst>
-                <a:ext uri="{FF2B5EF4-FFF2-40B4-BE49-F238E27FC236}">
-                  <a16:creationId xmlns:a16="http://schemas.microsoft.com/office/drawing/2014/main" id="{DBBA3480-DED0-4211-B4DA-F862A4F9B013}"/>
-                </a:ext>
-              </a:extLst>
-            </p:cNvPr>
-            <p:cNvSpPr/>
-            <p:nvPr/>
-          </p:nvSpPr>
-          <p:spPr>
-            <a:xfrm>
-              <a:off x="5047861" y="4236098"/>
-              <a:ext cx="2397968" cy="2285991"/>
-            </a:xfrm>
-            <a:prstGeom prst="rect">
-              <a:avLst/>
-            </a:prstGeom>
-            <a:solidFill>
-              <a:schemeClr val="bg2">
-                <a:lumMod val="75000"/>
-              </a:schemeClr>
-            </a:solidFill>
-            <a:ln>
-              <a:noFill/>
-            </a:ln>
-          </p:spPr>
-          <p:style>
-            <a:lnRef idx="2">
-              <a:schemeClr val="accent1">
-                <a:shade val="50000"/>
-              </a:schemeClr>
-            </a:lnRef>
-            <a:fillRef idx="1">
-              <a:schemeClr val="accent1"/>
-            </a:fillRef>
-            <a:effectRef idx="0">
-              <a:schemeClr val="accent1"/>
-            </a:effectRef>
-            <a:fontRef idx="minor">
-              <a:schemeClr val="lt1"/>
-            </a:fontRef>
-          </p:style>
-          <p:txBody>
-            <a:bodyPr rtlCol="0" anchor="ctr"/>
-            <a:lstStyle/>
-            <a:p>
-              <a:pPr algn="ctr"/>
-              <a:endParaRPr lang="en-US"/>
-            </a:p>
-          </p:txBody>
-        </p:sp>
-        <p:sp>
-          <p:nvSpPr>
-            <p:cNvPr id="6" name="Rectangle 5">
-              <a:extLst>
-                <a:ext uri="{FF2B5EF4-FFF2-40B4-BE49-F238E27FC236}">
-                  <a16:creationId xmlns:a16="http://schemas.microsoft.com/office/drawing/2014/main" id="{F43A9BF3-7F84-4047-8796-561E8CA72D10}"/>
-                </a:ext>
-              </a:extLst>
-            </p:cNvPr>
-            <p:cNvSpPr/>
-            <p:nvPr/>
-          </p:nvSpPr>
-          <p:spPr>
-            <a:xfrm>
-              <a:off x="5402424" y="4584442"/>
-              <a:ext cx="1666580" cy="1620416"/>
-            </a:xfrm>
-            <a:prstGeom prst="rect">
-              <a:avLst/>
-            </a:prstGeom>
-            <a:solidFill>
-              <a:schemeClr val="bg1"/>
-            </a:solidFill>
-            <a:ln>
-              <a:noFill/>
-            </a:ln>
-          </p:spPr>
-          <p:style>
-            <a:lnRef idx="2">
-              <a:schemeClr val="accent1">
-                <a:shade val="50000"/>
-              </a:schemeClr>
-            </a:lnRef>
-            <a:fillRef idx="1">
-              <a:schemeClr val="accent1"/>
-            </a:fillRef>
-            <a:effectRef idx="0">
-              <a:schemeClr val="accent1"/>
-            </a:effectRef>
-            <a:fontRef idx="minor">
-              <a:schemeClr val="lt1"/>
-            </a:fontRef>
-          </p:style>
-          <p:txBody>
-            <a:bodyPr rtlCol="0" anchor="ctr"/>
-            <a:lstStyle/>
-            <a:p>
-              <a:pPr algn="ctr"/>
-              <a:endParaRPr lang="en-US" i="1"/>
-            </a:p>
-          </p:txBody>
-        </p:sp>
-        <p:cxnSp>
-          <p:nvCxnSpPr>
-            <p:cNvPr id="7" name="Straight Connector 6">
-              <a:extLst>
-                <a:ext uri="{FF2B5EF4-FFF2-40B4-BE49-F238E27FC236}">
-                  <a16:creationId xmlns:a16="http://schemas.microsoft.com/office/drawing/2014/main" id="{170460BA-98E5-4986-9292-894C4B0511AF}"/>
-                </a:ext>
-              </a:extLst>
-            </p:cNvPr>
-            <p:cNvCxnSpPr>
-              <a:cxnSpLocks/>
-            </p:cNvCxnSpPr>
-            <p:nvPr/>
-          </p:nvCxnSpPr>
-          <p:spPr>
-            <a:xfrm flipV="1">
-              <a:off x="6961702" y="4236098"/>
-              <a:ext cx="484127" cy="499054"/>
-            </a:xfrm>
-            <a:prstGeom prst="line">
-              <a:avLst/>
-            </a:prstGeom>
-            <a:ln w="15875">
-              <a:solidFill>
-                <a:schemeClr val="bg1"/>
-              </a:solidFill>
-            </a:ln>
-          </p:spPr>
-          <p:style>
-            <a:lnRef idx="1">
-              <a:schemeClr val="accent1"/>
-            </a:lnRef>
-            <a:fillRef idx="0">
-              <a:schemeClr val="accent1"/>
-            </a:fillRef>
-            <a:effectRef idx="0">
-              <a:schemeClr val="accent1"/>
-            </a:effectRef>
-            <a:fontRef idx="minor">
-              <a:schemeClr val="tx1"/>
-            </a:fontRef>
-          </p:style>
-        </p:cxnSp>
-        <p:cxnSp>
-          <p:nvCxnSpPr>
-            <p:cNvPr id="8" name="Straight Connector 7">
-              <a:extLst>
-                <a:ext uri="{FF2B5EF4-FFF2-40B4-BE49-F238E27FC236}">
-                  <a16:creationId xmlns:a16="http://schemas.microsoft.com/office/drawing/2014/main" id="{3DD4B6BB-5DC0-479C-AB0D-16CD881C7889}"/>
-                </a:ext>
-              </a:extLst>
-            </p:cNvPr>
-            <p:cNvCxnSpPr>
-              <a:cxnSpLocks/>
-            </p:cNvCxnSpPr>
-            <p:nvPr/>
-          </p:nvCxnSpPr>
-          <p:spPr>
-            <a:xfrm flipV="1">
-              <a:off x="5047861" y="6173744"/>
-              <a:ext cx="376825" cy="348345"/>
-            </a:xfrm>
-            <a:prstGeom prst="line">
-              <a:avLst/>
-            </a:prstGeom>
-            <a:ln w="15875">
-              <a:solidFill>
-                <a:schemeClr val="bg1"/>
-              </a:solidFill>
-            </a:ln>
-          </p:spPr>
-          <p:style>
-            <a:lnRef idx="1">
-              <a:schemeClr val="accent1"/>
-            </a:lnRef>
-            <a:fillRef idx="0">
-              <a:schemeClr val="accent1"/>
-            </a:fillRef>
-            <a:effectRef idx="0">
-              <a:schemeClr val="accent1"/>
-            </a:effectRef>
-            <a:fontRef idx="minor">
-              <a:schemeClr val="tx1"/>
-            </a:fontRef>
-          </p:style>
-        </p:cxnSp>
-        <p:cxnSp>
-          <p:nvCxnSpPr>
-            <p:cNvPr id="9" name="Straight Connector 8">
-              <a:extLst>
-                <a:ext uri="{FF2B5EF4-FFF2-40B4-BE49-F238E27FC236}">
-                  <a16:creationId xmlns:a16="http://schemas.microsoft.com/office/drawing/2014/main" id="{83AD1937-4174-4408-9683-7520194C0CF6}"/>
-                </a:ext>
-              </a:extLst>
-            </p:cNvPr>
-            <p:cNvCxnSpPr>
-              <a:cxnSpLocks/>
-            </p:cNvCxnSpPr>
-            <p:nvPr/>
-          </p:nvCxnSpPr>
-          <p:spPr>
-            <a:xfrm>
-              <a:off x="4788158" y="3934414"/>
-              <a:ext cx="877652" cy="936166"/>
-            </a:xfrm>
-            <a:prstGeom prst="line">
-              <a:avLst/>
-            </a:prstGeom>
-            <a:ln w="15875">
-              <a:solidFill>
-                <a:schemeClr val="bg1"/>
-              </a:solidFill>
-            </a:ln>
-          </p:spPr>
-          <p:style>
-            <a:lnRef idx="1">
-              <a:schemeClr val="accent1"/>
-            </a:lnRef>
-            <a:fillRef idx="0">
-              <a:schemeClr val="accent1"/>
-            </a:fillRef>
-            <a:effectRef idx="0">
-              <a:schemeClr val="accent1"/>
-            </a:effectRef>
-            <a:fontRef idx="minor">
-              <a:schemeClr val="tx1"/>
-            </a:fontRef>
-          </p:style>
-        </p:cxnSp>
-        <p:cxnSp>
-          <p:nvCxnSpPr>
-            <p:cNvPr id="10" name="Straight Connector 9">
-              <a:extLst>
-                <a:ext uri="{FF2B5EF4-FFF2-40B4-BE49-F238E27FC236}">
-                  <a16:creationId xmlns:a16="http://schemas.microsoft.com/office/drawing/2014/main" id="{F7EC8AD3-A5AB-4EE4-9AC1-440A7AD44341}"/>
-                </a:ext>
-              </a:extLst>
-            </p:cNvPr>
-            <p:cNvCxnSpPr>
-              <a:cxnSpLocks/>
-            </p:cNvCxnSpPr>
-            <p:nvPr/>
-          </p:nvCxnSpPr>
-          <p:spPr>
-            <a:xfrm>
-              <a:off x="6818591" y="5962261"/>
-              <a:ext cx="886941" cy="783772"/>
-            </a:xfrm>
-            <a:prstGeom prst="line">
-              <a:avLst/>
-            </a:prstGeom>
-            <a:ln w="15875">
-              <a:solidFill>
-                <a:schemeClr val="bg1"/>
-              </a:solidFill>
-            </a:ln>
-          </p:spPr>
-          <p:style>
-            <a:lnRef idx="1">
-              <a:schemeClr val="accent1"/>
-            </a:lnRef>
-            <a:fillRef idx="0">
-              <a:schemeClr val="accent1"/>
-            </a:fillRef>
-            <a:effectRef idx="0">
-              <a:schemeClr val="accent1"/>
-            </a:effectRef>
-            <a:fontRef idx="minor">
-              <a:schemeClr val="tx1"/>
-            </a:fontRef>
-          </p:style>
-        </p:cxnSp>
-        <p:sp>
-          <p:nvSpPr>
-            <p:cNvPr id="11" name="TextBox 10">
-              <a:extLst>
-                <a:ext uri="{FF2B5EF4-FFF2-40B4-BE49-F238E27FC236}">
-                  <a16:creationId xmlns:a16="http://schemas.microsoft.com/office/drawing/2014/main" id="{1EDAE8FE-2230-4AAE-B22F-1F2450676491}"/>
-                </a:ext>
-              </a:extLst>
-            </p:cNvPr>
-            <p:cNvSpPr txBox="1"/>
-            <p:nvPr/>
-          </p:nvSpPr>
-          <p:spPr>
-            <a:xfrm>
-              <a:off x="6554768" y="5240761"/>
-              <a:ext cx="527645" cy="307777"/>
-            </a:xfrm>
-            <a:prstGeom prst="rect">
-              <a:avLst/>
-            </a:prstGeom>
-            <a:noFill/>
-          </p:spPr>
-          <p:txBody>
-            <a:bodyPr wrap="none" rtlCol="0">
-              <a:spAutoFit/>
-            </a:bodyPr>
-            <a:lstStyle/>
-            <a:p>
-              <a:r>
-                <a:rPr lang="en-US" sz="1400" i="1" dirty="0"/>
-                <a:t>right</a:t>
-              </a:r>
-            </a:p>
-          </p:txBody>
-        </p:sp>
-        <p:sp>
-          <p:nvSpPr>
-            <p:cNvPr id="12" name="TextBox 11">
-              <a:extLst>
-                <a:ext uri="{FF2B5EF4-FFF2-40B4-BE49-F238E27FC236}">
-                  <a16:creationId xmlns:a16="http://schemas.microsoft.com/office/drawing/2014/main" id="{8F3397B8-5BB0-46C8-BA52-8EE36ADCC45D}"/>
-                </a:ext>
-              </a:extLst>
-            </p:cNvPr>
-            <p:cNvSpPr txBox="1"/>
-            <p:nvPr/>
-          </p:nvSpPr>
-          <p:spPr>
-            <a:xfrm>
-              <a:off x="5389015" y="5240761"/>
-              <a:ext cx="429926" cy="307777"/>
-            </a:xfrm>
-            <a:prstGeom prst="rect">
-              <a:avLst/>
-            </a:prstGeom>
-            <a:noFill/>
-          </p:spPr>
-          <p:txBody>
-            <a:bodyPr wrap="none" rtlCol="0">
-              <a:spAutoFit/>
-            </a:bodyPr>
-            <a:lstStyle/>
-            <a:p>
-              <a:r>
-                <a:rPr lang="en-US" sz="1400" i="1" dirty="0"/>
-                <a:t>left</a:t>
-              </a:r>
-            </a:p>
-          </p:txBody>
-        </p:sp>
-        <p:sp>
-          <p:nvSpPr>
-            <p:cNvPr id="13" name="TextBox 12">
-              <a:extLst>
-                <a:ext uri="{FF2B5EF4-FFF2-40B4-BE49-F238E27FC236}">
-                  <a16:creationId xmlns:a16="http://schemas.microsoft.com/office/drawing/2014/main" id="{422B3F68-203D-4443-9EDD-82F2907C0887}"/>
-                </a:ext>
-              </a:extLst>
-            </p:cNvPr>
-            <p:cNvSpPr txBox="1"/>
-            <p:nvPr/>
-          </p:nvSpPr>
-          <p:spPr>
-            <a:xfrm>
-              <a:off x="6029478" y="5937243"/>
-              <a:ext cx="434734" cy="307777"/>
-            </a:xfrm>
-            <a:prstGeom prst="rect">
-              <a:avLst/>
-            </a:prstGeom>
-            <a:noFill/>
-          </p:spPr>
-          <p:txBody>
-            <a:bodyPr wrap="none" rtlCol="0">
-              <a:spAutoFit/>
-            </a:bodyPr>
-            <a:lstStyle/>
-            <a:p>
-              <a:r>
-                <a:rPr lang="en-US" sz="1400" i="1" dirty="0"/>
-                <a:t>bot</a:t>
-              </a:r>
-            </a:p>
-          </p:txBody>
-        </p:sp>
-        <p:sp>
-          <p:nvSpPr>
-            <p:cNvPr id="14" name="TextBox 13">
-              <a:extLst>
-                <a:ext uri="{FF2B5EF4-FFF2-40B4-BE49-F238E27FC236}">
-                  <a16:creationId xmlns:a16="http://schemas.microsoft.com/office/drawing/2014/main" id="{97C56DDB-2BA8-4343-A0E7-0FA8F93A86E4}"/>
-                </a:ext>
-              </a:extLst>
-            </p:cNvPr>
-            <p:cNvSpPr txBox="1"/>
-            <p:nvPr/>
-          </p:nvSpPr>
-          <p:spPr>
-            <a:xfrm>
-              <a:off x="6029478" y="4581264"/>
-              <a:ext cx="433004" cy="307777"/>
-            </a:xfrm>
-            <a:prstGeom prst="rect">
-              <a:avLst/>
-            </a:prstGeom>
-            <a:noFill/>
-          </p:spPr>
-          <p:txBody>
-            <a:bodyPr wrap="none" rtlCol="0">
-              <a:spAutoFit/>
-            </a:bodyPr>
-            <a:lstStyle/>
-            <a:p>
-              <a:r>
-                <a:rPr lang="en-US" sz="1400" i="1" dirty="0"/>
-                <a:t>top</a:t>
-              </a:r>
-            </a:p>
-          </p:txBody>
-        </p:sp>
-      </p:grpSp>
-      <p:cxnSp>
-        <p:nvCxnSpPr>
-          <p:cNvPr id="16" name="Straight Arrow Connector 15">
-            <a:extLst>
-              <a:ext uri="{FF2B5EF4-FFF2-40B4-BE49-F238E27FC236}">
-                <a16:creationId xmlns:a16="http://schemas.microsoft.com/office/drawing/2014/main" id="{978F4C3E-70A3-4B63-A732-464A41304AE2}"/>
-              </a:ext>
-            </a:extLst>
-          </p:cNvPr>
-          <p:cNvCxnSpPr>
-            <a:cxnSpLocks/>
-          </p:cNvCxnSpPr>
-          <p:nvPr/>
-        </p:nvCxnSpPr>
-        <p:spPr>
-          <a:xfrm>
-            <a:off x="6842560" y="5088294"/>
-            <a:ext cx="360673" cy="0"/>
-          </a:xfrm>
-          <a:prstGeom prst="straightConnector1">
-            <a:avLst/>
-          </a:prstGeom>
-          <a:ln w="25400">
-            <a:solidFill>
-              <a:schemeClr val="accent2">
-                <a:lumMod val="75000"/>
-              </a:schemeClr>
-            </a:solidFill>
-            <a:tailEnd type="triangle"/>
-          </a:ln>
-        </p:spPr>
-        <p:style>
-          <a:lnRef idx="1">
-            <a:schemeClr val="accent1"/>
-          </a:lnRef>
-          <a:fillRef idx="0">
-            <a:schemeClr val="accent1"/>
-          </a:fillRef>
-          <a:effectRef idx="0">
-            <a:schemeClr val="accent1"/>
-          </a:effectRef>
-          <a:fontRef idx="minor">
-            <a:schemeClr val="tx1"/>
-          </a:fontRef>
-        </p:style>
-      </p:cxnSp>
-      <p:cxnSp>
-        <p:nvCxnSpPr>
-          <p:cNvPr id="17" name="Straight Arrow Connector 16">
-            <a:extLst>
-              <a:ext uri="{FF2B5EF4-FFF2-40B4-BE49-F238E27FC236}">
-                <a16:creationId xmlns:a16="http://schemas.microsoft.com/office/drawing/2014/main" id="{909D8155-FD97-44D1-9763-0FB812B5F577}"/>
-              </a:ext>
-            </a:extLst>
-          </p:cNvPr>
-          <p:cNvCxnSpPr>
-            <a:cxnSpLocks/>
-          </p:cNvCxnSpPr>
-          <p:nvPr/>
-        </p:nvCxnSpPr>
-        <p:spPr>
-          <a:xfrm flipH="1">
-            <a:off x="6827037" y="5600889"/>
-            <a:ext cx="351369" cy="0"/>
-          </a:xfrm>
-          <a:prstGeom prst="straightConnector1">
-            <a:avLst/>
-          </a:prstGeom>
-          <a:ln w="25400">
-            <a:solidFill>
-              <a:schemeClr val="accent5">
-                <a:lumMod val="75000"/>
-              </a:schemeClr>
-            </a:solidFill>
-            <a:tailEnd type="triangle"/>
-          </a:ln>
-        </p:spPr>
-        <p:style>
-          <a:lnRef idx="1">
-            <a:schemeClr val="accent1"/>
-          </a:lnRef>
-          <a:fillRef idx="0">
-            <a:schemeClr val="accent1"/>
-          </a:fillRef>
-          <a:effectRef idx="0">
-            <a:schemeClr val="accent1"/>
-          </a:effectRef>
-          <a:fontRef idx="minor">
-            <a:schemeClr val="tx1"/>
-          </a:fontRef>
-        </p:style>
-      </p:cxnSp>
-      <p:cxnSp>
-        <p:nvCxnSpPr>
-          <p:cNvPr id="19" name="Straight Arrow Connector 18">
-            <a:extLst>
-              <a:ext uri="{FF2B5EF4-FFF2-40B4-BE49-F238E27FC236}">
-                <a16:creationId xmlns:a16="http://schemas.microsoft.com/office/drawing/2014/main" id="{E208DFF5-4335-4CF2-A3AE-8988727B9200}"/>
-              </a:ext>
-            </a:extLst>
-          </p:cNvPr>
-          <p:cNvCxnSpPr>
-            <a:cxnSpLocks/>
-          </p:cNvCxnSpPr>
-          <p:nvPr/>
-        </p:nvCxnSpPr>
-        <p:spPr>
-          <a:xfrm flipH="1">
-            <a:off x="6027458" y="6359558"/>
-            <a:ext cx="966" cy="274507"/>
-          </a:xfrm>
-          <a:prstGeom prst="straightConnector1">
-            <a:avLst/>
-          </a:prstGeom>
-          <a:ln w="25400">
-            <a:solidFill>
-              <a:schemeClr val="accent2">
-                <a:lumMod val="75000"/>
-              </a:schemeClr>
-            </a:solidFill>
-            <a:tailEnd type="triangle"/>
-          </a:ln>
-        </p:spPr>
-        <p:style>
-          <a:lnRef idx="1">
-            <a:schemeClr val="accent1"/>
-          </a:lnRef>
-          <a:fillRef idx="0">
-            <a:schemeClr val="accent1"/>
-          </a:fillRef>
-          <a:effectRef idx="0">
-            <a:schemeClr val="accent1"/>
-          </a:effectRef>
-          <a:fontRef idx="minor">
-            <a:schemeClr val="tx1"/>
-          </a:fontRef>
-        </p:style>
-      </p:cxnSp>
-      <p:cxnSp>
-        <p:nvCxnSpPr>
-          <p:cNvPr id="20" name="Straight Arrow Connector 19">
-            <a:extLst>
-              <a:ext uri="{FF2B5EF4-FFF2-40B4-BE49-F238E27FC236}">
-                <a16:creationId xmlns:a16="http://schemas.microsoft.com/office/drawing/2014/main" id="{16511465-A872-431F-9769-217C586681BB}"/>
-              </a:ext>
-            </a:extLst>
-          </p:cNvPr>
-          <p:cNvCxnSpPr>
-            <a:cxnSpLocks/>
-          </p:cNvCxnSpPr>
-          <p:nvPr/>
-        </p:nvCxnSpPr>
-        <p:spPr>
-          <a:xfrm flipV="1">
-            <a:off x="5587591" y="6359558"/>
-            <a:ext cx="0" cy="274507"/>
-          </a:xfrm>
-          <a:prstGeom prst="straightConnector1">
-            <a:avLst/>
-          </a:prstGeom>
-          <a:ln w="25400">
-            <a:solidFill>
-              <a:schemeClr val="accent5">
-                <a:lumMod val="75000"/>
-              </a:schemeClr>
-            </a:solidFill>
-            <a:tailEnd type="triangle"/>
-          </a:ln>
-        </p:spPr>
-        <p:style>
-          <a:lnRef idx="1">
-            <a:schemeClr val="accent1"/>
-          </a:lnRef>
-          <a:fillRef idx="0">
-            <a:schemeClr val="accent1"/>
-          </a:fillRef>
-          <a:effectRef idx="0">
-            <a:schemeClr val="accent1"/>
-          </a:effectRef>
-          <a:fontRef idx="minor">
-            <a:schemeClr val="tx1"/>
-          </a:fontRef>
-        </p:style>
-      </p:cxnSp>
-      <p:cxnSp>
-        <p:nvCxnSpPr>
-          <p:cNvPr id="21" name="Straight Arrow Connector 20">
-            <a:extLst>
-              <a:ext uri="{FF2B5EF4-FFF2-40B4-BE49-F238E27FC236}">
-                <a16:creationId xmlns:a16="http://schemas.microsoft.com/office/drawing/2014/main" id="{D76C5BA3-4958-440A-9F19-158F9532779E}"/>
-              </a:ext>
-            </a:extLst>
-          </p:cNvPr>
-          <p:cNvCxnSpPr>
-            <a:cxnSpLocks/>
-          </p:cNvCxnSpPr>
-          <p:nvPr/>
-        </p:nvCxnSpPr>
-        <p:spPr>
-          <a:xfrm flipH="1" flipV="1">
-            <a:off x="6004942" y="4011255"/>
-            <a:ext cx="2525" cy="349913"/>
-          </a:xfrm>
-          <a:prstGeom prst="straightConnector1">
-            <a:avLst/>
-          </a:prstGeom>
-          <a:ln w="25400">
-            <a:solidFill>
-              <a:schemeClr val="accent2">
-                <a:lumMod val="75000"/>
-              </a:schemeClr>
-            </a:solidFill>
-            <a:tailEnd type="triangle"/>
-          </a:ln>
-        </p:spPr>
-        <p:style>
-          <a:lnRef idx="1">
-            <a:schemeClr val="accent1"/>
-          </a:lnRef>
-          <a:fillRef idx="0">
-            <a:schemeClr val="accent1"/>
-          </a:fillRef>
-          <a:effectRef idx="0">
-            <a:schemeClr val="accent1"/>
-          </a:effectRef>
-          <a:fontRef idx="minor">
-            <a:schemeClr val="tx1"/>
-          </a:fontRef>
-        </p:style>
-      </p:cxnSp>
-      <p:cxnSp>
-        <p:nvCxnSpPr>
-          <p:cNvPr id="22" name="Straight Arrow Connector 21">
-            <a:extLst>
-              <a:ext uri="{FF2B5EF4-FFF2-40B4-BE49-F238E27FC236}">
-                <a16:creationId xmlns:a16="http://schemas.microsoft.com/office/drawing/2014/main" id="{6E38EEB6-A7BB-4CA3-84D0-6417F54E23FE}"/>
-              </a:ext>
-            </a:extLst>
-          </p:cNvPr>
-          <p:cNvCxnSpPr>
-            <a:cxnSpLocks/>
-          </p:cNvCxnSpPr>
-          <p:nvPr/>
-        </p:nvCxnSpPr>
-        <p:spPr>
-          <a:xfrm>
-            <a:off x="4422773" y="5600889"/>
-            <a:ext cx="380127" cy="0"/>
-          </a:xfrm>
-          <a:prstGeom prst="straightConnector1">
-            <a:avLst/>
-          </a:prstGeom>
-          <a:ln w="25400">
-            <a:solidFill>
-              <a:schemeClr val="accent5">
-                <a:lumMod val="75000"/>
-              </a:schemeClr>
-            </a:solidFill>
-            <a:tailEnd type="triangle"/>
-          </a:ln>
-        </p:spPr>
-        <p:style>
-          <a:lnRef idx="1">
-            <a:schemeClr val="accent1"/>
-          </a:lnRef>
-          <a:fillRef idx="0">
-            <a:schemeClr val="accent1"/>
-          </a:fillRef>
-          <a:effectRef idx="0">
-            <a:schemeClr val="accent1"/>
-          </a:effectRef>
-          <a:fontRef idx="minor">
-            <a:schemeClr val="tx1"/>
-          </a:fontRef>
-        </p:style>
-      </p:cxnSp>
-      <p:cxnSp>
-        <p:nvCxnSpPr>
-          <p:cNvPr id="23" name="Straight Arrow Connector 22">
-            <a:extLst>
-              <a:ext uri="{FF2B5EF4-FFF2-40B4-BE49-F238E27FC236}">
-                <a16:creationId xmlns:a16="http://schemas.microsoft.com/office/drawing/2014/main" id="{45C91774-B1B1-4774-8439-C9BAADBBEA43}"/>
-              </a:ext>
-            </a:extLst>
-          </p:cNvPr>
-          <p:cNvCxnSpPr>
-            <a:cxnSpLocks/>
-          </p:cNvCxnSpPr>
-          <p:nvPr/>
-        </p:nvCxnSpPr>
-        <p:spPr>
-          <a:xfrm flipH="1">
-            <a:off x="4390458" y="5088294"/>
-            <a:ext cx="377699" cy="0"/>
-          </a:xfrm>
-          <a:prstGeom prst="straightConnector1">
-            <a:avLst/>
-          </a:prstGeom>
-          <a:ln w="25400">
-            <a:solidFill>
-              <a:schemeClr val="accent2">
-                <a:lumMod val="75000"/>
-              </a:schemeClr>
-            </a:solidFill>
-            <a:tailEnd type="triangle"/>
-          </a:ln>
-        </p:spPr>
-        <p:style>
-          <a:lnRef idx="1">
-            <a:schemeClr val="accent1"/>
-          </a:lnRef>
-          <a:fillRef idx="0">
-            <a:schemeClr val="accent1"/>
-          </a:fillRef>
-          <a:effectRef idx="0">
-            <a:schemeClr val="accent1"/>
-          </a:effectRef>
-          <a:fontRef idx="minor">
-            <a:schemeClr val="tx1"/>
-          </a:fontRef>
-        </p:style>
-      </p:cxnSp>
       <p:sp>
         <p:nvSpPr>
           <p:cNvPr id="27" name="TextBox 26">
@@ -12838,52 +12078,834 @@
           </a:p>
         </p:txBody>
       </p:sp>
-      <p:cxnSp>
-        <p:nvCxnSpPr>
-          <p:cNvPr id="61" name="Straight Arrow Connector 60">
+      <p:grpSp>
+        <p:nvGrpSpPr>
+          <p:cNvPr id="2" name="Group 1">
             <a:extLst>
               <a:ext uri="{FF2B5EF4-FFF2-40B4-BE49-F238E27FC236}">
-                <a16:creationId xmlns:a16="http://schemas.microsoft.com/office/drawing/2014/main" id="{EC89CEFF-97F9-40F3-AB68-106997B07A82}"/>
+                <a16:creationId xmlns:a16="http://schemas.microsoft.com/office/drawing/2014/main" id="{B88F81AB-6C82-480D-88C4-7BC4815601AF}"/>
               </a:ext>
             </a:extLst>
           </p:cNvPr>
-          <p:cNvCxnSpPr>
-            <a:cxnSpLocks/>
-          </p:cNvCxnSpPr>
+          <p:cNvGrpSpPr/>
           <p:nvPr/>
-        </p:nvCxnSpPr>
-        <p:spPr>
+        </p:nvGrpSpPr>
+        <p:grpSpPr>
           <a:xfrm>
-            <a:off x="5598585" y="4011256"/>
-            <a:ext cx="0" cy="349912"/>
+            <a:off x="4353134" y="3912117"/>
+            <a:ext cx="2917374" cy="2811619"/>
+            <a:chOff x="4353134" y="3912117"/>
+            <a:chExt cx="2917374" cy="2811619"/>
           </a:xfrm>
-          <a:prstGeom prst="straightConnector1">
-            <a:avLst/>
-          </a:prstGeom>
-          <a:ln w="25400">
-            <a:solidFill>
-              <a:schemeClr val="accent5">
-                <a:lumMod val="75000"/>
-              </a:schemeClr>
-            </a:solidFill>
-            <a:tailEnd type="triangle"/>
-          </a:ln>
-        </p:spPr>
-        <p:style>
-          <a:lnRef idx="1">
-            <a:schemeClr val="accent1"/>
-          </a:lnRef>
-          <a:fillRef idx="0">
-            <a:schemeClr val="accent1"/>
-          </a:fillRef>
-          <a:effectRef idx="0">
-            <a:schemeClr val="accent1"/>
-          </a:effectRef>
-          <a:fontRef idx="minor">
-            <a:schemeClr val="tx1"/>
-          </a:fontRef>
-        </p:style>
-      </p:cxnSp>
+        </p:grpSpPr>
+        <p:grpSp>
+          <p:nvGrpSpPr>
+            <p:cNvPr id="4" name="Group 3">
+              <a:extLst>
+                <a:ext uri="{FF2B5EF4-FFF2-40B4-BE49-F238E27FC236}">
+                  <a16:creationId xmlns:a16="http://schemas.microsoft.com/office/drawing/2014/main" id="{9A249FD4-39C1-4963-9D9D-130F456A950D}"/>
+                </a:ext>
+              </a:extLst>
+            </p:cNvPr>
+            <p:cNvGrpSpPr/>
+            <p:nvPr/>
+          </p:nvGrpSpPr>
+          <p:grpSpPr>
+            <a:xfrm>
+              <a:off x="4353134" y="3912117"/>
+              <a:ext cx="2917374" cy="2811619"/>
+              <a:chOff x="4788158" y="3934414"/>
+              <a:chExt cx="2917374" cy="2811619"/>
+            </a:xfrm>
+          </p:grpSpPr>
+          <p:sp>
+            <p:nvSpPr>
+              <p:cNvPr id="5" name="Rectangle 4">
+                <a:extLst>
+                  <a:ext uri="{FF2B5EF4-FFF2-40B4-BE49-F238E27FC236}">
+                    <a16:creationId xmlns:a16="http://schemas.microsoft.com/office/drawing/2014/main" id="{DBBA3480-DED0-4211-B4DA-F862A4F9B013}"/>
+                  </a:ext>
+                </a:extLst>
+              </p:cNvPr>
+              <p:cNvSpPr/>
+              <p:nvPr/>
+            </p:nvSpPr>
+            <p:spPr>
+              <a:xfrm>
+                <a:off x="5047861" y="4236098"/>
+                <a:ext cx="2397968" cy="2285991"/>
+              </a:xfrm>
+              <a:prstGeom prst="rect">
+                <a:avLst/>
+              </a:prstGeom>
+              <a:solidFill>
+                <a:schemeClr val="bg2">
+                  <a:lumMod val="75000"/>
+                </a:schemeClr>
+              </a:solidFill>
+              <a:ln>
+                <a:noFill/>
+              </a:ln>
+            </p:spPr>
+            <p:style>
+              <a:lnRef idx="2">
+                <a:schemeClr val="accent1">
+                  <a:shade val="50000"/>
+                </a:schemeClr>
+              </a:lnRef>
+              <a:fillRef idx="1">
+                <a:schemeClr val="accent1"/>
+              </a:fillRef>
+              <a:effectRef idx="0">
+                <a:schemeClr val="accent1"/>
+              </a:effectRef>
+              <a:fontRef idx="minor">
+                <a:schemeClr val="lt1"/>
+              </a:fontRef>
+            </p:style>
+            <p:txBody>
+              <a:bodyPr rtlCol="0" anchor="ctr"/>
+              <a:lstStyle/>
+              <a:p>
+                <a:pPr algn="ctr"/>
+                <a:endParaRPr lang="en-US"/>
+              </a:p>
+            </p:txBody>
+          </p:sp>
+          <p:sp>
+            <p:nvSpPr>
+              <p:cNvPr id="6" name="Rectangle 5">
+                <a:extLst>
+                  <a:ext uri="{FF2B5EF4-FFF2-40B4-BE49-F238E27FC236}">
+                    <a16:creationId xmlns:a16="http://schemas.microsoft.com/office/drawing/2014/main" id="{F43A9BF3-7F84-4047-8796-561E8CA72D10}"/>
+                  </a:ext>
+                </a:extLst>
+              </p:cNvPr>
+              <p:cNvSpPr/>
+              <p:nvPr/>
+            </p:nvSpPr>
+            <p:spPr>
+              <a:xfrm>
+                <a:off x="5402424" y="4584442"/>
+                <a:ext cx="1666580" cy="1620416"/>
+              </a:xfrm>
+              <a:prstGeom prst="rect">
+                <a:avLst/>
+              </a:prstGeom>
+              <a:solidFill>
+                <a:schemeClr val="bg1"/>
+              </a:solidFill>
+              <a:ln>
+                <a:noFill/>
+              </a:ln>
+            </p:spPr>
+            <p:style>
+              <a:lnRef idx="2">
+                <a:schemeClr val="accent1">
+                  <a:shade val="50000"/>
+                </a:schemeClr>
+              </a:lnRef>
+              <a:fillRef idx="1">
+                <a:schemeClr val="accent1"/>
+              </a:fillRef>
+              <a:effectRef idx="0">
+                <a:schemeClr val="accent1"/>
+              </a:effectRef>
+              <a:fontRef idx="minor">
+                <a:schemeClr val="lt1"/>
+              </a:fontRef>
+            </p:style>
+            <p:txBody>
+              <a:bodyPr rtlCol="0" anchor="ctr"/>
+              <a:lstStyle/>
+              <a:p>
+                <a:pPr algn="ctr"/>
+                <a:endParaRPr lang="en-US" i="1"/>
+              </a:p>
+            </p:txBody>
+          </p:sp>
+          <p:cxnSp>
+            <p:nvCxnSpPr>
+              <p:cNvPr id="7" name="Straight Connector 6">
+                <a:extLst>
+                  <a:ext uri="{FF2B5EF4-FFF2-40B4-BE49-F238E27FC236}">
+                    <a16:creationId xmlns:a16="http://schemas.microsoft.com/office/drawing/2014/main" id="{170460BA-98E5-4986-9292-894C4B0511AF}"/>
+                  </a:ext>
+                </a:extLst>
+              </p:cNvPr>
+              <p:cNvCxnSpPr>
+                <a:cxnSpLocks/>
+              </p:cNvCxnSpPr>
+              <p:nvPr/>
+            </p:nvCxnSpPr>
+            <p:spPr>
+              <a:xfrm flipV="1">
+                <a:off x="6961702" y="4236098"/>
+                <a:ext cx="484127" cy="499054"/>
+              </a:xfrm>
+              <a:prstGeom prst="line">
+                <a:avLst/>
+              </a:prstGeom>
+              <a:ln w="15875">
+                <a:solidFill>
+                  <a:schemeClr val="bg1"/>
+                </a:solidFill>
+              </a:ln>
+            </p:spPr>
+            <p:style>
+              <a:lnRef idx="1">
+                <a:schemeClr val="accent1"/>
+              </a:lnRef>
+              <a:fillRef idx="0">
+                <a:schemeClr val="accent1"/>
+              </a:fillRef>
+              <a:effectRef idx="0">
+                <a:schemeClr val="accent1"/>
+              </a:effectRef>
+              <a:fontRef idx="minor">
+                <a:schemeClr val="tx1"/>
+              </a:fontRef>
+            </p:style>
+          </p:cxnSp>
+          <p:cxnSp>
+            <p:nvCxnSpPr>
+              <p:cNvPr id="8" name="Straight Connector 7">
+                <a:extLst>
+                  <a:ext uri="{FF2B5EF4-FFF2-40B4-BE49-F238E27FC236}">
+                    <a16:creationId xmlns:a16="http://schemas.microsoft.com/office/drawing/2014/main" id="{3DD4B6BB-5DC0-479C-AB0D-16CD881C7889}"/>
+                  </a:ext>
+                </a:extLst>
+              </p:cNvPr>
+              <p:cNvCxnSpPr>
+                <a:cxnSpLocks/>
+              </p:cNvCxnSpPr>
+              <p:nvPr/>
+            </p:nvCxnSpPr>
+            <p:spPr>
+              <a:xfrm flipV="1">
+                <a:off x="5047861" y="6173744"/>
+                <a:ext cx="376825" cy="348345"/>
+              </a:xfrm>
+              <a:prstGeom prst="line">
+                <a:avLst/>
+              </a:prstGeom>
+              <a:ln w="15875">
+                <a:solidFill>
+                  <a:schemeClr val="bg1"/>
+                </a:solidFill>
+              </a:ln>
+            </p:spPr>
+            <p:style>
+              <a:lnRef idx="1">
+                <a:schemeClr val="accent1"/>
+              </a:lnRef>
+              <a:fillRef idx="0">
+                <a:schemeClr val="accent1"/>
+              </a:fillRef>
+              <a:effectRef idx="0">
+                <a:schemeClr val="accent1"/>
+              </a:effectRef>
+              <a:fontRef idx="minor">
+                <a:schemeClr val="tx1"/>
+              </a:fontRef>
+            </p:style>
+          </p:cxnSp>
+          <p:cxnSp>
+            <p:nvCxnSpPr>
+              <p:cNvPr id="9" name="Straight Connector 8">
+                <a:extLst>
+                  <a:ext uri="{FF2B5EF4-FFF2-40B4-BE49-F238E27FC236}">
+                    <a16:creationId xmlns:a16="http://schemas.microsoft.com/office/drawing/2014/main" id="{83AD1937-4174-4408-9683-7520194C0CF6}"/>
+                  </a:ext>
+                </a:extLst>
+              </p:cNvPr>
+              <p:cNvCxnSpPr>
+                <a:cxnSpLocks/>
+              </p:cNvCxnSpPr>
+              <p:nvPr/>
+            </p:nvCxnSpPr>
+            <p:spPr>
+              <a:xfrm>
+                <a:off x="4788158" y="3934414"/>
+                <a:ext cx="877652" cy="936166"/>
+              </a:xfrm>
+              <a:prstGeom prst="line">
+                <a:avLst/>
+              </a:prstGeom>
+              <a:ln w="15875">
+                <a:solidFill>
+                  <a:schemeClr val="bg1"/>
+                </a:solidFill>
+              </a:ln>
+            </p:spPr>
+            <p:style>
+              <a:lnRef idx="1">
+                <a:schemeClr val="accent1"/>
+              </a:lnRef>
+              <a:fillRef idx="0">
+                <a:schemeClr val="accent1"/>
+              </a:fillRef>
+              <a:effectRef idx="0">
+                <a:schemeClr val="accent1"/>
+              </a:effectRef>
+              <a:fontRef idx="minor">
+                <a:schemeClr val="tx1"/>
+              </a:fontRef>
+            </p:style>
+          </p:cxnSp>
+          <p:cxnSp>
+            <p:nvCxnSpPr>
+              <p:cNvPr id="10" name="Straight Connector 9">
+                <a:extLst>
+                  <a:ext uri="{FF2B5EF4-FFF2-40B4-BE49-F238E27FC236}">
+                    <a16:creationId xmlns:a16="http://schemas.microsoft.com/office/drawing/2014/main" id="{F7EC8AD3-A5AB-4EE4-9AC1-440A7AD44341}"/>
+                  </a:ext>
+                </a:extLst>
+              </p:cNvPr>
+              <p:cNvCxnSpPr>
+                <a:cxnSpLocks/>
+              </p:cNvCxnSpPr>
+              <p:nvPr/>
+            </p:nvCxnSpPr>
+            <p:spPr>
+              <a:xfrm>
+                <a:off x="6818591" y="5962261"/>
+                <a:ext cx="886941" cy="783772"/>
+              </a:xfrm>
+              <a:prstGeom prst="line">
+                <a:avLst/>
+              </a:prstGeom>
+              <a:ln w="15875">
+                <a:solidFill>
+                  <a:schemeClr val="bg1"/>
+                </a:solidFill>
+              </a:ln>
+            </p:spPr>
+            <p:style>
+              <a:lnRef idx="1">
+                <a:schemeClr val="accent1"/>
+              </a:lnRef>
+              <a:fillRef idx="0">
+                <a:schemeClr val="accent1"/>
+              </a:fillRef>
+              <a:effectRef idx="0">
+                <a:schemeClr val="accent1"/>
+              </a:effectRef>
+              <a:fontRef idx="minor">
+                <a:schemeClr val="tx1"/>
+              </a:fontRef>
+            </p:style>
+          </p:cxnSp>
+          <p:sp>
+            <p:nvSpPr>
+              <p:cNvPr id="11" name="TextBox 10">
+                <a:extLst>
+                  <a:ext uri="{FF2B5EF4-FFF2-40B4-BE49-F238E27FC236}">
+                    <a16:creationId xmlns:a16="http://schemas.microsoft.com/office/drawing/2014/main" id="{1EDAE8FE-2230-4AAE-B22F-1F2450676491}"/>
+                  </a:ext>
+                </a:extLst>
+              </p:cNvPr>
+              <p:cNvSpPr txBox="1"/>
+              <p:nvPr/>
+            </p:nvSpPr>
+            <p:spPr>
+              <a:xfrm>
+                <a:off x="6554768" y="5240761"/>
+                <a:ext cx="527645" cy="307777"/>
+              </a:xfrm>
+              <a:prstGeom prst="rect">
+                <a:avLst/>
+              </a:prstGeom>
+              <a:noFill/>
+            </p:spPr>
+            <p:txBody>
+              <a:bodyPr wrap="none" rtlCol="0">
+                <a:spAutoFit/>
+              </a:bodyPr>
+              <a:lstStyle/>
+              <a:p>
+                <a:r>
+                  <a:rPr lang="en-US" sz="1400" i="1" dirty="0"/>
+                  <a:t>right</a:t>
+                </a:r>
+              </a:p>
+            </p:txBody>
+          </p:sp>
+          <p:sp>
+            <p:nvSpPr>
+              <p:cNvPr id="12" name="TextBox 11">
+                <a:extLst>
+                  <a:ext uri="{FF2B5EF4-FFF2-40B4-BE49-F238E27FC236}">
+                    <a16:creationId xmlns:a16="http://schemas.microsoft.com/office/drawing/2014/main" id="{8F3397B8-5BB0-46C8-BA52-8EE36ADCC45D}"/>
+                  </a:ext>
+                </a:extLst>
+              </p:cNvPr>
+              <p:cNvSpPr txBox="1"/>
+              <p:nvPr/>
+            </p:nvSpPr>
+            <p:spPr>
+              <a:xfrm>
+                <a:off x="5389015" y="5240761"/>
+                <a:ext cx="429926" cy="307777"/>
+              </a:xfrm>
+              <a:prstGeom prst="rect">
+                <a:avLst/>
+              </a:prstGeom>
+              <a:noFill/>
+            </p:spPr>
+            <p:txBody>
+              <a:bodyPr wrap="none" rtlCol="0">
+                <a:spAutoFit/>
+              </a:bodyPr>
+              <a:lstStyle/>
+              <a:p>
+                <a:r>
+                  <a:rPr lang="en-US" sz="1400" i="1" dirty="0"/>
+                  <a:t>left</a:t>
+                </a:r>
+              </a:p>
+            </p:txBody>
+          </p:sp>
+          <p:sp>
+            <p:nvSpPr>
+              <p:cNvPr id="13" name="TextBox 12">
+                <a:extLst>
+                  <a:ext uri="{FF2B5EF4-FFF2-40B4-BE49-F238E27FC236}">
+                    <a16:creationId xmlns:a16="http://schemas.microsoft.com/office/drawing/2014/main" id="{422B3F68-203D-4443-9EDD-82F2907C0887}"/>
+                  </a:ext>
+                </a:extLst>
+              </p:cNvPr>
+              <p:cNvSpPr txBox="1"/>
+              <p:nvPr/>
+            </p:nvSpPr>
+            <p:spPr>
+              <a:xfrm>
+                <a:off x="6029478" y="5937243"/>
+                <a:ext cx="434734" cy="307777"/>
+              </a:xfrm>
+              <a:prstGeom prst="rect">
+                <a:avLst/>
+              </a:prstGeom>
+              <a:noFill/>
+            </p:spPr>
+            <p:txBody>
+              <a:bodyPr wrap="none" rtlCol="0">
+                <a:spAutoFit/>
+              </a:bodyPr>
+              <a:lstStyle/>
+              <a:p>
+                <a:r>
+                  <a:rPr lang="en-US" sz="1400" i="1" dirty="0"/>
+                  <a:t>bot</a:t>
+                </a:r>
+              </a:p>
+            </p:txBody>
+          </p:sp>
+          <p:sp>
+            <p:nvSpPr>
+              <p:cNvPr id="14" name="TextBox 13">
+                <a:extLst>
+                  <a:ext uri="{FF2B5EF4-FFF2-40B4-BE49-F238E27FC236}">
+                    <a16:creationId xmlns:a16="http://schemas.microsoft.com/office/drawing/2014/main" id="{97C56DDB-2BA8-4343-A0E7-0FA8F93A86E4}"/>
+                  </a:ext>
+                </a:extLst>
+              </p:cNvPr>
+              <p:cNvSpPr txBox="1"/>
+              <p:nvPr/>
+            </p:nvSpPr>
+            <p:spPr>
+              <a:xfrm>
+                <a:off x="6029478" y="4581264"/>
+                <a:ext cx="433004" cy="307777"/>
+              </a:xfrm>
+              <a:prstGeom prst="rect">
+                <a:avLst/>
+              </a:prstGeom>
+              <a:noFill/>
+            </p:spPr>
+            <p:txBody>
+              <a:bodyPr wrap="none" rtlCol="0">
+                <a:spAutoFit/>
+              </a:bodyPr>
+              <a:lstStyle/>
+              <a:p>
+                <a:r>
+                  <a:rPr lang="en-US" sz="1400" i="1" dirty="0"/>
+                  <a:t>top</a:t>
+                </a:r>
+              </a:p>
+            </p:txBody>
+          </p:sp>
+        </p:grpSp>
+        <p:cxnSp>
+          <p:nvCxnSpPr>
+            <p:cNvPr id="16" name="Straight Arrow Connector 15">
+              <a:extLst>
+                <a:ext uri="{FF2B5EF4-FFF2-40B4-BE49-F238E27FC236}">
+                  <a16:creationId xmlns:a16="http://schemas.microsoft.com/office/drawing/2014/main" id="{978F4C3E-70A3-4B63-A732-464A41304AE2}"/>
+                </a:ext>
+              </a:extLst>
+            </p:cNvPr>
+            <p:cNvCxnSpPr>
+              <a:cxnSpLocks/>
+            </p:cNvCxnSpPr>
+            <p:nvPr/>
+          </p:nvCxnSpPr>
+          <p:spPr>
+            <a:xfrm>
+              <a:off x="6842560" y="5088294"/>
+              <a:ext cx="360673" cy="0"/>
+            </a:xfrm>
+            <a:prstGeom prst="straightConnector1">
+              <a:avLst/>
+            </a:prstGeom>
+            <a:ln w="25400">
+              <a:solidFill>
+                <a:schemeClr val="accent2">
+                  <a:lumMod val="75000"/>
+                </a:schemeClr>
+              </a:solidFill>
+              <a:tailEnd type="triangle"/>
+            </a:ln>
+          </p:spPr>
+          <p:style>
+            <a:lnRef idx="1">
+              <a:schemeClr val="accent1"/>
+            </a:lnRef>
+            <a:fillRef idx="0">
+              <a:schemeClr val="accent1"/>
+            </a:fillRef>
+            <a:effectRef idx="0">
+              <a:schemeClr val="accent1"/>
+            </a:effectRef>
+            <a:fontRef idx="minor">
+              <a:schemeClr val="tx1"/>
+            </a:fontRef>
+          </p:style>
+        </p:cxnSp>
+        <p:cxnSp>
+          <p:nvCxnSpPr>
+            <p:cNvPr id="17" name="Straight Arrow Connector 16">
+              <a:extLst>
+                <a:ext uri="{FF2B5EF4-FFF2-40B4-BE49-F238E27FC236}">
+                  <a16:creationId xmlns:a16="http://schemas.microsoft.com/office/drawing/2014/main" id="{909D8155-FD97-44D1-9763-0FB812B5F577}"/>
+                </a:ext>
+              </a:extLst>
+            </p:cNvPr>
+            <p:cNvCxnSpPr>
+              <a:cxnSpLocks/>
+            </p:cNvCxnSpPr>
+            <p:nvPr/>
+          </p:nvCxnSpPr>
+          <p:spPr>
+            <a:xfrm flipH="1">
+              <a:off x="6827037" y="5600889"/>
+              <a:ext cx="351369" cy="0"/>
+            </a:xfrm>
+            <a:prstGeom prst="straightConnector1">
+              <a:avLst/>
+            </a:prstGeom>
+            <a:ln w="25400">
+              <a:solidFill>
+                <a:schemeClr val="accent5">
+                  <a:lumMod val="75000"/>
+                </a:schemeClr>
+              </a:solidFill>
+              <a:tailEnd type="triangle"/>
+            </a:ln>
+          </p:spPr>
+          <p:style>
+            <a:lnRef idx="1">
+              <a:schemeClr val="accent1"/>
+            </a:lnRef>
+            <a:fillRef idx="0">
+              <a:schemeClr val="accent1"/>
+            </a:fillRef>
+            <a:effectRef idx="0">
+              <a:schemeClr val="accent1"/>
+            </a:effectRef>
+            <a:fontRef idx="minor">
+              <a:schemeClr val="tx1"/>
+            </a:fontRef>
+          </p:style>
+        </p:cxnSp>
+        <p:cxnSp>
+          <p:nvCxnSpPr>
+            <p:cNvPr id="19" name="Straight Arrow Connector 18">
+              <a:extLst>
+                <a:ext uri="{FF2B5EF4-FFF2-40B4-BE49-F238E27FC236}">
+                  <a16:creationId xmlns:a16="http://schemas.microsoft.com/office/drawing/2014/main" id="{E208DFF5-4335-4CF2-A3AE-8988727B9200}"/>
+                </a:ext>
+              </a:extLst>
+            </p:cNvPr>
+            <p:cNvCxnSpPr>
+              <a:cxnSpLocks/>
+            </p:cNvCxnSpPr>
+            <p:nvPr/>
+          </p:nvCxnSpPr>
+          <p:spPr>
+            <a:xfrm flipH="1">
+              <a:off x="6027458" y="6359558"/>
+              <a:ext cx="966" cy="274507"/>
+            </a:xfrm>
+            <a:prstGeom prst="straightConnector1">
+              <a:avLst/>
+            </a:prstGeom>
+            <a:ln w="25400">
+              <a:solidFill>
+                <a:schemeClr val="accent2">
+                  <a:lumMod val="75000"/>
+                </a:schemeClr>
+              </a:solidFill>
+              <a:tailEnd type="triangle"/>
+            </a:ln>
+          </p:spPr>
+          <p:style>
+            <a:lnRef idx="1">
+              <a:schemeClr val="accent1"/>
+            </a:lnRef>
+            <a:fillRef idx="0">
+              <a:schemeClr val="accent1"/>
+            </a:fillRef>
+            <a:effectRef idx="0">
+              <a:schemeClr val="accent1"/>
+            </a:effectRef>
+            <a:fontRef idx="minor">
+              <a:schemeClr val="tx1"/>
+            </a:fontRef>
+          </p:style>
+        </p:cxnSp>
+        <p:cxnSp>
+          <p:nvCxnSpPr>
+            <p:cNvPr id="20" name="Straight Arrow Connector 19">
+              <a:extLst>
+                <a:ext uri="{FF2B5EF4-FFF2-40B4-BE49-F238E27FC236}">
+                  <a16:creationId xmlns:a16="http://schemas.microsoft.com/office/drawing/2014/main" id="{16511465-A872-431F-9769-217C586681BB}"/>
+                </a:ext>
+              </a:extLst>
+            </p:cNvPr>
+            <p:cNvCxnSpPr>
+              <a:cxnSpLocks/>
+            </p:cNvCxnSpPr>
+            <p:nvPr/>
+          </p:nvCxnSpPr>
+          <p:spPr>
+            <a:xfrm flipV="1">
+              <a:off x="5587591" y="6359558"/>
+              <a:ext cx="0" cy="274507"/>
+            </a:xfrm>
+            <a:prstGeom prst="straightConnector1">
+              <a:avLst/>
+            </a:prstGeom>
+            <a:ln w="25400">
+              <a:solidFill>
+                <a:schemeClr val="accent5">
+                  <a:lumMod val="75000"/>
+                </a:schemeClr>
+              </a:solidFill>
+              <a:tailEnd type="triangle"/>
+            </a:ln>
+          </p:spPr>
+          <p:style>
+            <a:lnRef idx="1">
+              <a:schemeClr val="accent1"/>
+            </a:lnRef>
+            <a:fillRef idx="0">
+              <a:schemeClr val="accent1"/>
+            </a:fillRef>
+            <a:effectRef idx="0">
+              <a:schemeClr val="accent1"/>
+            </a:effectRef>
+            <a:fontRef idx="minor">
+              <a:schemeClr val="tx1"/>
+            </a:fontRef>
+          </p:style>
+        </p:cxnSp>
+        <p:cxnSp>
+          <p:nvCxnSpPr>
+            <p:cNvPr id="21" name="Straight Arrow Connector 20">
+              <a:extLst>
+                <a:ext uri="{FF2B5EF4-FFF2-40B4-BE49-F238E27FC236}">
+                  <a16:creationId xmlns:a16="http://schemas.microsoft.com/office/drawing/2014/main" id="{D76C5BA3-4958-440A-9F19-158F9532779E}"/>
+                </a:ext>
+              </a:extLst>
+            </p:cNvPr>
+            <p:cNvCxnSpPr>
+              <a:cxnSpLocks/>
+            </p:cNvCxnSpPr>
+            <p:nvPr/>
+          </p:nvCxnSpPr>
+          <p:spPr>
+            <a:xfrm flipH="1" flipV="1">
+              <a:off x="6004942" y="4011255"/>
+              <a:ext cx="2525" cy="349913"/>
+            </a:xfrm>
+            <a:prstGeom prst="straightConnector1">
+              <a:avLst/>
+            </a:prstGeom>
+            <a:ln w="25400">
+              <a:solidFill>
+                <a:schemeClr val="accent2">
+                  <a:lumMod val="75000"/>
+                </a:schemeClr>
+              </a:solidFill>
+              <a:tailEnd type="triangle"/>
+            </a:ln>
+          </p:spPr>
+          <p:style>
+            <a:lnRef idx="1">
+              <a:schemeClr val="accent1"/>
+            </a:lnRef>
+            <a:fillRef idx="0">
+              <a:schemeClr val="accent1"/>
+            </a:fillRef>
+            <a:effectRef idx="0">
+              <a:schemeClr val="accent1"/>
+            </a:effectRef>
+            <a:fontRef idx="minor">
+              <a:schemeClr val="tx1"/>
+            </a:fontRef>
+          </p:style>
+        </p:cxnSp>
+        <p:cxnSp>
+          <p:nvCxnSpPr>
+            <p:cNvPr id="22" name="Straight Arrow Connector 21">
+              <a:extLst>
+                <a:ext uri="{FF2B5EF4-FFF2-40B4-BE49-F238E27FC236}">
+                  <a16:creationId xmlns:a16="http://schemas.microsoft.com/office/drawing/2014/main" id="{6E38EEB6-A7BB-4CA3-84D0-6417F54E23FE}"/>
+                </a:ext>
+              </a:extLst>
+            </p:cNvPr>
+            <p:cNvCxnSpPr>
+              <a:cxnSpLocks/>
+            </p:cNvCxnSpPr>
+            <p:nvPr/>
+          </p:nvCxnSpPr>
+          <p:spPr>
+            <a:xfrm>
+              <a:off x="4422773" y="5600889"/>
+              <a:ext cx="380127" cy="0"/>
+            </a:xfrm>
+            <a:prstGeom prst="straightConnector1">
+              <a:avLst/>
+            </a:prstGeom>
+            <a:ln w="25400">
+              <a:solidFill>
+                <a:schemeClr val="accent5">
+                  <a:lumMod val="75000"/>
+                </a:schemeClr>
+              </a:solidFill>
+              <a:tailEnd type="triangle"/>
+            </a:ln>
+          </p:spPr>
+          <p:style>
+            <a:lnRef idx="1">
+              <a:schemeClr val="accent1"/>
+            </a:lnRef>
+            <a:fillRef idx="0">
+              <a:schemeClr val="accent1"/>
+            </a:fillRef>
+            <a:effectRef idx="0">
+              <a:schemeClr val="accent1"/>
+            </a:effectRef>
+            <a:fontRef idx="minor">
+              <a:schemeClr val="tx1"/>
+            </a:fontRef>
+          </p:style>
+        </p:cxnSp>
+        <p:cxnSp>
+          <p:nvCxnSpPr>
+            <p:cNvPr id="23" name="Straight Arrow Connector 22">
+              <a:extLst>
+                <a:ext uri="{FF2B5EF4-FFF2-40B4-BE49-F238E27FC236}">
+                  <a16:creationId xmlns:a16="http://schemas.microsoft.com/office/drawing/2014/main" id="{45C91774-B1B1-4774-8439-C9BAADBBEA43}"/>
+                </a:ext>
+              </a:extLst>
+            </p:cNvPr>
+            <p:cNvCxnSpPr>
+              <a:cxnSpLocks/>
+            </p:cNvCxnSpPr>
+            <p:nvPr/>
+          </p:nvCxnSpPr>
+          <p:spPr>
+            <a:xfrm flipH="1">
+              <a:off x="4390458" y="5088294"/>
+              <a:ext cx="377699" cy="0"/>
+            </a:xfrm>
+            <a:prstGeom prst="straightConnector1">
+              <a:avLst/>
+            </a:prstGeom>
+            <a:ln w="25400">
+              <a:solidFill>
+                <a:schemeClr val="accent2">
+                  <a:lumMod val="75000"/>
+                </a:schemeClr>
+              </a:solidFill>
+              <a:tailEnd type="triangle"/>
+            </a:ln>
+          </p:spPr>
+          <p:style>
+            <a:lnRef idx="1">
+              <a:schemeClr val="accent1"/>
+            </a:lnRef>
+            <a:fillRef idx="0">
+              <a:schemeClr val="accent1"/>
+            </a:fillRef>
+            <a:effectRef idx="0">
+              <a:schemeClr val="accent1"/>
+            </a:effectRef>
+            <a:fontRef idx="minor">
+              <a:schemeClr val="tx1"/>
+            </a:fontRef>
+          </p:style>
+        </p:cxnSp>
+        <p:cxnSp>
+          <p:nvCxnSpPr>
+            <p:cNvPr id="61" name="Straight Arrow Connector 60">
+              <a:extLst>
+                <a:ext uri="{FF2B5EF4-FFF2-40B4-BE49-F238E27FC236}">
+                  <a16:creationId xmlns:a16="http://schemas.microsoft.com/office/drawing/2014/main" id="{EC89CEFF-97F9-40F3-AB68-106997B07A82}"/>
+                </a:ext>
+              </a:extLst>
+            </p:cNvPr>
+            <p:cNvCxnSpPr>
+              <a:cxnSpLocks/>
+            </p:cNvCxnSpPr>
+            <p:nvPr/>
+          </p:nvCxnSpPr>
+          <p:spPr>
+            <a:xfrm>
+              <a:off x="5598585" y="4011256"/>
+              <a:ext cx="0" cy="349912"/>
+            </a:xfrm>
+            <a:prstGeom prst="straightConnector1">
+              <a:avLst/>
+            </a:prstGeom>
+            <a:ln w="25400">
+              <a:solidFill>
+                <a:schemeClr val="accent5">
+                  <a:lumMod val="75000"/>
+                </a:schemeClr>
+              </a:solidFill>
+              <a:tailEnd type="triangle"/>
+            </a:ln>
+          </p:spPr>
+          <p:style>
+            <a:lnRef idx="1">
+              <a:schemeClr val="accent1"/>
+            </a:lnRef>
+            <a:fillRef idx="0">
+              <a:schemeClr val="accent1"/>
+            </a:fillRef>
+            <a:effectRef idx="0">
+              <a:schemeClr val="accent1"/>
+            </a:effectRef>
+            <a:fontRef idx="minor">
+              <a:schemeClr val="tx1"/>
+            </a:fontRef>
+          </p:style>
+        </p:cxnSp>
+      </p:grpSp>
     </p:spTree>
     <p:extLst>
       <p:ext uri="{BB962C8B-B14F-4D97-AF65-F5344CB8AC3E}">
@@ -14664,6 +14686,7510 @@
           <a:chExt cx="0" cy="0"/>
         </a:xfrm>
       </p:grpSpPr>
+      <p:grpSp>
+        <p:nvGrpSpPr>
+          <p:cNvPr id="2" name="Group 1">
+            <a:extLst>
+              <a:ext uri="{FF2B5EF4-FFF2-40B4-BE49-F238E27FC236}">
+                <a16:creationId xmlns:a16="http://schemas.microsoft.com/office/drawing/2014/main" id="{4750BFF2-D6F7-40E5-A7D3-DF1AD1DDE841}"/>
+              </a:ext>
+            </a:extLst>
+          </p:cNvPr>
+          <p:cNvGrpSpPr/>
+          <p:nvPr/>
+        </p:nvGrpSpPr>
+        <p:grpSpPr>
+          <a:xfrm>
+            <a:off x="1190056" y="2885750"/>
+            <a:ext cx="2917374" cy="2811619"/>
+            <a:chOff x="4353134" y="3912117"/>
+            <a:chExt cx="2917374" cy="2811619"/>
+          </a:xfrm>
+        </p:grpSpPr>
+        <p:grpSp>
+          <p:nvGrpSpPr>
+            <p:cNvPr id="3" name="Group 2">
+              <a:extLst>
+                <a:ext uri="{FF2B5EF4-FFF2-40B4-BE49-F238E27FC236}">
+                  <a16:creationId xmlns:a16="http://schemas.microsoft.com/office/drawing/2014/main" id="{1E810E5B-CD81-44D0-89CB-07B25041751D}"/>
+                </a:ext>
+              </a:extLst>
+            </p:cNvPr>
+            <p:cNvGrpSpPr/>
+            <p:nvPr/>
+          </p:nvGrpSpPr>
+          <p:grpSpPr>
+            <a:xfrm>
+              <a:off x="4353134" y="3912117"/>
+              <a:ext cx="2917374" cy="2811619"/>
+              <a:chOff x="4788158" y="3934414"/>
+              <a:chExt cx="2917374" cy="2811619"/>
+            </a:xfrm>
+          </p:grpSpPr>
+          <p:sp>
+            <p:nvSpPr>
+              <p:cNvPr id="14" name="Rectangle 13">
+                <a:extLst>
+                  <a:ext uri="{FF2B5EF4-FFF2-40B4-BE49-F238E27FC236}">
+                    <a16:creationId xmlns:a16="http://schemas.microsoft.com/office/drawing/2014/main" id="{862E6F15-48F6-4119-A076-0B56BBED9557}"/>
+                  </a:ext>
+                </a:extLst>
+              </p:cNvPr>
+              <p:cNvSpPr/>
+              <p:nvPr/>
+            </p:nvSpPr>
+            <p:spPr>
+              <a:xfrm>
+                <a:off x="5047861" y="4236098"/>
+                <a:ext cx="2397968" cy="2285991"/>
+              </a:xfrm>
+              <a:prstGeom prst="rect">
+                <a:avLst/>
+              </a:prstGeom>
+              <a:solidFill>
+                <a:schemeClr val="bg2">
+                  <a:lumMod val="75000"/>
+                </a:schemeClr>
+              </a:solidFill>
+              <a:ln>
+                <a:noFill/>
+              </a:ln>
+            </p:spPr>
+            <p:style>
+              <a:lnRef idx="2">
+                <a:schemeClr val="accent1">
+                  <a:shade val="50000"/>
+                </a:schemeClr>
+              </a:lnRef>
+              <a:fillRef idx="1">
+                <a:schemeClr val="accent1"/>
+              </a:fillRef>
+              <a:effectRef idx="0">
+                <a:schemeClr val="accent1"/>
+              </a:effectRef>
+              <a:fontRef idx="minor">
+                <a:schemeClr val="lt1"/>
+              </a:fontRef>
+            </p:style>
+            <p:txBody>
+              <a:bodyPr rtlCol="0" anchor="ctr"/>
+              <a:lstStyle/>
+              <a:p>
+                <a:pPr algn="ctr"/>
+                <a:endParaRPr lang="en-US"/>
+              </a:p>
+            </p:txBody>
+          </p:sp>
+          <p:sp>
+            <p:nvSpPr>
+              <p:cNvPr id="15" name="Rectangle 14">
+                <a:extLst>
+                  <a:ext uri="{FF2B5EF4-FFF2-40B4-BE49-F238E27FC236}">
+                    <a16:creationId xmlns:a16="http://schemas.microsoft.com/office/drawing/2014/main" id="{7A67A1B1-DD40-49F4-87B3-F25D89C50067}"/>
+                  </a:ext>
+                </a:extLst>
+              </p:cNvPr>
+              <p:cNvSpPr/>
+              <p:nvPr/>
+            </p:nvSpPr>
+            <p:spPr>
+              <a:xfrm>
+                <a:off x="5402424" y="4584442"/>
+                <a:ext cx="1666580" cy="1620416"/>
+              </a:xfrm>
+              <a:prstGeom prst="rect">
+                <a:avLst/>
+              </a:prstGeom>
+              <a:solidFill>
+                <a:schemeClr val="bg1"/>
+              </a:solidFill>
+              <a:ln>
+                <a:noFill/>
+              </a:ln>
+            </p:spPr>
+            <p:style>
+              <a:lnRef idx="2">
+                <a:schemeClr val="accent1">
+                  <a:shade val="50000"/>
+                </a:schemeClr>
+              </a:lnRef>
+              <a:fillRef idx="1">
+                <a:schemeClr val="accent1"/>
+              </a:fillRef>
+              <a:effectRef idx="0">
+                <a:schemeClr val="accent1"/>
+              </a:effectRef>
+              <a:fontRef idx="minor">
+                <a:schemeClr val="lt1"/>
+              </a:fontRef>
+            </p:style>
+            <p:txBody>
+              <a:bodyPr rtlCol="0" anchor="ctr"/>
+              <a:lstStyle/>
+              <a:p>
+                <a:pPr algn="ctr"/>
+                <a:r>
+                  <a:rPr lang="en-US" sz="2800" i="1" dirty="0">
+                    <a:solidFill>
+                      <a:srgbClr val="00B050"/>
+                    </a:solidFill>
+                  </a:rPr>
+                  <a:t>B</a:t>
+                </a:r>
+              </a:p>
+            </p:txBody>
+          </p:sp>
+          <p:cxnSp>
+            <p:nvCxnSpPr>
+              <p:cNvPr id="16" name="Straight Connector 15">
+                <a:extLst>
+                  <a:ext uri="{FF2B5EF4-FFF2-40B4-BE49-F238E27FC236}">
+                    <a16:creationId xmlns:a16="http://schemas.microsoft.com/office/drawing/2014/main" id="{70468BBC-3BC0-44F7-8270-0E9350E2157B}"/>
+                  </a:ext>
+                </a:extLst>
+              </p:cNvPr>
+              <p:cNvCxnSpPr>
+                <a:cxnSpLocks/>
+              </p:cNvCxnSpPr>
+              <p:nvPr/>
+            </p:nvCxnSpPr>
+            <p:spPr>
+              <a:xfrm flipV="1">
+                <a:off x="6961702" y="4236098"/>
+                <a:ext cx="484127" cy="499054"/>
+              </a:xfrm>
+              <a:prstGeom prst="line">
+                <a:avLst/>
+              </a:prstGeom>
+              <a:ln w="15875">
+                <a:solidFill>
+                  <a:schemeClr val="bg1"/>
+                </a:solidFill>
+              </a:ln>
+            </p:spPr>
+            <p:style>
+              <a:lnRef idx="1">
+                <a:schemeClr val="accent1"/>
+              </a:lnRef>
+              <a:fillRef idx="0">
+                <a:schemeClr val="accent1"/>
+              </a:fillRef>
+              <a:effectRef idx="0">
+                <a:schemeClr val="accent1"/>
+              </a:effectRef>
+              <a:fontRef idx="minor">
+                <a:schemeClr val="tx1"/>
+              </a:fontRef>
+            </p:style>
+          </p:cxnSp>
+          <p:cxnSp>
+            <p:nvCxnSpPr>
+              <p:cNvPr id="17" name="Straight Connector 16">
+                <a:extLst>
+                  <a:ext uri="{FF2B5EF4-FFF2-40B4-BE49-F238E27FC236}">
+                    <a16:creationId xmlns:a16="http://schemas.microsoft.com/office/drawing/2014/main" id="{426ED627-BD0D-458F-BCA8-066965695943}"/>
+                  </a:ext>
+                </a:extLst>
+              </p:cNvPr>
+              <p:cNvCxnSpPr>
+                <a:cxnSpLocks/>
+              </p:cNvCxnSpPr>
+              <p:nvPr/>
+            </p:nvCxnSpPr>
+            <p:spPr>
+              <a:xfrm flipV="1">
+                <a:off x="5047861" y="6173744"/>
+                <a:ext cx="376825" cy="348345"/>
+              </a:xfrm>
+              <a:prstGeom prst="line">
+                <a:avLst/>
+              </a:prstGeom>
+              <a:ln w="15875">
+                <a:solidFill>
+                  <a:schemeClr val="bg1"/>
+                </a:solidFill>
+              </a:ln>
+            </p:spPr>
+            <p:style>
+              <a:lnRef idx="1">
+                <a:schemeClr val="accent1"/>
+              </a:lnRef>
+              <a:fillRef idx="0">
+                <a:schemeClr val="accent1"/>
+              </a:fillRef>
+              <a:effectRef idx="0">
+                <a:schemeClr val="accent1"/>
+              </a:effectRef>
+              <a:fontRef idx="minor">
+                <a:schemeClr val="tx1"/>
+              </a:fontRef>
+            </p:style>
+          </p:cxnSp>
+          <p:cxnSp>
+            <p:nvCxnSpPr>
+              <p:cNvPr id="18" name="Straight Connector 17">
+                <a:extLst>
+                  <a:ext uri="{FF2B5EF4-FFF2-40B4-BE49-F238E27FC236}">
+                    <a16:creationId xmlns:a16="http://schemas.microsoft.com/office/drawing/2014/main" id="{716FAC04-48DA-4FCB-ACB1-84FA70401DFE}"/>
+                  </a:ext>
+                </a:extLst>
+              </p:cNvPr>
+              <p:cNvCxnSpPr>
+                <a:cxnSpLocks/>
+              </p:cNvCxnSpPr>
+              <p:nvPr/>
+            </p:nvCxnSpPr>
+            <p:spPr>
+              <a:xfrm>
+                <a:off x="4788158" y="3934414"/>
+                <a:ext cx="877652" cy="936166"/>
+              </a:xfrm>
+              <a:prstGeom prst="line">
+                <a:avLst/>
+              </a:prstGeom>
+              <a:ln w="15875">
+                <a:solidFill>
+                  <a:schemeClr val="bg1"/>
+                </a:solidFill>
+              </a:ln>
+            </p:spPr>
+            <p:style>
+              <a:lnRef idx="1">
+                <a:schemeClr val="accent1"/>
+              </a:lnRef>
+              <a:fillRef idx="0">
+                <a:schemeClr val="accent1"/>
+              </a:fillRef>
+              <a:effectRef idx="0">
+                <a:schemeClr val="accent1"/>
+              </a:effectRef>
+              <a:fontRef idx="minor">
+                <a:schemeClr val="tx1"/>
+              </a:fontRef>
+            </p:style>
+          </p:cxnSp>
+          <p:cxnSp>
+            <p:nvCxnSpPr>
+              <p:cNvPr id="19" name="Straight Connector 18">
+                <a:extLst>
+                  <a:ext uri="{FF2B5EF4-FFF2-40B4-BE49-F238E27FC236}">
+                    <a16:creationId xmlns:a16="http://schemas.microsoft.com/office/drawing/2014/main" id="{6166E58B-F1A1-4E8D-9808-48EAF42EFA99}"/>
+                  </a:ext>
+                </a:extLst>
+              </p:cNvPr>
+              <p:cNvCxnSpPr>
+                <a:cxnSpLocks/>
+              </p:cNvCxnSpPr>
+              <p:nvPr/>
+            </p:nvCxnSpPr>
+            <p:spPr>
+              <a:xfrm>
+                <a:off x="6818591" y="5962261"/>
+                <a:ext cx="886941" cy="783772"/>
+              </a:xfrm>
+              <a:prstGeom prst="line">
+                <a:avLst/>
+              </a:prstGeom>
+              <a:ln w="15875">
+                <a:solidFill>
+                  <a:schemeClr val="bg1"/>
+                </a:solidFill>
+              </a:ln>
+            </p:spPr>
+            <p:style>
+              <a:lnRef idx="1">
+                <a:schemeClr val="accent1"/>
+              </a:lnRef>
+              <a:fillRef idx="0">
+                <a:schemeClr val="accent1"/>
+              </a:fillRef>
+              <a:effectRef idx="0">
+                <a:schemeClr val="accent1"/>
+              </a:effectRef>
+              <a:fontRef idx="minor">
+                <a:schemeClr val="tx1"/>
+              </a:fontRef>
+            </p:style>
+          </p:cxnSp>
+          <p:sp>
+            <p:nvSpPr>
+              <p:cNvPr id="20" name="TextBox 19">
+                <a:extLst>
+                  <a:ext uri="{FF2B5EF4-FFF2-40B4-BE49-F238E27FC236}">
+                    <a16:creationId xmlns:a16="http://schemas.microsoft.com/office/drawing/2014/main" id="{A1158F97-8CEB-483C-B312-F392C93D4791}"/>
+                  </a:ext>
+                </a:extLst>
+              </p:cNvPr>
+              <p:cNvSpPr txBox="1"/>
+              <p:nvPr/>
+            </p:nvSpPr>
+            <p:spPr>
+              <a:xfrm>
+                <a:off x="6554768" y="5240761"/>
+                <a:ext cx="527645" cy="307777"/>
+              </a:xfrm>
+              <a:prstGeom prst="rect">
+                <a:avLst/>
+              </a:prstGeom>
+              <a:noFill/>
+            </p:spPr>
+            <p:txBody>
+              <a:bodyPr wrap="none" rtlCol="0">
+                <a:spAutoFit/>
+              </a:bodyPr>
+              <a:lstStyle/>
+              <a:p>
+                <a:r>
+                  <a:rPr lang="en-US" sz="1400" i="1" dirty="0"/>
+                  <a:t>right</a:t>
+                </a:r>
+              </a:p>
+            </p:txBody>
+          </p:sp>
+          <p:sp>
+            <p:nvSpPr>
+              <p:cNvPr id="21" name="TextBox 20">
+                <a:extLst>
+                  <a:ext uri="{FF2B5EF4-FFF2-40B4-BE49-F238E27FC236}">
+                    <a16:creationId xmlns:a16="http://schemas.microsoft.com/office/drawing/2014/main" id="{2AE93400-D82A-46FA-8D50-CC62F8F97A2A}"/>
+                  </a:ext>
+                </a:extLst>
+              </p:cNvPr>
+              <p:cNvSpPr txBox="1"/>
+              <p:nvPr/>
+            </p:nvSpPr>
+            <p:spPr>
+              <a:xfrm>
+                <a:off x="5389015" y="5240761"/>
+                <a:ext cx="429926" cy="307777"/>
+              </a:xfrm>
+              <a:prstGeom prst="rect">
+                <a:avLst/>
+              </a:prstGeom>
+              <a:noFill/>
+            </p:spPr>
+            <p:txBody>
+              <a:bodyPr wrap="none" rtlCol="0">
+                <a:spAutoFit/>
+              </a:bodyPr>
+              <a:lstStyle/>
+              <a:p>
+                <a:r>
+                  <a:rPr lang="en-US" sz="1400" i="1" dirty="0"/>
+                  <a:t>left</a:t>
+                </a:r>
+              </a:p>
+            </p:txBody>
+          </p:sp>
+          <p:sp>
+            <p:nvSpPr>
+              <p:cNvPr id="22" name="TextBox 21">
+                <a:extLst>
+                  <a:ext uri="{FF2B5EF4-FFF2-40B4-BE49-F238E27FC236}">
+                    <a16:creationId xmlns:a16="http://schemas.microsoft.com/office/drawing/2014/main" id="{F160E382-F409-4700-B33C-4E14954DC967}"/>
+                  </a:ext>
+                </a:extLst>
+              </p:cNvPr>
+              <p:cNvSpPr txBox="1"/>
+              <p:nvPr/>
+            </p:nvSpPr>
+            <p:spPr>
+              <a:xfrm>
+                <a:off x="6029478" y="5937243"/>
+                <a:ext cx="434734" cy="307777"/>
+              </a:xfrm>
+              <a:prstGeom prst="rect">
+                <a:avLst/>
+              </a:prstGeom>
+              <a:noFill/>
+            </p:spPr>
+            <p:txBody>
+              <a:bodyPr wrap="none" rtlCol="0">
+                <a:spAutoFit/>
+              </a:bodyPr>
+              <a:lstStyle/>
+              <a:p>
+                <a:r>
+                  <a:rPr lang="en-US" sz="1400" i="1" dirty="0"/>
+                  <a:t>bot</a:t>
+                </a:r>
+              </a:p>
+            </p:txBody>
+          </p:sp>
+          <p:sp>
+            <p:nvSpPr>
+              <p:cNvPr id="23" name="TextBox 22">
+                <a:extLst>
+                  <a:ext uri="{FF2B5EF4-FFF2-40B4-BE49-F238E27FC236}">
+                    <a16:creationId xmlns:a16="http://schemas.microsoft.com/office/drawing/2014/main" id="{B472E8C0-9B72-4009-B705-B211549E9F7C}"/>
+                  </a:ext>
+                </a:extLst>
+              </p:cNvPr>
+              <p:cNvSpPr txBox="1"/>
+              <p:nvPr/>
+            </p:nvSpPr>
+            <p:spPr>
+              <a:xfrm>
+                <a:off x="6029478" y="4581264"/>
+                <a:ext cx="433004" cy="307777"/>
+              </a:xfrm>
+              <a:prstGeom prst="rect">
+                <a:avLst/>
+              </a:prstGeom>
+              <a:noFill/>
+            </p:spPr>
+            <p:txBody>
+              <a:bodyPr wrap="none" rtlCol="0">
+                <a:spAutoFit/>
+              </a:bodyPr>
+              <a:lstStyle/>
+              <a:p>
+                <a:r>
+                  <a:rPr lang="en-US" sz="1400" i="1" dirty="0"/>
+                  <a:t>top</a:t>
+                </a:r>
+              </a:p>
+            </p:txBody>
+          </p:sp>
+        </p:grpSp>
+        <p:cxnSp>
+          <p:nvCxnSpPr>
+            <p:cNvPr id="4" name="Straight Arrow Connector 3">
+              <a:extLst>
+                <a:ext uri="{FF2B5EF4-FFF2-40B4-BE49-F238E27FC236}">
+                  <a16:creationId xmlns:a16="http://schemas.microsoft.com/office/drawing/2014/main" id="{F52E2043-3607-4986-A25E-1D899CDDD401}"/>
+                </a:ext>
+              </a:extLst>
+            </p:cNvPr>
+            <p:cNvCxnSpPr>
+              <a:cxnSpLocks/>
+            </p:cNvCxnSpPr>
+            <p:nvPr/>
+          </p:nvCxnSpPr>
+          <p:spPr>
+            <a:xfrm>
+              <a:off x="6842560" y="4945225"/>
+              <a:ext cx="360673" cy="0"/>
+            </a:xfrm>
+            <a:prstGeom prst="straightConnector1">
+              <a:avLst/>
+            </a:prstGeom>
+            <a:ln w="25400">
+              <a:solidFill>
+                <a:schemeClr val="accent2">
+                  <a:lumMod val="75000"/>
+                </a:schemeClr>
+              </a:solidFill>
+              <a:tailEnd type="triangle"/>
+            </a:ln>
+          </p:spPr>
+          <p:style>
+            <a:lnRef idx="1">
+              <a:schemeClr val="accent1"/>
+            </a:lnRef>
+            <a:fillRef idx="0">
+              <a:schemeClr val="accent1"/>
+            </a:fillRef>
+            <a:effectRef idx="0">
+              <a:schemeClr val="accent1"/>
+            </a:effectRef>
+            <a:fontRef idx="minor">
+              <a:schemeClr val="tx1"/>
+            </a:fontRef>
+          </p:style>
+        </p:cxnSp>
+        <p:cxnSp>
+          <p:nvCxnSpPr>
+            <p:cNvPr id="5" name="Straight Arrow Connector 4">
+              <a:extLst>
+                <a:ext uri="{FF2B5EF4-FFF2-40B4-BE49-F238E27FC236}">
+                  <a16:creationId xmlns:a16="http://schemas.microsoft.com/office/drawing/2014/main" id="{B449A8AD-7014-4EBF-94CC-2EA3FA0BD118}"/>
+                </a:ext>
+              </a:extLst>
+            </p:cNvPr>
+            <p:cNvCxnSpPr>
+              <a:cxnSpLocks/>
+            </p:cNvCxnSpPr>
+            <p:nvPr/>
+          </p:nvCxnSpPr>
+          <p:spPr>
+            <a:xfrm>
+              <a:off x="6842560" y="5088294"/>
+              <a:ext cx="360673" cy="0"/>
+            </a:xfrm>
+            <a:prstGeom prst="straightConnector1">
+              <a:avLst/>
+            </a:prstGeom>
+            <a:ln w="25400">
+              <a:solidFill>
+                <a:schemeClr val="accent2">
+                  <a:lumMod val="75000"/>
+                </a:schemeClr>
+              </a:solidFill>
+              <a:tailEnd type="triangle"/>
+            </a:ln>
+          </p:spPr>
+          <p:style>
+            <a:lnRef idx="1">
+              <a:schemeClr val="accent1"/>
+            </a:lnRef>
+            <a:fillRef idx="0">
+              <a:schemeClr val="accent1"/>
+            </a:fillRef>
+            <a:effectRef idx="0">
+              <a:schemeClr val="accent1"/>
+            </a:effectRef>
+            <a:fontRef idx="minor">
+              <a:schemeClr val="tx1"/>
+            </a:fontRef>
+          </p:style>
+        </p:cxnSp>
+        <p:cxnSp>
+          <p:nvCxnSpPr>
+            <p:cNvPr id="6" name="Straight Arrow Connector 5">
+              <a:extLst>
+                <a:ext uri="{FF2B5EF4-FFF2-40B4-BE49-F238E27FC236}">
+                  <a16:creationId xmlns:a16="http://schemas.microsoft.com/office/drawing/2014/main" id="{5C333151-2A76-45CD-B4AF-DC48A39026D8}"/>
+                </a:ext>
+              </a:extLst>
+            </p:cNvPr>
+            <p:cNvCxnSpPr>
+              <a:cxnSpLocks/>
+            </p:cNvCxnSpPr>
+            <p:nvPr/>
+          </p:nvCxnSpPr>
+          <p:spPr>
+            <a:xfrm flipH="1">
+              <a:off x="6827037" y="5600889"/>
+              <a:ext cx="351369" cy="0"/>
+            </a:xfrm>
+            <a:prstGeom prst="straightConnector1">
+              <a:avLst/>
+            </a:prstGeom>
+            <a:ln w="25400">
+              <a:solidFill>
+                <a:schemeClr val="accent5">
+                  <a:lumMod val="75000"/>
+                </a:schemeClr>
+              </a:solidFill>
+              <a:tailEnd type="triangle"/>
+            </a:ln>
+          </p:spPr>
+          <p:style>
+            <a:lnRef idx="1">
+              <a:schemeClr val="accent1"/>
+            </a:lnRef>
+            <a:fillRef idx="0">
+              <a:schemeClr val="accent1"/>
+            </a:fillRef>
+            <a:effectRef idx="0">
+              <a:schemeClr val="accent1"/>
+            </a:effectRef>
+            <a:fontRef idx="minor">
+              <a:schemeClr val="tx1"/>
+            </a:fontRef>
+          </p:style>
+        </p:cxnSp>
+        <p:cxnSp>
+          <p:nvCxnSpPr>
+            <p:cNvPr id="7" name="Straight Arrow Connector 6">
+              <a:extLst>
+                <a:ext uri="{FF2B5EF4-FFF2-40B4-BE49-F238E27FC236}">
+                  <a16:creationId xmlns:a16="http://schemas.microsoft.com/office/drawing/2014/main" id="{A2CD70C1-5052-49A6-B227-9FEA0C4056AE}"/>
+                </a:ext>
+              </a:extLst>
+            </p:cNvPr>
+            <p:cNvCxnSpPr>
+              <a:cxnSpLocks/>
+            </p:cNvCxnSpPr>
+            <p:nvPr/>
+          </p:nvCxnSpPr>
+          <p:spPr>
+            <a:xfrm flipH="1">
+              <a:off x="6827036" y="5743958"/>
+              <a:ext cx="351369" cy="0"/>
+            </a:xfrm>
+            <a:prstGeom prst="straightConnector1">
+              <a:avLst/>
+            </a:prstGeom>
+            <a:ln w="25400">
+              <a:solidFill>
+                <a:schemeClr val="accent5">
+                  <a:lumMod val="75000"/>
+                </a:schemeClr>
+              </a:solidFill>
+              <a:tailEnd type="triangle"/>
+            </a:ln>
+          </p:spPr>
+          <p:style>
+            <a:lnRef idx="1">
+              <a:schemeClr val="accent1"/>
+            </a:lnRef>
+            <a:fillRef idx="0">
+              <a:schemeClr val="accent1"/>
+            </a:fillRef>
+            <a:effectRef idx="0">
+              <a:schemeClr val="accent1"/>
+            </a:effectRef>
+            <a:fontRef idx="minor">
+              <a:schemeClr val="tx1"/>
+            </a:fontRef>
+          </p:style>
+        </p:cxnSp>
+        <p:cxnSp>
+          <p:nvCxnSpPr>
+            <p:cNvPr id="8" name="Straight Arrow Connector 7">
+              <a:extLst>
+                <a:ext uri="{FF2B5EF4-FFF2-40B4-BE49-F238E27FC236}">
+                  <a16:creationId xmlns:a16="http://schemas.microsoft.com/office/drawing/2014/main" id="{0B5C0667-BE45-413B-8D76-2E4BFB65E01F}"/>
+                </a:ext>
+              </a:extLst>
+            </p:cNvPr>
+            <p:cNvCxnSpPr>
+              <a:cxnSpLocks/>
+            </p:cNvCxnSpPr>
+            <p:nvPr/>
+          </p:nvCxnSpPr>
+          <p:spPr>
+            <a:xfrm flipH="1">
+              <a:off x="6027458" y="6359558"/>
+              <a:ext cx="966" cy="274507"/>
+            </a:xfrm>
+            <a:prstGeom prst="straightConnector1">
+              <a:avLst/>
+            </a:prstGeom>
+            <a:ln w="25400">
+              <a:solidFill>
+                <a:schemeClr val="accent2">
+                  <a:lumMod val="75000"/>
+                </a:schemeClr>
+              </a:solidFill>
+              <a:tailEnd type="triangle"/>
+            </a:ln>
+          </p:spPr>
+          <p:style>
+            <a:lnRef idx="1">
+              <a:schemeClr val="accent1"/>
+            </a:lnRef>
+            <a:fillRef idx="0">
+              <a:schemeClr val="accent1"/>
+            </a:fillRef>
+            <a:effectRef idx="0">
+              <a:schemeClr val="accent1"/>
+            </a:effectRef>
+            <a:fontRef idx="minor">
+              <a:schemeClr val="tx1"/>
+            </a:fontRef>
+          </p:style>
+        </p:cxnSp>
+        <p:cxnSp>
+          <p:nvCxnSpPr>
+            <p:cNvPr id="9" name="Straight Arrow Connector 8">
+              <a:extLst>
+                <a:ext uri="{FF2B5EF4-FFF2-40B4-BE49-F238E27FC236}">
+                  <a16:creationId xmlns:a16="http://schemas.microsoft.com/office/drawing/2014/main" id="{F7E7C258-9D85-4CBD-92CF-52A0897A699E}"/>
+                </a:ext>
+              </a:extLst>
+            </p:cNvPr>
+            <p:cNvCxnSpPr>
+              <a:cxnSpLocks/>
+            </p:cNvCxnSpPr>
+            <p:nvPr/>
+          </p:nvCxnSpPr>
+          <p:spPr>
+            <a:xfrm flipV="1">
+              <a:off x="5587591" y="6359558"/>
+              <a:ext cx="0" cy="274507"/>
+            </a:xfrm>
+            <a:prstGeom prst="straightConnector1">
+              <a:avLst/>
+            </a:prstGeom>
+            <a:ln w="25400">
+              <a:solidFill>
+                <a:schemeClr val="accent5">
+                  <a:lumMod val="75000"/>
+                </a:schemeClr>
+              </a:solidFill>
+              <a:tailEnd type="triangle"/>
+            </a:ln>
+          </p:spPr>
+          <p:style>
+            <a:lnRef idx="1">
+              <a:schemeClr val="accent1"/>
+            </a:lnRef>
+            <a:fillRef idx="0">
+              <a:schemeClr val="accent1"/>
+            </a:fillRef>
+            <a:effectRef idx="0">
+              <a:schemeClr val="accent1"/>
+            </a:effectRef>
+            <a:fontRef idx="minor">
+              <a:schemeClr val="tx1"/>
+            </a:fontRef>
+          </p:style>
+        </p:cxnSp>
+        <p:cxnSp>
+          <p:nvCxnSpPr>
+            <p:cNvPr id="10" name="Straight Arrow Connector 9">
+              <a:extLst>
+                <a:ext uri="{FF2B5EF4-FFF2-40B4-BE49-F238E27FC236}">
+                  <a16:creationId xmlns:a16="http://schemas.microsoft.com/office/drawing/2014/main" id="{01347EFA-D069-424F-80A8-8EA632B7429F}"/>
+                </a:ext>
+              </a:extLst>
+            </p:cNvPr>
+            <p:cNvCxnSpPr>
+              <a:cxnSpLocks/>
+            </p:cNvCxnSpPr>
+            <p:nvPr/>
+          </p:nvCxnSpPr>
+          <p:spPr>
+            <a:xfrm flipH="1">
+              <a:off x="4390458" y="4945226"/>
+              <a:ext cx="380127" cy="0"/>
+            </a:xfrm>
+            <a:prstGeom prst="straightConnector1">
+              <a:avLst/>
+            </a:prstGeom>
+            <a:ln w="25400">
+              <a:solidFill>
+                <a:schemeClr val="accent2">
+                  <a:lumMod val="75000"/>
+                </a:schemeClr>
+              </a:solidFill>
+              <a:tailEnd type="triangle"/>
+            </a:ln>
+          </p:spPr>
+          <p:style>
+            <a:lnRef idx="1">
+              <a:schemeClr val="accent1"/>
+            </a:lnRef>
+            <a:fillRef idx="0">
+              <a:schemeClr val="accent1"/>
+            </a:fillRef>
+            <a:effectRef idx="0">
+              <a:schemeClr val="accent1"/>
+            </a:effectRef>
+            <a:fontRef idx="minor">
+              <a:schemeClr val="tx1"/>
+            </a:fontRef>
+          </p:style>
+        </p:cxnSp>
+        <p:cxnSp>
+          <p:nvCxnSpPr>
+            <p:cNvPr id="11" name="Straight Arrow Connector 10">
+              <a:extLst>
+                <a:ext uri="{FF2B5EF4-FFF2-40B4-BE49-F238E27FC236}">
+                  <a16:creationId xmlns:a16="http://schemas.microsoft.com/office/drawing/2014/main" id="{5BE89599-C7B6-40CE-B22B-78DD4DD0A678}"/>
+                </a:ext>
+              </a:extLst>
+            </p:cNvPr>
+            <p:cNvCxnSpPr>
+              <a:cxnSpLocks/>
+            </p:cNvCxnSpPr>
+            <p:nvPr/>
+          </p:nvCxnSpPr>
+          <p:spPr>
+            <a:xfrm>
+              <a:off x="4422773" y="5600889"/>
+              <a:ext cx="380127" cy="0"/>
+            </a:xfrm>
+            <a:prstGeom prst="straightConnector1">
+              <a:avLst/>
+            </a:prstGeom>
+            <a:ln w="25400">
+              <a:solidFill>
+                <a:schemeClr val="accent5">
+                  <a:lumMod val="75000"/>
+                </a:schemeClr>
+              </a:solidFill>
+              <a:tailEnd type="triangle"/>
+            </a:ln>
+          </p:spPr>
+          <p:style>
+            <a:lnRef idx="1">
+              <a:schemeClr val="accent1"/>
+            </a:lnRef>
+            <a:fillRef idx="0">
+              <a:schemeClr val="accent1"/>
+            </a:fillRef>
+            <a:effectRef idx="0">
+              <a:schemeClr val="accent1"/>
+            </a:effectRef>
+            <a:fontRef idx="minor">
+              <a:schemeClr val="tx1"/>
+            </a:fontRef>
+          </p:style>
+        </p:cxnSp>
+        <p:cxnSp>
+          <p:nvCxnSpPr>
+            <p:cNvPr id="12" name="Straight Arrow Connector 11">
+              <a:extLst>
+                <a:ext uri="{FF2B5EF4-FFF2-40B4-BE49-F238E27FC236}">
+                  <a16:creationId xmlns:a16="http://schemas.microsoft.com/office/drawing/2014/main" id="{84414F5F-B8C7-41EA-A7B9-17A3EC3C1005}"/>
+                </a:ext>
+              </a:extLst>
+            </p:cNvPr>
+            <p:cNvCxnSpPr>
+              <a:cxnSpLocks/>
+            </p:cNvCxnSpPr>
+            <p:nvPr/>
+          </p:nvCxnSpPr>
+          <p:spPr>
+            <a:xfrm flipH="1">
+              <a:off x="4390458" y="5088294"/>
+              <a:ext cx="377699" cy="0"/>
+            </a:xfrm>
+            <a:prstGeom prst="straightConnector1">
+              <a:avLst/>
+            </a:prstGeom>
+            <a:ln w="25400">
+              <a:solidFill>
+                <a:schemeClr val="accent2">
+                  <a:lumMod val="75000"/>
+                </a:schemeClr>
+              </a:solidFill>
+              <a:tailEnd type="triangle"/>
+            </a:ln>
+          </p:spPr>
+          <p:style>
+            <a:lnRef idx="1">
+              <a:schemeClr val="accent1"/>
+            </a:lnRef>
+            <a:fillRef idx="0">
+              <a:schemeClr val="accent1"/>
+            </a:fillRef>
+            <a:effectRef idx="0">
+              <a:schemeClr val="accent1"/>
+            </a:effectRef>
+            <a:fontRef idx="minor">
+              <a:schemeClr val="tx1"/>
+            </a:fontRef>
+          </p:style>
+        </p:cxnSp>
+        <p:cxnSp>
+          <p:nvCxnSpPr>
+            <p:cNvPr id="13" name="Straight Arrow Connector 12">
+              <a:extLst>
+                <a:ext uri="{FF2B5EF4-FFF2-40B4-BE49-F238E27FC236}">
+                  <a16:creationId xmlns:a16="http://schemas.microsoft.com/office/drawing/2014/main" id="{64CC91FA-73FA-4E6A-A94C-B63F55CD7CAF}"/>
+                </a:ext>
+              </a:extLst>
+            </p:cNvPr>
+            <p:cNvCxnSpPr>
+              <a:cxnSpLocks/>
+            </p:cNvCxnSpPr>
+            <p:nvPr/>
+          </p:nvCxnSpPr>
+          <p:spPr>
+            <a:xfrm>
+              <a:off x="4422773" y="5740258"/>
+              <a:ext cx="380127" cy="0"/>
+            </a:xfrm>
+            <a:prstGeom prst="straightConnector1">
+              <a:avLst/>
+            </a:prstGeom>
+            <a:ln w="25400">
+              <a:solidFill>
+                <a:schemeClr val="accent5">
+                  <a:lumMod val="75000"/>
+                </a:schemeClr>
+              </a:solidFill>
+              <a:tailEnd type="triangle"/>
+            </a:ln>
+          </p:spPr>
+          <p:style>
+            <a:lnRef idx="1">
+              <a:schemeClr val="accent1"/>
+            </a:lnRef>
+            <a:fillRef idx="0">
+              <a:schemeClr val="accent1"/>
+            </a:fillRef>
+            <a:effectRef idx="0">
+              <a:schemeClr val="accent1"/>
+            </a:effectRef>
+            <a:fontRef idx="minor">
+              <a:schemeClr val="tx1"/>
+            </a:fontRef>
+          </p:style>
+        </p:cxnSp>
+      </p:grpSp>
+      <p:grpSp>
+        <p:nvGrpSpPr>
+          <p:cNvPr id="46" name="Group 45">
+            <a:extLst>
+              <a:ext uri="{FF2B5EF4-FFF2-40B4-BE49-F238E27FC236}">
+                <a16:creationId xmlns:a16="http://schemas.microsoft.com/office/drawing/2014/main" id="{23B8A30C-298B-4CFB-8DBD-69B838797284}"/>
+              </a:ext>
+            </a:extLst>
+          </p:cNvPr>
+          <p:cNvGrpSpPr/>
+          <p:nvPr/>
+        </p:nvGrpSpPr>
+        <p:grpSpPr>
+          <a:xfrm>
+            <a:off x="1190056" y="208387"/>
+            <a:ext cx="2917374" cy="2811619"/>
+            <a:chOff x="4353134" y="3912117"/>
+            <a:chExt cx="2917374" cy="2811619"/>
+          </a:xfrm>
+        </p:grpSpPr>
+        <p:grpSp>
+          <p:nvGrpSpPr>
+            <p:cNvPr id="47" name="Group 46">
+              <a:extLst>
+                <a:ext uri="{FF2B5EF4-FFF2-40B4-BE49-F238E27FC236}">
+                  <a16:creationId xmlns:a16="http://schemas.microsoft.com/office/drawing/2014/main" id="{E6EA170B-9568-440A-9C11-BFE4D8F99D56}"/>
+                </a:ext>
+              </a:extLst>
+            </p:cNvPr>
+            <p:cNvGrpSpPr/>
+            <p:nvPr/>
+          </p:nvGrpSpPr>
+          <p:grpSpPr>
+            <a:xfrm>
+              <a:off x="4353134" y="3912117"/>
+              <a:ext cx="2917374" cy="2811619"/>
+              <a:chOff x="4788158" y="3934414"/>
+              <a:chExt cx="2917374" cy="2811619"/>
+            </a:xfrm>
+          </p:grpSpPr>
+          <p:sp>
+            <p:nvSpPr>
+              <p:cNvPr id="56" name="Rectangle 55">
+                <a:extLst>
+                  <a:ext uri="{FF2B5EF4-FFF2-40B4-BE49-F238E27FC236}">
+                    <a16:creationId xmlns:a16="http://schemas.microsoft.com/office/drawing/2014/main" id="{E349875C-6284-4A63-A688-68F32189A091}"/>
+                  </a:ext>
+                </a:extLst>
+              </p:cNvPr>
+              <p:cNvSpPr/>
+              <p:nvPr/>
+            </p:nvSpPr>
+            <p:spPr>
+              <a:xfrm>
+                <a:off x="5047861" y="4236098"/>
+                <a:ext cx="2397968" cy="2285991"/>
+              </a:xfrm>
+              <a:prstGeom prst="rect">
+                <a:avLst/>
+              </a:prstGeom>
+              <a:solidFill>
+                <a:schemeClr val="bg2">
+                  <a:lumMod val="75000"/>
+                </a:schemeClr>
+              </a:solidFill>
+              <a:ln>
+                <a:noFill/>
+              </a:ln>
+            </p:spPr>
+            <p:style>
+              <a:lnRef idx="2">
+                <a:schemeClr val="accent1">
+                  <a:shade val="50000"/>
+                </a:schemeClr>
+              </a:lnRef>
+              <a:fillRef idx="1">
+                <a:schemeClr val="accent1"/>
+              </a:fillRef>
+              <a:effectRef idx="0">
+                <a:schemeClr val="accent1"/>
+              </a:effectRef>
+              <a:fontRef idx="minor">
+                <a:schemeClr val="lt1"/>
+              </a:fontRef>
+            </p:style>
+            <p:txBody>
+              <a:bodyPr rtlCol="0" anchor="ctr"/>
+              <a:lstStyle/>
+              <a:p>
+                <a:pPr algn="ctr"/>
+                <a:endParaRPr lang="en-US"/>
+              </a:p>
+            </p:txBody>
+          </p:sp>
+          <p:sp>
+            <p:nvSpPr>
+              <p:cNvPr id="57" name="Rectangle 56">
+                <a:extLst>
+                  <a:ext uri="{FF2B5EF4-FFF2-40B4-BE49-F238E27FC236}">
+                    <a16:creationId xmlns:a16="http://schemas.microsoft.com/office/drawing/2014/main" id="{862493AF-2AFF-4E5D-A5B5-59BD7DEB0E32}"/>
+                  </a:ext>
+                </a:extLst>
+              </p:cNvPr>
+              <p:cNvSpPr/>
+              <p:nvPr/>
+            </p:nvSpPr>
+            <p:spPr>
+              <a:xfrm>
+                <a:off x="5402424" y="4584442"/>
+                <a:ext cx="1666580" cy="1620416"/>
+              </a:xfrm>
+              <a:prstGeom prst="rect">
+                <a:avLst/>
+              </a:prstGeom>
+              <a:solidFill>
+                <a:schemeClr val="bg1"/>
+              </a:solidFill>
+              <a:ln>
+                <a:noFill/>
+              </a:ln>
+            </p:spPr>
+            <p:style>
+              <a:lnRef idx="2">
+                <a:schemeClr val="accent1">
+                  <a:shade val="50000"/>
+                </a:schemeClr>
+              </a:lnRef>
+              <a:fillRef idx="1">
+                <a:schemeClr val="accent1"/>
+              </a:fillRef>
+              <a:effectRef idx="0">
+                <a:schemeClr val="accent1"/>
+              </a:effectRef>
+              <a:fontRef idx="minor">
+                <a:schemeClr val="lt1"/>
+              </a:fontRef>
+            </p:style>
+            <p:txBody>
+              <a:bodyPr rtlCol="0" anchor="ctr"/>
+              <a:lstStyle/>
+              <a:p>
+                <a:pPr algn="ctr"/>
+                <a:r>
+                  <a:rPr lang="en-US" sz="2800" i="1" dirty="0">
+                    <a:solidFill>
+                      <a:srgbClr val="00B0F0"/>
+                    </a:solidFill>
+                  </a:rPr>
+                  <a:t>A</a:t>
+                </a:r>
+              </a:p>
+            </p:txBody>
+          </p:sp>
+          <p:cxnSp>
+            <p:nvCxnSpPr>
+              <p:cNvPr id="58" name="Straight Connector 57">
+                <a:extLst>
+                  <a:ext uri="{FF2B5EF4-FFF2-40B4-BE49-F238E27FC236}">
+                    <a16:creationId xmlns:a16="http://schemas.microsoft.com/office/drawing/2014/main" id="{A0E5B05A-AB45-41CE-BFBF-0DBDEC2E95B5}"/>
+                  </a:ext>
+                </a:extLst>
+              </p:cNvPr>
+              <p:cNvCxnSpPr>
+                <a:cxnSpLocks/>
+              </p:cNvCxnSpPr>
+              <p:nvPr/>
+            </p:nvCxnSpPr>
+            <p:spPr>
+              <a:xfrm flipV="1">
+                <a:off x="6961702" y="4236098"/>
+                <a:ext cx="484127" cy="499054"/>
+              </a:xfrm>
+              <a:prstGeom prst="line">
+                <a:avLst/>
+              </a:prstGeom>
+              <a:ln w="15875">
+                <a:solidFill>
+                  <a:schemeClr val="bg1"/>
+                </a:solidFill>
+              </a:ln>
+            </p:spPr>
+            <p:style>
+              <a:lnRef idx="1">
+                <a:schemeClr val="accent1"/>
+              </a:lnRef>
+              <a:fillRef idx="0">
+                <a:schemeClr val="accent1"/>
+              </a:fillRef>
+              <a:effectRef idx="0">
+                <a:schemeClr val="accent1"/>
+              </a:effectRef>
+              <a:fontRef idx="minor">
+                <a:schemeClr val="tx1"/>
+              </a:fontRef>
+            </p:style>
+          </p:cxnSp>
+          <p:cxnSp>
+            <p:nvCxnSpPr>
+              <p:cNvPr id="59" name="Straight Connector 58">
+                <a:extLst>
+                  <a:ext uri="{FF2B5EF4-FFF2-40B4-BE49-F238E27FC236}">
+                    <a16:creationId xmlns:a16="http://schemas.microsoft.com/office/drawing/2014/main" id="{13478004-8FB2-4A1A-8B30-92D32729D9D1}"/>
+                  </a:ext>
+                </a:extLst>
+              </p:cNvPr>
+              <p:cNvCxnSpPr>
+                <a:cxnSpLocks/>
+              </p:cNvCxnSpPr>
+              <p:nvPr/>
+            </p:nvCxnSpPr>
+            <p:spPr>
+              <a:xfrm flipV="1">
+                <a:off x="5047861" y="6173744"/>
+                <a:ext cx="376825" cy="348345"/>
+              </a:xfrm>
+              <a:prstGeom prst="line">
+                <a:avLst/>
+              </a:prstGeom>
+              <a:ln w="15875">
+                <a:solidFill>
+                  <a:schemeClr val="bg1"/>
+                </a:solidFill>
+              </a:ln>
+            </p:spPr>
+            <p:style>
+              <a:lnRef idx="1">
+                <a:schemeClr val="accent1"/>
+              </a:lnRef>
+              <a:fillRef idx="0">
+                <a:schemeClr val="accent1"/>
+              </a:fillRef>
+              <a:effectRef idx="0">
+                <a:schemeClr val="accent1"/>
+              </a:effectRef>
+              <a:fontRef idx="minor">
+                <a:schemeClr val="tx1"/>
+              </a:fontRef>
+            </p:style>
+          </p:cxnSp>
+          <p:cxnSp>
+            <p:nvCxnSpPr>
+              <p:cNvPr id="60" name="Straight Connector 59">
+                <a:extLst>
+                  <a:ext uri="{FF2B5EF4-FFF2-40B4-BE49-F238E27FC236}">
+                    <a16:creationId xmlns:a16="http://schemas.microsoft.com/office/drawing/2014/main" id="{C881B5D8-33B9-468A-8356-C50F8AC1AE42}"/>
+                  </a:ext>
+                </a:extLst>
+              </p:cNvPr>
+              <p:cNvCxnSpPr>
+                <a:cxnSpLocks/>
+              </p:cNvCxnSpPr>
+              <p:nvPr/>
+            </p:nvCxnSpPr>
+            <p:spPr>
+              <a:xfrm>
+                <a:off x="4788158" y="3934414"/>
+                <a:ext cx="877652" cy="936166"/>
+              </a:xfrm>
+              <a:prstGeom prst="line">
+                <a:avLst/>
+              </a:prstGeom>
+              <a:ln w="15875">
+                <a:solidFill>
+                  <a:schemeClr val="bg1"/>
+                </a:solidFill>
+              </a:ln>
+            </p:spPr>
+            <p:style>
+              <a:lnRef idx="1">
+                <a:schemeClr val="accent1"/>
+              </a:lnRef>
+              <a:fillRef idx="0">
+                <a:schemeClr val="accent1"/>
+              </a:fillRef>
+              <a:effectRef idx="0">
+                <a:schemeClr val="accent1"/>
+              </a:effectRef>
+              <a:fontRef idx="minor">
+                <a:schemeClr val="tx1"/>
+              </a:fontRef>
+            </p:style>
+          </p:cxnSp>
+          <p:cxnSp>
+            <p:nvCxnSpPr>
+              <p:cNvPr id="61" name="Straight Connector 60">
+                <a:extLst>
+                  <a:ext uri="{FF2B5EF4-FFF2-40B4-BE49-F238E27FC236}">
+                    <a16:creationId xmlns:a16="http://schemas.microsoft.com/office/drawing/2014/main" id="{3943D128-A0BD-4BD0-879C-283C943F96CD}"/>
+                  </a:ext>
+                </a:extLst>
+              </p:cNvPr>
+              <p:cNvCxnSpPr>
+                <a:cxnSpLocks/>
+              </p:cNvCxnSpPr>
+              <p:nvPr/>
+            </p:nvCxnSpPr>
+            <p:spPr>
+              <a:xfrm>
+                <a:off x="6818591" y="5962261"/>
+                <a:ext cx="886941" cy="783772"/>
+              </a:xfrm>
+              <a:prstGeom prst="line">
+                <a:avLst/>
+              </a:prstGeom>
+              <a:ln w="15875">
+                <a:solidFill>
+                  <a:schemeClr val="bg1"/>
+                </a:solidFill>
+              </a:ln>
+            </p:spPr>
+            <p:style>
+              <a:lnRef idx="1">
+                <a:schemeClr val="accent1"/>
+              </a:lnRef>
+              <a:fillRef idx="0">
+                <a:schemeClr val="accent1"/>
+              </a:fillRef>
+              <a:effectRef idx="0">
+                <a:schemeClr val="accent1"/>
+              </a:effectRef>
+              <a:fontRef idx="minor">
+                <a:schemeClr val="tx1"/>
+              </a:fontRef>
+            </p:style>
+          </p:cxnSp>
+          <p:sp>
+            <p:nvSpPr>
+              <p:cNvPr id="62" name="TextBox 61">
+                <a:extLst>
+                  <a:ext uri="{FF2B5EF4-FFF2-40B4-BE49-F238E27FC236}">
+                    <a16:creationId xmlns:a16="http://schemas.microsoft.com/office/drawing/2014/main" id="{C486AED4-F24B-43EA-BC40-CDFEB4BBB107}"/>
+                  </a:ext>
+                </a:extLst>
+              </p:cNvPr>
+              <p:cNvSpPr txBox="1"/>
+              <p:nvPr/>
+            </p:nvSpPr>
+            <p:spPr>
+              <a:xfrm>
+                <a:off x="6554768" y="5240761"/>
+                <a:ext cx="527645" cy="307777"/>
+              </a:xfrm>
+              <a:prstGeom prst="rect">
+                <a:avLst/>
+              </a:prstGeom>
+              <a:noFill/>
+            </p:spPr>
+            <p:txBody>
+              <a:bodyPr wrap="none" rtlCol="0">
+                <a:spAutoFit/>
+              </a:bodyPr>
+              <a:lstStyle/>
+              <a:p>
+                <a:r>
+                  <a:rPr lang="en-US" sz="1400" i="1" dirty="0"/>
+                  <a:t>right</a:t>
+                </a:r>
+              </a:p>
+            </p:txBody>
+          </p:sp>
+          <p:sp>
+            <p:nvSpPr>
+              <p:cNvPr id="63" name="TextBox 62">
+                <a:extLst>
+                  <a:ext uri="{FF2B5EF4-FFF2-40B4-BE49-F238E27FC236}">
+                    <a16:creationId xmlns:a16="http://schemas.microsoft.com/office/drawing/2014/main" id="{295BB67A-91C2-4350-BFA0-92E5B2613F93}"/>
+                  </a:ext>
+                </a:extLst>
+              </p:cNvPr>
+              <p:cNvSpPr txBox="1"/>
+              <p:nvPr/>
+            </p:nvSpPr>
+            <p:spPr>
+              <a:xfrm>
+                <a:off x="5389015" y="5240761"/>
+                <a:ext cx="429926" cy="307777"/>
+              </a:xfrm>
+              <a:prstGeom prst="rect">
+                <a:avLst/>
+              </a:prstGeom>
+              <a:noFill/>
+            </p:spPr>
+            <p:txBody>
+              <a:bodyPr wrap="none" rtlCol="0">
+                <a:spAutoFit/>
+              </a:bodyPr>
+              <a:lstStyle/>
+              <a:p>
+                <a:r>
+                  <a:rPr lang="en-US" sz="1400" i="1" dirty="0"/>
+                  <a:t>left</a:t>
+                </a:r>
+              </a:p>
+            </p:txBody>
+          </p:sp>
+          <p:sp>
+            <p:nvSpPr>
+              <p:cNvPr id="64" name="TextBox 63">
+                <a:extLst>
+                  <a:ext uri="{FF2B5EF4-FFF2-40B4-BE49-F238E27FC236}">
+                    <a16:creationId xmlns:a16="http://schemas.microsoft.com/office/drawing/2014/main" id="{56E30D32-2FF6-48E2-A39B-E374CFC2C3C2}"/>
+                  </a:ext>
+                </a:extLst>
+              </p:cNvPr>
+              <p:cNvSpPr txBox="1"/>
+              <p:nvPr/>
+            </p:nvSpPr>
+            <p:spPr>
+              <a:xfrm>
+                <a:off x="6029478" y="5937243"/>
+                <a:ext cx="434734" cy="307777"/>
+              </a:xfrm>
+              <a:prstGeom prst="rect">
+                <a:avLst/>
+              </a:prstGeom>
+              <a:noFill/>
+            </p:spPr>
+            <p:txBody>
+              <a:bodyPr wrap="none" rtlCol="0">
+                <a:spAutoFit/>
+              </a:bodyPr>
+              <a:lstStyle/>
+              <a:p>
+                <a:r>
+                  <a:rPr lang="en-US" sz="1400" i="1" dirty="0"/>
+                  <a:t>bot</a:t>
+                </a:r>
+              </a:p>
+            </p:txBody>
+          </p:sp>
+          <p:sp>
+            <p:nvSpPr>
+              <p:cNvPr id="65" name="TextBox 64">
+                <a:extLst>
+                  <a:ext uri="{FF2B5EF4-FFF2-40B4-BE49-F238E27FC236}">
+                    <a16:creationId xmlns:a16="http://schemas.microsoft.com/office/drawing/2014/main" id="{1DB300ED-E2CE-40E7-BAA8-A44EF8CB923B}"/>
+                  </a:ext>
+                </a:extLst>
+              </p:cNvPr>
+              <p:cNvSpPr txBox="1"/>
+              <p:nvPr/>
+            </p:nvSpPr>
+            <p:spPr>
+              <a:xfrm>
+                <a:off x="6029478" y="4581264"/>
+                <a:ext cx="433004" cy="307777"/>
+              </a:xfrm>
+              <a:prstGeom prst="rect">
+                <a:avLst/>
+              </a:prstGeom>
+              <a:noFill/>
+            </p:spPr>
+            <p:txBody>
+              <a:bodyPr wrap="none" rtlCol="0">
+                <a:spAutoFit/>
+              </a:bodyPr>
+              <a:lstStyle/>
+              <a:p>
+                <a:r>
+                  <a:rPr lang="en-US" sz="1400" i="1" dirty="0"/>
+                  <a:t>top</a:t>
+                </a:r>
+              </a:p>
+            </p:txBody>
+          </p:sp>
+        </p:grpSp>
+        <p:cxnSp>
+          <p:nvCxnSpPr>
+            <p:cNvPr id="48" name="Straight Arrow Connector 47">
+              <a:extLst>
+                <a:ext uri="{FF2B5EF4-FFF2-40B4-BE49-F238E27FC236}">
+                  <a16:creationId xmlns:a16="http://schemas.microsoft.com/office/drawing/2014/main" id="{DE5D0DBF-3195-408B-AF85-5DAC955FEC86}"/>
+                </a:ext>
+              </a:extLst>
+            </p:cNvPr>
+            <p:cNvCxnSpPr>
+              <a:cxnSpLocks/>
+            </p:cNvCxnSpPr>
+            <p:nvPr/>
+          </p:nvCxnSpPr>
+          <p:spPr>
+            <a:xfrm>
+              <a:off x="6842560" y="5088294"/>
+              <a:ext cx="360673" cy="0"/>
+            </a:xfrm>
+            <a:prstGeom prst="straightConnector1">
+              <a:avLst/>
+            </a:prstGeom>
+            <a:ln w="25400">
+              <a:solidFill>
+                <a:schemeClr val="accent2">
+                  <a:lumMod val="75000"/>
+                </a:schemeClr>
+              </a:solidFill>
+              <a:tailEnd type="triangle"/>
+            </a:ln>
+          </p:spPr>
+          <p:style>
+            <a:lnRef idx="1">
+              <a:schemeClr val="accent1"/>
+            </a:lnRef>
+            <a:fillRef idx="0">
+              <a:schemeClr val="accent1"/>
+            </a:fillRef>
+            <a:effectRef idx="0">
+              <a:schemeClr val="accent1"/>
+            </a:effectRef>
+            <a:fontRef idx="minor">
+              <a:schemeClr val="tx1"/>
+            </a:fontRef>
+          </p:style>
+        </p:cxnSp>
+        <p:cxnSp>
+          <p:nvCxnSpPr>
+            <p:cNvPr id="49" name="Straight Arrow Connector 48">
+              <a:extLst>
+                <a:ext uri="{FF2B5EF4-FFF2-40B4-BE49-F238E27FC236}">
+                  <a16:creationId xmlns:a16="http://schemas.microsoft.com/office/drawing/2014/main" id="{DFB0B44A-134D-41DA-A6E4-BEA235610A7F}"/>
+                </a:ext>
+              </a:extLst>
+            </p:cNvPr>
+            <p:cNvCxnSpPr>
+              <a:cxnSpLocks/>
+            </p:cNvCxnSpPr>
+            <p:nvPr/>
+          </p:nvCxnSpPr>
+          <p:spPr>
+            <a:xfrm flipH="1">
+              <a:off x="6827037" y="5600889"/>
+              <a:ext cx="351369" cy="0"/>
+            </a:xfrm>
+            <a:prstGeom prst="straightConnector1">
+              <a:avLst/>
+            </a:prstGeom>
+            <a:ln w="25400">
+              <a:solidFill>
+                <a:schemeClr val="accent5">
+                  <a:lumMod val="75000"/>
+                </a:schemeClr>
+              </a:solidFill>
+              <a:tailEnd type="triangle"/>
+            </a:ln>
+          </p:spPr>
+          <p:style>
+            <a:lnRef idx="1">
+              <a:schemeClr val="accent1"/>
+            </a:lnRef>
+            <a:fillRef idx="0">
+              <a:schemeClr val="accent1"/>
+            </a:fillRef>
+            <a:effectRef idx="0">
+              <a:schemeClr val="accent1"/>
+            </a:effectRef>
+            <a:fontRef idx="minor">
+              <a:schemeClr val="tx1"/>
+            </a:fontRef>
+          </p:style>
+        </p:cxnSp>
+        <p:cxnSp>
+          <p:nvCxnSpPr>
+            <p:cNvPr id="50" name="Straight Arrow Connector 49">
+              <a:extLst>
+                <a:ext uri="{FF2B5EF4-FFF2-40B4-BE49-F238E27FC236}">
+                  <a16:creationId xmlns:a16="http://schemas.microsoft.com/office/drawing/2014/main" id="{B046B2DD-988E-4F2C-BAA5-E7A599D5739A}"/>
+                </a:ext>
+              </a:extLst>
+            </p:cNvPr>
+            <p:cNvCxnSpPr>
+              <a:cxnSpLocks/>
+            </p:cNvCxnSpPr>
+            <p:nvPr/>
+          </p:nvCxnSpPr>
+          <p:spPr>
+            <a:xfrm flipH="1">
+              <a:off x="6027458" y="6359558"/>
+              <a:ext cx="966" cy="274507"/>
+            </a:xfrm>
+            <a:prstGeom prst="straightConnector1">
+              <a:avLst/>
+            </a:prstGeom>
+            <a:ln w="25400">
+              <a:solidFill>
+                <a:schemeClr val="accent2">
+                  <a:lumMod val="75000"/>
+                </a:schemeClr>
+              </a:solidFill>
+              <a:tailEnd type="triangle"/>
+            </a:ln>
+          </p:spPr>
+          <p:style>
+            <a:lnRef idx="1">
+              <a:schemeClr val="accent1"/>
+            </a:lnRef>
+            <a:fillRef idx="0">
+              <a:schemeClr val="accent1"/>
+            </a:fillRef>
+            <a:effectRef idx="0">
+              <a:schemeClr val="accent1"/>
+            </a:effectRef>
+            <a:fontRef idx="minor">
+              <a:schemeClr val="tx1"/>
+            </a:fontRef>
+          </p:style>
+        </p:cxnSp>
+        <p:cxnSp>
+          <p:nvCxnSpPr>
+            <p:cNvPr id="51" name="Straight Arrow Connector 50">
+              <a:extLst>
+                <a:ext uri="{FF2B5EF4-FFF2-40B4-BE49-F238E27FC236}">
+                  <a16:creationId xmlns:a16="http://schemas.microsoft.com/office/drawing/2014/main" id="{F191ADB2-F9D8-46ED-98D8-B71AE95AEE78}"/>
+                </a:ext>
+              </a:extLst>
+            </p:cNvPr>
+            <p:cNvCxnSpPr>
+              <a:cxnSpLocks/>
+            </p:cNvCxnSpPr>
+            <p:nvPr/>
+          </p:nvCxnSpPr>
+          <p:spPr>
+            <a:xfrm flipV="1">
+              <a:off x="5587591" y="6359558"/>
+              <a:ext cx="0" cy="274507"/>
+            </a:xfrm>
+            <a:prstGeom prst="straightConnector1">
+              <a:avLst/>
+            </a:prstGeom>
+            <a:ln w="25400">
+              <a:solidFill>
+                <a:schemeClr val="accent5">
+                  <a:lumMod val="75000"/>
+                </a:schemeClr>
+              </a:solidFill>
+              <a:tailEnd type="triangle"/>
+            </a:ln>
+          </p:spPr>
+          <p:style>
+            <a:lnRef idx="1">
+              <a:schemeClr val="accent1"/>
+            </a:lnRef>
+            <a:fillRef idx="0">
+              <a:schemeClr val="accent1"/>
+            </a:fillRef>
+            <a:effectRef idx="0">
+              <a:schemeClr val="accent1"/>
+            </a:effectRef>
+            <a:fontRef idx="minor">
+              <a:schemeClr val="tx1"/>
+            </a:fontRef>
+          </p:style>
+        </p:cxnSp>
+        <p:cxnSp>
+          <p:nvCxnSpPr>
+            <p:cNvPr id="52" name="Straight Arrow Connector 51">
+              <a:extLst>
+                <a:ext uri="{FF2B5EF4-FFF2-40B4-BE49-F238E27FC236}">
+                  <a16:creationId xmlns:a16="http://schemas.microsoft.com/office/drawing/2014/main" id="{64A2ADAB-788F-4DA4-8D15-5382F1C81275}"/>
+                </a:ext>
+              </a:extLst>
+            </p:cNvPr>
+            <p:cNvCxnSpPr>
+              <a:cxnSpLocks/>
+            </p:cNvCxnSpPr>
+            <p:nvPr/>
+          </p:nvCxnSpPr>
+          <p:spPr>
+            <a:xfrm flipH="1" flipV="1">
+              <a:off x="6004942" y="4011255"/>
+              <a:ext cx="2525" cy="349913"/>
+            </a:xfrm>
+            <a:prstGeom prst="straightConnector1">
+              <a:avLst/>
+            </a:prstGeom>
+            <a:ln w="25400">
+              <a:solidFill>
+                <a:schemeClr val="accent2">
+                  <a:lumMod val="75000"/>
+                </a:schemeClr>
+              </a:solidFill>
+              <a:tailEnd type="triangle"/>
+            </a:ln>
+          </p:spPr>
+          <p:style>
+            <a:lnRef idx="1">
+              <a:schemeClr val="accent1"/>
+            </a:lnRef>
+            <a:fillRef idx="0">
+              <a:schemeClr val="accent1"/>
+            </a:fillRef>
+            <a:effectRef idx="0">
+              <a:schemeClr val="accent1"/>
+            </a:effectRef>
+            <a:fontRef idx="minor">
+              <a:schemeClr val="tx1"/>
+            </a:fontRef>
+          </p:style>
+        </p:cxnSp>
+        <p:cxnSp>
+          <p:nvCxnSpPr>
+            <p:cNvPr id="53" name="Straight Arrow Connector 52">
+              <a:extLst>
+                <a:ext uri="{FF2B5EF4-FFF2-40B4-BE49-F238E27FC236}">
+                  <a16:creationId xmlns:a16="http://schemas.microsoft.com/office/drawing/2014/main" id="{C0674196-DF03-4932-BF00-BF39CF5CD222}"/>
+                </a:ext>
+              </a:extLst>
+            </p:cNvPr>
+            <p:cNvCxnSpPr>
+              <a:cxnSpLocks/>
+            </p:cNvCxnSpPr>
+            <p:nvPr/>
+          </p:nvCxnSpPr>
+          <p:spPr>
+            <a:xfrm>
+              <a:off x="4422773" y="5600889"/>
+              <a:ext cx="380127" cy="0"/>
+            </a:xfrm>
+            <a:prstGeom prst="straightConnector1">
+              <a:avLst/>
+            </a:prstGeom>
+            <a:ln w="25400">
+              <a:solidFill>
+                <a:schemeClr val="accent5">
+                  <a:lumMod val="75000"/>
+                </a:schemeClr>
+              </a:solidFill>
+              <a:tailEnd type="triangle"/>
+            </a:ln>
+          </p:spPr>
+          <p:style>
+            <a:lnRef idx="1">
+              <a:schemeClr val="accent1"/>
+            </a:lnRef>
+            <a:fillRef idx="0">
+              <a:schemeClr val="accent1"/>
+            </a:fillRef>
+            <a:effectRef idx="0">
+              <a:schemeClr val="accent1"/>
+            </a:effectRef>
+            <a:fontRef idx="minor">
+              <a:schemeClr val="tx1"/>
+            </a:fontRef>
+          </p:style>
+        </p:cxnSp>
+        <p:cxnSp>
+          <p:nvCxnSpPr>
+            <p:cNvPr id="54" name="Straight Arrow Connector 53">
+              <a:extLst>
+                <a:ext uri="{FF2B5EF4-FFF2-40B4-BE49-F238E27FC236}">
+                  <a16:creationId xmlns:a16="http://schemas.microsoft.com/office/drawing/2014/main" id="{60D785DB-A488-46E2-A9E1-2E297D079D91}"/>
+                </a:ext>
+              </a:extLst>
+            </p:cNvPr>
+            <p:cNvCxnSpPr>
+              <a:cxnSpLocks/>
+            </p:cNvCxnSpPr>
+            <p:nvPr/>
+          </p:nvCxnSpPr>
+          <p:spPr>
+            <a:xfrm flipH="1">
+              <a:off x="4390458" y="5088294"/>
+              <a:ext cx="377699" cy="0"/>
+            </a:xfrm>
+            <a:prstGeom prst="straightConnector1">
+              <a:avLst/>
+            </a:prstGeom>
+            <a:ln w="25400">
+              <a:solidFill>
+                <a:schemeClr val="accent2">
+                  <a:lumMod val="75000"/>
+                </a:schemeClr>
+              </a:solidFill>
+              <a:tailEnd type="triangle"/>
+            </a:ln>
+          </p:spPr>
+          <p:style>
+            <a:lnRef idx="1">
+              <a:schemeClr val="accent1"/>
+            </a:lnRef>
+            <a:fillRef idx="0">
+              <a:schemeClr val="accent1"/>
+            </a:fillRef>
+            <a:effectRef idx="0">
+              <a:schemeClr val="accent1"/>
+            </a:effectRef>
+            <a:fontRef idx="minor">
+              <a:schemeClr val="tx1"/>
+            </a:fontRef>
+          </p:style>
+        </p:cxnSp>
+        <p:cxnSp>
+          <p:nvCxnSpPr>
+            <p:cNvPr id="55" name="Straight Arrow Connector 54">
+              <a:extLst>
+                <a:ext uri="{FF2B5EF4-FFF2-40B4-BE49-F238E27FC236}">
+                  <a16:creationId xmlns:a16="http://schemas.microsoft.com/office/drawing/2014/main" id="{D8BC6109-C805-4E30-AC51-C6F948D8B527}"/>
+                </a:ext>
+              </a:extLst>
+            </p:cNvPr>
+            <p:cNvCxnSpPr>
+              <a:cxnSpLocks/>
+            </p:cNvCxnSpPr>
+            <p:nvPr/>
+          </p:nvCxnSpPr>
+          <p:spPr>
+            <a:xfrm>
+              <a:off x="5598585" y="4011256"/>
+              <a:ext cx="0" cy="349912"/>
+            </a:xfrm>
+            <a:prstGeom prst="straightConnector1">
+              <a:avLst/>
+            </a:prstGeom>
+            <a:ln w="25400">
+              <a:solidFill>
+                <a:schemeClr val="accent5">
+                  <a:lumMod val="75000"/>
+                </a:schemeClr>
+              </a:solidFill>
+              <a:tailEnd type="triangle"/>
+            </a:ln>
+          </p:spPr>
+          <p:style>
+            <a:lnRef idx="1">
+              <a:schemeClr val="accent1"/>
+            </a:lnRef>
+            <a:fillRef idx="0">
+              <a:schemeClr val="accent1"/>
+            </a:fillRef>
+            <a:effectRef idx="0">
+              <a:schemeClr val="accent1"/>
+            </a:effectRef>
+            <a:fontRef idx="minor">
+              <a:schemeClr val="tx1"/>
+            </a:fontRef>
+          </p:style>
+        </p:cxnSp>
+      </p:grpSp>
+      <p:grpSp>
+        <p:nvGrpSpPr>
+          <p:cNvPr id="120" name="Group 119">
+            <a:extLst>
+              <a:ext uri="{FF2B5EF4-FFF2-40B4-BE49-F238E27FC236}">
+                <a16:creationId xmlns:a16="http://schemas.microsoft.com/office/drawing/2014/main" id="{6D52D401-65A6-4B7A-9EB4-A41C920159A7}"/>
+              </a:ext>
+            </a:extLst>
+          </p:cNvPr>
+          <p:cNvGrpSpPr/>
+          <p:nvPr/>
+        </p:nvGrpSpPr>
+        <p:grpSpPr>
+          <a:xfrm>
+            <a:off x="2417650" y="5876530"/>
+            <a:ext cx="539016" cy="506427"/>
+            <a:chOff x="2453834" y="5979035"/>
+            <a:chExt cx="539016" cy="506427"/>
+          </a:xfrm>
+        </p:grpSpPr>
+        <p:cxnSp>
+          <p:nvCxnSpPr>
+            <p:cNvPr id="67" name="Straight Connector 66">
+              <a:extLst>
+                <a:ext uri="{FF2B5EF4-FFF2-40B4-BE49-F238E27FC236}">
+                  <a16:creationId xmlns:a16="http://schemas.microsoft.com/office/drawing/2014/main" id="{F755FBF6-05C4-438B-988F-437893054138}"/>
+                </a:ext>
+              </a:extLst>
+            </p:cNvPr>
+            <p:cNvCxnSpPr>
+              <a:cxnSpLocks/>
+            </p:cNvCxnSpPr>
+            <p:nvPr/>
+          </p:nvCxnSpPr>
+          <p:spPr>
+            <a:xfrm flipH="1">
+              <a:off x="2453834" y="5999585"/>
+              <a:ext cx="502832" cy="485877"/>
+            </a:xfrm>
+            <a:prstGeom prst="line">
+              <a:avLst/>
+            </a:prstGeom>
+            <a:ln w="44450">
+              <a:solidFill>
+                <a:srgbClr val="FF0000"/>
+              </a:solidFill>
+            </a:ln>
+          </p:spPr>
+          <p:style>
+            <a:lnRef idx="1">
+              <a:schemeClr val="accent1"/>
+            </a:lnRef>
+            <a:fillRef idx="0">
+              <a:schemeClr val="accent1"/>
+            </a:fillRef>
+            <a:effectRef idx="0">
+              <a:schemeClr val="accent1"/>
+            </a:effectRef>
+            <a:fontRef idx="minor">
+              <a:schemeClr val="tx1"/>
+            </a:fontRef>
+          </p:style>
+        </p:cxnSp>
+        <p:cxnSp>
+          <p:nvCxnSpPr>
+            <p:cNvPr id="70" name="Straight Connector 69">
+              <a:extLst>
+                <a:ext uri="{FF2B5EF4-FFF2-40B4-BE49-F238E27FC236}">
+                  <a16:creationId xmlns:a16="http://schemas.microsoft.com/office/drawing/2014/main" id="{AA05346B-41B5-4838-8680-42EF88E7A6B1}"/>
+                </a:ext>
+              </a:extLst>
+            </p:cNvPr>
+            <p:cNvCxnSpPr>
+              <a:cxnSpLocks/>
+            </p:cNvCxnSpPr>
+            <p:nvPr/>
+          </p:nvCxnSpPr>
+          <p:spPr>
+            <a:xfrm flipH="1" flipV="1">
+              <a:off x="2490018" y="5979035"/>
+              <a:ext cx="502832" cy="506427"/>
+            </a:xfrm>
+            <a:prstGeom prst="line">
+              <a:avLst/>
+            </a:prstGeom>
+            <a:ln w="44450">
+              <a:solidFill>
+                <a:srgbClr val="FF0000"/>
+              </a:solidFill>
+            </a:ln>
+          </p:spPr>
+          <p:style>
+            <a:lnRef idx="1">
+              <a:schemeClr val="accent1"/>
+            </a:lnRef>
+            <a:fillRef idx="0">
+              <a:schemeClr val="accent1"/>
+            </a:fillRef>
+            <a:effectRef idx="0">
+              <a:schemeClr val="accent1"/>
+            </a:effectRef>
+            <a:fontRef idx="minor">
+              <a:schemeClr val="tx1"/>
+            </a:fontRef>
+          </p:style>
+        </p:cxnSp>
+      </p:grpSp>
+      <p:grpSp>
+        <p:nvGrpSpPr>
+          <p:cNvPr id="73" name="Group 72">
+            <a:extLst>
+              <a:ext uri="{FF2B5EF4-FFF2-40B4-BE49-F238E27FC236}">
+                <a16:creationId xmlns:a16="http://schemas.microsoft.com/office/drawing/2014/main" id="{391D1054-6D2B-4F7A-9958-942624879206}"/>
+              </a:ext>
+            </a:extLst>
+          </p:cNvPr>
+          <p:cNvGrpSpPr/>
+          <p:nvPr/>
+        </p:nvGrpSpPr>
+        <p:grpSpPr>
+          <a:xfrm>
+            <a:off x="6410246" y="238601"/>
+            <a:ext cx="2917374" cy="2811619"/>
+            <a:chOff x="4353134" y="3912117"/>
+            <a:chExt cx="2917374" cy="2811619"/>
+          </a:xfrm>
+        </p:grpSpPr>
+        <p:grpSp>
+          <p:nvGrpSpPr>
+            <p:cNvPr id="74" name="Group 73">
+              <a:extLst>
+                <a:ext uri="{FF2B5EF4-FFF2-40B4-BE49-F238E27FC236}">
+                  <a16:creationId xmlns:a16="http://schemas.microsoft.com/office/drawing/2014/main" id="{6B18146B-C837-4703-BF84-8B7E51BEC2CE}"/>
+                </a:ext>
+              </a:extLst>
+            </p:cNvPr>
+            <p:cNvGrpSpPr/>
+            <p:nvPr/>
+          </p:nvGrpSpPr>
+          <p:grpSpPr>
+            <a:xfrm>
+              <a:off x="4353134" y="3912117"/>
+              <a:ext cx="2917374" cy="2811619"/>
+              <a:chOff x="4788158" y="3934414"/>
+              <a:chExt cx="2917374" cy="2811619"/>
+            </a:xfrm>
+          </p:grpSpPr>
+          <p:sp>
+            <p:nvSpPr>
+              <p:cNvPr id="85" name="Rectangle 84">
+                <a:extLst>
+                  <a:ext uri="{FF2B5EF4-FFF2-40B4-BE49-F238E27FC236}">
+                    <a16:creationId xmlns:a16="http://schemas.microsoft.com/office/drawing/2014/main" id="{336743AE-304E-479C-9303-B1D5D8066F1A}"/>
+                  </a:ext>
+                </a:extLst>
+              </p:cNvPr>
+              <p:cNvSpPr/>
+              <p:nvPr/>
+            </p:nvSpPr>
+            <p:spPr>
+              <a:xfrm>
+                <a:off x="5047861" y="4236098"/>
+                <a:ext cx="2397968" cy="2285991"/>
+              </a:xfrm>
+              <a:prstGeom prst="rect">
+                <a:avLst/>
+              </a:prstGeom>
+              <a:solidFill>
+                <a:schemeClr val="bg2">
+                  <a:lumMod val="75000"/>
+                </a:schemeClr>
+              </a:solidFill>
+              <a:ln>
+                <a:noFill/>
+              </a:ln>
+            </p:spPr>
+            <p:style>
+              <a:lnRef idx="2">
+                <a:schemeClr val="accent1">
+                  <a:shade val="50000"/>
+                </a:schemeClr>
+              </a:lnRef>
+              <a:fillRef idx="1">
+                <a:schemeClr val="accent1"/>
+              </a:fillRef>
+              <a:effectRef idx="0">
+                <a:schemeClr val="accent1"/>
+              </a:effectRef>
+              <a:fontRef idx="minor">
+                <a:schemeClr val="lt1"/>
+              </a:fontRef>
+            </p:style>
+            <p:txBody>
+              <a:bodyPr rtlCol="0" anchor="ctr"/>
+              <a:lstStyle/>
+              <a:p>
+                <a:pPr algn="ctr"/>
+                <a:endParaRPr lang="en-US"/>
+              </a:p>
+            </p:txBody>
+          </p:sp>
+          <p:sp>
+            <p:nvSpPr>
+              <p:cNvPr id="86" name="Rectangle 85">
+                <a:extLst>
+                  <a:ext uri="{FF2B5EF4-FFF2-40B4-BE49-F238E27FC236}">
+                    <a16:creationId xmlns:a16="http://schemas.microsoft.com/office/drawing/2014/main" id="{7CECC846-102A-47B7-8DF5-D64D53B2780C}"/>
+                  </a:ext>
+                </a:extLst>
+              </p:cNvPr>
+              <p:cNvSpPr/>
+              <p:nvPr/>
+            </p:nvSpPr>
+            <p:spPr>
+              <a:xfrm>
+                <a:off x="5402424" y="4584442"/>
+                <a:ext cx="1666580" cy="1620416"/>
+              </a:xfrm>
+              <a:prstGeom prst="rect">
+                <a:avLst/>
+              </a:prstGeom>
+              <a:solidFill>
+                <a:schemeClr val="bg1"/>
+              </a:solidFill>
+              <a:ln>
+                <a:noFill/>
+              </a:ln>
+            </p:spPr>
+            <p:style>
+              <a:lnRef idx="2">
+                <a:schemeClr val="accent1">
+                  <a:shade val="50000"/>
+                </a:schemeClr>
+              </a:lnRef>
+              <a:fillRef idx="1">
+                <a:schemeClr val="accent1"/>
+              </a:fillRef>
+              <a:effectRef idx="0">
+                <a:schemeClr val="accent1"/>
+              </a:effectRef>
+              <a:fontRef idx="minor">
+                <a:schemeClr val="lt1"/>
+              </a:fontRef>
+            </p:style>
+            <p:txBody>
+              <a:bodyPr rtlCol="0" anchor="ctr"/>
+              <a:lstStyle/>
+              <a:p>
+                <a:pPr algn="ctr"/>
+                <a:r>
+                  <a:rPr lang="en-US" sz="2800" i="1" dirty="0">
+                    <a:solidFill>
+                      <a:srgbClr val="00B050"/>
+                    </a:solidFill>
+                  </a:rPr>
+                  <a:t>B</a:t>
+                </a:r>
+              </a:p>
+            </p:txBody>
+          </p:sp>
+          <p:cxnSp>
+            <p:nvCxnSpPr>
+              <p:cNvPr id="87" name="Straight Connector 86">
+                <a:extLst>
+                  <a:ext uri="{FF2B5EF4-FFF2-40B4-BE49-F238E27FC236}">
+                    <a16:creationId xmlns:a16="http://schemas.microsoft.com/office/drawing/2014/main" id="{7B0FAB85-6348-48D8-A75F-0C32B48A934C}"/>
+                  </a:ext>
+                </a:extLst>
+              </p:cNvPr>
+              <p:cNvCxnSpPr>
+                <a:cxnSpLocks/>
+              </p:cNvCxnSpPr>
+              <p:nvPr/>
+            </p:nvCxnSpPr>
+            <p:spPr>
+              <a:xfrm flipV="1">
+                <a:off x="6961702" y="4236098"/>
+                <a:ext cx="484127" cy="499054"/>
+              </a:xfrm>
+              <a:prstGeom prst="line">
+                <a:avLst/>
+              </a:prstGeom>
+              <a:ln w="15875">
+                <a:solidFill>
+                  <a:schemeClr val="bg1"/>
+                </a:solidFill>
+              </a:ln>
+            </p:spPr>
+            <p:style>
+              <a:lnRef idx="1">
+                <a:schemeClr val="accent1"/>
+              </a:lnRef>
+              <a:fillRef idx="0">
+                <a:schemeClr val="accent1"/>
+              </a:fillRef>
+              <a:effectRef idx="0">
+                <a:schemeClr val="accent1"/>
+              </a:effectRef>
+              <a:fontRef idx="minor">
+                <a:schemeClr val="tx1"/>
+              </a:fontRef>
+            </p:style>
+          </p:cxnSp>
+          <p:cxnSp>
+            <p:nvCxnSpPr>
+              <p:cNvPr id="88" name="Straight Connector 87">
+                <a:extLst>
+                  <a:ext uri="{FF2B5EF4-FFF2-40B4-BE49-F238E27FC236}">
+                    <a16:creationId xmlns:a16="http://schemas.microsoft.com/office/drawing/2014/main" id="{76F36F38-691F-4C6B-B6B6-6E6057790434}"/>
+                  </a:ext>
+                </a:extLst>
+              </p:cNvPr>
+              <p:cNvCxnSpPr>
+                <a:cxnSpLocks/>
+              </p:cNvCxnSpPr>
+              <p:nvPr/>
+            </p:nvCxnSpPr>
+            <p:spPr>
+              <a:xfrm flipV="1">
+                <a:off x="5047861" y="6173744"/>
+                <a:ext cx="376825" cy="348345"/>
+              </a:xfrm>
+              <a:prstGeom prst="line">
+                <a:avLst/>
+              </a:prstGeom>
+              <a:ln w="15875">
+                <a:solidFill>
+                  <a:schemeClr val="bg1"/>
+                </a:solidFill>
+              </a:ln>
+            </p:spPr>
+            <p:style>
+              <a:lnRef idx="1">
+                <a:schemeClr val="accent1"/>
+              </a:lnRef>
+              <a:fillRef idx="0">
+                <a:schemeClr val="accent1"/>
+              </a:fillRef>
+              <a:effectRef idx="0">
+                <a:schemeClr val="accent1"/>
+              </a:effectRef>
+              <a:fontRef idx="minor">
+                <a:schemeClr val="tx1"/>
+              </a:fontRef>
+            </p:style>
+          </p:cxnSp>
+          <p:cxnSp>
+            <p:nvCxnSpPr>
+              <p:cNvPr id="89" name="Straight Connector 88">
+                <a:extLst>
+                  <a:ext uri="{FF2B5EF4-FFF2-40B4-BE49-F238E27FC236}">
+                    <a16:creationId xmlns:a16="http://schemas.microsoft.com/office/drawing/2014/main" id="{6AB3E86D-21B5-4A47-AFC4-4078AA0D36AB}"/>
+                  </a:ext>
+                </a:extLst>
+              </p:cNvPr>
+              <p:cNvCxnSpPr>
+                <a:cxnSpLocks/>
+              </p:cNvCxnSpPr>
+              <p:nvPr/>
+            </p:nvCxnSpPr>
+            <p:spPr>
+              <a:xfrm>
+                <a:off x="4788158" y="3934414"/>
+                <a:ext cx="877652" cy="936166"/>
+              </a:xfrm>
+              <a:prstGeom prst="line">
+                <a:avLst/>
+              </a:prstGeom>
+              <a:ln w="15875">
+                <a:solidFill>
+                  <a:schemeClr val="bg1"/>
+                </a:solidFill>
+              </a:ln>
+            </p:spPr>
+            <p:style>
+              <a:lnRef idx="1">
+                <a:schemeClr val="accent1"/>
+              </a:lnRef>
+              <a:fillRef idx="0">
+                <a:schemeClr val="accent1"/>
+              </a:fillRef>
+              <a:effectRef idx="0">
+                <a:schemeClr val="accent1"/>
+              </a:effectRef>
+              <a:fontRef idx="minor">
+                <a:schemeClr val="tx1"/>
+              </a:fontRef>
+            </p:style>
+          </p:cxnSp>
+          <p:cxnSp>
+            <p:nvCxnSpPr>
+              <p:cNvPr id="90" name="Straight Connector 89">
+                <a:extLst>
+                  <a:ext uri="{FF2B5EF4-FFF2-40B4-BE49-F238E27FC236}">
+                    <a16:creationId xmlns:a16="http://schemas.microsoft.com/office/drawing/2014/main" id="{507EF018-E8E6-4564-BE46-4FAD92EF8048}"/>
+                  </a:ext>
+                </a:extLst>
+              </p:cNvPr>
+              <p:cNvCxnSpPr>
+                <a:cxnSpLocks/>
+              </p:cNvCxnSpPr>
+              <p:nvPr/>
+            </p:nvCxnSpPr>
+            <p:spPr>
+              <a:xfrm>
+                <a:off x="6818591" y="5962261"/>
+                <a:ext cx="886941" cy="783772"/>
+              </a:xfrm>
+              <a:prstGeom prst="line">
+                <a:avLst/>
+              </a:prstGeom>
+              <a:ln w="15875">
+                <a:solidFill>
+                  <a:schemeClr val="bg1"/>
+                </a:solidFill>
+              </a:ln>
+            </p:spPr>
+            <p:style>
+              <a:lnRef idx="1">
+                <a:schemeClr val="accent1"/>
+              </a:lnRef>
+              <a:fillRef idx="0">
+                <a:schemeClr val="accent1"/>
+              </a:fillRef>
+              <a:effectRef idx="0">
+                <a:schemeClr val="accent1"/>
+              </a:effectRef>
+              <a:fontRef idx="minor">
+                <a:schemeClr val="tx1"/>
+              </a:fontRef>
+            </p:style>
+          </p:cxnSp>
+          <p:sp>
+            <p:nvSpPr>
+              <p:cNvPr id="91" name="TextBox 90">
+                <a:extLst>
+                  <a:ext uri="{FF2B5EF4-FFF2-40B4-BE49-F238E27FC236}">
+                    <a16:creationId xmlns:a16="http://schemas.microsoft.com/office/drawing/2014/main" id="{DA6D5887-9377-4499-8A29-B665CC6C839C}"/>
+                  </a:ext>
+                </a:extLst>
+              </p:cNvPr>
+              <p:cNvSpPr txBox="1"/>
+              <p:nvPr/>
+            </p:nvSpPr>
+            <p:spPr>
+              <a:xfrm>
+                <a:off x="6554768" y="5240761"/>
+                <a:ext cx="527645" cy="307777"/>
+              </a:xfrm>
+              <a:prstGeom prst="rect">
+                <a:avLst/>
+              </a:prstGeom>
+              <a:noFill/>
+            </p:spPr>
+            <p:txBody>
+              <a:bodyPr wrap="none" rtlCol="0">
+                <a:spAutoFit/>
+              </a:bodyPr>
+              <a:lstStyle/>
+              <a:p>
+                <a:r>
+                  <a:rPr lang="en-US" sz="1400" i="1" dirty="0"/>
+                  <a:t>right</a:t>
+                </a:r>
+              </a:p>
+            </p:txBody>
+          </p:sp>
+          <p:sp>
+            <p:nvSpPr>
+              <p:cNvPr id="92" name="TextBox 91">
+                <a:extLst>
+                  <a:ext uri="{FF2B5EF4-FFF2-40B4-BE49-F238E27FC236}">
+                    <a16:creationId xmlns:a16="http://schemas.microsoft.com/office/drawing/2014/main" id="{2BB7C34A-D2E5-487A-91C3-77FA1B02CA68}"/>
+                  </a:ext>
+                </a:extLst>
+              </p:cNvPr>
+              <p:cNvSpPr txBox="1"/>
+              <p:nvPr/>
+            </p:nvSpPr>
+            <p:spPr>
+              <a:xfrm>
+                <a:off x="5389015" y="5240761"/>
+                <a:ext cx="429926" cy="307777"/>
+              </a:xfrm>
+              <a:prstGeom prst="rect">
+                <a:avLst/>
+              </a:prstGeom>
+              <a:noFill/>
+            </p:spPr>
+            <p:txBody>
+              <a:bodyPr wrap="none" rtlCol="0">
+                <a:spAutoFit/>
+              </a:bodyPr>
+              <a:lstStyle/>
+              <a:p>
+                <a:r>
+                  <a:rPr lang="en-US" sz="1400" i="1" dirty="0"/>
+                  <a:t>left</a:t>
+                </a:r>
+              </a:p>
+            </p:txBody>
+          </p:sp>
+          <p:sp>
+            <p:nvSpPr>
+              <p:cNvPr id="93" name="TextBox 92">
+                <a:extLst>
+                  <a:ext uri="{FF2B5EF4-FFF2-40B4-BE49-F238E27FC236}">
+                    <a16:creationId xmlns:a16="http://schemas.microsoft.com/office/drawing/2014/main" id="{905D6141-E655-4F40-A35C-863D25B18885}"/>
+                  </a:ext>
+                </a:extLst>
+              </p:cNvPr>
+              <p:cNvSpPr txBox="1"/>
+              <p:nvPr/>
+            </p:nvSpPr>
+            <p:spPr>
+              <a:xfrm>
+                <a:off x="6029478" y="5937243"/>
+                <a:ext cx="434734" cy="307777"/>
+              </a:xfrm>
+              <a:prstGeom prst="rect">
+                <a:avLst/>
+              </a:prstGeom>
+              <a:noFill/>
+            </p:spPr>
+            <p:txBody>
+              <a:bodyPr wrap="none" rtlCol="0">
+                <a:spAutoFit/>
+              </a:bodyPr>
+              <a:lstStyle/>
+              <a:p>
+                <a:r>
+                  <a:rPr lang="en-US" sz="1400" i="1" dirty="0"/>
+                  <a:t>bot</a:t>
+                </a:r>
+              </a:p>
+            </p:txBody>
+          </p:sp>
+          <p:sp>
+            <p:nvSpPr>
+              <p:cNvPr id="94" name="TextBox 93">
+                <a:extLst>
+                  <a:ext uri="{FF2B5EF4-FFF2-40B4-BE49-F238E27FC236}">
+                    <a16:creationId xmlns:a16="http://schemas.microsoft.com/office/drawing/2014/main" id="{1F75F55F-7843-4C1C-8F2F-5A3C2D6FE177}"/>
+                  </a:ext>
+                </a:extLst>
+              </p:cNvPr>
+              <p:cNvSpPr txBox="1"/>
+              <p:nvPr/>
+            </p:nvSpPr>
+            <p:spPr>
+              <a:xfrm>
+                <a:off x="6029478" y="4581264"/>
+                <a:ext cx="433004" cy="307777"/>
+              </a:xfrm>
+              <a:prstGeom prst="rect">
+                <a:avLst/>
+              </a:prstGeom>
+              <a:noFill/>
+            </p:spPr>
+            <p:txBody>
+              <a:bodyPr wrap="none" rtlCol="0">
+                <a:spAutoFit/>
+              </a:bodyPr>
+              <a:lstStyle/>
+              <a:p>
+                <a:r>
+                  <a:rPr lang="en-US" sz="1400" i="1" dirty="0"/>
+                  <a:t>top</a:t>
+                </a:r>
+              </a:p>
+            </p:txBody>
+          </p:sp>
+        </p:grpSp>
+        <p:cxnSp>
+          <p:nvCxnSpPr>
+            <p:cNvPr id="75" name="Straight Arrow Connector 74">
+              <a:extLst>
+                <a:ext uri="{FF2B5EF4-FFF2-40B4-BE49-F238E27FC236}">
+                  <a16:creationId xmlns:a16="http://schemas.microsoft.com/office/drawing/2014/main" id="{7AD0B854-D701-403B-88E6-7D5519E62A98}"/>
+                </a:ext>
+              </a:extLst>
+            </p:cNvPr>
+            <p:cNvCxnSpPr>
+              <a:cxnSpLocks/>
+            </p:cNvCxnSpPr>
+            <p:nvPr/>
+          </p:nvCxnSpPr>
+          <p:spPr>
+            <a:xfrm>
+              <a:off x="6842560" y="4945225"/>
+              <a:ext cx="360673" cy="0"/>
+            </a:xfrm>
+            <a:prstGeom prst="straightConnector1">
+              <a:avLst/>
+            </a:prstGeom>
+            <a:ln w="25400">
+              <a:solidFill>
+                <a:schemeClr val="accent2">
+                  <a:lumMod val="75000"/>
+                </a:schemeClr>
+              </a:solidFill>
+              <a:tailEnd type="triangle"/>
+            </a:ln>
+          </p:spPr>
+          <p:style>
+            <a:lnRef idx="1">
+              <a:schemeClr val="accent1"/>
+            </a:lnRef>
+            <a:fillRef idx="0">
+              <a:schemeClr val="accent1"/>
+            </a:fillRef>
+            <a:effectRef idx="0">
+              <a:schemeClr val="accent1"/>
+            </a:effectRef>
+            <a:fontRef idx="minor">
+              <a:schemeClr val="tx1"/>
+            </a:fontRef>
+          </p:style>
+        </p:cxnSp>
+        <p:cxnSp>
+          <p:nvCxnSpPr>
+            <p:cNvPr id="76" name="Straight Arrow Connector 75">
+              <a:extLst>
+                <a:ext uri="{FF2B5EF4-FFF2-40B4-BE49-F238E27FC236}">
+                  <a16:creationId xmlns:a16="http://schemas.microsoft.com/office/drawing/2014/main" id="{6CDDD673-18F9-40DE-988A-B39FE7A24E0E}"/>
+                </a:ext>
+              </a:extLst>
+            </p:cNvPr>
+            <p:cNvCxnSpPr>
+              <a:cxnSpLocks/>
+            </p:cNvCxnSpPr>
+            <p:nvPr/>
+          </p:nvCxnSpPr>
+          <p:spPr>
+            <a:xfrm>
+              <a:off x="6842560" y="5088294"/>
+              <a:ext cx="360673" cy="0"/>
+            </a:xfrm>
+            <a:prstGeom prst="straightConnector1">
+              <a:avLst/>
+            </a:prstGeom>
+            <a:ln w="25400">
+              <a:solidFill>
+                <a:schemeClr val="accent2">
+                  <a:lumMod val="75000"/>
+                </a:schemeClr>
+              </a:solidFill>
+              <a:tailEnd type="triangle"/>
+            </a:ln>
+          </p:spPr>
+          <p:style>
+            <a:lnRef idx="1">
+              <a:schemeClr val="accent1"/>
+            </a:lnRef>
+            <a:fillRef idx="0">
+              <a:schemeClr val="accent1"/>
+            </a:fillRef>
+            <a:effectRef idx="0">
+              <a:schemeClr val="accent1"/>
+            </a:effectRef>
+            <a:fontRef idx="minor">
+              <a:schemeClr val="tx1"/>
+            </a:fontRef>
+          </p:style>
+        </p:cxnSp>
+        <p:cxnSp>
+          <p:nvCxnSpPr>
+            <p:cNvPr id="77" name="Straight Arrow Connector 76">
+              <a:extLst>
+                <a:ext uri="{FF2B5EF4-FFF2-40B4-BE49-F238E27FC236}">
+                  <a16:creationId xmlns:a16="http://schemas.microsoft.com/office/drawing/2014/main" id="{B70D4796-3657-4F3B-8C08-007C930D2B7B}"/>
+                </a:ext>
+              </a:extLst>
+            </p:cNvPr>
+            <p:cNvCxnSpPr>
+              <a:cxnSpLocks/>
+            </p:cNvCxnSpPr>
+            <p:nvPr/>
+          </p:nvCxnSpPr>
+          <p:spPr>
+            <a:xfrm flipH="1">
+              <a:off x="6827037" y="5600889"/>
+              <a:ext cx="351369" cy="0"/>
+            </a:xfrm>
+            <a:prstGeom prst="straightConnector1">
+              <a:avLst/>
+            </a:prstGeom>
+            <a:ln w="25400">
+              <a:solidFill>
+                <a:schemeClr val="accent5">
+                  <a:lumMod val="75000"/>
+                </a:schemeClr>
+              </a:solidFill>
+              <a:tailEnd type="triangle"/>
+            </a:ln>
+          </p:spPr>
+          <p:style>
+            <a:lnRef idx="1">
+              <a:schemeClr val="accent1"/>
+            </a:lnRef>
+            <a:fillRef idx="0">
+              <a:schemeClr val="accent1"/>
+            </a:fillRef>
+            <a:effectRef idx="0">
+              <a:schemeClr val="accent1"/>
+            </a:effectRef>
+            <a:fontRef idx="minor">
+              <a:schemeClr val="tx1"/>
+            </a:fontRef>
+          </p:style>
+        </p:cxnSp>
+        <p:cxnSp>
+          <p:nvCxnSpPr>
+            <p:cNvPr id="78" name="Straight Arrow Connector 77">
+              <a:extLst>
+                <a:ext uri="{FF2B5EF4-FFF2-40B4-BE49-F238E27FC236}">
+                  <a16:creationId xmlns:a16="http://schemas.microsoft.com/office/drawing/2014/main" id="{9C43E209-1526-463A-B817-A2D28FC8143F}"/>
+                </a:ext>
+              </a:extLst>
+            </p:cNvPr>
+            <p:cNvCxnSpPr>
+              <a:cxnSpLocks/>
+            </p:cNvCxnSpPr>
+            <p:nvPr/>
+          </p:nvCxnSpPr>
+          <p:spPr>
+            <a:xfrm flipH="1">
+              <a:off x="6827036" y="5743958"/>
+              <a:ext cx="351369" cy="0"/>
+            </a:xfrm>
+            <a:prstGeom prst="straightConnector1">
+              <a:avLst/>
+            </a:prstGeom>
+            <a:ln w="25400">
+              <a:solidFill>
+                <a:schemeClr val="accent5">
+                  <a:lumMod val="75000"/>
+                </a:schemeClr>
+              </a:solidFill>
+              <a:tailEnd type="triangle"/>
+            </a:ln>
+          </p:spPr>
+          <p:style>
+            <a:lnRef idx="1">
+              <a:schemeClr val="accent1"/>
+            </a:lnRef>
+            <a:fillRef idx="0">
+              <a:schemeClr val="accent1"/>
+            </a:fillRef>
+            <a:effectRef idx="0">
+              <a:schemeClr val="accent1"/>
+            </a:effectRef>
+            <a:fontRef idx="minor">
+              <a:schemeClr val="tx1"/>
+            </a:fontRef>
+          </p:style>
+        </p:cxnSp>
+        <p:cxnSp>
+          <p:nvCxnSpPr>
+            <p:cNvPr id="79" name="Straight Arrow Connector 78">
+              <a:extLst>
+                <a:ext uri="{FF2B5EF4-FFF2-40B4-BE49-F238E27FC236}">
+                  <a16:creationId xmlns:a16="http://schemas.microsoft.com/office/drawing/2014/main" id="{E9505E38-0044-487F-88AA-CD8BD70C4143}"/>
+                </a:ext>
+              </a:extLst>
+            </p:cNvPr>
+            <p:cNvCxnSpPr>
+              <a:cxnSpLocks/>
+            </p:cNvCxnSpPr>
+            <p:nvPr/>
+          </p:nvCxnSpPr>
+          <p:spPr>
+            <a:xfrm flipH="1">
+              <a:off x="6027458" y="6359558"/>
+              <a:ext cx="966" cy="274507"/>
+            </a:xfrm>
+            <a:prstGeom prst="straightConnector1">
+              <a:avLst/>
+            </a:prstGeom>
+            <a:ln w="25400">
+              <a:solidFill>
+                <a:schemeClr val="accent2">
+                  <a:lumMod val="75000"/>
+                </a:schemeClr>
+              </a:solidFill>
+              <a:tailEnd type="triangle"/>
+            </a:ln>
+          </p:spPr>
+          <p:style>
+            <a:lnRef idx="1">
+              <a:schemeClr val="accent1"/>
+            </a:lnRef>
+            <a:fillRef idx="0">
+              <a:schemeClr val="accent1"/>
+            </a:fillRef>
+            <a:effectRef idx="0">
+              <a:schemeClr val="accent1"/>
+            </a:effectRef>
+            <a:fontRef idx="minor">
+              <a:schemeClr val="tx1"/>
+            </a:fontRef>
+          </p:style>
+        </p:cxnSp>
+        <p:cxnSp>
+          <p:nvCxnSpPr>
+            <p:cNvPr id="80" name="Straight Arrow Connector 79">
+              <a:extLst>
+                <a:ext uri="{FF2B5EF4-FFF2-40B4-BE49-F238E27FC236}">
+                  <a16:creationId xmlns:a16="http://schemas.microsoft.com/office/drawing/2014/main" id="{13FF955C-8FDC-432D-8177-DD6287B4D2D1}"/>
+                </a:ext>
+              </a:extLst>
+            </p:cNvPr>
+            <p:cNvCxnSpPr>
+              <a:cxnSpLocks/>
+            </p:cNvCxnSpPr>
+            <p:nvPr/>
+          </p:nvCxnSpPr>
+          <p:spPr>
+            <a:xfrm flipV="1">
+              <a:off x="5587591" y="6359558"/>
+              <a:ext cx="0" cy="274507"/>
+            </a:xfrm>
+            <a:prstGeom prst="straightConnector1">
+              <a:avLst/>
+            </a:prstGeom>
+            <a:ln w="25400">
+              <a:solidFill>
+                <a:schemeClr val="accent5">
+                  <a:lumMod val="75000"/>
+                </a:schemeClr>
+              </a:solidFill>
+              <a:tailEnd type="triangle"/>
+            </a:ln>
+          </p:spPr>
+          <p:style>
+            <a:lnRef idx="1">
+              <a:schemeClr val="accent1"/>
+            </a:lnRef>
+            <a:fillRef idx="0">
+              <a:schemeClr val="accent1"/>
+            </a:fillRef>
+            <a:effectRef idx="0">
+              <a:schemeClr val="accent1"/>
+            </a:effectRef>
+            <a:fontRef idx="minor">
+              <a:schemeClr val="tx1"/>
+            </a:fontRef>
+          </p:style>
+        </p:cxnSp>
+        <p:cxnSp>
+          <p:nvCxnSpPr>
+            <p:cNvPr id="81" name="Straight Arrow Connector 80">
+              <a:extLst>
+                <a:ext uri="{FF2B5EF4-FFF2-40B4-BE49-F238E27FC236}">
+                  <a16:creationId xmlns:a16="http://schemas.microsoft.com/office/drawing/2014/main" id="{22F1EDA5-1F9E-46E1-91FB-5F91AEA3A49E}"/>
+                </a:ext>
+              </a:extLst>
+            </p:cNvPr>
+            <p:cNvCxnSpPr>
+              <a:cxnSpLocks/>
+            </p:cNvCxnSpPr>
+            <p:nvPr/>
+          </p:nvCxnSpPr>
+          <p:spPr>
+            <a:xfrm flipH="1">
+              <a:off x="4390458" y="4945226"/>
+              <a:ext cx="380127" cy="0"/>
+            </a:xfrm>
+            <a:prstGeom prst="straightConnector1">
+              <a:avLst/>
+            </a:prstGeom>
+            <a:ln w="25400">
+              <a:solidFill>
+                <a:schemeClr val="accent2">
+                  <a:lumMod val="75000"/>
+                </a:schemeClr>
+              </a:solidFill>
+              <a:tailEnd type="triangle"/>
+            </a:ln>
+          </p:spPr>
+          <p:style>
+            <a:lnRef idx="1">
+              <a:schemeClr val="accent1"/>
+            </a:lnRef>
+            <a:fillRef idx="0">
+              <a:schemeClr val="accent1"/>
+            </a:fillRef>
+            <a:effectRef idx="0">
+              <a:schemeClr val="accent1"/>
+            </a:effectRef>
+            <a:fontRef idx="minor">
+              <a:schemeClr val="tx1"/>
+            </a:fontRef>
+          </p:style>
+        </p:cxnSp>
+        <p:cxnSp>
+          <p:nvCxnSpPr>
+            <p:cNvPr id="82" name="Straight Arrow Connector 81">
+              <a:extLst>
+                <a:ext uri="{FF2B5EF4-FFF2-40B4-BE49-F238E27FC236}">
+                  <a16:creationId xmlns:a16="http://schemas.microsoft.com/office/drawing/2014/main" id="{2CC82423-A66E-49A6-ADC1-E3E84E3F6AF5}"/>
+                </a:ext>
+              </a:extLst>
+            </p:cNvPr>
+            <p:cNvCxnSpPr>
+              <a:cxnSpLocks/>
+            </p:cNvCxnSpPr>
+            <p:nvPr/>
+          </p:nvCxnSpPr>
+          <p:spPr>
+            <a:xfrm>
+              <a:off x="4422773" y="5600889"/>
+              <a:ext cx="380127" cy="0"/>
+            </a:xfrm>
+            <a:prstGeom prst="straightConnector1">
+              <a:avLst/>
+            </a:prstGeom>
+            <a:ln w="25400">
+              <a:solidFill>
+                <a:schemeClr val="accent5">
+                  <a:lumMod val="75000"/>
+                </a:schemeClr>
+              </a:solidFill>
+              <a:tailEnd type="triangle"/>
+            </a:ln>
+          </p:spPr>
+          <p:style>
+            <a:lnRef idx="1">
+              <a:schemeClr val="accent1"/>
+            </a:lnRef>
+            <a:fillRef idx="0">
+              <a:schemeClr val="accent1"/>
+            </a:fillRef>
+            <a:effectRef idx="0">
+              <a:schemeClr val="accent1"/>
+            </a:effectRef>
+            <a:fontRef idx="minor">
+              <a:schemeClr val="tx1"/>
+            </a:fontRef>
+          </p:style>
+        </p:cxnSp>
+        <p:cxnSp>
+          <p:nvCxnSpPr>
+            <p:cNvPr id="83" name="Straight Arrow Connector 82">
+              <a:extLst>
+                <a:ext uri="{FF2B5EF4-FFF2-40B4-BE49-F238E27FC236}">
+                  <a16:creationId xmlns:a16="http://schemas.microsoft.com/office/drawing/2014/main" id="{9AE39153-62F1-4406-973A-F5792B7CA412}"/>
+                </a:ext>
+              </a:extLst>
+            </p:cNvPr>
+            <p:cNvCxnSpPr>
+              <a:cxnSpLocks/>
+            </p:cNvCxnSpPr>
+            <p:nvPr/>
+          </p:nvCxnSpPr>
+          <p:spPr>
+            <a:xfrm flipH="1">
+              <a:off x="4390458" y="5088294"/>
+              <a:ext cx="377699" cy="0"/>
+            </a:xfrm>
+            <a:prstGeom prst="straightConnector1">
+              <a:avLst/>
+            </a:prstGeom>
+            <a:ln w="25400">
+              <a:solidFill>
+                <a:schemeClr val="accent2">
+                  <a:lumMod val="75000"/>
+                </a:schemeClr>
+              </a:solidFill>
+              <a:tailEnd type="triangle"/>
+            </a:ln>
+          </p:spPr>
+          <p:style>
+            <a:lnRef idx="1">
+              <a:schemeClr val="accent1"/>
+            </a:lnRef>
+            <a:fillRef idx="0">
+              <a:schemeClr val="accent1"/>
+            </a:fillRef>
+            <a:effectRef idx="0">
+              <a:schemeClr val="accent1"/>
+            </a:effectRef>
+            <a:fontRef idx="minor">
+              <a:schemeClr val="tx1"/>
+            </a:fontRef>
+          </p:style>
+        </p:cxnSp>
+        <p:cxnSp>
+          <p:nvCxnSpPr>
+            <p:cNvPr id="84" name="Straight Arrow Connector 83">
+              <a:extLst>
+                <a:ext uri="{FF2B5EF4-FFF2-40B4-BE49-F238E27FC236}">
+                  <a16:creationId xmlns:a16="http://schemas.microsoft.com/office/drawing/2014/main" id="{BC0B8365-2082-45B8-A35C-A9A8586EA2FE}"/>
+                </a:ext>
+              </a:extLst>
+            </p:cNvPr>
+            <p:cNvCxnSpPr>
+              <a:cxnSpLocks/>
+            </p:cNvCxnSpPr>
+            <p:nvPr/>
+          </p:nvCxnSpPr>
+          <p:spPr>
+            <a:xfrm>
+              <a:off x="4422773" y="5740258"/>
+              <a:ext cx="380127" cy="0"/>
+            </a:xfrm>
+            <a:prstGeom prst="straightConnector1">
+              <a:avLst/>
+            </a:prstGeom>
+            <a:ln w="25400">
+              <a:solidFill>
+                <a:schemeClr val="accent5">
+                  <a:lumMod val="75000"/>
+                </a:schemeClr>
+              </a:solidFill>
+              <a:tailEnd type="triangle"/>
+            </a:ln>
+          </p:spPr>
+          <p:style>
+            <a:lnRef idx="1">
+              <a:schemeClr val="accent1"/>
+            </a:lnRef>
+            <a:fillRef idx="0">
+              <a:schemeClr val="accent1"/>
+            </a:fillRef>
+            <a:effectRef idx="0">
+              <a:schemeClr val="accent1"/>
+            </a:effectRef>
+            <a:fontRef idx="minor">
+              <a:schemeClr val="tx1"/>
+            </a:fontRef>
+          </p:style>
+        </p:cxnSp>
+      </p:grpSp>
+      <p:grpSp>
+        <p:nvGrpSpPr>
+          <p:cNvPr id="95" name="Group 94">
+            <a:extLst>
+              <a:ext uri="{FF2B5EF4-FFF2-40B4-BE49-F238E27FC236}">
+                <a16:creationId xmlns:a16="http://schemas.microsoft.com/office/drawing/2014/main" id="{390EA2D4-9002-4C47-AB65-495B7257BA7D}"/>
+              </a:ext>
+            </a:extLst>
+          </p:cNvPr>
+          <p:cNvGrpSpPr/>
+          <p:nvPr/>
+        </p:nvGrpSpPr>
+        <p:grpSpPr>
+          <a:xfrm>
+            <a:off x="6411730" y="2967014"/>
+            <a:ext cx="2917374" cy="2811619"/>
+            <a:chOff x="4353134" y="3912117"/>
+            <a:chExt cx="2917374" cy="2811619"/>
+          </a:xfrm>
+        </p:grpSpPr>
+        <p:grpSp>
+          <p:nvGrpSpPr>
+            <p:cNvPr id="96" name="Group 95">
+              <a:extLst>
+                <a:ext uri="{FF2B5EF4-FFF2-40B4-BE49-F238E27FC236}">
+                  <a16:creationId xmlns:a16="http://schemas.microsoft.com/office/drawing/2014/main" id="{1C22C86D-ED01-4D8B-A566-F04977480810}"/>
+                </a:ext>
+              </a:extLst>
+            </p:cNvPr>
+            <p:cNvGrpSpPr/>
+            <p:nvPr/>
+          </p:nvGrpSpPr>
+          <p:grpSpPr>
+            <a:xfrm>
+              <a:off x="4353134" y="3912117"/>
+              <a:ext cx="2917374" cy="2811619"/>
+              <a:chOff x="4788158" y="3934414"/>
+              <a:chExt cx="2917374" cy="2811619"/>
+            </a:xfrm>
+          </p:grpSpPr>
+          <p:sp>
+            <p:nvSpPr>
+              <p:cNvPr id="105" name="Rectangle 104">
+                <a:extLst>
+                  <a:ext uri="{FF2B5EF4-FFF2-40B4-BE49-F238E27FC236}">
+                    <a16:creationId xmlns:a16="http://schemas.microsoft.com/office/drawing/2014/main" id="{D775B41A-6FD2-4EBF-8918-10B5A00D29AD}"/>
+                  </a:ext>
+                </a:extLst>
+              </p:cNvPr>
+              <p:cNvSpPr/>
+              <p:nvPr/>
+            </p:nvSpPr>
+            <p:spPr>
+              <a:xfrm>
+                <a:off x="5047861" y="4236098"/>
+                <a:ext cx="2397968" cy="2285991"/>
+              </a:xfrm>
+              <a:prstGeom prst="rect">
+                <a:avLst/>
+              </a:prstGeom>
+              <a:solidFill>
+                <a:schemeClr val="bg2">
+                  <a:lumMod val="75000"/>
+                </a:schemeClr>
+              </a:solidFill>
+              <a:ln>
+                <a:noFill/>
+              </a:ln>
+            </p:spPr>
+            <p:style>
+              <a:lnRef idx="2">
+                <a:schemeClr val="accent1">
+                  <a:shade val="50000"/>
+                </a:schemeClr>
+              </a:lnRef>
+              <a:fillRef idx="1">
+                <a:schemeClr val="accent1"/>
+              </a:fillRef>
+              <a:effectRef idx="0">
+                <a:schemeClr val="accent1"/>
+              </a:effectRef>
+              <a:fontRef idx="minor">
+                <a:schemeClr val="lt1"/>
+              </a:fontRef>
+            </p:style>
+            <p:txBody>
+              <a:bodyPr rtlCol="0" anchor="ctr"/>
+              <a:lstStyle/>
+              <a:p>
+                <a:pPr algn="ctr"/>
+                <a:endParaRPr lang="en-US"/>
+              </a:p>
+            </p:txBody>
+          </p:sp>
+          <p:sp>
+            <p:nvSpPr>
+              <p:cNvPr id="106" name="Rectangle 105">
+                <a:extLst>
+                  <a:ext uri="{FF2B5EF4-FFF2-40B4-BE49-F238E27FC236}">
+                    <a16:creationId xmlns:a16="http://schemas.microsoft.com/office/drawing/2014/main" id="{9ED52D96-F5B5-44C0-80F4-D6965FAD9DDD}"/>
+                  </a:ext>
+                </a:extLst>
+              </p:cNvPr>
+              <p:cNvSpPr/>
+              <p:nvPr/>
+            </p:nvSpPr>
+            <p:spPr>
+              <a:xfrm>
+                <a:off x="5402424" y="4584442"/>
+                <a:ext cx="1666580" cy="1620416"/>
+              </a:xfrm>
+              <a:prstGeom prst="rect">
+                <a:avLst/>
+              </a:prstGeom>
+              <a:solidFill>
+                <a:schemeClr val="bg1"/>
+              </a:solidFill>
+              <a:ln>
+                <a:noFill/>
+              </a:ln>
+            </p:spPr>
+            <p:style>
+              <a:lnRef idx="2">
+                <a:schemeClr val="accent1">
+                  <a:shade val="50000"/>
+                </a:schemeClr>
+              </a:lnRef>
+              <a:fillRef idx="1">
+                <a:schemeClr val="accent1"/>
+              </a:fillRef>
+              <a:effectRef idx="0">
+                <a:schemeClr val="accent1"/>
+              </a:effectRef>
+              <a:fontRef idx="minor">
+                <a:schemeClr val="lt1"/>
+              </a:fontRef>
+            </p:style>
+            <p:txBody>
+              <a:bodyPr rtlCol="0" anchor="ctr"/>
+              <a:lstStyle/>
+              <a:p>
+                <a:pPr algn="ctr"/>
+                <a:r>
+                  <a:rPr lang="en-US" sz="2800" i="1" dirty="0">
+                    <a:solidFill>
+                      <a:srgbClr val="00B0F0"/>
+                    </a:solidFill>
+                  </a:rPr>
+                  <a:t>A</a:t>
+                </a:r>
+              </a:p>
+            </p:txBody>
+          </p:sp>
+          <p:cxnSp>
+            <p:nvCxnSpPr>
+              <p:cNvPr id="107" name="Straight Connector 106">
+                <a:extLst>
+                  <a:ext uri="{FF2B5EF4-FFF2-40B4-BE49-F238E27FC236}">
+                    <a16:creationId xmlns:a16="http://schemas.microsoft.com/office/drawing/2014/main" id="{C1AC5F06-56D5-483C-A3D1-A9A11F04C01F}"/>
+                  </a:ext>
+                </a:extLst>
+              </p:cNvPr>
+              <p:cNvCxnSpPr>
+                <a:cxnSpLocks/>
+              </p:cNvCxnSpPr>
+              <p:nvPr/>
+            </p:nvCxnSpPr>
+            <p:spPr>
+              <a:xfrm flipV="1">
+                <a:off x="6961702" y="4236098"/>
+                <a:ext cx="484127" cy="499054"/>
+              </a:xfrm>
+              <a:prstGeom prst="line">
+                <a:avLst/>
+              </a:prstGeom>
+              <a:ln w="15875">
+                <a:solidFill>
+                  <a:schemeClr val="bg1"/>
+                </a:solidFill>
+              </a:ln>
+            </p:spPr>
+            <p:style>
+              <a:lnRef idx="1">
+                <a:schemeClr val="accent1"/>
+              </a:lnRef>
+              <a:fillRef idx="0">
+                <a:schemeClr val="accent1"/>
+              </a:fillRef>
+              <a:effectRef idx="0">
+                <a:schemeClr val="accent1"/>
+              </a:effectRef>
+              <a:fontRef idx="minor">
+                <a:schemeClr val="tx1"/>
+              </a:fontRef>
+            </p:style>
+          </p:cxnSp>
+          <p:cxnSp>
+            <p:nvCxnSpPr>
+              <p:cNvPr id="108" name="Straight Connector 107">
+                <a:extLst>
+                  <a:ext uri="{FF2B5EF4-FFF2-40B4-BE49-F238E27FC236}">
+                    <a16:creationId xmlns:a16="http://schemas.microsoft.com/office/drawing/2014/main" id="{B7A12C2D-7A68-457D-8108-09F9C7AF6692}"/>
+                  </a:ext>
+                </a:extLst>
+              </p:cNvPr>
+              <p:cNvCxnSpPr>
+                <a:cxnSpLocks/>
+              </p:cNvCxnSpPr>
+              <p:nvPr/>
+            </p:nvCxnSpPr>
+            <p:spPr>
+              <a:xfrm flipV="1">
+                <a:off x="5047861" y="6173744"/>
+                <a:ext cx="376825" cy="348345"/>
+              </a:xfrm>
+              <a:prstGeom prst="line">
+                <a:avLst/>
+              </a:prstGeom>
+              <a:ln w="15875">
+                <a:solidFill>
+                  <a:schemeClr val="bg1"/>
+                </a:solidFill>
+              </a:ln>
+            </p:spPr>
+            <p:style>
+              <a:lnRef idx="1">
+                <a:schemeClr val="accent1"/>
+              </a:lnRef>
+              <a:fillRef idx="0">
+                <a:schemeClr val="accent1"/>
+              </a:fillRef>
+              <a:effectRef idx="0">
+                <a:schemeClr val="accent1"/>
+              </a:effectRef>
+              <a:fontRef idx="minor">
+                <a:schemeClr val="tx1"/>
+              </a:fontRef>
+            </p:style>
+          </p:cxnSp>
+          <p:cxnSp>
+            <p:nvCxnSpPr>
+              <p:cNvPr id="109" name="Straight Connector 108">
+                <a:extLst>
+                  <a:ext uri="{FF2B5EF4-FFF2-40B4-BE49-F238E27FC236}">
+                    <a16:creationId xmlns:a16="http://schemas.microsoft.com/office/drawing/2014/main" id="{46061457-E03F-4BA5-B9CE-C9B3411858ED}"/>
+                  </a:ext>
+                </a:extLst>
+              </p:cNvPr>
+              <p:cNvCxnSpPr>
+                <a:cxnSpLocks/>
+              </p:cNvCxnSpPr>
+              <p:nvPr/>
+            </p:nvCxnSpPr>
+            <p:spPr>
+              <a:xfrm>
+                <a:off x="4788158" y="3934414"/>
+                <a:ext cx="877652" cy="936166"/>
+              </a:xfrm>
+              <a:prstGeom prst="line">
+                <a:avLst/>
+              </a:prstGeom>
+              <a:ln w="15875">
+                <a:solidFill>
+                  <a:schemeClr val="bg1"/>
+                </a:solidFill>
+              </a:ln>
+            </p:spPr>
+            <p:style>
+              <a:lnRef idx="1">
+                <a:schemeClr val="accent1"/>
+              </a:lnRef>
+              <a:fillRef idx="0">
+                <a:schemeClr val="accent1"/>
+              </a:fillRef>
+              <a:effectRef idx="0">
+                <a:schemeClr val="accent1"/>
+              </a:effectRef>
+              <a:fontRef idx="minor">
+                <a:schemeClr val="tx1"/>
+              </a:fontRef>
+            </p:style>
+          </p:cxnSp>
+          <p:cxnSp>
+            <p:nvCxnSpPr>
+              <p:cNvPr id="110" name="Straight Connector 109">
+                <a:extLst>
+                  <a:ext uri="{FF2B5EF4-FFF2-40B4-BE49-F238E27FC236}">
+                    <a16:creationId xmlns:a16="http://schemas.microsoft.com/office/drawing/2014/main" id="{ABDAE959-3ACD-46C3-A47E-EF920A334B4F}"/>
+                  </a:ext>
+                </a:extLst>
+              </p:cNvPr>
+              <p:cNvCxnSpPr>
+                <a:cxnSpLocks/>
+              </p:cNvCxnSpPr>
+              <p:nvPr/>
+            </p:nvCxnSpPr>
+            <p:spPr>
+              <a:xfrm>
+                <a:off x="6818591" y="5962261"/>
+                <a:ext cx="886941" cy="783772"/>
+              </a:xfrm>
+              <a:prstGeom prst="line">
+                <a:avLst/>
+              </a:prstGeom>
+              <a:ln w="15875">
+                <a:solidFill>
+                  <a:schemeClr val="bg1"/>
+                </a:solidFill>
+              </a:ln>
+            </p:spPr>
+            <p:style>
+              <a:lnRef idx="1">
+                <a:schemeClr val="accent1"/>
+              </a:lnRef>
+              <a:fillRef idx="0">
+                <a:schemeClr val="accent1"/>
+              </a:fillRef>
+              <a:effectRef idx="0">
+                <a:schemeClr val="accent1"/>
+              </a:effectRef>
+              <a:fontRef idx="minor">
+                <a:schemeClr val="tx1"/>
+              </a:fontRef>
+            </p:style>
+          </p:cxnSp>
+          <p:sp>
+            <p:nvSpPr>
+              <p:cNvPr id="111" name="TextBox 110">
+                <a:extLst>
+                  <a:ext uri="{FF2B5EF4-FFF2-40B4-BE49-F238E27FC236}">
+                    <a16:creationId xmlns:a16="http://schemas.microsoft.com/office/drawing/2014/main" id="{B330F33F-7A81-44A8-B764-C9C5519B3114}"/>
+                  </a:ext>
+                </a:extLst>
+              </p:cNvPr>
+              <p:cNvSpPr txBox="1"/>
+              <p:nvPr/>
+            </p:nvSpPr>
+            <p:spPr>
+              <a:xfrm>
+                <a:off x="6554768" y="5240761"/>
+                <a:ext cx="527645" cy="307777"/>
+              </a:xfrm>
+              <a:prstGeom prst="rect">
+                <a:avLst/>
+              </a:prstGeom>
+              <a:noFill/>
+            </p:spPr>
+            <p:txBody>
+              <a:bodyPr wrap="none" rtlCol="0">
+                <a:spAutoFit/>
+              </a:bodyPr>
+              <a:lstStyle/>
+              <a:p>
+                <a:r>
+                  <a:rPr lang="en-US" sz="1400" i="1" dirty="0"/>
+                  <a:t>right</a:t>
+                </a:r>
+              </a:p>
+            </p:txBody>
+          </p:sp>
+          <p:sp>
+            <p:nvSpPr>
+              <p:cNvPr id="112" name="TextBox 111">
+                <a:extLst>
+                  <a:ext uri="{FF2B5EF4-FFF2-40B4-BE49-F238E27FC236}">
+                    <a16:creationId xmlns:a16="http://schemas.microsoft.com/office/drawing/2014/main" id="{6DFE0631-01CE-4083-974C-90B3D43FD465}"/>
+                  </a:ext>
+                </a:extLst>
+              </p:cNvPr>
+              <p:cNvSpPr txBox="1"/>
+              <p:nvPr/>
+            </p:nvSpPr>
+            <p:spPr>
+              <a:xfrm>
+                <a:off x="5389015" y="5240761"/>
+                <a:ext cx="429926" cy="307777"/>
+              </a:xfrm>
+              <a:prstGeom prst="rect">
+                <a:avLst/>
+              </a:prstGeom>
+              <a:noFill/>
+            </p:spPr>
+            <p:txBody>
+              <a:bodyPr wrap="none" rtlCol="0">
+                <a:spAutoFit/>
+              </a:bodyPr>
+              <a:lstStyle/>
+              <a:p>
+                <a:r>
+                  <a:rPr lang="en-US" sz="1400" i="1" dirty="0"/>
+                  <a:t>left</a:t>
+                </a:r>
+              </a:p>
+            </p:txBody>
+          </p:sp>
+          <p:sp>
+            <p:nvSpPr>
+              <p:cNvPr id="113" name="TextBox 112">
+                <a:extLst>
+                  <a:ext uri="{FF2B5EF4-FFF2-40B4-BE49-F238E27FC236}">
+                    <a16:creationId xmlns:a16="http://schemas.microsoft.com/office/drawing/2014/main" id="{A1673B93-04BD-489F-8F8F-EE50AE38651A}"/>
+                  </a:ext>
+                </a:extLst>
+              </p:cNvPr>
+              <p:cNvSpPr txBox="1"/>
+              <p:nvPr/>
+            </p:nvSpPr>
+            <p:spPr>
+              <a:xfrm>
+                <a:off x="6029478" y="5937243"/>
+                <a:ext cx="434734" cy="307777"/>
+              </a:xfrm>
+              <a:prstGeom prst="rect">
+                <a:avLst/>
+              </a:prstGeom>
+              <a:noFill/>
+            </p:spPr>
+            <p:txBody>
+              <a:bodyPr wrap="none" rtlCol="0">
+                <a:spAutoFit/>
+              </a:bodyPr>
+              <a:lstStyle/>
+              <a:p>
+                <a:r>
+                  <a:rPr lang="en-US" sz="1400" i="1" dirty="0"/>
+                  <a:t>bot</a:t>
+                </a:r>
+              </a:p>
+            </p:txBody>
+          </p:sp>
+          <p:sp>
+            <p:nvSpPr>
+              <p:cNvPr id="114" name="TextBox 113">
+                <a:extLst>
+                  <a:ext uri="{FF2B5EF4-FFF2-40B4-BE49-F238E27FC236}">
+                    <a16:creationId xmlns:a16="http://schemas.microsoft.com/office/drawing/2014/main" id="{7BF7410A-2ED2-45A9-9734-9E949F1998E9}"/>
+                  </a:ext>
+                </a:extLst>
+              </p:cNvPr>
+              <p:cNvSpPr txBox="1"/>
+              <p:nvPr/>
+            </p:nvSpPr>
+            <p:spPr>
+              <a:xfrm>
+                <a:off x="6029478" y="4581264"/>
+                <a:ext cx="433004" cy="307777"/>
+              </a:xfrm>
+              <a:prstGeom prst="rect">
+                <a:avLst/>
+              </a:prstGeom>
+              <a:noFill/>
+            </p:spPr>
+            <p:txBody>
+              <a:bodyPr wrap="none" rtlCol="0">
+                <a:spAutoFit/>
+              </a:bodyPr>
+              <a:lstStyle/>
+              <a:p>
+                <a:r>
+                  <a:rPr lang="en-US" sz="1400" i="1" dirty="0"/>
+                  <a:t>top</a:t>
+                </a:r>
+              </a:p>
+            </p:txBody>
+          </p:sp>
+        </p:grpSp>
+        <p:cxnSp>
+          <p:nvCxnSpPr>
+            <p:cNvPr id="97" name="Straight Arrow Connector 96">
+              <a:extLst>
+                <a:ext uri="{FF2B5EF4-FFF2-40B4-BE49-F238E27FC236}">
+                  <a16:creationId xmlns:a16="http://schemas.microsoft.com/office/drawing/2014/main" id="{A5377079-AF47-4B2C-9DD7-66174E990B4C}"/>
+                </a:ext>
+              </a:extLst>
+            </p:cNvPr>
+            <p:cNvCxnSpPr>
+              <a:cxnSpLocks/>
+            </p:cNvCxnSpPr>
+            <p:nvPr/>
+          </p:nvCxnSpPr>
+          <p:spPr>
+            <a:xfrm>
+              <a:off x="6842560" y="5088294"/>
+              <a:ext cx="360673" cy="0"/>
+            </a:xfrm>
+            <a:prstGeom prst="straightConnector1">
+              <a:avLst/>
+            </a:prstGeom>
+            <a:ln w="25400">
+              <a:solidFill>
+                <a:schemeClr val="accent2">
+                  <a:lumMod val="75000"/>
+                </a:schemeClr>
+              </a:solidFill>
+              <a:tailEnd type="triangle"/>
+            </a:ln>
+          </p:spPr>
+          <p:style>
+            <a:lnRef idx="1">
+              <a:schemeClr val="accent1"/>
+            </a:lnRef>
+            <a:fillRef idx="0">
+              <a:schemeClr val="accent1"/>
+            </a:fillRef>
+            <a:effectRef idx="0">
+              <a:schemeClr val="accent1"/>
+            </a:effectRef>
+            <a:fontRef idx="minor">
+              <a:schemeClr val="tx1"/>
+            </a:fontRef>
+          </p:style>
+        </p:cxnSp>
+        <p:cxnSp>
+          <p:nvCxnSpPr>
+            <p:cNvPr id="98" name="Straight Arrow Connector 97">
+              <a:extLst>
+                <a:ext uri="{FF2B5EF4-FFF2-40B4-BE49-F238E27FC236}">
+                  <a16:creationId xmlns:a16="http://schemas.microsoft.com/office/drawing/2014/main" id="{260A3741-A784-46AA-853E-0F73A4D4D4C4}"/>
+                </a:ext>
+              </a:extLst>
+            </p:cNvPr>
+            <p:cNvCxnSpPr>
+              <a:cxnSpLocks/>
+            </p:cNvCxnSpPr>
+            <p:nvPr/>
+          </p:nvCxnSpPr>
+          <p:spPr>
+            <a:xfrm flipH="1">
+              <a:off x="6827037" y="5600889"/>
+              <a:ext cx="351369" cy="0"/>
+            </a:xfrm>
+            <a:prstGeom prst="straightConnector1">
+              <a:avLst/>
+            </a:prstGeom>
+            <a:ln w="25400">
+              <a:solidFill>
+                <a:schemeClr val="accent5">
+                  <a:lumMod val="75000"/>
+                </a:schemeClr>
+              </a:solidFill>
+              <a:tailEnd type="triangle"/>
+            </a:ln>
+          </p:spPr>
+          <p:style>
+            <a:lnRef idx="1">
+              <a:schemeClr val="accent1"/>
+            </a:lnRef>
+            <a:fillRef idx="0">
+              <a:schemeClr val="accent1"/>
+            </a:fillRef>
+            <a:effectRef idx="0">
+              <a:schemeClr val="accent1"/>
+            </a:effectRef>
+            <a:fontRef idx="minor">
+              <a:schemeClr val="tx1"/>
+            </a:fontRef>
+          </p:style>
+        </p:cxnSp>
+        <p:cxnSp>
+          <p:nvCxnSpPr>
+            <p:cNvPr id="99" name="Straight Arrow Connector 98">
+              <a:extLst>
+                <a:ext uri="{FF2B5EF4-FFF2-40B4-BE49-F238E27FC236}">
+                  <a16:creationId xmlns:a16="http://schemas.microsoft.com/office/drawing/2014/main" id="{84D2B2FB-AF3B-43EC-94DA-042ABCC1966F}"/>
+                </a:ext>
+              </a:extLst>
+            </p:cNvPr>
+            <p:cNvCxnSpPr>
+              <a:cxnSpLocks/>
+            </p:cNvCxnSpPr>
+            <p:nvPr/>
+          </p:nvCxnSpPr>
+          <p:spPr>
+            <a:xfrm flipH="1">
+              <a:off x="6027458" y="6359558"/>
+              <a:ext cx="966" cy="274507"/>
+            </a:xfrm>
+            <a:prstGeom prst="straightConnector1">
+              <a:avLst/>
+            </a:prstGeom>
+            <a:ln w="25400">
+              <a:solidFill>
+                <a:schemeClr val="accent2">
+                  <a:lumMod val="75000"/>
+                </a:schemeClr>
+              </a:solidFill>
+              <a:tailEnd type="triangle"/>
+            </a:ln>
+          </p:spPr>
+          <p:style>
+            <a:lnRef idx="1">
+              <a:schemeClr val="accent1"/>
+            </a:lnRef>
+            <a:fillRef idx="0">
+              <a:schemeClr val="accent1"/>
+            </a:fillRef>
+            <a:effectRef idx="0">
+              <a:schemeClr val="accent1"/>
+            </a:effectRef>
+            <a:fontRef idx="minor">
+              <a:schemeClr val="tx1"/>
+            </a:fontRef>
+          </p:style>
+        </p:cxnSp>
+        <p:cxnSp>
+          <p:nvCxnSpPr>
+            <p:cNvPr id="100" name="Straight Arrow Connector 99">
+              <a:extLst>
+                <a:ext uri="{FF2B5EF4-FFF2-40B4-BE49-F238E27FC236}">
+                  <a16:creationId xmlns:a16="http://schemas.microsoft.com/office/drawing/2014/main" id="{57549B49-F5CA-40F4-A932-38A011D92E11}"/>
+                </a:ext>
+              </a:extLst>
+            </p:cNvPr>
+            <p:cNvCxnSpPr>
+              <a:cxnSpLocks/>
+            </p:cNvCxnSpPr>
+            <p:nvPr/>
+          </p:nvCxnSpPr>
+          <p:spPr>
+            <a:xfrm flipV="1">
+              <a:off x="5587591" y="6359558"/>
+              <a:ext cx="0" cy="274507"/>
+            </a:xfrm>
+            <a:prstGeom prst="straightConnector1">
+              <a:avLst/>
+            </a:prstGeom>
+            <a:ln w="25400">
+              <a:solidFill>
+                <a:schemeClr val="accent5">
+                  <a:lumMod val="75000"/>
+                </a:schemeClr>
+              </a:solidFill>
+              <a:tailEnd type="triangle"/>
+            </a:ln>
+          </p:spPr>
+          <p:style>
+            <a:lnRef idx="1">
+              <a:schemeClr val="accent1"/>
+            </a:lnRef>
+            <a:fillRef idx="0">
+              <a:schemeClr val="accent1"/>
+            </a:fillRef>
+            <a:effectRef idx="0">
+              <a:schemeClr val="accent1"/>
+            </a:effectRef>
+            <a:fontRef idx="minor">
+              <a:schemeClr val="tx1"/>
+            </a:fontRef>
+          </p:style>
+        </p:cxnSp>
+        <p:cxnSp>
+          <p:nvCxnSpPr>
+            <p:cNvPr id="101" name="Straight Arrow Connector 100">
+              <a:extLst>
+                <a:ext uri="{FF2B5EF4-FFF2-40B4-BE49-F238E27FC236}">
+                  <a16:creationId xmlns:a16="http://schemas.microsoft.com/office/drawing/2014/main" id="{86935873-E2D6-47DD-B145-5B387AFEEA5F}"/>
+                </a:ext>
+              </a:extLst>
+            </p:cNvPr>
+            <p:cNvCxnSpPr>
+              <a:cxnSpLocks/>
+            </p:cNvCxnSpPr>
+            <p:nvPr/>
+          </p:nvCxnSpPr>
+          <p:spPr>
+            <a:xfrm flipH="1" flipV="1">
+              <a:off x="6004942" y="4011255"/>
+              <a:ext cx="2525" cy="349913"/>
+            </a:xfrm>
+            <a:prstGeom prst="straightConnector1">
+              <a:avLst/>
+            </a:prstGeom>
+            <a:ln w="25400">
+              <a:solidFill>
+                <a:schemeClr val="accent2">
+                  <a:lumMod val="75000"/>
+                </a:schemeClr>
+              </a:solidFill>
+              <a:tailEnd type="triangle"/>
+            </a:ln>
+          </p:spPr>
+          <p:style>
+            <a:lnRef idx="1">
+              <a:schemeClr val="accent1"/>
+            </a:lnRef>
+            <a:fillRef idx="0">
+              <a:schemeClr val="accent1"/>
+            </a:fillRef>
+            <a:effectRef idx="0">
+              <a:schemeClr val="accent1"/>
+            </a:effectRef>
+            <a:fontRef idx="minor">
+              <a:schemeClr val="tx1"/>
+            </a:fontRef>
+          </p:style>
+        </p:cxnSp>
+        <p:cxnSp>
+          <p:nvCxnSpPr>
+            <p:cNvPr id="102" name="Straight Arrow Connector 101">
+              <a:extLst>
+                <a:ext uri="{FF2B5EF4-FFF2-40B4-BE49-F238E27FC236}">
+                  <a16:creationId xmlns:a16="http://schemas.microsoft.com/office/drawing/2014/main" id="{7ECFB5EE-70E1-4ACC-B1AD-C2D977A55AA5}"/>
+                </a:ext>
+              </a:extLst>
+            </p:cNvPr>
+            <p:cNvCxnSpPr>
+              <a:cxnSpLocks/>
+            </p:cNvCxnSpPr>
+            <p:nvPr/>
+          </p:nvCxnSpPr>
+          <p:spPr>
+            <a:xfrm>
+              <a:off x="4422773" y="5600889"/>
+              <a:ext cx="380127" cy="0"/>
+            </a:xfrm>
+            <a:prstGeom prst="straightConnector1">
+              <a:avLst/>
+            </a:prstGeom>
+            <a:ln w="25400">
+              <a:solidFill>
+                <a:schemeClr val="accent5">
+                  <a:lumMod val="75000"/>
+                </a:schemeClr>
+              </a:solidFill>
+              <a:tailEnd type="triangle"/>
+            </a:ln>
+          </p:spPr>
+          <p:style>
+            <a:lnRef idx="1">
+              <a:schemeClr val="accent1"/>
+            </a:lnRef>
+            <a:fillRef idx="0">
+              <a:schemeClr val="accent1"/>
+            </a:fillRef>
+            <a:effectRef idx="0">
+              <a:schemeClr val="accent1"/>
+            </a:effectRef>
+            <a:fontRef idx="minor">
+              <a:schemeClr val="tx1"/>
+            </a:fontRef>
+          </p:style>
+        </p:cxnSp>
+        <p:cxnSp>
+          <p:nvCxnSpPr>
+            <p:cNvPr id="103" name="Straight Arrow Connector 102">
+              <a:extLst>
+                <a:ext uri="{FF2B5EF4-FFF2-40B4-BE49-F238E27FC236}">
+                  <a16:creationId xmlns:a16="http://schemas.microsoft.com/office/drawing/2014/main" id="{9D8D1633-D208-4613-BCEB-E6C797F3D6CA}"/>
+                </a:ext>
+              </a:extLst>
+            </p:cNvPr>
+            <p:cNvCxnSpPr>
+              <a:cxnSpLocks/>
+            </p:cNvCxnSpPr>
+            <p:nvPr/>
+          </p:nvCxnSpPr>
+          <p:spPr>
+            <a:xfrm flipH="1">
+              <a:off x="4390458" y="5088294"/>
+              <a:ext cx="377699" cy="0"/>
+            </a:xfrm>
+            <a:prstGeom prst="straightConnector1">
+              <a:avLst/>
+            </a:prstGeom>
+            <a:ln w="25400">
+              <a:solidFill>
+                <a:schemeClr val="accent2">
+                  <a:lumMod val="75000"/>
+                </a:schemeClr>
+              </a:solidFill>
+              <a:tailEnd type="triangle"/>
+            </a:ln>
+          </p:spPr>
+          <p:style>
+            <a:lnRef idx="1">
+              <a:schemeClr val="accent1"/>
+            </a:lnRef>
+            <a:fillRef idx="0">
+              <a:schemeClr val="accent1"/>
+            </a:fillRef>
+            <a:effectRef idx="0">
+              <a:schemeClr val="accent1"/>
+            </a:effectRef>
+            <a:fontRef idx="minor">
+              <a:schemeClr val="tx1"/>
+            </a:fontRef>
+          </p:style>
+        </p:cxnSp>
+        <p:cxnSp>
+          <p:nvCxnSpPr>
+            <p:cNvPr id="104" name="Straight Arrow Connector 103">
+              <a:extLst>
+                <a:ext uri="{FF2B5EF4-FFF2-40B4-BE49-F238E27FC236}">
+                  <a16:creationId xmlns:a16="http://schemas.microsoft.com/office/drawing/2014/main" id="{B9BE5DC7-CB80-403C-9F03-A3EBC3C5BA1E}"/>
+                </a:ext>
+              </a:extLst>
+            </p:cNvPr>
+            <p:cNvCxnSpPr>
+              <a:cxnSpLocks/>
+            </p:cNvCxnSpPr>
+            <p:nvPr/>
+          </p:nvCxnSpPr>
+          <p:spPr>
+            <a:xfrm>
+              <a:off x="5598585" y="4011256"/>
+              <a:ext cx="0" cy="349912"/>
+            </a:xfrm>
+            <a:prstGeom prst="straightConnector1">
+              <a:avLst/>
+            </a:prstGeom>
+            <a:ln w="25400">
+              <a:solidFill>
+                <a:schemeClr val="accent5">
+                  <a:lumMod val="75000"/>
+                </a:schemeClr>
+              </a:solidFill>
+              <a:tailEnd type="triangle"/>
+            </a:ln>
+          </p:spPr>
+          <p:style>
+            <a:lnRef idx="1">
+              <a:schemeClr val="accent1"/>
+            </a:lnRef>
+            <a:fillRef idx="0">
+              <a:schemeClr val="accent1"/>
+            </a:fillRef>
+            <a:effectRef idx="0">
+              <a:schemeClr val="accent1"/>
+            </a:effectRef>
+            <a:fontRef idx="minor">
+              <a:schemeClr val="tx1"/>
+            </a:fontRef>
+          </p:style>
+        </p:cxnSp>
+      </p:grpSp>
+      <p:grpSp>
+        <p:nvGrpSpPr>
+          <p:cNvPr id="119" name="Group 118">
+            <a:extLst>
+              <a:ext uri="{FF2B5EF4-FFF2-40B4-BE49-F238E27FC236}">
+                <a16:creationId xmlns:a16="http://schemas.microsoft.com/office/drawing/2014/main" id="{1F406AD7-6B01-4CCC-8602-1E0237062707}"/>
+              </a:ext>
+            </a:extLst>
+          </p:cNvPr>
+          <p:cNvGrpSpPr/>
+          <p:nvPr/>
+        </p:nvGrpSpPr>
+        <p:grpSpPr>
+          <a:xfrm>
+            <a:off x="7495037" y="5889418"/>
+            <a:ext cx="772426" cy="378818"/>
+            <a:chOff x="7217425" y="5873036"/>
+            <a:chExt cx="772426" cy="378818"/>
+          </a:xfrm>
+        </p:grpSpPr>
+        <p:cxnSp>
+          <p:nvCxnSpPr>
+            <p:cNvPr id="116" name="Straight Connector 115">
+              <a:extLst>
+                <a:ext uri="{FF2B5EF4-FFF2-40B4-BE49-F238E27FC236}">
+                  <a16:creationId xmlns:a16="http://schemas.microsoft.com/office/drawing/2014/main" id="{4A6278A0-16AA-4116-85C3-FC837251342D}"/>
+                </a:ext>
+              </a:extLst>
+            </p:cNvPr>
+            <p:cNvCxnSpPr/>
+            <p:nvPr/>
+          </p:nvCxnSpPr>
+          <p:spPr>
+            <a:xfrm>
+              <a:off x="7217425" y="5999585"/>
+              <a:ext cx="303111" cy="242938"/>
+            </a:xfrm>
+            <a:prstGeom prst="line">
+              <a:avLst/>
+            </a:prstGeom>
+            <a:ln w="53975">
+              <a:solidFill>
+                <a:srgbClr val="00B050"/>
+              </a:solidFill>
+            </a:ln>
+          </p:spPr>
+          <p:style>
+            <a:lnRef idx="1">
+              <a:schemeClr val="accent1"/>
+            </a:lnRef>
+            <a:fillRef idx="0">
+              <a:schemeClr val="accent1"/>
+            </a:fillRef>
+            <a:effectRef idx="0">
+              <a:schemeClr val="accent1"/>
+            </a:effectRef>
+            <a:fontRef idx="minor">
+              <a:schemeClr val="tx1"/>
+            </a:fontRef>
+          </p:style>
+        </p:cxnSp>
+        <p:cxnSp>
+          <p:nvCxnSpPr>
+            <p:cNvPr id="117" name="Straight Connector 116">
+              <a:extLst>
+                <a:ext uri="{FF2B5EF4-FFF2-40B4-BE49-F238E27FC236}">
+                  <a16:creationId xmlns:a16="http://schemas.microsoft.com/office/drawing/2014/main" id="{491B14B3-D4E8-454F-9CBD-C0A7098D9D7B}"/>
+                </a:ext>
+              </a:extLst>
+            </p:cNvPr>
+            <p:cNvCxnSpPr>
+              <a:cxnSpLocks/>
+            </p:cNvCxnSpPr>
+            <p:nvPr/>
+          </p:nvCxnSpPr>
+          <p:spPr>
+            <a:xfrm flipV="1">
+              <a:off x="7501874" y="5873036"/>
+              <a:ext cx="487977" cy="378818"/>
+            </a:xfrm>
+            <a:prstGeom prst="line">
+              <a:avLst/>
+            </a:prstGeom>
+            <a:ln w="53975">
+              <a:solidFill>
+                <a:srgbClr val="00B050"/>
+              </a:solidFill>
+            </a:ln>
+          </p:spPr>
+          <p:style>
+            <a:lnRef idx="1">
+              <a:schemeClr val="accent1"/>
+            </a:lnRef>
+            <a:fillRef idx="0">
+              <a:schemeClr val="accent1"/>
+            </a:fillRef>
+            <a:effectRef idx="0">
+              <a:schemeClr val="accent1"/>
+            </a:effectRef>
+            <a:fontRef idx="minor">
+              <a:schemeClr val="tx1"/>
+            </a:fontRef>
+          </p:style>
+        </p:cxnSp>
+      </p:grpSp>
+      <p:sp>
+        <p:nvSpPr>
+          <p:cNvPr id="121" name="TextBox 120">
+            <a:extLst>
+              <a:ext uri="{FF2B5EF4-FFF2-40B4-BE49-F238E27FC236}">
+                <a16:creationId xmlns:a16="http://schemas.microsoft.com/office/drawing/2014/main" id="{BA914BF6-94FD-42C9-B6C6-40FF77A43F51}"/>
+              </a:ext>
+            </a:extLst>
+          </p:cNvPr>
+          <p:cNvSpPr txBox="1"/>
+          <p:nvPr/>
+        </p:nvSpPr>
+        <p:spPr>
+          <a:xfrm>
+            <a:off x="2360262" y="2870595"/>
+            <a:ext cx="914400" cy="369332"/>
+          </a:xfrm>
+          <a:prstGeom prst="rect">
+            <a:avLst/>
+          </a:prstGeom>
+          <a:noFill/>
+        </p:spPr>
+        <p:txBody>
+          <a:bodyPr wrap="square" rtlCol="0">
+            <a:spAutoFit/>
+          </a:bodyPr>
+          <a:lstStyle/>
+          <a:p>
+            <a:r>
+              <a:rPr lang="en-US" dirty="0">
+                <a:solidFill>
+                  <a:srgbClr val="FF0000"/>
+                </a:solidFill>
+              </a:rPr>
+              <a:t>????</a:t>
+            </a:r>
+          </a:p>
+        </p:txBody>
+      </p:sp>
+    </p:spTree>
+    <p:extLst>
+      <p:ext uri="{BB962C8B-B14F-4D97-AF65-F5344CB8AC3E}">
+        <p14:creationId xmlns:p14="http://schemas.microsoft.com/office/powerpoint/2010/main" val="1841520933"/>
+      </p:ext>
+    </p:extLst>
+  </p:cSld>
+  <p:clrMapOvr>
+    <a:masterClrMapping/>
+  </p:clrMapOvr>
+</p:sld>
+</file>
+
+<file path=ppt/slides/slide18.xml><?xml version="1.0" encoding="utf-8"?>
+<p:sld xmlns:a="http://schemas.openxmlformats.org/drawingml/2006/main" xmlns:r="http://schemas.openxmlformats.org/officeDocument/2006/relationships" xmlns:p="http://schemas.openxmlformats.org/presentationml/2006/main">
+  <p:cSld>
+    <p:spTree>
+      <p:nvGrpSpPr>
+        <p:cNvPr id="1" name=""/>
+        <p:cNvGrpSpPr/>
+        <p:nvPr/>
+      </p:nvGrpSpPr>
+      <p:grpSpPr>
+        <a:xfrm>
+          <a:off x="0" y="0"/>
+          <a:ext cx="0" cy="0"/>
+          <a:chOff x="0" y="0"/>
+          <a:chExt cx="0" cy="0"/>
+        </a:xfrm>
+      </p:grpSpPr>
+      <p:graphicFrame>
+        <p:nvGraphicFramePr>
+          <p:cNvPr id="6" name="Table 5">
+            <a:extLst>
+              <a:ext uri="{FF2B5EF4-FFF2-40B4-BE49-F238E27FC236}">
+                <a16:creationId xmlns:a16="http://schemas.microsoft.com/office/drawing/2014/main" id="{3DEEB8CE-7752-4759-A036-94C5EED744AA}"/>
+              </a:ext>
+            </a:extLst>
+          </p:cNvPr>
+          <p:cNvGraphicFramePr>
+            <a:graphicFrameLocks noGrp="1"/>
+          </p:cNvGraphicFramePr>
+          <p:nvPr>
+            <p:extLst>
+              <p:ext uri="{D42A27DB-BD31-4B8C-83A1-F6EECF244321}">
+                <p14:modId xmlns:p14="http://schemas.microsoft.com/office/powerpoint/2010/main" val="2843844428"/>
+              </p:ext>
+            </p:extLst>
+          </p:nvPr>
+        </p:nvGraphicFramePr>
+        <p:xfrm>
+          <a:off x="296507" y="225144"/>
+          <a:ext cx="2579500" cy="2434080"/>
+        </p:xfrm>
+        <a:graphic>
+          <a:graphicData uri="http://schemas.openxmlformats.org/drawingml/2006/table">
+            <a:tbl>
+              <a:tblPr bandRow="1">
+                <a:tableStyleId>{5C22544A-7EE6-4342-B048-85BDC9FD1C3A}</a:tableStyleId>
+              </a:tblPr>
+              <a:tblGrid>
+                <a:gridCol w="515900">
+                  <a:extLst>
+                    <a:ext uri="{9D8B030D-6E8A-4147-A177-3AD203B41FA5}">
+                      <a16:colId xmlns:a16="http://schemas.microsoft.com/office/drawing/2014/main" val="25478705"/>
+                    </a:ext>
+                  </a:extLst>
+                </a:gridCol>
+                <a:gridCol w="515900">
+                  <a:extLst>
+                    <a:ext uri="{9D8B030D-6E8A-4147-A177-3AD203B41FA5}">
+                      <a16:colId xmlns:a16="http://schemas.microsoft.com/office/drawing/2014/main" val="226531799"/>
+                    </a:ext>
+                  </a:extLst>
+                </a:gridCol>
+                <a:gridCol w="515900">
+                  <a:extLst>
+                    <a:ext uri="{9D8B030D-6E8A-4147-A177-3AD203B41FA5}">
+                      <a16:colId xmlns:a16="http://schemas.microsoft.com/office/drawing/2014/main" val="2356330627"/>
+                    </a:ext>
+                  </a:extLst>
+                </a:gridCol>
+                <a:gridCol w="515900">
+                  <a:extLst>
+                    <a:ext uri="{9D8B030D-6E8A-4147-A177-3AD203B41FA5}">
+                      <a16:colId xmlns:a16="http://schemas.microsoft.com/office/drawing/2014/main" val="3042047976"/>
+                    </a:ext>
+                  </a:extLst>
+                </a:gridCol>
+                <a:gridCol w="515900">
+                  <a:extLst>
+                    <a:ext uri="{9D8B030D-6E8A-4147-A177-3AD203B41FA5}">
+                      <a16:colId xmlns:a16="http://schemas.microsoft.com/office/drawing/2014/main" val="681749304"/>
+                    </a:ext>
+                  </a:extLst>
+                </a:gridCol>
+              </a:tblGrid>
+              <a:tr h="486816">
+                <a:tc>
+                  <a:txBody>
+                    <a:bodyPr/>
+                    <a:lstStyle/>
+                    <a:p>
+                      <a:pPr algn="ctr"/>
+                      <a:r>
+                        <a:rPr lang="en-US" sz="1400" dirty="0"/>
+                        <a:t>8</a:t>
+                      </a:r>
+                    </a:p>
+                  </a:txBody>
+                  <a:tcPr marL="61028" marR="61028" marT="30514" marB="30514" anchor="ctr">
+                    <a:solidFill>
+                      <a:schemeClr val="bg2"/>
+                    </a:solidFill>
+                  </a:tcPr>
+                </a:tc>
+                <a:tc>
+                  <a:txBody>
+                    <a:bodyPr/>
+                    <a:lstStyle/>
+                    <a:p>
+                      <a:pPr algn="ctr"/>
+                      <a:r>
+                        <a:rPr lang="en-US" sz="1400" dirty="0"/>
+                        <a:t>8</a:t>
+                      </a:r>
+                    </a:p>
+                  </a:txBody>
+                  <a:tcPr marL="61028" marR="61028" marT="30514" marB="30514" anchor="ctr">
+                    <a:solidFill>
+                      <a:schemeClr val="bg2"/>
+                    </a:solidFill>
+                  </a:tcPr>
+                </a:tc>
+                <a:tc>
+                  <a:txBody>
+                    <a:bodyPr/>
+                    <a:lstStyle/>
+                    <a:p>
+                      <a:pPr algn="ctr"/>
+                      <a:r>
+                        <a:rPr lang="en-US" sz="1400" dirty="0"/>
+                        <a:t>8</a:t>
+                      </a:r>
+                    </a:p>
+                  </a:txBody>
+                  <a:tcPr marL="61028" marR="61028" marT="30514" marB="30514" anchor="ctr">
+                    <a:solidFill>
+                      <a:schemeClr val="bg2"/>
+                    </a:solidFill>
+                  </a:tcPr>
+                </a:tc>
+                <a:tc>
+                  <a:txBody>
+                    <a:bodyPr/>
+                    <a:lstStyle/>
+                    <a:p>
+                      <a:pPr algn="ctr"/>
+                      <a:r>
+                        <a:rPr lang="en-US" sz="1400" dirty="0"/>
+                        <a:t>8</a:t>
+                      </a:r>
+                    </a:p>
+                  </a:txBody>
+                  <a:tcPr marL="61028" marR="61028" marT="30514" marB="30514" anchor="ctr">
+                    <a:solidFill>
+                      <a:schemeClr val="bg2"/>
+                    </a:solidFill>
+                  </a:tcPr>
+                </a:tc>
+                <a:tc>
+                  <a:txBody>
+                    <a:bodyPr/>
+                    <a:lstStyle/>
+                    <a:p>
+                      <a:pPr algn="ctr"/>
+                      <a:r>
+                        <a:rPr lang="en-US" sz="1400" dirty="0"/>
+                        <a:t>8</a:t>
+                      </a:r>
+                    </a:p>
+                  </a:txBody>
+                  <a:tcPr marL="61028" marR="61028" marT="30514" marB="30514" anchor="ctr">
+                    <a:solidFill>
+                      <a:schemeClr val="bg2"/>
+                    </a:solidFill>
+                  </a:tcPr>
+                </a:tc>
+                <a:extLst>
+                  <a:ext uri="{0D108BD9-81ED-4DB2-BD59-A6C34878D82A}">
+                    <a16:rowId xmlns:a16="http://schemas.microsoft.com/office/drawing/2014/main" val="2143823408"/>
+                  </a:ext>
+                </a:extLst>
+              </a:tr>
+              <a:tr h="486816">
+                <a:tc>
+                  <a:txBody>
+                    <a:bodyPr/>
+                    <a:lstStyle/>
+                    <a:p>
+                      <a:pPr algn="ctr"/>
+                      <a:r>
+                        <a:rPr lang="en-US" sz="1400" dirty="0"/>
+                        <a:t>8</a:t>
+                      </a:r>
+                    </a:p>
+                  </a:txBody>
+                  <a:tcPr marL="61028" marR="61028" marT="30514" marB="30514" anchor="ctr">
+                    <a:solidFill>
+                      <a:schemeClr val="bg2"/>
+                    </a:solidFill>
+                  </a:tcPr>
+                </a:tc>
+                <a:tc>
+                  <a:txBody>
+                    <a:bodyPr/>
+                    <a:lstStyle/>
+                    <a:p>
+                      <a:pPr algn="ctr"/>
+                      <a:r>
+                        <a:rPr lang="en-US" sz="1400" dirty="0"/>
+                        <a:t>8</a:t>
+                      </a:r>
+                    </a:p>
+                  </a:txBody>
+                  <a:tcPr marL="61028" marR="61028" marT="30514" marB="30514" anchor="ctr">
+                    <a:solidFill>
+                      <a:schemeClr val="bg2"/>
+                    </a:solidFill>
+                  </a:tcPr>
+                </a:tc>
+                <a:tc>
+                  <a:txBody>
+                    <a:bodyPr/>
+                    <a:lstStyle/>
+                    <a:p>
+                      <a:pPr algn="ctr"/>
+                      <a:r>
+                        <a:rPr lang="en-US" sz="1400" dirty="0"/>
+                        <a:t>8</a:t>
+                      </a:r>
+                    </a:p>
+                  </a:txBody>
+                  <a:tcPr marL="61028" marR="61028" marT="30514" marB="30514" anchor="ctr">
+                    <a:solidFill>
+                      <a:schemeClr val="bg2"/>
+                    </a:solidFill>
+                  </a:tcPr>
+                </a:tc>
+                <a:tc>
+                  <a:txBody>
+                    <a:bodyPr/>
+                    <a:lstStyle/>
+                    <a:p>
+                      <a:pPr algn="ctr"/>
+                      <a:r>
+                        <a:rPr lang="en-US" sz="1400" dirty="0"/>
+                        <a:t>8</a:t>
+                      </a:r>
+                    </a:p>
+                  </a:txBody>
+                  <a:tcPr marL="61028" marR="61028" marT="30514" marB="30514" anchor="ctr">
+                    <a:solidFill>
+                      <a:schemeClr val="bg2"/>
+                    </a:solidFill>
+                  </a:tcPr>
+                </a:tc>
+                <a:tc>
+                  <a:txBody>
+                    <a:bodyPr/>
+                    <a:lstStyle/>
+                    <a:p>
+                      <a:pPr algn="ctr"/>
+                      <a:r>
+                        <a:rPr lang="en-US" sz="1400" dirty="0"/>
+                        <a:t>8</a:t>
+                      </a:r>
+                    </a:p>
+                  </a:txBody>
+                  <a:tcPr marL="61028" marR="61028" marT="30514" marB="30514" anchor="ctr">
+                    <a:solidFill>
+                      <a:schemeClr val="bg2"/>
+                    </a:solidFill>
+                  </a:tcPr>
+                </a:tc>
+                <a:extLst>
+                  <a:ext uri="{0D108BD9-81ED-4DB2-BD59-A6C34878D82A}">
+                    <a16:rowId xmlns:a16="http://schemas.microsoft.com/office/drawing/2014/main" val="1569069341"/>
+                  </a:ext>
+                </a:extLst>
+              </a:tr>
+              <a:tr h="486816">
+                <a:tc>
+                  <a:txBody>
+                    <a:bodyPr/>
+                    <a:lstStyle/>
+                    <a:p>
+                      <a:pPr algn="ctr"/>
+                      <a:r>
+                        <a:rPr lang="en-US" sz="1400" dirty="0"/>
+                        <a:t>8</a:t>
+                      </a:r>
+                    </a:p>
+                  </a:txBody>
+                  <a:tcPr marL="61028" marR="61028" marT="30514" marB="30514" anchor="ctr">
+                    <a:solidFill>
+                      <a:schemeClr val="bg2"/>
+                    </a:solidFill>
+                  </a:tcPr>
+                </a:tc>
+                <a:tc>
+                  <a:txBody>
+                    <a:bodyPr/>
+                    <a:lstStyle/>
+                    <a:p>
+                      <a:pPr algn="ctr"/>
+                      <a:r>
+                        <a:rPr lang="en-US" sz="1400" dirty="0"/>
+                        <a:t>8</a:t>
+                      </a:r>
+                    </a:p>
+                  </a:txBody>
+                  <a:tcPr marL="61028" marR="61028" marT="30514" marB="30514" anchor="ctr">
+                    <a:solidFill>
+                      <a:schemeClr val="bg2"/>
+                    </a:solidFill>
+                  </a:tcPr>
+                </a:tc>
+                <a:tc>
+                  <a:txBody>
+                    <a:bodyPr/>
+                    <a:lstStyle/>
+                    <a:p>
+                      <a:pPr algn="ctr"/>
+                      <a:r>
+                        <a:rPr lang="en-US" sz="1400" dirty="0"/>
+                        <a:t>8</a:t>
+                      </a:r>
+                    </a:p>
+                  </a:txBody>
+                  <a:tcPr marL="61028" marR="61028" marT="30514" marB="30514" anchor="ctr">
+                    <a:solidFill>
+                      <a:schemeClr val="bg2"/>
+                    </a:solidFill>
+                  </a:tcPr>
+                </a:tc>
+                <a:tc>
+                  <a:txBody>
+                    <a:bodyPr/>
+                    <a:lstStyle/>
+                    <a:p>
+                      <a:pPr algn="ctr"/>
+                      <a:r>
+                        <a:rPr lang="en-US" sz="1400" dirty="0"/>
+                        <a:t>8</a:t>
+                      </a:r>
+                    </a:p>
+                  </a:txBody>
+                  <a:tcPr marL="61028" marR="61028" marT="30514" marB="30514" anchor="ctr">
+                    <a:solidFill>
+                      <a:schemeClr val="bg2"/>
+                    </a:solidFill>
+                  </a:tcPr>
+                </a:tc>
+                <a:tc>
+                  <a:txBody>
+                    <a:bodyPr/>
+                    <a:lstStyle/>
+                    <a:p>
+                      <a:pPr algn="ctr"/>
+                      <a:r>
+                        <a:rPr lang="en-US" sz="1400" dirty="0"/>
+                        <a:t>8</a:t>
+                      </a:r>
+                    </a:p>
+                  </a:txBody>
+                  <a:tcPr marL="61028" marR="61028" marT="30514" marB="30514" anchor="ctr">
+                    <a:solidFill>
+                      <a:schemeClr val="bg2"/>
+                    </a:solidFill>
+                  </a:tcPr>
+                </a:tc>
+                <a:extLst>
+                  <a:ext uri="{0D108BD9-81ED-4DB2-BD59-A6C34878D82A}">
+                    <a16:rowId xmlns:a16="http://schemas.microsoft.com/office/drawing/2014/main" val="1189502354"/>
+                  </a:ext>
+                </a:extLst>
+              </a:tr>
+              <a:tr h="486816">
+                <a:tc>
+                  <a:txBody>
+                    <a:bodyPr/>
+                    <a:lstStyle/>
+                    <a:p>
+                      <a:pPr algn="ctr"/>
+                      <a:r>
+                        <a:rPr lang="en-US" sz="1400" dirty="0"/>
+                        <a:t>8</a:t>
+                      </a:r>
+                    </a:p>
+                  </a:txBody>
+                  <a:tcPr marL="61028" marR="61028" marT="30514" marB="30514" anchor="ctr">
+                    <a:solidFill>
+                      <a:schemeClr val="bg2"/>
+                    </a:solidFill>
+                  </a:tcPr>
+                </a:tc>
+                <a:tc>
+                  <a:txBody>
+                    <a:bodyPr/>
+                    <a:lstStyle/>
+                    <a:p>
+                      <a:pPr algn="ctr"/>
+                      <a:r>
+                        <a:rPr lang="en-US" sz="1400" dirty="0"/>
+                        <a:t>8</a:t>
+                      </a:r>
+                    </a:p>
+                  </a:txBody>
+                  <a:tcPr marL="61028" marR="61028" marT="30514" marB="30514" anchor="ctr">
+                    <a:solidFill>
+                      <a:schemeClr val="bg2"/>
+                    </a:solidFill>
+                  </a:tcPr>
+                </a:tc>
+                <a:tc>
+                  <a:txBody>
+                    <a:bodyPr/>
+                    <a:lstStyle/>
+                    <a:p>
+                      <a:pPr algn="ctr"/>
+                      <a:r>
+                        <a:rPr lang="en-US" sz="1400" dirty="0"/>
+                        <a:t>8</a:t>
+                      </a:r>
+                    </a:p>
+                  </a:txBody>
+                  <a:tcPr marL="61028" marR="61028" marT="30514" marB="30514" anchor="ctr">
+                    <a:solidFill>
+                      <a:schemeClr val="bg2"/>
+                    </a:solidFill>
+                  </a:tcPr>
+                </a:tc>
+                <a:tc>
+                  <a:txBody>
+                    <a:bodyPr/>
+                    <a:lstStyle/>
+                    <a:p>
+                      <a:pPr algn="ctr"/>
+                      <a:r>
+                        <a:rPr lang="en-US" sz="1400" dirty="0"/>
+                        <a:t>8</a:t>
+                      </a:r>
+                    </a:p>
+                  </a:txBody>
+                  <a:tcPr marL="61028" marR="61028" marT="30514" marB="30514" anchor="ctr">
+                    <a:solidFill>
+                      <a:schemeClr val="bg2"/>
+                    </a:solidFill>
+                  </a:tcPr>
+                </a:tc>
+                <a:tc>
+                  <a:txBody>
+                    <a:bodyPr/>
+                    <a:lstStyle/>
+                    <a:p>
+                      <a:pPr algn="ctr"/>
+                      <a:r>
+                        <a:rPr lang="en-US" sz="1400" dirty="0"/>
+                        <a:t>8</a:t>
+                      </a:r>
+                    </a:p>
+                  </a:txBody>
+                  <a:tcPr marL="61028" marR="61028" marT="30514" marB="30514" anchor="ctr">
+                    <a:solidFill>
+                      <a:schemeClr val="bg2"/>
+                    </a:solidFill>
+                  </a:tcPr>
+                </a:tc>
+                <a:extLst>
+                  <a:ext uri="{0D108BD9-81ED-4DB2-BD59-A6C34878D82A}">
+                    <a16:rowId xmlns:a16="http://schemas.microsoft.com/office/drawing/2014/main" val="219985917"/>
+                  </a:ext>
+                </a:extLst>
+              </a:tr>
+              <a:tr h="486816">
+                <a:tc>
+                  <a:txBody>
+                    <a:bodyPr/>
+                    <a:lstStyle/>
+                    <a:p>
+                      <a:pPr algn="ctr"/>
+                      <a:r>
+                        <a:rPr lang="en-US" sz="1400" dirty="0"/>
+                        <a:t>8</a:t>
+                      </a:r>
+                    </a:p>
+                  </a:txBody>
+                  <a:tcPr marL="61028" marR="61028" marT="30514" marB="30514" anchor="ctr">
+                    <a:solidFill>
+                      <a:schemeClr val="bg2"/>
+                    </a:solidFill>
+                  </a:tcPr>
+                </a:tc>
+                <a:tc>
+                  <a:txBody>
+                    <a:bodyPr/>
+                    <a:lstStyle/>
+                    <a:p>
+                      <a:pPr algn="ctr"/>
+                      <a:r>
+                        <a:rPr lang="en-US" sz="1400" dirty="0"/>
+                        <a:t>8</a:t>
+                      </a:r>
+                    </a:p>
+                  </a:txBody>
+                  <a:tcPr marL="61028" marR="61028" marT="30514" marB="30514" anchor="ctr">
+                    <a:solidFill>
+                      <a:schemeClr val="bg2"/>
+                    </a:solidFill>
+                  </a:tcPr>
+                </a:tc>
+                <a:tc>
+                  <a:txBody>
+                    <a:bodyPr/>
+                    <a:lstStyle/>
+                    <a:p>
+                      <a:pPr algn="ctr"/>
+                      <a:r>
+                        <a:rPr lang="en-US" sz="1400" dirty="0"/>
+                        <a:t>8</a:t>
+                      </a:r>
+                    </a:p>
+                  </a:txBody>
+                  <a:tcPr marL="61028" marR="61028" marT="30514" marB="30514" anchor="ctr">
+                    <a:solidFill>
+                      <a:schemeClr val="bg2"/>
+                    </a:solidFill>
+                  </a:tcPr>
+                </a:tc>
+                <a:tc>
+                  <a:txBody>
+                    <a:bodyPr/>
+                    <a:lstStyle/>
+                    <a:p>
+                      <a:pPr algn="ctr"/>
+                      <a:r>
+                        <a:rPr lang="en-US" sz="1400" dirty="0"/>
+                        <a:t>8</a:t>
+                      </a:r>
+                    </a:p>
+                  </a:txBody>
+                  <a:tcPr marL="61028" marR="61028" marT="30514" marB="30514" anchor="ctr">
+                    <a:solidFill>
+                      <a:schemeClr val="bg2"/>
+                    </a:solidFill>
+                  </a:tcPr>
+                </a:tc>
+                <a:tc>
+                  <a:txBody>
+                    <a:bodyPr/>
+                    <a:lstStyle/>
+                    <a:p>
+                      <a:pPr algn="ctr"/>
+                      <a:r>
+                        <a:rPr lang="en-US" sz="1400" dirty="0"/>
+                        <a:t>8</a:t>
+                      </a:r>
+                    </a:p>
+                  </a:txBody>
+                  <a:tcPr marL="61028" marR="61028" marT="30514" marB="30514" anchor="ctr">
+                    <a:solidFill>
+                      <a:schemeClr val="bg2"/>
+                    </a:solidFill>
+                  </a:tcPr>
+                </a:tc>
+                <a:extLst>
+                  <a:ext uri="{0D108BD9-81ED-4DB2-BD59-A6C34878D82A}">
+                    <a16:rowId xmlns:a16="http://schemas.microsoft.com/office/drawing/2014/main" val="2707290723"/>
+                  </a:ext>
+                </a:extLst>
+              </a:tr>
+            </a:tbl>
+          </a:graphicData>
+        </a:graphic>
+      </p:graphicFrame>
+      <p:graphicFrame>
+        <p:nvGraphicFramePr>
+          <p:cNvPr id="7" name="Table 6">
+            <a:extLst>
+              <a:ext uri="{FF2B5EF4-FFF2-40B4-BE49-F238E27FC236}">
+                <a16:creationId xmlns:a16="http://schemas.microsoft.com/office/drawing/2014/main" id="{D2B0FA1A-48B8-4B5D-A52B-069722B2C485}"/>
+              </a:ext>
+            </a:extLst>
+          </p:cNvPr>
+          <p:cNvGraphicFramePr>
+            <a:graphicFrameLocks noGrp="1"/>
+          </p:cNvGraphicFramePr>
+          <p:nvPr>
+            <p:extLst>
+              <p:ext uri="{D42A27DB-BD31-4B8C-83A1-F6EECF244321}">
+                <p14:modId xmlns:p14="http://schemas.microsoft.com/office/powerpoint/2010/main" val="1705165696"/>
+              </p:ext>
+            </p:extLst>
+          </p:nvPr>
+        </p:nvGraphicFramePr>
+        <p:xfrm>
+          <a:off x="3798597" y="225144"/>
+          <a:ext cx="2579500" cy="2434080"/>
+        </p:xfrm>
+        <a:graphic>
+          <a:graphicData uri="http://schemas.openxmlformats.org/drawingml/2006/table">
+            <a:tbl>
+              <a:tblPr bandRow="1">
+                <a:tableStyleId>{5C22544A-7EE6-4342-B048-85BDC9FD1C3A}</a:tableStyleId>
+              </a:tblPr>
+              <a:tblGrid>
+                <a:gridCol w="515900">
+                  <a:extLst>
+                    <a:ext uri="{9D8B030D-6E8A-4147-A177-3AD203B41FA5}">
+                      <a16:colId xmlns:a16="http://schemas.microsoft.com/office/drawing/2014/main" val="25478705"/>
+                    </a:ext>
+                  </a:extLst>
+                </a:gridCol>
+                <a:gridCol w="515900">
+                  <a:extLst>
+                    <a:ext uri="{9D8B030D-6E8A-4147-A177-3AD203B41FA5}">
+                      <a16:colId xmlns:a16="http://schemas.microsoft.com/office/drawing/2014/main" val="226531799"/>
+                    </a:ext>
+                  </a:extLst>
+                </a:gridCol>
+                <a:gridCol w="515900">
+                  <a:extLst>
+                    <a:ext uri="{9D8B030D-6E8A-4147-A177-3AD203B41FA5}">
+                      <a16:colId xmlns:a16="http://schemas.microsoft.com/office/drawing/2014/main" val="2356330627"/>
+                    </a:ext>
+                  </a:extLst>
+                </a:gridCol>
+                <a:gridCol w="515900">
+                  <a:extLst>
+                    <a:ext uri="{9D8B030D-6E8A-4147-A177-3AD203B41FA5}">
+                      <a16:colId xmlns:a16="http://schemas.microsoft.com/office/drawing/2014/main" val="3042047976"/>
+                    </a:ext>
+                  </a:extLst>
+                </a:gridCol>
+                <a:gridCol w="515900">
+                  <a:extLst>
+                    <a:ext uri="{9D8B030D-6E8A-4147-A177-3AD203B41FA5}">
+                      <a16:colId xmlns:a16="http://schemas.microsoft.com/office/drawing/2014/main" val="681749304"/>
+                    </a:ext>
+                  </a:extLst>
+                </a:gridCol>
+              </a:tblGrid>
+              <a:tr h="486816">
+                <a:tc>
+                  <a:txBody>
+                    <a:bodyPr/>
+                    <a:lstStyle/>
+                    <a:p>
+                      <a:pPr algn="ctr"/>
+                      <a:r>
+                        <a:rPr lang="en-US" sz="1400" dirty="0"/>
+                        <a:t>8</a:t>
+                      </a:r>
+                    </a:p>
+                  </a:txBody>
+                  <a:tcPr marL="61028" marR="61028" marT="30514" marB="30514" anchor="ctr">
+                    <a:solidFill>
+                      <a:schemeClr val="bg2"/>
+                    </a:solidFill>
+                  </a:tcPr>
+                </a:tc>
+                <a:tc>
+                  <a:txBody>
+                    <a:bodyPr/>
+                    <a:lstStyle/>
+                    <a:p>
+                      <a:pPr algn="ctr"/>
+                      <a:r>
+                        <a:rPr lang="en-US" sz="1400" dirty="0"/>
+                        <a:t>8</a:t>
+                      </a:r>
+                    </a:p>
+                  </a:txBody>
+                  <a:tcPr marL="61028" marR="61028" marT="30514" marB="30514" anchor="ctr">
+                    <a:solidFill>
+                      <a:schemeClr val="bg2"/>
+                    </a:solidFill>
+                  </a:tcPr>
+                </a:tc>
+                <a:tc>
+                  <a:txBody>
+                    <a:bodyPr/>
+                    <a:lstStyle/>
+                    <a:p>
+                      <a:pPr algn="ctr"/>
+                      <a:r>
+                        <a:rPr lang="en-US" sz="1400" dirty="0"/>
+                        <a:t>8</a:t>
+                      </a:r>
+                    </a:p>
+                  </a:txBody>
+                  <a:tcPr marL="61028" marR="61028" marT="30514" marB="30514" anchor="ctr">
+                    <a:solidFill>
+                      <a:schemeClr val="bg2"/>
+                    </a:solidFill>
+                  </a:tcPr>
+                </a:tc>
+                <a:tc>
+                  <a:txBody>
+                    <a:bodyPr/>
+                    <a:lstStyle/>
+                    <a:p>
+                      <a:pPr algn="ctr"/>
+                      <a:r>
+                        <a:rPr lang="en-US" sz="1400" dirty="0"/>
+                        <a:t>8</a:t>
+                      </a:r>
+                    </a:p>
+                  </a:txBody>
+                  <a:tcPr marL="61028" marR="61028" marT="30514" marB="30514" anchor="ctr">
+                    <a:solidFill>
+                      <a:schemeClr val="bg2"/>
+                    </a:solidFill>
+                  </a:tcPr>
+                </a:tc>
+                <a:tc>
+                  <a:txBody>
+                    <a:bodyPr/>
+                    <a:lstStyle/>
+                    <a:p>
+                      <a:pPr algn="ctr"/>
+                      <a:r>
+                        <a:rPr lang="en-US" sz="1400" dirty="0"/>
+                        <a:t>8</a:t>
+                      </a:r>
+                    </a:p>
+                  </a:txBody>
+                  <a:tcPr marL="61028" marR="61028" marT="30514" marB="30514" anchor="ctr">
+                    <a:solidFill>
+                      <a:schemeClr val="bg2"/>
+                    </a:solidFill>
+                  </a:tcPr>
+                </a:tc>
+                <a:extLst>
+                  <a:ext uri="{0D108BD9-81ED-4DB2-BD59-A6C34878D82A}">
+                    <a16:rowId xmlns:a16="http://schemas.microsoft.com/office/drawing/2014/main" val="2143823408"/>
+                  </a:ext>
+                </a:extLst>
+              </a:tr>
+              <a:tr h="486816">
+                <a:tc>
+                  <a:txBody>
+                    <a:bodyPr/>
+                    <a:lstStyle/>
+                    <a:p>
+                      <a:pPr algn="ctr"/>
+                      <a:r>
+                        <a:rPr lang="en-US" sz="1400" dirty="0"/>
+                        <a:t>8</a:t>
+                      </a:r>
+                    </a:p>
+                  </a:txBody>
+                  <a:tcPr marL="61028" marR="61028" marT="30514" marB="30514" anchor="ctr">
+                    <a:solidFill>
+                      <a:schemeClr val="bg2"/>
+                    </a:solidFill>
+                  </a:tcPr>
+                </a:tc>
+                <a:tc>
+                  <a:txBody>
+                    <a:bodyPr/>
+                    <a:lstStyle/>
+                    <a:p>
+                      <a:pPr algn="ctr"/>
+                      <a:r>
+                        <a:rPr lang="en-US" sz="1400" dirty="0"/>
+                        <a:t>8</a:t>
+                      </a:r>
+                    </a:p>
+                  </a:txBody>
+                  <a:tcPr marL="61028" marR="61028" marT="30514" marB="30514" anchor="ctr">
+                    <a:solidFill>
+                      <a:schemeClr val="bg2"/>
+                    </a:solidFill>
+                  </a:tcPr>
+                </a:tc>
+                <a:tc>
+                  <a:txBody>
+                    <a:bodyPr/>
+                    <a:lstStyle/>
+                    <a:p>
+                      <a:pPr algn="ctr"/>
+                      <a:r>
+                        <a:rPr lang="en-US" sz="1400" dirty="0"/>
+                        <a:t>8</a:t>
+                      </a:r>
+                    </a:p>
+                  </a:txBody>
+                  <a:tcPr marL="61028" marR="61028" marT="30514" marB="30514" anchor="ctr">
+                    <a:solidFill>
+                      <a:schemeClr val="bg2"/>
+                    </a:solidFill>
+                  </a:tcPr>
+                </a:tc>
+                <a:tc>
+                  <a:txBody>
+                    <a:bodyPr/>
+                    <a:lstStyle/>
+                    <a:p>
+                      <a:pPr algn="ctr"/>
+                      <a:r>
+                        <a:rPr lang="en-US" sz="1400" dirty="0"/>
+                        <a:t>8</a:t>
+                      </a:r>
+                    </a:p>
+                  </a:txBody>
+                  <a:tcPr marL="61028" marR="61028" marT="30514" marB="30514" anchor="ctr">
+                    <a:solidFill>
+                      <a:schemeClr val="bg2"/>
+                    </a:solidFill>
+                  </a:tcPr>
+                </a:tc>
+                <a:tc>
+                  <a:txBody>
+                    <a:bodyPr/>
+                    <a:lstStyle/>
+                    <a:p>
+                      <a:pPr algn="ctr"/>
+                      <a:r>
+                        <a:rPr lang="en-US" sz="1400" dirty="0"/>
+                        <a:t>8</a:t>
+                      </a:r>
+                    </a:p>
+                  </a:txBody>
+                  <a:tcPr marL="61028" marR="61028" marT="30514" marB="30514" anchor="ctr">
+                    <a:solidFill>
+                      <a:schemeClr val="bg2"/>
+                    </a:solidFill>
+                  </a:tcPr>
+                </a:tc>
+                <a:extLst>
+                  <a:ext uri="{0D108BD9-81ED-4DB2-BD59-A6C34878D82A}">
+                    <a16:rowId xmlns:a16="http://schemas.microsoft.com/office/drawing/2014/main" val="1569069341"/>
+                  </a:ext>
+                </a:extLst>
+              </a:tr>
+              <a:tr h="486816">
+                <a:tc>
+                  <a:txBody>
+                    <a:bodyPr/>
+                    <a:lstStyle/>
+                    <a:p>
+                      <a:pPr algn="ctr"/>
+                      <a:r>
+                        <a:rPr lang="en-US" sz="1400" dirty="0"/>
+                        <a:t>8</a:t>
+                      </a:r>
+                    </a:p>
+                  </a:txBody>
+                  <a:tcPr marL="61028" marR="61028" marT="30514" marB="30514" anchor="ctr">
+                    <a:solidFill>
+                      <a:schemeClr val="bg2"/>
+                    </a:solidFill>
+                  </a:tcPr>
+                </a:tc>
+                <a:tc>
+                  <a:txBody>
+                    <a:bodyPr/>
+                    <a:lstStyle/>
+                    <a:p>
+                      <a:pPr algn="ctr"/>
+                      <a:r>
+                        <a:rPr lang="en-US" sz="1400" dirty="0"/>
+                        <a:t>8</a:t>
+                      </a:r>
+                    </a:p>
+                  </a:txBody>
+                  <a:tcPr marL="61028" marR="61028" marT="30514" marB="30514" anchor="ctr">
+                    <a:solidFill>
+                      <a:schemeClr val="bg2"/>
+                    </a:solidFill>
+                  </a:tcPr>
+                </a:tc>
+                <a:tc>
+                  <a:txBody>
+                    <a:bodyPr/>
+                    <a:lstStyle/>
+                    <a:p>
+                      <a:pPr algn="ctr"/>
+                      <a:r>
+                        <a:rPr lang="en-US" sz="1400" dirty="0"/>
+                        <a:t>8</a:t>
+                      </a:r>
+                    </a:p>
+                  </a:txBody>
+                  <a:tcPr marL="61028" marR="61028" marT="30514" marB="30514" anchor="ctr">
+                    <a:solidFill>
+                      <a:schemeClr val="bg2"/>
+                    </a:solidFill>
+                  </a:tcPr>
+                </a:tc>
+                <a:tc>
+                  <a:txBody>
+                    <a:bodyPr/>
+                    <a:lstStyle/>
+                    <a:p>
+                      <a:pPr algn="ctr"/>
+                      <a:r>
+                        <a:rPr lang="en-US" sz="1400" dirty="0"/>
+                        <a:t>8</a:t>
+                      </a:r>
+                    </a:p>
+                  </a:txBody>
+                  <a:tcPr marL="61028" marR="61028" marT="30514" marB="30514" anchor="ctr">
+                    <a:solidFill>
+                      <a:schemeClr val="bg2"/>
+                    </a:solidFill>
+                  </a:tcPr>
+                </a:tc>
+                <a:tc>
+                  <a:txBody>
+                    <a:bodyPr/>
+                    <a:lstStyle/>
+                    <a:p>
+                      <a:pPr algn="ctr"/>
+                      <a:r>
+                        <a:rPr lang="en-US" sz="1400" dirty="0"/>
+                        <a:t>8</a:t>
+                      </a:r>
+                    </a:p>
+                  </a:txBody>
+                  <a:tcPr marL="61028" marR="61028" marT="30514" marB="30514" anchor="ctr">
+                    <a:solidFill>
+                      <a:schemeClr val="bg2"/>
+                    </a:solidFill>
+                  </a:tcPr>
+                </a:tc>
+                <a:extLst>
+                  <a:ext uri="{0D108BD9-81ED-4DB2-BD59-A6C34878D82A}">
+                    <a16:rowId xmlns:a16="http://schemas.microsoft.com/office/drawing/2014/main" val="1189502354"/>
+                  </a:ext>
+                </a:extLst>
+              </a:tr>
+              <a:tr h="486816">
+                <a:tc>
+                  <a:txBody>
+                    <a:bodyPr/>
+                    <a:lstStyle/>
+                    <a:p>
+                      <a:pPr algn="ctr"/>
+                      <a:r>
+                        <a:rPr lang="en-US" sz="1400" dirty="0"/>
+                        <a:t>7</a:t>
+                      </a:r>
+                    </a:p>
+                  </a:txBody>
+                  <a:tcPr marL="61028" marR="61028" marT="30514" marB="30514" anchor="ctr">
+                    <a:solidFill>
+                      <a:schemeClr val="bg2"/>
+                    </a:solidFill>
+                  </a:tcPr>
+                </a:tc>
+                <a:tc>
+                  <a:txBody>
+                    <a:bodyPr/>
+                    <a:lstStyle/>
+                    <a:p>
+                      <a:pPr algn="ctr"/>
+                      <a:r>
+                        <a:rPr lang="en-US" sz="1400" dirty="0"/>
+                        <a:t>7</a:t>
+                      </a:r>
+                    </a:p>
+                  </a:txBody>
+                  <a:tcPr marL="61028" marR="61028" marT="30514" marB="30514" anchor="ctr">
+                    <a:solidFill>
+                      <a:schemeClr val="bg2"/>
+                    </a:solidFill>
+                  </a:tcPr>
+                </a:tc>
+                <a:tc>
+                  <a:txBody>
+                    <a:bodyPr/>
+                    <a:lstStyle/>
+                    <a:p>
+                      <a:pPr algn="ctr"/>
+                      <a:r>
+                        <a:rPr lang="en-US" sz="1400" dirty="0"/>
+                        <a:t>8</a:t>
+                      </a:r>
+                    </a:p>
+                  </a:txBody>
+                  <a:tcPr marL="61028" marR="61028" marT="30514" marB="30514" anchor="ctr">
+                    <a:solidFill>
+                      <a:schemeClr val="bg2"/>
+                    </a:solidFill>
+                  </a:tcPr>
+                </a:tc>
+                <a:tc>
+                  <a:txBody>
+                    <a:bodyPr/>
+                    <a:lstStyle/>
+                    <a:p>
+                      <a:pPr algn="ctr"/>
+                      <a:r>
+                        <a:rPr lang="en-US" sz="1400" dirty="0"/>
+                        <a:t>8</a:t>
+                      </a:r>
+                    </a:p>
+                  </a:txBody>
+                  <a:tcPr marL="61028" marR="61028" marT="30514" marB="30514" anchor="ctr">
+                    <a:solidFill>
+                      <a:schemeClr val="bg2"/>
+                    </a:solidFill>
+                  </a:tcPr>
+                </a:tc>
+                <a:tc>
+                  <a:txBody>
+                    <a:bodyPr/>
+                    <a:lstStyle/>
+                    <a:p>
+                      <a:pPr algn="ctr"/>
+                      <a:r>
+                        <a:rPr lang="en-US" sz="1400" dirty="0"/>
+                        <a:t>8</a:t>
+                      </a:r>
+                    </a:p>
+                  </a:txBody>
+                  <a:tcPr marL="61028" marR="61028" marT="30514" marB="30514" anchor="ctr">
+                    <a:solidFill>
+                      <a:schemeClr val="bg2"/>
+                    </a:solidFill>
+                  </a:tcPr>
+                </a:tc>
+                <a:extLst>
+                  <a:ext uri="{0D108BD9-81ED-4DB2-BD59-A6C34878D82A}">
+                    <a16:rowId xmlns:a16="http://schemas.microsoft.com/office/drawing/2014/main" val="219985917"/>
+                  </a:ext>
+                </a:extLst>
+              </a:tr>
+              <a:tr h="486816">
+                <a:tc>
+                  <a:txBody>
+                    <a:bodyPr/>
+                    <a:lstStyle/>
+                    <a:p>
+                      <a:pPr algn="ctr"/>
+                      <a:endParaRPr lang="en-US" sz="1400" dirty="0"/>
+                    </a:p>
+                  </a:txBody>
+                  <a:tcPr marL="61028" marR="61028" marT="30514" marB="30514" anchor="ctr">
+                    <a:solidFill>
+                      <a:srgbClr val="7030A0"/>
+                    </a:solidFill>
+                  </a:tcPr>
+                </a:tc>
+                <a:tc>
+                  <a:txBody>
+                    <a:bodyPr/>
+                    <a:lstStyle/>
+                    <a:p>
+                      <a:pPr algn="ctr"/>
+                      <a:r>
+                        <a:rPr lang="en-US" sz="1400" dirty="0"/>
+                        <a:t>7</a:t>
+                      </a:r>
+                    </a:p>
+                  </a:txBody>
+                  <a:tcPr marL="61028" marR="61028" marT="30514" marB="30514" anchor="ctr">
+                    <a:solidFill>
+                      <a:schemeClr val="bg2"/>
+                    </a:solidFill>
+                  </a:tcPr>
+                </a:tc>
+                <a:tc>
+                  <a:txBody>
+                    <a:bodyPr/>
+                    <a:lstStyle/>
+                    <a:p>
+                      <a:pPr algn="ctr"/>
+                      <a:r>
+                        <a:rPr lang="en-US" sz="1400" dirty="0"/>
+                        <a:t>8</a:t>
+                      </a:r>
+                    </a:p>
+                  </a:txBody>
+                  <a:tcPr marL="61028" marR="61028" marT="30514" marB="30514" anchor="ctr">
+                    <a:solidFill>
+                      <a:schemeClr val="bg2"/>
+                    </a:solidFill>
+                  </a:tcPr>
+                </a:tc>
+                <a:tc>
+                  <a:txBody>
+                    <a:bodyPr/>
+                    <a:lstStyle/>
+                    <a:p>
+                      <a:pPr algn="ctr"/>
+                      <a:r>
+                        <a:rPr lang="en-US" sz="1400" dirty="0"/>
+                        <a:t>8</a:t>
+                      </a:r>
+                    </a:p>
+                  </a:txBody>
+                  <a:tcPr marL="61028" marR="61028" marT="30514" marB="30514" anchor="ctr">
+                    <a:solidFill>
+                      <a:schemeClr val="bg2"/>
+                    </a:solidFill>
+                  </a:tcPr>
+                </a:tc>
+                <a:tc>
+                  <a:txBody>
+                    <a:bodyPr/>
+                    <a:lstStyle/>
+                    <a:p>
+                      <a:pPr algn="ctr"/>
+                      <a:r>
+                        <a:rPr lang="en-US" sz="1400" dirty="0"/>
+                        <a:t>8</a:t>
+                      </a:r>
+                    </a:p>
+                  </a:txBody>
+                  <a:tcPr marL="61028" marR="61028" marT="30514" marB="30514" anchor="ctr">
+                    <a:solidFill>
+                      <a:schemeClr val="bg2"/>
+                    </a:solidFill>
+                  </a:tcPr>
+                </a:tc>
+                <a:extLst>
+                  <a:ext uri="{0D108BD9-81ED-4DB2-BD59-A6C34878D82A}">
+                    <a16:rowId xmlns:a16="http://schemas.microsoft.com/office/drawing/2014/main" val="2707290723"/>
+                  </a:ext>
+                </a:extLst>
+              </a:tr>
+            </a:tbl>
+          </a:graphicData>
+        </a:graphic>
+      </p:graphicFrame>
+      <p:graphicFrame>
+        <p:nvGraphicFramePr>
+          <p:cNvPr id="8" name="Table 7">
+            <a:extLst>
+              <a:ext uri="{FF2B5EF4-FFF2-40B4-BE49-F238E27FC236}">
+                <a16:creationId xmlns:a16="http://schemas.microsoft.com/office/drawing/2014/main" id="{1BA521E8-4962-49CC-84B0-CC694F6B7235}"/>
+              </a:ext>
+            </a:extLst>
+          </p:cNvPr>
+          <p:cNvGraphicFramePr>
+            <a:graphicFrameLocks noGrp="1"/>
+          </p:cNvGraphicFramePr>
+          <p:nvPr>
+            <p:extLst>
+              <p:ext uri="{D42A27DB-BD31-4B8C-83A1-F6EECF244321}">
+                <p14:modId xmlns:p14="http://schemas.microsoft.com/office/powerpoint/2010/main" val="2545766129"/>
+              </p:ext>
+            </p:extLst>
+          </p:nvPr>
+        </p:nvGraphicFramePr>
+        <p:xfrm>
+          <a:off x="7300687" y="217023"/>
+          <a:ext cx="2579500" cy="2434080"/>
+        </p:xfrm>
+        <a:graphic>
+          <a:graphicData uri="http://schemas.openxmlformats.org/drawingml/2006/table">
+            <a:tbl>
+              <a:tblPr bandRow="1">
+                <a:tableStyleId>{5C22544A-7EE6-4342-B048-85BDC9FD1C3A}</a:tableStyleId>
+              </a:tblPr>
+              <a:tblGrid>
+                <a:gridCol w="515900">
+                  <a:extLst>
+                    <a:ext uri="{9D8B030D-6E8A-4147-A177-3AD203B41FA5}">
+                      <a16:colId xmlns:a16="http://schemas.microsoft.com/office/drawing/2014/main" val="25478705"/>
+                    </a:ext>
+                  </a:extLst>
+                </a:gridCol>
+                <a:gridCol w="515900">
+                  <a:extLst>
+                    <a:ext uri="{9D8B030D-6E8A-4147-A177-3AD203B41FA5}">
+                      <a16:colId xmlns:a16="http://schemas.microsoft.com/office/drawing/2014/main" val="226531799"/>
+                    </a:ext>
+                  </a:extLst>
+                </a:gridCol>
+                <a:gridCol w="515900">
+                  <a:extLst>
+                    <a:ext uri="{9D8B030D-6E8A-4147-A177-3AD203B41FA5}">
+                      <a16:colId xmlns:a16="http://schemas.microsoft.com/office/drawing/2014/main" val="2356330627"/>
+                    </a:ext>
+                  </a:extLst>
+                </a:gridCol>
+                <a:gridCol w="515900">
+                  <a:extLst>
+                    <a:ext uri="{9D8B030D-6E8A-4147-A177-3AD203B41FA5}">
+                      <a16:colId xmlns:a16="http://schemas.microsoft.com/office/drawing/2014/main" val="3042047976"/>
+                    </a:ext>
+                  </a:extLst>
+                </a:gridCol>
+                <a:gridCol w="515900">
+                  <a:extLst>
+                    <a:ext uri="{9D8B030D-6E8A-4147-A177-3AD203B41FA5}">
+                      <a16:colId xmlns:a16="http://schemas.microsoft.com/office/drawing/2014/main" val="681749304"/>
+                    </a:ext>
+                  </a:extLst>
+                </a:gridCol>
+              </a:tblGrid>
+              <a:tr h="486816">
+                <a:tc>
+                  <a:txBody>
+                    <a:bodyPr/>
+                    <a:lstStyle/>
+                    <a:p>
+                      <a:pPr algn="ctr"/>
+                      <a:r>
+                        <a:rPr lang="en-US" sz="1400" dirty="0"/>
+                        <a:t>8</a:t>
+                      </a:r>
+                    </a:p>
+                  </a:txBody>
+                  <a:tcPr marL="61028" marR="61028" marT="30514" marB="30514" anchor="ctr">
+                    <a:solidFill>
+                      <a:schemeClr val="bg2"/>
+                    </a:solidFill>
+                  </a:tcPr>
+                </a:tc>
+                <a:tc>
+                  <a:txBody>
+                    <a:bodyPr/>
+                    <a:lstStyle/>
+                    <a:p>
+                      <a:pPr algn="ctr"/>
+                      <a:r>
+                        <a:rPr lang="en-US" sz="1400" dirty="0"/>
+                        <a:t>8</a:t>
+                      </a:r>
+                    </a:p>
+                  </a:txBody>
+                  <a:tcPr marL="61028" marR="61028" marT="30514" marB="30514" anchor="ctr">
+                    <a:solidFill>
+                      <a:schemeClr val="bg2"/>
+                    </a:solidFill>
+                  </a:tcPr>
+                </a:tc>
+                <a:tc>
+                  <a:txBody>
+                    <a:bodyPr/>
+                    <a:lstStyle/>
+                    <a:p>
+                      <a:pPr algn="ctr"/>
+                      <a:r>
+                        <a:rPr lang="en-US" sz="1400" dirty="0"/>
+                        <a:t>8</a:t>
+                      </a:r>
+                    </a:p>
+                  </a:txBody>
+                  <a:tcPr marL="61028" marR="61028" marT="30514" marB="30514" anchor="ctr">
+                    <a:solidFill>
+                      <a:schemeClr val="bg2"/>
+                    </a:solidFill>
+                  </a:tcPr>
+                </a:tc>
+                <a:tc>
+                  <a:txBody>
+                    <a:bodyPr/>
+                    <a:lstStyle/>
+                    <a:p>
+                      <a:pPr algn="ctr"/>
+                      <a:r>
+                        <a:rPr lang="en-US" sz="1400" dirty="0"/>
+                        <a:t>8</a:t>
+                      </a:r>
+                    </a:p>
+                  </a:txBody>
+                  <a:tcPr marL="61028" marR="61028" marT="30514" marB="30514" anchor="ctr">
+                    <a:solidFill>
+                      <a:schemeClr val="bg2"/>
+                    </a:solidFill>
+                  </a:tcPr>
+                </a:tc>
+                <a:tc>
+                  <a:txBody>
+                    <a:bodyPr/>
+                    <a:lstStyle/>
+                    <a:p>
+                      <a:pPr algn="ctr"/>
+                      <a:r>
+                        <a:rPr lang="en-US" sz="1400" dirty="0"/>
+                        <a:t>8</a:t>
+                      </a:r>
+                    </a:p>
+                  </a:txBody>
+                  <a:tcPr marL="61028" marR="61028" marT="30514" marB="30514" anchor="ctr">
+                    <a:solidFill>
+                      <a:schemeClr val="bg2"/>
+                    </a:solidFill>
+                  </a:tcPr>
+                </a:tc>
+                <a:extLst>
+                  <a:ext uri="{0D108BD9-81ED-4DB2-BD59-A6C34878D82A}">
+                    <a16:rowId xmlns:a16="http://schemas.microsoft.com/office/drawing/2014/main" val="2143823408"/>
+                  </a:ext>
+                </a:extLst>
+              </a:tr>
+              <a:tr h="486816">
+                <a:tc>
+                  <a:txBody>
+                    <a:bodyPr/>
+                    <a:lstStyle/>
+                    <a:p>
+                      <a:pPr algn="ctr"/>
+                      <a:r>
+                        <a:rPr lang="en-US" sz="1400" dirty="0"/>
+                        <a:t>8</a:t>
+                      </a:r>
+                    </a:p>
+                  </a:txBody>
+                  <a:tcPr marL="61028" marR="61028" marT="30514" marB="30514" anchor="ctr">
+                    <a:solidFill>
+                      <a:schemeClr val="bg2"/>
+                    </a:solidFill>
+                  </a:tcPr>
+                </a:tc>
+                <a:tc>
+                  <a:txBody>
+                    <a:bodyPr/>
+                    <a:lstStyle/>
+                    <a:p>
+                      <a:pPr algn="ctr"/>
+                      <a:r>
+                        <a:rPr lang="en-US" sz="1400" dirty="0"/>
+                        <a:t>8</a:t>
+                      </a:r>
+                    </a:p>
+                  </a:txBody>
+                  <a:tcPr marL="61028" marR="61028" marT="30514" marB="30514" anchor="ctr">
+                    <a:solidFill>
+                      <a:schemeClr val="bg2"/>
+                    </a:solidFill>
+                  </a:tcPr>
+                </a:tc>
+                <a:tc>
+                  <a:txBody>
+                    <a:bodyPr/>
+                    <a:lstStyle/>
+                    <a:p>
+                      <a:pPr algn="ctr"/>
+                      <a:r>
+                        <a:rPr lang="en-US" sz="1400" dirty="0"/>
+                        <a:t>8</a:t>
+                      </a:r>
+                    </a:p>
+                  </a:txBody>
+                  <a:tcPr marL="61028" marR="61028" marT="30514" marB="30514" anchor="ctr">
+                    <a:solidFill>
+                      <a:schemeClr val="bg2"/>
+                    </a:solidFill>
+                  </a:tcPr>
+                </a:tc>
+                <a:tc>
+                  <a:txBody>
+                    <a:bodyPr/>
+                    <a:lstStyle/>
+                    <a:p>
+                      <a:pPr algn="ctr"/>
+                      <a:r>
+                        <a:rPr lang="en-US" sz="1400" dirty="0"/>
+                        <a:t>8</a:t>
+                      </a:r>
+                    </a:p>
+                  </a:txBody>
+                  <a:tcPr marL="61028" marR="61028" marT="30514" marB="30514" anchor="ctr">
+                    <a:solidFill>
+                      <a:schemeClr val="bg2"/>
+                    </a:solidFill>
+                  </a:tcPr>
+                </a:tc>
+                <a:tc>
+                  <a:txBody>
+                    <a:bodyPr/>
+                    <a:lstStyle/>
+                    <a:p>
+                      <a:pPr algn="ctr"/>
+                      <a:r>
+                        <a:rPr lang="en-US" sz="1400" dirty="0"/>
+                        <a:t>8</a:t>
+                      </a:r>
+                    </a:p>
+                  </a:txBody>
+                  <a:tcPr marL="61028" marR="61028" marT="30514" marB="30514" anchor="ctr">
+                    <a:solidFill>
+                      <a:schemeClr val="bg2"/>
+                    </a:solidFill>
+                  </a:tcPr>
+                </a:tc>
+                <a:extLst>
+                  <a:ext uri="{0D108BD9-81ED-4DB2-BD59-A6C34878D82A}">
+                    <a16:rowId xmlns:a16="http://schemas.microsoft.com/office/drawing/2014/main" val="1569069341"/>
+                  </a:ext>
+                </a:extLst>
+              </a:tr>
+              <a:tr h="486816">
+                <a:tc>
+                  <a:txBody>
+                    <a:bodyPr/>
+                    <a:lstStyle/>
+                    <a:p>
+                      <a:pPr algn="ctr"/>
+                      <a:r>
+                        <a:rPr lang="en-US" sz="1400" dirty="0"/>
+                        <a:t>7</a:t>
+                      </a:r>
+                    </a:p>
+                  </a:txBody>
+                  <a:tcPr marL="61028" marR="61028" marT="30514" marB="30514" anchor="ctr">
+                    <a:solidFill>
+                      <a:schemeClr val="bg2"/>
+                    </a:solidFill>
+                  </a:tcPr>
+                </a:tc>
+                <a:tc>
+                  <a:txBody>
+                    <a:bodyPr/>
+                    <a:lstStyle/>
+                    <a:p>
+                      <a:pPr algn="ctr"/>
+                      <a:r>
+                        <a:rPr lang="en-US" sz="1400" dirty="0"/>
+                        <a:t>7</a:t>
+                      </a:r>
+                    </a:p>
+                  </a:txBody>
+                  <a:tcPr marL="61028" marR="61028" marT="30514" marB="30514" anchor="ctr">
+                    <a:solidFill>
+                      <a:schemeClr val="bg2"/>
+                    </a:solidFill>
+                  </a:tcPr>
+                </a:tc>
+                <a:tc>
+                  <a:txBody>
+                    <a:bodyPr/>
+                    <a:lstStyle/>
+                    <a:p>
+                      <a:pPr algn="ctr"/>
+                      <a:r>
+                        <a:rPr lang="en-US" sz="1400" dirty="0"/>
+                        <a:t>7</a:t>
+                      </a:r>
+                    </a:p>
+                  </a:txBody>
+                  <a:tcPr marL="61028" marR="61028" marT="30514" marB="30514" anchor="ctr">
+                    <a:solidFill>
+                      <a:schemeClr val="bg2"/>
+                    </a:solidFill>
+                  </a:tcPr>
+                </a:tc>
+                <a:tc>
+                  <a:txBody>
+                    <a:bodyPr/>
+                    <a:lstStyle/>
+                    <a:p>
+                      <a:pPr algn="ctr"/>
+                      <a:r>
+                        <a:rPr lang="en-US" sz="1400" dirty="0"/>
+                        <a:t>8</a:t>
+                      </a:r>
+                    </a:p>
+                  </a:txBody>
+                  <a:tcPr marL="61028" marR="61028" marT="30514" marB="30514" anchor="ctr">
+                    <a:solidFill>
+                      <a:schemeClr val="bg2"/>
+                    </a:solidFill>
+                  </a:tcPr>
+                </a:tc>
+                <a:tc>
+                  <a:txBody>
+                    <a:bodyPr/>
+                    <a:lstStyle/>
+                    <a:p>
+                      <a:pPr algn="ctr"/>
+                      <a:r>
+                        <a:rPr lang="en-US" sz="1400" dirty="0"/>
+                        <a:t>8</a:t>
+                      </a:r>
+                    </a:p>
+                  </a:txBody>
+                  <a:tcPr marL="61028" marR="61028" marT="30514" marB="30514" anchor="ctr">
+                    <a:solidFill>
+                      <a:schemeClr val="bg2"/>
+                    </a:solidFill>
+                  </a:tcPr>
+                </a:tc>
+                <a:extLst>
+                  <a:ext uri="{0D108BD9-81ED-4DB2-BD59-A6C34878D82A}">
+                    <a16:rowId xmlns:a16="http://schemas.microsoft.com/office/drawing/2014/main" val="1189502354"/>
+                  </a:ext>
+                </a:extLst>
+              </a:tr>
+              <a:tr h="486816">
+                <a:tc>
+                  <a:txBody>
+                    <a:bodyPr/>
+                    <a:lstStyle/>
+                    <a:p>
+                      <a:pPr algn="ctr"/>
+                      <a:r>
+                        <a:rPr lang="en-US" sz="1400" dirty="0"/>
+                        <a:t>6</a:t>
+                      </a:r>
+                    </a:p>
+                  </a:txBody>
+                  <a:tcPr marL="61028" marR="61028" marT="30514" marB="30514" anchor="ctr">
+                    <a:solidFill>
+                      <a:schemeClr val="bg2"/>
+                    </a:solidFill>
+                  </a:tcPr>
+                </a:tc>
+                <a:tc>
+                  <a:txBody>
+                    <a:bodyPr/>
+                    <a:lstStyle/>
+                    <a:p>
+                      <a:pPr algn="ctr"/>
+                      <a:endParaRPr lang="en-US" sz="1400" dirty="0"/>
+                    </a:p>
+                  </a:txBody>
+                  <a:tcPr marL="61028" marR="61028" marT="30514" marB="30514" anchor="ctr">
+                    <a:solidFill>
+                      <a:srgbClr val="7030A0"/>
+                    </a:solidFill>
+                  </a:tcPr>
+                </a:tc>
+                <a:tc>
+                  <a:txBody>
+                    <a:bodyPr/>
+                    <a:lstStyle/>
+                    <a:p>
+                      <a:pPr algn="ctr"/>
+                      <a:r>
+                        <a:rPr lang="en-US" sz="1400" dirty="0"/>
+                        <a:t>7</a:t>
+                      </a:r>
+                    </a:p>
+                  </a:txBody>
+                  <a:tcPr marL="61028" marR="61028" marT="30514" marB="30514" anchor="ctr">
+                    <a:solidFill>
+                      <a:schemeClr val="bg2"/>
+                    </a:solidFill>
+                  </a:tcPr>
+                </a:tc>
+                <a:tc>
+                  <a:txBody>
+                    <a:bodyPr/>
+                    <a:lstStyle/>
+                    <a:p>
+                      <a:pPr algn="ctr"/>
+                      <a:r>
+                        <a:rPr lang="en-US" sz="1400" dirty="0"/>
+                        <a:t>8</a:t>
+                      </a:r>
+                    </a:p>
+                  </a:txBody>
+                  <a:tcPr marL="61028" marR="61028" marT="30514" marB="30514" anchor="ctr">
+                    <a:solidFill>
+                      <a:schemeClr val="bg2"/>
+                    </a:solidFill>
+                  </a:tcPr>
+                </a:tc>
+                <a:tc>
+                  <a:txBody>
+                    <a:bodyPr/>
+                    <a:lstStyle/>
+                    <a:p>
+                      <a:pPr algn="ctr"/>
+                      <a:r>
+                        <a:rPr lang="en-US" sz="1400" dirty="0"/>
+                        <a:t>8</a:t>
+                      </a:r>
+                    </a:p>
+                  </a:txBody>
+                  <a:tcPr marL="61028" marR="61028" marT="30514" marB="30514" anchor="ctr">
+                    <a:solidFill>
+                      <a:schemeClr val="bg2"/>
+                    </a:solidFill>
+                  </a:tcPr>
+                </a:tc>
+                <a:extLst>
+                  <a:ext uri="{0D108BD9-81ED-4DB2-BD59-A6C34878D82A}">
+                    <a16:rowId xmlns:a16="http://schemas.microsoft.com/office/drawing/2014/main" val="219985917"/>
+                  </a:ext>
+                </a:extLst>
+              </a:tr>
+              <a:tr h="486816">
+                <a:tc>
+                  <a:txBody>
+                    <a:bodyPr/>
+                    <a:lstStyle/>
+                    <a:p>
+                      <a:pPr algn="ctr"/>
+                      <a:endParaRPr lang="en-US" sz="1400" dirty="0"/>
+                    </a:p>
+                  </a:txBody>
+                  <a:tcPr marL="61028" marR="61028" marT="30514" marB="30514" anchor="ctr">
+                    <a:solidFill>
+                      <a:srgbClr val="7030A0"/>
+                    </a:solidFill>
+                  </a:tcPr>
+                </a:tc>
+                <a:tc>
+                  <a:txBody>
+                    <a:bodyPr/>
+                    <a:lstStyle/>
+                    <a:p>
+                      <a:pPr algn="ctr"/>
+                      <a:r>
+                        <a:rPr lang="en-US" sz="1400" dirty="0"/>
+                        <a:t>6</a:t>
+                      </a:r>
+                    </a:p>
+                  </a:txBody>
+                  <a:tcPr marL="61028" marR="61028" marT="30514" marB="30514" anchor="ctr">
+                    <a:solidFill>
+                      <a:schemeClr val="bg2"/>
+                    </a:solidFill>
+                  </a:tcPr>
+                </a:tc>
+                <a:tc>
+                  <a:txBody>
+                    <a:bodyPr/>
+                    <a:lstStyle/>
+                    <a:p>
+                      <a:pPr algn="ctr"/>
+                      <a:r>
+                        <a:rPr lang="en-US" sz="1400" dirty="0"/>
+                        <a:t>7</a:t>
+                      </a:r>
+                    </a:p>
+                  </a:txBody>
+                  <a:tcPr marL="61028" marR="61028" marT="30514" marB="30514" anchor="ctr">
+                    <a:solidFill>
+                      <a:schemeClr val="bg2"/>
+                    </a:solidFill>
+                  </a:tcPr>
+                </a:tc>
+                <a:tc>
+                  <a:txBody>
+                    <a:bodyPr/>
+                    <a:lstStyle/>
+                    <a:p>
+                      <a:pPr algn="ctr"/>
+                      <a:r>
+                        <a:rPr lang="en-US" sz="1400" dirty="0"/>
+                        <a:t>8</a:t>
+                      </a:r>
+                    </a:p>
+                  </a:txBody>
+                  <a:tcPr marL="61028" marR="61028" marT="30514" marB="30514" anchor="ctr">
+                    <a:solidFill>
+                      <a:schemeClr val="bg2"/>
+                    </a:solidFill>
+                  </a:tcPr>
+                </a:tc>
+                <a:tc>
+                  <a:txBody>
+                    <a:bodyPr/>
+                    <a:lstStyle/>
+                    <a:p>
+                      <a:pPr algn="ctr"/>
+                      <a:r>
+                        <a:rPr lang="en-US" sz="1400" dirty="0"/>
+                        <a:t>8</a:t>
+                      </a:r>
+                    </a:p>
+                  </a:txBody>
+                  <a:tcPr marL="61028" marR="61028" marT="30514" marB="30514" anchor="ctr">
+                    <a:solidFill>
+                      <a:schemeClr val="bg2"/>
+                    </a:solidFill>
+                  </a:tcPr>
+                </a:tc>
+                <a:extLst>
+                  <a:ext uri="{0D108BD9-81ED-4DB2-BD59-A6C34878D82A}">
+                    <a16:rowId xmlns:a16="http://schemas.microsoft.com/office/drawing/2014/main" val="2707290723"/>
+                  </a:ext>
+                </a:extLst>
+              </a:tr>
+            </a:tbl>
+          </a:graphicData>
+        </a:graphic>
+      </p:graphicFrame>
+      <p:graphicFrame>
+        <p:nvGraphicFramePr>
+          <p:cNvPr id="9" name="Table 8">
+            <a:extLst>
+              <a:ext uri="{FF2B5EF4-FFF2-40B4-BE49-F238E27FC236}">
+                <a16:creationId xmlns:a16="http://schemas.microsoft.com/office/drawing/2014/main" id="{A528B968-5877-4A70-83FD-4F21B7BAA701}"/>
+              </a:ext>
+            </a:extLst>
+          </p:cNvPr>
+          <p:cNvGraphicFramePr>
+            <a:graphicFrameLocks noGrp="1"/>
+          </p:cNvGraphicFramePr>
+          <p:nvPr>
+            <p:extLst>
+              <p:ext uri="{D42A27DB-BD31-4B8C-83A1-F6EECF244321}">
+                <p14:modId xmlns:p14="http://schemas.microsoft.com/office/powerpoint/2010/main" val="2103229788"/>
+              </p:ext>
+            </p:extLst>
+          </p:nvPr>
+        </p:nvGraphicFramePr>
+        <p:xfrm>
+          <a:off x="7300687" y="3601616"/>
+          <a:ext cx="2579500" cy="2434080"/>
+        </p:xfrm>
+        <a:graphic>
+          <a:graphicData uri="http://schemas.openxmlformats.org/drawingml/2006/table">
+            <a:tbl>
+              <a:tblPr bandRow="1">
+                <a:tableStyleId>{5C22544A-7EE6-4342-B048-85BDC9FD1C3A}</a:tableStyleId>
+              </a:tblPr>
+              <a:tblGrid>
+                <a:gridCol w="515900">
+                  <a:extLst>
+                    <a:ext uri="{9D8B030D-6E8A-4147-A177-3AD203B41FA5}">
+                      <a16:colId xmlns:a16="http://schemas.microsoft.com/office/drawing/2014/main" val="25478705"/>
+                    </a:ext>
+                  </a:extLst>
+                </a:gridCol>
+                <a:gridCol w="515900">
+                  <a:extLst>
+                    <a:ext uri="{9D8B030D-6E8A-4147-A177-3AD203B41FA5}">
+                      <a16:colId xmlns:a16="http://schemas.microsoft.com/office/drawing/2014/main" val="226531799"/>
+                    </a:ext>
+                  </a:extLst>
+                </a:gridCol>
+                <a:gridCol w="515900">
+                  <a:extLst>
+                    <a:ext uri="{9D8B030D-6E8A-4147-A177-3AD203B41FA5}">
+                      <a16:colId xmlns:a16="http://schemas.microsoft.com/office/drawing/2014/main" val="2356330627"/>
+                    </a:ext>
+                  </a:extLst>
+                </a:gridCol>
+                <a:gridCol w="515900">
+                  <a:extLst>
+                    <a:ext uri="{9D8B030D-6E8A-4147-A177-3AD203B41FA5}">
+                      <a16:colId xmlns:a16="http://schemas.microsoft.com/office/drawing/2014/main" val="3042047976"/>
+                    </a:ext>
+                  </a:extLst>
+                </a:gridCol>
+                <a:gridCol w="515900">
+                  <a:extLst>
+                    <a:ext uri="{9D8B030D-6E8A-4147-A177-3AD203B41FA5}">
+                      <a16:colId xmlns:a16="http://schemas.microsoft.com/office/drawing/2014/main" val="681749304"/>
+                    </a:ext>
+                  </a:extLst>
+                </a:gridCol>
+              </a:tblGrid>
+              <a:tr h="486816">
+                <a:tc>
+                  <a:txBody>
+                    <a:bodyPr/>
+                    <a:lstStyle/>
+                    <a:p>
+                      <a:pPr algn="ctr"/>
+                      <a:r>
+                        <a:rPr lang="en-US" sz="1400" dirty="0"/>
+                        <a:t>8</a:t>
+                      </a:r>
+                    </a:p>
+                  </a:txBody>
+                  <a:tcPr marL="61028" marR="61028" marT="30514" marB="30514" anchor="ctr">
+                    <a:solidFill>
+                      <a:schemeClr val="bg2"/>
+                    </a:solidFill>
+                  </a:tcPr>
+                </a:tc>
+                <a:tc>
+                  <a:txBody>
+                    <a:bodyPr/>
+                    <a:lstStyle/>
+                    <a:p>
+                      <a:pPr algn="ctr"/>
+                      <a:r>
+                        <a:rPr lang="en-US" sz="1400" dirty="0"/>
+                        <a:t>8</a:t>
+                      </a:r>
+                    </a:p>
+                  </a:txBody>
+                  <a:tcPr marL="61028" marR="61028" marT="30514" marB="30514" anchor="ctr">
+                    <a:solidFill>
+                      <a:schemeClr val="bg2"/>
+                    </a:solidFill>
+                  </a:tcPr>
+                </a:tc>
+                <a:tc>
+                  <a:txBody>
+                    <a:bodyPr/>
+                    <a:lstStyle/>
+                    <a:p>
+                      <a:pPr algn="ctr"/>
+                      <a:r>
+                        <a:rPr lang="en-US" sz="1400" dirty="0"/>
+                        <a:t>8</a:t>
+                      </a:r>
+                    </a:p>
+                  </a:txBody>
+                  <a:tcPr marL="61028" marR="61028" marT="30514" marB="30514" anchor="ctr">
+                    <a:solidFill>
+                      <a:schemeClr val="bg2"/>
+                    </a:solidFill>
+                  </a:tcPr>
+                </a:tc>
+                <a:tc>
+                  <a:txBody>
+                    <a:bodyPr/>
+                    <a:lstStyle/>
+                    <a:p>
+                      <a:pPr algn="ctr"/>
+                      <a:r>
+                        <a:rPr lang="en-US" sz="1400" dirty="0"/>
+                        <a:t>8</a:t>
+                      </a:r>
+                    </a:p>
+                  </a:txBody>
+                  <a:tcPr marL="61028" marR="61028" marT="30514" marB="30514" anchor="ctr">
+                    <a:solidFill>
+                      <a:schemeClr val="bg2"/>
+                    </a:solidFill>
+                  </a:tcPr>
+                </a:tc>
+                <a:tc>
+                  <a:txBody>
+                    <a:bodyPr/>
+                    <a:lstStyle/>
+                    <a:p>
+                      <a:pPr algn="ctr"/>
+                      <a:r>
+                        <a:rPr lang="en-US" sz="1400" dirty="0"/>
+                        <a:t>8</a:t>
+                      </a:r>
+                    </a:p>
+                  </a:txBody>
+                  <a:tcPr marL="61028" marR="61028" marT="30514" marB="30514" anchor="ctr">
+                    <a:solidFill>
+                      <a:schemeClr val="bg2"/>
+                    </a:solidFill>
+                  </a:tcPr>
+                </a:tc>
+                <a:extLst>
+                  <a:ext uri="{0D108BD9-81ED-4DB2-BD59-A6C34878D82A}">
+                    <a16:rowId xmlns:a16="http://schemas.microsoft.com/office/drawing/2014/main" val="2143823408"/>
+                  </a:ext>
+                </a:extLst>
+              </a:tr>
+              <a:tr h="486816">
+                <a:tc>
+                  <a:txBody>
+                    <a:bodyPr/>
+                    <a:lstStyle/>
+                    <a:p>
+                      <a:pPr algn="ctr"/>
+                      <a:r>
+                        <a:rPr lang="en-US" sz="1400" dirty="0"/>
+                        <a:t>8</a:t>
+                      </a:r>
+                    </a:p>
+                  </a:txBody>
+                  <a:tcPr marL="61028" marR="61028" marT="30514" marB="30514" anchor="ctr">
+                    <a:solidFill>
+                      <a:schemeClr val="bg2"/>
+                    </a:solidFill>
+                  </a:tcPr>
+                </a:tc>
+                <a:tc>
+                  <a:txBody>
+                    <a:bodyPr/>
+                    <a:lstStyle/>
+                    <a:p>
+                      <a:pPr algn="ctr"/>
+                      <a:r>
+                        <a:rPr lang="en-US" sz="1400" dirty="0"/>
+                        <a:t>8</a:t>
+                      </a:r>
+                    </a:p>
+                  </a:txBody>
+                  <a:tcPr marL="61028" marR="61028" marT="30514" marB="30514" anchor="ctr">
+                    <a:solidFill>
+                      <a:schemeClr val="bg2"/>
+                    </a:solidFill>
+                  </a:tcPr>
+                </a:tc>
+                <a:tc>
+                  <a:txBody>
+                    <a:bodyPr/>
+                    <a:lstStyle/>
+                    <a:p>
+                      <a:pPr algn="ctr"/>
+                      <a:r>
+                        <a:rPr lang="en-US" sz="1400" dirty="0"/>
+                        <a:t>8</a:t>
+                      </a:r>
+                    </a:p>
+                  </a:txBody>
+                  <a:tcPr marL="61028" marR="61028" marT="30514" marB="30514" anchor="ctr">
+                    <a:solidFill>
+                      <a:schemeClr val="bg2"/>
+                    </a:solidFill>
+                  </a:tcPr>
+                </a:tc>
+                <a:tc>
+                  <a:txBody>
+                    <a:bodyPr/>
+                    <a:lstStyle/>
+                    <a:p>
+                      <a:pPr algn="ctr"/>
+                      <a:r>
+                        <a:rPr lang="en-US" sz="1400" dirty="0"/>
+                        <a:t>8</a:t>
+                      </a:r>
+                    </a:p>
+                  </a:txBody>
+                  <a:tcPr marL="61028" marR="61028" marT="30514" marB="30514" anchor="ctr">
+                    <a:solidFill>
+                      <a:schemeClr val="bg2"/>
+                    </a:solidFill>
+                  </a:tcPr>
+                </a:tc>
+                <a:tc>
+                  <a:txBody>
+                    <a:bodyPr/>
+                    <a:lstStyle/>
+                    <a:p>
+                      <a:pPr algn="ctr"/>
+                      <a:r>
+                        <a:rPr lang="en-US" sz="1400" dirty="0"/>
+                        <a:t>8</a:t>
+                      </a:r>
+                    </a:p>
+                  </a:txBody>
+                  <a:tcPr marL="61028" marR="61028" marT="30514" marB="30514" anchor="ctr">
+                    <a:solidFill>
+                      <a:schemeClr val="bg2"/>
+                    </a:solidFill>
+                  </a:tcPr>
+                </a:tc>
+                <a:extLst>
+                  <a:ext uri="{0D108BD9-81ED-4DB2-BD59-A6C34878D82A}">
+                    <a16:rowId xmlns:a16="http://schemas.microsoft.com/office/drawing/2014/main" val="1569069341"/>
+                  </a:ext>
+                </a:extLst>
+              </a:tr>
+              <a:tr h="486816">
+                <a:tc>
+                  <a:txBody>
+                    <a:bodyPr/>
+                    <a:lstStyle/>
+                    <a:p>
+                      <a:pPr algn="ctr"/>
+                      <a:r>
+                        <a:rPr lang="en-US" sz="1400" dirty="0"/>
+                        <a:t>7</a:t>
+                      </a:r>
+                    </a:p>
+                  </a:txBody>
+                  <a:tcPr marL="61028" marR="61028" marT="30514" marB="30514" anchor="ctr">
+                    <a:solidFill>
+                      <a:schemeClr val="bg2"/>
+                    </a:solidFill>
+                  </a:tcPr>
+                </a:tc>
+                <a:tc>
+                  <a:txBody>
+                    <a:bodyPr/>
+                    <a:lstStyle/>
+                    <a:p>
+                      <a:pPr algn="ctr"/>
+                      <a:r>
+                        <a:rPr lang="en-US" sz="1400" dirty="0"/>
+                        <a:t>7</a:t>
+                      </a:r>
+                    </a:p>
+                  </a:txBody>
+                  <a:tcPr marL="61028" marR="61028" marT="30514" marB="30514" anchor="ctr">
+                    <a:solidFill>
+                      <a:schemeClr val="bg2"/>
+                    </a:solidFill>
+                  </a:tcPr>
+                </a:tc>
+                <a:tc>
+                  <a:txBody>
+                    <a:bodyPr/>
+                    <a:lstStyle/>
+                    <a:p>
+                      <a:pPr algn="ctr"/>
+                      <a:r>
+                        <a:rPr lang="en-US" sz="1400" dirty="0"/>
+                        <a:t>7</a:t>
+                      </a:r>
+                    </a:p>
+                  </a:txBody>
+                  <a:tcPr marL="61028" marR="61028" marT="30514" marB="30514" anchor="ctr">
+                    <a:solidFill>
+                      <a:schemeClr val="bg2"/>
+                    </a:solidFill>
+                  </a:tcPr>
+                </a:tc>
+                <a:tc>
+                  <a:txBody>
+                    <a:bodyPr/>
+                    <a:lstStyle/>
+                    <a:p>
+                      <a:pPr algn="ctr"/>
+                      <a:r>
+                        <a:rPr lang="en-US" sz="1400" dirty="0"/>
+                        <a:t>8</a:t>
+                      </a:r>
+                    </a:p>
+                  </a:txBody>
+                  <a:tcPr marL="61028" marR="61028" marT="30514" marB="30514" anchor="ctr">
+                    <a:solidFill>
+                      <a:schemeClr val="bg2"/>
+                    </a:solidFill>
+                  </a:tcPr>
+                </a:tc>
+                <a:tc>
+                  <a:txBody>
+                    <a:bodyPr/>
+                    <a:lstStyle/>
+                    <a:p>
+                      <a:pPr algn="ctr"/>
+                      <a:r>
+                        <a:rPr lang="en-US" sz="1400" dirty="0"/>
+                        <a:t>8</a:t>
+                      </a:r>
+                    </a:p>
+                  </a:txBody>
+                  <a:tcPr marL="61028" marR="61028" marT="30514" marB="30514" anchor="ctr">
+                    <a:solidFill>
+                      <a:schemeClr val="bg2"/>
+                    </a:solidFill>
+                  </a:tcPr>
+                </a:tc>
+                <a:extLst>
+                  <a:ext uri="{0D108BD9-81ED-4DB2-BD59-A6C34878D82A}">
+                    <a16:rowId xmlns:a16="http://schemas.microsoft.com/office/drawing/2014/main" val="1189502354"/>
+                  </a:ext>
+                </a:extLst>
+              </a:tr>
+              <a:tr h="486816">
+                <a:tc>
+                  <a:txBody>
+                    <a:bodyPr/>
+                    <a:lstStyle/>
+                    <a:p>
+                      <a:pPr algn="ctr"/>
+                      <a:r>
+                        <a:rPr lang="en-US" sz="1400" dirty="0"/>
+                        <a:t>6</a:t>
+                      </a:r>
+                    </a:p>
+                  </a:txBody>
+                  <a:tcPr marL="61028" marR="61028" marT="30514" marB="30514" anchor="ctr">
+                    <a:solidFill>
+                      <a:schemeClr val="bg2"/>
+                    </a:solidFill>
+                  </a:tcPr>
+                </a:tc>
+                <a:tc>
+                  <a:txBody>
+                    <a:bodyPr/>
+                    <a:lstStyle/>
+                    <a:p>
+                      <a:pPr algn="ctr"/>
+                      <a:endParaRPr lang="en-US" sz="1400" dirty="0"/>
+                    </a:p>
+                  </a:txBody>
+                  <a:tcPr marL="61028" marR="61028" marT="30514" marB="30514" anchor="ctr">
+                    <a:solidFill>
+                      <a:srgbClr val="7030A0"/>
+                    </a:solidFill>
+                  </a:tcPr>
+                </a:tc>
+                <a:tc>
+                  <a:txBody>
+                    <a:bodyPr/>
+                    <a:lstStyle/>
+                    <a:p>
+                      <a:pPr algn="ctr"/>
+                      <a:r>
+                        <a:rPr lang="en-US" sz="1400" dirty="0"/>
+                        <a:t>6</a:t>
+                      </a:r>
+                    </a:p>
+                  </a:txBody>
+                  <a:tcPr marL="61028" marR="61028" marT="30514" marB="30514" anchor="ctr">
+                    <a:solidFill>
+                      <a:schemeClr val="bg2"/>
+                    </a:solidFill>
+                  </a:tcPr>
+                </a:tc>
+                <a:tc>
+                  <a:txBody>
+                    <a:bodyPr/>
+                    <a:lstStyle/>
+                    <a:p>
+                      <a:pPr algn="ctr"/>
+                      <a:r>
+                        <a:rPr lang="en-US" sz="1400" dirty="0"/>
+                        <a:t>8</a:t>
+                      </a:r>
+                    </a:p>
+                  </a:txBody>
+                  <a:tcPr marL="61028" marR="61028" marT="30514" marB="30514" anchor="ctr">
+                    <a:solidFill>
+                      <a:schemeClr val="bg2"/>
+                    </a:solidFill>
+                  </a:tcPr>
+                </a:tc>
+                <a:tc>
+                  <a:txBody>
+                    <a:bodyPr/>
+                    <a:lstStyle/>
+                    <a:p>
+                      <a:pPr algn="ctr"/>
+                      <a:r>
+                        <a:rPr lang="en-US" sz="1400" dirty="0"/>
+                        <a:t>8</a:t>
+                      </a:r>
+                    </a:p>
+                  </a:txBody>
+                  <a:tcPr marL="61028" marR="61028" marT="30514" marB="30514" anchor="ctr">
+                    <a:solidFill>
+                      <a:schemeClr val="bg2"/>
+                    </a:solidFill>
+                  </a:tcPr>
+                </a:tc>
+                <a:extLst>
+                  <a:ext uri="{0D108BD9-81ED-4DB2-BD59-A6C34878D82A}">
+                    <a16:rowId xmlns:a16="http://schemas.microsoft.com/office/drawing/2014/main" val="219985917"/>
+                  </a:ext>
+                </a:extLst>
+              </a:tr>
+              <a:tr h="486816">
+                <a:tc>
+                  <a:txBody>
+                    <a:bodyPr/>
+                    <a:lstStyle/>
+                    <a:p>
+                      <a:pPr algn="ctr"/>
+                      <a:endParaRPr lang="en-US" sz="1400" dirty="0"/>
+                    </a:p>
+                  </a:txBody>
+                  <a:tcPr marL="61028" marR="61028" marT="30514" marB="30514" anchor="ctr">
+                    <a:solidFill>
+                      <a:srgbClr val="7030A0"/>
+                    </a:solidFill>
+                  </a:tcPr>
+                </a:tc>
+                <a:tc>
+                  <a:txBody>
+                    <a:bodyPr/>
+                    <a:lstStyle/>
+                    <a:p>
+                      <a:pPr algn="ctr"/>
+                      <a:endParaRPr lang="en-US" sz="1400" dirty="0"/>
+                    </a:p>
+                  </a:txBody>
+                  <a:tcPr marL="61028" marR="61028" marT="30514" marB="30514" anchor="ctr">
+                    <a:solidFill>
+                      <a:srgbClr val="7030A0"/>
+                    </a:solidFill>
+                  </a:tcPr>
+                </a:tc>
+                <a:tc>
+                  <a:txBody>
+                    <a:bodyPr/>
+                    <a:lstStyle/>
+                    <a:p>
+                      <a:pPr algn="ctr"/>
+                      <a:r>
+                        <a:rPr lang="en-US" sz="1400" dirty="0"/>
+                        <a:t>6</a:t>
+                      </a:r>
+                    </a:p>
+                  </a:txBody>
+                  <a:tcPr marL="61028" marR="61028" marT="30514" marB="30514" anchor="ctr">
+                    <a:solidFill>
+                      <a:schemeClr val="bg2"/>
+                    </a:solidFill>
+                  </a:tcPr>
+                </a:tc>
+                <a:tc>
+                  <a:txBody>
+                    <a:bodyPr/>
+                    <a:lstStyle/>
+                    <a:p>
+                      <a:pPr algn="ctr"/>
+                      <a:r>
+                        <a:rPr lang="en-US" sz="1400" dirty="0"/>
+                        <a:t>8</a:t>
+                      </a:r>
+                    </a:p>
+                  </a:txBody>
+                  <a:tcPr marL="61028" marR="61028" marT="30514" marB="30514" anchor="ctr">
+                    <a:solidFill>
+                      <a:schemeClr val="bg2"/>
+                    </a:solidFill>
+                  </a:tcPr>
+                </a:tc>
+                <a:tc>
+                  <a:txBody>
+                    <a:bodyPr/>
+                    <a:lstStyle/>
+                    <a:p>
+                      <a:pPr algn="ctr"/>
+                      <a:r>
+                        <a:rPr lang="en-US" sz="1400" dirty="0"/>
+                        <a:t>8</a:t>
+                      </a:r>
+                    </a:p>
+                  </a:txBody>
+                  <a:tcPr marL="61028" marR="61028" marT="30514" marB="30514" anchor="ctr">
+                    <a:solidFill>
+                      <a:schemeClr val="bg2"/>
+                    </a:solidFill>
+                  </a:tcPr>
+                </a:tc>
+                <a:extLst>
+                  <a:ext uri="{0D108BD9-81ED-4DB2-BD59-A6C34878D82A}">
+                    <a16:rowId xmlns:a16="http://schemas.microsoft.com/office/drawing/2014/main" val="2707290723"/>
+                  </a:ext>
+                </a:extLst>
+              </a:tr>
+            </a:tbl>
+          </a:graphicData>
+        </a:graphic>
+      </p:graphicFrame>
+      <p:graphicFrame>
+        <p:nvGraphicFramePr>
+          <p:cNvPr id="10" name="Table 9">
+            <a:extLst>
+              <a:ext uri="{FF2B5EF4-FFF2-40B4-BE49-F238E27FC236}">
+                <a16:creationId xmlns:a16="http://schemas.microsoft.com/office/drawing/2014/main" id="{A6A1A40B-D861-49FC-876F-B17EE5E8D6D1}"/>
+              </a:ext>
+            </a:extLst>
+          </p:cNvPr>
+          <p:cNvGraphicFramePr>
+            <a:graphicFrameLocks noGrp="1"/>
+          </p:cNvGraphicFramePr>
+          <p:nvPr>
+            <p:extLst>
+              <p:ext uri="{D42A27DB-BD31-4B8C-83A1-F6EECF244321}">
+                <p14:modId xmlns:p14="http://schemas.microsoft.com/office/powerpoint/2010/main" val="932137716"/>
+              </p:ext>
+            </p:extLst>
+          </p:nvPr>
+        </p:nvGraphicFramePr>
+        <p:xfrm>
+          <a:off x="3798597" y="3610947"/>
+          <a:ext cx="2579500" cy="2434080"/>
+        </p:xfrm>
+        <a:graphic>
+          <a:graphicData uri="http://schemas.openxmlformats.org/drawingml/2006/table">
+            <a:tbl>
+              <a:tblPr bandRow="1">
+                <a:tableStyleId>{5C22544A-7EE6-4342-B048-85BDC9FD1C3A}</a:tableStyleId>
+              </a:tblPr>
+              <a:tblGrid>
+                <a:gridCol w="515900">
+                  <a:extLst>
+                    <a:ext uri="{9D8B030D-6E8A-4147-A177-3AD203B41FA5}">
+                      <a16:colId xmlns:a16="http://schemas.microsoft.com/office/drawing/2014/main" val="25478705"/>
+                    </a:ext>
+                  </a:extLst>
+                </a:gridCol>
+                <a:gridCol w="515900">
+                  <a:extLst>
+                    <a:ext uri="{9D8B030D-6E8A-4147-A177-3AD203B41FA5}">
+                      <a16:colId xmlns:a16="http://schemas.microsoft.com/office/drawing/2014/main" val="226531799"/>
+                    </a:ext>
+                  </a:extLst>
+                </a:gridCol>
+                <a:gridCol w="515900">
+                  <a:extLst>
+                    <a:ext uri="{9D8B030D-6E8A-4147-A177-3AD203B41FA5}">
+                      <a16:colId xmlns:a16="http://schemas.microsoft.com/office/drawing/2014/main" val="2356330627"/>
+                    </a:ext>
+                  </a:extLst>
+                </a:gridCol>
+                <a:gridCol w="515900">
+                  <a:extLst>
+                    <a:ext uri="{9D8B030D-6E8A-4147-A177-3AD203B41FA5}">
+                      <a16:colId xmlns:a16="http://schemas.microsoft.com/office/drawing/2014/main" val="3042047976"/>
+                    </a:ext>
+                  </a:extLst>
+                </a:gridCol>
+                <a:gridCol w="515900">
+                  <a:extLst>
+                    <a:ext uri="{9D8B030D-6E8A-4147-A177-3AD203B41FA5}">
+                      <a16:colId xmlns:a16="http://schemas.microsoft.com/office/drawing/2014/main" val="681749304"/>
+                    </a:ext>
+                  </a:extLst>
+                </a:gridCol>
+              </a:tblGrid>
+              <a:tr h="486816">
+                <a:tc>
+                  <a:txBody>
+                    <a:bodyPr/>
+                    <a:lstStyle/>
+                    <a:p>
+                      <a:pPr algn="ctr"/>
+                      <a:r>
+                        <a:rPr lang="en-US" sz="1400" dirty="0"/>
+                        <a:t>8</a:t>
+                      </a:r>
+                    </a:p>
+                  </a:txBody>
+                  <a:tcPr marL="61028" marR="61028" marT="30514" marB="30514" anchor="ctr">
+                    <a:solidFill>
+                      <a:schemeClr val="bg2"/>
+                    </a:solidFill>
+                  </a:tcPr>
+                </a:tc>
+                <a:tc>
+                  <a:txBody>
+                    <a:bodyPr/>
+                    <a:lstStyle/>
+                    <a:p>
+                      <a:pPr algn="ctr"/>
+                      <a:r>
+                        <a:rPr lang="en-US" sz="1400" dirty="0"/>
+                        <a:t>8</a:t>
+                      </a:r>
+                    </a:p>
+                  </a:txBody>
+                  <a:tcPr marL="61028" marR="61028" marT="30514" marB="30514" anchor="ctr">
+                    <a:solidFill>
+                      <a:schemeClr val="bg2"/>
+                    </a:solidFill>
+                  </a:tcPr>
+                </a:tc>
+                <a:tc>
+                  <a:txBody>
+                    <a:bodyPr/>
+                    <a:lstStyle/>
+                    <a:p>
+                      <a:pPr algn="ctr"/>
+                      <a:r>
+                        <a:rPr lang="en-US" sz="1400" dirty="0"/>
+                        <a:t>8</a:t>
+                      </a:r>
+                    </a:p>
+                  </a:txBody>
+                  <a:tcPr marL="61028" marR="61028" marT="30514" marB="30514" anchor="ctr">
+                    <a:solidFill>
+                      <a:schemeClr val="bg2"/>
+                    </a:solidFill>
+                  </a:tcPr>
+                </a:tc>
+                <a:tc>
+                  <a:txBody>
+                    <a:bodyPr/>
+                    <a:lstStyle/>
+                    <a:p>
+                      <a:pPr algn="ctr"/>
+                      <a:r>
+                        <a:rPr lang="en-US" sz="1400" dirty="0"/>
+                        <a:t>8</a:t>
+                      </a:r>
+                    </a:p>
+                  </a:txBody>
+                  <a:tcPr marL="61028" marR="61028" marT="30514" marB="30514" anchor="ctr">
+                    <a:solidFill>
+                      <a:schemeClr val="bg2"/>
+                    </a:solidFill>
+                  </a:tcPr>
+                </a:tc>
+                <a:tc>
+                  <a:txBody>
+                    <a:bodyPr/>
+                    <a:lstStyle/>
+                    <a:p>
+                      <a:pPr algn="ctr"/>
+                      <a:r>
+                        <a:rPr lang="en-US" sz="1400" dirty="0"/>
+                        <a:t>8</a:t>
+                      </a:r>
+                    </a:p>
+                  </a:txBody>
+                  <a:tcPr marL="61028" marR="61028" marT="30514" marB="30514" anchor="ctr">
+                    <a:solidFill>
+                      <a:schemeClr val="bg2"/>
+                    </a:solidFill>
+                  </a:tcPr>
+                </a:tc>
+                <a:extLst>
+                  <a:ext uri="{0D108BD9-81ED-4DB2-BD59-A6C34878D82A}">
+                    <a16:rowId xmlns:a16="http://schemas.microsoft.com/office/drawing/2014/main" val="2143823408"/>
+                  </a:ext>
+                </a:extLst>
+              </a:tr>
+              <a:tr h="486816">
+                <a:tc>
+                  <a:txBody>
+                    <a:bodyPr/>
+                    <a:lstStyle/>
+                    <a:p>
+                      <a:pPr algn="ctr"/>
+                      <a:r>
+                        <a:rPr lang="en-US" sz="1400" dirty="0"/>
+                        <a:t>8</a:t>
+                      </a:r>
+                    </a:p>
+                  </a:txBody>
+                  <a:tcPr marL="61028" marR="61028" marT="30514" marB="30514" anchor="ctr">
+                    <a:solidFill>
+                      <a:schemeClr val="bg2"/>
+                    </a:solidFill>
+                  </a:tcPr>
+                </a:tc>
+                <a:tc>
+                  <a:txBody>
+                    <a:bodyPr/>
+                    <a:lstStyle/>
+                    <a:p>
+                      <a:pPr algn="ctr"/>
+                      <a:r>
+                        <a:rPr lang="en-US" sz="1400" dirty="0"/>
+                        <a:t>8</a:t>
+                      </a:r>
+                    </a:p>
+                  </a:txBody>
+                  <a:tcPr marL="61028" marR="61028" marT="30514" marB="30514" anchor="ctr">
+                    <a:solidFill>
+                      <a:schemeClr val="bg2"/>
+                    </a:solidFill>
+                  </a:tcPr>
+                </a:tc>
+                <a:tc>
+                  <a:txBody>
+                    <a:bodyPr/>
+                    <a:lstStyle/>
+                    <a:p>
+                      <a:pPr algn="ctr"/>
+                      <a:r>
+                        <a:rPr lang="en-US" sz="1400" dirty="0"/>
+                        <a:t>8</a:t>
+                      </a:r>
+                    </a:p>
+                  </a:txBody>
+                  <a:tcPr marL="61028" marR="61028" marT="30514" marB="30514" anchor="ctr">
+                    <a:solidFill>
+                      <a:schemeClr val="bg2"/>
+                    </a:solidFill>
+                  </a:tcPr>
+                </a:tc>
+                <a:tc>
+                  <a:txBody>
+                    <a:bodyPr/>
+                    <a:lstStyle/>
+                    <a:p>
+                      <a:pPr algn="ctr"/>
+                      <a:r>
+                        <a:rPr lang="en-US" sz="1400" dirty="0"/>
+                        <a:t>8</a:t>
+                      </a:r>
+                    </a:p>
+                  </a:txBody>
+                  <a:tcPr marL="61028" marR="61028" marT="30514" marB="30514" anchor="ctr">
+                    <a:solidFill>
+                      <a:schemeClr val="bg2"/>
+                    </a:solidFill>
+                  </a:tcPr>
+                </a:tc>
+                <a:tc>
+                  <a:txBody>
+                    <a:bodyPr/>
+                    <a:lstStyle/>
+                    <a:p>
+                      <a:pPr algn="ctr"/>
+                      <a:r>
+                        <a:rPr lang="en-US" sz="1400" dirty="0"/>
+                        <a:t>8</a:t>
+                      </a:r>
+                    </a:p>
+                  </a:txBody>
+                  <a:tcPr marL="61028" marR="61028" marT="30514" marB="30514" anchor="ctr">
+                    <a:solidFill>
+                      <a:schemeClr val="bg2"/>
+                    </a:solidFill>
+                  </a:tcPr>
+                </a:tc>
+                <a:extLst>
+                  <a:ext uri="{0D108BD9-81ED-4DB2-BD59-A6C34878D82A}">
+                    <a16:rowId xmlns:a16="http://schemas.microsoft.com/office/drawing/2014/main" val="1569069341"/>
+                  </a:ext>
+                </a:extLst>
+              </a:tr>
+              <a:tr h="486816">
+                <a:tc>
+                  <a:txBody>
+                    <a:bodyPr/>
+                    <a:lstStyle/>
+                    <a:p>
+                      <a:pPr algn="ctr"/>
+                      <a:r>
+                        <a:rPr lang="en-US" sz="1400" dirty="0"/>
+                        <a:t>7</a:t>
+                      </a:r>
+                    </a:p>
+                  </a:txBody>
+                  <a:tcPr marL="61028" marR="61028" marT="30514" marB="30514" anchor="ctr">
+                    <a:solidFill>
+                      <a:schemeClr val="bg2"/>
+                    </a:solidFill>
+                  </a:tcPr>
+                </a:tc>
+                <a:tc>
+                  <a:txBody>
+                    <a:bodyPr/>
+                    <a:lstStyle/>
+                    <a:p>
+                      <a:pPr algn="ctr"/>
+                      <a:r>
+                        <a:rPr lang="en-US" sz="1400" dirty="0"/>
+                        <a:t>6</a:t>
+                      </a:r>
+                    </a:p>
+                  </a:txBody>
+                  <a:tcPr marL="61028" marR="61028" marT="30514" marB="30514" anchor="ctr">
+                    <a:solidFill>
+                      <a:schemeClr val="bg2"/>
+                    </a:solidFill>
+                  </a:tcPr>
+                </a:tc>
+                <a:tc>
+                  <a:txBody>
+                    <a:bodyPr/>
+                    <a:lstStyle/>
+                    <a:p>
+                      <a:pPr algn="ctr"/>
+                      <a:r>
+                        <a:rPr lang="en-US" sz="1400" dirty="0"/>
+                        <a:t>6</a:t>
+                      </a:r>
+                    </a:p>
+                  </a:txBody>
+                  <a:tcPr marL="61028" marR="61028" marT="30514" marB="30514" anchor="ctr">
+                    <a:solidFill>
+                      <a:schemeClr val="bg2"/>
+                    </a:solidFill>
+                  </a:tcPr>
+                </a:tc>
+                <a:tc>
+                  <a:txBody>
+                    <a:bodyPr/>
+                    <a:lstStyle/>
+                    <a:p>
+                      <a:pPr algn="ctr"/>
+                      <a:r>
+                        <a:rPr lang="en-US" sz="1400" dirty="0"/>
+                        <a:t>7</a:t>
+                      </a:r>
+                    </a:p>
+                  </a:txBody>
+                  <a:tcPr marL="61028" marR="61028" marT="30514" marB="30514" anchor="ctr">
+                    <a:solidFill>
+                      <a:schemeClr val="bg2"/>
+                    </a:solidFill>
+                  </a:tcPr>
+                </a:tc>
+                <a:tc>
+                  <a:txBody>
+                    <a:bodyPr/>
+                    <a:lstStyle/>
+                    <a:p>
+                      <a:pPr algn="ctr"/>
+                      <a:r>
+                        <a:rPr lang="en-US" sz="1400" dirty="0"/>
+                        <a:t>8</a:t>
+                      </a:r>
+                    </a:p>
+                  </a:txBody>
+                  <a:tcPr marL="61028" marR="61028" marT="30514" marB="30514" anchor="ctr">
+                    <a:solidFill>
+                      <a:schemeClr val="bg2"/>
+                    </a:solidFill>
+                  </a:tcPr>
+                </a:tc>
+                <a:extLst>
+                  <a:ext uri="{0D108BD9-81ED-4DB2-BD59-A6C34878D82A}">
+                    <a16:rowId xmlns:a16="http://schemas.microsoft.com/office/drawing/2014/main" val="1189502354"/>
+                  </a:ext>
+                </a:extLst>
+              </a:tr>
+              <a:tr h="486816">
+                <a:tc>
+                  <a:txBody>
+                    <a:bodyPr/>
+                    <a:lstStyle/>
+                    <a:p>
+                      <a:pPr algn="ctr"/>
+                      <a:r>
+                        <a:rPr lang="en-US" sz="1400" dirty="0"/>
+                        <a:t>6</a:t>
+                      </a:r>
+                    </a:p>
+                  </a:txBody>
+                  <a:tcPr marL="61028" marR="61028" marT="30514" marB="30514" anchor="ctr">
+                    <a:solidFill>
+                      <a:schemeClr val="bg2"/>
+                    </a:solidFill>
+                  </a:tcPr>
+                </a:tc>
+                <a:tc>
+                  <a:txBody>
+                    <a:bodyPr/>
+                    <a:lstStyle/>
+                    <a:p>
+                      <a:pPr algn="ctr"/>
+                      <a:endParaRPr lang="en-US" sz="1400" dirty="0"/>
+                    </a:p>
+                  </a:txBody>
+                  <a:tcPr marL="61028" marR="61028" marT="30514" marB="30514" anchor="ctr">
+                    <a:solidFill>
+                      <a:srgbClr val="7030A0"/>
+                    </a:solidFill>
+                  </a:tcPr>
+                </a:tc>
+                <a:tc>
+                  <a:txBody>
+                    <a:bodyPr/>
+                    <a:lstStyle/>
+                    <a:p>
+                      <a:pPr algn="ctr"/>
+                      <a:endParaRPr lang="en-US" sz="1400" dirty="0"/>
+                    </a:p>
+                  </a:txBody>
+                  <a:tcPr marL="61028" marR="61028" marT="30514" marB="30514" anchor="ctr">
+                    <a:solidFill>
+                      <a:schemeClr val="bg1">
+                        <a:lumMod val="95000"/>
+                      </a:schemeClr>
+                    </a:solidFill>
+                  </a:tcPr>
+                </a:tc>
+                <a:tc>
+                  <a:txBody>
+                    <a:bodyPr/>
+                    <a:lstStyle/>
+                    <a:p>
+                      <a:pPr algn="ctr"/>
+                      <a:r>
+                        <a:rPr lang="en-US" sz="1400" dirty="0"/>
+                        <a:t>7</a:t>
+                      </a:r>
+                    </a:p>
+                  </a:txBody>
+                  <a:tcPr marL="61028" marR="61028" marT="30514" marB="30514" anchor="ctr">
+                    <a:solidFill>
+                      <a:schemeClr val="bg2"/>
+                    </a:solidFill>
+                  </a:tcPr>
+                </a:tc>
+                <a:tc>
+                  <a:txBody>
+                    <a:bodyPr/>
+                    <a:lstStyle/>
+                    <a:p>
+                      <a:pPr algn="ctr"/>
+                      <a:r>
+                        <a:rPr lang="en-US" sz="1400" dirty="0"/>
+                        <a:t>8</a:t>
+                      </a:r>
+                    </a:p>
+                  </a:txBody>
+                  <a:tcPr marL="61028" marR="61028" marT="30514" marB="30514" anchor="ctr">
+                    <a:solidFill>
+                      <a:schemeClr val="bg2"/>
+                    </a:solidFill>
+                  </a:tcPr>
+                </a:tc>
+                <a:extLst>
+                  <a:ext uri="{0D108BD9-81ED-4DB2-BD59-A6C34878D82A}">
+                    <a16:rowId xmlns:a16="http://schemas.microsoft.com/office/drawing/2014/main" val="219985917"/>
+                  </a:ext>
+                </a:extLst>
+              </a:tr>
+              <a:tr h="486816">
+                <a:tc>
+                  <a:txBody>
+                    <a:bodyPr/>
+                    <a:lstStyle/>
+                    <a:p>
+                      <a:pPr algn="ctr"/>
+                      <a:endParaRPr lang="en-US" sz="1400" dirty="0"/>
+                    </a:p>
+                  </a:txBody>
+                  <a:tcPr marL="61028" marR="61028" marT="30514" marB="30514" anchor="ctr">
+                    <a:solidFill>
+                      <a:srgbClr val="7030A0"/>
+                    </a:solidFill>
+                  </a:tcPr>
+                </a:tc>
+                <a:tc>
+                  <a:txBody>
+                    <a:bodyPr/>
+                    <a:lstStyle/>
+                    <a:p>
+                      <a:pPr algn="ctr"/>
+                      <a:endParaRPr lang="en-US" sz="1400" dirty="0"/>
+                    </a:p>
+                  </a:txBody>
+                  <a:tcPr marL="61028" marR="61028" marT="30514" marB="30514" anchor="ctr">
+                    <a:solidFill>
+                      <a:srgbClr val="7030A0"/>
+                    </a:solidFill>
+                  </a:tcPr>
+                </a:tc>
+                <a:tc>
+                  <a:txBody>
+                    <a:bodyPr/>
+                    <a:lstStyle/>
+                    <a:p>
+                      <a:pPr algn="ctr"/>
+                      <a:r>
+                        <a:rPr lang="en-US" sz="1400" dirty="0"/>
+                        <a:t>5</a:t>
+                      </a:r>
+                    </a:p>
+                  </a:txBody>
+                  <a:tcPr marL="61028" marR="61028" marT="30514" marB="30514" anchor="ctr">
+                    <a:solidFill>
+                      <a:schemeClr val="bg2"/>
+                    </a:solidFill>
+                  </a:tcPr>
+                </a:tc>
+                <a:tc>
+                  <a:txBody>
+                    <a:bodyPr/>
+                    <a:lstStyle/>
+                    <a:p>
+                      <a:pPr algn="ctr"/>
+                      <a:r>
+                        <a:rPr lang="en-US" sz="1400" dirty="0"/>
+                        <a:t>7</a:t>
+                      </a:r>
+                    </a:p>
+                  </a:txBody>
+                  <a:tcPr marL="61028" marR="61028" marT="30514" marB="30514" anchor="ctr">
+                    <a:solidFill>
+                      <a:schemeClr val="bg2"/>
+                    </a:solidFill>
+                  </a:tcPr>
+                </a:tc>
+                <a:tc>
+                  <a:txBody>
+                    <a:bodyPr/>
+                    <a:lstStyle/>
+                    <a:p>
+                      <a:pPr algn="ctr"/>
+                      <a:r>
+                        <a:rPr lang="en-US" sz="1400" dirty="0"/>
+                        <a:t>8</a:t>
+                      </a:r>
+                    </a:p>
+                  </a:txBody>
+                  <a:tcPr marL="61028" marR="61028" marT="30514" marB="30514" anchor="ctr">
+                    <a:solidFill>
+                      <a:schemeClr val="bg2"/>
+                    </a:solidFill>
+                  </a:tcPr>
+                </a:tc>
+                <a:extLst>
+                  <a:ext uri="{0D108BD9-81ED-4DB2-BD59-A6C34878D82A}">
+                    <a16:rowId xmlns:a16="http://schemas.microsoft.com/office/drawing/2014/main" val="2707290723"/>
+                  </a:ext>
+                </a:extLst>
+              </a:tr>
+            </a:tbl>
+          </a:graphicData>
+        </a:graphic>
+      </p:graphicFrame>
+      <p:graphicFrame>
+        <p:nvGraphicFramePr>
+          <p:cNvPr id="11" name="Table 10">
+            <a:extLst>
+              <a:ext uri="{FF2B5EF4-FFF2-40B4-BE49-F238E27FC236}">
+                <a16:creationId xmlns:a16="http://schemas.microsoft.com/office/drawing/2014/main" id="{C45F121C-4A81-4525-8333-F93E20467BEB}"/>
+              </a:ext>
+            </a:extLst>
+          </p:cNvPr>
+          <p:cNvGraphicFramePr>
+            <a:graphicFrameLocks noGrp="1"/>
+          </p:cNvGraphicFramePr>
+          <p:nvPr>
+            <p:extLst>
+              <p:ext uri="{D42A27DB-BD31-4B8C-83A1-F6EECF244321}">
+                <p14:modId xmlns:p14="http://schemas.microsoft.com/office/powerpoint/2010/main" val="3798788625"/>
+              </p:ext>
+            </p:extLst>
+          </p:nvPr>
+        </p:nvGraphicFramePr>
+        <p:xfrm>
+          <a:off x="296507" y="3610947"/>
+          <a:ext cx="2579500" cy="2434080"/>
+        </p:xfrm>
+        <a:graphic>
+          <a:graphicData uri="http://schemas.openxmlformats.org/drawingml/2006/table">
+            <a:tbl>
+              <a:tblPr bandRow="1">
+                <a:tableStyleId>{5C22544A-7EE6-4342-B048-85BDC9FD1C3A}</a:tableStyleId>
+              </a:tblPr>
+              <a:tblGrid>
+                <a:gridCol w="515900">
+                  <a:extLst>
+                    <a:ext uri="{9D8B030D-6E8A-4147-A177-3AD203B41FA5}">
+                      <a16:colId xmlns:a16="http://schemas.microsoft.com/office/drawing/2014/main" val="25478705"/>
+                    </a:ext>
+                  </a:extLst>
+                </a:gridCol>
+                <a:gridCol w="515900">
+                  <a:extLst>
+                    <a:ext uri="{9D8B030D-6E8A-4147-A177-3AD203B41FA5}">
+                      <a16:colId xmlns:a16="http://schemas.microsoft.com/office/drawing/2014/main" val="226531799"/>
+                    </a:ext>
+                  </a:extLst>
+                </a:gridCol>
+                <a:gridCol w="515900">
+                  <a:extLst>
+                    <a:ext uri="{9D8B030D-6E8A-4147-A177-3AD203B41FA5}">
+                      <a16:colId xmlns:a16="http://schemas.microsoft.com/office/drawing/2014/main" val="2356330627"/>
+                    </a:ext>
+                  </a:extLst>
+                </a:gridCol>
+                <a:gridCol w="515900">
+                  <a:extLst>
+                    <a:ext uri="{9D8B030D-6E8A-4147-A177-3AD203B41FA5}">
+                      <a16:colId xmlns:a16="http://schemas.microsoft.com/office/drawing/2014/main" val="3042047976"/>
+                    </a:ext>
+                  </a:extLst>
+                </a:gridCol>
+                <a:gridCol w="515900">
+                  <a:extLst>
+                    <a:ext uri="{9D8B030D-6E8A-4147-A177-3AD203B41FA5}">
+                      <a16:colId xmlns:a16="http://schemas.microsoft.com/office/drawing/2014/main" val="681749304"/>
+                    </a:ext>
+                  </a:extLst>
+                </a:gridCol>
+              </a:tblGrid>
+              <a:tr h="486816">
+                <a:tc>
+                  <a:txBody>
+                    <a:bodyPr/>
+                    <a:lstStyle/>
+                    <a:p>
+                      <a:pPr algn="ctr"/>
+                      <a:endParaRPr lang="en-US" sz="1400" dirty="0"/>
+                    </a:p>
+                  </a:txBody>
+                  <a:tcPr marL="61028" marR="61028" marT="30514" marB="30514" anchor="ctr">
+                    <a:solidFill>
+                      <a:schemeClr val="bg1">
+                        <a:lumMod val="95000"/>
+                      </a:schemeClr>
+                    </a:solidFill>
+                  </a:tcPr>
+                </a:tc>
+                <a:tc>
+                  <a:txBody>
+                    <a:bodyPr/>
+                    <a:lstStyle/>
+                    <a:p>
+                      <a:pPr algn="ctr"/>
+                      <a:endParaRPr lang="en-US" sz="1400" dirty="0"/>
+                    </a:p>
+                  </a:txBody>
+                  <a:tcPr marL="61028" marR="61028" marT="30514" marB="30514" anchor="ctr">
+                    <a:solidFill>
+                      <a:srgbClr val="7030A0"/>
+                    </a:solidFill>
+                  </a:tcPr>
+                </a:tc>
+                <a:tc>
+                  <a:txBody>
+                    <a:bodyPr/>
+                    <a:lstStyle/>
+                    <a:p>
+                      <a:pPr algn="ctr"/>
+                      <a:endParaRPr lang="en-US" sz="1400" dirty="0"/>
+                    </a:p>
+                  </a:txBody>
+                  <a:tcPr marL="61028" marR="61028" marT="30514" marB="30514" anchor="ctr">
+                    <a:solidFill>
+                      <a:srgbClr val="7030A0"/>
+                    </a:solidFill>
+                  </a:tcPr>
+                </a:tc>
+                <a:tc>
+                  <a:txBody>
+                    <a:bodyPr/>
+                    <a:lstStyle/>
+                    <a:p>
+                      <a:pPr algn="ctr"/>
+                      <a:endParaRPr lang="en-US" sz="1400" dirty="0"/>
+                    </a:p>
+                  </a:txBody>
+                  <a:tcPr marL="61028" marR="61028" marT="30514" marB="30514" anchor="ctr">
+                    <a:solidFill>
+                      <a:schemeClr val="bg1">
+                        <a:lumMod val="95000"/>
+                      </a:schemeClr>
+                    </a:solidFill>
+                  </a:tcPr>
+                </a:tc>
+                <a:tc>
+                  <a:txBody>
+                    <a:bodyPr/>
+                    <a:lstStyle/>
+                    <a:p>
+                      <a:pPr algn="ctr"/>
+                      <a:endParaRPr lang="en-US" sz="1400" dirty="0"/>
+                    </a:p>
+                  </a:txBody>
+                  <a:tcPr marL="61028" marR="61028" marT="30514" marB="30514" anchor="ctr">
+                    <a:solidFill>
+                      <a:schemeClr val="bg1">
+                        <a:lumMod val="95000"/>
+                      </a:schemeClr>
+                    </a:solidFill>
+                  </a:tcPr>
+                </a:tc>
+                <a:extLst>
+                  <a:ext uri="{0D108BD9-81ED-4DB2-BD59-A6C34878D82A}">
+                    <a16:rowId xmlns:a16="http://schemas.microsoft.com/office/drawing/2014/main" val="2143823408"/>
+                  </a:ext>
+                </a:extLst>
+              </a:tr>
+              <a:tr h="486816">
+                <a:tc>
+                  <a:txBody>
+                    <a:bodyPr/>
+                    <a:lstStyle/>
+                    <a:p>
+                      <a:pPr algn="ctr"/>
+                      <a:endParaRPr lang="en-US" sz="1400" dirty="0"/>
+                    </a:p>
+                  </a:txBody>
+                  <a:tcPr marL="61028" marR="61028" marT="30514" marB="30514" anchor="ctr">
+                    <a:solidFill>
+                      <a:srgbClr val="7030A0"/>
+                    </a:solidFill>
+                  </a:tcPr>
+                </a:tc>
+                <a:tc>
+                  <a:txBody>
+                    <a:bodyPr/>
+                    <a:lstStyle/>
+                    <a:p>
+                      <a:pPr algn="ctr"/>
+                      <a:endParaRPr lang="en-US" sz="1400" dirty="0"/>
+                    </a:p>
+                  </a:txBody>
+                  <a:tcPr marL="61028" marR="61028" marT="30514" marB="30514" anchor="ctr">
+                    <a:solidFill>
+                      <a:srgbClr val="7030A0"/>
+                    </a:solidFill>
+                  </a:tcPr>
+                </a:tc>
+                <a:tc>
+                  <a:txBody>
+                    <a:bodyPr/>
+                    <a:lstStyle/>
+                    <a:p>
+                      <a:pPr algn="ctr"/>
+                      <a:endParaRPr lang="en-US" sz="1400" dirty="0"/>
+                    </a:p>
+                  </a:txBody>
+                  <a:tcPr marL="61028" marR="61028" marT="30514" marB="30514" anchor="ctr">
+                    <a:solidFill>
+                      <a:schemeClr val="bg1">
+                        <a:lumMod val="95000"/>
+                      </a:schemeClr>
+                    </a:solidFill>
+                  </a:tcPr>
+                </a:tc>
+                <a:tc>
+                  <a:txBody>
+                    <a:bodyPr/>
+                    <a:lstStyle/>
+                    <a:p>
+                      <a:pPr algn="ctr"/>
+                      <a:endParaRPr lang="en-US" sz="1400" dirty="0"/>
+                    </a:p>
+                  </a:txBody>
+                  <a:tcPr marL="61028" marR="61028" marT="30514" marB="30514" anchor="ctr">
+                    <a:solidFill>
+                      <a:srgbClr val="7030A0"/>
+                    </a:solidFill>
+                  </a:tcPr>
+                </a:tc>
+                <a:tc>
+                  <a:txBody>
+                    <a:bodyPr/>
+                    <a:lstStyle/>
+                    <a:p>
+                      <a:pPr algn="ctr"/>
+                      <a:endParaRPr lang="en-US" sz="1400" dirty="0"/>
+                    </a:p>
+                  </a:txBody>
+                  <a:tcPr marL="61028" marR="61028" marT="30514" marB="30514" anchor="ctr">
+                    <a:solidFill>
+                      <a:schemeClr val="bg1">
+                        <a:lumMod val="95000"/>
+                      </a:schemeClr>
+                    </a:solidFill>
+                  </a:tcPr>
+                </a:tc>
+                <a:extLst>
+                  <a:ext uri="{0D108BD9-81ED-4DB2-BD59-A6C34878D82A}">
+                    <a16:rowId xmlns:a16="http://schemas.microsoft.com/office/drawing/2014/main" val="1569069341"/>
+                  </a:ext>
+                </a:extLst>
+              </a:tr>
+              <a:tr h="486816">
+                <a:tc>
+                  <a:txBody>
+                    <a:bodyPr/>
+                    <a:lstStyle/>
+                    <a:p>
+                      <a:pPr algn="ctr"/>
+                      <a:endParaRPr lang="en-US" sz="1400" dirty="0"/>
+                    </a:p>
+                  </a:txBody>
+                  <a:tcPr marL="61028" marR="61028" marT="30514" marB="30514" anchor="ctr">
+                    <a:solidFill>
+                      <a:schemeClr val="bg1">
+                        <a:lumMod val="95000"/>
+                      </a:schemeClr>
+                    </a:solidFill>
+                  </a:tcPr>
+                </a:tc>
+                <a:tc>
+                  <a:txBody>
+                    <a:bodyPr/>
+                    <a:lstStyle/>
+                    <a:p>
+                      <a:pPr algn="ctr"/>
+                      <a:endParaRPr lang="en-US" sz="1400" dirty="0"/>
+                    </a:p>
+                  </a:txBody>
+                  <a:tcPr marL="61028" marR="61028" marT="30514" marB="30514" anchor="ctr">
+                    <a:solidFill>
+                      <a:srgbClr val="7030A0"/>
+                    </a:solidFill>
+                  </a:tcPr>
+                </a:tc>
+                <a:tc>
+                  <a:txBody>
+                    <a:bodyPr/>
+                    <a:lstStyle/>
+                    <a:p>
+                      <a:pPr algn="ctr"/>
+                      <a:endParaRPr lang="en-US" sz="1400" dirty="0"/>
+                    </a:p>
+                  </a:txBody>
+                  <a:tcPr marL="61028" marR="61028" marT="30514" marB="30514" anchor="ctr">
+                    <a:solidFill>
+                      <a:srgbClr val="7030A0"/>
+                    </a:solidFill>
+                  </a:tcPr>
+                </a:tc>
+                <a:tc>
+                  <a:txBody>
+                    <a:bodyPr/>
+                    <a:lstStyle/>
+                    <a:p>
+                      <a:pPr algn="ctr"/>
+                      <a:endParaRPr lang="en-US" sz="1400" dirty="0"/>
+                    </a:p>
+                  </a:txBody>
+                  <a:tcPr marL="61028" marR="61028" marT="30514" marB="30514" anchor="ctr">
+                    <a:solidFill>
+                      <a:srgbClr val="7030A0"/>
+                    </a:solidFill>
+                  </a:tcPr>
+                </a:tc>
+                <a:tc>
+                  <a:txBody>
+                    <a:bodyPr/>
+                    <a:lstStyle/>
+                    <a:p>
+                      <a:pPr algn="ctr"/>
+                      <a:endParaRPr lang="en-US" sz="1400" dirty="0"/>
+                    </a:p>
+                  </a:txBody>
+                  <a:tcPr marL="61028" marR="61028" marT="30514" marB="30514" anchor="ctr">
+                    <a:solidFill>
+                      <a:srgbClr val="7030A0"/>
+                    </a:solidFill>
+                  </a:tcPr>
+                </a:tc>
+                <a:extLst>
+                  <a:ext uri="{0D108BD9-81ED-4DB2-BD59-A6C34878D82A}">
+                    <a16:rowId xmlns:a16="http://schemas.microsoft.com/office/drawing/2014/main" val="1189502354"/>
+                  </a:ext>
+                </a:extLst>
+              </a:tr>
+              <a:tr h="486816">
+                <a:tc>
+                  <a:txBody>
+                    <a:bodyPr/>
+                    <a:lstStyle/>
+                    <a:p>
+                      <a:pPr algn="ctr"/>
+                      <a:endParaRPr lang="en-US" sz="1400" dirty="0"/>
+                    </a:p>
+                  </a:txBody>
+                  <a:tcPr marL="61028" marR="61028" marT="30514" marB="30514" anchor="ctr">
+                    <a:solidFill>
+                      <a:schemeClr val="bg1">
+                        <a:lumMod val="95000"/>
+                      </a:schemeClr>
+                    </a:solidFill>
+                  </a:tcPr>
+                </a:tc>
+                <a:tc>
+                  <a:txBody>
+                    <a:bodyPr/>
+                    <a:lstStyle/>
+                    <a:p>
+                      <a:pPr algn="ctr"/>
+                      <a:endParaRPr lang="en-US" sz="1400" dirty="0"/>
+                    </a:p>
+                  </a:txBody>
+                  <a:tcPr marL="61028" marR="61028" marT="30514" marB="30514" anchor="ctr">
+                    <a:solidFill>
+                      <a:srgbClr val="7030A0"/>
+                    </a:solidFill>
+                  </a:tcPr>
+                </a:tc>
+                <a:tc>
+                  <a:txBody>
+                    <a:bodyPr/>
+                    <a:lstStyle/>
+                    <a:p>
+                      <a:pPr algn="ctr"/>
+                      <a:endParaRPr lang="en-US" sz="1400" dirty="0"/>
+                    </a:p>
+                  </a:txBody>
+                  <a:tcPr marL="61028" marR="61028" marT="30514" marB="30514" anchor="ctr">
+                    <a:solidFill>
+                      <a:schemeClr val="bg1">
+                        <a:lumMod val="95000"/>
+                      </a:schemeClr>
+                    </a:solidFill>
+                  </a:tcPr>
+                </a:tc>
+                <a:tc>
+                  <a:txBody>
+                    <a:bodyPr/>
+                    <a:lstStyle/>
+                    <a:p>
+                      <a:pPr algn="ctr"/>
+                      <a:endParaRPr lang="en-US" sz="1400" dirty="0"/>
+                    </a:p>
+                  </a:txBody>
+                  <a:tcPr marL="61028" marR="61028" marT="30514" marB="30514" anchor="ctr">
+                    <a:solidFill>
+                      <a:schemeClr val="bg1">
+                        <a:lumMod val="95000"/>
+                      </a:schemeClr>
+                    </a:solidFill>
+                  </a:tcPr>
+                </a:tc>
+                <a:tc>
+                  <a:txBody>
+                    <a:bodyPr/>
+                    <a:lstStyle/>
+                    <a:p>
+                      <a:pPr algn="ctr"/>
+                      <a:endParaRPr lang="en-US" sz="1400" dirty="0"/>
+                    </a:p>
+                  </a:txBody>
+                  <a:tcPr marL="61028" marR="61028" marT="30514" marB="30514" anchor="ctr">
+                    <a:solidFill>
+                      <a:srgbClr val="7030A0"/>
+                    </a:solidFill>
+                  </a:tcPr>
+                </a:tc>
+                <a:extLst>
+                  <a:ext uri="{0D108BD9-81ED-4DB2-BD59-A6C34878D82A}">
+                    <a16:rowId xmlns:a16="http://schemas.microsoft.com/office/drawing/2014/main" val="219985917"/>
+                  </a:ext>
+                </a:extLst>
+              </a:tr>
+              <a:tr h="486816">
+                <a:tc>
+                  <a:txBody>
+                    <a:bodyPr/>
+                    <a:lstStyle/>
+                    <a:p>
+                      <a:pPr algn="ctr"/>
+                      <a:endParaRPr lang="en-US" sz="1400" dirty="0"/>
+                    </a:p>
+                  </a:txBody>
+                  <a:tcPr marL="61028" marR="61028" marT="30514" marB="30514" anchor="ctr">
+                    <a:solidFill>
+                      <a:srgbClr val="7030A0"/>
+                    </a:solidFill>
+                  </a:tcPr>
+                </a:tc>
+                <a:tc>
+                  <a:txBody>
+                    <a:bodyPr/>
+                    <a:lstStyle/>
+                    <a:p>
+                      <a:pPr algn="ctr"/>
+                      <a:endParaRPr lang="en-US" sz="1400" dirty="0"/>
+                    </a:p>
+                  </a:txBody>
+                  <a:tcPr marL="61028" marR="61028" marT="30514" marB="30514" anchor="ctr">
+                    <a:solidFill>
+                      <a:srgbClr val="7030A0"/>
+                    </a:solidFill>
+                  </a:tcPr>
+                </a:tc>
+                <a:tc>
+                  <a:txBody>
+                    <a:bodyPr/>
+                    <a:lstStyle/>
+                    <a:p>
+                      <a:pPr algn="ctr"/>
+                      <a:endParaRPr lang="en-US" sz="1400" dirty="0"/>
+                    </a:p>
+                  </a:txBody>
+                  <a:tcPr marL="61028" marR="61028" marT="30514" marB="30514" anchor="ctr">
+                    <a:solidFill>
+                      <a:srgbClr val="7030A0"/>
+                    </a:solidFill>
+                  </a:tcPr>
+                </a:tc>
+                <a:tc>
+                  <a:txBody>
+                    <a:bodyPr/>
+                    <a:lstStyle/>
+                    <a:p>
+                      <a:pPr algn="ctr"/>
+                      <a:endParaRPr lang="en-US" sz="1400" dirty="0"/>
+                    </a:p>
+                  </a:txBody>
+                  <a:tcPr marL="61028" marR="61028" marT="30514" marB="30514" anchor="ctr">
+                    <a:solidFill>
+                      <a:srgbClr val="7030A0"/>
+                    </a:solidFill>
+                  </a:tcPr>
+                </a:tc>
+                <a:tc>
+                  <a:txBody>
+                    <a:bodyPr/>
+                    <a:lstStyle/>
+                    <a:p>
+                      <a:pPr algn="ctr"/>
+                      <a:endParaRPr lang="en-US" sz="1400" dirty="0"/>
+                    </a:p>
+                  </a:txBody>
+                  <a:tcPr marL="61028" marR="61028" marT="30514" marB="30514" anchor="ctr">
+                    <a:solidFill>
+                      <a:schemeClr val="bg1">
+                        <a:lumMod val="95000"/>
+                      </a:schemeClr>
+                    </a:solidFill>
+                  </a:tcPr>
+                </a:tc>
+                <a:extLst>
+                  <a:ext uri="{0D108BD9-81ED-4DB2-BD59-A6C34878D82A}">
+                    <a16:rowId xmlns:a16="http://schemas.microsoft.com/office/drawing/2014/main" val="2707290723"/>
+                  </a:ext>
+                </a:extLst>
+              </a:tr>
+            </a:tbl>
+          </a:graphicData>
+        </a:graphic>
+      </p:graphicFrame>
+      <p:cxnSp>
+        <p:nvCxnSpPr>
+          <p:cNvPr id="13" name="Straight Arrow Connector 12">
+            <a:extLst>
+              <a:ext uri="{FF2B5EF4-FFF2-40B4-BE49-F238E27FC236}">
+                <a16:creationId xmlns:a16="http://schemas.microsoft.com/office/drawing/2014/main" id="{888FA4AD-9DB7-450A-98C6-764CC7494219}"/>
+              </a:ext>
+            </a:extLst>
+          </p:cNvPr>
+          <p:cNvCxnSpPr>
+            <a:endCxn id="7" idx="1"/>
+          </p:cNvCxnSpPr>
+          <p:nvPr/>
+        </p:nvCxnSpPr>
+        <p:spPr>
+          <a:xfrm>
+            <a:off x="2876007" y="1442184"/>
+            <a:ext cx="922590" cy="0"/>
+          </a:xfrm>
+          <a:prstGeom prst="straightConnector1">
+            <a:avLst/>
+          </a:prstGeom>
+          <a:ln>
+            <a:solidFill>
+              <a:schemeClr val="tx1"/>
+            </a:solidFill>
+            <a:tailEnd type="triangle"/>
+          </a:ln>
+        </p:spPr>
+        <p:style>
+          <a:lnRef idx="1">
+            <a:schemeClr val="accent1"/>
+          </a:lnRef>
+          <a:fillRef idx="0">
+            <a:schemeClr val="accent1"/>
+          </a:fillRef>
+          <a:effectRef idx="0">
+            <a:schemeClr val="accent1"/>
+          </a:effectRef>
+          <a:fontRef idx="minor">
+            <a:schemeClr val="tx1"/>
+          </a:fontRef>
+        </p:style>
+      </p:cxnSp>
+      <p:cxnSp>
+        <p:nvCxnSpPr>
+          <p:cNvPr id="14" name="Straight Arrow Connector 13">
+            <a:extLst>
+              <a:ext uri="{FF2B5EF4-FFF2-40B4-BE49-F238E27FC236}">
+                <a16:creationId xmlns:a16="http://schemas.microsoft.com/office/drawing/2014/main" id="{4AB44538-BAD9-4117-A87E-19CD086B53A6}"/>
+              </a:ext>
+            </a:extLst>
+          </p:cNvPr>
+          <p:cNvCxnSpPr>
+            <a:cxnSpLocks/>
+            <a:stCxn id="7" idx="3"/>
+            <a:endCxn id="8" idx="1"/>
+          </p:cNvCxnSpPr>
+          <p:nvPr/>
+        </p:nvCxnSpPr>
+        <p:spPr>
+          <a:xfrm flipV="1">
+            <a:off x="6378097" y="1434063"/>
+            <a:ext cx="922590" cy="8121"/>
+          </a:xfrm>
+          <a:prstGeom prst="straightConnector1">
+            <a:avLst/>
+          </a:prstGeom>
+          <a:ln>
+            <a:solidFill>
+              <a:schemeClr val="tx1"/>
+            </a:solidFill>
+            <a:tailEnd type="triangle"/>
+          </a:ln>
+        </p:spPr>
+        <p:style>
+          <a:lnRef idx="1">
+            <a:schemeClr val="accent1"/>
+          </a:lnRef>
+          <a:fillRef idx="0">
+            <a:schemeClr val="accent1"/>
+          </a:fillRef>
+          <a:effectRef idx="0">
+            <a:schemeClr val="accent1"/>
+          </a:effectRef>
+          <a:fontRef idx="minor">
+            <a:schemeClr val="tx1"/>
+          </a:fontRef>
+        </p:style>
+      </p:cxnSp>
+      <p:cxnSp>
+        <p:nvCxnSpPr>
+          <p:cNvPr id="19" name="Connector: Elbow 18">
+            <a:extLst>
+              <a:ext uri="{FF2B5EF4-FFF2-40B4-BE49-F238E27FC236}">
+                <a16:creationId xmlns:a16="http://schemas.microsoft.com/office/drawing/2014/main" id="{6CBD87B1-4348-4D6D-913B-AE17EF482EEA}"/>
+              </a:ext>
+            </a:extLst>
+          </p:cNvPr>
+          <p:cNvCxnSpPr>
+            <a:cxnSpLocks/>
+            <a:stCxn id="8" idx="3"/>
+            <a:endCxn id="9" idx="3"/>
+          </p:cNvCxnSpPr>
+          <p:nvPr/>
+        </p:nvCxnSpPr>
+        <p:spPr>
+          <a:xfrm>
+            <a:off x="9880187" y="1434063"/>
+            <a:ext cx="12700" cy="3384593"/>
+          </a:xfrm>
+          <a:prstGeom prst="bentConnector3">
+            <a:avLst>
+              <a:gd name="adj1" fmla="val 1800000"/>
+            </a:avLst>
+          </a:prstGeom>
+          <a:ln>
+            <a:solidFill>
+              <a:schemeClr val="tx1"/>
+            </a:solidFill>
+            <a:tailEnd type="triangle"/>
+          </a:ln>
+        </p:spPr>
+        <p:style>
+          <a:lnRef idx="1">
+            <a:schemeClr val="accent1"/>
+          </a:lnRef>
+          <a:fillRef idx="0">
+            <a:schemeClr val="accent1"/>
+          </a:fillRef>
+          <a:effectRef idx="0">
+            <a:schemeClr val="accent1"/>
+          </a:effectRef>
+          <a:fontRef idx="minor">
+            <a:schemeClr val="tx1"/>
+          </a:fontRef>
+        </p:style>
+      </p:cxnSp>
+      <p:cxnSp>
+        <p:nvCxnSpPr>
+          <p:cNvPr id="24" name="Straight Arrow Connector 23">
+            <a:extLst>
+              <a:ext uri="{FF2B5EF4-FFF2-40B4-BE49-F238E27FC236}">
+                <a16:creationId xmlns:a16="http://schemas.microsoft.com/office/drawing/2014/main" id="{AB7772FB-CEC1-4726-8D38-D55546AD1170}"/>
+              </a:ext>
+            </a:extLst>
+          </p:cNvPr>
+          <p:cNvCxnSpPr>
+            <a:cxnSpLocks/>
+            <a:stCxn id="9" idx="1"/>
+            <a:endCxn id="10" idx="3"/>
+          </p:cNvCxnSpPr>
+          <p:nvPr/>
+        </p:nvCxnSpPr>
+        <p:spPr>
+          <a:xfrm flipH="1">
+            <a:off x="6378097" y="4818656"/>
+            <a:ext cx="922590" cy="9331"/>
+          </a:xfrm>
+          <a:prstGeom prst="straightConnector1">
+            <a:avLst/>
+          </a:prstGeom>
+          <a:ln>
+            <a:solidFill>
+              <a:schemeClr val="tx1"/>
+            </a:solidFill>
+            <a:tailEnd type="triangle"/>
+          </a:ln>
+        </p:spPr>
+        <p:style>
+          <a:lnRef idx="1">
+            <a:schemeClr val="accent1"/>
+          </a:lnRef>
+          <a:fillRef idx="0">
+            <a:schemeClr val="accent1"/>
+          </a:fillRef>
+          <a:effectRef idx="0">
+            <a:schemeClr val="accent1"/>
+          </a:effectRef>
+          <a:fontRef idx="minor">
+            <a:schemeClr val="tx1"/>
+          </a:fontRef>
+        </p:style>
+      </p:cxnSp>
+      <p:cxnSp>
+        <p:nvCxnSpPr>
+          <p:cNvPr id="27" name="Straight Arrow Connector 26">
+            <a:extLst>
+              <a:ext uri="{FF2B5EF4-FFF2-40B4-BE49-F238E27FC236}">
+                <a16:creationId xmlns:a16="http://schemas.microsoft.com/office/drawing/2014/main" id="{2E691B76-B5A0-4689-A65E-BF6EAA15A957}"/>
+              </a:ext>
+            </a:extLst>
+          </p:cNvPr>
+          <p:cNvCxnSpPr>
+            <a:cxnSpLocks/>
+            <a:stCxn id="10" idx="1"/>
+            <a:endCxn id="11" idx="3"/>
+          </p:cNvCxnSpPr>
+          <p:nvPr/>
+        </p:nvCxnSpPr>
+        <p:spPr>
+          <a:xfrm flipH="1">
+            <a:off x="2876007" y="4827987"/>
+            <a:ext cx="922590" cy="0"/>
+          </a:xfrm>
+          <a:prstGeom prst="straightConnector1">
+            <a:avLst/>
+          </a:prstGeom>
+          <a:ln>
+            <a:solidFill>
+              <a:schemeClr val="tx1"/>
+            </a:solidFill>
+            <a:tailEnd type="triangle"/>
+          </a:ln>
+        </p:spPr>
+        <p:style>
+          <a:lnRef idx="1">
+            <a:schemeClr val="accent1"/>
+          </a:lnRef>
+          <a:fillRef idx="0">
+            <a:schemeClr val="accent1"/>
+          </a:fillRef>
+          <a:effectRef idx="0">
+            <a:schemeClr val="accent1"/>
+          </a:effectRef>
+          <a:fontRef idx="minor">
+            <a:schemeClr val="tx1"/>
+          </a:fontRef>
+        </p:style>
+      </p:cxnSp>
+      <p:sp>
+        <p:nvSpPr>
+          <p:cNvPr id="32" name="TextBox 31">
+            <a:extLst>
+              <a:ext uri="{FF2B5EF4-FFF2-40B4-BE49-F238E27FC236}">
+                <a16:creationId xmlns:a16="http://schemas.microsoft.com/office/drawing/2014/main" id="{3295F91C-87DE-4E55-B3C5-B71FE0090E56}"/>
+              </a:ext>
+            </a:extLst>
+          </p:cNvPr>
+          <p:cNvSpPr txBox="1"/>
+          <p:nvPr/>
+        </p:nvSpPr>
+        <p:spPr>
+          <a:xfrm>
+            <a:off x="1324947" y="2605187"/>
+            <a:ext cx="500484" cy="369332"/>
+          </a:xfrm>
+          <a:prstGeom prst="rect">
+            <a:avLst/>
+          </a:prstGeom>
+          <a:noFill/>
+        </p:spPr>
+        <p:txBody>
+          <a:bodyPr wrap="square" rtlCol="0">
+            <a:spAutoFit/>
+          </a:bodyPr>
+          <a:lstStyle/>
+          <a:p>
+            <a:pPr algn="ctr"/>
+            <a:r>
+              <a:rPr lang="en-US" dirty="0"/>
+              <a:t>(a)</a:t>
+            </a:r>
+          </a:p>
+        </p:txBody>
+      </p:sp>
+      <p:sp>
+        <p:nvSpPr>
+          <p:cNvPr id="33" name="TextBox 32">
+            <a:extLst>
+              <a:ext uri="{FF2B5EF4-FFF2-40B4-BE49-F238E27FC236}">
+                <a16:creationId xmlns:a16="http://schemas.microsoft.com/office/drawing/2014/main" id="{71BB54D2-CF02-4113-A54C-5161B93D49E1}"/>
+              </a:ext>
+            </a:extLst>
+          </p:cNvPr>
+          <p:cNvSpPr txBox="1"/>
+          <p:nvPr/>
+        </p:nvSpPr>
+        <p:spPr>
+          <a:xfrm>
+            <a:off x="4838105" y="2597803"/>
+            <a:ext cx="500484" cy="369332"/>
+          </a:xfrm>
+          <a:prstGeom prst="rect">
+            <a:avLst/>
+          </a:prstGeom>
+          <a:noFill/>
+        </p:spPr>
+        <p:txBody>
+          <a:bodyPr wrap="square" rtlCol="0">
+            <a:spAutoFit/>
+          </a:bodyPr>
+          <a:lstStyle/>
+          <a:p>
+            <a:pPr algn="ctr"/>
+            <a:r>
+              <a:rPr lang="en-US" dirty="0"/>
+              <a:t>(b)</a:t>
+            </a:r>
+          </a:p>
+        </p:txBody>
+      </p:sp>
+      <p:sp>
+        <p:nvSpPr>
+          <p:cNvPr id="34" name="TextBox 33">
+            <a:extLst>
+              <a:ext uri="{FF2B5EF4-FFF2-40B4-BE49-F238E27FC236}">
+                <a16:creationId xmlns:a16="http://schemas.microsoft.com/office/drawing/2014/main" id="{1A39A389-411D-4F3F-B3FE-CBA5A6B937E6}"/>
+              </a:ext>
+            </a:extLst>
+          </p:cNvPr>
+          <p:cNvSpPr txBox="1"/>
+          <p:nvPr/>
+        </p:nvSpPr>
+        <p:spPr>
+          <a:xfrm>
+            <a:off x="8351263" y="2597803"/>
+            <a:ext cx="500484" cy="369332"/>
+          </a:xfrm>
+          <a:prstGeom prst="rect">
+            <a:avLst/>
+          </a:prstGeom>
+          <a:noFill/>
+        </p:spPr>
+        <p:txBody>
+          <a:bodyPr wrap="square" rtlCol="0">
+            <a:spAutoFit/>
+          </a:bodyPr>
+          <a:lstStyle/>
+          <a:p>
+            <a:pPr algn="ctr"/>
+            <a:r>
+              <a:rPr lang="en-US" dirty="0"/>
+              <a:t>(c)</a:t>
+            </a:r>
+          </a:p>
+        </p:txBody>
+      </p:sp>
+      <p:sp>
+        <p:nvSpPr>
+          <p:cNvPr id="35" name="TextBox 34">
+            <a:extLst>
+              <a:ext uri="{FF2B5EF4-FFF2-40B4-BE49-F238E27FC236}">
+                <a16:creationId xmlns:a16="http://schemas.microsoft.com/office/drawing/2014/main" id="{873448FB-237D-4E58-A797-045A97CD13F4}"/>
+              </a:ext>
+            </a:extLst>
+          </p:cNvPr>
+          <p:cNvSpPr txBox="1"/>
+          <p:nvPr/>
+        </p:nvSpPr>
+        <p:spPr>
+          <a:xfrm>
+            <a:off x="8351263" y="5950510"/>
+            <a:ext cx="500484" cy="369332"/>
+          </a:xfrm>
+          <a:prstGeom prst="rect">
+            <a:avLst/>
+          </a:prstGeom>
+          <a:noFill/>
+        </p:spPr>
+        <p:txBody>
+          <a:bodyPr wrap="square" rtlCol="0">
+            <a:spAutoFit/>
+          </a:bodyPr>
+          <a:lstStyle/>
+          <a:p>
+            <a:pPr algn="ctr"/>
+            <a:r>
+              <a:rPr lang="en-US" dirty="0"/>
+              <a:t>(d)</a:t>
+            </a:r>
+          </a:p>
+        </p:txBody>
+      </p:sp>
+      <p:sp>
+        <p:nvSpPr>
+          <p:cNvPr id="36" name="TextBox 35">
+            <a:extLst>
+              <a:ext uri="{FF2B5EF4-FFF2-40B4-BE49-F238E27FC236}">
+                <a16:creationId xmlns:a16="http://schemas.microsoft.com/office/drawing/2014/main" id="{316BDE67-131F-4AA5-AE4A-0384FE81130D}"/>
+              </a:ext>
+            </a:extLst>
+          </p:cNvPr>
+          <p:cNvSpPr txBox="1"/>
+          <p:nvPr/>
+        </p:nvSpPr>
+        <p:spPr>
+          <a:xfrm>
+            <a:off x="4838105" y="5964804"/>
+            <a:ext cx="500484" cy="369332"/>
+          </a:xfrm>
+          <a:prstGeom prst="rect">
+            <a:avLst/>
+          </a:prstGeom>
+          <a:noFill/>
+        </p:spPr>
+        <p:txBody>
+          <a:bodyPr wrap="square" rtlCol="0">
+            <a:spAutoFit/>
+          </a:bodyPr>
+          <a:lstStyle/>
+          <a:p>
+            <a:pPr algn="ctr"/>
+            <a:r>
+              <a:rPr lang="en-US" dirty="0"/>
+              <a:t>(e)</a:t>
+            </a:r>
+          </a:p>
+        </p:txBody>
+      </p:sp>
+      <p:sp>
+        <p:nvSpPr>
+          <p:cNvPr id="37" name="TextBox 36">
+            <a:extLst>
+              <a:ext uri="{FF2B5EF4-FFF2-40B4-BE49-F238E27FC236}">
+                <a16:creationId xmlns:a16="http://schemas.microsoft.com/office/drawing/2014/main" id="{2B66BB4D-3CAF-4502-B131-54B8C84B9B4F}"/>
+              </a:ext>
+            </a:extLst>
+          </p:cNvPr>
+          <p:cNvSpPr txBox="1"/>
+          <p:nvPr/>
+        </p:nvSpPr>
+        <p:spPr>
+          <a:xfrm>
+            <a:off x="1324947" y="5969768"/>
+            <a:ext cx="500484" cy="369332"/>
+          </a:xfrm>
+          <a:prstGeom prst="rect">
+            <a:avLst/>
+          </a:prstGeom>
+          <a:noFill/>
+        </p:spPr>
+        <p:txBody>
+          <a:bodyPr wrap="square" rtlCol="0">
+            <a:spAutoFit/>
+          </a:bodyPr>
+          <a:lstStyle/>
+          <a:p>
+            <a:pPr algn="ctr"/>
+            <a:r>
+              <a:rPr lang="en-US" dirty="0"/>
+              <a:t>(f)</a:t>
+            </a:r>
+          </a:p>
+        </p:txBody>
+      </p:sp>
     </p:spTree>
     <p:extLst>
       <p:ext uri="{BB962C8B-B14F-4D97-AF65-F5344CB8AC3E}">

--- a/plan/road gen plan.pptx
+++ b/plan/road gen plan.pptx
@@ -283,7 +283,7 @@
           <a:p>
             <a:fld id="{D1B78991-D8FC-4616-A991-E51E17600797}" type="datetimeFigureOut">
               <a:rPr lang="en-US" smtClean="0"/>
-              <a:t>6/1/2021</a:t>
+              <a:t>6/2/2021</a:t>
             </a:fld>
             <a:endParaRPr lang="en-US"/>
           </a:p>
@@ -481,7 +481,7 @@
           <a:p>
             <a:fld id="{D1B78991-D8FC-4616-A991-E51E17600797}" type="datetimeFigureOut">
               <a:rPr lang="en-US" smtClean="0"/>
-              <a:t>6/1/2021</a:t>
+              <a:t>6/2/2021</a:t>
             </a:fld>
             <a:endParaRPr lang="en-US"/>
           </a:p>
@@ -689,7 +689,7 @@
           <a:p>
             <a:fld id="{D1B78991-D8FC-4616-A991-E51E17600797}" type="datetimeFigureOut">
               <a:rPr lang="en-US" smtClean="0"/>
-              <a:t>6/1/2021</a:t>
+              <a:t>6/2/2021</a:t>
             </a:fld>
             <a:endParaRPr lang="en-US"/>
           </a:p>
@@ -887,7 +887,7 @@
           <a:p>
             <a:fld id="{D1B78991-D8FC-4616-A991-E51E17600797}" type="datetimeFigureOut">
               <a:rPr lang="en-US" smtClean="0"/>
-              <a:t>6/1/2021</a:t>
+              <a:t>6/2/2021</a:t>
             </a:fld>
             <a:endParaRPr lang="en-US"/>
           </a:p>
@@ -1162,7 +1162,7 @@
           <a:p>
             <a:fld id="{D1B78991-D8FC-4616-A991-E51E17600797}" type="datetimeFigureOut">
               <a:rPr lang="en-US" smtClean="0"/>
-              <a:t>6/1/2021</a:t>
+              <a:t>6/2/2021</a:t>
             </a:fld>
             <a:endParaRPr lang="en-US"/>
           </a:p>
@@ -1427,7 +1427,7 @@
           <a:p>
             <a:fld id="{D1B78991-D8FC-4616-A991-E51E17600797}" type="datetimeFigureOut">
               <a:rPr lang="en-US" smtClean="0"/>
-              <a:t>6/1/2021</a:t>
+              <a:t>6/2/2021</a:t>
             </a:fld>
             <a:endParaRPr lang="en-US"/>
           </a:p>
@@ -1839,7 +1839,7 @@
           <a:p>
             <a:fld id="{D1B78991-D8FC-4616-A991-E51E17600797}" type="datetimeFigureOut">
               <a:rPr lang="en-US" smtClean="0"/>
-              <a:t>6/1/2021</a:t>
+              <a:t>6/2/2021</a:t>
             </a:fld>
             <a:endParaRPr lang="en-US"/>
           </a:p>
@@ -1980,7 +1980,7 @@
           <a:p>
             <a:fld id="{D1B78991-D8FC-4616-A991-E51E17600797}" type="datetimeFigureOut">
               <a:rPr lang="en-US" smtClean="0"/>
-              <a:t>6/1/2021</a:t>
+              <a:t>6/2/2021</a:t>
             </a:fld>
             <a:endParaRPr lang="en-US"/>
           </a:p>
@@ -2093,7 +2093,7 @@
           <a:p>
             <a:fld id="{D1B78991-D8FC-4616-A991-E51E17600797}" type="datetimeFigureOut">
               <a:rPr lang="en-US" smtClean="0"/>
-              <a:t>6/1/2021</a:t>
+              <a:t>6/2/2021</a:t>
             </a:fld>
             <a:endParaRPr lang="en-US"/>
           </a:p>
@@ -2404,7 +2404,7 @@
           <a:p>
             <a:fld id="{D1B78991-D8FC-4616-A991-E51E17600797}" type="datetimeFigureOut">
               <a:rPr lang="en-US" smtClean="0"/>
-              <a:t>6/1/2021</a:t>
+              <a:t>6/2/2021</a:t>
             </a:fld>
             <a:endParaRPr lang="en-US"/>
           </a:p>
@@ -2692,7 +2692,7 @@
           <a:p>
             <a:fld id="{D1B78991-D8FC-4616-A991-E51E17600797}" type="datetimeFigureOut">
               <a:rPr lang="en-US" smtClean="0"/>
-              <a:t>6/1/2021</a:t>
+              <a:t>6/2/2021</a:t>
             </a:fld>
             <a:endParaRPr lang="en-US"/>
           </a:p>
@@ -2933,7 +2933,7 @@
           <a:p>
             <a:fld id="{D1B78991-D8FC-4616-A991-E51E17600797}" type="datetimeFigureOut">
               <a:rPr lang="en-US" smtClean="0"/>
-              <a:t>6/1/2021</a:t>
+              <a:t>6/2/2021</a:t>
             </a:fld>
             <a:endParaRPr lang="en-US"/>
           </a:p>
@@ -25576,6 +25576,45 @@
           </a:p>
         </p:txBody>
       </p:sp>
+      <p:cxnSp>
+        <p:nvCxnSpPr>
+          <p:cNvPr id="7" name="Straight Arrow Connector 6">
+            <a:extLst>
+              <a:ext uri="{FF2B5EF4-FFF2-40B4-BE49-F238E27FC236}">
+                <a16:creationId xmlns:a16="http://schemas.microsoft.com/office/drawing/2014/main" id="{D3A38FC4-C736-47D4-ACE1-7709C4D081BB}"/>
+              </a:ext>
+            </a:extLst>
+          </p:cNvPr>
+          <p:cNvCxnSpPr/>
+          <p:nvPr/>
+        </p:nvCxnSpPr>
+        <p:spPr>
+          <a:xfrm>
+            <a:off x="6202973" y="3002573"/>
+            <a:ext cx="0" cy="790199"/>
+          </a:xfrm>
+          <a:prstGeom prst="straightConnector1">
+            <a:avLst/>
+          </a:prstGeom>
+          <a:ln>
+            <a:tailEnd type="triangle"/>
+          </a:ln>
+        </p:spPr>
+        <p:style>
+          <a:lnRef idx="1">
+            <a:schemeClr val="accent1"/>
+          </a:lnRef>
+          <a:fillRef idx="0">
+            <a:schemeClr val="accent1"/>
+          </a:fillRef>
+          <a:effectRef idx="0">
+            <a:schemeClr val="accent1"/>
+          </a:effectRef>
+          <a:fontRef idx="minor">
+            <a:schemeClr val="tx1"/>
+          </a:fontRef>
+        </p:style>
+      </p:cxnSp>
     </p:spTree>
     <p:extLst>
       <p:ext uri="{BB962C8B-B14F-4D97-AF65-F5344CB8AC3E}">
@@ -30730,7 +30769,7 @@
             </a:extLst>
           </p:cNvPr>
           <p:cNvCxnSpPr>
-            <a:stCxn id="20" idx="1"/>
+            <a:cxnSpLocks/>
             <a:endCxn id="26" idx="5"/>
           </p:cNvCxnSpPr>
           <p:nvPr/>
@@ -30738,7 +30777,7 @@
         <p:spPr>
           <a:xfrm flipH="1" flipV="1">
             <a:off x="3461929" y="4065146"/>
-            <a:ext cx="368810" cy="1264173"/>
+            <a:ext cx="376961" cy="1282418"/>
           </a:xfrm>
           <a:prstGeom prst="line">
             <a:avLst/>
@@ -30770,55 +30809,14 @@
           </p:cNvPr>
           <p:cNvCxnSpPr>
             <a:cxnSpLocks/>
-            <a:stCxn id="20" idx="0"/>
             <a:endCxn id="25" idx="3"/>
           </p:cNvCxnSpPr>
           <p:nvPr/>
         </p:nvCxnSpPr>
         <p:spPr>
           <a:xfrm flipV="1">
-            <a:off x="3850418" y="3992549"/>
-            <a:ext cx="360659" cy="1326872"/>
-          </a:xfrm>
-          <a:prstGeom prst="line">
-            <a:avLst/>
-          </a:prstGeom>
-        </p:spPr>
-        <p:style>
-          <a:lnRef idx="1">
-            <a:schemeClr val="accent1"/>
-          </a:lnRef>
-          <a:fillRef idx="0">
-            <a:schemeClr val="accent1"/>
-          </a:fillRef>
-          <a:effectRef idx="0">
-            <a:schemeClr val="accent1"/>
-          </a:effectRef>
-          <a:fontRef idx="minor">
-            <a:schemeClr val="tx1"/>
-          </a:fontRef>
-        </p:style>
-      </p:cxnSp>
-      <p:cxnSp>
-        <p:nvCxnSpPr>
-          <p:cNvPr id="33" name="Straight Connector 32">
-            <a:extLst>
-              <a:ext uri="{FF2B5EF4-FFF2-40B4-BE49-F238E27FC236}">
-                <a16:creationId xmlns:a16="http://schemas.microsoft.com/office/drawing/2014/main" id="{630AAEA2-00D9-4ED2-BD8C-0F9C380EF030}"/>
-              </a:ext>
-            </a:extLst>
-          </p:cNvPr>
-          <p:cNvCxnSpPr>
-            <a:cxnSpLocks/>
-            <a:stCxn id="20" idx="5"/>
-            <a:endCxn id="23" idx="6"/>
-          </p:cNvCxnSpPr>
-          <p:nvPr/>
-        </p:nvCxnSpPr>
-        <p:spPr>
-          <a:xfrm>
-            <a:off x="3870096" y="5377108"/>
-            <a:ext cx="360660" cy="951466"/>
+            <a:off x="3850415" y="3992549"/>
+            <a:ext cx="360662" cy="1384559"/>
           </a:xfrm>
           <a:prstGeom prst="line">
             <a:avLst/>
@@ -30859,46 +30857,6 @@
           <a:xfrm flipH="1">
             <a:off x="3870095" y="5329319"/>
             <a:ext cx="1" cy="967411"/>
-          </a:xfrm>
-          <a:prstGeom prst="line">
-            <a:avLst/>
-          </a:prstGeom>
-        </p:spPr>
-        <p:style>
-          <a:lnRef idx="1">
-            <a:schemeClr val="accent1"/>
-          </a:lnRef>
-          <a:fillRef idx="0">
-            <a:schemeClr val="accent1"/>
-          </a:fillRef>
-          <a:effectRef idx="0">
-            <a:schemeClr val="accent1"/>
-          </a:effectRef>
-          <a:fontRef idx="minor">
-            <a:schemeClr val="tx1"/>
-          </a:fontRef>
-        </p:style>
-      </p:cxnSp>
-      <p:cxnSp>
-        <p:nvCxnSpPr>
-          <p:cNvPr id="35" name="Straight Connector 34">
-            <a:extLst>
-              <a:ext uri="{FF2B5EF4-FFF2-40B4-BE49-F238E27FC236}">
-                <a16:creationId xmlns:a16="http://schemas.microsoft.com/office/drawing/2014/main" id="{C8277F8F-6208-4D6F-B699-0072E8B83429}"/>
-              </a:ext>
-            </a:extLst>
-          </p:cNvPr>
-          <p:cNvCxnSpPr>
-            <a:cxnSpLocks/>
-            <a:stCxn id="20" idx="1"/>
-            <a:endCxn id="21" idx="0"/>
-          </p:cNvCxnSpPr>
-          <p:nvPr/>
-        </p:nvCxnSpPr>
-        <p:spPr>
-          <a:xfrm flipH="1">
-            <a:off x="3414422" y="5329319"/>
-            <a:ext cx="416317" cy="965462"/>
           </a:xfrm>
           <a:prstGeom prst="line">
             <a:avLst/>
@@ -31442,6 +31400,57 @@
               <a:rPr lang="en-US" dirty="0"/>
               <a:t>Reconstructing HD map from OSM, OSM can give us a network. ARGO-Verse HD maps. ML model to convert OSM to HD map?</a:t>
             </a:r>
+          </a:p>
+        </p:txBody>
+      </p:sp>
+      <p:sp>
+        <p:nvSpPr>
+          <p:cNvPr id="4" name="Oval 3">
+            <a:extLst>
+              <a:ext uri="{FF2B5EF4-FFF2-40B4-BE49-F238E27FC236}">
+                <a16:creationId xmlns:a16="http://schemas.microsoft.com/office/drawing/2014/main" id="{4EEA3A4F-82F7-4ED0-B6B3-6A66F5B5D7E2}"/>
+              </a:ext>
+            </a:extLst>
+          </p:cNvPr>
+          <p:cNvSpPr/>
+          <p:nvPr/>
+        </p:nvSpPr>
+        <p:spPr>
+          <a:xfrm>
+            <a:off x="3528955" y="5017585"/>
+            <a:ext cx="619870" cy="659958"/>
+          </a:xfrm>
+          <a:prstGeom prst="ellipse">
+            <a:avLst/>
+          </a:prstGeom>
+          <a:solidFill>
+            <a:schemeClr val="accent2">
+              <a:alpha val="51000"/>
+            </a:schemeClr>
+          </a:solidFill>
+        </p:spPr>
+        <p:style>
+          <a:lnRef idx="2">
+            <a:schemeClr val="accent1">
+              <a:shade val="50000"/>
+            </a:schemeClr>
+          </a:lnRef>
+          <a:fillRef idx="1">
+            <a:schemeClr val="accent1"/>
+          </a:fillRef>
+          <a:effectRef idx="0">
+            <a:schemeClr val="accent1"/>
+          </a:effectRef>
+          <a:fontRef idx="minor">
+            <a:schemeClr val="lt1"/>
+          </a:fontRef>
+        </p:style>
+        <p:txBody>
+          <a:bodyPr rtlCol="0" anchor="ctr"/>
+          <a:lstStyle/>
+          <a:p>
+            <a:pPr algn="ctr"/>
+            <a:endParaRPr lang="en-US"/>
           </a:p>
         </p:txBody>
       </p:sp>
